--- a/node-uvod.pptx
+++ b/node-uvod.pptx
@@ -5,28 +5,35 @@
     <p:sldMasterId id="2147483648" r:id="rId1"/>
   </p:sldMasterIdLst>
   <p:notesMasterIdLst>
-    <p:notesMasterId r:id="rId21"/>
+    <p:notesMasterId r:id="rId28"/>
   </p:notesMasterIdLst>
   <p:sldIdLst>
     <p:sldId id="256" r:id="rId2"/>
-    <p:sldId id="282" r:id="rId3"/>
-    <p:sldId id="283" r:id="rId4"/>
-    <p:sldId id="274" r:id="rId5"/>
-    <p:sldId id="280" r:id="rId6"/>
-    <p:sldId id="275" r:id="rId7"/>
-    <p:sldId id="281" r:id="rId8"/>
-    <p:sldId id="284" r:id="rId9"/>
-    <p:sldId id="276" r:id="rId10"/>
-    <p:sldId id="277" r:id="rId11"/>
-    <p:sldId id="279" r:id="rId12"/>
-    <p:sldId id="278" r:id="rId13"/>
-    <p:sldId id="289" r:id="rId14"/>
-    <p:sldId id="290" r:id="rId15"/>
-    <p:sldId id="285" r:id="rId16"/>
-    <p:sldId id="287" r:id="rId17"/>
-    <p:sldId id="286" r:id="rId18"/>
-    <p:sldId id="288" r:id="rId19"/>
-    <p:sldId id="273" r:id="rId20"/>
+    <p:sldId id="293" r:id="rId3"/>
+    <p:sldId id="282" r:id="rId4"/>
+    <p:sldId id="283" r:id="rId5"/>
+    <p:sldId id="274" r:id="rId6"/>
+    <p:sldId id="280" r:id="rId7"/>
+    <p:sldId id="275" r:id="rId8"/>
+    <p:sldId id="281" r:id="rId9"/>
+    <p:sldId id="284" r:id="rId10"/>
+    <p:sldId id="276" r:id="rId11"/>
+    <p:sldId id="277" r:id="rId12"/>
+    <p:sldId id="279" r:id="rId13"/>
+    <p:sldId id="292" r:id="rId14"/>
+    <p:sldId id="295" r:id="rId15"/>
+    <p:sldId id="296" r:id="rId16"/>
+    <p:sldId id="278" r:id="rId17"/>
+    <p:sldId id="289" r:id="rId18"/>
+    <p:sldId id="297" r:id="rId19"/>
+    <p:sldId id="290" r:id="rId20"/>
+    <p:sldId id="294" r:id="rId21"/>
+    <p:sldId id="285" r:id="rId22"/>
+    <p:sldId id="287" r:id="rId23"/>
+    <p:sldId id="291" r:id="rId24"/>
+    <p:sldId id="286" r:id="rId25"/>
+    <p:sldId id="288" r:id="rId26"/>
+    <p:sldId id="273" r:id="rId27"/>
   </p:sldIdLst>
   <p:sldSz cx="9144000" cy="6858000" type="screen4x3"/>
   <p:notesSz cx="6858000" cy="9144000"/>
@@ -127,7 +134,7 @@
   </p:defaultTextStyle>
   <p:extLst>
     <p:ext uri="{EFAFB233-063F-42B5-8137-9DF3F51BA10A}">
-      <p15:sldGuideLst xmlns="" xmlns:p15="http://schemas.microsoft.com/office/powerpoint/2012/main">
+      <p15:sldGuideLst xmlns:p15="http://schemas.microsoft.com/office/powerpoint/2012/main" xmlns="">
         <p15:guide id="1" orient="horz" pos="2160">
           <p15:clr>
             <a:srgbClr val="A4A3A4"/>
@@ -226,7 +233,7 @@
           <a:p>
             <a:fld id="{BB98AB2E-CF13-4FF5-88F8-81D6F4127D67}" type="datetimeFigureOut">
               <a:rPr lang="cs-CZ" smtClean="0"/>
-              <a:t>21.03.2018</a:t>
+              <a:t>22.03.2018</a:t>
             </a:fld>
             <a:endParaRPr lang="cs-CZ"/>
           </a:p>
@@ -675,7 +682,7 @@
           <a:p>
             <a:fld id="{E7BB63EB-1FEB-4BB0-AF8D-BD442935F862}" type="datetimeFigureOut">
               <a:rPr lang="cs-CZ" smtClean="0"/>
-              <a:t>21.03.2018</a:t>
+              <a:t>22.03.2018</a:t>
             </a:fld>
             <a:endParaRPr lang="cs-CZ"/>
           </a:p>
@@ -845,7 +852,7 @@
           <a:p>
             <a:fld id="{E7BB63EB-1FEB-4BB0-AF8D-BD442935F862}" type="datetimeFigureOut">
               <a:rPr lang="cs-CZ" smtClean="0"/>
-              <a:t>21.03.2018</a:t>
+              <a:t>22.03.2018</a:t>
             </a:fld>
             <a:endParaRPr lang="cs-CZ"/>
           </a:p>
@@ -1025,7 +1032,7 @@
           <a:p>
             <a:fld id="{E7BB63EB-1FEB-4BB0-AF8D-BD442935F862}" type="datetimeFigureOut">
               <a:rPr lang="cs-CZ" smtClean="0"/>
-              <a:t>21.03.2018</a:t>
+              <a:t>22.03.2018</a:t>
             </a:fld>
             <a:endParaRPr lang="cs-CZ"/>
           </a:p>
@@ -1195,7 +1202,7 @@
           <a:p>
             <a:fld id="{E7BB63EB-1FEB-4BB0-AF8D-BD442935F862}" type="datetimeFigureOut">
               <a:rPr lang="cs-CZ" smtClean="0"/>
-              <a:t>21.03.2018</a:t>
+              <a:t>22.03.2018</a:t>
             </a:fld>
             <a:endParaRPr lang="cs-CZ"/>
           </a:p>
@@ -1441,7 +1448,7 @@
           <a:p>
             <a:fld id="{E7BB63EB-1FEB-4BB0-AF8D-BD442935F862}" type="datetimeFigureOut">
               <a:rPr lang="cs-CZ" smtClean="0"/>
-              <a:t>21.03.2018</a:t>
+              <a:t>22.03.2018</a:t>
             </a:fld>
             <a:endParaRPr lang="cs-CZ"/>
           </a:p>
@@ -1729,7 +1736,7 @@
           <a:p>
             <a:fld id="{E7BB63EB-1FEB-4BB0-AF8D-BD442935F862}" type="datetimeFigureOut">
               <a:rPr lang="cs-CZ" smtClean="0"/>
-              <a:t>21.03.2018</a:t>
+              <a:t>22.03.2018</a:t>
             </a:fld>
             <a:endParaRPr lang="cs-CZ"/>
           </a:p>
@@ -2151,7 +2158,7 @@
           <a:p>
             <a:fld id="{E7BB63EB-1FEB-4BB0-AF8D-BD442935F862}" type="datetimeFigureOut">
               <a:rPr lang="cs-CZ" smtClean="0"/>
-              <a:t>21.03.2018</a:t>
+              <a:t>22.03.2018</a:t>
             </a:fld>
             <a:endParaRPr lang="cs-CZ"/>
           </a:p>
@@ -2269,7 +2276,7 @@
           <a:p>
             <a:fld id="{E7BB63EB-1FEB-4BB0-AF8D-BD442935F862}" type="datetimeFigureOut">
               <a:rPr lang="cs-CZ" smtClean="0"/>
-              <a:t>21.03.2018</a:t>
+              <a:t>22.03.2018</a:t>
             </a:fld>
             <a:endParaRPr lang="cs-CZ"/>
           </a:p>
@@ -2364,7 +2371,7 @@
           <a:p>
             <a:fld id="{E7BB63EB-1FEB-4BB0-AF8D-BD442935F862}" type="datetimeFigureOut">
               <a:rPr lang="cs-CZ" smtClean="0"/>
-              <a:t>21.03.2018</a:t>
+              <a:t>22.03.2018</a:t>
             </a:fld>
             <a:endParaRPr lang="cs-CZ"/>
           </a:p>
@@ -2641,7 +2648,7 @@
           <a:p>
             <a:fld id="{E7BB63EB-1FEB-4BB0-AF8D-BD442935F862}" type="datetimeFigureOut">
               <a:rPr lang="cs-CZ" smtClean="0"/>
-              <a:t>21.03.2018</a:t>
+              <a:t>22.03.2018</a:t>
             </a:fld>
             <a:endParaRPr lang="cs-CZ"/>
           </a:p>
@@ -2894,7 +2901,7 @@
           <a:p>
             <a:fld id="{E7BB63EB-1FEB-4BB0-AF8D-BD442935F862}" type="datetimeFigureOut">
               <a:rPr lang="cs-CZ" smtClean="0"/>
-              <a:t>21.03.2018</a:t>
+              <a:t>22.03.2018</a:t>
             </a:fld>
             <a:endParaRPr lang="cs-CZ"/>
           </a:p>
@@ -3107,7 +3114,7 @@
           <a:p>
             <a:fld id="{E7BB63EB-1FEB-4BB0-AF8D-BD442935F862}" type="datetimeFigureOut">
               <a:rPr lang="cs-CZ" smtClean="0"/>
-              <a:t>21.03.2018</a:t>
+              <a:t>22.03.2018</a:t>
             </a:fld>
             <a:endParaRPr lang="cs-CZ"/>
           </a:p>
@@ -3816,8 +3823,20 @@
           <a:lstStyle/>
           <a:p>
             <a:r>
+              <a:rPr lang="cs-CZ" dirty="0" smtClean="0"/>
+              <a:t>Moduly </a:t>
+            </a:r>
+            <a:r>
               <a:rPr lang="en-US" dirty="0" smtClean="0"/>
-              <a:t>3d party library</a:t>
+              <a:t>(</a:t>
+            </a:r>
+            <a:r>
+              <a:rPr lang="en-US" dirty="0" err="1" smtClean="0"/>
+              <a:t>knihovny</a:t>
+            </a:r>
+            <a:r>
+              <a:rPr lang="en-US" dirty="0" smtClean="0"/>
+              <a:t>)</a:t>
             </a:r>
             <a:endParaRPr lang="en-US" dirty="0"/>
           </a:p>
@@ -3835,148 +3854,124 @@
         </p:nvSpPr>
         <p:spPr/>
         <p:txBody>
-          <a:bodyPr/>
-          <a:lstStyle/>
-          <a:p>
-            <a:r>
-              <a:rPr lang="en-US" dirty="0" err="1" smtClean="0">
-                <a:latin typeface="Courier New" panose="02070309020205020404" pitchFamily="49" charset="0"/>
-                <a:cs typeface="Courier New" panose="02070309020205020404" pitchFamily="49" charset="0"/>
+          <a:bodyPr>
+            <a:normAutofit/>
+          </a:bodyPr>
+          <a:lstStyle/>
+          <a:p>
+            <a:r>
+              <a:rPr lang="en-US" dirty="0" err="1" smtClean="0"/>
+              <a:t>Nativn</a:t>
+            </a:r>
+            <a:r>
+              <a:rPr lang="cs-CZ" dirty="0" smtClean="0"/>
+              <a:t>í</a:t>
+            </a:r>
+          </a:p>
+          <a:p>
+            <a:pPr lvl="1"/>
+            <a:r>
+              <a:rPr lang="cs-CZ" dirty="0" err="1" smtClean="0"/>
+              <a:t>Filesystem</a:t>
+            </a:r>
+            <a:r>
+              <a:rPr lang="cs-CZ" dirty="0" smtClean="0"/>
+              <a:t>,</a:t>
+            </a:r>
+            <a:r>
+              <a:rPr lang="en-US" dirty="0" smtClean="0"/>
+              <a:t> http, ..</a:t>
+            </a:r>
+            <a:endParaRPr lang="cs-CZ" dirty="0" smtClean="0"/>
+          </a:p>
+          <a:p>
+            <a:pPr lvl="1"/>
+            <a:r>
+              <a:rPr lang="cs-CZ" dirty="0">
+                <a:hlinkClick r:id="rId2"/>
               </a:rPr>
-              <a:t>npm</a:t>
-            </a:r>
-            <a:r>
-              <a:rPr lang="en-US" dirty="0" smtClean="0">
-                <a:latin typeface="Courier New" panose="02070309020205020404" pitchFamily="49" charset="0"/>
-                <a:cs typeface="Courier New" panose="02070309020205020404" pitchFamily="49" charset="0"/>
+              <a:t>https://nodejs.org/api</a:t>
+            </a:r>
+            <a:r>
+              <a:rPr lang="cs-CZ" dirty="0" smtClean="0">
+                <a:hlinkClick r:id="rId2"/>
               </a:rPr>
-              <a:t> install express</a:t>
-            </a:r>
-          </a:p>
-          <a:p>
-            <a:endParaRPr lang="en-US" dirty="0" smtClean="0">
-              <a:latin typeface="Courier New" panose="02070309020205020404" pitchFamily="49" charset="0"/>
-              <a:cs typeface="Courier New" panose="02070309020205020404" pitchFamily="49" charset="0"/>
-            </a:endParaRPr>
-          </a:p>
-          <a:p>
-            <a:r>
-              <a:rPr lang="en-US" dirty="0" err="1">
-                <a:latin typeface="Courier New" panose="02070309020205020404" pitchFamily="49" charset="0"/>
-                <a:cs typeface="Courier New" panose="02070309020205020404" pitchFamily="49" charset="0"/>
+              <a:t>/</a:t>
+            </a:r>
+            <a:r>
+              <a:rPr lang="cs-CZ" dirty="0" smtClean="0"/>
+              <a:t> </a:t>
+            </a:r>
+          </a:p>
+          <a:p>
+            <a:r>
+              <a:rPr lang="cs-CZ" dirty="0" smtClean="0"/>
+              <a:t>3d party z </a:t>
+            </a:r>
+            <a:r>
+              <a:rPr lang="cs-CZ" dirty="0" err="1" smtClean="0"/>
+              <a:t>repository</a:t>
+            </a:r>
+            <a:endParaRPr lang="cs-CZ" dirty="0" smtClean="0"/>
+          </a:p>
+          <a:p>
+            <a:pPr lvl="1"/>
+            <a:r>
+              <a:rPr lang="cs-CZ" dirty="0"/>
+              <a:t>Z </a:t>
+            </a:r>
+            <a:r>
+              <a:rPr lang="cs-CZ" dirty="0" err="1"/>
+              <a:t>repository</a:t>
+            </a:r>
+            <a:r>
+              <a:rPr lang="cs-CZ" dirty="0"/>
+              <a:t> </a:t>
+            </a:r>
+            <a:r>
+              <a:rPr lang="cs-CZ" dirty="0">
+                <a:hlinkClick r:id="rId3"/>
               </a:rPr>
-              <a:t>npm</a:t>
-            </a:r>
-            <a:r>
-              <a:rPr lang="en-US" dirty="0">
-                <a:latin typeface="Courier New" panose="02070309020205020404" pitchFamily="49" charset="0"/>
-                <a:cs typeface="Courier New" panose="02070309020205020404" pitchFamily="49" charset="0"/>
+              <a:t>https://www.npmjs.com</a:t>
+            </a:r>
+            <a:r>
+              <a:rPr lang="cs-CZ" dirty="0" smtClean="0">
+                <a:hlinkClick r:id="rId3"/>
               </a:rPr>
-              <a:t> install </a:t>
-            </a:r>
-            <a:r>
-              <a:rPr lang="en-US" dirty="0" smtClean="0">
-                <a:latin typeface="Courier New" panose="02070309020205020404" pitchFamily="49" charset="0"/>
-                <a:cs typeface="Courier New" panose="02070309020205020404" pitchFamily="49" charset="0"/>
-              </a:rPr>
-              <a:t>express --save</a:t>
-            </a:r>
-          </a:p>
-          <a:p>
-            <a:endParaRPr lang="en-US" dirty="0">
-              <a:latin typeface="Courier New" panose="02070309020205020404" pitchFamily="49" charset="0"/>
-              <a:cs typeface="Courier New" panose="02070309020205020404" pitchFamily="49" charset="0"/>
-            </a:endParaRPr>
-          </a:p>
-          <a:p>
-            <a:r>
-              <a:rPr lang="en-US" dirty="0" err="1">
-                <a:latin typeface="Courier New" panose="02070309020205020404" pitchFamily="49" charset="0"/>
-                <a:cs typeface="Courier New" panose="02070309020205020404" pitchFamily="49" charset="0"/>
-              </a:rPr>
-              <a:t>npm</a:t>
-            </a:r>
-            <a:r>
-              <a:rPr lang="en-US" dirty="0">
-                <a:latin typeface="Courier New" panose="02070309020205020404" pitchFamily="49" charset="0"/>
-                <a:cs typeface="Courier New" panose="02070309020205020404" pitchFamily="49" charset="0"/>
-              </a:rPr>
-              <a:t> install </a:t>
-            </a:r>
-            <a:r>
-              <a:rPr lang="en-US" dirty="0" smtClean="0">
-                <a:latin typeface="Courier New" panose="02070309020205020404" pitchFamily="49" charset="0"/>
-                <a:cs typeface="Courier New" panose="02070309020205020404" pitchFamily="49" charset="0"/>
-              </a:rPr>
-              <a:t>express --save-dev</a:t>
-            </a:r>
-          </a:p>
-          <a:p>
-            <a:endParaRPr lang="en-US" dirty="0">
-              <a:latin typeface="Courier New" panose="02070309020205020404" pitchFamily="49" charset="0"/>
-              <a:cs typeface="Courier New" panose="02070309020205020404" pitchFamily="49" charset="0"/>
-            </a:endParaRPr>
-          </a:p>
-          <a:p>
-            <a:r>
-              <a:rPr lang="en-US" dirty="0" err="1">
-                <a:latin typeface="Courier New" panose="02070309020205020404" pitchFamily="49" charset="0"/>
-                <a:cs typeface="Courier New" panose="02070309020205020404" pitchFamily="49" charset="0"/>
-              </a:rPr>
-              <a:t>n</a:t>
-            </a:r>
-            <a:r>
-              <a:rPr lang="en-US" dirty="0" err="1" smtClean="0">
-                <a:latin typeface="Courier New" panose="02070309020205020404" pitchFamily="49" charset="0"/>
-                <a:cs typeface="Courier New" panose="02070309020205020404" pitchFamily="49" charset="0"/>
-              </a:rPr>
-              <a:t>pm</a:t>
-            </a:r>
-            <a:r>
-              <a:rPr lang="en-US" dirty="0" smtClean="0">
-                <a:latin typeface="Courier New" panose="02070309020205020404" pitchFamily="49" charset="0"/>
-                <a:cs typeface="Courier New" panose="02070309020205020404" pitchFamily="49" charset="0"/>
-              </a:rPr>
+              <a:t>/</a:t>
+            </a:r>
+            <a:r>
+              <a:rPr lang="cs-CZ" dirty="0" smtClean="0"/>
               <a:t> </a:t>
             </a:r>
-            <a:r>
-              <a:rPr lang="en-US" dirty="0" smtClean="0">
-                <a:latin typeface="Courier New" panose="02070309020205020404" pitchFamily="49" charset="0"/>
-                <a:cs typeface="Courier New" panose="02070309020205020404" pitchFamily="49" charset="0"/>
-              </a:rPr>
-              <a:t>install</a:t>
-            </a:r>
-            <a:r>
-              <a:rPr lang="cs-CZ" dirty="0" smtClean="0">
-                <a:latin typeface="Courier New" panose="02070309020205020404" pitchFamily="49" charset="0"/>
-                <a:cs typeface="Courier New" panose="02070309020205020404" pitchFamily="49" charset="0"/>
-              </a:rPr>
-              <a:t> </a:t>
-            </a:r>
-            <a:r>
-              <a:rPr lang="en-US" dirty="0" smtClean="0">
-                <a:latin typeface="Courier New" panose="02070309020205020404" pitchFamily="49" charset="0"/>
-                <a:cs typeface="Courier New" panose="02070309020205020404" pitchFamily="49" charset="0"/>
-              </a:rPr>
-              <a:t>$folder </a:t>
-            </a:r>
-            <a:endParaRPr lang="en-US" dirty="0">
-              <a:latin typeface="Courier New" panose="02070309020205020404" pitchFamily="49" charset="0"/>
-              <a:cs typeface="Courier New" panose="02070309020205020404" pitchFamily="49" charset="0"/>
-            </a:endParaRPr>
-          </a:p>
-          <a:p>
-            <a:endParaRPr lang="en-US" dirty="0">
-              <a:latin typeface="Courier New" panose="02070309020205020404" pitchFamily="49" charset="0"/>
-              <a:cs typeface="Courier New" panose="02070309020205020404" pitchFamily="49" charset="0"/>
-            </a:endParaRPr>
+          </a:p>
+          <a:p>
+            <a:r>
+              <a:rPr lang="cs-CZ" dirty="0" smtClean="0"/>
+              <a:t>3d party jiné</a:t>
+            </a:r>
+          </a:p>
+          <a:p>
+            <a:pPr lvl="1"/>
+            <a:r>
+              <a:rPr lang="cs-CZ" dirty="0" smtClean="0"/>
+              <a:t>Ze souboru atd.</a:t>
+            </a:r>
+          </a:p>
+          <a:p>
+            <a:pPr lvl="1"/>
+            <a:endParaRPr lang="cs-CZ" dirty="0"/>
+          </a:p>
+          <a:p>
+            <a:pPr lvl="1"/>
+            <a:endParaRPr lang="cs-CZ" dirty="0" smtClean="0"/>
           </a:p>
         </p:txBody>
       </p:sp>
     </p:spTree>
     <p:extLst>
       <p:ext uri="{BB962C8B-B14F-4D97-AF65-F5344CB8AC3E}">
-        <p14:creationId xmlns:p14="http://schemas.microsoft.com/office/powerpoint/2010/main" val="1224460365"/>
+        <p14:creationId xmlns:p14="http://schemas.microsoft.com/office/powerpoint/2010/main" val="1008624064"/>
       </p:ext>
     </p:extLst>
   </p:cSld>
@@ -4026,8 +4021,8 @@
           <a:lstStyle/>
           <a:p>
             <a:r>
-              <a:rPr lang="cs-CZ" dirty="0" err="1" smtClean="0"/>
-              <a:t>Debuging</a:t>
+              <a:rPr lang="en-US" dirty="0" smtClean="0"/>
+              <a:t>3d party library</a:t>
             </a:r>
             <a:endParaRPr lang="en-US" dirty="0"/>
           </a:p>
@@ -4043,164 +4038,156 @@
             <p:ph idx="1"/>
           </p:nvPr>
         </p:nvSpPr>
-        <p:spPr>
-          <a:xfrm>
-            <a:off x="457200" y="1340768"/>
-            <a:ext cx="8229600" cy="4785395"/>
-          </a:xfrm>
-        </p:spPr>
-        <p:txBody>
-          <a:bodyPr>
-            <a:normAutofit fontScale="92500" lnSpcReduction="20000"/>
-          </a:bodyPr>
-          <a:lstStyle/>
-          <a:p>
-            <a:pPr marL="0" indent="0">
-              <a:buNone/>
-            </a:pPr>
-            <a:r>
-              <a:rPr lang="en-US" dirty="0" err="1" smtClean="0"/>
-              <a:t>Nativn</a:t>
-            </a:r>
-            <a:r>
-              <a:rPr lang="cs-CZ" dirty="0" smtClean="0"/>
-              <a:t>ě:</a:t>
-            </a:r>
-            <a:endParaRPr lang="en-US" dirty="0" smtClean="0"/>
-          </a:p>
-          <a:p>
-            <a:r>
-              <a:rPr lang="cs-CZ" dirty="0" smtClean="0"/>
-              <a:t>node </a:t>
-            </a:r>
-            <a:r>
-              <a:rPr lang="en-US" dirty="0" smtClean="0"/>
-              <a:t>--inspect-</a:t>
-            </a:r>
-            <a:r>
-              <a:rPr lang="en-US" dirty="0" err="1" smtClean="0"/>
-              <a:t>brk</a:t>
-            </a:r>
-            <a:r>
-              <a:rPr lang="en-US" dirty="0" smtClean="0"/>
-              <a:t>  ./1-helloWordFs.js</a:t>
-            </a:r>
-          </a:p>
-          <a:p>
-            <a:r>
-              <a:rPr lang="en-US" dirty="0"/>
-              <a:t>c</a:t>
-            </a:r>
-            <a:r>
-              <a:rPr lang="en-US" dirty="0" smtClean="0"/>
-              <a:t>hrome://inspect</a:t>
-            </a:r>
-            <a:r>
-              <a:rPr lang="cs-CZ" dirty="0" smtClean="0"/>
+        <p:spPr/>
+        <p:txBody>
+          <a:bodyPr/>
+          <a:lstStyle/>
+          <a:p>
+            <a:r>
+              <a:rPr lang="en-US" dirty="0" err="1" smtClean="0">
+                <a:latin typeface="Courier New" panose="02070309020205020404" pitchFamily="49" charset="0"/>
+                <a:cs typeface="Courier New" panose="02070309020205020404" pitchFamily="49" charset="0"/>
+              </a:rPr>
+              <a:t>npm</a:t>
+            </a:r>
+            <a:r>
+              <a:rPr lang="en-US" dirty="0" smtClean="0">
+                <a:latin typeface="Courier New" panose="02070309020205020404" pitchFamily="49" charset="0"/>
+                <a:cs typeface="Courier New" panose="02070309020205020404" pitchFamily="49" charset="0"/>
+              </a:rPr>
+              <a:t> install express</a:t>
+            </a:r>
+          </a:p>
+          <a:p>
+            <a:endParaRPr lang="en-US" dirty="0" smtClean="0">
+              <a:latin typeface="Courier New" panose="02070309020205020404" pitchFamily="49" charset="0"/>
+              <a:cs typeface="Courier New" panose="02070309020205020404" pitchFamily="49" charset="0"/>
+            </a:endParaRPr>
+          </a:p>
+          <a:p>
+            <a:r>
+              <a:rPr lang="en-US" dirty="0" err="1">
+                <a:latin typeface="Courier New" panose="02070309020205020404" pitchFamily="49" charset="0"/>
+                <a:cs typeface="Courier New" panose="02070309020205020404" pitchFamily="49" charset="0"/>
+              </a:rPr>
+              <a:t>npm</a:t>
+            </a:r>
+            <a:r>
+              <a:rPr lang="en-US" dirty="0">
+                <a:latin typeface="Courier New" panose="02070309020205020404" pitchFamily="49" charset="0"/>
+                <a:cs typeface="Courier New" panose="02070309020205020404" pitchFamily="49" charset="0"/>
+              </a:rPr>
+              <a:t> install </a:t>
+            </a:r>
+            <a:r>
+              <a:rPr lang="en-US" dirty="0" smtClean="0">
+                <a:latin typeface="Courier New" panose="02070309020205020404" pitchFamily="49" charset="0"/>
+                <a:cs typeface="Courier New" panose="02070309020205020404" pitchFamily="49" charset="0"/>
+              </a:rPr>
+              <a:t>express --save</a:t>
+            </a:r>
+          </a:p>
+          <a:p>
+            <a:endParaRPr lang="en-US" dirty="0">
+              <a:latin typeface="Courier New" panose="02070309020205020404" pitchFamily="49" charset="0"/>
+              <a:cs typeface="Courier New" panose="02070309020205020404" pitchFamily="49" charset="0"/>
+            </a:endParaRPr>
+          </a:p>
+          <a:p>
+            <a:r>
+              <a:rPr lang="en-US" dirty="0" err="1">
+                <a:latin typeface="Courier New" panose="02070309020205020404" pitchFamily="49" charset="0"/>
+                <a:cs typeface="Courier New" panose="02070309020205020404" pitchFamily="49" charset="0"/>
+              </a:rPr>
+              <a:t>npm</a:t>
+            </a:r>
+            <a:r>
+              <a:rPr lang="en-US" dirty="0">
+                <a:latin typeface="Courier New" panose="02070309020205020404" pitchFamily="49" charset="0"/>
+                <a:cs typeface="Courier New" panose="02070309020205020404" pitchFamily="49" charset="0"/>
+              </a:rPr>
+              <a:t> install </a:t>
+            </a:r>
+            <a:r>
+              <a:rPr lang="en-US" dirty="0" smtClean="0">
+                <a:latin typeface="Courier New" panose="02070309020205020404" pitchFamily="49" charset="0"/>
+                <a:cs typeface="Courier New" panose="02070309020205020404" pitchFamily="49" charset="0"/>
+              </a:rPr>
+              <a:t>express --save-dev</a:t>
+            </a:r>
+          </a:p>
+          <a:p>
+            <a:endParaRPr lang="en-US" dirty="0">
+              <a:latin typeface="Courier New" panose="02070309020205020404" pitchFamily="49" charset="0"/>
+              <a:cs typeface="Courier New" panose="02070309020205020404" pitchFamily="49" charset="0"/>
+            </a:endParaRPr>
+          </a:p>
+          <a:p>
+            <a:r>
+              <a:rPr lang="en-US" dirty="0" err="1">
+                <a:latin typeface="Courier New" panose="02070309020205020404" pitchFamily="49" charset="0"/>
+                <a:cs typeface="Courier New" panose="02070309020205020404" pitchFamily="49" charset="0"/>
+              </a:rPr>
+              <a:t>n</a:t>
+            </a:r>
+            <a:r>
+              <a:rPr lang="en-US" dirty="0" err="1" smtClean="0">
+                <a:latin typeface="Courier New" panose="02070309020205020404" pitchFamily="49" charset="0"/>
+                <a:cs typeface="Courier New" panose="02070309020205020404" pitchFamily="49" charset="0"/>
+              </a:rPr>
+              <a:t>pm</a:t>
+            </a:r>
+            <a:r>
+              <a:rPr lang="en-US" dirty="0" smtClean="0">
+                <a:latin typeface="Courier New" panose="02070309020205020404" pitchFamily="49" charset="0"/>
+                <a:cs typeface="Courier New" panose="02070309020205020404" pitchFamily="49" charset="0"/>
+              </a:rPr>
+              <a:t> install</a:t>
+            </a:r>
+            <a:r>
+              <a:rPr lang="cs-CZ" dirty="0" smtClean="0">
+                <a:latin typeface="Courier New" panose="02070309020205020404" pitchFamily="49" charset="0"/>
+                <a:cs typeface="Courier New" panose="02070309020205020404" pitchFamily="49" charset="0"/>
+              </a:rPr>
               <a:t> </a:t>
             </a:r>
-            <a:endParaRPr lang="cs-CZ" dirty="0" smtClean="0"/>
-          </a:p>
-          <a:p>
-            <a:pPr marL="0" indent="0">
-              <a:buNone/>
-            </a:pPr>
-            <a:endParaRPr lang="cs-CZ" dirty="0" smtClean="0"/>
-          </a:p>
-          <a:p>
-            <a:pPr marL="0" indent="0">
-              <a:buNone/>
-            </a:pPr>
-            <a:r>
-              <a:rPr lang="cs-CZ" dirty="0" smtClean="0"/>
-              <a:t>Nebo:</a:t>
-            </a:r>
-          </a:p>
-          <a:p>
-            <a:r>
-              <a:rPr lang="cs-CZ" dirty="0" smtClean="0"/>
-              <a:t>n</a:t>
-            </a:r>
-            <a:r>
-              <a:rPr lang="en-US" dirty="0" smtClean="0"/>
-              <a:t>pm </a:t>
-            </a:r>
-            <a:r>
-              <a:rPr lang="en-US" dirty="0"/>
-              <a:t>install -g </a:t>
-            </a:r>
-            <a:r>
-              <a:rPr lang="en-US" dirty="0" smtClean="0"/>
-              <a:t>node-inspect</a:t>
-            </a:r>
-            <a:endParaRPr lang="cs-CZ" dirty="0" smtClean="0"/>
-          </a:p>
-          <a:p>
-            <a:pPr lvl="1"/>
-            <a:r>
-              <a:rPr lang="en-US" dirty="0"/>
-              <a:t>node-inspect </a:t>
-            </a:r>
-            <a:r>
-              <a:rPr lang="en-US" dirty="0" smtClean="0"/>
-              <a:t>myscript.js</a:t>
-            </a:r>
-            <a:endParaRPr lang="cs-CZ" dirty="0" smtClean="0"/>
-          </a:p>
-          <a:p>
-            <a:pPr marL="457200" lvl="1" indent="0">
-              <a:buNone/>
-            </a:pPr>
-            <a:endParaRPr lang="cs-CZ" dirty="0" smtClean="0"/>
-          </a:p>
-          <a:p>
-            <a:pPr marL="0" indent="0">
-              <a:buNone/>
-            </a:pPr>
-            <a:r>
-              <a:rPr lang="cs-CZ" dirty="0" smtClean="0"/>
-              <a:t>Atom:</a:t>
-            </a:r>
-          </a:p>
-          <a:p>
-            <a:r>
-              <a:rPr lang="cs-CZ" dirty="0" err="1" smtClean="0"/>
-              <a:t>xatom-debug</a:t>
-            </a:r>
-            <a:r>
-              <a:rPr lang="cs-CZ" dirty="0" smtClean="0"/>
-              <a:t> + </a:t>
-            </a:r>
-            <a:r>
-              <a:rPr lang="cs-CZ" dirty="0" err="1" smtClean="0"/>
-              <a:t>xatom-debug-nodejs</a:t>
-            </a:r>
-            <a:endParaRPr lang="en-US" dirty="0" smtClean="0"/>
-          </a:p>
-          <a:p>
-            <a:endParaRPr lang="en-US" dirty="0" smtClean="0"/>
-          </a:p>
-          <a:p>
-            <a:pPr marL="0" indent="0">
-              <a:buNone/>
-            </a:pPr>
-            <a:endParaRPr lang="en-US" dirty="0"/>
-          </a:p>
-          <a:p>
-            <a:endParaRPr lang="en-US" dirty="0"/>
+            <a:r>
+              <a:rPr lang="en-US" dirty="0" smtClean="0">
+                <a:latin typeface="Courier New" panose="02070309020205020404" pitchFamily="49" charset="0"/>
+                <a:cs typeface="Courier New" panose="02070309020205020404" pitchFamily="49" charset="0"/>
+              </a:rPr>
+              <a:t>$folder </a:t>
+            </a:r>
+            <a:endParaRPr lang="en-US" dirty="0">
+              <a:latin typeface="Courier New" panose="02070309020205020404" pitchFamily="49" charset="0"/>
+              <a:cs typeface="Courier New" panose="02070309020205020404" pitchFamily="49" charset="0"/>
+            </a:endParaRPr>
+          </a:p>
+          <a:p>
+            <a:endParaRPr lang="en-US" dirty="0">
+              <a:latin typeface="Courier New" panose="02070309020205020404" pitchFamily="49" charset="0"/>
+              <a:cs typeface="Courier New" panose="02070309020205020404" pitchFamily="49" charset="0"/>
+            </a:endParaRPr>
           </a:p>
         </p:txBody>
       </p:sp>
     </p:spTree>
     <p:extLst>
       <p:ext uri="{BB962C8B-B14F-4D97-AF65-F5344CB8AC3E}">
-        <p14:creationId xmlns:p14="http://schemas.microsoft.com/office/powerpoint/2010/main" val="1910515843"/>
+        <p14:creationId xmlns:p14="http://schemas.microsoft.com/office/powerpoint/2010/main" val="1224460365"/>
       </p:ext>
     </p:extLst>
   </p:cSld>
   <p:clrMapOvr>
     <a:masterClrMapping/>
   </p:clrMapOvr>
+  <p:timing>
+    <p:tnLst>
+      <p:par>
+        <p:cTn id="1" dur="indefinite" restart="never" nodeType="tmRoot"/>
+      </p:par>
+    </p:tnLst>
+  </p:timing>
 </p:sld>
 </file>
 
@@ -4237,44 +4224,174 @@
           <a:lstStyle/>
           <a:p>
             <a:r>
+              <a:rPr lang="cs-CZ" dirty="0" err="1" smtClean="0"/>
+              <a:t>Debuging</a:t>
+            </a:r>
+            <a:endParaRPr lang="en-US" dirty="0"/>
+          </a:p>
+        </p:txBody>
+      </p:sp>
+      <p:sp>
+        <p:nvSpPr>
+          <p:cNvPr id="3" name="Zástupný symbol pro obsah 2"/>
+          <p:cNvSpPr>
+            <a:spLocks noGrp="1"/>
+          </p:cNvSpPr>
+          <p:nvPr>
+            <p:ph idx="1"/>
+          </p:nvPr>
+        </p:nvSpPr>
+        <p:spPr>
+          <a:xfrm>
+            <a:off x="457200" y="1340768"/>
+            <a:ext cx="8229600" cy="4785395"/>
+          </a:xfrm>
+        </p:spPr>
+        <p:txBody>
+          <a:bodyPr>
+            <a:normAutofit fontScale="92500" lnSpcReduction="20000"/>
+          </a:bodyPr>
+          <a:lstStyle/>
+          <a:p>
+            <a:pPr marL="0" indent="0">
+              <a:buNone/>
+            </a:pPr>
+            <a:r>
+              <a:rPr lang="en-US" dirty="0" err="1" smtClean="0"/>
+              <a:t>Nativn</a:t>
+            </a:r>
+            <a:r>
+              <a:rPr lang="cs-CZ" dirty="0" smtClean="0"/>
+              <a:t>ě:</a:t>
+            </a:r>
+            <a:endParaRPr lang="en-US" dirty="0" smtClean="0"/>
+          </a:p>
+          <a:p>
+            <a:r>
+              <a:rPr lang="cs-CZ" dirty="0" smtClean="0"/>
+              <a:t>node </a:t>
+            </a:r>
+            <a:r>
               <a:rPr lang="en-US" dirty="0" smtClean="0"/>
-              <a:t>U</a:t>
-            </a:r>
+              <a:t>--inspect-</a:t>
+            </a:r>
+            <a:r>
+              <a:rPr lang="en-US" dirty="0" err="1" smtClean="0"/>
+              <a:t>brk</a:t>
+            </a:r>
+            <a:r>
+              <a:rPr lang="en-US" dirty="0" smtClean="0"/>
+              <a:t>  ./1-helloWordFs.js</a:t>
+            </a:r>
+          </a:p>
+          <a:p>
+            <a:r>
+              <a:rPr lang="en-US" dirty="0"/>
+              <a:t>c</a:t>
+            </a:r>
+            <a:r>
+              <a:rPr lang="en-US" dirty="0" smtClean="0"/>
+              <a:t>hrome://inspect</a:t>
+            </a:r>
+            <a:r>
+              <a:rPr lang="cs-CZ" dirty="0" smtClean="0"/>
+              <a:t> </a:t>
+            </a:r>
+          </a:p>
+          <a:p>
+            <a:pPr marL="0" indent="0">
+              <a:buNone/>
+            </a:pPr>
+            <a:endParaRPr lang="cs-CZ" dirty="0" smtClean="0"/>
+          </a:p>
+          <a:p>
+            <a:pPr marL="0" indent="0">
+              <a:buNone/>
+            </a:pPr>
+            <a:r>
+              <a:rPr lang="cs-CZ" dirty="0" smtClean="0"/>
+              <a:t>Nebo:</a:t>
+            </a:r>
+          </a:p>
+          <a:p>
+            <a:r>
+              <a:rPr lang="cs-CZ" dirty="0" smtClean="0"/>
+              <a:t>n</a:t>
+            </a:r>
+            <a:r>
+              <a:rPr lang="en-US" dirty="0" smtClean="0"/>
+              <a:t>pm </a:t>
+            </a:r>
+            <a:r>
+              <a:rPr lang="en-US" dirty="0"/>
+              <a:t>install -g </a:t>
+            </a:r>
+            <a:r>
+              <a:rPr lang="en-US" dirty="0" smtClean="0"/>
+              <a:t>node-inspect</a:t>
+            </a:r>
+            <a:endParaRPr lang="cs-CZ" dirty="0" smtClean="0"/>
+          </a:p>
+          <a:p>
+            <a:pPr lvl="1"/>
+            <a:r>
+              <a:rPr lang="en-US" dirty="0"/>
+              <a:t>node-inspect </a:t>
+            </a:r>
+            <a:r>
+              <a:rPr lang="en-US" dirty="0" smtClean="0"/>
+              <a:t>myscript.js</a:t>
+            </a:r>
+            <a:endParaRPr lang="cs-CZ" dirty="0" smtClean="0"/>
+          </a:p>
+          <a:p>
+            <a:pPr marL="457200" lvl="1" indent="0">
+              <a:buNone/>
+            </a:pPr>
+            <a:endParaRPr lang="cs-CZ" dirty="0" smtClean="0"/>
+          </a:p>
+          <a:p>
+            <a:pPr marL="0" indent="0">
+              <a:buNone/>
+            </a:pPr>
+            <a:r>
+              <a:rPr lang="cs-CZ" dirty="0" smtClean="0"/>
+              <a:t>Atom:</a:t>
+            </a:r>
+          </a:p>
+          <a:p>
             <a:r>
               <a:rPr lang="cs-CZ" dirty="0" err="1" smtClean="0"/>
-              <a:t>žitečné</a:t>
-            </a:r>
-            <a:r>
-              <a:rPr lang="cs-CZ" dirty="0" smtClean="0"/>
-              <a:t> knihovny</a:t>
-            </a:r>
+              <a:t>xatom-debug</a:t>
+            </a:r>
+            <a:r>
+              <a:rPr lang="cs-CZ" dirty="0" smtClean="0"/>
+              <a:t> + </a:t>
+            </a:r>
+            <a:r>
+              <a:rPr lang="cs-CZ" dirty="0" err="1" smtClean="0"/>
+              <a:t>xatom-debug-nodejs</a:t>
+            </a:r>
+            <a:endParaRPr lang="en-US" dirty="0" smtClean="0"/>
+          </a:p>
+          <a:p>
+            <a:endParaRPr lang="en-US" dirty="0" smtClean="0"/>
+          </a:p>
+          <a:p>
+            <a:pPr marL="0" indent="0">
+              <a:buNone/>
+            </a:pPr>
             <a:endParaRPr lang="en-US" dirty="0"/>
           </a:p>
-        </p:txBody>
-      </p:sp>
-      <p:sp>
-        <p:nvSpPr>
-          <p:cNvPr id="3" name="Zástupný symbol pro text 2"/>
-          <p:cNvSpPr>
-            <a:spLocks noGrp="1"/>
-          </p:cNvSpPr>
-          <p:nvPr>
-            <p:ph type="body" idx="1"/>
-          </p:nvPr>
-        </p:nvSpPr>
-        <p:spPr/>
-        <p:txBody>
-          <a:bodyPr/>
-          <a:lstStyle/>
-          <a:p>
-            <a:endParaRPr lang="en-US"/>
+          <a:p>
+            <a:endParaRPr lang="en-US" dirty="0"/>
           </a:p>
         </p:txBody>
       </p:sp>
     </p:spTree>
     <p:extLst>
       <p:ext uri="{BB962C8B-B14F-4D97-AF65-F5344CB8AC3E}">
-        <p14:creationId xmlns:p14="http://schemas.microsoft.com/office/powerpoint/2010/main" val="4208206452"/>
+        <p14:creationId xmlns:p14="http://schemas.microsoft.com/office/powerpoint/2010/main" val="1910515843"/>
       </p:ext>
     </p:extLst>
   </p:cSld>
@@ -4325,15 +4442,11 @@
           <a:p>
             <a:r>
               <a:rPr lang="en-US" dirty="0" smtClean="0"/>
-              <a:t>Utilities co se </a:t>
+              <a:t>Node </a:t>
             </a:r>
             <a:r>
               <a:rPr lang="en-US" dirty="0" err="1" smtClean="0"/>
-              <a:t>hod</a:t>
-            </a:r>
-            <a:r>
-              <a:rPr lang="cs-CZ" dirty="0" smtClean="0"/>
-              <a:t>í všude</a:t>
+              <a:t>projekt</a:t>
             </a:r>
             <a:endParaRPr lang="en-US" dirty="0"/>
           </a:p>
@@ -4355,129 +4468,36 @@
           <a:lstStyle/>
           <a:p>
             <a:r>
+              <a:rPr lang="en-US" dirty="0" err="1"/>
+              <a:t>n</a:t>
+            </a:r>
+            <a:r>
               <a:rPr lang="en-US" dirty="0" err="1" smtClean="0"/>
-              <a:t>monent</a:t>
-            </a:r>
-            <a:r>
-              <a:rPr lang="cs-CZ" dirty="0" smtClean="0"/>
-              <a:t> – manipulace s </a:t>
-            </a:r>
-            <a:r>
-              <a:rPr lang="cs-CZ" dirty="0" err="1" smtClean="0"/>
-              <a:t>datumem</a:t>
-            </a:r>
-            <a:r>
-              <a:rPr lang="cs-CZ" dirty="0" smtClean="0"/>
-              <a:t> a časem</a:t>
+              <a:t>pm</a:t>
+            </a:r>
+            <a:r>
+              <a:rPr lang="en-US" dirty="0" smtClean="0"/>
+              <a:t> </a:t>
+            </a:r>
+            <a:r>
+              <a:rPr lang="en-US" dirty="0" err="1" smtClean="0"/>
+              <a:t>init</a:t>
             </a:r>
             <a:endParaRPr lang="en-US" dirty="0" smtClean="0"/>
           </a:p>
           <a:p>
             <a:r>
-              <a:rPr lang="cs-CZ" dirty="0"/>
-              <a:t>d</a:t>
+              <a:rPr lang="en-US" dirty="0" err="1"/>
+              <a:t>n</a:t>
             </a:r>
             <a:r>
               <a:rPr lang="en-US" dirty="0" err="1" smtClean="0"/>
-              <a:t>ebug</a:t>
-            </a:r>
-            <a:r>
-              <a:rPr lang="cs-CZ" dirty="0"/>
-              <a:t> </a:t>
-            </a:r>
-            <a:r>
-              <a:rPr lang="cs-CZ" dirty="0" smtClean="0"/>
-              <a:t> - super výpisy pomocí </a:t>
-            </a:r>
-            <a:r>
-              <a:rPr lang="cs-CZ" dirty="0" err="1" smtClean="0"/>
-              <a:t>env</a:t>
-            </a:r>
-            <a:r>
-              <a:rPr lang="cs-CZ" dirty="0" smtClean="0"/>
-              <a:t> DEBUG</a:t>
-            </a:r>
-            <a:endParaRPr lang="en-US" dirty="0" smtClean="0"/>
-          </a:p>
-          <a:p>
-            <a:r>
-              <a:rPr lang="cs-CZ" dirty="0"/>
-              <a:t>p</a:t>
-            </a:r>
-            <a:r>
-              <a:rPr lang="en-US" dirty="0" err="1" smtClean="0"/>
-              <a:t>ath</a:t>
-            </a:r>
-            <a:r>
-              <a:rPr lang="cs-CZ" dirty="0" smtClean="0"/>
-              <a:t> – řešení problému s </a:t>
+              <a:t>pm</a:t>
             </a:r>
             <a:r>
               <a:rPr lang="en-US" dirty="0" smtClean="0"/>
-              <a:t>__</a:t>
-            </a:r>
-            <a:r>
-              <a:rPr lang="en-US" dirty="0" err="1" smtClean="0"/>
-              <a:t>dirname</a:t>
-            </a:r>
-            <a:endParaRPr lang="en-US" dirty="0" smtClean="0"/>
-          </a:p>
-          <a:p>
-            <a:r>
-              <a:rPr lang="en-US" dirty="0"/>
-              <a:t>b</a:t>
-            </a:r>
-            <a:r>
-              <a:rPr lang="en-US" dirty="0" smtClean="0"/>
-              <a:t>luebird – </a:t>
-            </a:r>
-            <a:r>
-              <a:rPr lang="en-US" dirty="0" err="1" smtClean="0"/>
-              <a:t>automatick</a:t>
-            </a:r>
-            <a:r>
-              <a:rPr lang="cs-CZ" dirty="0" smtClean="0"/>
-              <a:t>é zapouzdření </a:t>
-            </a:r>
-            <a:r>
-              <a:rPr lang="cs-CZ" dirty="0" err="1" smtClean="0"/>
-              <a:t>čehokolic</a:t>
-            </a:r>
-            <a:r>
-              <a:rPr lang="cs-CZ" dirty="0" smtClean="0"/>
-              <a:t> do </a:t>
-            </a:r>
-            <a:r>
-              <a:rPr lang="cs-CZ" dirty="0" err="1" smtClean="0"/>
-              <a:t>promises</a:t>
-            </a:r>
-            <a:endParaRPr lang="cs-CZ" dirty="0" smtClean="0"/>
-          </a:p>
-          <a:p>
-            <a:r>
-              <a:rPr lang="cs-CZ" dirty="0"/>
-              <a:t>e</a:t>
-            </a:r>
-            <a:r>
-              <a:rPr lang="cs-CZ" dirty="0" smtClean="0"/>
-              <a:t>xpress – pro http servery a API</a:t>
-            </a:r>
-          </a:p>
-          <a:p>
-            <a:r>
-              <a:rPr lang="cs-CZ" dirty="0" smtClean="0"/>
-              <a:t>…</a:t>
-            </a:r>
-            <a:endParaRPr lang="cs-CZ" dirty="0"/>
-          </a:p>
-          <a:p>
-            <a:pPr marL="0" indent="0">
-              <a:buNone/>
-            </a:pPr>
-            <a:endParaRPr lang="en-US" dirty="0" smtClean="0"/>
-          </a:p>
-          <a:p>
-            <a:endParaRPr lang="en-US" dirty="0" smtClean="0"/>
+              <a:t> install --save express debug</a:t>
+            </a:r>
           </a:p>
           <a:p>
             <a:endParaRPr lang="en-US" dirty="0"/>
@@ -4487,13 +4507,20 @@
     </p:spTree>
     <p:extLst>
       <p:ext uri="{BB962C8B-B14F-4D97-AF65-F5344CB8AC3E}">
-        <p14:creationId xmlns:p14="http://schemas.microsoft.com/office/powerpoint/2010/main" val="3192548923"/>
+        <p14:creationId xmlns:p14="http://schemas.microsoft.com/office/powerpoint/2010/main" val="2222455841"/>
       </p:ext>
     </p:extLst>
   </p:cSld>
   <p:clrMapOvr>
     <a:masterClrMapping/>
   </p:clrMapOvr>
+  <p:timing>
+    <p:tnLst>
+      <p:par>
+        <p:cTn id="1" dur="indefinite" restart="never" nodeType="tmRoot"/>
+      </p:par>
+    </p:tnLst>
+  </p:timing>
 </p:sld>
 </file>
 
@@ -4530,8 +4557,16 @@
           <a:lstStyle/>
           <a:p>
             <a:r>
-              <a:rPr lang="cs-CZ" dirty="0" smtClean="0"/>
-              <a:t>Knihovna express</a:t>
+              <a:rPr lang="en-US" dirty="0" err="1" smtClean="0"/>
+              <a:t>Dejme</a:t>
+            </a:r>
+            <a:r>
+              <a:rPr lang="en-US" dirty="0" smtClean="0"/>
+              <a:t> to </a:t>
+            </a:r>
+            <a:r>
+              <a:rPr lang="en-US" dirty="0" err="1" smtClean="0"/>
+              <a:t>dohromady</a:t>
             </a:r>
             <a:endParaRPr lang="en-US" dirty="0"/>
           </a:p>
@@ -4539,12 +4574,12 @@
       </p:sp>
       <p:sp>
         <p:nvSpPr>
-          <p:cNvPr id="3" name="Zástupný symbol pro obsah 2"/>
-          <p:cNvSpPr>
-            <a:spLocks noGrp="1"/>
-          </p:cNvSpPr>
-          <p:nvPr>
-            <p:ph idx="1"/>
+          <p:cNvPr id="4" name="Zástupný symbol pro text 3"/>
+          <p:cNvSpPr>
+            <a:spLocks noGrp="1"/>
+          </p:cNvSpPr>
+          <p:nvPr>
+            <p:ph type="body" idx="1"/>
           </p:nvPr>
         </p:nvSpPr>
         <p:spPr/>
@@ -4559,13 +4594,20 @@
     </p:spTree>
     <p:extLst>
       <p:ext uri="{BB962C8B-B14F-4D97-AF65-F5344CB8AC3E}">
-        <p14:creationId xmlns:p14="http://schemas.microsoft.com/office/powerpoint/2010/main" val="3886105035"/>
+        <p14:creationId xmlns:p14="http://schemas.microsoft.com/office/powerpoint/2010/main" val="1874468083"/>
       </p:ext>
     </p:extLst>
   </p:cSld>
   <p:clrMapOvr>
     <a:masterClrMapping/>
   </p:clrMapOvr>
+  <p:timing>
+    <p:tnLst>
+      <p:par>
+        <p:cTn id="1" dur="indefinite" restart="never" nodeType="tmRoot"/>
+      </p:par>
+    </p:tnLst>
+  </p:timing>
 </p:sld>
 </file>
 
@@ -4601,44 +4643,212 @@
           <a:bodyPr/>
           <a:lstStyle/>
           <a:p>
+            <a:pPr algn="l"/>
+            <a:r>
+              <a:rPr lang="en-US" dirty="0" err="1" smtClean="0"/>
+              <a:t>Zad</a:t>
+            </a:r>
+            <a:r>
+              <a:rPr lang="cs-CZ" dirty="0" err="1" smtClean="0"/>
+              <a:t>ání</a:t>
+            </a:r>
+            <a:r>
+              <a:rPr lang="cs-CZ" dirty="0" smtClean="0"/>
+              <a:t>:</a:t>
+            </a:r>
+            <a:endParaRPr lang="en-US" dirty="0"/>
+          </a:p>
+        </p:txBody>
+      </p:sp>
+      <p:sp>
+        <p:nvSpPr>
+          <p:cNvPr id="3" name="Zástupný symbol pro obsah 2"/>
+          <p:cNvSpPr>
+            <a:spLocks noGrp="1"/>
+          </p:cNvSpPr>
+          <p:nvPr>
+            <p:ph idx="1"/>
+          </p:nvPr>
+        </p:nvSpPr>
+        <p:spPr>
+          <a:xfrm>
+            <a:off x="457200" y="1927373"/>
+            <a:ext cx="8229600" cy="4525963"/>
+          </a:xfrm>
+        </p:spPr>
+        <p:txBody>
+          <a:bodyPr/>
+          <a:lstStyle/>
+          <a:p>
+            <a:r>
+              <a:rPr lang="cs-CZ" dirty="0" smtClean="0"/>
+              <a:t>Pomůžeme si uvolnit </a:t>
+            </a:r>
+            <a:r>
+              <a:rPr lang="cs-CZ" dirty="0" err="1" smtClean="0"/>
+              <a:t>slack</a:t>
+            </a:r>
+            <a:r>
+              <a:rPr lang="cs-CZ" dirty="0" smtClean="0"/>
+              <a:t> </a:t>
+            </a:r>
             <a:r>
               <a:rPr lang="en-US" dirty="0" smtClean="0"/>
-              <a:t>Code cycle</a:t>
-            </a:r>
+              <a:t>od </a:t>
+            </a:r>
+            <a:r>
+              <a:rPr lang="en-US" dirty="0" err="1" smtClean="0"/>
+              <a:t>sra</a:t>
+            </a:r>
+            <a:r>
+              <a:rPr lang="cs-CZ" dirty="0" err="1" smtClean="0"/>
+              <a:t>ček</a:t>
+            </a:r>
+            <a:endParaRPr lang="cs-CZ" dirty="0" smtClean="0"/>
+          </a:p>
+          <a:p>
+            <a:pPr marL="0" indent="0">
+              <a:buNone/>
+            </a:pPr>
+            <a:endParaRPr lang="cs-CZ" dirty="0" smtClean="0"/>
+          </a:p>
+          <a:p>
+            <a:r>
+              <a:rPr lang="cs-CZ" dirty="0">
+                <a:hlinkClick r:id="rId2"/>
+              </a:rPr>
+              <a:t>https://</a:t>
+            </a:r>
+            <a:r>
+              <a:rPr lang="cs-CZ" dirty="0" smtClean="0">
+                <a:hlinkClick r:id="rId2"/>
+              </a:rPr>
+              <a:t>api.slack.com/methods/files.list</a:t>
+            </a:r>
+            <a:endParaRPr lang="cs-CZ" dirty="0" smtClean="0"/>
+          </a:p>
+          <a:p>
+            <a:endParaRPr lang="cs-CZ" dirty="0"/>
+          </a:p>
+          <a:p>
+            <a:r>
+              <a:rPr lang="cs-CZ" dirty="0" smtClean="0"/>
+              <a:t>Start </a:t>
+            </a:r>
+            <a:r>
+              <a:rPr lang="cs-CZ" dirty="0" err="1" smtClean="0"/>
+              <a:t>here</a:t>
+            </a:r>
+            <a:r>
+              <a:rPr lang="cs-CZ" dirty="0"/>
+              <a:t>: </a:t>
+            </a:r>
+            <a:r>
+              <a:rPr lang="cs-CZ" dirty="0">
+                <a:hlinkClick r:id="rId3"/>
+              </a:rPr>
+              <a:t>https://</a:t>
+            </a:r>
+            <a:r>
+              <a:rPr lang="cs-CZ" dirty="0" smtClean="0">
+                <a:hlinkClick r:id="rId3"/>
+              </a:rPr>
+              <a:t>api.slack.com/apps</a:t>
+            </a:r>
+            <a:endParaRPr lang="cs-CZ" dirty="0" smtClean="0"/>
+          </a:p>
+          <a:p>
+            <a:pPr lvl="1"/>
+            <a:r>
+              <a:rPr lang="cs-CZ" dirty="0" err="1" smtClean="0"/>
+              <a:t>Get</a:t>
+            </a:r>
+            <a:r>
+              <a:rPr lang="cs-CZ" dirty="0" smtClean="0"/>
+              <a:t> O</a:t>
+            </a:r>
+            <a:r>
+              <a:rPr lang="en-US" dirty="0" smtClean="0"/>
+              <a:t>A</a:t>
+            </a:r>
+            <a:r>
+              <a:rPr lang="cs-CZ" dirty="0" err="1" smtClean="0"/>
+              <a:t>uth</a:t>
+            </a:r>
+            <a:r>
+              <a:rPr lang="cs-CZ" dirty="0" smtClean="0"/>
+              <a:t> token </a:t>
+            </a:r>
+          </a:p>
+          <a:p>
+            <a:endParaRPr lang="cs-CZ" dirty="0" smtClean="0"/>
+          </a:p>
+          <a:p>
+            <a:endParaRPr lang="cs-CZ" dirty="0" smtClean="0"/>
+          </a:p>
+          <a:p>
             <a:endParaRPr lang="en-US" dirty="0"/>
           </a:p>
         </p:txBody>
       </p:sp>
-      <p:sp>
-        <p:nvSpPr>
-          <p:cNvPr id="3" name="Zástupný symbol pro text 2"/>
-          <p:cNvSpPr>
-            <a:spLocks noGrp="1"/>
-          </p:cNvSpPr>
-          <p:nvPr>
-            <p:ph type="body" idx="1"/>
-          </p:nvPr>
-        </p:nvSpPr>
-        <p:spPr/>
-        <p:txBody>
-          <a:bodyPr/>
-          <a:lstStyle/>
-          <a:p>
-            <a:r>
-              <a:rPr lang="en-US" dirty="0" smtClean="0"/>
-              <a:t>From scratch to production</a:t>
-            </a:r>
-            <a:r>
-              <a:rPr lang="en-US" dirty="0"/>
-              <a:t>!</a:t>
-            </a:r>
-          </a:p>
-        </p:txBody>
-      </p:sp>
+      <p:pic>
+        <p:nvPicPr>
+          <p:cNvPr id="1026" name="Picture 2"/>
+          <p:cNvPicPr>
+            <a:picLocks noChangeAspect="1" noChangeArrowheads="1"/>
+          </p:cNvPicPr>
+          <p:nvPr/>
+        </p:nvPicPr>
+        <p:blipFill>
+          <a:blip r:embed="rId4">
+            <a:extLst>
+              <a:ext uri="{28A0092B-C50C-407E-A947-70E740481C1C}">
+                <a14:useLocalDpi xmlns:a14="http://schemas.microsoft.com/office/drawing/2010/main" val="0"/>
+              </a:ext>
+            </a:extLst>
+          </a:blip>
+          <a:srcRect/>
+          <a:stretch>
+            <a:fillRect/>
+          </a:stretch>
+        </p:blipFill>
+        <p:spPr bwMode="auto">
+          <a:xfrm>
+            <a:off x="3203848" y="260648"/>
+            <a:ext cx="4943475" cy="1152525"/>
+          </a:xfrm>
+          <a:prstGeom prst="rect">
+            <a:avLst/>
+          </a:prstGeom>
+          <a:noFill/>
+          <a:ln>
+            <a:noFill/>
+          </a:ln>
+          <a:extLst>
+            <a:ext uri="{909E8E84-426E-40DD-AFC4-6F175D3DCCD1}">
+              <a14:hiddenFill xmlns:a14="http://schemas.microsoft.com/office/drawing/2010/main">
+                <a:solidFill>
+                  <a:schemeClr val="accent1"/>
+                </a:solidFill>
+              </a14:hiddenFill>
+            </a:ext>
+            <a:ext uri="{91240B29-F687-4F45-9708-019B960494DF}">
+              <a14:hiddenLine xmlns:a14="http://schemas.microsoft.com/office/drawing/2010/main" w="9525">
+                <a:solidFill>
+                  <a:schemeClr val="tx1"/>
+                </a:solidFill>
+                <a:miter lim="800000"/>
+                <a:headEnd/>
+                <a:tailEnd/>
+              </a14:hiddenLine>
+            </a:ext>
+          </a:extLst>
+        </p:spPr>
+      </p:pic>
     </p:spTree>
     <p:extLst>
       <p:ext uri="{BB962C8B-B14F-4D97-AF65-F5344CB8AC3E}">
-        <p14:creationId xmlns:p14="http://schemas.microsoft.com/office/powerpoint/2010/main" val="4104059675"/>
+        <p14:creationId xmlns:p14="http://schemas.microsoft.com/office/powerpoint/2010/main" val="3253530348"/>
       </p:ext>
     </p:extLst>
   </p:cSld>
@@ -4689,15 +4899,15 @@
           <a:p>
             <a:r>
               <a:rPr lang="en-US" dirty="0" smtClean="0"/>
-              <a:t>Folder &amp; </a:t>
-            </a:r>
-            <a:r>
-              <a:rPr lang="en-US" dirty="0" err="1" smtClean="0"/>
-              <a:t>git</a:t>
-            </a:r>
-            <a:r>
-              <a:rPr lang="en-US" dirty="0" smtClean="0"/>
-              <a:t> configuration</a:t>
+              <a:t>U</a:t>
+            </a:r>
+            <a:r>
+              <a:rPr lang="cs-CZ" dirty="0" err="1" smtClean="0"/>
+              <a:t>žitečné</a:t>
+            </a:r>
+            <a:r>
+              <a:rPr lang="cs-CZ" dirty="0" smtClean="0"/>
+              <a:t> knihovny</a:t>
             </a:r>
             <a:endParaRPr lang="en-US" dirty="0"/>
           </a:p>
@@ -4705,12 +4915,12 @@
       </p:sp>
       <p:sp>
         <p:nvSpPr>
-          <p:cNvPr id="3" name="Zástupný symbol pro obsah 2"/>
-          <p:cNvSpPr>
-            <a:spLocks noGrp="1"/>
-          </p:cNvSpPr>
-          <p:nvPr>
-            <p:ph idx="1"/>
+          <p:cNvPr id="3" name="Zástupný symbol pro text 2"/>
+          <p:cNvSpPr>
+            <a:spLocks noGrp="1"/>
+          </p:cNvSpPr>
+          <p:nvPr>
+            <p:ph type="body" idx="1"/>
           </p:nvPr>
         </p:nvSpPr>
         <p:spPr/>
@@ -4718,79 +4928,14 @@
           <a:bodyPr/>
           <a:lstStyle/>
           <a:p>
-            <a:r>
-              <a:rPr lang="en-US" dirty="0" smtClean="0"/>
-              <a:t>index.js or other main piece of </a:t>
-            </a:r>
-            <a:r>
-              <a:rPr lang="en-US" dirty="0" err="1" smtClean="0"/>
-              <a:t>javascript</a:t>
-            </a:r>
-            <a:r>
-              <a:rPr lang="en-US" dirty="0" smtClean="0"/>
-              <a:t> code</a:t>
-            </a:r>
-          </a:p>
-          <a:p>
-            <a:r>
-              <a:rPr lang="en-US" dirty="0" smtClean="0"/>
-              <a:t>*.</a:t>
-            </a:r>
-            <a:r>
-              <a:rPr lang="en-US" dirty="0" err="1" smtClean="0"/>
-              <a:t>js</a:t>
-            </a:r>
-            <a:r>
-              <a:rPr lang="en-US" dirty="0" smtClean="0"/>
-              <a:t> divided into folders connected using require</a:t>
-            </a:r>
-          </a:p>
-          <a:p>
-            <a:r>
-              <a:rPr lang="en-US" dirty="0" smtClean="0"/>
-              <a:t>config.sample.js – dummy </a:t>
-            </a:r>
-            <a:r>
-              <a:rPr lang="en-US" dirty="0" err="1" smtClean="0"/>
-              <a:t>config</a:t>
-            </a:r>
-            <a:r>
-              <a:rPr lang="en-US" dirty="0" smtClean="0"/>
-              <a:t> in </a:t>
-            </a:r>
-            <a:r>
-              <a:rPr lang="en-US" dirty="0" err="1" smtClean="0"/>
-              <a:t>git</a:t>
-            </a:r>
-            <a:endParaRPr lang="en-US" dirty="0" smtClean="0"/>
-          </a:p>
-          <a:p>
-            <a:r>
-              <a:rPr lang="en-US" dirty="0" smtClean="0"/>
-              <a:t>config.js – tokens, …. </a:t>
-            </a:r>
-          </a:p>
-          <a:p>
-            <a:pPr lvl="1"/>
-            <a:r>
-              <a:rPr lang="en-US" dirty="0" smtClean="0"/>
-              <a:t>Contains </a:t>
-            </a:r>
-            <a:r>
-              <a:rPr lang="en-US" dirty="0" err="1" smtClean="0"/>
-              <a:t>enviroment</a:t>
-            </a:r>
-            <a:r>
-              <a:rPr lang="en-US" dirty="0" smtClean="0"/>
-              <a:t> identification</a:t>
-            </a:r>
+            <a:endParaRPr lang="en-US"/>
           </a:p>
         </p:txBody>
       </p:sp>
     </p:spTree>
     <p:extLst>
       <p:ext uri="{BB962C8B-B14F-4D97-AF65-F5344CB8AC3E}">
-        <p14:creationId xmlns:p14="http://schemas.microsoft.com/office/powerpoint/2010/main" val="3701087990"/>
+        <p14:creationId xmlns:p14="http://schemas.microsoft.com/office/powerpoint/2010/main" val="4208206452"/>
       </p:ext>
     </p:extLst>
   </p:cSld>
@@ -4841,7 +4986,15 @@
           <a:p>
             <a:r>
               <a:rPr lang="en-US" dirty="0" smtClean="0"/>
-              <a:t>pm2</a:t>
+              <a:t>Utilities co se </a:t>
+            </a:r>
+            <a:r>
+              <a:rPr lang="en-US" dirty="0" err="1" smtClean="0"/>
+              <a:t>hod</a:t>
+            </a:r>
+            <a:r>
+              <a:rPr lang="cs-CZ" dirty="0" smtClean="0"/>
+              <a:t>í všude</a:t>
             </a:r>
             <a:endParaRPr lang="en-US" dirty="0"/>
           </a:p>
@@ -4857,12 +5010,7 @@
             <p:ph idx="1"/>
           </p:nvPr>
         </p:nvSpPr>
-        <p:spPr>
-          <a:xfrm>
-            <a:off x="457200" y="1412776"/>
-            <a:ext cx="8229600" cy="4713387"/>
-          </a:xfrm>
-        </p:spPr>
+        <p:spPr/>
         <p:txBody>
           <a:bodyPr>
             <a:normAutofit lnSpcReduction="10000"/>
@@ -4870,110 +5018,174 @@
           <a:lstStyle/>
           <a:p>
             <a:r>
-              <a:rPr lang="en-US" dirty="0">
-                <a:hlinkClick r:id="rId2"/>
-              </a:rPr>
-              <a:t>http://pm2.keymetrics.io</a:t>
-            </a:r>
-            <a:r>
-              <a:rPr lang="en-US" dirty="0" smtClean="0">
-                <a:hlinkClick r:id="rId2"/>
-              </a:rPr>
-              <a:t>/</a:t>
+              <a:rPr lang="en-US" dirty="0" err="1" smtClean="0"/>
+              <a:t>monent</a:t>
+            </a:r>
+            <a:r>
+              <a:rPr lang="cs-CZ" dirty="0" smtClean="0"/>
+              <a:t> – manipulace s </a:t>
+            </a:r>
+            <a:r>
+              <a:rPr lang="cs-CZ" dirty="0" err="1" smtClean="0"/>
+              <a:t>datumem</a:t>
+            </a:r>
+            <a:r>
+              <a:rPr lang="cs-CZ" dirty="0" smtClean="0"/>
+              <a:t> a </a:t>
+            </a:r>
+            <a:r>
+              <a:rPr lang="cs-CZ" dirty="0" smtClean="0"/>
+              <a:t>časem</a:t>
             </a:r>
             <a:endParaRPr lang="en-US" dirty="0" smtClean="0"/>
           </a:p>
           <a:p>
             <a:r>
+              <a:rPr lang="en-US" dirty="0" err="1"/>
+              <a:t>a</a:t>
+            </a:r>
+            <a:r>
+              <a:rPr lang="en-US" dirty="0" err="1" smtClean="0"/>
+              <a:t>xios</a:t>
+            </a:r>
+            <a:r>
               <a:rPr lang="en-US" dirty="0" smtClean="0"/>
-              <a:t>Co to um</a:t>
-            </a:r>
-            <a:r>
-              <a:rPr lang="cs-CZ" dirty="0" smtClean="0"/>
-              <a:t>í:</a:t>
-            </a:r>
-          </a:p>
-          <a:p>
-            <a:pPr lvl="1"/>
-            <a:r>
-              <a:rPr lang="cs-CZ" dirty="0" smtClean="0"/>
-              <a:t>Spravovat a monitorovat běžící procesy</a:t>
-            </a:r>
-          </a:p>
-          <a:p>
-            <a:pPr lvl="1"/>
-            <a:r>
-              <a:rPr lang="cs-CZ" dirty="0" smtClean="0"/>
-              <a:t>Dát je do </a:t>
+              <a:t> – promise based HTTP client</a:t>
+            </a:r>
+            <a:endParaRPr lang="en-US" dirty="0" smtClean="0"/>
+          </a:p>
+          <a:p>
+            <a:r>
+              <a:rPr lang="cs-CZ" dirty="0"/>
+              <a:t>d</a:t>
+            </a:r>
+            <a:r>
+              <a:rPr lang="en-US" dirty="0" err="1" smtClean="0"/>
+              <a:t>ebug</a:t>
+            </a:r>
+            <a:r>
+              <a:rPr lang="cs-CZ" dirty="0"/>
+              <a:t> </a:t>
+            </a:r>
+            <a:r>
+              <a:rPr lang="cs-CZ" dirty="0" smtClean="0"/>
+              <a:t> - super výpisy pomocí </a:t>
             </a:r>
             <a:r>
               <a:rPr lang="cs-CZ" dirty="0" err="1" smtClean="0"/>
-              <a:t>autorestartu</a:t>
-            </a:r>
-            <a:r>
-              <a:rPr lang="cs-CZ" dirty="0" smtClean="0"/>
-              <a:t> serveru</a:t>
-            </a:r>
-          </a:p>
-          <a:p>
-            <a:pPr lvl="1"/>
-            <a:r>
-              <a:rPr lang="cs-CZ" dirty="0" smtClean="0"/>
-              <a:t>Logovat atd.</a:t>
-            </a:r>
-          </a:p>
-          <a:p>
-            <a:pPr lvl="1"/>
+              <a:t>env</a:t>
+            </a:r>
+            <a:r>
+              <a:rPr lang="cs-CZ" dirty="0" smtClean="0"/>
+              <a:t> DEBUG</a:t>
+            </a:r>
+            <a:endParaRPr lang="en-US" dirty="0" smtClean="0"/>
+          </a:p>
+          <a:p>
+            <a:r>
+              <a:rPr lang="cs-CZ" dirty="0"/>
+              <a:t>p</a:t>
+            </a:r>
+            <a:r>
+              <a:rPr lang="en-US" dirty="0" err="1" smtClean="0"/>
+              <a:t>ath</a:t>
+            </a:r>
+            <a:r>
+              <a:rPr lang="cs-CZ" dirty="0" smtClean="0"/>
+              <a:t> – řešení problému s </a:t>
+            </a:r>
+            <a:r>
+              <a:rPr lang="en-US" dirty="0" smtClean="0"/>
+              <a:t>__</a:t>
+            </a:r>
+            <a:r>
+              <a:rPr lang="en-US" dirty="0" err="1" smtClean="0"/>
+              <a:t>dirname</a:t>
+            </a:r>
+            <a:endParaRPr lang="en-US" dirty="0" smtClean="0"/>
+          </a:p>
+          <a:p>
+            <a:r>
+              <a:rPr lang="en-US" dirty="0"/>
+              <a:t>b</a:t>
+            </a:r>
+            <a:r>
+              <a:rPr lang="en-US" dirty="0" smtClean="0"/>
+              <a:t>luebird – </a:t>
+            </a:r>
+            <a:r>
+              <a:rPr lang="en-US" dirty="0" err="1" smtClean="0"/>
+              <a:t>automatick</a:t>
+            </a:r>
+            <a:r>
+              <a:rPr lang="cs-CZ" dirty="0" smtClean="0"/>
+              <a:t>é zapouzdření </a:t>
+            </a:r>
+            <a:r>
+              <a:rPr lang="cs-CZ" dirty="0" smtClean="0"/>
+              <a:t>čehokoli</a:t>
+            </a:r>
+            <a:r>
+              <a:rPr lang="en-US" dirty="0" smtClean="0"/>
+              <a:t>v</a:t>
+            </a:r>
+            <a:r>
+              <a:rPr lang="cs-CZ" dirty="0" smtClean="0"/>
+              <a:t> </a:t>
+            </a:r>
+            <a:r>
+              <a:rPr lang="cs-CZ" dirty="0" smtClean="0"/>
+              <a:t>do </a:t>
+            </a:r>
+            <a:r>
+              <a:rPr lang="cs-CZ" dirty="0" err="1" smtClean="0"/>
+              <a:t>promises</a:t>
+            </a:r>
             <a:endParaRPr lang="cs-CZ" dirty="0" smtClean="0"/>
           </a:p>
           <a:p>
             <a:r>
-              <a:rPr lang="cs-CZ" dirty="0" smtClean="0"/>
-              <a:t>Co to asi umí a my nepožíváme</a:t>
-            </a:r>
-          </a:p>
-          <a:p>
-            <a:pPr lvl="1"/>
+              <a:rPr lang="cs-CZ" dirty="0"/>
+              <a:t>e</a:t>
+            </a:r>
+            <a:r>
+              <a:rPr lang="cs-CZ" dirty="0" smtClean="0"/>
+              <a:t>xpress – pro http servery a API</a:t>
+            </a:r>
+          </a:p>
+          <a:p>
+            <a:r>
+              <a:rPr lang="en-US" dirty="0" err="1"/>
+              <a:t>s</a:t>
+            </a:r>
+            <a:r>
+              <a:rPr lang="en-US" dirty="0" err="1" smtClean="0"/>
+              <a:t>equelize</a:t>
+            </a:r>
+            <a:r>
+              <a:rPr lang="en-US" dirty="0" smtClean="0"/>
+              <a:t> – pro </a:t>
+            </a:r>
+            <a:r>
+              <a:rPr lang="en-US" dirty="0" err="1" smtClean="0"/>
+              <a:t>datab</a:t>
+            </a:r>
             <a:r>
               <a:rPr lang="cs-CZ" dirty="0" err="1" smtClean="0"/>
-              <a:t>Škálování</a:t>
-            </a:r>
-            <a:r>
-              <a:rPr lang="cs-CZ" dirty="0" smtClean="0"/>
-              <a:t>, </a:t>
-            </a:r>
-            <a:r>
-              <a:rPr lang="cs-CZ" dirty="0" err="1" smtClean="0"/>
-              <a:t>fail</a:t>
-            </a:r>
-            <a:r>
-              <a:rPr lang="cs-CZ" dirty="0" smtClean="0"/>
-              <a:t> </a:t>
-            </a:r>
-            <a:r>
-              <a:rPr lang="cs-CZ" dirty="0" err="1" smtClean="0"/>
-              <a:t>over</a:t>
-            </a:r>
-            <a:endParaRPr lang="cs-CZ" dirty="0" smtClean="0"/>
-          </a:p>
-          <a:p>
-            <a:pPr lvl="1"/>
-            <a:r>
-              <a:rPr lang="cs-CZ" dirty="0" err="1" smtClean="0"/>
-              <a:t>Docker</a:t>
-            </a:r>
-            <a:r>
-              <a:rPr lang="cs-CZ" dirty="0" smtClean="0"/>
-              <a:t> </a:t>
-            </a:r>
-            <a:r>
-              <a:rPr lang="cs-CZ" dirty="0" err="1" smtClean="0"/>
-              <a:t>compatibility</a:t>
-            </a:r>
-            <a:endParaRPr lang="cs-CZ" dirty="0" smtClean="0"/>
-          </a:p>
-          <a:p>
-            <a:pPr lvl="1"/>
+              <a:t>áze</a:t>
+            </a:r>
+            <a:endParaRPr lang="cs-CZ" dirty="0"/>
+          </a:p>
+          <a:p>
+            <a:pPr marL="0" indent="0">
+              <a:buNone/>
+            </a:pPr>
+            <a:endParaRPr lang="en-US" dirty="0" smtClean="0"/>
+          </a:p>
+          <a:p>
+            <a:endParaRPr lang="en-US" dirty="0" smtClean="0"/>
+          </a:p>
+          <a:p>
             <a:endParaRPr lang="en-US" dirty="0"/>
           </a:p>
         </p:txBody>
@@ -4981,7 +5193,7 @@
     </p:spTree>
     <p:extLst>
       <p:ext uri="{BB962C8B-B14F-4D97-AF65-F5344CB8AC3E}">
-        <p14:creationId xmlns:p14="http://schemas.microsoft.com/office/powerpoint/2010/main" val="3701924006"/>
+        <p14:creationId xmlns:p14="http://schemas.microsoft.com/office/powerpoint/2010/main" val="3192548923"/>
       </p:ext>
     </p:extLst>
   </p:cSld>
@@ -5032,7 +5244,7 @@
           <a:p>
             <a:r>
               <a:rPr lang="en-US" dirty="0" smtClean="0"/>
-              <a:t>Best practices</a:t>
+              <a:t>debug</a:t>
             </a:r>
             <a:endParaRPr lang="en-US" dirty="0"/>
           </a:p>
@@ -5050,28 +5262,48 @@
         </p:nvSpPr>
         <p:spPr/>
         <p:txBody>
-          <a:bodyPr/>
-          <a:lstStyle/>
-          <a:p>
+          <a:bodyPr>
+            <a:normAutofit lnSpcReduction="10000"/>
+          </a:bodyPr>
+          <a:lstStyle/>
+          <a:p>
+            <a:r>
+              <a:rPr lang="en-US" dirty="0">
+                <a:hlinkClick r:id="rId2"/>
+              </a:rPr>
+              <a:t>https://</a:t>
+            </a:r>
+            <a:r>
+              <a:rPr lang="en-US" dirty="0" smtClean="0">
+                <a:hlinkClick r:id="rId2"/>
+              </a:rPr>
+              <a:t>www.npmjs.com/package/debug</a:t>
+            </a:r>
             <a:r>
               <a:rPr lang="en-US" dirty="0" smtClean="0"/>
-              <a:t>Use </a:t>
-            </a:r>
-            <a:r>
-              <a:rPr lang="en-US" b="1" dirty="0" smtClean="0"/>
-              <a:t>debug </a:t>
+              <a:t> </a:t>
+            </a:r>
+          </a:p>
+          <a:p>
+            <a:r>
+              <a:rPr lang="en-US" dirty="0" err="1" smtClean="0"/>
+              <a:t>Hojn</a:t>
+            </a:r>
+            <a:r>
+              <a:rPr lang="cs-CZ" dirty="0" smtClean="0"/>
+              <a:t>ě používána</a:t>
             </a:r>
             <a:r>
               <a:rPr lang="en-US" dirty="0" smtClean="0"/>
-              <a:t>package</a:t>
-            </a:r>
-            <a:r>
-              <a:rPr lang="cs-CZ" dirty="0" smtClean="0"/>
               <a:t> </a:t>
             </a:r>
             <a:r>
+              <a:rPr lang="en-US" dirty="0" err="1" smtClean="0"/>
+              <a:t>jin</a:t>
+            </a:r>
+            <a:r>
               <a:rPr lang="cs-CZ" dirty="0" err="1" smtClean="0"/>
-              <a:t>for</a:t>
+              <a:t>ými</a:t>
             </a:r>
             <a:r>
               <a:rPr lang="cs-CZ" dirty="0" smtClean="0"/>
@@ -5079,63 +5311,113 @@
             </a:r>
             <a:r>
               <a:rPr lang="cs-CZ" dirty="0" err="1" smtClean="0"/>
-              <a:t>logginf</a:t>
+              <a:t>klientami</a:t>
             </a:r>
             <a:endParaRPr lang="en-US" dirty="0" smtClean="0"/>
           </a:p>
           <a:p>
             <a:r>
+              <a:rPr lang="en-US" dirty="0" err="1" smtClean="0"/>
+              <a:t>Definujete</a:t>
+            </a:r>
+            <a:r>
               <a:rPr lang="en-US" dirty="0" smtClean="0"/>
-              <a:t>Use promise-based package or </a:t>
-            </a:r>
-            <a:r>
-              <a:rPr lang="en-US" b="1" dirty="0" smtClean="0"/>
-              <a:t>bluebird</a:t>
-            </a:r>
-          </a:p>
-          <a:p>
-            <a:r>
-              <a:rPr lang="en-US" dirty="0"/>
-              <a:t>A</a:t>
+              <a:t> </a:t>
+            </a:r>
+            <a:r>
+              <a:rPr lang="en-US" dirty="0" err="1" smtClean="0"/>
+              <a:t>si</a:t>
             </a:r>
             <a:r>
               <a:rPr lang="en-US" dirty="0" smtClean="0"/>
-              <a:t>ll </a:t>
-            </a:r>
+              <a:t> n</a:t>
+            </a:r>
+            <a:r>
+              <a:rPr lang="cs-CZ" dirty="0" err="1" smtClean="0"/>
+              <a:t>ázev</a:t>
+            </a:r>
+            <a:r>
+              <a:rPr lang="cs-CZ" dirty="0" smtClean="0"/>
+              <a:t> </a:t>
+            </a:r>
+            <a:r>
+              <a:rPr lang="cs-CZ" dirty="0" err="1" smtClean="0"/>
+              <a:t>loggeru</a:t>
+            </a:r>
+            <a:r>
+              <a:rPr lang="cs-CZ" dirty="0" smtClean="0"/>
+              <a:t> a ten použijete pro řízení výpisů pomocí </a:t>
+            </a:r>
+            <a:r>
+              <a:rPr lang="cs-CZ" dirty="0" err="1" smtClean="0"/>
+              <a:t>env</a:t>
+            </a:r>
+            <a:r>
+              <a:rPr lang="cs-CZ" dirty="0" smtClean="0"/>
+              <a:t> </a:t>
+            </a:r>
+            <a:r>
+              <a:rPr lang="cs-CZ" dirty="0" err="1" smtClean="0"/>
+              <a:t>proměné</a:t>
+            </a:r>
+            <a:r>
+              <a:rPr lang="cs-CZ" dirty="0" smtClean="0"/>
+              <a:t> DEBUG </a:t>
+            </a:r>
+          </a:p>
+          <a:p>
+            <a:r>
+              <a:rPr lang="cs-CZ" dirty="0" smtClean="0"/>
+              <a:t>Defaultně loguje STDERR</a:t>
+            </a:r>
+          </a:p>
+          <a:p>
+            <a:pPr marL="0" indent="0">
+              <a:buNone/>
+            </a:pPr>
+            <a:endParaRPr lang="cs-CZ" dirty="0"/>
+          </a:p>
+          <a:p>
+            <a:pPr marL="0" indent="0">
+              <a:buNone/>
+            </a:pPr>
             <a:r>
               <a:rPr lang="en-US" dirty="0" smtClean="0"/>
-              <a:t>tokens</a:t>
-            </a:r>
-            <a:r>
-              <a:rPr lang="cs-CZ" dirty="0" smtClean="0"/>
-              <a:t>/</a:t>
-            </a:r>
-            <a:r>
-              <a:rPr lang="cs-CZ" dirty="0" err="1" smtClean="0"/>
-              <a:t>password</a:t>
-            </a:r>
-            <a:r>
-              <a:rPr lang="cs-CZ" dirty="0" smtClean="0"/>
-              <a:t> in config.js </a:t>
-            </a:r>
-            <a:r>
-              <a:rPr lang="cs-CZ" b="1" dirty="0" smtClean="0"/>
-              <a:t>NOT IN GIT</a:t>
-            </a:r>
-          </a:p>
-          <a:p>
-            <a:r>
-              <a:rPr lang="cs-CZ" dirty="0" smtClean="0"/>
-              <a:t>Use pm2 </a:t>
-            </a:r>
-            <a:r>
-              <a:rPr lang="cs-CZ" dirty="0" err="1" smtClean="0"/>
-              <a:t>for</a:t>
-            </a:r>
-            <a:r>
-              <a:rPr lang="cs-CZ" dirty="0" smtClean="0"/>
-              <a:t> start</a:t>
-            </a:r>
+              <a:t>&gt; </a:t>
+            </a:r>
+            <a:r>
+              <a:rPr lang="cs-CZ" dirty="0" smtClean="0"/>
+              <a:t>set DEBUG</a:t>
+            </a:r>
+            <a:r>
+              <a:rPr lang="en-US" dirty="0" smtClean="0"/>
+              <a:t>=*,-</a:t>
+            </a:r>
+            <a:r>
+              <a:rPr lang="en-US" dirty="0" err="1" smtClean="0"/>
+              <a:t>sql</a:t>
+            </a:r>
+            <a:endParaRPr lang="en-US" dirty="0" smtClean="0"/>
+          </a:p>
+          <a:p>
+            <a:pPr marL="0" indent="0">
+              <a:buNone/>
+            </a:pPr>
+            <a:r>
+              <a:rPr lang="en-US" dirty="0" smtClean="0"/>
+              <a:t>&gt; node app.js</a:t>
+            </a:r>
+          </a:p>
+          <a:p>
+            <a:pPr marL="0" indent="0">
+              <a:buNone/>
+            </a:pPr>
+            <a:endParaRPr lang="en-US" dirty="0"/>
+          </a:p>
+          <a:p>
+            <a:pPr marL="0" indent="0">
+              <a:buNone/>
+            </a:pPr>
             <a:endParaRPr lang="en-US" dirty="0"/>
           </a:p>
         </p:txBody>
@@ -5143,7 +5425,7 @@
     </p:spTree>
     <p:extLst>
       <p:ext uri="{BB962C8B-B14F-4D97-AF65-F5344CB8AC3E}">
-        <p14:creationId xmlns:p14="http://schemas.microsoft.com/office/powerpoint/2010/main" val="1014899769"/>
+        <p14:creationId xmlns:p14="http://schemas.microsoft.com/office/powerpoint/2010/main" val="3924788170"/>
       </p:ext>
     </p:extLst>
   </p:cSld>
@@ -5193,56 +5475,159 @@
           <a:lstStyle/>
           <a:p>
             <a:r>
-              <a:rPr lang="en-US" dirty="0" err="1" smtClean="0"/>
-              <a:t>Tak</a:t>
+              <a:rPr lang="cs-CZ" dirty="0" smtClean="0"/>
+              <a:t>Knihovna express</a:t>
+            </a:r>
+            <a:endParaRPr lang="en-US" dirty="0"/>
+          </a:p>
+        </p:txBody>
+      </p:sp>
+      <p:sp>
+        <p:nvSpPr>
+          <p:cNvPr id="3" name="Zástupný symbol pro obsah 2"/>
+          <p:cNvSpPr>
+            <a:spLocks noGrp="1"/>
+          </p:cNvSpPr>
+          <p:nvPr>
+            <p:ph idx="1"/>
+          </p:nvPr>
+        </p:nvSpPr>
+        <p:spPr/>
+        <p:txBody>
+          <a:bodyPr/>
+          <a:lstStyle/>
+          <a:p>
+            <a:r>
+              <a:rPr lang="en-US" dirty="0">
+                <a:hlinkClick r:id="rId2"/>
+              </a:rPr>
+              <a:t>http://expressjs.com</a:t>
+            </a:r>
+            <a:r>
+              <a:rPr lang="en-US" dirty="0" smtClean="0">
+                <a:hlinkClick r:id="rId2"/>
+              </a:rPr>
+              <a:t>/</a:t>
+            </a:r>
+            <a:r>
+              <a:rPr lang="cs-CZ" dirty="0" smtClean="0"/>
+              <a:t> </a:t>
+            </a:r>
+          </a:p>
+          <a:p>
+            <a:r>
+              <a:rPr lang="cs-CZ" dirty="0" smtClean="0"/>
+              <a:t>Slouží pro snadnou tvorbu REST API </a:t>
+            </a:r>
+            <a:r>
+              <a:rPr lang="en-US" dirty="0" smtClean="0"/>
+              <a:t>(</a:t>
+            </a:r>
+            <a:r>
+              <a:rPr lang="cs-CZ" dirty="0" smtClean="0"/>
+              <a:t>nebo i web aplikací</a:t>
+            </a:r>
+            <a:r>
+              <a:rPr lang="en-US" dirty="0" smtClean="0"/>
+              <a:t>)</a:t>
+            </a:r>
+            <a:endParaRPr lang="cs-CZ" dirty="0" smtClean="0"/>
+          </a:p>
+          <a:p>
+            <a:endParaRPr lang="cs-CZ" dirty="0" smtClean="0"/>
+          </a:p>
+          <a:p>
+            <a:r>
+              <a:rPr lang="cs-CZ" dirty="0" err="1" smtClean="0"/>
+              <a:t>Routes</a:t>
+            </a:r>
+            <a:r>
+              <a:rPr lang="cs-CZ" dirty="0" smtClean="0"/>
+              <a:t> </a:t>
+            </a:r>
+            <a:r>
+              <a:rPr lang="en-US" dirty="0" smtClean="0"/>
+              <a:t>(</a:t>
+            </a:r>
+            <a:r>
+              <a:rPr lang="en-US" dirty="0" smtClean="0">
+                <a:latin typeface="Courier New" panose="02070309020205020404" pitchFamily="49" charset="0"/>
+                <a:cs typeface="Courier New" panose="02070309020205020404" pitchFamily="49" charset="0"/>
+              </a:rPr>
+              <a:t>/</a:t>
+            </a:r>
+            <a:r>
+              <a:rPr lang="en-US" dirty="0" err="1" smtClean="0">
+                <a:latin typeface="Courier New" panose="02070309020205020404" pitchFamily="49" charset="0"/>
+                <a:cs typeface="Courier New" panose="02070309020205020404" pitchFamily="49" charset="0"/>
+              </a:rPr>
+              <a:t>api</a:t>
+            </a:r>
+            <a:r>
+              <a:rPr lang="en-US" dirty="0" smtClean="0">
+                <a:latin typeface="Courier New" panose="02070309020205020404" pitchFamily="49" charset="0"/>
+                <a:cs typeface="Courier New" panose="02070309020205020404" pitchFamily="49" charset="0"/>
+              </a:rPr>
+              <a:t>/slack/:file/delete</a:t>
+            </a:r>
+            <a:r>
+              <a:rPr lang="en-US" dirty="0" smtClean="0"/>
+              <a:t>)</a:t>
+            </a:r>
+            <a:endParaRPr lang="cs-CZ" dirty="0" smtClean="0"/>
+          </a:p>
+          <a:p>
+            <a:endParaRPr lang="cs-CZ" dirty="0" smtClean="0"/>
+          </a:p>
+          <a:p>
+            <a:r>
+              <a:rPr lang="cs-CZ" dirty="0" err="1" smtClean="0"/>
+              <a:t>Middleware</a:t>
             </a:r>
             <a:r>
               <a:rPr lang="en-US" dirty="0" smtClean="0"/>
               <a:t> </a:t>
             </a:r>
+            <a:endParaRPr lang="en-US" dirty="0"/>
+          </a:p>
+          <a:p>
+            <a:pPr lvl="1"/>
             <a:r>
               <a:rPr lang="en-US" dirty="0" err="1" smtClean="0"/>
-              <a:t>te</a:t>
-            </a:r>
-            <a:r>
-              <a:rPr lang="cs-CZ" dirty="0" smtClean="0"/>
-              <a:t>ď už opravdu </a:t>
+              <a:t>Funkce</a:t>
+            </a:r>
+            <a:r>
+              <a:rPr lang="en-US" dirty="0" smtClean="0"/>
+              <a:t> </a:t>
+            </a:r>
+            <a:r>
+              <a:rPr lang="cs-CZ" dirty="0" smtClean="0"/>
+              <a:t>řešící </a:t>
             </a:r>
             <a:r>
               <a:rPr lang="cs-CZ" dirty="0" err="1" smtClean="0"/>
-              <a:t>poJďme</a:t>
-            </a:r>
-            <a:r>
-              <a:rPr lang="cs-CZ" dirty="0" smtClean="0"/>
-              <a:t> na to</a:t>
-            </a:r>
-            <a:endParaRPr lang="cs-CZ" dirty="0"/>
-          </a:p>
-        </p:txBody>
-      </p:sp>
-      <p:sp>
-        <p:nvSpPr>
-          <p:cNvPr id="3" name="Zástupný symbol pro text 2"/>
-          <p:cNvSpPr>
-            <a:spLocks noGrp="1"/>
-          </p:cNvSpPr>
-          <p:nvPr>
-            <p:ph type="body" idx="1"/>
-          </p:nvPr>
-        </p:nvSpPr>
-        <p:spPr/>
-        <p:txBody>
-          <a:bodyPr/>
-          <a:lstStyle/>
-          <a:p>
-            <a:endParaRPr lang="cs-CZ"/>
+              <a:t>parsování</a:t>
+            </a:r>
+            <a:r>
+              <a:rPr lang="cs-CZ" dirty="0" smtClean="0"/>
+              <a:t>, </a:t>
+            </a:r>
+            <a:r>
+              <a:rPr lang="cs-CZ" dirty="0" err="1" smtClean="0"/>
+              <a:t>logging</a:t>
+            </a:r>
+            <a:r>
+              <a:rPr lang="cs-CZ" dirty="0" smtClean="0"/>
+              <a:t>, přístupy, …</a:t>
+            </a:r>
+            <a:endParaRPr lang="en-US" dirty="0"/>
           </a:p>
         </p:txBody>
       </p:sp>
     </p:spTree>
     <p:extLst>
       <p:ext uri="{BB962C8B-B14F-4D97-AF65-F5344CB8AC3E}">
-        <p14:creationId xmlns:p14="http://schemas.microsoft.com/office/powerpoint/2010/main" val="784487936"/>
+        <p14:creationId xmlns:p14="http://schemas.microsoft.com/office/powerpoint/2010/main" val="3886105035"/>
       </p:ext>
     </p:extLst>
   </p:cSld>
@@ -5292,16 +5677,20 @@
           <a:lstStyle/>
           <a:p>
             <a:r>
-              <a:rPr lang="cs-CZ" dirty="0" smtClean="0"/>
-              <a:t>Na co je to dobré</a:t>
-            </a:r>
-            <a:r>
               <a:rPr lang="en-US" dirty="0" smtClean="0"/>
-              <a:t> </a:t>
-            </a:r>
-            <a:r>
-              <a:rPr lang="en-US" dirty="0" err="1" smtClean="0"/>
-              <a:t>Activatu</a:t>
+              <a:t>Pro</a:t>
+            </a:r>
+            <a:r>
+              <a:rPr lang="cs-CZ" dirty="0" smtClean="0"/>
+              <a:t>č </a:t>
+            </a:r>
+            <a:r>
+              <a:rPr lang="cs-CZ" dirty="0" err="1" smtClean="0"/>
+              <a:t>nodejs</a:t>
+            </a:r>
+            <a:r>
+              <a:rPr lang="cs-CZ" dirty="0" smtClean="0"/>
+              <a:t>?</a:t>
             </a:r>
             <a:endParaRPr lang="en-US" dirty="0"/>
           </a:p>
@@ -5324,95 +5713,49 @@
           <a:p>
             <a:r>
               <a:rPr lang="cs-CZ" dirty="0" smtClean="0"/>
-              <a:t>Datové pumpy s JSON API</a:t>
+              <a:t>Protože má rychlou křivku učení</a:t>
+            </a:r>
+          </a:p>
+          <a:p>
+            <a:r>
+              <a:rPr lang="cs-CZ" dirty="0" smtClean="0"/>
+              <a:t>Protože je velmi vhodný pro REST API</a:t>
+            </a:r>
+          </a:p>
+          <a:p>
+            <a:r>
+              <a:rPr lang="cs-CZ" dirty="0" smtClean="0"/>
+              <a:t>Protože má velmi vyvinutý ekosystém</a:t>
             </a:r>
           </a:p>
           <a:p>
             <a:pPr lvl="1"/>
             <a:r>
+              <a:rPr lang="cs-CZ" dirty="0" smtClean="0"/>
+              <a:t>Moduly</a:t>
+            </a:r>
+          </a:p>
+          <a:p>
+            <a:pPr lvl="1"/>
+            <a:r>
               <a:rPr lang="cs-CZ" dirty="0" err="1" smtClean="0"/>
-              <a:t>Extractory</a:t>
+              <a:t>Debug</a:t>
             </a:r>
             <a:endParaRPr lang="cs-CZ" dirty="0" smtClean="0"/>
           </a:p>
           <a:p>
             <a:pPr lvl="1"/>
             <a:r>
-              <a:rPr lang="cs-CZ" dirty="0" err="1" smtClean="0"/>
-              <a:t>Orchestratory</a:t>
-            </a:r>
-            <a:r>
-              <a:rPr lang="cs-CZ" dirty="0" smtClean="0"/>
-              <a:t>, …</a:t>
+              <a:rPr lang="cs-CZ" dirty="0" smtClean="0"/>
+              <a:t>Produkce</a:t>
             </a:r>
           </a:p>
           <a:p>
             <a:pPr lvl="1"/>
             <a:r>
               <a:rPr lang="cs-CZ" dirty="0" smtClean="0"/>
-              <a:t>Příklad: KB Data </a:t>
-            </a:r>
-            <a:r>
-              <a:rPr lang="cs-CZ" dirty="0" err="1" smtClean="0"/>
-              <a:t>extractor</a:t>
-            </a:r>
-            <a:r>
-              <a:rPr lang="cs-CZ" dirty="0" smtClean="0"/>
-              <a:t> </a:t>
-            </a:r>
-            <a:r>
-              <a:rPr lang="en-US" dirty="0" smtClean="0"/>
-              <a:t>(</a:t>
-            </a:r>
-            <a:r>
-              <a:rPr lang="en-US" dirty="0" err="1" smtClean="0"/>
-              <a:t>sklik</a:t>
-            </a:r>
-            <a:r>
-              <a:rPr lang="en-US" dirty="0" smtClean="0"/>
-              <a:t>, </a:t>
-            </a:r>
-            <a:r>
-              <a:rPr lang="en-US" dirty="0" err="1" smtClean="0"/>
-              <a:t>adword</a:t>
-            </a:r>
-            <a:r>
-              <a:rPr lang="en-US" dirty="0" smtClean="0"/>
-              <a:t>, </a:t>
-            </a:r>
-            <a:r>
-              <a:rPr lang="en-US" dirty="0" err="1" smtClean="0"/>
-              <a:t>adform</a:t>
-            </a:r>
-            <a:r>
-              <a:rPr lang="en-US" dirty="0" smtClean="0"/>
-              <a:t>)</a:t>
-            </a:r>
-            <a:endParaRPr lang="cs-CZ" dirty="0" smtClean="0"/>
-          </a:p>
-          <a:p>
-            <a:endParaRPr lang="cs-CZ" dirty="0" smtClean="0"/>
-          </a:p>
-          <a:p>
-            <a:r>
-              <a:rPr lang="cs-CZ" dirty="0" smtClean="0"/>
-              <a:t>JSON/REST API</a:t>
-            </a:r>
-            <a:endParaRPr lang="en-US" dirty="0" smtClean="0"/>
-          </a:p>
-          <a:p>
-            <a:pPr lvl="1"/>
-            <a:r>
-              <a:rPr lang="en-US" dirty="0" err="1" smtClean="0"/>
-              <a:t>ActivateReporting</a:t>
-            </a:r>
-            <a:r>
-              <a:rPr lang="en-US" dirty="0" smtClean="0"/>
-              <a:t>, …</a:t>
-            </a:r>
-            <a:endParaRPr lang="cs-CZ" dirty="0" smtClean="0"/>
-          </a:p>
-          <a:p>
+              <a:t>…</a:t>
+            </a:r>
             <a:endParaRPr lang="en-US" dirty="0"/>
           </a:p>
         </p:txBody>
@@ -5420,7 +5763,1425 @@
     </p:spTree>
     <p:extLst>
       <p:ext uri="{BB962C8B-B14F-4D97-AF65-F5344CB8AC3E}">
-        <p14:creationId xmlns:p14="http://schemas.microsoft.com/office/powerpoint/2010/main" val="2831257760"/>
+        <p14:creationId xmlns:p14="http://schemas.microsoft.com/office/powerpoint/2010/main" val="338617463"/>
+      </p:ext>
+    </p:extLst>
+  </p:cSld>
+  <p:clrMapOvr>
+    <a:masterClrMapping/>
+  </p:clrMapOvr>
+  <p:timing>
+    <p:tnLst>
+      <p:par>
+        <p:cTn id="1" dur="indefinite" restart="never" nodeType="tmRoot"/>
+      </p:par>
+    </p:tnLst>
+  </p:timing>
+</p:sld>
+</file>
+
+<file path=ppt/slides/slide20.xml><?xml version="1.0" encoding="utf-8"?>
+<p:sld xmlns:a="http://schemas.openxmlformats.org/drawingml/2006/main" xmlns:r="http://schemas.openxmlformats.org/officeDocument/2006/relationships" xmlns:p="http://schemas.openxmlformats.org/presentationml/2006/main">
+  <p:cSld>
+    <p:spTree>
+      <p:nvGrpSpPr>
+        <p:cNvPr id="1" name=""/>
+        <p:cNvGrpSpPr/>
+        <p:nvPr/>
+      </p:nvGrpSpPr>
+      <p:grpSpPr>
+        <a:xfrm>
+          <a:off x="0" y="0"/>
+          <a:ext cx="0" cy="0"/>
+          <a:chOff x="0" y="0"/>
+          <a:chExt cx="0" cy="0"/>
+        </a:xfrm>
+      </p:grpSpPr>
+      <p:sp>
+        <p:nvSpPr>
+          <p:cNvPr id="2" name="Nadpis 1"/>
+          <p:cNvSpPr>
+            <a:spLocks noGrp="1"/>
+          </p:cNvSpPr>
+          <p:nvPr>
+            <p:ph type="title"/>
+          </p:nvPr>
+        </p:nvSpPr>
+        <p:spPr/>
+        <p:txBody>
+          <a:bodyPr/>
+          <a:lstStyle/>
+          <a:p>
+            <a:r>
+              <a:rPr lang="cs-CZ" dirty="0" smtClean="0"/>
+              <a:t>Databáze </a:t>
+            </a:r>
+            <a:r>
+              <a:rPr lang="en-US" dirty="0" smtClean="0"/>
+              <a:t>– </a:t>
+            </a:r>
+            <a:r>
+              <a:rPr lang="en-US" dirty="0" err="1" smtClean="0"/>
+              <a:t>mysql</a:t>
+            </a:r>
+            <a:r>
+              <a:rPr lang="en-US" dirty="0" smtClean="0"/>
+              <a:t>, </a:t>
+            </a:r>
+            <a:r>
+              <a:rPr lang="en-US" dirty="0" err="1" smtClean="0"/>
+              <a:t>sequelize</a:t>
+            </a:r>
+            <a:endParaRPr lang="en-US" dirty="0"/>
+          </a:p>
+        </p:txBody>
+      </p:sp>
+      <p:sp>
+        <p:nvSpPr>
+          <p:cNvPr id="3" name="Zástupný symbol pro obsah 2"/>
+          <p:cNvSpPr>
+            <a:spLocks noGrp="1"/>
+          </p:cNvSpPr>
+          <p:nvPr>
+            <p:ph idx="1"/>
+          </p:nvPr>
+        </p:nvSpPr>
+        <p:spPr/>
+        <p:txBody>
+          <a:bodyPr/>
+          <a:lstStyle/>
+          <a:p>
+            <a:endParaRPr lang="en-US"/>
+          </a:p>
+        </p:txBody>
+      </p:sp>
+    </p:spTree>
+    <p:extLst>
+      <p:ext uri="{BB962C8B-B14F-4D97-AF65-F5344CB8AC3E}">
+        <p14:creationId xmlns:p14="http://schemas.microsoft.com/office/powerpoint/2010/main" val="1361477652"/>
+      </p:ext>
+    </p:extLst>
+  </p:cSld>
+  <p:clrMapOvr>
+    <a:masterClrMapping/>
+  </p:clrMapOvr>
+  <p:timing>
+    <p:tnLst>
+      <p:par>
+        <p:cTn id="1" dur="indefinite" restart="never" nodeType="tmRoot"/>
+      </p:par>
+    </p:tnLst>
+  </p:timing>
+</p:sld>
+</file>
+
+<file path=ppt/slides/slide21.xml><?xml version="1.0" encoding="utf-8"?>
+<p:sld xmlns:a="http://schemas.openxmlformats.org/drawingml/2006/main" xmlns:r="http://schemas.openxmlformats.org/officeDocument/2006/relationships" xmlns:p="http://schemas.openxmlformats.org/presentationml/2006/main">
+  <p:cSld>
+    <p:spTree>
+      <p:nvGrpSpPr>
+        <p:cNvPr id="1" name=""/>
+        <p:cNvGrpSpPr/>
+        <p:nvPr/>
+      </p:nvGrpSpPr>
+      <p:grpSpPr>
+        <a:xfrm>
+          <a:off x="0" y="0"/>
+          <a:ext cx="0" cy="0"/>
+          <a:chOff x="0" y="0"/>
+          <a:chExt cx="0" cy="0"/>
+        </a:xfrm>
+      </p:grpSpPr>
+      <p:sp>
+        <p:nvSpPr>
+          <p:cNvPr id="2" name="Nadpis 1"/>
+          <p:cNvSpPr>
+            <a:spLocks noGrp="1"/>
+          </p:cNvSpPr>
+          <p:nvPr>
+            <p:ph type="title"/>
+          </p:nvPr>
+        </p:nvSpPr>
+        <p:spPr/>
+        <p:txBody>
+          <a:bodyPr/>
+          <a:lstStyle/>
+          <a:p>
+            <a:r>
+              <a:rPr lang="en-US" dirty="0" smtClean="0"/>
+              <a:t>Code cycle</a:t>
+            </a:r>
+            <a:endParaRPr lang="en-US" dirty="0"/>
+          </a:p>
+        </p:txBody>
+      </p:sp>
+      <p:sp>
+        <p:nvSpPr>
+          <p:cNvPr id="3" name="Zástupný symbol pro text 2"/>
+          <p:cNvSpPr>
+            <a:spLocks noGrp="1"/>
+          </p:cNvSpPr>
+          <p:nvPr>
+            <p:ph type="body" idx="1"/>
+          </p:nvPr>
+        </p:nvSpPr>
+        <p:spPr/>
+        <p:txBody>
+          <a:bodyPr/>
+          <a:lstStyle/>
+          <a:p>
+            <a:r>
+              <a:rPr lang="en-US" dirty="0" smtClean="0"/>
+              <a:t>From scratch to production</a:t>
+            </a:r>
+            <a:r>
+              <a:rPr lang="en-US" dirty="0"/>
+              <a:t>!</a:t>
+            </a:r>
+          </a:p>
+        </p:txBody>
+      </p:sp>
+    </p:spTree>
+    <p:extLst>
+      <p:ext uri="{BB962C8B-B14F-4D97-AF65-F5344CB8AC3E}">
+        <p14:creationId xmlns:p14="http://schemas.microsoft.com/office/powerpoint/2010/main" val="4104059675"/>
+      </p:ext>
+    </p:extLst>
+  </p:cSld>
+  <p:clrMapOvr>
+    <a:masterClrMapping/>
+  </p:clrMapOvr>
+  <p:timing>
+    <p:tnLst>
+      <p:par>
+        <p:cTn id="1" dur="indefinite" restart="never" nodeType="tmRoot"/>
+      </p:par>
+    </p:tnLst>
+  </p:timing>
+</p:sld>
+</file>
+
+<file path=ppt/slides/slide22.xml><?xml version="1.0" encoding="utf-8"?>
+<p:sld xmlns:a="http://schemas.openxmlformats.org/drawingml/2006/main" xmlns:r="http://schemas.openxmlformats.org/officeDocument/2006/relationships" xmlns:p="http://schemas.openxmlformats.org/presentationml/2006/main">
+  <p:cSld>
+    <p:spTree>
+      <p:nvGrpSpPr>
+        <p:cNvPr id="1" name=""/>
+        <p:cNvGrpSpPr/>
+        <p:nvPr/>
+      </p:nvGrpSpPr>
+      <p:grpSpPr>
+        <a:xfrm>
+          <a:off x="0" y="0"/>
+          <a:ext cx="0" cy="0"/>
+          <a:chOff x="0" y="0"/>
+          <a:chExt cx="0" cy="0"/>
+        </a:xfrm>
+      </p:grpSpPr>
+      <p:sp>
+        <p:nvSpPr>
+          <p:cNvPr id="2" name="Nadpis 1"/>
+          <p:cNvSpPr>
+            <a:spLocks noGrp="1"/>
+          </p:cNvSpPr>
+          <p:nvPr>
+            <p:ph type="title"/>
+          </p:nvPr>
+        </p:nvSpPr>
+        <p:spPr/>
+        <p:txBody>
+          <a:bodyPr/>
+          <a:lstStyle/>
+          <a:p>
+            <a:r>
+              <a:rPr lang="en-US" dirty="0" smtClean="0"/>
+              <a:t>Folder &amp; </a:t>
+            </a:r>
+            <a:r>
+              <a:rPr lang="en-US" dirty="0" err="1" smtClean="0"/>
+              <a:t>git</a:t>
+            </a:r>
+            <a:r>
+              <a:rPr lang="en-US" dirty="0" smtClean="0"/>
+              <a:t> configuration</a:t>
+            </a:r>
+            <a:endParaRPr lang="en-US" dirty="0"/>
+          </a:p>
+        </p:txBody>
+      </p:sp>
+      <p:sp>
+        <p:nvSpPr>
+          <p:cNvPr id="3" name="Zástupný symbol pro obsah 2"/>
+          <p:cNvSpPr>
+            <a:spLocks noGrp="1"/>
+          </p:cNvSpPr>
+          <p:nvPr>
+            <p:ph idx="1"/>
+          </p:nvPr>
+        </p:nvSpPr>
+        <p:spPr/>
+        <p:txBody>
+          <a:bodyPr/>
+          <a:lstStyle/>
+          <a:p>
+            <a:r>
+              <a:rPr lang="en-US" dirty="0" smtClean="0"/>
+              <a:t>index.js or other main piece of </a:t>
+            </a:r>
+            <a:r>
+              <a:rPr lang="en-US" dirty="0" err="1" smtClean="0"/>
+              <a:t>javascript</a:t>
+            </a:r>
+            <a:r>
+              <a:rPr lang="en-US" dirty="0" smtClean="0"/>
+              <a:t> code</a:t>
+            </a:r>
+          </a:p>
+          <a:p>
+            <a:r>
+              <a:rPr lang="en-US" dirty="0" smtClean="0"/>
+              <a:t>*.</a:t>
+            </a:r>
+            <a:r>
+              <a:rPr lang="en-US" dirty="0" err="1" smtClean="0"/>
+              <a:t>js</a:t>
+            </a:r>
+            <a:r>
+              <a:rPr lang="en-US" dirty="0" smtClean="0"/>
+              <a:t> divided into folders connected using require</a:t>
+            </a:r>
+          </a:p>
+          <a:p>
+            <a:r>
+              <a:rPr lang="en-US" dirty="0" smtClean="0"/>
+              <a:t>config.sample.js – dummy </a:t>
+            </a:r>
+            <a:r>
+              <a:rPr lang="en-US" dirty="0" err="1" smtClean="0"/>
+              <a:t>config</a:t>
+            </a:r>
+            <a:r>
+              <a:rPr lang="en-US" dirty="0" smtClean="0"/>
+              <a:t> in </a:t>
+            </a:r>
+            <a:r>
+              <a:rPr lang="en-US" dirty="0" err="1" smtClean="0"/>
+              <a:t>git</a:t>
+            </a:r>
+            <a:endParaRPr lang="en-US" dirty="0" smtClean="0"/>
+          </a:p>
+          <a:p>
+            <a:r>
+              <a:rPr lang="en-US" dirty="0" smtClean="0"/>
+              <a:t>config.js – tokens, …. </a:t>
+            </a:r>
+          </a:p>
+          <a:p>
+            <a:pPr lvl="1"/>
+            <a:r>
+              <a:rPr lang="en-US" dirty="0" smtClean="0"/>
+              <a:t>Contains </a:t>
+            </a:r>
+            <a:r>
+              <a:rPr lang="en-US" dirty="0" err="1" smtClean="0"/>
+              <a:t>enviroment</a:t>
+            </a:r>
+            <a:r>
+              <a:rPr lang="en-US" dirty="0" smtClean="0"/>
+              <a:t> identification</a:t>
+            </a:r>
+          </a:p>
+        </p:txBody>
+      </p:sp>
+    </p:spTree>
+    <p:extLst>
+      <p:ext uri="{BB962C8B-B14F-4D97-AF65-F5344CB8AC3E}">
+        <p14:creationId xmlns:p14="http://schemas.microsoft.com/office/powerpoint/2010/main" val="3701087990"/>
+      </p:ext>
+    </p:extLst>
+  </p:cSld>
+  <p:clrMapOvr>
+    <a:masterClrMapping/>
+  </p:clrMapOvr>
+  <p:timing>
+    <p:tnLst>
+      <p:par>
+        <p:cTn id="1" dur="indefinite" restart="never" nodeType="tmRoot"/>
+      </p:par>
+    </p:tnLst>
+  </p:timing>
+</p:sld>
+</file>
+
+<file path=ppt/slides/slide23.xml><?xml version="1.0" encoding="utf-8"?>
+<p:sld xmlns:a="http://schemas.openxmlformats.org/drawingml/2006/main" xmlns:r="http://schemas.openxmlformats.org/officeDocument/2006/relationships" xmlns:p="http://schemas.openxmlformats.org/presentationml/2006/main">
+  <p:cSld>
+    <p:spTree>
+      <p:nvGrpSpPr>
+        <p:cNvPr id="1" name=""/>
+        <p:cNvGrpSpPr/>
+        <p:nvPr/>
+      </p:nvGrpSpPr>
+      <p:grpSpPr>
+        <a:xfrm>
+          <a:off x="0" y="0"/>
+          <a:ext cx="0" cy="0"/>
+          <a:chOff x="0" y="0"/>
+          <a:chExt cx="0" cy="0"/>
+        </a:xfrm>
+      </p:grpSpPr>
+      <p:sp>
+        <p:nvSpPr>
+          <p:cNvPr id="2" name="Nadpis 1"/>
+          <p:cNvSpPr>
+            <a:spLocks noGrp="1"/>
+          </p:cNvSpPr>
+          <p:nvPr>
+            <p:ph type="title"/>
+          </p:nvPr>
+        </p:nvSpPr>
+        <p:spPr/>
+        <p:txBody>
+          <a:bodyPr/>
+          <a:lstStyle/>
+          <a:p>
+            <a:r>
+              <a:rPr lang="en-US" dirty="0" smtClean="0"/>
+              <a:t>Deployment cycle</a:t>
+            </a:r>
+            <a:endParaRPr lang="en-US" dirty="0"/>
+          </a:p>
+        </p:txBody>
+      </p:sp>
+      <p:sp>
+        <p:nvSpPr>
+          <p:cNvPr id="4" name="Vývojový diagram: magnetický disk 3"/>
+          <p:cNvSpPr/>
+          <p:nvPr/>
+        </p:nvSpPr>
+        <p:spPr>
+          <a:xfrm>
+            <a:off x="3572520" y="2780928"/>
+            <a:ext cx="1656184" cy="1512168"/>
+          </a:xfrm>
+          <a:prstGeom prst="flowChartMagneticDisk">
+            <a:avLst/>
+          </a:prstGeom>
+        </p:spPr>
+        <p:style>
+          <a:lnRef idx="1">
+            <a:schemeClr val="dk1"/>
+          </a:lnRef>
+          <a:fillRef idx="2">
+            <a:schemeClr val="dk1"/>
+          </a:fillRef>
+          <a:effectRef idx="1">
+            <a:schemeClr val="dk1"/>
+          </a:effectRef>
+          <a:fontRef idx="minor">
+            <a:schemeClr val="dk1"/>
+          </a:fontRef>
+        </p:style>
+        <p:txBody>
+          <a:bodyPr rtlCol="0" anchor="ctr"/>
+          <a:lstStyle/>
+          <a:p>
+            <a:pPr algn="ctr"/>
+            <a:r>
+              <a:rPr lang="en-US" dirty="0" smtClean="0"/>
+              <a:t>GIT</a:t>
+            </a:r>
+            <a:r>
+              <a:rPr lang="cs-CZ" dirty="0" smtClean="0"/>
+              <a:t>hub</a:t>
+            </a:r>
+            <a:endParaRPr lang="en-US" dirty="0"/>
+          </a:p>
+        </p:txBody>
+      </p:sp>
+      <p:sp>
+        <p:nvSpPr>
+          <p:cNvPr id="5" name="TextovéPole 4"/>
+          <p:cNvSpPr txBox="1"/>
+          <p:nvPr/>
+        </p:nvSpPr>
+        <p:spPr>
+          <a:xfrm>
+            <a:off x="195288" y="2420888"/>
+            <a:ext cx="3152576" cy="2862322"/>
+          </a:xfrm>
+          <a:prstGeom prst="rect">
+            <a:avLst/>
+          </a:prstGeom>
+        </p:spPr>
+        <p:style>
+          <a:lnRef idx="1">
+            <a:schemeClr val="accent5"/>
+          </a:lnRef>
+          <a:fillRef idx="2">
+            <a:schemeClr val="accent5"/>
+          </a:fillRef>
+          <a:effectRef idx="1">
+            <a:schemeClr val="accent5"/>
+          </a:effectRef>
+          <a:fontRef idx="minor">
+            <a:schemeClr val="dk1"/>
+          </a:fontRef>
+        </p:style>
+        <p:txBody>
+          <a:bodyPr wrap="square" rtlCol="0">
+            <a:spAutoFit/>
+          </a:bodyPr>
+          <a:lstStyle/>
+          <a:p>
+            <a:r>
+              <a:rPr lang="en-US" dirty="0" err="1">
+                <a:latin typeface="Courier New" panose="02070309020205020404" pitchFamily="49" charset="0"/>
+                <a:cs typeface="Courier New" panose="02070309020205020404" pitchFamily="49" charset="0"/>
+              </a:rPr>
+              <a:t>n</a:t>
+            </a:r>
+            <a:r>
+              <a:rPr lang="en-US" dirty="0" err="1" smtClean="0">
+                <a:latin typeface="Courier New" panose="02070309020205020404" pitchFamily="49" charset="0"/>
+                <a:cs typeface="Courier New" panose="02070309020205020404" pitchFamily="49" charset="0"/>
+              </a:rPr>
+              <a:t>pm</a:t>
+            </a:r>
+            <a:r>
+              <a:rPr lang="en-US" dirty="0" smtClean="0">
+                <a:latin typeface="Courier New" panose="02070309020205020404" pitchFamily="49" charset="0"/>
+                <a:cs typeface="Courier New" panose="02070309020205020404" pitchFamily="49" charset="0"/>
+              </a:rPr>
+              <a:t> </a:t>
+            </a:r>
+            <a:r>
+              <a:rPr lang="en-US" dirty="0" err="1" smtClean="0">
+                <a:latin typeface="Courier New" panose="02070309020205020404" pitchFamily="49" charset="0"/>
+                <a:cs typeface="Courier New" panose="02070309020205020404" pitchFamily="49" charset="0"/>
+              </a:rPr>
+              <a:t>init</a:t>
+            </a:r>
+            <a:endParaRPr lang="en-US" dirty="0" smtClean="0">
+              <a:latin typeface="Courier New" panose="02070309020205020404" pitchFamily="49" charset="0"/>
+              <a:cs typeface="Courier New" panose="02070309020205020404" pitchFamily="49" charset="0"/>
+            </a:endParaRPr>
+          </a:p>
+          <a:p>
+            <a:r>
+              <a:rPr lang="en-US" dirty="0" smtClean="0">
+                <a:latin typeface="Courier New" panose="02070309020205020404" pitchFamily="49" charset="0"/>
+                <a:cs typeface="Courier New" panose="02070309020205020404" pitchFamily="49" charset="0"/>
+              </a:rPr>
+              <a:t>config.js for DEV</a:t>
+            </a:r>
+          </a:p>
+          <a:p>
+            <a:r>
+              <a:rPr lang="en-US" dirty="0" err="1" smtClean="0">
+                <a:latin typeface="Courier New" panose="02070309020205020404" pitchFamily="49" charset="0"/>
+                <a:cs typeface="Courier New" panose="02070309020205020404" pitchFamily="49" charset="0"/>
+              </a:rPr>
+              <a:t>npm</a:t>
+            </a:r>
+            <a:r>
+              <a:rPr lang="en-US" dirty="0" smtClean="0">
+                <a:latin typeface="Courier New" panose="02070309020205020404" pitchFamily="49" charset="0"/>
+                <a:cs typeface="Courier New" panose="02070309020205020404" pitchFamily="49" charset="0"/>
+              </a:rPr>
+              <a:t> </a:t>
+            </a:r>
+            <a:r>
+              <a:rPr lang="cs-CZ" dirty="0" err="1" smtClean="0">
+                <a:latin typeface="Courier New" panose="02070309020205020404" pitchFamily="49" charset="0"/>
+                <a:cs typeface="Courier New" panose="02070309020205020404" pitchFamily="49" charset="0"/>
+              </a:rPr>
+              <a:t>install</a:t>
+            </a:r>
+            <a:r>
+              <a:rPr lang="cs-CZ" dirty="0" smtClean="0">
+                <a:latin typeface="Courier New" panose="02070309020205020404" pitchFamily="49" charset="0"/>
+                <a:cs typeface="Courier New" panose="02070309020205020404" pitchFamily="49" charset="0"/>
+              </a:rPr>
+              <a:t> </a:t>
+            </a:r>
+            <a:r>
+              <a:rPr lang="en-US" dirty="0" smtClean="0">
+                <a:latin typeface="Courier New" panose="02070309020205020404" pitchFamily="49" charset="0"/>
+                <a:cs typeface="Courier New" panose="02070309020205020404" pitchFamily="49" charset="0"/>
+              </a:rPr>
+              <a:t>--save </a:t>
+            </a:r>
+            <a:r>
+              <a:rPr lang="en-US" dirty="0">
+                <a:latin typeface="Courier New" panose="02070309020205020404" pitchFamily="49" charset="0"/>
+                <a:cs typeface="Courier New" panose="02070309020205020404" pitchFamily="49" charset="0"/>
+              </a:rPr>
+              <a:t>$</a:t>
+            </a:r>
+            <a:r>
+              <a:rPr lang="en-US" dirty="0" smtClean="0">
+                <a:latin typeface="Courier New" panose="02070309020205020404" pitchFamily="49" charset="0"/>
+                <a:cs typeface="Courier New" panose="02070309020205020404" pitchFamily="49" charset="0"/>
+              </a:rPr>
+              <a:t>library</a:t>
+            </a:r>
+          </a:p>
+          <a:p>
+            <a:endParaRPr lang="en-US" dirty="0">
+              <a:latin typeface="Courier New" panose="02070309020205020404" pitchFamily="49" charset="0"/>
+              <a:cs typeface="Courier New" panose="02070309020205020404" pitchFamily="49" charset="0"/>
+            </a:endParaRPr>
+          </a:p>
+          <a:p>
+            <a:r>
+              <a:rPr lang="en-US" b="1" dirty="0" smtClean="0">
+                <a:latin typeface="Courier New" panose="02070309020205020404" pitchFamily="49" charset="0"/>
+                <a:cs typeface="Courier New" panose="02070309020205020404" pitchFamily="49" charset="0"/>
+              </a:rPr>
+              <a:t>… development, testing, ..</a:t>
+            </a:r>
+          </a:p>
+          <a:p>
+            <a:endParaRPr lang="en-US" dirty="0" smtClean="0">
+              <a:latin typeface="Courier New" panose="02070309020205020404" pitchFamily="49" charset="0"/>
+              <a:cs typeface="Courier New" panose="02070309020205020404" pitchFamily="49" charset="0"/>
+            </a:endParaRPr>
+          </a:p>
+          <a:p>
+            <a:r>
+              <a:rPr lang="cs-CZ" dirty="0" err="1">
+                <a:latin typeface="Courier New" panose="02070309020205020404" pitchFamily="49" charset="0"/>
+                <a:cs typeface="Courier New" panose="02070309020205020404" pitchFamily="49" charset="0"/>
+              </a:rPr>
+              <a:t>i</a:t>
+            </a:r>
+            <a:r>
+              <a:rPr lang="cs-CZ" dirty="0" err="1" smtClean="0">
+                <a:latin typeface="Courier New" panose="02070309020205020404" pitchFamily="49" charset="0"/>
+                <a:cs typeface="Courier New" panose="02070309020205020404" pitchFamily="49" charset="0"/>
+              </a:rPr>
+              <a:t>gnore</a:t>
+            </a:r>
+            <a:r>
+              <a:rPr lang="cs-CZ" dirty="0" smtClean="0">
+                <a:latin typeface="Courier New" panose="02070309020205020404" pitchFamily="49" charset="0"/>
+                <a:cs typeface="Courier New" panose="02070309020205020404" pitchFamily="49" charset="0"/>
+              </a:rPr>
+              <a:t> config.js</a:t>
+            </a:r>
+            <a:endParaRPr lang="en-US" dirty="0">
+              <a:latin typeface="Courier New" panose="02070309020205020404" pitchFamily="49" charset="0"/>
+              <a:cs typeface="Courier New" panose="02070309020205020404" pitchFamily="49" charset="0"/>
+            </a:endParaRPr>
+          </a:p>
+          <a:p>
+            <a:r>
+              <a:rPr lang="en-US" dirty="0" err="1">
+                <a:latin typeface="Courier New" panose="02070309020205020404" pitchFamily="49" charset="0"/>
+                <a:cs typeface="Courier New" panose="02070309020205020404" pitchFamily="49" charset="0"/>
+              </a:rPr>
+              <a:t>g</a:t>
+            </a:r>
+            <a:r>
+              <a:rPr lang="en-US" dirty="0" err="1" smtClean="0">
+                <a:latin typeface="Courier New" panose="02070309020205020404" pitchFamily="49" charset="0"/>
+                <a:cs typeface="Courier New" panose="02070309020205020404" pitchFamily="49" charset="0"/>
+              </a:rPr>
+              <a:t>it</a:t>
+            </a:r>
+            <a:r>
+              <a:rPr lang="en-US" dirty="0" smtClean="0">
+                <a:latin typeface="Courier New" panose="02070309020205020404" pitchFamily="49" charset="0"/>
+                <a:cs typeface="Courier New" panose="02070309020205020404" pitchFamily="49" charset="0"/>
+              </a:rPr>
+              <a:t> push</a:t>
+            </a:r>
+            <a:endParaRPr lang="en-US" dirty="0">
+              <a:latin typeface="Courier New" panose="02070309020205020404" pitchFamily="49" charset="0"/>
+              <a:cs typeface="Courier New" panose="02070309020205020404" pitchFamily="49" charset="0"/>
+            </a:endParaRPr>
+          </a:p>
+        </p:txBody>
+      </p:sp>
+      <p:sp>
+        <p:nvSpPr>
+          <p:cNvPr id="6" name="TextovéPole 5"/>
+          <p:cNvSpPr txBox="1"/>
+          <p:nvPr/>
+        </p:nvSpPr>
+        <p:spPr>
+          <a:xfrm>
+            <a:off x="5564336" y="2407072"/>
+            <a:ext cx="3040112" cy="3139321"/>
+          </a:xfrm>
+          <a:prstGeom prst="rect">
+            <a:avLst/>
+          </a:prstGeom>
+        </p:spPr>
+        <p:style>
+          <a:lnRef idx="1">
+            <a:schemeClr val="accent2"/>
+          </a:lnRef>
+          <a:fillRef idx="2">
+            <a:schemeClr val="accent2"/>
+          </a:fillRef>
+          <a:effectRef idx="1">
+            <a:schemeClr val="accent2"/>
+          </a:effectRef>
+          <a:fontRef idx="minor">
+            <a:schemeClr val="dk1"/>
+          </a:fontRef>
+        </p:style>
+        <p:txBody>
+          <a:bodyPr wrap="square" rtlCol="0">
+            <a:spAutoFit/>
+          </a:bodyPr>
+          <a:lstStyle/>
+          <a:p>
+            <a:r>
+              <a:rPr lang="en-US" dirty="0" smtClean="0">
+                <a:latin typeface="Courier New" panose="02070309020205020404" pitchFamily="49" charset="0"/>
+                <a:cs typeface="Courier New" panose="02070309020205020404" pitchFamily="49" charset="0"/>
+              </a:rPr>
+              <a:t>(Install node, pm2)</a:t>
+            </a:r>
+          </a:p>
+          <a:p>
+            <a:endParaRPr lang="en-US" dirty="0">
+              <a:latin typeface="Courier New" panose="02070309020205020404" pitchFamily="49" charset="0"/>
+              <a:cs typeface="Courier New" panose="02070309020205020404" pitchFamily="49" charset="0"/>
+            </a:endParaRPr>
+          </a:p>
+          <a:p>
+            <a:endParaRPr lang="en-US" dirty="0" smtClean="0">
+              <a:latin typeface="Courier New" panose="02070309020205020404" pitchFamily="49" charset="0"/>
+              <a:cs typeface="Courier New" panose="02070309020205020404" pitchFamily="49" charset="0"/>
+            </a:endParaRPr>
+          </a:p>
+          <a:p>
+            <a:r>
+              <a:rPr lang="en-US" dirty="0" err="1" smtClean="0">
+                <a:latin typeface="Courier New" panose="02070309020205020404" pitchFamily="49" charset="0"/>
+                <a:cs typeface="Courier New" panose="02070309020205020404" pitchFamily="49" charset="0"/>
+              </a:rPr>
+              <a:t>git</a:t>
+            </a:r>
+            <a:r>
+              <a:rPr lang="en-US" dirty="0" smtClean="0">
+                <a:latin typeface="Courier New" panose="02070309020205020404" pitchFamily="49" charset="0"/>
+                <a:cs typeface="Courier New" panose="02070309020205020404" pitchFamily="49" charset="0"/>
+              </a:rPr>
+              <a:t> clone</a:t>
+            </a:r>
+          </a:p>
+          <a:p>
+            <a:r>
+              <a:rPr lang="en-US" dirty="0" err="1">
+                <a:latin typeface="Courier New" panose="02070309020205020404" pitchFamily="49" charset="0"/>
+                <a:cs typeface="Courier New" panose="02070309020205020404" pitchFamily="49" charset="0"/>
+              </a:rPr>
+              <a:t>n</a:t>
+            </a:r>
+            <a:r>
+              <a:rPr lang="en-US" dirty="0" err="1" smtClean="0">
+                <a:latin typeface="Courier New" panose="02070309020205020404" pitchFamily="49" charset="0"/>
+                <a:cs typeface="Courier New" panose="02070309020205020404" pitchFamily="49" charset="0"/>
+              </a:rPr>
+              <a:t>pm</a:t>
+            </a:r>
+            <a:r>
+              <a:rPr lang="en-US" dirty="0" smtClean="0">
+                <a:latin typeface="Courier New" panose="02070309020205020404" pitchFamily="49" charset="0"/>
+                <a:cs typeface="Courier New" panose="02070309020205020404" pitchFamily="49" charset="0"/>
+              </a:rPr>
+              <a:t> install</a:t>
+            </a:r>
+          </a:p>
+          <a:p>
+            <a:r>
+              <a:rPr lang="cs-CZ" dirty="0" err="1" smtClean="0">
+                <a:latin typeface="Courier New" panose="02070309020205020404" pitchFamily="49" charset="0"/>
+                <a:cs typeface="Courier New" panose="02070309020205020404" pitchFamily="49" charset="0"/>
+              </a:rPr>
+              <a:t>vim</a:t>
+            </a:r>
+            <a:r>
+              <a:rPr lang="cs-CZ" dirty="0" smtClean="0">
+                <a:latin typeface="Courier New" panose="02070309020205020404" pitchFamily="49" charset="0"/>
+                <a:cs typeface="Courier New" panose="02070309020205020404" pitchFamily="49" charset="0"/>
+              </a:rPr>
+              <a:t> config.js</a:t>
+            </a:r>
+            <a:endParaRPr lang="en-US" dirty="0" smtClean="0">
+              <a:latin typeface="Courier New" panose="02070309020205020404" pitchFamily="49" charset="0"/>
+              <a:cs typeface="Courier New" panose="02070309020205020404" pitchFamily="49" charset="0"/>
+            </a:endParaRPr>
+          </a:p>
+          <a:p>
+            <a:endParaRPr lang="en-US" dirty="0" smtClean="0">
+              <a:latin typeface="Courier New" panose="02070309020205020404" pitchFamily="49" charset="0"/>
+              <a:cs typeface="Courier New" panose="02070309020205020404" pitchFamily="49" charset="0"/>
+            </a:endParaRPr>
+          </a:p>
+          <a:p>
+            <a:r>
+              <a:rPr lang="en-US" dirty="0" smtClean="0">
+                <a:latin typeface="Courier New" panose="02070309020205020404" pitchFamily="49" charset="0"/>
+                <a:cs typeface="Courier New" panose="02070309020205020404" pitchFamily="49" charset="0"/>
+              </a:rPr>
+              <a:t>pm2 start index.js --name </a:t>
+            </a:r>
+            <a:r>
+              <a:rPr lang="en-US" dirty="0" err="1" smtClean="0">
+                <a:latin typeface="Courier New" panose="02070309020205020404" pitchFamily="49" charset="0"/>
+                <a:cs typeface="Courier New" panose="02070309020205020404" pitchFamily="49" charset="0"/>
+              </a:rPr>
+              <a:t>Projekt</a:t>
+            </a:r>
+            <a:endParaRPr lang="en-US" dirty="0" smtClean="0">
+              <a:latin typeface="Courier New" panose="02070309020205020404" pitchFamily="49" charset="0"/>
+              <a:cs typeface="Courier New" panose="02070309020205020404" pitchFamily="49" charset="0"/>
+            </a:endParaRPr>
+          </a:p>
+          <a:p>
+            <a:r>
+              <a:rPr lang="en-US" dirty="0">
+                <a:latin typeface="Courier New" panose="02070309020205020404" pitchFamily="49" charset="0"/>
+                <a:cs typeface="Courier New" panose="02070309020205020404" pitchFamily="49" charset="0"/>
+              </a:rPr>
+              <a:t>p</a:t>
+            </a:r>
+            <a:r>
+              <a:rPr lang="en-US" dirty="0" smtClean="0">
+                <a:latin typeface="Courier New" panose="02070309020205020404" pitchFamily="49" charset="0"/>
+                <a:cs typeface="Courier New" panose="02070309020205020404" pitchFamily="49" charset="0"/>
+              </a:rPr>
+              <a:t>m2 startup</a:t>
+            </a:r>
+            <a:endParaRPr lang="en-US" dirty="0">
+              <a:latin typeface="Courier New" panose="02070309020205020404" pitchFamily="49" charset="0"/>
+              <a:cs typeface="Courier New" panose="02070309020205020404" pitchFamily="49" charset="0"/>
+            </a:endParaRPr>
+          </a:p>
+          <a:p>
+            <a:endParaRPr lang="en-US" dirty="0">
+              <a:latin typeface="Courier New" panose="02070309020205020404" pitchFamily="49" charset="0"/>
+              <a:cs typeface="Courier New" panose="02070309020205020404" pitchFamily="49" charset="0"/>
+            </a:endParaRPr>
+          </a:p>
+        </p:txBody>
+      </p:sp>
+      <p:sp>
+        <p:nvSpPr>
+          <p:cNvPr id="7" name="Zaoblený obdélník 6"/>
+          <p:cNvSpPr/>
+          <p:nvPr/>
+        </p:nvSpPr>
+        <p:spPr>
+          <a:xfrm>
+            <a:off x="195288" y="1831008"/>
+            <a:ext cx="3152576" cy="576064"/>
+          </a:xfrm>
+          <a:prstGeom prst="roundRect">
+            <a:avLst/>
+          </a:prstGeom>
+        </p:spPr>
+        <p:style>
+          <a:lnRef idx="1">
+            <a:schemeClr val="accent5"/>
+          </a:lnRef>
+          <a:fillRef idx="2">
+            <a:schemeClr val="accent5"/>
+          </a:fillRef>
+          <a:effectRef idx="1">
+            <a:schemeClr val="accent5"/>
+          </a:effectRef>
+          <a:fontRef idx="minor">
+            <a:schemeClr val="dk1"/>
+          </a:fontRef>
+        </p:style>
+        <p:txBody>
+          <a:bodyPr rtlCol="0" anchor="ctr"/>
+          <a:lstStyle/>
+          <a:p>
+            <a:pPr algn="ctr"/>
+            <a:r>
+              <a:rPr lang="cs-CZ" sz="3200" b="1" dirty="0" err="1" smtClean="0"/>
+              <a:t>Local</a:t>
+            </a:r>
+            <a:r>
+              <a:rPr lang="cs-CZ" sz="3200" b="1" dirty="0" smtClean="0"/>
+              <a:t> </a:t>
+            </a:r>
+            <a:r>
+              <a:rPr lang="cs-CZ" sz="3200" b="1" dirty="0" err="1" smtClean="0"/>
+              <a:t>devel</a:t>
+            </a:r>
+            <a:endParaRPr lang="en-US" sz="3200" b="1" dirty="0"/>
+          </a:p>
+        </p:txBody>
+      </p:sp>
+      <p:sp>
+        <p:nvSpPr>
+          <p:cNvPr id="8" name="Zaoblený obdélník 7"/>
+          <p:cNvSpPr/>
+          <p:nvPr/>
+        </p:nvSpPr>
+        <p:spPr>
+          <a:xfrm>
+            <a:off x="5564336" y="1831380"/>
+            <a:ext cx="3040112" cy="576064"/>
+          </a:xfrm>
+          <a:prstGeom prst="roundRect">
+            <a:avLst/>
+          </a:prstGeom>
+        </p:spPr>
+        <p:style>
+          <a:lnRef idx="1">
+            <a:schemeClr val="accent2"/>
+          </a:lnRef>
+          <a:fillRef idx="2">
+            <a:schemeClr val="accent2"/>
+          </a:fillRef>
+          <a:effectRef idx="1">
+            <a:schemeClr val="accent2"/>
+          </a:effectRef>
+          <a:fontRef idx="minor">
+            <a:schemeClr val="dk1"/>
+          </a:fontRef>
+        </p:style>
+        <p:txBody>
+          <a:bodyPr rtlCol="0" anchor="ctr"/>
+          <a:lstStyle/>
+          <a:p>
+            <a:pPr algn="ctr"/>
+            <a:r>
+              <a:rPr lang="cs-CZ" sz="2800" b="1" dirty="0" err="1"/>
+              <a:t>P</a:t>
+            </a:r>
+            <a:r>
+              <a:rPr lang="cs-CZ" sz="2800" b="1" dirty="0" err="1" smtClean="0"/>
+              <a:t>roduction</a:t>
+            </a:r>
+            <a:endParaRPr lang="en-US" b="1" dirty="0"/>
+          </a:p>
+        </p:txBody>
+      </p:sp>
+    </p:spTree>
+    <p:extLst>
+      <p:ext uri="{BB962C8B-B14F-4D97-AF65-F5344CB8AC3E}">
+        <p14:creationId xmlns:p14="http://schemas.microsoft.com/office/powerpoint/2010/main" val="611199298"/>
+      </p:ext>
+    </p:extLst>
+  </p:cSld>
+  <p:clrMapOvr>
+    <a:masterClrMapping/>
+  </p:clrMapOvr>
+  <p:timing>
+    <p:tnLst>
+      <p:par>
+        <p:cTn id="1" dur="indefinite" restart="never" nodeType="tmRoot"/>
+      </p:par>
+    </p:tnLst>
+  </p:timing>
+</p:sld>
+</file>
+
+<file path=ppt/slides/slide24.xml><?xml version="1.0" encoding="utf-8"?>
+<p:sld xmlns:a="http://schemas.openxmlformats.org/drawingml/2006/main" xmlns:r="http://schemas.openxmlformats.org/officeDocument/2006/relationships" xmlns:p="http://schemas.openxmlformats.org/presentationml/2006/main">
+  <p:cSld>
+    <p:spTree>
+      <p:nvGrpSpPr>
+        <p:cNvPr id="1" name=""/>
+        <p:cNvGrpSpPr/>
+        <p:nvPr/>
+      </p:nvGrpSpPr>
+      <p:grpSpPr>
+        <a:xfrm>
+          <a:off x="0" y="0"/>
+          <a:ext cx="0" cy="0"/>
+          <a:chOff x="0" y="0"/>
+          <a:chExt cx="0" cy="0"/>
+        </a:xfrm>
+      </p:grpSpPr>
+      <p:sp>
+        <p:nvSpPr>
+          <p:cNvPr id="2" name="Nadpis 1"/>
+          <p:cNvSpPr>
+            <a:spLocks noGrp="1"/>
+          </p:cNvSpPr>
+          <p:nvPr>
+            <p:ph type="title"/>
+          </p:nvPr>
+        </p:nvSpPr>
+        <p:spPr/>
+        <p:txBody>
+          <a:bodyPr/>
+          <a:lstStyle/>
+          <a:p>
+            <a:r>
+              <a:rPr lang="en-US" dirty="0" smtClean="0"/>
+              <a:t>pm2</a:t>
+            </a:r>
+            <a:endParaRPr lang="en-US" dirty="0"/>
+          </a:p>
+        </p:txBody>
+      </p:sp>
+      <p:sp>
+        <p:nvSpPr>
+          <p:cNvPr id="3" name="Zástupný symbol pro obsah 2"/>
+          <p:cNvSpPr>
+            <a:spLocks noGrp="1"/>
+          </p:cNvSpPr>
+          <p:nvPr>
+            <p:ph idx="1"/>
+          </p:nvPr>
+        </p:nvSpPr>
+        <p:spPr>
+          <a:xfrm>
+            <a:off x="457200" y="1412776"/>
+            <a:ext cx="8229600" cy="4713387"/>
+          </a:xfrm>
+        </p:spPr>
+        <p:txBody>
+          <a:bodyPr>
+            <a:normAutofit lnSpcReduction="10000"/>
+          </a:bodyPr>
+          <a:lstStyle/>
+          <a:p>
+            <a:r>
+              <a:rPr lang="en-US" dirty="0">
+                <a:hlinkClick r:id="rId2"/>
+              </a:rPr>
+              <a:t>http://pm2.keymetrics.io</a:t>
+            </a:r>
+            <a:r>
+              <a:rPr lang="en-US" dirty="0" smtClean="0">
+                <a:hlinkClick r:id="rId2"/>
+              </a:rPr>
+              <a:t>/</a:t>
+            </a:r>
+            <a:endParaRPr lang="en-US" dirty="0" smtClean="0"/>
+          </a:p>
+          <a:p>
+            <a:r>
+              <a:rPr lang="en-US" dirty="0" smtClean="0"/>
+              <a:t>Co to um</a:t>
+            </a:r>
+            <a:r>
+              <a:rPr lang="cs-CZ" dirty="0" smtClean="0"/>
+              <a:t>í:</a:t>
+            </a:r>
+          </a:p>
+          <a:p>
+            <a:pPr lvl="1"/>
+            <a:r>
+              <a:rPr lang="cs-CZ" dirty="0" smtClean="0"/>
+              <a:t>Spravovat a monitorovat běžící procesy</a:t>
+            </a:r>
+          </a:p>
+          <a:p>
+            <a:pPr lvl="1"/>
+            <a:r>
+              <a:rPr lang="cs-CZ" dirty="0" smtClean="0"/>
+              <a:t>Dát je do </a:t>
+            </a:r>
+            <a:r>
+              <a:rPr lang="cs-CZ" dirty="0" err="1" smtClean="0"/>
+              <a:t>autorestartu</a:t>
+            </a:r>
+            <a:r>
+              <a:rPr lang="cs-CZ" dirty="0" smtClean="0"/>
+              <a:t> serveru</a:t>
+            </a:r>
+          </a:p>
+          <a:p>
+            <a:pPr lvl="1"/>
+            <a:r>
+              <a:rPr lang="cs-CZ" dirty="0" smtClean="0"/>
+              <a:t>Logovat atd.</a:t>
+            </a:r>
+          </a:p>
+          <a:p>
+            <a:pPr lvl="1"/>
+            <a:endParaRPr lang="cs-CZ" dirty="0" smtClean="0"/>
+          </a:p>
+          <a:p>
+            <a:r>
+              <a:rPr lang="cs-CZ" dirty="0" smtClean="0"/>
+              <a:t>Co to asi umí a my nepožíváme</a:t>
+            </a:r>
+          </a:p>
+          <a:p>
+            <a:pPr lvl="1"/>
+            <a:r>
+              <a:rPr lang="cs-CZ" dirty="0" err="1" smtClean="0"/>
+              <a:t>Škálování</a:t>
+            </a:r>
+            <a:r>
+              <a:rPr lang="cs-CZ" dirty="0" smtClean="0"/>
+              <a:t>, </a:t>
+            </a:r>
+            <a:r>
+              <a:rPr lang="cs-CZ" dirty="0" err="1" smtClean="0"/>
+              <a:t>fail</a:t>
+            </a:r>
+            <a:r>
+              <a:rPr lang="cs-CZ" dirty="0" smtClean="0"/>
+              <a:t> </a:t>
+            </a:r>
+            <a:r>
+              <a:rPr lang="cs-CZ" dirty="0" err="1" smtClean="0"/>
+              <a:t>over</a:t>
+            </a:r>
+            <a:endParaRPr lang="cs-CZ" dirty="0" smtClean="0"/>
+          </a:p>
+          <a:p>
+            <a:pPr lvl="1"/>
+            <a:r>
+              <a:rPr lang="cs-CZ" dirty="0" err="1" smtClean="0"/>
+              <a:t>Docker</a:t>
+            </a:r>
+            <a:r>
+              <a:rPr lang="cs-CZ" dirty="0" smtClean="0"/>
+              <a:t> </a:t>
+            </a:r>
+            <a:r>
+              <a:rPr lang="cs-CZ" dirty="0" err="1" smtClean="0"/>
+              <a:t>compatibility</a:t>
+            </a:r>
+            <a:endParaRPr lang="cs-CZ" dirty="0" smtClean="0"/>
+          </a:p>
+          <a:p>
+            <a:pPr lvl="1"/>
+            <a:endParaRPr lang="en-US" dirty="0"/>
+          </a:p>
+        </p:txBody>
+      </p:sp>
+    </p:spTree>
+    <p:extLst>
+      <p:ext uri="{BB962C8B-B14F-4D97-AF65-F5344CB8AC3E}">
+        <p14:creationId xmlns:p14="http://schemas.microsoft.com/office/powerpoint/2010/main" val="3701924006"/>
+      </p:ext>
+    </p:extLst>
+  </p:cSld>
+  <p:clrMapOvr>
+    <a:masterClrMapping/>
+  </p:clrMapOvr>
+  <p:timing>
+    <p:tnLst>
+      <p:par>
+        <p:cTn id="1" dur="indefinite" restart="never" nodeType="tmRoot"/>
+      </p:par>
+    </p:tnLst>
+  </p:timing>
+</p:sld>
+</file>
+
+<file path=ppt/slides/slide25.xml><?xml version="1.0" encoding="utf-8"?>
+<p:sld xmlns:a="http://schemas.openxmlformats.org/drawingml/2006/main" xmlns:r="http://schemas.openxmlformats.org/officeDocument/2006/relationships" xmlns:p="http://schemas.openxmlformats.org/presentationml/2006/main">
+  <p:cSld>
+    <p:spTree>
+      <p:nvGrpSpPr>
+        <p:cNvPr id="1" name=""/>
+        <p:cNvGrpSpPr/>
+        <p:nvPr/>
+      </p:nvGrpSpPr>
+      <p:grpSpPr>
+        <a:xfrm>
+          <a:off x="0" y="0"/>
+          <a:ext cx="0" cy="0"/>
+          <a:chOff x="0" y="0"/>
+          <a:chExt cx="0" cy="0"/>
+        </a:xfrm>
+      </p:grpSpPr>
+      <p:sp>
+        <p:nvSpPr>
+          <p:cNvPr id="2" name="Nadpis 1"/>
+          <p:cNvSpPr>
+            <a:spLocks noGrp="1"/>
+          </p:cNvSpPr>
+          <p:nvPr>
+            <p:ph type="title"/>
+          </p:nvPr>
+        </p:nvSpPr>
+        <p:spPr/>
+        <p:txBody>
+          <a:bodyPr/>
+          <a:lstStyle/>
+          <a:p>
+            <a:r>
+              <a:rPr lang="en-US" dirty="0" smtClean="0"/>
+              <a:t>Best practices</a:t>
+            </a:r>
+            <a:endParaRPr lang="en-US" dirty="0"/>
+          </a:p>
+        </p:txBody>
+      </p:sp>
+      <p:sp>
+        <p:nvSpPr>
+          <p:cNvPr id="3" name="Zástupný symbol pro obsah 2"/>
+          <p:cNvSpPr>
+            <a:spLocks noGrp="1"/>
+          </p:cNvSpPr>
+          <p:nvPr>
+            <p:ph idx="1"/>
+          </p:nvPr>
+        </p:nvSpPr>
+        <p:spPr/>
+        <p:txBody>
+          <a:bodyPr/>
+          <a:lstStyle/>
+          <a:p>
+            <a:r>
+              <a:rPr lang="en-US" dirty="0" smtClean="0"/>
+              <a:t>Use </a:t>
+            </a:r>
+            <a:r>
+              <a:rPr lang="en-US" b="1" dirty="0" smtClean="0">
+                <a:latin typeface="Courier New" panose="02070309020205020404" pitchFamily="49" charset="0"/>
+                <a:cs typeface="Courier New" panose="02070309020205020404" pitchFamily="49" charset="0"/>
+              </a:rPr>
+              <a:t>debug</a:t>
+            </a:r>
+            <a:r>
+              <a:rPr lang="en-US" b="1" dirty="0" smtClean="0"/>
+              <a:t> </a:t>
+            </a:r>
+            <a:r>
+              <a:rPr lang="en-US" dirty="0" smtClean="0"/>
+              <a:t>package</a:t>
+            </a:r>
+            <a:r>
+              <a:rPr lang="cs-CZ" dirty="0" smtClean="0"/>
+              <a:t> </a:t>
+            </a:r>
+            <a:r>
+              <a:rPr lang="cs-CZ" dirty="0" err="1" smtClean="0"/>
+              <a:t>for</a:t>
+            </a:r>
+            <a:r>
+              <a:rPr lang="cs-CZ" dirty="0" smtClean="0"/>
+              <a:t> </a:t>
+            </a:r>
+            <a:r>
+              <a:rPr lang="en-US" dirty="0" smtClean="0"/>
+              <a:t>debug </a:t>
+            </a:r>
+            <a:r>
+              <a:rPr lang="en-US" dirty="0" err="1" smtClean="0"/>
+              <a:t>loggs</a:t>
+            </a:r>
+            <a:endParaRPr lang="en-US" dirty="0" smtClean="0"/>
+          </a:p>
+          <a:p>
+            <a:r>
+              <a:rPr lang="en-US" dirty="0" smtClean="0"/>
+              <a:t>Use </a:t>
+            </a:r>
+            <a:r>
+              <a:rPr lang="en-US" b="1" dirty="0" err="1" smtClean="0">
+                <a:latin typeface="Courier New" panose="02070309020205020404" pitchFamily="49" charset="0"/>
+                <a:cs typeface="Courier New" panose="02070309020205020404" pitchFamily="49" charset="0"/>
+              </a:rPr>
+              <a:t>winston</a:t>
+            </a:r>
+            <a:r>
+              <a:rPr lang="en-US" dirty="0" smtClean="0"/>
+              <a:t> for logs</a:t>
+            </a:r>
+            <a:endParaRPr lang="en-US" dirty="0" smtClean="0"/>
+          </a:p>
+          <a:p>
+            <a:r>
+              <a:rPr lang="en-US" dirty="0" smtClean="0"/>
+              <a:t>Use promise-based package or </a:t>
+            </a:r>
+            <a:r>
+              <a:rPr lang="en-US" b="1" dirty="0" smtClean="0">
+                <a:latin typeface="Courier New" panose="02070309020205020404" pitchFamily="49" charset="0"/>
+                <a:cs typeface="Courier New" panose="02070309020205020404" pitchFamily="49" charset="0"/>
+              </a:rPr>
+              <a:t>bluebird</a:t>
+            </a:r>
+          </a:p>
+          <a:p>
+            <a:r>
+              <a:rPr lang="en-US" dirty="0"/>
+              <a:t>A</a:t>
+            </a:r>
+            <a:r>
+              <a:rPr lang="en-US" dirty="0" smtClean="0"/>
+              <a:t>ll tokens</a:t>
+            </a:r>
+            <a:r>
+              <a:rPr lang="cs-CZ" dirty="0" smtClean="0"/>
+              <a:t>/</a:t>
+            </a:r>
+            <a:r>
+              <a:rPr lang="cs-CZ" dirty="0" err="1" smtClean="0"/>
+              <a:t>password</a:t>
+            </a:r>
+            <a:r>
+              <a:rPr lang="cs-CZ" dirty="0" smtClean="0"/>
+              <a:t> in </a:t>
+            </a:r>
+            <a:r>
+              <a:rPr lang="cs-CZ" dirty="0" smtClean="0">
+                <a:latin typeface="Courier New" panose="02070309020205020404" pitchFamily="49" charset="0"/>
+                <a:cs typeface="Courier New" panose="02070309020205020404" pitchFamily="49" charset="0"/>
+              </a:rPr>
+              <a:t>config.js</a:t>
+            </a:r>
+            <a:r>
+              <a:rPr lang="cs-CZ" dirty="0" smtClean="0"/>
+              <a:t> </a:t>
+            </a:r>
+            <a:r>
+              <a:rPr lang="cs-CZ" b="1" dirty="0" smtClean="0"/>
+              <a:t>NOT IN GIT</a:t>
+            </a:r>
+          </a:p>
+          <a:p>
+            <a:r>
+              <a:rPr lang="cs-CZ" dirty="0" smtClean="0"/>
+              <a:t>Use </a:t>
+            </a:r>
+            <a:r>
+              <a:rPr lang="cs-CZ" b="1" dirty="0" smtClean="0">
+                <a:latin typeface="Courier New" panose="02070309020205020404" pitchFamily="49" charset="0"/>
+                <a:cs typeface="Courier New" panose="02070309020205020404" pitchFamily="49" charset="0"/>
+              </a:rPr>
+              <a:t>pm2</a:t>
+            </a:r>
+            <a:r>
+              <a:rPr lang="cs-CZ" dirty="0" smtClean="0"/>
+              <a:t> </a:t>
+            </a:r>
+            <a:r>
+              <a:rPr lang="cs-CZ" dirty="0" err="1" smtClean="0"/>
+              <a:t>for</a:t>
+            </a:r>
+            <a:r>
+              <a:rPr lang="cs-CZ" dirty="0" smtClean="0"/>
+              <a:t> </a:t>
+            </a:r>
+            <a:r>
+              <a:rPr lang="cs-CZ" dirty="0" err="1" smtClean="0"/>
+              <a:t>production</a:t>
+            </a:r>
+            <a:r>
+              <a:rPr lang="cs-CZ" dirty="0" smtClean="0"/>
+              <a:t> management</a:t>
+            </a:r>
+            <a:endParaRPr lang="en-US" dirty="0"/>
+          </a:p>
+        </p:txBody>
+      </p:sp>
+    </p:spTree>
+    <p:extLst>
+      <p:ext uri="{BB962C8B-B14F-4D97-AF65-F5344CB8AC3E}">
+        <p14:creationId xmlns:p14="http://schemas.microsoft.com/office/powerpoint/2010/main" val="1014899769"/>
+      </p:ext>
+    </p:extLst>
+  </p:cSld>
+  <p:clrMapOvr>
+    <a:masterClrMapping/>
+  </p:clrMapOvr>
+  <p:timing>
+    <p:tnLst>
+      <p:par>
+        <p:cTn id="1" dur="indefinite" restart="never" nodeType="tmRoot"/>
+      </p:par>
+    </p:tnLst>
+  </p:timing>
+</p:sld>
+</file>
+
+<file path=ppt/slides/slide26.xml><?xml version="1.0" encoding="utf-8"?>
+<p:sld xmlns:a="http://schemas.openxmlformats.org/drawingml/2006/main" xmlns:r="http://schemas.openxmlformats.org/officeDocument/2006/relationships" xmlns:p="http://schemas.openxmlformats.org/presentationml/2006/main">
+  <p:cSld>
+    <p:spTree>
+      <p:nvGrpSpPr>
+        <p:cNvPr id="1" name=""/>
+        <p:cNvGrpSpPr/>
+        <p:nvPr/>
+      </p:nvGrpSpPr>
+      <p:grpSpPr>
+        <a:xfrm>
+          <a:off x="0" y="0"/>
+          <a:ext cx="0" cy="0"/>
+          <a:chOff x="0" y="0"/>
+          <a:chExt cx="0" cy="0"/>
+        </a:xfrm>
+      </p:grpSpPr>
+      <p:sp>
+        <p:nvSpPr>
+          <p:cNvPr id="2" name="Nadpis 1"/>
+          <p:cNvSpPr>
+            <a:spLocks noGrp="1"/>
+          </p:cNvSpPr>
+          <p:nvPr>
+            <p:ph type="title"/>
+          </p:nvPr>
+        </p:nvSpPr>
+        <p:spPr/>
+        <p:txBody>
+          <a:bodyPr/>
+          <a:lstStyle/>
+          <a:p>
+            <a:r>
+              <a:rPr lang="en-US" dirty="0" err="1" smtClean="0"/>
+              <a:t>Tak</a:t>
+            </a:r>
+            <a:r>
+              <a:rPr lang="en-US" dirty="0" smtClean="0"/>
+              <a:t> </a:t>
+            </a:r>
+            <a:r>
+              <a:rPr lang="en-US" dirty="0" err="1" smtClean="0"/>
+              <a:t>te</a:t>
+            </a:r>
+            <a:r>
+              <a:rPr lang="cs-CZ" dirty="0" smtClean="0"/>
+              <a:t>ď už opravdu </a:t>
+            </a:r>
+            <a:r>
+              <a:rPr lang="cs-CZ" dirty="0" err="1" smtClean="0"/>
+              <a:t>poJďme</a:t>
+            </a:r>
+            <a:r>
+              <a:rPr lang="cs-CZ" dirty="0" smtClean="0"/>
+              <a:t> na to</a:t>
+            </a:r>
+            <a:endParaRPr lang="cs-CZ" dirty="0"/>
+          </a:p>
+        </p:txBody>
+      </p:sp>
+      <p:sp>
+        <p:nvSpPr>
+          <p:cNvPr id="3" name="Zástupný symbol pro text 2"/>
+          <p:cNvSpPr>
+            <a:spLocks noGrp="1"/>
+          </p:cNvSpPr>
+          <p:nvPr>
+            <p:ph type="body" idx="1"/>
+          </p:nvPr>
+        </p:nvSpPr>
+        <p:spPr/>
+        <p:txBody>
+          <a:bodyPr/>
+          <a:lstStyle/>
+          <a:p>
+            <a:endParaRPr lang="cs-CZ"/>
+          </a:p>
+        </p:txBody>
+      </p:sp>
+    </p:spTree>
+    <p:extLst>
+      <p:ext uri="{BB962C8B-B14F-4D97-AF65-F5344CB8AC3E}">
+        <p14:creationId xmlns:p14="http://schemas.microsoft.com/office/powerpoint/2010/main" val="784487936"/>
       </p:ext>
     </p:extLst>
   </p:cSld>
@@ -5471,7 +7232,15 @@
           <a:p>
             <a:r>
               <a:rPr lang="cs-CZ" dirty="0" smtClean="0"/>
-              <a:t>Kde získat jinak informace …</a:t>
+              <a:t>Na co je to dobré</a:t>
+            </a:r>
+            <a:r>
+              <a:rPr lang="en-US" dirty="0" smtClean="0"/>
+              <a:t> </a:t>
+            </a:r>
+            <a:r>
+              <a:rPr lang="en-US" dirty="0" err="1" smtClean="0"/>
+              <a:t>Activatu</a:t>
             </a:r>
             <a:endParaRPr lang="en-US" dirty="0"/>
           </a:p>
@@ -5493,45 +7262,116 @@
           <a:lstStyle/>
           <a:p>
             <a:r>
-              <a:rPr lang="cs-CZ" dirty="0">
-                <a:hlinkClick r:id="rId2"/>
-              </a:rPr>
-              <a:t>https://</a:t>
-            </a:r>
-            <a:r>
-              <a:rPr lang="cs-CZ" dirty="0" smtClean="0">
-                <a:hlinkClick r:id="rId2"/>
-              </a:rPr>
-              <a:t>www.coursera.org/learn/server-side-nodejs</a:t>
+              <a:rPr lang="en-US" dirty="0" smtClean="0"/>
+              <a:t>(next </a:t>
+            </a:r>
+            <a:r>
+              <a:rPr lang="en-US" dirty="0" err="1" smtClean="0"/>
+              <a:t>appscript</a:t>
+            </a:r>
+            <a:r>
+              <a:rPr lang="en-US" dirty="0" smtClean="0"/>
+              <a:t>)</a:t>
+            </a:r>
+          </a:p>
+          <a:p>
+            <a:r>
+              <a:rPr lang="cs-CZ" dirty="0" smtClean="0"/>
+              <a:t>Datové </a:t>
+            </a:r>
+            <a:r>
+              <a:rPr lang="cs-CZ" dirty="0" smtClean="0"/>
+              <a:t>pumpy s JSON API</a:t>
+            </a:r>
+          </a:p>
+          <a:p>
+            <a:pPr lvl="1"/>
+            <a:r>
+              <a:rPr lang="cs-CZ" dirty="0" err="1" smtClean="0"/>
+              <a:t>Extractory</a:t>
             </a:r>
             <a:endParaRPr lang="cs-CZ" dirty="0" smtClean="0"/>
           </a:p>
           <a:p>
-            <a:r>
-              <a:rPr lang="cs-CZ" dirty="0">
-                <a:hlinkClick r:id="rId3"/>
-              </a:rPr>
-              <a:t>https://www.zdrojak.cz/serialy/node-js-s-javascriptem-na-serveru</a:t>
-            </a:r>
-            <a:r>
-              <a:rPr lang="cs-CZ" dirty="0" smtClean="0">
-                <a:hlinkClick r:id="rId3"/>
-              </a:rPr>
-              <a:t>/</a:t>
+            <a:pPr lvl="1"/>
+            <a:r>
+              <a:rPr lang="cs-CZ" dirty="0" err="1" smtClean="0"/>
+              <a:t>Orchestratory</a:t>
+            </a:r>
+            <a:r>
+              <a:rPr lang="cs-CZ" dirty="0" smtClean="0"/>
+              <a:t>, …</a:t>
+            </a:r>
+          </a:p>
+          <a:p>
+            <a:pPr lvl="1"/>
+            <a:r>
+              <a:rPr lang="cs-CZ" dirty="0" smtClean="0"/>
+              <a:t>Příklad: KB Data </a:t>
+            </a:r>
+            <a:r>
+              <a:rPr lang="cs-CZ" dirty="0" err="1" smtClean="0"/>
+              <a:t>extractor</a:t>
             </a:r>
             <a:r>
               <a:rPr lang="cs-CZ" dirty="0" smtClean="0"/>
               <a:t> </a:t>
             </a:r>
-          </a:p>
-          <a:p>
-            <a:r>
-              <a:rPr lang="cs-CZ" dirty="0" smtClean="0"/>
-              <a:t>…</a:t>
-            </a:r>
-          </a:p>
-          <a:p>
-            <a:endParaRPr lang="cs-CZ" dirty="0"/>
+            <a:r>
+              <a:rPr lang="en-US" dirty="0" smtClean="0"/>
+              <a:t>(</a:t>
+            </a:r>
+            <a:r>
+              <a:rPr lang="en-US" dirty="0" err="1" smtClean="0"/>
+              <a:t>sklik</a:t>
+            </a:r>
+            <a:r>
+              <a:rPr lang="en-US" dirty="0" smtClean="0"/>
+              <a:t>, </a:t>
+            </a:r>
+            <a:r>
+              <a:rPr lang="en-US" dirty="0" err="1" smtClean="0"/>
+              <a:t>adword</a:t>
+            </a:r>
+            <a:r>
+              <a:rPr lang="en-US" dirty="0" smtClean="0"/>
+              <a:t>, </a:t>
+            </a:r>
+            <a:r>
+              <a:rPr lang="en-US" dirty="0" err="1" smtClean="0"/>
+              <a:t>adform</a:t>
+            </a:r>
+            <a:r>
+              <a:rPr lang="en-US" dirty="0" smtClean="0"/>
+              <a:t>)</a:t>
+            </a:r>
+            <a:endParaRPr lang="cs-CZ" dirty="0" smtClean="0"/>
+          </a:p>
+          <a:p>
+            <a:endParaRPr lang="cs-CZ" dirty="0" smtClean="0"/>
+          </a:p>
+          <a:p>
+            <a:r>
+              <a:rPr lang="cs-CZ" dirty="0" smtClean="0"/>
+              <a:t>JSON/REST API</a:t>
+            </a:r>
+            <a:endParaRPr lang="en-US" dirty="0" smtClean="0"/>
+          </a:p>
+          <a:p>
+            <a:pPr lvl="1"/>
+            <a:r>
+              <a:rPr lang="en-US" dirty="0" err="1" smtClean="0"/>
+              <a:t>ActivateReporting</a:t>
+            </a:r>
+            <a:r>
+              <a:rPr lang="en-US" dirty="0" smtClean="0"/>
+              <a:t>, </a:t>
+            </a:r>
+            <a:r>
+              <a:rPr lang="en-US" dirty="0" smtClean="0"/>
+              <a:t>CCS API</a:t>
+            </a:r>
+            <a:endParaRPr lang="cs-CZ" dirty="0" smtClean="0"/>
           </a:p>
           <a:p>
             <a:endParaRPr lang="en-US" dirty="0"/>
@@ -5541,7 +7381,7 @@
     </p:spTree>
     <p:extLst>
       <p:ext uri="{BB962C8B-B14F-4D97-AF65-F5344CB8AC3E}">
-        <p14:creationId xmlns:p14="http://schemas.microsoft.com/office/powerpoint/2010/main" val="90316818"/>
+        <p14:creationId xmlns:p14="http://schemas.microsoft.com/office/powerpoint/2010/main" val="2831257760"/>
       </p:ext>
     </p:extLst>
   </p:cSld>
@@ -5551,9 +7391,306 @@
   <p:timing>
     <p:tnLst>
       <p:par>
-        <p:cTn id="1" dur="indefinite" restart="never" nodeType="tmRoot"/>
+        <p:cTn id="1" dur="indefinite" restart="never" nodeType="tmRoot">
+          <p:childTnLst>
+            <p:seq concurrent="1" nextAc="seek">
+              <p:cTn id="2" dur="indefinite" nodeType="mainSeq">
+                <p:childTnLst>
+                  <p:par>
+                    <p:cTn id="3" fill="hold">
+                      <p:stCondLst>
+                        <p:cond delay="indefinite"/>
+                      </p:stCondLst>
+                      <p:childTnLst>
+                        <p:par>
+                          <p:cTn id="4" fill="hold">
+                            <p:stCondLst>
+                              <p:cond delay="0"/>
+                            </p:stCondLst>
+                            <p:childTnLst>
+                              <p:par>
+                                <p:cTn id="5" presetID="1" presetClass="entr" presetSubtype="0" fill="hold" grpId="0" nodeType="clickEffect">
+                                  <p:stCondLst>
+                                    <p:cond delay="0"/>
+                                  </p:stCondLst>
+                                  <p:childTnLst>
+                                    <p:set>
+                                      <p:cBhvr>
+                                        <p:cTn id="6" dur="1" fill="hold">
+                                          <p:stCondLst>
+                                            <p:cond delay="0"/>
+                                          </p:stCondLst>
+                                        </p:cTn>
+                                        <p:tgtEl>
+                                          <p:spTgt spid="3">
+                                            <p:txEl>
+                                              <p:pRg st="0" end="0"/>
+                                            </p:txEl>
+                                          </p:spTgt>
+                                        </p:tgtEl>
+                                        <p:attrNameLst>
+                                          <p:attrName>style.visibility</p:attrName>
+                                        </p:attrNameLst>
+                                      </p:cBhvr>
+                                      <p:to>
+                                        <p:strVal val="visible"/>
+                                      </p:to>
+                                    </p:set>
+                                  </p:childTnLst>
+                                </p:cTn>
+                              </p:par>
+                            </p:childTnLst>
+                          </p:cTn>
+                        </p:par>
+                      </p:childTnLst>
+                    </p:cTn>
+                  </p:par>
+                  <p:par>
+                    <p:cTn id="7" fill="hold">
+                      <p:stCondLst>
+                        <p:cond delay="indefinite"/>
+                      </p:stCondLst>
+                      <p:childTnLst>
+                        <p:par>
+                          <p:cTn id="8" fill="hold">
+                            <p:stCondLst>
+                              <p:cond delay="0"/>
+                            </p:stCondLst>
+                            <p:childTnLst>
+                              <p:par>
+                                <p:cTn id="9" presetID="1" presetClass="entr" presetSubtype="0" fill="hold" grpId="0" nodeType="clickEffect">
+                                  <p:stCondLst>
+                                    <p:cond delay="0"/>
+                                  </p:stCondLst>
+                                  <p:childTnLst>
+                                    <p:set>
+                                      <p:cBhvr>
+                                        <p:cTn id="10" dur="1" fill="hold">
+                                          <p:stCondLst>
+                                            <p:cond delay="0"/>
+                                          </p:stCondLst>
+                                        </p:cTn>
+                                        <p:tgtEl>
+                                          <p:spTgt spid="3">
+                                            <p:txEl>
+                                              <p:pRg st="1" end="1"/>
+                                            </p:txEl>
+                                          </p:spTgt>
+                                        </p:tgtEl>
+                                        <p:attrNameLst>
+                                          <p:attrName>style.visibility</p:attrName>
+                                        </p:attrNameLst>
+                                      </p:cBhvr>
+                                      <p:to>
+                                        <p:strVal val="visible"/>
+                                      </p:to>
+                                    </p:set>
+                                  </p:childTnLst>
+                                </p:cTn>
+                              </p:par>
+                              <p:par>
+                                <p:cTn id="11" presetID="1" presetClass="entr" presetSubtype="0" fill="hold" grpId="0" nodeType="withEffect">
+                                  <p:stCondLst>
+                                    <p:cond delay="0"/>
+                                  </p:stCondLst>
+                                  <p:childTnLst>
+                                    <p:set>
+                                      <p:cBhvr>
+                                        <p:cTn id="12" dur="1" fill="hold">
+                                          <p:stCondLst>
+                                            <p:cond delay="0"/>
+                                          </p:stCondLst>
+                                        </p:cTn>
+                                        <p:tgtEl>
+                                          <p:spTgt spid="3">
+                                            <p:txEl>
+                                              <p:pRg st="2" end="2"/>
+                                            </p:txEl>
+                                          </p:spTgt>
+                                        </p:tgtEl>
+                                        <p:attrNameLst>
+                                          <p:attrName>style.visibility</p:attrName>
+                                        </p:attrNameLst>
+                                      </p:cBhvr>
+                                      <p:to>
+                                        <p:strVal val="visible"/>
+                                      </p:to>
+                                    </p:set>
+                                  </p:childTnLst>
+                                </p:cTn>
+                              </p:par>
+                              <p:par>
+                                <p:cTn id="13" presetID="1" presetClass="entr" presetSubtype="0" fill="hold" grpId="0" nodeType="withEffect">
+                                  <p:stCondLst>
+                                    <p:cond delay="0"/>
+                                  </p:stCondLst>
+                                  <p:childTnLst>
+                                    <p:set>
+                                      <p:cBhvr>
+                                        <p:cTn id="14" dur="1" fill="hold">
+                                          <p:stCondLst>
+                                            <p:cond delay="0"/>
+                                          </p:stCondLst>
+                                        </p:cTn>
+                                        <p:tgtEl>
+                                          <p:spTgt spid="3">
+                                            <p:txEl>
+                                              <p:pRg st="3" end="3"/>
+                                            </p:txEl>
+                                          </p:spTgt>
+                                        </p:tgtEl>
+                                        <p:attrNameLst>
+                                          <p:attrName>style.visibility</p:attrName>
+                                        </p:attrNameLst>
+                                      </p:cBhvr>
+                                      <p:to>
+                                        <p:strVal val="visible"/>
+                                      </p:to>
+                                    </p:set>
+                                  </p:childTnLst>
+                                </p:cTn>
+                              </p:par>
+                              <p:par>
+                                <p:cTn id="15" presetID="1" presetClass="entr" presetSubtype="0" fill="hold" grpId="0" nodeType="withEffect">
+                                  <p:stCondLst>
+                                    <p:cond delay="0"/>
+                                  </p:stCondLst>
+                                  <p:childTnLst>
+                                    <p:set>
+                                      <p:cBhvr>
+                                        <p:cTn id="16" dur="1" fill="hold">
+                                          <p:stCondLst>
+                                            <p:cond delay="0"/>
+                                          </p:stCondLst>
+                                        </p:cTn>
+                                        <p:tgtEl>
+                                          <p:spTgt spid="3">
+                                            <p:txEl>
+                                              <p:pRg st="4" end="4"/>
+                                            </p:txEl>
+                                          </p:spTgt>
+                                        </p:tgtEl>
+                                        <p:attrNameLst>
+                                          <p:attrName>style.visibility</p:attrName>
+                                        </p:attrNameLst>
+                                      </p:cBhvr>
+                                      <p:to>
+                                        <p:strVal val="visible"/>
+                                      </p:to>
+                                    </p:set>
+                                  </p:childTnLst>
+                                </p:cTn>
+                              </p:par>
+                            </p:childTnLst>
+                          </p:cTn>
+                        </p:par>
+                      </p:childTnLst>
+                    </p:cTn>
+                  </p:par>
+                  <p:par>
+                    <p:cTn id="17" fill="hold">
+                      <p:stCondLst>
+                        <p:cond delay="indefinite"/>
+                      </p:stCondLst>
+                      <p:childTnLst>
+                        <p:par>
+                          <p:cTn id="18" fill="hold">
+                            <p:stCondLst>
+                              <p:cond delay="0"/>
+                            </p:stCondLst>
+                            <p:childTnLst>
+                              <p:par>
+                                <p:cTn id="19" presetID="1" presetClass="entr" presetSubtype="0" fill="hold" grpId="0" nodeType="clickEffect">
+                                  <p:stCondLst>
+                                    <p:cond delay="0"/>
+                                  </p:stCondLst>
+                                  <p:childTnLst>
+                                    <p:set>
+                                      <p:cBhvr>
+                                        <p:cTn id="20" dur="1" fill="hold">
+                                          <p:stCondLst>
+                                            <p:cond delay="0"/>
+                                          </p:stCondLst>
+                                        </p:cTn>
+                                        <p:tgtEl>
+                                          <p:spTgt spid="3">
+                                            <p:txEl>
+                                              <p:pRg st="6" end="6"/>
+                                            </p:txEl>
+                                          </p:spTgt>
+                                        </p:tgtEl>
+                                        <p:attrNameLst>
+                                          <p:attrName>style.visibility</p:attrName>
+                                        </p:attrNameLst>
+                                      </p:cBhvr>
+                                      <p:to>
+                                        <p:strVal val="visible"/>
+                                      </p:to>
+                                    </p:set>
+                                  </p:childTnLst>
+                                </p:cTn>
+                              </p:par>
+                              <p:par>
+                                <p:cTn id="21" presetID="1" presetClass="entr" presetSubtype="0" fill="hold" grpId="0" nodeType="withEffect">
+                                  <p:stCondLst>
+                                    <p:cond delay="0"/>
+                                  </p:stCondLst>
+                                  <p:childTnLst>
+                                    <p:set>
+                                      <p:cBhvr>
+                                        <p:cTn id="22" dur="1" fill="hold">
+                                          <p:stCondLst>
+                                            <p:cond delay="0"/>
+                                          </p:stCondLst>
+                                        </p:cTn>
+                                        <p:tgtEl>
+                                          <p:spTgt spid="3">
+                                            <p:txEl>
+                                              <p:pRg st="7" end="7"/>
+                                            </p:txEl>
+                                          </p:spTgt>
+                                        </p:tgtEl>
+                                        <p:attrNameLst>
+                                          <p:attrName>style.visibility</p:attrName>
+                                        </p:attrNameLst>
+                                      </p:cBhvr>
+                                      <p:to>
+                                        <p:strVal val="visible"/>
+                                      </p:to>
+                                    </p:set>
+                                  </p:childTnLst>
+                                </p:cTn>
+                              </p:par>
+                            </p:childTnLst>
+                          </p:cTn>
+                        </p:par>
+                      </p:childTnLst>
+                    </p:cTn>
+                  </p:par>
+                </p:childTnLst>
+              </p:cTn>
+              <p:prevCondLst>
+                <p:cond evt="onPrev" delay="0">
+                  <p:tgtEl>
+                    <p:sldTgt/>
+                  </p:tgtEl>
+                </p:cond>
+              </p:prevCondLst>
+              <p:nextCondLst>
+                <p:cond evt="onNext" delay="0">
+                  <p:tgtEl>
+                    <p:sldTgt/>
+                  </p:tgtEl>
+                </p:cond>
+              </p:nextCondLst>
+            </p:seq>
+          </p:childTnLst>
+        </p:cTn>
       </p:par>
     </p:tnLst>
+    <p:bldLst>
+      <p:bldP spid="3" grpId="0" build="p"/>
+    </p:bldLst>
   </p:timing>
 </p:sld>
 </file>
@@ -5591,8 +7728,8 @@
           <a:lstStyle/>
           <a:p>
             <a:r>
-              <a:rPr lang="en-US" dirty="0" err="1" smtClean="0"/>
-              <a:t>Instalace</a:t>
+              <a:rPr lang="cs-CZ" dirty="0" smtClean="0"/>
+              <a:t>Kde získat jinak informace …</a:t>
             </a:r>
             <a:endParaRPr lang="en-US" dirty="0"/>
           </a:p>
@@ -5613,78 +7750,46 @@
           <a:bodyPr/>
           <a:lstStyle/>
           <a:p>
-            <a:pPr marL="0" indent="0">
-              <a:buNone/>
-            </a:pPr>
-            <a:r>
-              <a:rPr lang="en-US" dirty="0">
+            <a:r>
+              <a:rPr lang="cs-CZ" dirty="0">
                 <a:hlinkClick r:id="rId2"/>
               </a:rPr>
-              <a:t>https://nodejs.org/en/download</a:t>
-            </a:r>
-            <a:r>
-              <a:rPr lang="en-US" dirty="0" smtClean="0">
+              <a:t>https://</a:t>
+            </a:r>
+            <a:r>
+              <a:rPr lang="cs-CZ" dirty="0" smtClean="0">
                 <a:hlinkClick r:id="rId2"/>
               </a:rPr>
+              <a:t>www.coursera.org/learn/server-side-nodejs</a:t>
+            </a:r>
+            <a:endParaRPr lang="cs-CZ" dirty="0" smtClean="0"/>
+          </a:p>
+          <a:p>
+            <a:r>
+              <a:rPr lang="cs-CZ" dirty="0">
+                <a:hlinkClick r:id="rId3"/>
+              </a:rPr>
+              <a:t>https://www.zdrojak.cz/serialy/node-js-s-javascriptem-na-serveru</a:t>
+            </a:r>
+            <a:r>
+              <a:rPr lang="cs-CZ" dirty="0" smtClean="0">
+                <a:hlinkClick r:id="rId3"/>
+              </a:rPr>
               <a:t>/</a:t>
             </a:r>
             <a:r>
-              <a:rPr lang="en-US" dirty="0" smtClean="0"/>
+              <a:rPr lang="cs-CZ" dirty="0" smtClean="0"/>
               <a:t> </a:t>
             </a:r>
           </a:p>
           <a:p>
-            <a:endParaRPr lang="en-US" dirty="0" smtClean="0"/>
-          </a:p>
-          <a:p>
-            <a:pPr>
-              <a:buFont typeface="Wingdings"/>
-              <a:buChar char="Ø"/>
-            </a:pPr>
-            <a:r>
-              <a:rPr lang="en-US" dirty="0" smtClean="0">
-                <a:latin typeface="Courier New" panose="02070309020205020404" pitchFamily="49" charset="0"/>
-                <a:cs typeface="Courier New" panose="02070309020205020404" pitchFamily="49" charset="0"/>
-              </a:rPr>
-              <a:t>node --version</a:t>
-            </a:r>
-          </a:p>
-          <a:p>
-            <a:pPr>
-              <a:buFont typeface="Wingdings"/>
-              <a:buChar char="Ø"/>
-            </a:pPr>
-            <a:r>
-              <a:rPr lang="en-US" dirty="0" err="1" smtClean="0">
-                <a:latin typeface="Courier New" panose="02070309020205020404" pitchFamily="49" charset="0"/>
-                <a:cs typeface="Courier New" panose="02070309020205020404" pitchFamily="49" charset="0"/>
-              </a:rPr>
-              <a:t>npm</a:t>
-            </a:r>
-            <a:r>
-              <a:rPr lang="en-US" dirty="0" smtClean="0">
-                <a:latin typeface="Courier New" panose="02070309020205020404" pitchFamily="49" charset="0"/>
-                <a:cs typeface="Courier New" panose="02070309020205020404" pitchFamily="49" charset="0"/>
-              </a:rPr>
-              <a:t> --version</a:t>
-            </a:r>
-          </a:p>
-          <a:p>
-            <a:pPr>
-              <a:buFont typeface="Wingdings"/>
-              <a:buChar char="Ø"/>
-            </a:pPr>
-            <a:r>
-              <a:rPr lang="en-US" dirty="0" smtClean="0">
-                <a:latin typeface="Courier New" panose="02070309020205020404" pitchFamily="49" charset="0"/>
-                <a:cs typeface="Courier New" panose="02070309020205020404" pitchFamily="49" charset="0"/>
-              </a:rPr>
-              <a:t>node</a:t>
-            </a:r>
-            <a:endParaRPr lang="en-US" dirty="0">
-              <a:latin typeface="Courier New" panose="02070309020205020404" pitchFamily="49" charset="0"/>
-              <a:cs typeface="Courier New" panose="02070309020205020404" pitchFamily="49" charset="0"/>
-            </a:endParaRPr>
+            <a:r>
+              <a:rPr lang="cs-CZ" dirty="0" smtClean="0"/>
+              <a:t>…</a:t>
+            </a:r>
+          </a:p>
+          <a:p>
+            <a:endParaRPr lang="cs-CZ" dirty="0"/>
           </a:p>
           <a:p>
             <a:endParaRPr lang="en-US" dirty="0"/>
@@ -5694,7 +7799,7 @@
     </p:spTree>
     <p:extLst>
       <p:ext uri="{BB962C8B-B14F-4D97-AF65-F5344CB8AC3E}">
-        <p14:creationId xmlns:p14="http://schemas.microsoft.com/office/powerpoint/2010/main" val="38553011"/>
+        <p14:creationId xmlns:p14="http://schemas.microsoft.com/office/powerpoint/2010/main" val="90316818"/>
       </p:ext>
     </p:extLst>
   </p:cSld>
@@ -5712,6 +7817,429 @@
 </file>
 
 <file path=ppt/slides/slide5.xml><?xml version="1.0" encoding="utf-8"?>
+<p:sld xmlns:a="http://schemas.openxmlformats.org/drawingml/2006/main" xmlns:r="http://schemas.openxmlformats.org/officeDocument/2006/relationships" xmlns:p="http://schemas.openxmlformats.org/presentationml/2006/main">
+  <p:cSld>
+    <p:spTree>
+      <p:nvGrpSpPr>
+        <p:cNvPr id="1" name=""/>
+        <p:cNvGrpSpPr/>
+        <p:nvPr/>
+      </p:nvGrpSpPr>
+      <p:grpSpPr>
+        <a:xfrm>
+          <a:off x="0" y="0"/>
+          <a:ext cx="0" cy="0"/>
+          <a:chOff x="0" y="0"/>
+          <a:chExt cx="0" cy="0"/>
+        </a:xfrm>
+      </p:grpSpPr>
+      <p:sp>
+        <p:nvSpPr>
+          <p:cNvPr id="2" name="Nadpis 1"/>
+          <p:cNvSpPr>
+            <a:spLocks noGrp="1"/>
+          </p:cNvSpPr>
+          <p:nvPr>
+            <p:ph type="title"/>
+          </p:nvPr>
+        </p:nvSpPr>
+        <p:spPr/>
+        <p:txBody>
+          <a:bodyPr/>
+          <a:lstStyle/>
+          <a:p>
+            <a:r>
+              <a:rPr lang="en-US" dirty="0" err="1" smtClean="0"/>
+              <a:t>Instalace</a:t>
+            </a:r>
+            <a:endParaRPr lang="en-US" dirty="0"/>
+          </a:p>
+        </p:txBody>
+      </p:sp>
+      <p:sp>
+        <p:nvSpPr>
+          <p:cNvPr id="3" name="Zástupný symbol pro obsah 2"/>
+          <p:cNvSpPr>
+            <a:spLocks noGrp="1"/>
+          </p:cNvSpPr>
+          <p:nvPr>
+            <p:ph idx="1"/>
+          </p:nvPr>
+        </p:nvSpPr>
+        <p:spPr/>
+        <p:txBody>
+          <a:bodyPr/>
+          <a:lstStyle/>
+          <a:p>
+            <a:pPr marL="0" indent="0">
+              <a:buNone/>
+            </a:pPr>
+            <a:r>
+              <a:rPr lang="en-US" dirty="0">
+                <a:hlinkClick r:id="rId2"/>
+              </a:rPr>
+              <a:t>https://nodejs.org/en/download</a:t>
+            </a:r>
+            <a:r>
+              <a:rPr lang="en-US" dirty="0" smtClean="0">
+                <a:hlinkClick r:id="rId2"/>
+              </a:rPr>
+              <a:t>/</a:t>
+            </a:r>
+            <a:r>
+              <a:rPr lang="en-US" dirty="0" smtClean="0"/>
+              <a:t> </a:t>
+            </a:r>
+          </a:p>
+          <a:p>
+            <a:endParaRPr lang="en-US" dirty="0" smtClean="0"/>
+          </a:p>
+          <a:p>
+            <a:pPr>
+              <a:buFont typeface="Wingdings"/>
+              <a:buChar char="Ø"/>
+            </a:pPr>
+            <a:r>
+              <a:rPr lang="en-US" dirty="0" smtClean="0">
+                <a:latin typeface="Courier New" panose="02070309020205020404" pitchFamily="49" charset="0"/>
+                <a:cs typeface="Courier New" panose="02070309020205020404" pitchFamily="49" charset="0"/>
+              </a:rPr>
+              <a:t>node --version</a:t>
+            </a:r>
+          </a:p>
+          <a:p>
+            <a:pPr>
+              <a:buFont typeface="Wingdings"/>
+              <a:buChar char="Ø"/>
+            </a:pPr>
+            <a:r>
+              <a:rPr lang="en-US" dirty="0" err="1" smtClean="0">
+                <a:latin typeface="Courier New" panose="02070309020205020404" pitchFamily="49" charset="0"/>
+                <a:cs typeface="Courier New" panose="02070309020205020404" pitchFamily="49" charset="0"/>
+              </a:rPr>
+              <a:t>npm</a:t>
+            </a:r>
+            <a:r>
+              <a:rPr lang="en-US" dirty="0" smtClean="0">
+                <a:latin typeface="Courier New" panose="02070309020205020404" pitchFamily="49" charset="0"/>
+                <a:cs typeface="Courier New" panose="02070309020205020404" pitchFamily="49" charset="0"/>
+              </a:rPr>
+              <a:t> --version</a:t>
+            </a:r>
+          </a:p>
+          <a:p>
+            <a:pPr>
+              <a:buFont typeface="Wingdings"/>
+              <a:buChar char="Ø"/>
+            </a:pPr>
+            <a:r>
+              <a:rPr lang="en-US" dirty="0" smtClean="0">
+                <a:latin typeface="Courier New" panose="02070309020205020404" pitchFamily="49" charset="0"/>
+                <a:cs typeface="Courier New" panose="02070309020205020404" pitchFamily="49" charset="0"/>
+              </a:rPr>
+              <a:t>node</a:t>
+            </a:r>
+            <a:endParaRPr lang="en-US" dirty="0">
+              <a:latin typeface="Courier New" panose="02070309020205020404" pitchFamily="49" charset="0"/>
+              <a:cs typeface="Courier New" panose="02070309020205020404" pitchFamily="49" charset="0"/>
+            </a:endParaRPr>
+          </a:p>
+          <a:p>
+            <a:endParaRPr lang="en-US" dirty="0"/>
+          </a:p>
+        </p:txBody>
+      </p:sp>
+    </p:spTree>
+    <p:extLst>
+      <p:ext uri="{BB962C8B-B14F-4D97-AF65-F5344CB8AC3E}">
+        <p14:creationId xmlns:p14="http://schemas.microsoft.com/office/powerpoint/2010/main" val="38553011"/>
+      </p:ext>
+    </p:extLst>
+  </p:cSld>
+  <p:clrMapOvr>
+    <a:masterClrMapping/>
+  </p:clrMapOvr>
+  <p:timing>
+    <p:tnLst>
+      <p:par>
+        <p:cTn id="1" dur="indefinite" restart="never" nodeType="tmRoot">
+          <p:childTnLst>
+            <p:seq concurrent="1" nextAc="seek">
+              <p:cTn id="2" dur="indefinite" nodeType="mainSeq">
+                <p:childTnLst>
+                  <p:par>
+                    <p:cTn id="3" fill="hold">
+                      <p:stCondLst>
+                        <p:cond delay="indefinite"/>
+                      </p:stCondLst>
+                      <p:childTnLst>
+                        <p:par>
+                          <p:cTn id="4" fill="hold">
+                            <p:stCondLst>
+                              <p:cond delay="0"/>
+                            </p:stCondLst>
+                            <p:childTnLst>
+                              <p:par>
+                                <p:cTn id="5" presetID="10" presetClass="entr" presetSubtype="0" fill="hold" grpId="0" nodeType="clickEffect">
+                                  <p:stCondLst>
+                                    <p:cond delay="0"/>
+                                  </p:stCondLst>
+                                  <p:childTnLst>
+                                    <p:set>
+                                      <p:cBhvr>
+                                        <p:cTn id="6" dur="1" fill="hold">
+                                          <p:stCondLst>
+                                            <p:cond delay="0"/>
+                                          </p:stCondLst>
+                                        </p:cTn>
+                                        <p:tgtEl>
+                                          <p:spTgt spid="3">
+                                            <p:txEl>
+                                              <p:pRg st="0" end="0"/>
+                                            </p:txEl>
+                                          </p:spTgt>
+                                        </p:tgtEl>
+                                        <p:attrNameLst>
+                                          <p:attrName>style.visibility</p:attrName>
+                                        </p:attrNameLst>
+                                      </p:cBhvr>
+                                      <p:to>
+                                        <p:strVal val="visible"/>
+                                      </p:to>
+                                    </p:set>
+                                    <p:animEffect transition="in" filter="fade">
+                                      <p:cBhvr>
+                                        <p:cTn id="7" dur="500"/>
+                                        <p:tgtEl>
+                                          <p:spTgt spid="3">
+                                            <p:txEl>
+                                              <p:pRg st="0" end="0"/>
+                                            </p:txEl>
+                                          </p:spTgt>
+                                        </p:tgtEl>
+                                      </p:cBhvr>
+                                    </p:animEffect>
+                                  </p:childTnLst>
+                                </p:cTn>
+                              </p:par>
+                            </p:childTnLst>
+                          </p:cTn>
+                        </p:par>
+                      </p:childTnLst>
+                    </p:cTn>
+                  </p:par>
+                  <p:par>
+                    <p:cTn id="8" fill="hold">
+                      <p:stCondLst>
+                        <p:cond delay="indefinite"/>
+                      </p:stCondLst>
+                      <p:childTnLst>
+                        <p:par>
+                          <p:cTn id="9" fill="hold">
+                            <p:stCondLst>
+                              <p:cond delay="0"/>
+                            </p:stCondLst>
+                            <p:childTnLst>
+                              <p:par>
+                                <p:cTn id="10" presetID="10" presetClass="entr" presetSubtype="0" fill="hold" grpId="0" nodeType="clickEffect">
+                                  <p:stCondLst>
+                                    <p:cond delay="0"/>
+                                  </p:stCondLst>
+                                  <p:childTnLst>
+                                    <p:set>
+                                      <p:cBhvr>
+                                        <p:cTn id="11" dur="1" fill="hold">
+                                          <p:stCondLst>
+                                            <p:cond delay="0"/>
+                                          </p:stCondLst>
+                                        </p:cTn>
+                                        <p:tgtEl>
+                                          <p:spTgt spid="3">
+                                            <p:txEl>
+                                              <p:pRg st="2" end="2"/>
+                                            </p:txEl>
+                                          </p:spTgt>
+                                        </p:tgtEl>
+                                        <p:attrNameLst>
+                                          <p:attrName>style.visibility</p:attrName>
+                                        </p:attrNameLst>
+                                      </p:cBhvr>
+                                      <p:to>
+                                        <p:strVal val="visible"/>
+                                      </p:to>
+                                    </p:set>
+                                    <p:animEffect transition="in" filter="fade">
+                                      <p:cBhvr>
+                                        <p:cTn id="12" dur="500"/>
+                                        <p:tgtEl>
+                                          <p:spTgt spid="3">
+                                            <p:txEl>
+                                              <p:pRg st="2" end="2"/>
+                                            </p:txEl>
+                                          </p:spTgt>
+                                        </p:tgtEl>
+                                      </p:cBhvr>
+                                    </p:animEffect>
+                                  </p:childTnLst>
+                                </p:cTn>
+                              </p:par>
+                            </p:childTnLst>
+                          </p:cTn>
+                        </p:par>
+                      </p:childTnLst>
+                    </p:cTn>
+                  </p:par>
+                  <p:par>
+                    <p:cTn id="13" fill="hold">
+                      <p:stCondLst>
+                        <p:cond delay="indefinite"/>
+                      </p:stCondLst>
+                      <p:childTnLst>
+                        <p:par>
+                          <p:cTn id="14" fill="hold">
+                            <p:stCondLst>
+                              <p:cond delay="0"/>
+                            </p:stCondLst>
+                            <p:childTnLst>
+                              <p:par>
+                                <p:cTn id="15" presetID="10" presetClass="entr" presetSubtype="0" fill="hold" grpId="0" nodeType="clickEffect">
+                                  <p:stCondLst>
+                                    <p:cond delay="0"/>
+                                  </p:stCondLst>
+                                  <p:childTnLst>
+                                    <p:set>
+                                      <p:cBhvr>
+                                        <p:cTn id="16" dur="1" fill="hold">
+                                          <p:stCondLst>
+                                            <p:cond delay="0"/>
+                                          </p:stCondLst>
+                                        </p:cTn>
+                                        <p:tgtEl>
+                                          <p:spTgt spid="3">
+                                            <p:txEl>
+                                              <p:pRg st="3" end="3"/>
+                                            </p:txEl>
+                                          </p:spTgt>
+                                        </p:tgtEl>
+                                        <p:attrNameLst>
+                                          <p:attrName>style.visibility</p:attrName>
+                                        </p:attrNameLst>
+                                      </p:cBhvr>
+                                      <p:to>
+                                        <p:strVal val="visible"/>
+                                      </p:to>
+                                    </p:set>
+                                    <p:animEffect transition="in" filter="fade">
+                                      <p:cBhvr>
+                                        <p:cTn id="17" dur="500"/>
+                                        <p:tgtEl>
+                                          <p:spTgt spid="3">
+                                            <p:txEl>
+                                              <p:pRg st="3" end="3"/>
+                                            </p:txEl>
+                                          </p:spTgt>
+                                        </p:tgtEl>
+                                      </p:cBhvr>
+                                    </p:animEffect>
+                                  </p:childTnLst>
+                                </p:cTn>
+                              </p:par>
+                            </p:childTnLst>
+                          </p:cTn>
+                        </p:par>
+                      </p:childTnLst>
+                    </p:cTn>
+                  </p:par>
+                  <p:par>
+                    <p:cTn id="18" fill="hold">
+                      <p:stCondLst>
+                        <p:cond delay="indefinite"/>
+                      </p:stCondLst>
+                      <p:childTnLst>
+                        <p:par>
+                          <p:cTn id="19" fill="hold">
+                            <p:stCondLst>
+                              <p:cond delay="0"/>
+                            </p:stCondLst>
+                            <p:childTnLst>
+                              <p:par>
+                                <p:cTn id="20" presetID="10" presetClass="entr" presetSubtype="0" fill="hold" grpId="0" nodeType="clickEffect">
+                                  <p:stCondLst>
+                                    <p:cond delay="0"/>
+                                  </p:stCondLst>
+                                  <p:childTnLst>
+                                    <p:set>
+                                      <p:cBhvr>
+                                        <p:cTn id="21" dur="1" fill="hold">
+                                          <p:stCondLst>
+                                            <p:cond delay="0"/>
+                                          </p:stCondLst>
+                                        </p:cTn>
+                                        <p:tgtEl>
+                                          <p:spTgt spid="3">
+                                            <p:txEl>
+                                              <p:pRg st="4" end="4"/>
+                                            </p:txEl>
+                                          </p:spTgt>
+                                        </p:tgtEl>
+                                        <p:attrNameLst>
+                                          <p:attrName>style.visibility</p:attrName>
+                                        </p:attrNameLst>
+                                      </p:cBhvr>
+                                      <p:to>
+                                        <p:strVal val="visible"/>
+                                      </p:to>
+                                    </p:set>
+                                    <p:animEffect transition="in" filter="fade">
+                                      <p:cBhvr>
+                                        <p:cTn id="22" dur="500"/>
+                                        <p:tgtEl>
+                                          <p:spTgt spid="3">
+                                            <p:txEl>
+                                              <p:pRg st="4" end="4"/>
+                                            </p:txEl>
+                                          </p:spTgt>
+                                        </p:tgtEl>
+                                      </p:cBhvr>
+                                    </p:animEffect>
+                                  </p:childTnLst>
+                                </p:cTn>
+                              </p:par>
+                            </p:childTnLst>
+                          </p:cTn>
+                        </p:par>
+                      </p:childTnLst>
+                    </p:cTn>
+                  </p:par>
+                </p:childTnLst>
+              </p:cTn>
+              <p:prevCondLst>
+                <p:cond evt="onPrev" delay="0">
+                  <p:tgtEl>
+                    <p:sldTgt/>
+                  </p:tgtEl>
+                </p:cond>
+              </p:prevCondLst>
+              <p:nextCondLst>
+                <p:cond evt="onNext" delay="0">
+                  <p:tgtEl>
+                    <p:sldTgt/>
+                  </p:tgtEl>
+                </p:cond>
+              </p:nextCondLst>
+            </p:seq>
+          </p:childTnLst>
+        </p:cTn>
+      </p:par>
+    </p:tnLst>
+    <p:bldLst>
+      <p:bldP spid="3" grpId="0" build="p"/>
+    </p:bldLst>
+  </p:timing>
+</p:sld>
+</file>
+
+<file path=ppt/slides/slide6.xml><?xml version="1.0" encoding="utf-8"?>
 <p:sld xmlns:a="http://schemas.openxmlformats.org/drawingml/2006/main" xmlns:r="http://schemas.openxmlformats.org/officeDocument/2006/relationships" xmlns:p="http://schemas.openxmlformats.org/presentationml/2006/main">
   <p:cSld>
     <p:spTree>
@@ -6073,7 +8601,7 @@
 </p:sld>
 </file>
 
-<file path=ppt/slides/slide6.xml><?xml version="1.0" encoding="utf-8"?>
+<file path=ppt/slides/slide7.xml><?xml version="1.0" encoding="utf-8"?>
 <p:sld xmlns:a="http://schemas.openxmlformats.org/drawingml/2006/main" xmlns:r="http://schemas.openxmlformats.org/officeDocument/2006/relationships" xmlns:p="http://schemas.openxmlformats.org/presentationml/2006/main">
   <p:cSld>
     <p:spTree>
@@ -6243,14 +8771,370 @@
   <p:timing>
     <p:tnLst>
       <p:par>
-        <p:cTn id="1" dur="indefinite" restart="never" nodeType="tmRoot"/>
+        <p:cTn id="1" dur="indefinite" restart="never" nodeType="tmRoot">
+          <p:childTnLst>
+            <p:seq concurrent="1" nextAc="seek">
+              <p:cTn id="2" dur="indefinite" nodeType="mainSeq">
+                <p:childTnLst>
+                  <p:par>
+                    <p:cTn id="3" fill="hold">
+                      <p:stCondLst>
+                        <p:cond delay="indefinite"/>
+                      </p:stCondLst>
+                      <p:childTnLst>
+                        <p:par>
+                          <p:cTn id="4" fill="hold">
+                            <p:stCondLst>
+                              <p:cond delay="0"/>
+                            </p:stCondLst>
+                            <p:childTnLst>
+                              <p:par>
+                                <p:cTn id="5" presetID="10" presetClass="entr" presetSubtype="0" fill="hold" grpId="0" nodeType="clickEffect">
+                                  <p:stCondLst>
+                                    <p:cond delay="0"/>
+                                  </p:stCondLst>
+                                  <p:childTnLst>
+                                    <p:set>
+                                      <p:cBhvr>
+                                        <p:cTn id="6" dur="1" fill="hold">
+                                          <p:stCondLst>
+                                            <p:cond delay="0"/>
+                                          </p:stCondLst>
+                                        </p:cTn>
+                                        <p:tgtEl>
+                                          <p:spTgt spid="3">
+                                            <p:txEl>
+                                              <p:pRg st="0" end="0"/>
+                                            </p:txEl>
+                                          </p:spTgt>
+                                        </p:tgtEl>
+                                        <p:attrNameLst>
+                                          <p:attrName>style.visibility</p:attrName>
+                                        </p:attrNameLst>
+                                      </p:cBhvr>
+                                      <p:to>
+                                        <p:strVal val="visible"/>
+                                      </p:to>
+                                    </p:set>
+                                    <p:animEffect transition="in" filter="fade">
+                                      <p:cBhvr>
+                                        <p:cTn id="7" dur="500"/>
+                                        <p:tgtEl>
+                                          <p:spTgt spid="3">
+                                            <p:txEl>
+                                              <p:pRg st="0" end="0"/>
+                                            </p:txEl>
+                                          </p:spTgt>
+                                        </p:tgtEl>
+                                      </p:cBhvr>
+                                    </p:animEffect>
+                                  </p:childTnLst>
+                                </p:cTn>
+                              </p:par>
+                            </p:childTnLst>
+                          </p:cTn>
+                        </p:par>
+                      </p:childTnLst>
+                    </p:cTn>
+                  </p:par>
+                  <p:par>
+                    <p:cTn id="8" fill="hold">
+                      <p:stCondLst>
+                        <p:cond delay="indefinite"/>
+                      </p:stCondLst>
+                      <p:childTnLst>
+                        <p:par>
+                          <p:cTn id="9" fill="hold">
+                            <p:stCondLst>
+                              <p:cond delay="0"/>
+                            </p:stCondLst>
+                            <p:childTnLst>
+                              <p:par>
+                                <p:cTn id="10" presetID="10" presetClass="entr" presetSubtype="0" fill="hold" grpId="0" nodeType="clickEffect">
+                                  <p:stCondLst>
+                                    <p:cond delay="0"/>
+                                  </p:stCondLst>
+                                  <p:childTnLst>
+                                    <p:set>
+                                      <p:cBhvr>
+                                        <p:cTn id="11" dur="1" fill="hold">
+                                          <p:stCondLst>
+                                            <p:cond delay="0"/>
+                                          </p:stCondLst>
+                                        </p:cTn>
+                                        <p:tgtEl>
+                                          <p:spTgt spid="3">
+                                            <p:txEl>
+                                              <p:pRg st="1" end="1"/>
+                                            </p:txEl>
+                                          </p:spTgt>
+                                        </p:tgtEl>
+                                        <p:attrNameLst>
+                                          <p:attrName>style.visibility</p:attrName>
+                                        </p:attrNameLst>
+                                      </p:cBhvr>
+                                      <p:to>
+                                        <p:strVal val="visible"/>
+                                      </p:to>
+                                    </p:set>
+                                    <p:animEffect transition="in" filter="fade">
+                                      <p:cBhvr>
+                                        <p:cTn id="12" dur="500"/>
+                                        <p:tgtEl>
+                                          <p:spTgt spid="3">
+                                            <p:txEl>
+                                              <p:pRg st="1" end="1"/>
+                                            </p:txEl>
+                                          </p:spTgt>
+                                        </p:tgtEl>
+                                      </p:cBhvr>
+                                    </p:animEffect>
+                                  </p:childTnLst>
+                                </p:cTn>
+                              </p:par>
+                              <p:par>
+                                <p:cTn id="13" presetID="10" presetClass="entr" presetSubtype="0" fill="hold" grpId="0" nodeType="withEffect">
+                                  <p:stCondLst>
+                                    <p:cond delay="0"/>
+                                  </p:stCondLst>
+                                  <p:childTnLst>
+                                    <p:set>
+                                      <p:cBhvr>
+                                        <p:cTn id="14" dur="1" fill="hold">
+                                          <p:stCondLst>
+                                            <p:cond delay="0"/>
+                                          </p:stCondLst>
+                                        </p:cTn>
+                                        <p:tgtEl>
+                                          <p:spTgt spid="3">
+                                            <p:txEl>
+                                              <p:pRg st="2" end="2"/>
+                                            </p:txEl>
+                                          </p:spTgt>
+                                        </p:tgtEl>
+                                        <p:attrNameLst>
+                                          <p:attrName>style.visibility</p:attrName>
+                                        </p:attrNameLst>
+                                      </p:cBhvr>
+                                      <p:to>
+                                        <p:strVal val="visible"/>
+                                      </p:to>
+                                    </p:set>
+                                    <p:animEffect transition="in" filter="fade">
+                                      <p:cBhvr>
+                                        <p:cTn id="15" dur="500"/>
+                                        <p:tgtEl>
+                                          <p:spTgt spid="3">
+                                            <p:txEl>
+                                              <p:pRg st="2" end="2"/>
+                                            </p:txEl>
+                                          </p:spTgt>
+                                        </p:tgtEl>
+                                      </p:cBhvr>
+                                    </p:animEffect>
+                                  </p:childTnLst>
+                                </p:cTn>
+                              </p:par>
+                              <p:par>
+                                <p:cTn id="16" presetID="10" presetClass="entr" presetSubtype="0" fill="hold" grpId="0" nodeType="withEffect">
+                                  <p:stCondLst>
+                                    <p:cond delay="0"/>
+                                  </p:stCondLst>
+                                  <p:childTnLst>
+                                    <p:set>
+                                      <p:cBhvr>
+                                        <p:cTn id="17" dur="1" fill="hold">
+                                          <p:stCondLst>
+                                            <p:cond delay="0"/>
+                                          </p:stCondLst>
+                                        </p:cTn>
+                                        <p:tgtEl>
+                                          <p:spTgt spid="3">
+                                            <p:txEl>
+                                              <p:pRg st="3" end="3"/>
+                                            </p:txEl>
+                                          </p:spTgt>
+                                        </p:tgtEl>
+                                        <p:attrNameLst>
+                                          <p:attrName>style.visibility</p:attrName>
+                                        </p:attrNameLst>
+                                      </p:cBhvr>
+                                      <p:to>
+                                        <p:strVal val="visible"/>
+                                      </p:to>
+                                    </p:set>
+                                    <p:animEffect transition="in" filter="fade">
+                                      <p:cBhvr>
+                                        <p:cTn id="18" dur="500"/>
+                                        <p:tgtEl>
+                                          <p:spTgt spid="3">
+                                            <p:txEl>
+                                              <p:pRg st="3" end="3"/>
+                                            </p:txEl>
+                                          </p:spTgt>
+                                        </p:tgtEl>
+                                      </p:cBhvr>
+                                    </p:animEffect>
+                                  </p:childTnLst>
+                                </p:cTn>
+                              </p:par>
+                            </p:childTnLst>
+                          </p:cTn>
+                        </p:par>
+                      </p:childTnLst>
+                    </p:cTn>
+                  </p:par>
+                  <p:par>
+                    <p:cTn id="19" fill="hold">
+                      <p:stCondLst>
+                        <p:cond delay="indefinite"/>
+                      </p:stCondLst>
+                      <p:childTnLst>
+                        <p:par>
+                          <p:cTn id="20" fill="hold">
+                            <p:stCondLst>
+                              <p:cond delay="0"/>
+                            </p:stCondLst>
+                            <p:childTnLst>
+                              <p:par>
+                                <p:cTn id="21" presetID="10" presetClass="entr" presetSubtype="0" fill="hold" grpId="0" nodeType="clickEffect">
+                                  <p:stCondLst>
+                                    <p:cond delay="0"/>
+                                  </p:stCondLst>
+                                  <p:childTnLst>
+                                    <p:set>
+                                      <p:cBhvr>
+                                        <p:cTn id="22" dur="1" fill="hold">
+                                          <p:stCondLst>
+                                            <p:cond delay="0"/>
+                                          </p:stCondLst>
+                                        </p:cTn>
+                                        <p:tgtEl>
+                                          <p:spTgt spid="3">
+                                            <p:txEl>
+                                              <p:pRg st="4" end="4"/>
+                                            </p:txEl>
+                                          </p:spTgt>
+                                        </p:tgtEl>
+                                        <p:attrNameLst>
+                                          <p:attrName>style.visibility</p:attrName>
+                                        </p:attrNameLst>
+                                      </p:cBhvr>
+                                      <p:to>
+                                        <p:strVal val="visible"/>
+                                      </p:to>
+                                    </p:set>
+                                    <p:animEffect transition="in" filter="fade">
+                                      <p:cBhvr>
+                                        <p:cTn id="23" dur="500"/>
+                                        <p:tgtEl>
+                                          <p:spTgt spid="3">
+                                            <p:txEl>
+                                              <p:pRg st="4" end="4"/>
+                                            </p:txEl>
+                                          </p:spTgt>
+                                        </p:tgtEl>
+                                      </p:cBhvr>
+                                    </p:animEffect>
+                                  </p:childTnLst>
+                                </p:cTn>
+                              </p:par>
+                            </p:childTnLst>
+                          </p:cTn>
+                        </p:par>
+                      </p:childTnLst>
+                    </p:cTn>
+                  </p:par>
+                  <p:par>
+                    <p:cTn id="24" fill="hold">
+                      <p:stCondLst>
+                        <p:cond delay="indefinite"/>
+                      </p:stCondLst>
+                      <p:childTnLst>
+                        <p:par>
+                          <p:cTn id="25" fill="hold">
+                            <p:stCondLst>
+                              <p:cond delay="0"/>
+                            </p:stCondLst>
+                            <p:childTnLst>
+                              <p:par>
+                                <p:cTn id="26" presetID="10" presetClass="entr" presetSubtype="0" fill="hold" grpId="0" nodeType="clickEffect">
+                                  <p:stCondLst>
+                                    <p:cond delay="0"/>
+                                  </p:stCondLst>
+                                  <p:childTnLst>
+                                    <p:set>
+                                      <p:cBhvr>
+                                        <p:cTn id="27" dur="1" fill="hold">
+                                          <p:stCondLst>
+                                            <p:cond delay="0"/>
+                                          </p:stCondLst>
+                                        </p:cTn>
+                                        <p:tgtEl>
+                                          <p:spTgt spid="3">
+                                            <p:txEl>
+                                              <p:pRg st="6" end="6"/>
+                                            </p:txEl>
+                                          </p:spTgt>
+                                        </p:tgtEl>
+                                        <p:attrNameLst>
+                                          <p:attrName>style.visibility</p:attrName>
+                                        </p:attrNameLst>
+                                      </p:cBhvr>
+                                      <p:to>
+                                        <p:strVal val="visible"/>
+                                      </p:to>
+                                    </p:set>
+                                    <p:animEffect transition="in" filter="fade">
+                                      <p:cBhvr>
+                                        <p:cTn id="28" dur="500"/>
+                                        <p:tgtEl>
+                                          <p:spTgt spid="3">
+                                            <p:txEl>
+                                              <p:pRg st="6" end="6"/>
+                                            </p:txEl>
+                                          </p:spTgt>
+                                        </p:tgtEl>
+                                      </p:cBhvr>
+                                    </p:animEffect>
+                                  </p:childTnLst>
+                                </p:cTn>
+                              </p:par>
+                            </p:childTnLst>
+                          </p:cTn>
+                        </p:par>
+                      </p:childTnLst>
+                    </p:cTn>
+                  </p:par>
+                </p:childTnLst>
+              </p:cTn>
+              <p:prevCondLst>
+                <p:cond evt="onPrev" delay="0">
+                  <p:tgtEl>
+                    <p:sldTgt/>
+                  </p:tgtEl>
+                </p:cond>
+              </p:prevCondLst>
+              <p:nextCondLst>
+                <p:cond evt="onNext" delay="0">
+                  <p:tgtEl>
+                    <p:sldTgt/>
+                  </p:tgtEl>
+                </p:cond>
+              </p:nextCondLst>
+            </p:seq>
+          </p:childTnLst>
+        </p:cTn>
       </p:par>
     </p:tnLst>
+    <p:bldLst>
+      <p:bldP spid="3" grpId="0" build="p"/>
+    </p:bldLst>
   </p:timing>
 </p:sld>
 </file>
 
-<file path=ppt/slides/slide7.xml><?xml version="1.0" encoding="utf-8"?>
+<file path=ppt/slides/slide8.xml><?xml version="1.0" encoding="utf-8"?>
 <p:sld xmlns:a="http://schemas.openxmlformats.org/drawingml/2006/main" xmlns:r="http://schemas.openxmlformats.org/officeDocument/2006/relationships" xmlns:p="http://schemas.openxmlformats.org/presentationml/2006/main">
   <p:cSld>
     <p:spTree>
@@ -6352,7 +9236,7 @@
         <p:spPr>
           <a:xfrm>
             <a:off x="206995" y="5229200"/>
-            <a:ext cx="8685485" cy="369332"/>
+            <a:ext cx="8685485" cy="830997"/>
           </a:xfrm>
           <a:prstGeom prst="rect">
             <a:avLst/>
@@ -6366,28 +9250,28 @@
           <a:lstStyle/>
           <a:p>
             <a:r>
-              <a:rPr lang="en-US" dirty="0">
+              <a:rPr lang="en-US" sz="2400" dirty="0">
                 <a:hlinkClick r:id="rId3"/>
               </a:rPr>
               <a:t>https://</a:t>
             </a:r>
             <a:r>
-              <a:rPr lang="en-US" dirty="0" smtClean="0">
+              <a:rPr lang="en-US" sz="2400" dirty="0" smtClean="0">
                 <a:hlinkClick r:id="rId3"/>
               </a:rPr>
               <a:t>www.youtube.com/watch?v=8aGhZQkoFbQ</a:t>
             </a:r>
             <a:r>
-              <a:rPr lang="en-US" dirty="0" smtClean="0"/>
+              <a:rPr lang="en-US" sz="2400" dirty="0" smtClean="0"/>
               <a:t>  - </a:t>
             </a:r>
             <a:r>
-              <a:rPr lang="en-US" dirty="0" err="1" smtClean="0"/>
-              <a:t>Awsome</a:t>
-            </a:r>
-            <a:r>
-              <a:rPr lang="en-US" dirty="0" smtClean="0"/>
-              <a:t> event loop explanation!!!</a:t>
+              <a:rPr lang="en-US" sz="2400" dirty="0" smtClean="0"/>
+              <a:t>Awesome </a:t>
+            </a:r>
+            <a:r>
+              <a:rPr lang="en-US" sz="2400" dirty="0" smtClean="0"/>
+              <a:t>event loop explanation!!!</a:t>
             </a:r>
           </a:p>
         </p:txBody>
@@ -6396,85 +9280,6 @@
     <p:extLst>
       <p:ext uri="{BB962C8B-B14F-4D97-AF65-F5344CB8AC3E}">
         <p14:creationId xmlns:p14="http://schemas.microsoft.com/office/powerpoint/2010/main" val="298835850"/>
-      </p:ext>
-    </p:extLst>
-  </p:cSld>
-  <p:clrMapOvr>
-    <a:masterClrMapping/>
-  </p:clrMapOvr>
-  <p:timing>
-    <p:tnLst>
-      <p:par>
-        <p:cTn id="1" dur="indefinite" restart="never" nodeType="tmRoot"/>
-      </p:par>
-    </p:tnLst>
-  </p:timing>
-</p:sld>
-</file>
-
-<file path=ppt/slides/slide8.xml><?xml version="1.0" encoding="utf-8"?>
-<p:sld xmlns:a="http://schemas.openxmlformats.org/drawingml/2006/main" xmlns:r="http://schemas.openxmlformats.org/officeDocument/2006/relationships" xmlns:p="http://schemas.openxmlformats.org/presentationml/2006/main">
-  <p:cSld>
-    <p:spTree>
-      <p:nvGrpSpPr>
-        <p:cNvPr id="1" name=""/>
-        <p:cNvGrpSpPr/>
-        <p:nvPr/>
-      </p:nvGrpSpPr>
-      <p:grpSpPr>
-        <a:xfrm>
-          <a:off x="0" y="0"/>
-          <a:ext cx="0" cy="0"/>
-          <a:chOff x="0" y="0"/>
-          <a:chExt cx="0" cy="0"/>
-        </a:xfrm>
-      </p:grpSpPr>
-      <p:sp>
-        <p:nvSpPr>
-          <p:cNvPr id="2" name="Nadpis 1"/>
-          <p:cNvSpPr>
-            <a:spLocks noGrp="1"/>
-          </p:cNvSpPr>
-          <p:nvPr>
-            <p:ph type="title"/>
-          </p:nvPr>
-        </p:nvSpPr>
-        <p:spPr/>
-        <p:txBody>
-          <a:bodyPr/>
-          <a:lstStyle/>
-          <a:p>
-            <a:r>
-              <a:rPr lang="en-US" dirty="0" smtClean="0"/>
-              <a:t>packages</a:t>
-            </a:r>
-            <a:endParaRPr lang="en-US" dirty="0"/>
-          </a:p>
-        </p:txBody>
-      </p:sp>
-      <p:sp>
-        <p:nvSpPr>
-          <p:cNvPr id="3" name="Zástupný symbol pro text 2"/>
-          <p:cNvSpPr>
-            <a:spLocks noGrp="1"/>
-          </p:cNvSpPr>
-          <p:nvPr>
-            <p:ph type="body" idx="1"/>
-          </p:nvPr>
-        </p:nvSpPr>
-        <p:spPr/>
-        <p:txBody>
-          <a:bodyPr/>
-          <a:lstStyle/>
-          <a:p>
-            <a:endParaRPr lang="en-US"/>
-          </a:p>
-        </p:txBody>
-      </p:sp>
-    </p:spTree>
-    <p:extLst>
-      <p:ext uri="{BB962C8B-B14F-4D97-AF65-F5344CB8AC3E}">
-        <p14:creationId xmlns:p14="http://schemas.microsoft.com/office/powerpoint/2010/main" val="3055095211"/>
       </p:ext>
     </p:extLst>
   </p:cSld>
@@ -6524,20 +9329,8 @@
           <a:lstStyle/>
           <a:p>
             <a:r>
-              <a:rPr lang="cs-CZ" dirty="0" smtClean="0"/>
-              <a:t>Moduly </a:t>
-            </a:r>
-            <a:r>
               <a:rPr lang="en-US" dirty="0" smtClean="0"/>
-              <a:t>(</a:t>
-            </a:r>
-            <a:r>
-              <a:rPr lang="en-US" dirty="0" err="1" smtClean="0"/>
-              <a:t>knihovny</a:t>
-            </a:r>
-            <a:r>
-              <a:rPr lang="en-US" dirty="0" smtClean="0"/>
-              <a:t>)</a:t>
+              <a:t>packages</a:t>
             </a:r>
             <a:endParaRPr lang="en-US" dirty="0"/>
           </a:p>
@@ -6545,129 +9338,27 @@
       </p:sp>
       <p:sp>
         <p:nvSpPr>
-          <p:cNvPr id="3" name="Zástupný symbol pro obsah 2"/>
-          <p:cNvSpPr>
-            <a:spLocks noGrp="1"/>
-          </p:cNvSpPr>
-          <p:nvPr>
-            <p:ph idx="1"/>
+          <p:cNvPr id="3" name="Zástupný symbol pro text 2"/>
+          <p:cNvSpPr>
+            <a:spLocks noGrp="1"/>
+          </p:cNvSpPr>
+          <p:nvPr>
+            <p:ph type="body" idx="1"/>
           </p:nvPr>
         </p:nvSpPr>
         <p:spPr/>
         <p:txBody>
-          <a:bodyPr>
-            <a:normAutofit/>
-          </a:bodyPr>
-          <a:lstStyle/>
-          <a:p>
-            <a:r>
-              <a:rPr lang="en-US" dirty="0" err="1" smtClean="0"/>
-              <a:t>Nativn</a:t>
-            </a:r>
-            <a:r>
-              <a:rPr lang="cs-CZ" dirty="0" smtClean="0"/>
-              <a:t>í</a:t>
-            </a:r>
-          </a:p>
-          <a:p>
-            <a:pPr lvl="1"/>
-            <a:r>
-              <a:rPr lang="cs-CZ" dirty="0" err="1" smtClean="0"/>
-              <a:t>Filesystem</a:t>
-            </a:r>
-            <a:r>
-              <a:rPr lang="cs-CZ" dirty="0" smtClean="0"/>
-              <a:t>, ….</a:t>
-            </a:r>
-          </a:p>
-          <a:p>
-            <a:pPr lvl="1"/>
-            <a:r>
-              <a:rPr lang="cs-CZ" dirty="0">
-                <a:hlinkClick r:id="rId2"/>
-              </a:rPr>
-              <a:t>https://nodejs.org/api</a:t>
-            </a:r>
-            <a:r>
-              <a:rPr lang="cs-CZ" dirty="0" smtClean="0">
-                <a:hlinkClick r:id="rId2"/>
-              </a:rPr>
-              <a:t>/</a:t>
-            </a:r>
-            <a:r>
-              <a:rPr lang="cs-CZ" dirty="0" smtClean="0"/>
-              <a:t> </a:t>
-            </a:r>
-          </a:p>
-          <a:p>
-            <a:r>
-              <a:rPr lang="cs-CZ" dirty="0" smtClean="0"/>
-              <a:t>3d party z </a:t>
-            </a:r>
-            <a:r>
-              <a:rPr lang="cs-CZ" dirty="0" err="1" smtClean="0"/>
-              <a:t>repository</a:t>
-            </a:r>
-            <a:endParaRPr lang="cs-CZ" dirty="0" smtClean="0"/>
-          </a:p>
-          <a:p>
-            <a:pPr lvl="1"/>
-            <a:r>
-              <a:rPr lang="cs-CZ" dirty="0"/>
-              <a:t>Z </a:t>
-            </a:r>
-            <a:r>
-              <a:rPr lang="cs-CZ" dirty="0" err="1"/>
-              <a:t>repository</a:t>
-            </a:r>
-            <a:r>
-              <a:rPr lang="cs-CZ" dirty="0"/>
-              <a:t> </a:t>
-            </a:r>
-            <a:r>
-              <a:rPr lang="cs-CZ" dirty="0">
-                <a:hlinkClick r:id="rId3"/>
-              </a:rPr>
-              <a:t>https://www.npmjs.com</a:t>
-            </a:r>
-            <a:r>
-              <a:rPr lang="cs-CZ" dirty="0" smtClean="0">
-                <a:hlinkClick r:id="rId3"/>
-              </a:rPr>
-              <a:t>/</a:t>
-            </a:r>
-            <a:r>
-              <a:rPr lang="cs-CZ" dirty="0" smtClean="0"/>
-              <a:t> </a:t>
-            </a:r>
-          </a:p>
-          <a:p>
-            <a:r>
-              <a:rPr lang="cs-CZ" dirty="0" smtClean="0"/>
-              <a:t>3d party jiné</a:t>
-            </a:r>
-          </a:p>
-          <a:p>
-            <a:pPr lvl="1"/>
-            <a:r>
-              <a:rPr lang="cs-CZ" dirty="0" smtClean="0"/>
-              <a:t>Ze souboru atd.</a:t>
-            </a:r>
-          </a:p>
-          <a:p>
-            <a:pPr lvl="1"/>
-            <a:endParaRPr lang="cs-CZ" dirty="0"/>
-          </a:p>
-          <a:p>
-            <a:pPr lvl="1"/>
-            <a:endParaRPr lang="cs-CZ" dirty="0" smtClean="0"/>
+          <a:bodyPr/>
+          <a:lstStyle/>
+          <a:p>
+            <a:endParaRPr lang="en-US"/>
           </a:p>
         </p:txBody>
       </p:sp>
     </p:spTree>
     <p:extLst>
       <p:ext uri="{BB962C8B-B14F-4D97-AF65-F5344CB8AC3E}">
-        <p14:creationId xmlns:p14="http://schemas.microsoft.com/office/powerpoint/2010/main" val="1008624064"/>
+        <p14:creationId xmlns:p14="http://schemas.microsoft.com/office/powerpoint/2010/main" val="3055095211"/>
       </p:ext>
     </p:extLst>
   </p:cSld>

--- a/node-uvod.pptx
+++ b/node-uvod.pptx
@@ -5,7 +5,7 @@
     <p:sldMasterId id="2147483648" r:id="rId1"/>
   </p:sldMasterIdLst>
   <p:notesMasterIdLst>
-    <p:notesMasterId r:id="rId28"/>
+    <p:notesMasterId r:id="rId30"/>
   </p:notesMasterIdLst>
   <p:sldIdLst>
     <p:sldId id="256" r:id="rId2"/>
@@ -16,24 +16,26 @@
     <p:sldId id="280" r:id="rId7"/>
     <p:sldId id="275" r:id="rId8"/>
     <p:sldId id="281" r:id="rId9"/>
-    <p:sldId id="284" r:id="rId10"/>
-    <p:sldId id="276" r:id="rId11"/>
-    <p:sldId id="277" r:id="rId12"/>
-    <p:sldId id="279" r:id="rId13"/>
-    <p:sldId id="292" r:id="rId14"/>
-    <p:sldId id="295" r:id="rId15"/>
-    <p:sldId id="296" r:id="rId16"/>
-    <p:sldId id="278" r:id="rId17"/>
-    <p:sldId id="289" r:id="rId18"/>
-    <p:sldId id="297" r:id="rId19"/>
-    <p:sldId id="290" r:id="rId20"/>
-    <p:sldId id="294" r:id="rId21"/>
-    <p:sldId id="285" r:id="rId22"/>
-    <p:sldId id="287" r:id="rId23"/>
-    <p:sldId id="291" r:id="rId24"/>
-    <p:sldId id="286" r:id="rId25"/>
-    <p:sldId id="288" r:id="rId26"/>
-    <p:sldId id="273" r:id="rId27"/>
+    <p:sldId id="298" r:id="rId10"/>
+    <p:sldId id="284" r:id="rId11"/>
+    <p:sldId id="276" r:id="rId12"/>
+    <p:sldId id="277" r:id="rId13"/>
+    <p:sldId id="279" r:id="rId14"/>
+    <p:sldId id="292" r:id="rId15"/>
+    <p:sldId id="295" r:id="rId16"/>
+    <p:sldId id="296" r:id="rId17"/>
+    <p:sldId id="299" r:id="rId18"/>
+    <p:sldId id="278" r:id="rId19"/>
+    <p:sldId id="289" r:id="rId20"/>
+    <p:sldId id="297" r:id="rId21"/>
+    <p:sldId id="290" r:id="rId22"/>
+    <p:sldId id="294" r:id="rId23"/>
+    <p:sldId id="285" r:id="rId24"/>
+    <p:sldId id="287" r:id="rId25"/>
+    <p:sldId id="291" r:id="rId26"/>
+    <p:sldId id="286" r:id="rId27"/>
+    <p:sldId id="288" r:id="rId28"/>
+    <p:sldId id="273" r:id="rId29"/>
   </p:sldIdLst>
   <p:sldSz cx="9144000" cy="6858000" type="screen4x3"/>
   <p:notesSz cx="6858000" cy="9144000"/>
@@ -134,7 +136,7 @@
   </p:defaultTextStyle>
   <p:extLst>
     <p:ext uri="{EFAFB233-063F-42B5-8137-9DF3F51BA10A}">
-      <p15:sldGuideLst xmlns:p15="http://schemas.microsoft.com/office/powerpoint/2012/main" xmlns="">
+      <p15:sldGuideLst xmlns="" xmlns:p15="http://schemas.microsoft.com/office/powerpoint/2012/main">
         <p15:guide id="1" orient="horz" pos="2160">
           <p15:clr>
             <a:srgbClr val="A4A3A4"/>
@@ -233,7 +235,7 @@
           <a:p>
             <a:fld id="{BB98AB2E-CF13-4FF5-88F8-81D6F4127D67}" type="datetimeFigureOut">
               <a:rPr lang="cs-CZ" smtClean="0"/>
-              <a:t>22.03.2018</a:t>
+              <a:t>23.03.2018</a:t>
             </a:fld>
             <a:endParaRPr lang="cs-CZ"/>
           </a:p>
@@ -682,7 +684,7 @@
           <a:p>
             <a:fld id="{E7BB63EB-1FEB-4BB0-AF8D-BD442935F862}" type="datetimeFigureOut">
               <a:rPr lang="cs-CZ" smtClean="0"/>
-              <a:t>22.03.2018</a:t>
+              <a:t>23.03.2018</a:t>
             </a:fld>
             <a:endParaRPr lang="cs-CZ"/>
           </a:p>
@@ -852,7 +854,7 @@
           <a:p>
             <a:fld id="{E7BB63EB-1FEB-4BB0-AF8D-BD442935F862}" type="datetimeFigureOut">
               <a:rPr lang="cs-CZ" smtClean="0"/>
-              <a:t>22.03.2018</a:t>
+              <a:t>23.03.2018</a:t>
             </a:fld>
             <a:endParaRPr lang="cs-CZ"/>
           </a:p>
@@ -1032,7 +1034,7 @@
           <a:p>
             <a:fld id="{E7BB63EB-1FEB-4BB0-AF8D-BD442935F862}" type="datetimeFigureOut">
               <a:rPr lang="cs-CZ" smtClean="0"/>
-              <a:t>22.03.2018</a:t>
+              <a:t>23.03.2018</a:t>
             </a:fld>
             <a:endParaRPr lang="cs-CZ"/>
           </a:p>
@@ -1202,7 +1204,7 @@
           <a:p>
             <a:fld id="{E7BB63EB-1FEB-4BB0-AF8D-BD442935F862}" type="datetimeFigureOut">
               <a:rPr lang="cs-CZ" smtClean="0"/>
-              <a:t>22.03.2018</a:t>
+              <a:t>23.03.2018</a:t>
             </a:fld>
             <a:endParaRPr lang="cs-CZ"/>
           </a:p>
@@ -1448,7 +1450,7 @@
           <a:p>
             <a:fld id="{E7BB63EB-1FEB-4BB0-AF8D-BD442935F862}" type="datetimeFigureOut">
               <a:rPr lang="cs-CZ" smtClean="0"/>
-              <a:t>22.03.2018</a:t>
+              <a:t>23.03.2018</a:t>
             </a:fld>
             <a:endParaRPr lang="cs-CZ"/>
           </a:p>
@@ -1736,7 +1738,7 @@
           <a:p>
             <a:fld id="{E7BB63EB-1FEB-4BB0-AF8D-BD442935F862}" type="datetimeFigureOut">
               <a:rPr lang="cs-CZ" smtClean="0"/>
-              <a:t>22.03.2018</a:t>
+              <a:t>23.03.2018</a:t>
             </a:fld>
             <a:endParaRPr lang="cs-CZ"/>
           </a:p>
@@ -2158,7 +2160,7 @@
           <a:p>
             <a:fld id="{E7BB63EB-1FEB-4BB0-AF8D-BD442935F862}" type="datetimeFigureOut">
               <a:rPr lang="cs-CZ" smtClean="0"/>
-              <a:t>22.03.2018</a:t>
+              <a:t>23.03.2018</a:t>
             </a:fld>
             <a:endParaRPr lang="cs-CZ"/>
           </a:p>
@@ -2276,7 +2278,7 @@
           <a:p>
             <a:fld id="{E7BB63EB-1FEB-4BB0-AF8D-BD442935F862}" type="datetimeFigureOut">
               <a:rPr lang="cs-CZ" smtClean="0"/>
-              <a:t>22.03.2018</a:t>
+              <a:t>23.03.2018</a:t>
             </a:fld>
             <a:endParaRPr lang="cs-CZ"/>
           </a:p>
@@ -2371,7 +2373,7 @@
           <a:p>
             <a:fld id="{E7BB63EB-1FEB-4BB0-AF8D-BD442935F862}" type="datetimeFigureOut">
               <a:rPr lang="cs-CZ" smtClean="0"/>
-              <a:t>22.03.2018</a:t>
+              <a:t>23.03.2018</a:t>
             </a:fld>
             <a:endParaRPr lang="cs-CZ"/>
           </a:p>
@@ -2648,7 +2650,7 @@
           <a:p>
             <a:fld id="{E7BB63EB-1FEB-4BB0-AF8D-BD442935F862}" type="datetimeFigureOut">
               <a:rPr lang="cs-CZ" smtClean="0"/>
-              <a:t>22.03.2018</a:t>
+              <a:t>23.03.2018</a:t>
             </a:fld>
             <a:endParaRPr lang="cs-CZ"/>
           </a:p>
@@ -2901,7 +2903,7 @@
           <a:p>
             <a:fld id="{E7BB63EB-1FEB-4BB0-AF8D-BD442935F862}" type="datetimeFigureOut">
               <a:rPr lang="cs-CZ" smtClean="0"/>
-              <a:t>22.03.2018</a:t>
+              <a:t>23.03.2018</a:t>
             </a:fld>
             <a:endParaRPr lang="cs-CZ"/>
           </a:p>
@@ -3114,7 +3116,7 @@
           <a:p>
             <a:fld id="{E7BB63EB-1FEB-4BB0-AF8D-BD442935F862}" type="datetimeFigureOut">
               <a:rPr lang="cs-CZ" smtClean="0"/>
-              <a:t>22.03.2018</a:t>
+              <a:t>23.03.2018</a:t>
             </a:fld>
             <a:endParaRPr lang="cs-CZ"/>
           </a:p>
@@ -3780,6 +3782,18 @@
   <p:clrMapOvr>
     <a:masterClrMapping/>
   </p:clrMapOvr>
+  <mc:AlternateContent xmlns:mc="http://schemas.openxmlformats.org/markup-compatibility/2006">
+    <mc:Choice xmlns:p14="http://schemas.microsoft.com/office/powerpoint/2010/main" Requires="p14">
+      <p:transition spd="slow" p14:dur="800">
+        <p14:flythrough/>
+      </p:transition>
+    </mc:Choice>
+    <mc:Fallback>
+      <p:transition spd="slow">
+        <p:fade/>
+      </p:transition>
+    </mc:Fallback>
+  </mc:AlternateContent>
   <p:timing>
     <p:tnLst>
       <p:par>
@@ -3824,19 +3838,7 @@
           <a:p>
             <a:r>
               <a:rPr lang="cs-CZ" dirty="0" smtClean="0"/>
-              <a:t>Moduly </a:t>
-            </a:r>
-            <a:r>
-              <a:rPr lang="en-US" dirty="0" smtClean="0"/>
-              <a:t>(</a:t>
-            </a:r>
-            <a:r>
-              <a:rPr lang="en-US" dirty="0" err="1" smtClean="0"/>
-              <a:t>knihovny</a:t>
-            </a:r>
-            <a:r>
-              <a:rPr lang="en-US" dirty="0" smtClean="0"/>
-              <a:t>)</a:t>
+              <a:t>Moduly</a:t>
             </a:r>
             <a:endParaRPr lang="en-US" dirty="0"/>
           </a:p>
@@ -3844,140 +3846,45 @@
       </p:sp>
       <p:sp>
         <p:nvSpPr>
-          <p:cNvPr id="3" name="Zástupný symbol pro obsah 2"/>
+          <p:cNvPr id="3" name="Zástupný symbol pro text 2"/>
           <p:cNvSpPr>
             <a:spLocks noGrp="1"/>
           </p:cNvSpPr>
           <p:nvPr>
-            <p:ph idx="1"/>
+            <p:ph type="body" idx="1"/>
           </p:nvPr>
         </p:nvSpPr>
         <p:spPr/>
         <p:txBody>
-          <a:bodyPr>
-            <a:normAutofit/>
-          </a:bodyPr>
+          <a:bodyPr/>
           <a:lstStyle/>
           <a:p>
-            <a:r>
-              <a:rPr lang="en-US" dirty="0" err="1" smtClean="0"/>
-              <a:t>Nativn</a:t>
-            </a:r>
-            <a:r>
-              <a:rPr lang="cs-CZ" dirty="0" smtClean="0"/>
-              <a:t>í</a:t>
-            </a:r>
-          </a:p>
-          <a:p>
-            <a:pPr lvl="1"/>
-            <a:r>
-              <a:rPr lang="cs-CZ" dirty="0" err="1" smtClean="0"/>
-              <a:t>Filesystem</a:t>
-            </a:r>
-            <a:r>
-              <a:rPr lang="cs-CZ" dirty="0" smtClean="0"/>
-              <a:t>,</a:t>
-            </a:r>
-            <a:r>
-              <a:rPr lang="en-US" dirty="0" smtClean="0"/>
-              <a:t> http, ..</a:t>
-            </a:r>
-            <a:endParaRPr lang="cs-CZ" dirty="0" smtClean="0"/>
-          </a:p>
-          <a:p>
-            <a:pPr lvl="1"/>
-            <a:r>
-              <a:rPr lang="cs-CZ" dirty="0">
-                <a:hlinkClick r:id="rId2"/>
-              </a:rPr>
-              <a:t>https://nodejs.org/api</a:t>
-            </a:r>
-            <a:r>
-              <a:rPr lang="cs-CZ" dirty="0" smtClean="0">
-                <a:hlinkClick r:id="rId2"/>
-              </a:rPr>
-              <a:t>/</a:t>
-            </a:r>
-            <a:r>
-              <a:rPr lang="cs-CZ" dirty="0" smtClean="0"/>
-              <a:t> </a:t>
-            </a:r>
-          </a:p>
-          <a:p>
-            <a:r>
-              <a:rPr lang="cs-CZ" dirty="0" smtClean="0"/>
-              <a:t>3d party z </a:t>
-            </a:r>
-            <a:r>
-              <a:rPr lang="cs-CZ" dirty="0" err="1" smtClean="0"/>
-              <a:t>repository</a:t>
-            </a:r>
-            <a:endParaRPr lang="cs-CZ" dirty="0" smtClean="0"/>
-          </a:p>
-          <a:p>
-            <a:pPr lvl="1"/>
-            <a:r>
-              <a:rPr lang="cs-CZ" dirty="0"/>
-              <a:t>Z </a:t>
-            </a:r>
-            <a:r>
-              <a:rPr lang="cs-CZ" dirty="0" err="1"/>
-              <a:t>repository</a:t>
-            </a:r>
-            <a:r>
-              <a:rPr lang="cs-CZ" dirty="0"/>
-              <a:t> </a:t>
-            </a:r>
-            <a:r>
-              <a:rPr lang="cs-CZ" dirty="0">
-                <a:hlinkClick r:id="rId3"/>
-              </a:rPr>
-              <a:t>https://www.npmjs.com</a:t>
-            </a:r>
-            <a:r>
-              <a:rPr lang="cs-CZ" dirty="0" smtClean="0">
-                <a:hlinkClick r:id="rId3"/>
-              </a:rPr>
-              <a:t>/</a:t>
-            </a:r>
-            <a:r>
-              <a:rPr lang="cs-CZ" dirty="0" smtClean="0"/>
-              <a:t> </a:t>
-            </a:r>
-          </a:p>
-          <a:p>
-            <a:r>
-              <a:rPr lang="cs-CZ" dirty="0" smtClean="0"/>
-              <a:t>3d party jiné</a:t>
-            </a:r>
-          </a:p>
-          <a:p>
-            <a:pPr lvl="1"/>
-            <a:r>
-              <a:rPr lang="cs-CZ" dirty="0" smtClean="0"/>
-              <a:t>Ze souboru atd.</a:t>
-            </a:r>
-          </a:p>
-          <a:p>
-            <a:pPr lvl="1"/>
-            <a:endParaRPr lang="cs-CZ" dirty="0"/>
-          </a:p>
-          <a:p>
-            <a:pPr lvl="1"/>
-            <a:endParaRPr lang="cs-CZ" dirty="0" smtClean="0"/>
+            <a:endParaRPr lang="en-US"/>
           </a:p>
         </p:txBody>
       </p:sp>
     </p:spTree>
     <p:extLst>
       <p:ext uri="{BB962C8B-B14F-4D97-AF65-F5344CB8AC3E}">
-        <p14:creationId xmlns:p14="http://schemas.microsoft.com/office/powerpoint/2010/main" val="1008624064"/>
+        <p14:creationId xmlns:p14="http://schemas.microsoft.com/office/powerpoint/2010/main" val="3055095211"/>
       </p:ext>
     </p:extLst>
   </p:cSld>
   <p:clrMapOvr>
     <a:masterClrMapping/>
   </p:clrMapOvr>
+  <mc:AlternateContent xmlns:mc="http://schemas.openxmlformats.org/markup-compatibility/2006">
+    <mc:Choice xmlns:p14="http://schemas.microsoft.com/office/powerpoint/2010/main" Requires="p14">
+      <p:transition spd="slow" p14:dur="800">
+        <p14:flythrough/>
+      </p:transition>
+    </mc:Choice>
+    <mc:Fallback>
+      <p:transition spd="slow">
+        <p:fade/>
+      </p:transition>
+    </mc:Fallback>
+  </mc:AlternateContent>
   <p:timing>
     <p:tnLst>
       <p:par>
@@ -4021,8 +3928,20 @@
           <a:lstStyle/>
           <a:p>
             <a:r>
+              <a:rPr lang="cs-CZ" dirty="0" smtClean="0"/>
+              <a:t>Moduly </a:t>
+            </a:r>
+            <a:r>
               <a:rPr lang="en-US" dirty="0" smtClean="0"/>
-              <a:t>3d party library</a:t>
+              <a:t>(</a:t>
+            </a:r>
+            <a:r>
+              <a:rPr lang="en-US" dirty="0" err="1" smtClean="0"/>
+              <a:t>knihovny</a:t>
+            </a:r>
+            <a:r>
+              <a:rPr lang="en-US" dirty="0" smtClean="0"/>
+              <a:t>)</a:t>
             </a:r>
             <a:endParaRPr lang="en-US" dirty="0"/>
           </a:p>
@@ -4040,153 +3959,529 @@
         </p:nvSpPr>
         <p:spPr/>
         <p:txBody>
-          <a:bodyPr/>
+          <a:bodyPr>
+            <a:normAutofit/>
+          </a:bodyPr>
           <a:lstStyle/>
           <a:p>
             <a:r>
-              <a:rPr lang="en-US" dirty="0" err="1" smtClean="0">
-                <a:latin typeface="Courier New" panose="02070309020205020404" pitchFamily="49" charset="0"/>
-                <a:cs typeface="Courier New" panose="02070309020205020404" pitchFamily="49" charset="0"/>
+              <a:rPr lang="en-US" dirty="0" err="1" smtClean="0"/>
+              <a:t>Nativn</a:t>
+            </a:r>
+            <a:r>
+              <a:rPr lang="cs-CZ" dirty="0" smtClean="0"/>
+              <a:t>í</a:t>
+            </a:r>
+          </a:p>
+          <a:p>
+            <a:pPr lvl="1"/>
+            <a:r>
+              <a:rPr lang="cs-CZ" dirty="0" err="1" smtClean="0"/>
+              <a:t>Filesystem</a:t>
+            </a:r>
+            <a:r>
+              <a:rPr lang="cs-CZ" dirty="0" smtClean="0"/>
+              <a:t>,</a:t>
+            </a:r>
+            <a:r>
+              <a:rPr lang="en-US" dirty="0" smtClean="0"/>
+              <a:t> http, ..</a:t>
+            </a:r>
+            <a:endParaRPr lang="cs-CZ" dirty="0" smtClean="0"/>
+          </a:p>
+          <a:p>
+            <a:pPr lvl="1"/>
+            <a:r>
+              <a:rPr lang="cs-CZ" dirty="0">
+                <a:hlinkClick r:id="rId2"/>
               </a:rPr>
-              <a:t>npm</a:t>
-            </a:r>
-            <a:r>
-              <a:rPr lang="en-US" dirty="0" smtClean="0">
-                <a:latin typeface="Courier New" panose="02070309020205020404" pitchFamily="49" charset="0"/>
-                <a:cs typeface="Courier New" panose="02070309020205020404" pitchFamily="49" charset="0"/>
+              <a:t>https://nodejs.org/api</a:t>
+            </a:r>
+            <a:r>
+              <a:rPr lang="cs-CZ" dirty="0" smtClean="0">
+                <a:hlinkClick r:id="rId2"/>
               </a:rPr>
-              <a:t> install express</a:t>
-            </a:r>
-          </a:p>
-          <a:p>
-            <a:endParaRPr lang="en-US" dirty="0" smtClean="0">
-              <a:latin typeface="Courier New" panose="02070309020205020404" pitchFamily="49" charset="0"/>
-              <a:cs typeface="Courier New" panose="02070309020205020404" pitchFamily="49" charset="0"/>
-            </a:endParaRPr>
-          </a:p>
-          <a:p>
-            <a:r>
-              <a:rPr lang="en-US" dirty="0" err="1">
-                <a:latin typeface="Courier New" panose="02070309020205020404" pitchFamily="49" charset="0"/>
-                <a:cs typeface="Courier New" panose="02070309020205020404" pitchFamily="49" charset="0"/>
+              <a:t>/</a:t>
+            </a:r>
+            <a:r>
+              <a:rPr lang="cs-CZ" dirty="0" smtClean="0"/>
+              <a:t> </a:t>
+            </a:r>
+          </a:p>
+          <a:p>
+            <a:r>
+              <a:rPr lang="cs-CZ" dirty="0" smtClean="0"/>
+              <a:t>3d party z </a:t>
+            </a:r>
+            <a:r>
+              <a:rPr lang="cs-CZ" dirty="0" err="1" smtClean="0"/>
+              <a:t>repository</a:t>
+            </a:r>
+            <a:endParaRPr lang="cs-CZ" dirty="0" smtClean="0"/>
+          </a:p>
+          <a:p>
+            <a:pPr lvl="1"/>
+            <a:r>
+              <a:rPr lang="cs-CZ" dirty="0"/>
+              <a:t>Z </a:t>
+            </a:r>
+            <a:r>
+              <a:rPr lang="cs-CZ" dirty="0" err="1"/>
+              <a:t>repository</a:t>
+            </a:r>
+            <a:r>
+              <a:rPr lang="cs-CZ" dirty="0"/>
+              <a:t> </a:t>
+            </a:r>
+            <a:r>
+              <a:rPr lang="cs-CZ" dirty="0">
+                <a:hlinkClick r:id="rId3"/>
               </a:rPr>
-              <a:t>npm</a:t>
-            </a:r>
-            <a:r>
-              <a:rPr lang="en-US" dirty="0">
-                <a:latin typeface="Courier New" panose="02070309020205020404" pitchFamily="49" charset="0"/>
-                <a:cs typeface="Courier New" panose="02070309020205020404" pitchFamily="49" charset="0"/>
+              <a:t>https://www.npmjs.com</a:t>
+            </a:r>
+            <a:r>
+              <a:rPr lang="cs-CZ" dirty="0" smtClean="0">
+                <a:hlinkClick r:id="rId3"/>
               </a:rPr>
-              <a:t> install </a:t>
-            </a:r>
-            <a:r>
-              <a:rPr lang="en-US" dirty="0" smtClean="0">
-                <a:latin typeface="Courier New" panose="02070309020205020404" pitchFamily="49" charset="0"/>
-                <a:cs typeface="Courier New" panose="02070309020205020404" pitchFamily="49" charset="0"/>
-              </a:rPr>
-              <a:t>express --save</a:t>
-            </a:r>
-          </a:p>
-          <a:p>
-            <a:endParaRPr lang="en-US" dirty="0">
-              <a:latin typeface="Courier New" panose="02070309020205020404" pitchFamily="49" charset="0"/>
-              <a:cs typeface="Courier New" panose="02070309020205020404" pitchFamily="49" charset="0"/>
-            </a:endParaRPr>
-          </a:p>
-          <a:p>
-            <a:r>
-              <a:rPr lang="en-US" dirty="0" err="1">
-                <a:latin typeface="Courier New" panose="02070309020205020404" pitchFamily="49" charset="0"/>
-                <a:cs typeface="Courier New" panose="02070309020205020404" pitchFamily="49" charset="0"/>
-              </a:rPr>
-              <a:t>npm</a:t>
-            </a:r>
-            <a:r>
-              <a:rPr lang="en-US" dirty="0">
-                <a:latin typeface="Courier New" panose="02070309020205020404" pitchFamily="49" charset="0"/>
-                <a:cs typeface="Courier New" panose="02070309020205020404" pitchFamily="49" charset="0"/>
-              </a:rPr>
-              <a:t> install </a:t>
-            </a:r>
-            <a:r>
-              <a:rPr lang="en-US" dirty="0" smtClean="0">
-                <a:latin typeface="Courier New" panose="02070309020205020404" pitchFamily="49" charset="0"/>
-                <a:cs typeface="Courier New" panose="02070309020205020404" pitchFamily="49" charset="0"/>
-              </a:rPr>
-              <a:t>express --save-dev</a:t>
-            </a:r>
-          </a:p>
-          <a:p>
-            <a:endParaRPr lang="en-US" dirty="0">
-              <a:latin typeface="Courier New" panose="02070309020205020404" pitchFamily="49" charset="0"/>
-              <a:cs typeface="Courier New" panose="02070309020205020404" pitchFamily="49" charset="0"/>
-            </a:endParaRPr>
-          </a:p>
-          <a:p>
-            <a:r>
-              <a:rPr lang="en-US" dirty="0" err="1">
-                <a:latin typeface="Courier New" panose="02070309020205020404" pitchFamily="49" charset="0"/>
-                <a:cs typeface="Courier New" panose="02070309020205020404" pitchFamily="49" charset="0"/>
-              </a:rPr>
-              <a:t>n</a:t>
-            </a:r>
-            <a:r>
-              <a:rPr lang="en-US" dirty="0" err="1" smtClean="0">
-                <a:latin typeface="Courier New" panose="02070309020205020404" pitchFamily="49" charset="0"/>
-                <a:cs typeface="Courier New" panose="02070309020205020404" pitchFamily="49" charset="0"/>
-              </a:rPr>
-              <a:t>pm</a:t>
-            </a:r>
-            <a:r>
-              <a:rPr lang="en-US" dirty="0" smtClean="0">
-                <a:latin typeface="Courier New" panose="02070309020205020404" pitchFamily="49" charset="0"/>
-                <a:cs typeface="Courier New" panose="02070309020205020404" pitchFamily="49" charset="0"/>
-              </a:rPr>
-              <a:t> install</a:t>
-            </a:r>
-            <a:r>
-              <a:rPr lang="cs-CZ" dirty="0" smtClean="0">
-                <a:latin typeface="Courier New" panose="02070309020205020404" pitchFamily="49" charset="0"/>
-                <a:cs typeface="Courier New" panose="02070309020205020404" pitchFamily="49" charset="0"/>
-              </a:rPr>
+              <a:t>/</a:t>
+            </a:r>
+            <a:r>
+              <a:rPr lang="cs-CZ" dirty="0" smtClean="0"/>
               <a:t> </a:t>
             </a:r>
-            <a:r>
-              <a:rPr lang="en-US" dirty="0" smtClean="0">
-                <a:latin typeface="Courier New" panose="02070309020205020404" pitchFamily="49" charset="0"/>
-                <a:cs typeface="Courier New" panose="02070309020205020404" pitchFamily="49" charset="0"/>
-              </a:rPr>
-              <a:t>$folder </a:t>
-            </a:r>
-            <a:endParaRPr lang="en-US" dirty="0">
-              <a:latin typeface="Courier New" panose="02070309020205020404" pitchFamily="49" charset="0"/>
-              <a:cs typeface="Courier New" panose="02070309020205020404" pitchFamily="49" charset="0"/>
-            </a:endParaRPr>
-          </a:p>
-          <a:p>
-            <a:endParaRPr lang="en-US" dirty="0">
-              <a:latin typeface="Courier New" panose="02070309020205020404" pitchFamily="49" charset="0"/>
-              <a:cs typeface="Courier New" panose="02070309020205020404" pitchFamily="49" charset="0"/>
-            </a:endParaRPr>
+          </a:p>
+          <a:p>
+            <a:r>
+              <a:rPr lang="cs-CZ" dirty="0" smtClean="0"/>
+              <a:t>3d party jiné</a:t>
+            </a:r>
+          </a:p>
+          <a:p>
+            <a:pPr lvl="1"/>
+            <a:r>
+              <a:rPr lang="cs-CZ" dirty="0" smtClean="0"/>
+              <a:t>Ze souboru atd.</a:t>
+            </a:r>
+          </a:p>
+          <a:p>
+            <a:pPr lvl="1"/>
+            <a:endParaRPr lang="cs-CZ" dirty="0"/>
+          </a:p>
+          <a:p>
+            <a:pPr lvl="1"/>
+            <a:endParaRPr lang="cs-CZ" dirty="0" smtClean="0"/>
           </a:p>
         </p:txBody>
       </p:sp>
     </p:spTree>
     <p:extLst>
       <p:ext uri="{BB962C8B-B14F-4D97-AF65-F5344CB8AC3E}">
-        <p14:creationId xmlns:p14="http://schemas.microsoft.com/office/powerpoint/2010/main" val="1224460365"/>
+        <p14:creationId xmlns:p14="http://schemas.microsoft.com/office/powerpoint/2010/main" val="1008624064"/>
       </p:ext>
     </p:extLst>
   </p:cSld>
   <p:clrMapOvr>
     <a:masterClrMapping/>
   </p:clrMapOvr>
+  <mc:AlternateContent xmlns:mc="http://schemas.openxmlformats.org/markup-compatibility/2006">
+    <mc:Choice xmlns:p14="http://schemas.microsoft.com/office/powerpoint/2010/main" Requires="p14">
+      <p:transition spd="slow" p14:dur="800">
+        <p14:flythrough/>
+      </p:transition>
+    </mc:Choice>
+    <mc:Fallback>
+      <p:transition spd="slow">
+        <p:fade/>
+      </p:transition>
+    </mc:Fallback>
+  </mc:AlternateContent>
   <p:timing>
     <p:tnLst>
       <p:par>
-        <p:cTn id="1" dur="indefinite" restart="never" nodeType="tmRoot"/>
+        <p:cTn id="1" dur="indefinite" restart="never" nodeType="tmRoot">
+          <p:childTnLst>
+            <p:seq concurrent="1" nextAc="seek">
+              <p:cTn id="2" dur="indefinite" nodeType="mainSeq">
+                <p:childTnLst>
+                  <p:par>
+                    <p:cTn id="3" fill="hold">
+                      <p:stCondLst>
+                        <p:cond delay="indefinite"/>
+                      </p:stCondLst>
+                      <p:childTnLst>
+                        <p:par>
+                          <p:cTn id="4" fill="hold">
+                            <p:stCondLst>
+                              <p:cond delay="0"/>
+                            </p:stCondLst>
+                            <p:childTnLst>
+                              <p:par>
+                                <p:cTn id="5" presetID="10" presetClass="entr" presetSubtype="0" fill="hold" grpId="0" nodeType="clickEffect">
+                                  <p:stCondLst>
+                                    <p:cond delay="0"/>
+                                  </p:stCondLst>
+                                  <p:childTnLst>
+                                    <p:set>
+                                      <p:cBhvr>
+                                        <p:cTn id="6" dur="1" fill="hold">
+                                          <p:stCondLst>
+                                            <p:cond delay="0"/>
+                                          </p:stCondLst>
+                                        </p:cTn>
+                                        <p:tgtEl>
+                                          <p:spTgt spid="3">
+                                            <p:txEl>
+                                              <p:pRg st="0" end="0"/>
+                                            </p:txEl>
+                                          </p:spTgt>
+                                        </p:tgtEl>
+                                        <p:attrNameLst>
+                                          <p:attrName>style.visibility</p:attrName>
+                                        </p:attrNameLst>
+                                      </p:cBhvr>
+                                      <p:to>
+                                        <p:strVal val="visible"/>
+                                      </p:to>
+                                    </p:set>
+                                    <p:animEffect transition="in" filter="fade">
+                                      <p:cBhvr>
+                                        <p:cTn id="7" dur="500"/>
+                                        <p:tgtEl>
+                                          <p:spTgt spid="3">
+                                            <p:txEl>
+                                              <p:pRg st="0" end="0"/>
+                                            </p:txEl>
+                                          </p:spTgt>
+                                        </p:tgtEl>
+                                      </p:cBhvr>
+                                    </p:animEffect>
+                                  </p:childTnLst>
+                                </p:cTn>
+                              </p:par>
+                              <p:par>
+                                <p:cTn id="8" presetID="10" presetClass="entr" presetSubtype="0" fill="hold" grpId="0" nodeType="withEffect">
+                                  <p:stCondLst>
+                                    <p:cond delay="0"/>
+                                  </p:stCondLst>
+                                  <p:childTnLst>
+                                    <p:set>
+                                      <p:cBhvr>
+                                        <p:cTn id="9" dur="1" fill="hold">
+                                          <p:stCondLst>
+                                            <p:cond delay="0"/>
+                                          </p:stCondLst>
+                                        </p:cTn>
+                                        <p:tgtEl>
+                                          <p:spTgt spid="3">
+                                            <p:txEl>
+                                              <p:pRg st="1" end="1"/>
+                                            </p:txEl>
+                                          </p:spTgt>
+                                        </p:tgtEl>
+                                        <p:attrNameLst>
+                                          <p:attrName>style.visibility</p:attrName>
+                                        </p:attrNameLst>
+                                      </p:cBhvr>
+                                      <p:to>
+                                        <p:strVal val="visible"/>
+                                      </p:to>
+                                    </p:set>
+                                    <p:animEffect transition="in" filter="fade">
+                                      <p:cBhvr>
+                                        <p:cTn id="10" dur="500"/>
+                                        <p:tgtEl>
+                                          <p:spTgt spid="3">
+                                            <p:txEl>
+                                              <p:pRg st="1" end="1"/>
+                                            </p:txEl>
+                                          </p:spTgt>
+                                        </p:tgtEl>
+                                      </p:cBhvr>
+                                    </p:animEffect>
+                                  </p:childTnLst>
+                                </p:cTn>
+                              </p:par>
+                              <p:par>
+                                <p:cTn id="11" presetID="10" presetClass="entr" presetSubtype="0" fill="hold" grpId="0" nodeType="withEffect">
+                                  <p:stCondLst>
+                                    <p:cond delay="0"/>
+                                  </p:stCondLst>
+                                  <p:childTnLst>
+                                    <p:set>
+                                      <p:cBhvr>
+                                        <p:cTn id="12" dur="1" fill="hold">
+                                          <p:stCondLst>
+                                            <p:cond delay="0"/>
+                                          </p:stCondLst>
+                                        </p:cTn>
+                                        <p:tgtEl>
+                                          <p:spTgt spid="3">
+                                            <p:txEl>
+                                              <p:pRg st="2" end="2"/>
+                                            </p:txEl>
+                                          </p:spTgt>
+                                        </p:tgtEl>
+                                        <p:attrNameLst>
+                                          <p:attrName>style.visibility</p:attrName>
+                                        </p:attrNameLst>
+                                      </p:cBhvr>
+                                      <p:to>
+                                        <p:strVal val="visible"/>
+                                      </p:to>
+                                    </p:set>
+                                    <p:animEffect transition="in" filter="fade">
+                                      <p:cBhvr>
+                                        <p:cTn id="13" dur="500"/>
+                                        <p:tgtEl>
+                                          <p:spTgt spid="3">
+                                            <p:txEl>
+                                              <p:pRg st="2" end="2"/>
+                                            </p:txEl>
+                                          </p:spTgt>
+                                        </p:tgtEl>
+                                      </p:cBhvr>
+                                    </p:animEffect>
+                                  </p:childTnLst>
+                                </p:cTn>
+                              </p:par>
+                            </p:childTnLst>
+                          </p:cTn>
+                        </p:par>
+                      </p:childTnLst>
+                    </p:cTn>
+                  </p:par>
+                  <p:par>
+                    <p:cTn id="14" fill="hold">
+                      <p:stCondLst>
+                        <p:cond delay="indefinite"/>
+                      </p:stCondLst>
+                      <p:childTnLst>
+                        <p:par>
+                          <p:cTn id="15" fill="hold">
+                            <p:stCondLst>
+                              <p:cond delay="0"/>
+                            </p:stCondLst>
+                            <p:childTnLst>
+                              <p:par>
+                                <p:cTn id="16" presetID="10" presetClass="entr" presetSubtype="0" fill="hold" grpId="0" nodeType="clickEffect">
+                                  <p:stCondLst>
+                                    <p:cond delay="0"/>
+                                  </p:stCondLst>
+                                  <p:childTnLst>
+                                    <p:set>
+                                      <p:cBhvr>
+                                        <p:cTn id="17" dur="1" fill="hold">
+                                          <p:stCondLst>
+                                            <p:cond delay="0"/>
+                                          </p:stCondLst>
+                                        </p:cTn>
+                                        <p:tgtEl>
+                                          <p:spTgt spid="3">
+                                            <p:txEl>
+                                              <p:pRg st="3" end="3"/>
+                                            </p:txEl>
+                                          </p:spTgt>
+                                        </p:tgtEl>
+                                        <p:attrNameLst>
+                                          <p:attrName>style.visibility</p:attrName>
+                                        </p:attrNameLst>
+                                      </p:cBhvr>
+                                      <p:to>
+                                        <p:strVal val="visible"/>
+                                      </p:to>
+                                    </p:set>
+                                    <p:animEffect transition="in" filter="fade">
+                                      <p:cBhvr>
+                                        <p:cTn id="18" dur="500"/>
+                                        <p:tgtEl>
+                                          <p:spTgt spid="3">
+                                            <p:txEl>
+                                              <p:pRg st="3" end="3"/>
+                                            </p:txEl>
+                                          </p:spTgt>
+                                        </p:tgtEl>
+                                      </p:cBhvr>
+                                    </p:animEffect>
+                                  </p:childTnLst>
+                                </p:cTn>
+                              </p:par>
+                              <p:par>
+                                <p:cTn id="19" presetID="10" presetClass="entr" presetSubtype="0" fill="hold" grpId="0" nodeType="withEffect">
+                                  <p:stCondLst>
+                                    <p:cond delay="0"/>
+                                  </p:stCondLst>
+                                  <p:childTnLst>
+                                    <p:set>
+                                      <p:cBhvr>
+                                        <p:cTn id="20" dur="1" fill="hold">
+                                          <p:stCondLst>
+                                            <p:cond delay="0"/>
+                                          </p:stCondLst>
+                                        </p:cTn>
+                                        <p:tgtEl>
+                                          <p:spTgt spid="3">
+                                            <p:txEl>
+                                              <p:pRg st="4" end="4"/>
+                                            </p:txEl>
+                                          </p:spTgt>
+                                        </p:tgtEl>
+                                        <p:attrNameLst>
+                                          <p:attrName>style.visibility</p:attrName>
+                                        </p:attrNameLst>
+                                      </p:cBhvr>
+                                      <p:to>
+                                        <p:strVal val="visible"/>
+                                      </p:to>
+                                    </p:set>
+                                    <p:animEffect transition="in" filter="fade">
+                                      <p:cBhvr>
+                                        <p:cTn id="21" dur="500"/>
+                                        <p:tgtEl>
+                                          <p:spTgt spid="3">
+                                            <p:txEl>
+                                              <p:pRg st="4" end="4"/>
+                                            </p:txEl>
+                                          </p:spTgt>
+                                        </p:tgtEl>
+                                      </p:cBhvr>
+                                    </p:animEffect>
+                                  </p:childTnLst>
+                                </p:cTn>
+                              </p:par>
+                            </p:childTnLst>
+                          </p:cTn>
+                        </p:par>
+                      </p:childTnLst>
+                    </p:cTn>
+                  </p:par>
+                  <p:par>
+                    <p:cTn id="22" fill="hold">
+                      <p:stCondLst>
+                        <p:cond delay="indefinite"/>
+                      </p:stCondLst>
+                      <p:childTnLst>
+                        <p:par>
+                          <p:cTn id="23" fill="hold">
+                            <p:stCondLst>
+                              <p:cond delay="0"/>
+                            </p:stCondLst>
+                            <p:childTnLst>
+                              <p:par>
+                                <p:cTn id="24" presetID="10" presetClass="entr" presetSubtype="0" fill="hold" grpId="0" nodeType="clickEffect">
+                                  <p:stCondLst>
+                                    <p:cond delay="0"/>
+                                  </p:stCondLst>
+                                  <p:childTnLst>
+                                    <p:set>
+                                      <p:cBhvr>
+                                        <p:cTn id="25" dur="1" fill="hold">
+                                          <p:stCondLst>
+                                            <p:cond delay="0"/>
+                                          </p:stCondLst>
+                                        </p:cTn>
+                                        <p:tgtEl>
+                                          <p:spTgt spid="3">
+                                            <p:txEl>
+                                              <p:pRg st="5" end="5"/>
+                                            </p:txEl>
+                                          </p:spTgt>
+                                        </p:tgtEl>
+                                        <p:attrNameLst>
+                                          <p:attrName>style.visibility</p:attrName>
+                                        </p:attrNameLst>
+                                      </p:cBhvr>
+                                      <p:to>
+                                        <p:strVal val="visible"/>
+                                      </p:to>
+                                    </p:set>
+                                    <p:animEffect transition="in" filter="fade">
+                                      <p:cBhvr>
+                                        <p:cTn id="26" dur="500"/>
+                                        <p:tgtEl>
+                                          <p:spTgt spid="3">
+                                            <p:txEl>
+                                              <p:pRg st="5" end="5"/>
+                                            </p:txEl>
+                                          </p:spTgt>
+                                        </p:tgtEl>
+                                      </p:cBhvr>
+                                    </p:animEffect>
+                                  </p:childTnLst>
+                                </p:cTn>
+                              </p:par>
+                              <p:par>
+                                <p:cTn id="27" presetID="10" presetClass="entr" presetSubtype="0" fill="hold" grpId="0" nodeType="withEffect">
+                                  <p:stCondLst>
+                                    <p:cond delay="0"/>
+                                  </p:stCondLst>
+                                  <p:childTnLst>
+                                    <p:set>
+                                      <p:cBhvr>
+                                        <p:cTn id="28" dur="1" fill="hold">
+                                          <p:stCondLst>
+                                            <p:cond delay="0"/>
+                                          </p:stCondLst>
+                                        </p:cTn>
+                                        <p:tgtEl>
+                                          <p:spTgt spid="3">
+                                            <p:txEl>
+                                              <p:pRg st="6" end="6"/>
+                                            </p:txEl>
+                                          </p:spTgt>
+                                        </p:tgtEl>
+                                        <p:attrNameLst>
+                                          <p:attrName>style.visibility</p:attrName>
+                                        </p:attrNameLst>
+                                      </p:cBhvr>
+                                      <p:to>
+                                        <p:strVal val="visible"/>
+                                      </p:to>
+                                    </p:set>
+                                    <p:animEffect transition="in" filter="fade">
+                                      <p:cBhvr>
+                                        <p:cTn id="29" dur="500"/>
+                                        <p:tgtEl>
+                                          <p:spTgt spid="3">
+                                            <p:txEl>
+                                              <p:pRg st="6" end="6"/>
+                                            </p:txEl>
+                                          </p:spTgt>
+                                        </p:tgtEl>
+                                      </p:cBhvr>
+                                    </p:animEffect>
+                                  </p:childTnLst>
+                                </p:cTn>
+                              </p:par>
+                            </p:childTnLst>
+                          </p:cTn>
+                        </p:par>
+                      </p:childTnLst>
+                    </p:cTn>
+                  </p:par>
+                </p:childTnLst>
+              </p:cTn>
+              <p:prevCondLst>
+                <p:cond evt="onPrev" delay="0">
+                  <p:tgtEl>
+                    <p:sldTgt/>
+                  </p:tgtEl>
+                </p:cond>
+              </p:prevCondLst>
+              <p:nextCondLst>
+                <p:cond evt="onNext" delay="0">
+                  <p:tgtEl>
+                    <p:sldTgt/>
+                  </p:tgtEl>
+                </p:cond>
+              </p:nextCondLst>
+            </p:seq>
+          </p:childTnLst>
+        </p:cTn>
       </p:par>
     </p:tnLst>
+    <p:bldLst>
+      <p:bldP spid="3" grpId="0" build="p"/>
+    </p:bldLst>
   </p:timing>
 </p:sld>
 </file>
@@ -4224,8 +4519,8 @@
           <a:lstStyle/>
           <a:p>
             <a:r>
-              <a:rPr lang="cs-CZ" dirty="0" err="1" smtClean="0"/>
-              <a:t>Debuging</a:t>
+              <a:rPr lang="en-US" dirty="0" smtClean="0"/>
+              <a:t>3d party library</a:t>
             </a:r>
             <a:endParaRPr lang="en-US" dirty="0"/>
           </a:p>
@@ -4241,169 +4536,440 @@
             <p:ph idx="1"/>
           </p:nvPr>
         </p:nvSpPr>
-        <p:spPr>
-          <a:xfrm>
-            <a:off x="457200" y="1340768"/>
-            <a:ext cx="8229600" cy="4785395"/>
-          </a:xfrm>
-        </p:spPr>
+        <p:spPr/>
         <p:txBody>
-          <a:bodyPr>
-            <a:normAutofit fontScale="92500" lnSpcReduction="20000"/>
-          </a:bodyPr>
+          <a:bodyPr/>
           <a:lstStyle/>
+          <a:p>
+            <a:r>
+              <a:rPr lang="en-US" dirty="0" err="1" smtClean="0">
+                <a:latin typeface="Courier New" panose="02070309020205020404" pitchFamily="49" charset="0"/>
+                <a:cs typeface="Courier New" panose="02070309020205020404" pitchFamily="49" charset="0"/>
+              </a:rPr>
+              <a:t>npm</a:t>
+            </a:r>
+            <a:r>
+              <a:rPr lang="en-US" dirty="0" smtClean="0">
+                <a:latin typeface="Courier New" panose="02070309020205020404" pitchFamily="49" charset="0"/>
+                <a:cs typeface="Courier New" panose="02070309020205020404" pitchFamily="49" charset="0"/>
+              </a:rPr>
+              <a:t> install express</a:t>
+            </a:r>
+          </a:p>
           <a:p>
             <a:pPr marL="0" indent="0">
               <a:buNone/>
             </a:pPr>
-            <a:r>
-              <a:rPr lang="en-US" dirty="0" err="1" smtClean="0"/>
-              <a:t>Nativn</a:t>
-            </a:r>
-            <a:r>
-              <a:rPr lang="cs-CZ" dirty="0" smtClean="0"/>
-              <a:t>ě:</a:t>
-            </a:r>
-            <a:endParaRPr lang="en-US" dirty="0" smtClean="0"/>
-          </a:p>
-          <a:p>
-            <a:r>
-              <a:rPr lang="cs-CZ" dirty="0" smtClean="0"/>
-              <a:t>node </a:t>
-            </a:r>
-            <a:r>
-              <a:rPr lang="en-US" dirty="0" smtClean="0"/>
-              <a:t>--inspect-</a:t>
-            </a:r>
-            <a:r>
-              <a:rPr lang="en-US" dirty="0" err="1" smtClean="0"/>
-              <a:t>brk</a:t>
-            </a:r>
-            <a:r>
-              <a:rPr lang="en-US" dirty="0" smtClean="0"/>
-              <a:t>  ./1-helloWordFs.js</a:t>
-            </a:r>
-          </a:p>
-          <a:p>
-            <a:r>
-              <a:rPr lang="en-US" dirty="0"/>
-              <a:t>c</a:t>
-            </a:r>
-            <a:r>
-              <a:rPr lang="en-US" dirty="0" smtClean="0"/>
-              <a:t>hrome://inspect</a:t>
-            </a:r>
-            <a:r>
-              <a:rPr lang="cs-CZ" dirty="0" smtClean="0"/>
+            <a:endParaRPr lang="en-US" dirty="0" smtClean="0">
+              <a:latin typeface="Courier New" panose="02070309020205020404" pitchFamily="49" charset="0"/>
+              <a:cs typeface="Courier New" panose="02070309020205020404" pitchFamily="49" charset="0"/>
+            </a:endParaRPr>
+          </a:p>
+          <a:p>
+            <a:r>
+              <a:rPr lang="en-US" dirty="0" err="1">
+                <a:latin typeface="Courier New" panose="02070309020205020404" pitchFamily="49" charset="0"/>
+                <a:cs typeface="Courier New" panose="02070309020205020404" pitchFamily="49" charset="0"/>
+              </a:rPr>
+              <a:t>npm</a:t>
+            </a:r>
+            <a:r>
+              <a:rPr lang="en-US" dirty="0">
+                <a:latin typeface="Courier New" panose="02070309020205020404" pitchFamily="49" charset="0"/>
+                <a:cs typeface="Courier New" panose="02070309020205020404" pitchFamily="49" charset="0"/>
+              </a:rPr>
+              <a:t> install </a:t>
+            </a:r>
+            <a:r>
+              <a:rPr lang="en-US" dirty="0" smtClean="0">
+                <a:latin typeface="Courier New" panose="02070309020205020404" pitchFamily="49" charset="0"/>
+                <a:cs typeface="Courier New" panose="02070309020205020404" pitchFamily="49" charset="0"/>
+              </a:rPr>
+              <a:t>express --save</a:t>
+            </a:r>
+          </a:p>
+          <a:p>
+            <a:endParaRPr lang="en-US" dirty="0">
+              <a:latin typeface="Courier New" panose="02070309020205020404" pitchFamily="49" charset="0"/>
+              <a:cs typeface="Courier New" panose="02070309020205020404" pitchFamily="49" charset="0"/>
+            </a:endParaRPr>
+          </a:p>
+          <a:p>
+            <a:r>
+              <a:rPr lang="en-US" dirty="0" err="1">
+                <a:latin typeface="Courier New" panose="02070309020205020404" pitchFamily="49" charset="0"/>
+                <a:cs typeface="Courier New" panose="02070309020205020404" pitchFamily="49" charset="0"/>
+              </a:rPr>
+              <a:t>npm</a:t>
+            </a:r>
+            <a:r>
+              <a:rPr lang="en-US" dirty="0">
+                <a:latin typeface="Courier New" panose="02070309020205020404" pitchFamily="49" charset="0"/>
+                <a:cs typeface="Courier New" panose="02070309020205020404" pitchFamily="49" charset="0"/>
+              </a:rPr>
+              <a:t> install </a:t>
+            </a:r>
+            <a:r>
+              <a:rPr lang="en-US" dirty="0" smtClean="0">
+                <a:latin typeface="Courier New" panose="02070309020205020404" pitchFamily="49" charset="0"/>
+                <a:cs typeface="Courier New" panose="02070309020205020404" pitchFamily="49" charset="0"/>
+              </a:rPr>
+              <a:t>express --save-dev</a:t>
+            </a:r>
+          </a:p>
+          <a:p>
+            <a:endParaRPr lang="en-US" dirty="0">
+              <a:latin typeface="Courier New" panose="02070309020205020404" pitchFamily="49" charset="0"/>
+              <a:cs typeface="Courier New" panose="02070309020205020404" pitchFamily="49" charset="0"/>
+            </a:endParaRPr>
+          </a:p>
+          <a:p>
+            <a:r>
+              <a:rPr lang="en-US" dirty="0" err="1">
+                <a:latin typeface="Courier New" panose="02070309020205020404" pitchFamily="49" charset="0"/>
+                <a:cs typeface="Courier New" panose="02070309020205020404" pitchFamily="49" charset="0"/>
+              </a:rPr>
+              <a:t>n</a:t>
+            </a:r>
+            <a:r>
+              <a:rPr lang="en-US" dirty="0" err="1" smtClean="0">
+                <a:latin typeface="Courier New" panose="02070309020205020404" pitchFamily="49" charset="0"/>
+                <a:cs typeface="Courier New" panose="02070309020205020404" pitchFamily="49" charset="0"/>
+              </a:rPr>
+              <a:t>pm</a:t>
+            </a:r>
+            <a:r>
+              <a:rPr lang="en-US" dirty="0" smtClean="0">
+                <a:latin typeface="Courier New" panose="02070309020205020404" pitchFamily="49" charset="0"/>
+                <a:cs typeface="Courier New" panose="02070309020205020404" pitchFamily="49" charset="0"/>
+              </a:rPr>
+              <a:t> install</a:t>
+            </a:r>
+            <a:r>
+              <a:rPr lang="cs-CZ" dirty="0" smtClean="0">
+                <a:latin typeface="Courier New" panose="02070309020205020404" pitchFamily="49" charset="0"/>
+                <a:cs typeface="Courier New" panose="02070309020205020404" pitchFamily="49" charset="0"/>
+              </a:rPr>
               <a:t> </a:t>
             </a:r>
-          </a:p>
-          <a:p>
-            <a:pPr marL="0" indent="0">
-              <a:buNone/>
-            </a:pPr>
-            <a:endParaRPr lang="cs-CZ" dirty="0" smtClean="0"/>
-          </a:p>
-          <a:p>
-            <a:pPr marL="0" indent="0">
-              <a:buNone/>
-            </a:pPr>
-            <a:r>
-              <a:rPr lang="cs-CZ" dirty="0" smtClean="0"/>
-              <a:t>Nebo:</a:t>
-            </a:r>
-          </a:p>
-          <a:p>
-            <a:r>
-              <a:rPr lang="cs-CZ" dirty="0" smtClean="0"/>
-              <a:t>n</a:t>
-            </a:r>
-            <a:r>
-              <a:rPr lang="en-US" dirty="0" smtClean="0"/>
-              <a:t>pm </a:t>
-            </a:r>
-            <a:r>
-              <a:rPr lang="en-US" dirty="0"/>
-              <a:t>install -g </a:t>
-            </a:r>
-            <a:r>
-              <a:rPr lang="en-US" dirty="0" smtClean="0"/>
-              <a:t>node-inspect</a:t>
-            </a:r>
-            <a:endParaRPr lang="cs-CZ" dirty="0" smtClean="0"/>
-          </a:p>
-          <a:p>
-            <a:pPr lvl="1"/>
-            <a:r>
-              <a:rPr lang="en-US" dirty="0"/>
-              <a:t>node-inspect </a:t>
-            </a:r>
-            <a:r>
-              <a:rPr lang="en-US" dirty="0" smtClean="0"/>
-              <a:t>myscript.js</a:t>
-            </a:r>
-            <a:endParaRPr lang="cs-CZ" dirty="0" smtClean="0"/>
-          </a:p>
-          <a:p>
-            <a:pPr marL="457200" lvl="1" indent="0">
-              <a:buNone/>
-            </a:pPr>
-            <a:endParaRPr lang="cs-CZ" dirty="0" smtClean="0"/>
-          </a:p>
-          <a:p>
-            <a:pPr marL="0" indent="0">
-              <a:buNone/>
-            </a:pPr>
-            <a:r>
-              <a:rPr lang="cs-CZ" dirty="0" smtClean="0"/>
-              <a:t>Atom:</a:t>
-            </a:r>
-          </a:p>
-          <a:p>
-            <a:r>
-              <a:rPr lang="cs-CZ" dirty="0" err="1" smtClean="0"/>
-              <a:t>xatom-debug</a:t>
-            </a:r>
-            <a:r>
-              <a:rPr lang="cs-CZ" dirty="0" smtClean="0"/>
-              <a:t> + </a:t>
-            </a:r>
-            <a:r>
-              <a:rPr lang="cs-CZ" dirty="0" err="1" smtClean="0"/>
-              <a:t>xatom-debug-nodejs</a:t>
-            </a:r>
-            <a:endParaRPr lang="en-US" dirty="0" smtClean="0"/>
-          </a:p>
-          <a:p>
-            <a:endParaRPr lang="en-US" dirty="0" smtClean="0"/>
-          </a:p>
-          <a:p>
-            <a:pPr marL="0" indent="0">
-              <a:buNone/>
-            </a:pPr>
-            <a:endParaRPr lang="en-US" dirty="0"/>
-          </a:p>
-          <a:p>
-            <a:endParaRPr lang="en-US" dirty="0"/>
+            <a:r>
+              <a:rPr lang="en-US" dirty="0" smtClean="0">
+                <a:latin typeface="Courier New" panose="02070309020205020404" pitchFamily="49" charset="0"/>
+                <a:cs typeface="Courier New" panose="02070309020205020404" pitchFamily="49" charset="0"/>
+              </a:rPr>
+              <a:t>$folder </a:t>
+            </a:r>
+            <a:endParaRPr lang="en-US" dirty="0">
+              <a:latin typeface="Courier New" panose="02070309020205020404" pitchFamily="49" charset="0"/>
+              <a:cs typeface="Courier New" panose="02070309020205020404" pitchFamily="49" charset="0"/>
+            </a:endParaRPr>
+          </a:p>
+          <a:p>
+            <a:endParaRPr lang="en-US" dirty="0">
+              <a:latin typeface="Courier New" panose="02070309020205020404" pitchFamily="49" charset="0"/>
+              <a:cs typeface="Courier New" panose="02070309020205020404" pitchFamily="49" charset="0"/>
+            </a:endParaRPr>
           </a:p>
         </p:txBody>
       </p:sp>
     </p:spTree>
     <p:extLst>
       <p:ext uri="{BB962C8B-B14F-4D97-AF65-F5344CB8AC3E}">
-        <p14:creationId xmlns:p14="http://schemas.microsoft.com/office/powerpoint/2010/main" val="1910515843"/>
+        <p14:creationId xmlns:p14="http://schemas.microsoft.com/office/powerpoint/2010/main" val="1224460365"/>
       </p:ext>
     </p:extLst>
   </p:cSld>
   <p:clrMapOvr>
     <a:masterClrMapping/>
   </p:clrMapOvr>
+  <mc:AlternateContent xmlns:mc="http://schemas.openxmlformats.org/markup-compatibility/2006">
+    <mc:Choice xmlns:p14="http://schemas.microsoft.com/office/powerpoint/2010/main" Requires="p14">
+      <p:transition spd="slow" p14:dur="800">
+        <p14:flythrough/>
+      </p:transition>
+    </mc:Choice>
+    <mc:Fallback>
+      <p:transition spd="slow">
+        <p:fade/>
+      </p:transition>
+    </mc:Fallback>
+  </mc:AlternateContent>
   <p:timing>
     <p:tnLst>
       <p:par>
-        <p:cTn id="1" dur="indefinite" restart="never" nodeType="tmRoot"/>
+        <p:cTn id="1" dur="indefinite" restart="never" nodeType="tmRoot">
+          <p:childTnLst>
+            <p:seq concurrent="1" nextAc="seek">
+              <p:cTn id="2" dur="indefinite" nodeType="mainSeq">
+                <p:childTnLst>
+                  <p:par>
+                    <p:cTn id="3" fill="hold">
+                      <p:stCondLst>
+                        <p:cond delay="indefinite"/>
+                      </p:stCondLst>
+                      <p:childTnLst>
+                        <p:par>
+                          <p:cTn id="4" fill="hold">
+                            <p:stCondLst>
+                              <p:cond delay="0"/>
+                            </p:stCondLst>
+                            <p:childTnLst>
+                              <p:par>
+                                <p:cTn id="5" presetID="10" presetClass="entr" presetSubtype="0" fill="hold" grpId="0" nodeType="clickEffect">
+                                  <p:stCondLst>
+                                    <p:cond delay="0"/>
+                                  </p:stCondLst>
+                                  <p:childTnLst>
+                                    <p:set>
+                                      <p:cBhvr>
+                                        <p:cTn id="6" dur="1" fill="hold">
+                                          <p:stCondLst>
+                                            <p:cond delay="0"/>
+                                          </p:stCondLst>
+                                        </p:cTn>
+                                        <p:tgtEl>
+                                          <p:spTgt spid="3">
+                                            <p:txEl>
+                                              <p:pRg st="0" end="0"/>
+                                            </p:txEl>
+                                          </p:spTgt>
+                                        </p:tgtEl>
+                                        <p:attrNameLst>
+                                          <p:attrName>style.visibility</p:attrName>
+                                        </p:attrNameLst>
+                                      </p:cBhvr>
+                                      <p:to>
+                                        <p:strVal val="visible"/>
+                                      </p:to>
+                                    </p:set>
+                                    <p:animEffect transition="in" filter="fade">
+                                      <p:cBhvr>
+                                        <p:cTn id="7" dur="500"/>
+                                        <p:tgtEl>
+                                          <p:spTgt spid="3">
+                                            <p:txEl>
+                                              <p:pRg st="0" end="0"/>
+                                            </p:txEl>
+                                          </p:spTgt>
+                                        </p:tgtEl>
+                                      </p:cBhvr>
+                                    </p:animEffect>
+                                  </p:childTnLst>
+                                </p:cTn>
+                              </p:par>
+                            </p:childTnLst>
+                          </p:cTn>
+                        </p:par>
+                      </p:childTnLst>
+                    </p:cTn>
+                  </p:par>
+                  <p:par>
+                    <p:cTn id="8" fill="hold">
+                      <p:stCondLst>
+                        <p:cond delay="indefinite"/>
+                      </p:stCondLst>
+                      <p:childTnLst>
+                        <p:par>
+                          <p:cTn id="9" fill="hold">
+                            <p:stCondLst>
+                              <p:cond delay="0"/>
+                            </p:stCondLst>
+                            <p:childTnLst>
+                              <p:par>
+                                <p:cTn id="10" presetID="10" presetClass="entr" presetSubtype="0" fill="hold" grpId="0" nodeType="clickEffect">
+                                  <p:stCondLst>
+                                    <p:cond delay="0"/>
+                                  </p:stCondLst>
+                                  <p:childTnLst>
+                                    <p:set>
+                                      <p:cBhvr>
+                                        <p:cTn id="11" dur="1" fill="hold">
+                                          <p:stCondLst>
+                                            <p:cond delay="0"/>
+                                          </p:stCondLst>
+                                        </p:cTn>
+                                        <p:tgtEl>
+                                          <p:spTgt spid="3">
+                                            <p:txEl>
+                                              <p:pRg st="2" end="2"/>
+                                            </p:txEl>
+                                          </p:spTgt>
+                                        </p:tgtEl>
+                                        <p:attrNameLst>
+                                          <p:attrName>style.visibility</p:attrName>
+                                        </p:attrNameLst>
+                                      </p:cBhvr>
+                                      <p:to>
+                                        <p:strVal val="visible"/>
+                                      </p:to>
+                                    </p:set>
+                                    <p:animEffect transition="in" filter="fade">
+                                      <p:cBhvr>
+                                        <p:cTn id="12" dur="500"/>
+                                        <p:tgtEl>
+                                          <p:spTgt spid="3">
+                                            <p:txEl>
+                                              <p:pRg st="2" end="2"/>
+                                            </p:txEl>
+                                          </p:spTgt>
+                                        </p:tgtEl>
+                                      </p:cBhvr>
+                                    </p:animEffect>
+                                  </p:childTnLst>
+                                </p:cTn>
+                              </p:par>
+                            </p:childTnLst>
+                          </p:cTn>
+                        </p:par>
+                      </p:childTnLst>
+                    </p:cTn>
+                  </p:par>
+                  <p:par>
+                    <p:cTn id="13" fill="hold">
+                      <p:stCondLst>
+                        <p:cond delay="indefinite"/>
+                      </p:stCondLst>
+                      <p:childTnLst>
+                        <p:par>
+                          <p:cTn id="14" fill="hold">
+                            <p:stCondLst>
+                              <p:cond delay="0"/>
+                            </p:stCondLst>
+                            <p:childTnLst>
+                              <p:par>
+                                <p:cTn id="15" presetID="10" presetClass="entr" presetSubtype="0" fill="hold" grpId="0" nodeType="clickEffect">
+                                  <p:stCondLst>
+                                    <p:cond delay="0"/>
+                                  </p:stCondLst>
+                                  <p:childTnLst>
+                                    <p:set>
+                                      <p:cBhvr>
+                                        <p:cTn id="16" dur="1" fill="hold">
+                                          <p:stCondLst>
+                                            <p:cond delay="0"/>
+                                          </p:stCondLst>
+                                        </p:cTn>
+                                        <p:tgtEl>
+                                          <p:spTgt spid="3">
+                                            <p:txEl>
+                                              <p:pRg st="4" end="4"/>
+                                            </p:txEl>
+                                          </p:spTgt>
+                                        </p:tgtEl>
+                                        <p:attrNameLst>
+                                          <p:attrName>style.visibility</p:attrName>
+                                        </p:attrNameLst>
+                                      </p:cBhvr>
+                                      <p:to>
+                                        <p:strVal val="visible"/>
+                                      </p:to>
+                                    </p:set>
+                                    <p:animEffect transition="in" filter="fade">
+                                      <p:cBhvr>
+                                        <p:cTn id="17" dur="500"/>
+                                        <p:tgtEl>
+                                          <p:spTgt spid="3">
+                                            <p:txEl>
+                                              <p:pRg st="4" end="4"/>
+                                            </p:txEl>
+                                          </p:spTgt>
+                                        </p:tgtEl>
+                                      </p:cBhvr>
+                                    </p:animEffect>
+                                  </p:childTnLst>
+                                </p:cTn>
+                              </p:par>
+                            </p:childTnLst>
+                          </p:cTn>
+                        </p:par>
+                      </p:childTnLst>
+                    </p:cTn>
+                  </p:par>
+                  <p:par>
+                    <p:cTn id="18" fill="hold">
+                      <p:stCondLst>
+                        <p:cond delay="indefinite"/>
+                      </p:stCondLst>
+                      <p:childTnLst>
+                        <p:par>
+                          <p:cTn id="19" fill="hold">
+                            <p:stCondLst>
+                              <p:cond delay="0"/>
+                            </p:stCondLst>
+                            <p:childTnLst>
+                              <p:par>
+                                <p:cTn id="20" presetID="10" presetClass="entr" presetSubtype="0" fill="hold" grpId="0" nodeType="clickEffect">
+                                  <p:stCondLst>
+                                    <p:cond delay="0"/>
+                                  </p:stCondLst>
+                                  <p:childTnLst>
+                                    <p:set>
+                                      <p:cBhvr>
+                                        <p:cTn id="21" dur="1" fill="hold">
+                                          <p:stCondLst>
+                                            <p:cond delay="0"/>
+                                          </p:stCondLst>
+                                        </p:cTn>
+                                        <p:tgtEl>
+                                          <p:spTgt spid="3">
+                                            <p:txEl>
+                                              <p:pRg st="6" end="6"/>
+                                            </p:txEl>
+                                          </p:spTgt>
+                                        </p:tgtEl>
+                                        <p:attrNameLst>
+                                          <p:attrName>style.visibility</p:attrName>
+                                        </p:attrNameLst>
+                                      </p:cBhvr>
+                                      <p:to>
+                                        <p:strVal val="visible"/>
+                                      </p:to>
+                                    </p:set>
+                                    <p:animEffect transition="in" filter="fade">
+                                      <p:cBhvr>
+                                        <p:cTn id="22" dur="500"/>
+                                        <p:tgtEl>
+                                          <p:spTgt spid="3">
+                                            <p:txEl>
+                                              <p:pRg st="6" end="6"/>
+                                            </p:txEl>
+                                          </p:spTgt>
+                                        </p:tgtEl>
+                                      </p:cBhvr>
+                                    </p:animEffect>
+                                  </p:childTnLst>
+                                </p:cTn>
+                              </p:par>
+                            </p:childTnLst>
+                          </p:cTn>
+                        </p:par>
+                      </p:childTnLst>
+                    </p:cTn>
+                  </p:par>
+                </p:childTnLst>
+              </p:cTn>
+              <p:prevCondLst>
+                <p:cond evt="onPrev" delay="0">
+                  <p:tgtEl>
+                    <p:sldTgt/>
+                  </p:tgtEl>
+                </p:cond>
+              </p:prevCondLst>
+              <p:nextCondLst>
+                <p:cond evt="onNext" delay="0">
+                  <p:tgtEl>
+                    <p:sldTgt/>
+                  </p:tgtEl>
+                </p:cond>
+              </p:nextCondLst>
+            </p:seq>
+          </p:childTnLst>
+        </p:cTn>
       </p:par>
     </p:tnLst>
+    <p:bldLst>
+      <p:bldP spid="3" grpId="0" build="p"/>
+    </p:bldLst>
   </p:timing>
 </p:sld>
 </file>
@@ -4441,12 +5007,8 @@
           <a:lstStyle/>
           <a:p>
             <a:r>
-              <a:rPr lang="en-US" dirty="0" smtClean="0"/>
-              <a:t>Node </a:t>
-            </a:r>
-            <a:r>
-              <a:rPr lang="en-US" dirty="0" err="1" smtClean="0"/>
-              <a:t>projekt</a:t>
+              <a:rPr lang="cs-CZ" dirty="0" err="1" smtClean="0"/>
+              <a:t>Debuging</a:t>
             </a:r>
             <a:endParaRPr lang="en-US" dirty="0"/>
           </a:p>
@@ -4462,42 +5024,147 @@
             <p:ph idx="1"/>
           </p:nvPr>
         </p:nvSpPr>
-        <p:spPr/>
+        <p:spPr>
+          <a:xfrm>
+            <a:off x="457200" y="1340768"/>
+            <a:ext cx="8229600" cy="4785395"/>
+          </a:xfrm>
+        </p:spPr>
         <p:txBody>
-          <a:bodyPr/>
+          <a:bodyPr>
+            <a:normAutofit fontScale="92500" lnSpcReduction="20000"/>
+          </a:bodyPr>
           <a:lstStyle/>
           <a:p>
-            <a:r>
-              <a:rPr lang="en-US" dirty="0" err="1"/>
+            <a:pPr marL="0" indent="0">
+              <a:buNone/>
+            </a:pPr>
+            <a:r>
+              <a:rPr lang="en-US" dirty="0" err="1" smtClean="0"/>
+              <a:t>Nativn</a:t>
+            </a:r>
+            <a:r>
+              <a:rPr lang="cs-CZ" dirty="0" smtClean="0"/>
+              <a:t>ě:</a:t>
+            </a:r>
+            <a:endParaRPr lang="en-US" dirty="0" smtClean="0"/>
+          </a:p>
+          <a:p>
+            <a:r>
+              <a:rPr lang="cs-CZ" dirty="0" smtClean="0"/>
+              <a:t>node </a:t>
+            </a:r>
+            <a:r>
+              <a:rPr lang="en-US" dirty="0" smtClean="0"/>
+              <a:t>--inspect-</a:t>
+            </a:r>
+            <a:r>
+              <a:rPr lang="en-US" dirty="0" err="1" smtClean="0"/>
+              <a:t>brk</a:t>
+            </a:r>
+            <a:r>
+              <a:rPr lang="en-US" dirty="0" smtClean="0"/>
+              <a:t>  ./1-helloWordFs.js</a:t>
+            </a:r>
+          </a:p>
+          <a:p>
+            <a:r>
+              <a:rPr lang="en-US" dirty="0"/>
+              <a:t>c</a:t>
+            </a:r>
+            <a:r>
+              <a:rPr lang="en-US" dirty="0" smtClean="0"/>
+              <a:t>hrome://inspect</a:t>
+            </a:r>
+            <a:r>
+              <a:rPr lang="cs-CZ" dirty="0" smtClean="0"/>
+              <a:t> </a:t>
+            </a:r>
+          </a:p>
+          <a:p>
+            <a:pPr marL="0" indent="0">
+              <a:buNone/>
+            </a:pPr>
+            <a:endParaRPr lang="cs-CZ" dirty="0" smtClean="0"/>
+          </a:p>
+          <a:p>
+            <a:pPr marL="0" indent="0">
+              <a:buNone/>
+            </a:pPr>
+            <a:r>
+              <a:rPr lang="cs-CZ" dirty="0" smtClean="0"/>
+              <a:t>Nebo:</a:t>
+            </a:r>
+          </a:p>
+          <a:p>
+            <a:r>
+              <a:rPr lang="cs-CZ" dirty="0" smtClean="0"/>
               <a:t>n</a:t>
             </a:r>
             <a:r>
-              <a:rPr lang="en-US" dirty="0" err="1" smtClean="0"/>
-              <a:t>pm</a:t>
-            </a:r>
-            <a:r>
               <a:rPr lang="en-US" dirty="0" smtClean="0"/>
-              <a:t> </a:t>
-            </a:r>
-            <a:r>
-              <a:rPr lang="en-US" dirty="0" err="1" smtClean="0"/>
-              <a:t>init</a:t>
+              <a:t>pm </a:t>
+            </a:r>
+            <a:r>
+              <a:rPr lang="en-US" dirty="0"/>
+              <a:t>install -g </a:t>
+            </a:r>
+            <a:r>
+              <a:rPr lang="en-US" dirty="0" smtClean="0"/>
+              <a:t>node-inspect</a:t>
+            </a:r>
+            <a:endParaRPr lang="cs-CZ" dirty="0" smtClean="0"/>
+          </a:p>
+          <a:p>
+            <a:pPr lvl="1"/>
+            <a:r>
+              <a:rPr lang="en-US" dirty="0"/>
+              <a:t>node-inspect </a:t>
+            </a:r>
+            <a:r>
+              <a:rPr lang="en-US" dirty="0" smtClean="0"/>
+              <a:t>myscript.js</a:t>
+            </a:r>
+            <a:endParaRPr lang="cs-CZ" dirty="0" smtClean="0"/>
+          </a:p>
+          <a:p>
+            <a:pPr marL="457200" lvl="1" indent="0">
+              <a:buNone/>
+            </a:pPr>
+            <a:endParaRPr lang="cs-CZ" dirty="0" smtClean="0"/>
+          </a:p>
+          <a:p>
+            <a:pPr marL="0" indent="0">
+              <a:buNone/>
+            </a:pPr>
+            <a:r>
+              <a:rPr lang="cs-CZ" dirty="0" smtClean="0"/>
+              <a:t>Atom:</a:t>
+            </a:r>
+          </a:p>
+          <a:p>
+            <a:r>
+              <a:rPr lang="cs-CZ" dirty="0" err="1" smtClean="0"/>
+              <a:t>xatom-debug</a:t>
+            </a:r>
+            <a:r>
+              <a:rPr lang="cs-CZ" dirty="0" smtClean="0"/>
+              <a:t> + </a:t>
+            </a:r>
+            <a:r>
+              <a:rPr lang="cs-CZ" dirty="0" err="1" smtClean="0"/>
+              <a:t>xatom-debug-nodejs</a:t>
             </a:r>
             <a:endParaRPr lang="en-US" dirty="0" smtClean="0"/>
           </a:p>
           <a:p>
-            <a:r>
-              <a:rPr lang="en-US" dirty="0" err="1"/>
-              <a:t>n</a:t>
-            </a:r>
-            <a:r>
-              <a:rPr lang="en-US" dirty="0" err="1" smtClean="0"/>
-              <a:t>pm</a:t>
-            </a:r>
-            <a:r>
-              <a:rPr lang="en-US" dirty="0" smtClean="0"/>
-              <a:t> install --save express debug</a:t>
-            </a:r>
+            <a:endParaRPr lang="en-US" dirty="0" smtClean="0"/>
+          </a:p>
+          <a:p>
+            <a:pPr marL="0" indent="0">
+              <a:buNone/>
+            </a:pPr>
+            <a:endParaRPr lang="en-US" dirty="0"/>
           </a:p>
           <a:p>
             <a:endParaRPr lang="en-US" dirty="0"/>
@@ -4507,19 +5174,527 @@
     </p:spTree>
     <p:extLst>
       <p:ext uri="{BB962C8B-B14F-4D97-AF65-F5344CB8AC3E}">
-        <p14:creationId xmlns:p14="http://schemas.microsoft.com/office/powerpoint/2010/main" val="2222455841"/>
+        <p14:creationId xmlns:p14="http://schemas.microsoft.com/office/powerpoint/2010/main" val="1910515843"/>
       </p:ext>
     </p:extLst>
   </p:cSld>
   <p:clrMapOvr>
     <a:masterClrMapping/>
   </p:clrMapOvr>
+  <mc:AlternateContent xmlns:mc="http://schemas.openxmlformats.org/markup-compatibility/2006">
+    <mc:Choice xmlns:p14="http://schemas.microsoft.com/office/powerpoint/2010/main" Requires="p14">
+      <p:transition spd="slow" p14:dur="800">
+        <p14:flythrough/>
+      </p:transition>
+    </mc:Choice>
+    <mc:Fallback>
+      <p:transition spd="slow">
+        <p:fade/>
+      </p:transition>
+    </mc:Fallback>
+  </mc:AlternateContent>
   <p:timing>
     <p:tnLst>
       <p:par>
-        <p:cTn id="1" dur="indefinite" restart="never" nodeType="tmRoot"/>
+        <p:cTn id="1" dur="indefinite" restart="never" nodeType="tmRoot">
+          <p:childTnLst>
+            <p:seq concurrent="1" nextAc="seek">
+              <p:cTn id="2" dur="indefinite" nodeType="mainSeq">
+                <p:childTnLst>
+                  <p:par>
+                    <p:cTn id="3" fill="hold">
+                      <p:stCondLst>
+                        <p:cond delay="indefinite"/>
+                      </p:stCondLst>
+                      <p:childTnLst>
+                        <p:par>
+                          <p:cTn id="4" fill="hold">
+                            <p:stCondLst>
+                              <p:cond delay="0"/>
+                            </p:stCondLst>
+                            <p:childTnLst>
+                              <p:par>
+                                <p:cTn id="5" presetID="10" presetClass="entr" presetSubtype="0" fill="hold" grpId="0" nodeType="clickEffect">
+                                  <p:stCondLst>
+                                    <p:cond delay="0"/>
+                                  </p:stCondLst>
+                                  <p:childTnLst>
+                                    <p:set>
+                                      <p:cBhvr>
+                                        <p:cTn id="6" dur="1" fill="hold">
+                                          <p:stCondLst>
+                                            <p:cond delay="0"/>
+                                          </p:stCondLst>
+                                        </p:cTn>
+                                        <p:tgtEl>
+                                          <p:spTgt spid="3">
+                                            <p:txEl>
+                                              <p:pRg st="0" end="0"/>
+                                            </p:txEl>
+                                          </p:spTgt>
+                                        </p:tgtEl>
+                                        <p:attrNameLst>
+                                          <p:attrName>style.visibility</p:attrName>
+                                        </p:attrNameLst>
+                                      </p:cBhvr>
+                                      <p:to>
+                                        <p:strVal val="visible"/>
+                                      </p:to>
+                                    </p:set>
+                                    <p:animEffect transition="in" filter="fade">
+                                      <p:cBhvr>
+                                        <p:cTn id="7" dur="500"/>
+                                        <p:tgtEl>
+                                          <p:spTgt spid="3">
+                                            <p:txEl>
+                                              <p:pRg st="0" end="0"/>
+                                            </p:txEl>
+                                          </p:spTgt>
+                                        </p:tgtEl>
+                                      </p:cBhvr>
+                                    </p:animEffect>
+                                  </p:childTnLst>
+                                </p:cTn>
+                              </p:par>
+                            </p:childTnLst>
+                          </p:cTn>
+                        </p:par>
+                      </p:childTnLst>
+                    </p:cTn>
+                  </p:par>
+                  <p:par>
+                    <p:cTn id="8" fill="hold">
+                      <p:stCondLst>
+                        <p:cond delay="indefinite"/>
+                      </p:stCondLst>
+                      <p:childTnLst>
+                        <p:par>
+                          <p:cTn id="9" fill="hold">
+                            <p:stCondLst>
+                              <p:cond delay="0"/>
+                            </p:stCondLst>
+                            <p:childTnLst>
+                              <p:par>
+                                <p:cTn id="10" presetID="10" presetClass="entr" presetSubtype="0" fill="hold" grpId="0" nodeType="clickEffect">
+                                  <p:stCondLst>
+                                    <p:cond delay="0"/>
+                                  </p:stCondLst>
+                                  <p:childTnLst>
+                                    <p:set>
+                                      <p:cBhvr>
+                                        <p:cTn id="11" dur="1" fill="hold">
+                                          <p:stCondLst>
+                                            <p:cond delay="0"/>
+                                          </p:stCondLst>
+                                        </p:cTn>
+                                        <p:tgtEl>
+                                          <p:spTgt spid="3">
+                                            <p:txEl>
+                                              <p:pRg st="1" end="1"/>
+                                            </p:txEl>
+                                          </p:spTgt>
+                                        </p:tgtEl>
+                                        <p:attrNameLst>
+                                          <p:attrName>style.visibility</p:attrName>
+                                        </p:attrNameLst>
+                                      </p:cBhvr>
+                                      <p:to>
+                                        <p:strVal val="visible"/>
+                                      </p:to>
+                                    </p:set>
+                                    <p:animEffect transition="in" filter="fade">
+                                      <p:cBhvr>
+                                        <p:cTn id="12" dur="500"/>
+                                        <p:tgtEl>
+                                          <p:spTgt spid="3">
+                                            <p:txEl>
+                                              <p:pRg st="1" end="1"/>
+                                            </p:txEl>
+                                          </p:spTgt>
+                                        </p:tgtEl>
+                                      </p:cBhvr>
+                                    </p:animEffect>
+                                  </p:childTnLst>
+                                </p:cTn>
+                              </p:par>
+                            </p:childTnLst>
+                          </p:cTn>
+                        </p:par>
+                      </p:childTnLst>
+                    </p:cTn>
+                  </p:par>
+                  <p:par>
+                    <p:cTn id="13" fill="hold">
+                      <p:stCondLst>
+                        <p:cond delay="indefinite"/>
+                      </p:stCondLst>
+                      <p:childTnLst>
+                        <p:par>
+                          <p:cTn id="14" fill="hold">
+                            <p:stCondLst>
+                              <p:cond delay="0"/>
+                            </p:stCondLst>
+                            <p:childTnLst>
+                              <p:par>
+                                <p:cTn id="15" presetID="10" presetClass="entr" presetSubtype="0" fill="hold" grpId="0" nodeType="clickEffect">
+                                  <p:stCondLst>
+                                    <p:cond delay="0"/>
+                                  </p:stCondLst>
+                                  <p:childTnLst>
+                                    <p:set>
+                                      <p:cBhvr>
+                                        <p:cTn id="16" dur="1" fill="hold">
+                                          <p:stCondLst>
+                                            <p:cond delay="0"/>
+                                          </p:stCondLst>
+                                        </p:cTn>
+                                        <p:tgtEl>
+                                          <p:spTgt spid="3">
+                                            <p:txEl>
+                                              <p:pRg st="2" end="2"/>
+                                            </p:txEl>
+                                          </p:spTgt>
+                                        </p:tgtEl>
+                                        <p:attrNameLst>
+                                          <p:attrName>style.visibility</p:attrName>
+                                        </p:attrNameLst>
+                                      </p:cBhvr>
+                                      <p:to>
+                                        <p:strVal val="visible"/>
+                                      </p:to>
+                                    </p:set>
+                                    <p:animEffect transition="in" filter="fade">
+                                      <p:cBhvr>
+                                        <p:cTn id="17" dur="500"/>
+                                        <p:tgtEl>
+                                          <p:spTgt spid="3">
+                                            <p:txEl>
+                                              <p:pRg st="2" end="2"/>
+                                            </p:txEl>
+                                          </p:spTgt>
+                                        </p:tgtEl>
+                                      </p:cBhvr>
+                                    </p:animEffect>
+                                  </p:childTnLst>
+                                </p:cTn>
+                              </p:par>
+                            </p:childTnLst>
+                          </p:cTn>
+                        </p:par>
+                      </p:childTnLst>
+                    </p:cTn>
+                  </p:par>
+                  <p:par>
+                    <p:cTn id="18" fill="hold">
+                      <p:stCondLst>
+                        <p:cond delay="indefinite"/>
+                      </p:stCondLst>
+                      <p:childTnLst>
+                        <p:par>
+                          <p:cTn id="19" fill="hold">
+                            <p:stCondLst>
+                              <p:cond delay="0"/>
+                            </p:stCondLst>
+                            <p:childTnLst>
+                              <p:par>
+                                <p:cTn id="20" presetID="10" presetClass="entr" presetSubtype="0" fill="hold" grpId="0" nodeType="clickEffect">
+                                  <p:stCondLst>
+                                    <p:cond delay="0"/>
+                                  </p:stCondLst>
+                                  <p:childTnLst>
+                                    <p:set>
+                                      <p:cBhvr>
+                                        <p:cTn id="21" dur="1" fill="hold">
+                                          <p:stCondLst>
+                                            <p:cond delay="0"/>
+                                          </p:stCondLst>
+                                        </p:cTn>
+                                        <p:tgtEl>
+                                          <p:spTgt spid="3">
+                                            <p:txEl>
+                                              <p:pRg st="4" end="4"/>
+                                            </p:txEl>
+                                          </p:spTgt>
+                                        </p:tgtEl>
+                                        <p:attrNameLst>
+                                          <p:attrName>style.visibility</p:attrName>
+                                        </p:attrNameLst>
+                                      </p:cBhvr>
+                                      <p:to>
+                                        <p:strVal val="visible"/>
+                                      </p:to>
+                                    </p:set>
+                                    <p:animEffect transition="in" filter="fade">
+                                      <p:cBhvr>
+                                        <p:cTn id="22" dur="500"/>
+                                        <p:tgtEl>
+                                          <p:spTgt spid="3">
+                                            <p:txEl>
+                                              <p:pRg st="4" end="4"/>
+                                            </p:txEl>
+                                          </p:spTgt>
+                                        </p:tgtEl>
+                                      </p:cBhvr>
+                                    </p:animEffect>
+                                  </p:childTnLst>
+                                </p:cTn>
+                              </p:par>
+                            </p:childTnLst>
+                          </p:cTn>
+                        </p:par>
+                      </p:childTnLst>
+                    </p:cTn>
+                  </p:par>
+                  <p:par>
+                    <p:cTn id="23" fill="hold">
+                      <p:stCondLst>
+                        <p:cond delay="indefinite"/>
+                      </p:stCondLst>
+                      <p:childTnLst>
+                        <p:par>
+                          <p:cTn id="24" fill="hold">
+                            <p:stCondLst>
+                              <p:cond delay="0"/>
+                            </p:stCondLst>
+                            <p:childTnLst>
+                              <p:par>
+                                <p:cTn id="25" presetID="10" presetClass="entr" presetSubtype="0" fill="hold" grpId="0" nodeType="clickEffect">
+                                  <p:stCondLst>
+                                    <p:cond delay="0"/>
+                                  </p:stCondLst>
+                                  <p:childTnLst>
+                                    <p:set>
+                                      <p:cBhvr>
+                                        <p:cTn id="26" dur="1" fill="hold">
+                                          <p:stCondLst>
+                                            <p:cond delay="0"/>
+                                          </p:stCondLst>
+                                        </p:cTn>
+                                        <p:tgtEl>
+                                          <p:spTgt spid="3">
+                                            <p:txEl>
+                                              <p:pRg st="5" end="5"/>
+                                            </p:txEl>
+                                          </p:spTgt>
+                                        </p:tgtEl>
+                                        <p:attrNameLst>
+                                          <p:attrName>style.visibility</p:attrName>
+                                        </p:attrNameLst>
+                                      </p:cBhvr>
+                                      <p:to>
+                                        <p:strVal val="visible"/>
+                                      </p:to>
+                                    </p:set>
+                                    <p:animEffect transition="in" filter="fade">
+                                      <p:cBhvr>
+                                        <p:cTn id="27" dur="500"/>
+                                        <p:tgtEl>
+                                          <p:spTgt spid="3">
+                                            <p:txEl>
+                                              <p:pRg st="5" end="5"/>
+                                            </p:txEl>
+                                          </p:spTgt>
+                                        </p:tgtEl>
+                                      </p:cBhvr>
+                                    </p:animEffect>
+                                  </p:childTnLst>
+                                </p:cTn>
+                              </p:par>
+                              <p:par>
+                                <p:cTn id="28" presetID="10" presetClass="entr" presetSubtype="0" fill="hold" grpId="0" nodeType="withEffect">
+                                  <p:stCondLst>
+                                    <p:cond delay="0"/>
+                                  </p:stCondLst>
+                                  <p:childTnLst>
+                                    <p:set>
+                                      <p:cBhvr>
+                                        <p:cTn id="29" dur="1" fill="hold">
+                                          <p:stCondLst>
+                                            <p:cond delay="0"/>
+                                          </p:stCondLst>
+                                        </p:cTn>
+                                        <p:tgtEl>
+                                          <p:spTgt spid="3">
+                                            <p:txEl>
+                                              <p:pRg st="6" end="6"/>
+                                            </p:txEl>
+                                          </p:spTgt>
+                                        </p:tgtEl>
+                                        <p:attrNameLst>
+                                          <p:attrName>style.visibility</p:attrName>
+                                        </p:attrNameLst>
+                                      </p:cBhvr>
+                                      <p:to>
+                                        <p:strVal val="visible"/>
+                                      </p:to>
+                                    </p:set>
+                                    <p:animEffect transition="in" filter="fade">
+                                      <p:cBhvr>
+                                        <p:cTn id="30" dur="500"/>
+                                        <p:tgtEl>
+                                          <p:spTgt spid="3">
+                                            <p:txEl>
+                                              <p:pRg st="6" end="6"/>
+                                            </p:txEl>
+                                          </p:spTgt>
+                                        </p:tgtEl>
+                                      </p:cBhvr>
+                                    </p:animEffect>
+                                  </p:childTnLst>
+                                </p:cTn>
+                              </p:par>
+                            </p:childTnLst>
+                          </p:cTn>
+                        </p:par>
+                      </p:childTnLst>
+                    </p:cTn>
+                  </p:par>
+                  <p:par>
+                    <p:cTn id="31" fill="hold">
+                      <p:stCondLst>
+                        <p:cond delay="indefinite"/>
+                      </p:stCondLst>
+                      <p:childTnLst>
+                        <p:par>
+                          <p:cTn id="32" fill="hold">
+                            <p:stCondLst>
+                              <p:cond delay="0"/>
+                            </p:stCondLst>
+                            <p:childTnLst>
+                              <p:par>
+                                <p:cTn id="33" presetID="10" presetClass="entr" presetSubtype="0" fill="hold" grpId="0" nodeType="clickEffect">
+                                  <p:stCondLst>
+                                    <p:cond delay="0"/>
+                                  </p:stCondLst>
+                                  <p:childTnLst>
+                                    <p:set>
+                                      <p:cBhvr>
+                                        <p:cTn id="34" dur="1" fill="hold">
+                                          <p:stCondLst>
+                                            <p:cond delay="0"/>
+                                          </p:stCondLst>
+                                        </p:cTn>
+                                        <p:tgtEl>
+                                          <p:spTgt spid="3">
+                                            <p:txEl>
+                                              <p:pRg st="8" end="8"/>
+                                            </p:txEl>
+                                          </p:spTgt>
+                                        </p:tgtEl>
+                                        <p:attrNameLst>
+                                          <p:attrName>style.visibility</p:attrName>
+                                        </p:attrNameLst>
+                                      </p:cBhvr>
+                                      <p:to>
+                                        <p:strVal val="visible"/>
+                                      </p:to>
+                                    </p:set>
+                                    <p:animEffect transition="in" filter="fade">
+                                      <p:cBhvr>
+                                        <p:cTn id="35" dur="500"/>
+                                        <p:tgtEl>
+                                          <p:spTgt spid="3">
+                                            <p:txEl>
+                                              <p:pRg st="8" end="8"/>
+                                            </p:txEl>
+                                          </p:spTgt>
+                                        </p:tgtEl>
+                                      </p:cBhvr>
+                                    </p:animEffect>
+                                  </p:childTnLst>
+                                </p:cTn>
+                              </p:par>
+                            </p:childTnLst>
+                          </p:cTn>
+                        </p:par>
+                      </p:childTnLst>
+                    </p:cTn>
+                  </p:par>
+                  <p:par>
+                    <p:cTn id="36" fill="hold">
+                      <p:stCondLst>
+                        <p:cond delay="indefinite"/>
+                      </p:stCondLst>
+                      <p:childTnLst>
+                        <p:par>
+                          <p:cTn id="37" fill="hold">
+                            <p:stCondLst>
+                              <p:cond delay="0"/>
+                            </p:stCondLst>
+                            <p:childTnLst>
+                              <p:par>
+                                <p:cTn id="38" presetID="10" presetClass="entr" presetSubtype="0" fill="hold" grpId="0" nodeType="clickEffect">
+                                  <p:stCondLst>
+                                    <p:cond delay="0"/>
+                                  </p:stCondLst>
+                                  <p:childTnLst>
+                                    <p:set>
+                                      <p:cBhvr>
+                                        <p:cTn id="39" dur="1" fill="hold">
+                                          <p:stCondLst>
+                                            <p:cond delay="0"/>
+                                          </p:stCondLst>
+                                        </p:cTn>
+                                        <p:tgtEl>
+                                          <p:spTgt spid="3">
+                                            <p:txEl>
+                                              <p:pRg st="9" end="9"/>
+                                            </p:txEl>
+                                          </p:spTgt>
+                                        </p:tgtEl>
+                                        <p:attrNameLst>
+                                          <p:attrName>style.visibility</p:attrName>
+                                        </p:attrNameLst>
+                                      </p:cBhvr>
+                                      <p:to>
+                                        <p:strVal val="visible"/>
+                                      </p:to>
+                                    </p:set>
+                                    <p:animEffect transition="in" filter="fade">
+                                      <p:cBhvr>
+                                        <p:cTn id="40" dur="500"/>
+                                        <p:tgtEl>
+                                          <p:spTgt spid="3">
+                                            <p:txEl>
+                                              <p:pRg st="9" end="9"/>
+                                            </p:txEl>
+                                          </p:spTgt>
+                                        </p:tgtEl>
+                                      </p:cBhvr>
+                                    </p:animEffect>
+                                  </p:childTnLst>
+                                </p:cTn>
+                              </p:par>
+                            </p:childTnLst>
+                          </p:cTn>
+                        </p:par>
+                      </p:childTnLst>
+                    </p:cTn>
+                  </p:par>
+                </p:childTnLst>
+              </p:cTn>
+              <p:prevCondLst>
+                <p:cond evt="onPrev" delay="0">
+                  <p:tgtEl>
+                    <p:sldTgt/>
+                  </p:tgtEl>
+                </p:cond>
+              </p:prevCondLst>
+              <p:nextCondLst>
+                <p:cond evt="onNext" delay="0">
+                  <p:tgtEl>
+                    <p:sldTgt/>
+                  </p:tgtEl>
+                </p:cond>
+              </p:nextCondLst>
+            </p:seq>
+          </p:childTnLst>
+        </p:cTn>
       </p:par>
     </p:tnLst>
+    <p:bldLst>
+      <p:bldP spid="3" grpId="0" build="p"/>
+    </p:bldLst>
   </p:timing>
 </p:sld>
 </file>
@@ -4557,6 +5732,635 @@
           <a:lstStyle/>
           <a:p>
             <a:r>
+              <a:rPr lang="en-US" dirty="0" smtClean="0"/>
+              <a:t>Node </a:t>
+            </a:r>
+            <a:r>
+              <a:rPr lang="en-US" dirty="0" err="1" smtClean="0"/>
+              <a:t>projekt</a:t>
+            </a:r>
+            <a:endParaRPr lang="en-US" dirty="0"/>
+          </a:p>
+        </p:txBody>
+      </p:sp>
+      <p:sp>
+        <p:nvSpPr>
+          <p:cNvPr id="3" name="Zástupný symbol pro obsah 2"/>
+          <p:cNvSpPr>
+            <a:spLocks noGrp="1"/>
+          </p:cNvSpPr>
+          <p:nvPr>
+            <p:ph idx="1"/>
+          </p:nvPr>
+        </p:nvSpPr>
+        <p:spPr/>
+        <p:txBody>
+          <a:bodyPr>
+            <a:normAutofit/>
+          </a:bodyPr>
+          <a:lstStyle/>
+          <a:p>
+            <a:r>
+              <a:rPr lang="en-US" dirty="0" err="1"/>
+              <a:t>n</a:t>
+            </a:r>
+            <a:r>
+              <a:rPr lang="en-US" dirty="0" err="1" smtClean="0"/>
+              <a:t>pm</a:t>
+            </a:r>
+            <a:r>
+              <a:rPr lang="en-US" dirty="0" smtClean="0"/>
+              <a:t> </a:t>
+            </a:r>
+            <a:r>
+              <a:rPr lang="en-US" dirty="0" err="1" smtClean="0"/>
+              <a:t>init</a:t>
+            </a:r>
+            <a:endParaRPr lang="en-US" dirty="0" smtClean="0"/>
+          </a:p>
+          <a:p>
+            <a:r>
+              <a:rPr lang="en-US" dirty="0" err="1"/>
+              <a:t>n</a:t>
+            </a:r>
+            <a:r>
+              <a:rPr lang="en-US" dirty="0" err="1" smtClean="0"/>
+              <a:t>pm</a:t>
+            </a:r>
+            <a:r>
+              <a:rPr lang="en-US" dirty="0" smtClean="0"/>
+              <a:t> install --save express </a:t>
+            </a:r>
+            <a:r>
+              <a:rPr lang="en-US" dirty="0" smtClean="0"/>
+              <a:t>debug</a:t>
+            </a:r>
+          </a:p>
+          <a:p>
+            <a:endParaRPr lang="en-US" dirty="0"/>
+          </a:p>
+          <a:p>
+            <a:pPr marL="0" indent="0">
+              <a:buNone/>
+            </a:pPr>
+            <a:r>
+              <a:rPr lang="en-US" dirty="0" smtClean="0"/>
+              <a:t>D</a:t>
+            </a:r>
+            <a:r>
+              <a:rPr lang="cs-CZ" dirty="0" err="1" smtClean="0"/>
+              <a:t>ělení</a:t>
+            </a:r>
+            <a:r>
+              <a:rPr lang="cs-CZ" dirty="0" smtClean="0"/>
+              <a:t> na moduly.</a:t>
+            </a:r>
+          </a:p>
+          <a:p>
+            <a:r>
+              <a:rPr lang="en-US" b="1" dirty="0">
+                <a:latin typeface="Courier New" panose="02070309020205020404" pitchFamily="49" charset="0"/>
+                <a:cs typeface="Courier New" panose="02070309020205020404" pitchFamily="49" charset="0"/>
+              </a:rPr>
+              <a:t>n</a:t>
+            </a:r>
+            <a:r>
+              <a:rPr lang="en-US" b="1" dirty="0" smtClean="0">
+                <a:latin typeface="Courier New" panose="02070309020205020404" pitchFamily="49" charset="0"/>
+                <a:cs typeface="Courier New" panose="02070309020205020404" pitchFamily="49" charset="0"/>
+              </a:rPr>
+              <a:t>eco.js:</a:t>
+            </a:r>
+            <a:r>
+              <a:rPr lang="en-US" dirty="0" smtClean="0">
+                <a:latin typeface="Courier New" panose="02070309020205020404" pitchFamily="49" charset="0"/>
+                <a:cs typeface="Courier New" panose="02070309020205020404" pitchFamily="49" charset="0"/>
+              </a:rPr>
+              <a:t>  m</a:t>
+            </a:r>
+            <a:r>
+              <a:rPr lang="cs-CZ" dirty="0" err="1" smtClean="0">
+                <a:latin typeface="Courier New" panose="02070309020205020404" pitchFamily="49" charset="0"/>
+                <a:cs typeface="Courier New" panose="02070309020205020404" pitchFamily="49" charset="0"/>
+              </a:rPr>
+              <a:t>odule.exports</a:t>
+            </a:r>
+            <a:r>
+              <a:rPr lang="en-US" dirty="0" smtClean="0">
+                <a:latin typeface="Courier New" panose="02070309020205020404" pitchFamily="49" charset="0"/>
+                <a:cs typeface="Courier New" panose="02070309020205020404" pitchFamily="49" charset="0"/>
+              </a:rPr>
+              <a:t>={ … }</a:t>
+            </a:r>
+          </a:p>
+          <a:p>
+            <a:r>
+              <a:rPr lang="en-US" b="1" dirty="0" smtClean="0">
+                <a:latin typeface="Courier New" panose="02070309020205020404" pitchFamily="49" charset="0"/>
+                <a:cs typeface="Courier New" panose="02070309020205020404" pitchFamily="49" charset="0"/>
+              </a:rPr>
+              <a:t>main.js: </a:t>
+            </a:r>
+          </a:p>
+          <a:p>
+            <a:pPr marL="0" indent="0">
+              <a:buNone/>
+            </a:pPr>
+            <a:r>
+              <a:rPr lang="en-US" sz="2400" dirty="0" err="1" smtClean="0">
+                <a:latin typeface="Courier New" panose="02070309020205020404" pitchFamily="49" charset="0"/>
+                <a:cs typeface="Courier New" panose="02070309020205020404" pitchFamily="49" charset="0"/>
+              </a:rPr>
+              <a:t>var</a:t>
+            </a:r>
+            <a:r>
+              <a:rPr lang="en-US" sz="2400" dirty="0" smtClean="0">
+                <a:latin typeface="Courier New" panose="02070309020205020404" pitchFamily="49" charset="0"/>
+                <a:cs typeface="Courier New" panose="02070309020205020404" pitchFamily="49" charset="0"/>
+              </a:rPr>
+              <a:t> </a:t>
+            </a:r>
+            <a:r>
+              <a:rPr lang="en-US" sz="2400" dirty="0" err="1" smtClean="0">
+                <a:latin typeface="Courier New" panose="02070309020205020404" pitchFamily="49" charset="0"/>
+                <a:cs typeface="Courier New" panose="02070309020205020404" pitchFamily="49" charset="0"/>
+              </a:rPr>
+              <a:t>neco</a:t>
+            </a:r>
+            <a:r>
+              <a:rPr lang="en-US" sz="2400" dirty="0" smtClean="0">
+                <a:latin typeface="Courier New" panose="02070309020205020404" pitchFamily="49" charset="0"/>
+                <a:cs typeface="Courier New" panose="02070309020205020404" pitchFamily="49" charset="0"/>
+              </a:rPr>
+              <a:t>= require(“./neco.js”)</a:t>
+            </a:r>
+            <a:endParaRPr lang="en-US" sz="2400" dirty="0" smtClean="0">
+              <a:latin typeface="Courier New" panose="02070309020205020404" pitchFamily="49" charset="0"/>
+              <a:cs typeface="Courier New" panose="02070309020205020404" pitchFamily="49" charset="0"/>
+            </a:endParaRPr>
+          </a:p>
+          <a:p>
+            <a:endParaRPr lang="en-US" dirty="0"/>
+          </a:p>
+        </p:txBody>
+      </p:sp>
+    </p:spTree>
+    <p:extLst>
+      <p:ext uri="{BB962C8B-B14F-4D97-AF65-F5344CB8AC3E}">
+        <p14:creationId xmlns:p14="http://schemas.microsoft.com/office/powerpoint/2010/main" val="2222455841"/>
+      </p:ext>
+    </p:extLst>
+  </p:cSld>
+  <p:clrMapOvr>
+    <a:masterClrMapping/>
+  </p:clrMapOvr>
+  <mc:AlternateContent xmlns:mc="http://schemas.openxmlformats.org/markup-compatibility/2006">
+    <mc:Choice xmlns:p14="http://schemas.microsoft.com/office/powerpoint/2010/main" Requires="p14">
+      <p:transition spd="slow" p14:dur="800">
+        <p14:flythrough/>
+      </p:transition>
+    </mc:Choice>
+    <mc:Fallback>
+      <p:transition spd="slow">
+        <p:fade/>
+      </p:transition>
+    </mc:Fallback>
+  </mc:AlternateContent>
+  <p:timing>
+    <p:tnLst>
+      <p:par>
+        <p:cTn id="1" dur="indefinite" restart="never" nodeType="tmRoot">
+          <p:childTnLst>
+            <p:seq concurrent="1" nextAc="seek">
+              <p:cTn id="2" dur="indefinite" nodeType="mainSeq">
+                <p:childTnLst>
+                  <p:par>
+                    <p:cTn id="3" fill="hold">
+                      <p:stCondLst>
+                        <p:cond delay="indefinite"/>
+                      </p:stCondLst>
+                      <p:childTnLst>
+                        <p:par>
+                          <p:cTn id="4" fill="hold">
+                            <p:stCondLst>
+                              <p:cond delay="0"/>
+                            </p:stCondLst>
+                            <p:childTnLst>
+                              <p:par>
+                                <p:cTn id="5" presetID="10" presetClass="entr" presetSubtype="0" fill="hold" grpId="0" nodeType="clickEffect">
+                                  <p:stCondLst>
+                                    <p:cond delay="0"/>
+                                  </p:stCondLst>
+                                  <p:childTnLst>
+                                    <p:set>
+                                      <p:cBhvr>
+                                        <p:cTn id="6" dur="1" fill="hold">
+                                          <p:stCondLst>
+                                            <p:cond delay="0"/>
+                                          </p:stCondLst>
+                                        </p:cTn>
+                                        <p:tgtEl>
+                                          <p:spTgt spid="3">
+                                            <p:txEl>
+                                              <p:pRg st="0" end="0"/>
+                                            </p:txEl>
+                                          </p:spTgt>
+                                        </p:tgtEl>
+                                        <p:attrNameLst>
+                                          <p:attrName>style.visibility</p:attrName>
+                                        </p:attrNameLst>
+                                      </p:cBhvr>
+                                      <p:to>
+                                        <p:strVal val="visible"/>
+                                      </p:to>
+                                    </p:set>
+                                    <p:animEffect transition="in" filter="fade">
+                                      <p:cBhvr>
+                                        <p:cTn id="7" dur="500"/>
+                                        <p:tgtEl>
+                                          <p:spTgt spid="3">
+                                            <p:txEl>
+                                              <p:pRg st="0" end="0"/>
+                                            </p:txEl>
+                                          </p:spTgt>
+                                        </p:tgtEl>
+                                      </p:cBhvr>
+                                    </p:animEffect>
+                                  </p:childTnLst>
+                                </p:cTn>
+                              </p:par>
+                            </p:childTnLst>
+                          </p:cTn>
+                        </p:par>
+                      </p:childTnLst>
+                    </p:cTn>
+                  </p:par>
+                  <p:par>
+                    <p:cTn id="8" fill="hold">
+                      <p:stCondLst>
+                        <p:cond delay="indefinite"/>
+                      </p:stCondLst>
+                      <p:childTnLst>
+                        <p:par>
+                          <p:cTn id="9" fill="hold">
+                            <p:stCondLst>
+                              <p:cond delay="0"/>
+                            </p:stCondLst>
+                            <p:childTnLst>
+                              <p:par>
+                                <p:cTn id="10" presetID="10" presetClass="entr" presetSubtype="0" fill="hold" grpId="0" nodeType="clickEffect">
+                                  <p:stCondLst>
+                                    <p:cond delay="0"/>
+                                  </p:stCondLst>
+                                  <p:childTnLst>
+                                    <p:set>
+                                      <p:cBhvr>
+                                        <p:cTn id="11" dur="1" fill="hold">
+                                          <p:stCondLst>
+                                            <p:cond delay="0"/>
+                                          </p:stCondLst>
+                                        </p:cTn>
+                                        <p:tgtEl>
+                                          <p:spTgt spid="3">
+                                            <p:txEl>
+                                              <p:pRg st="1" end="1"/>
+                                            </p:txEl>
+                                          </p:spTgt>
+                                        </p:tgtEl>
+                                        <p:attrNameLst>
+                                          <p:attrName>style.visibility</p:attrName>
+                                        </p:attrNameLst>
+                                      </p:cBhvr>
+                                      <p:to>
+                                        <p:strVal val="visible"/>
+                                      </p:to>
+                                    </p:set>
+                                    <p:animEffect transition="in" filter="fade">
+                                      <p:cBhvr>
+                                        <p:cTn id="12" dur="500"/>
+                                        <p:tgtEl>
+                                          <p:spTgt spid="3">
+                                            <p:txEl>
+                                              <p:pRg st="1" end="1"/>
+                                            </p:txEl>
+                                          </p:spTgt>
+                                        </p:tgtEl>
+                                      </p:cBhvr>
+                                    </p:animEffect>
+                                  </p:childTnLst>
+                                </p:cTn>
+                              </p:par>
+                            </p:childTnLst>
+                          </p:cTn>
+                        </p:par>
+                      </p:childTnLst>
+                    </p:cTn>
+                  </p:par>
+                  <p:par>
+                    <p:cTn id="13" fill="hold">
+                      <p:stCondLst>
+                        <p:cond delay="indefinite"/>
+                      </p:stCondLst>
+                      <p:childTnLst>
+                        <p:par>
+                          <p:cTn id="14" fill="hold">
+                            <p:stCondLst>
+                              <p:cond delay="0"/>
+                            </p:stCondLst>
+                            <p:childTnLst>
+                              <p:par>
+                                <p:cTn id="15" presetID="10" presetClass="entr" presetSubtype="0" fill="hold" grpId="0" nodeType="clickEffect">
+                                  <p:stCondLst>
+                                    <p:cond delay="0"/>
+                                  </p:stCondLst>
+                                  <p:childTnLst>
+                                    <p:set>
+                                      <p:cBhvr>
+                                        <p:cTn id="16" dur="1" fill="hold">
+                                          <p:stCondLst>
+                                            <p:cond delay="0"/>
+                                          </p:stCondLst>
+                                        </p:cTn>
+                                        <p:tgtEl>
+                                          <p:spTgt spid="3">
+                                            <p:txEl>
+                                              <p:pRg st="3" end="3"/>
+                                            </p:txEl>
+                                          </p:spTgt>
+                                        </p:tgtEl>
+                                        <p:attrNameLst>
+                                          <p:attrName>style.visibility</p:attrName>
+                                        </p:attrNameLst>
+                                      </p:cBhvr>
+                                      <p:to>
+                                        <p:strVal val="visible"/>
+                                      </p:to>
+                                    </p:set>
+                                    <p:animEffect transition="in" filter="fade">
+                                      <p:cBhvr>
+                                        <p:cTn id="17" dur="500"/>
+                                        <p:tgtEl>
+                                          <p:spTgt spid="3">
+                                            <p:txEl>
+                                              <p:pRg st="3" end="3"/>
+                                            </p:txEl>
+                                          </p:spTgt>
+                                        </p:tgtEl>
+                                      </p:cBhvr>
+                                    </p:animEffect>
+                                  </p:childTnLst>
+                                </p:cTn>
+                              </p:par>
+                            </p:childTnLst>
+                          </p:cTn>
+                        </p:par>
+                      </p:childTnLst>
+                    </p:cTn>
+                  </p:par>
+                  <p:par>
+                    <p:cTn id="18" fill="hold">
+                      <p:stCondLst>
+                        <p:cond delay="indefinite"/>
+                      </p:stCondLst>
+                      <p:childTnLst>
+                        <p:par>
+                          <p:cTn id="19" fill="hold">
+                            <p:stCondLst>
+                              <p:cond delay="0"/>
+                            </p:stCondLst>
+                            <p:childTnLst>
+                              <p:par>
+                                <p:cTn id="20" presetID="10" presetClass="entr" presetSubtype="0" fill="hold" grpId="0" nodeType="clickEffect">
+                                  <p:stCondLst>
+                                    <p:cond delay="0"/>
+                                  </p:stCondLst>
+                                  <p:childTnLst>
+                                    <p:set>
+                                      <p:cBhvr>
+                                        <p:cTn id="21" dur="1" fill="hold">
+                                          <p:stCondLst>
+                                            <p:cond delay="0"/>
+                                          </p:stCondLst>
+                                        </p:cTn>
+                                        <p:tgtEl>
+                                          <p:spTgt spid="3">
+                                            <p:txEl>
+                                              <p:pRg st="4" end="4"/>
+                                            </p:txEl>
+                                          </p:spTgt>
+                                        </p:tgtEl>
+                                        <p:attrNameLst>
+                                          <p:attrName>style.visibility</p:attrName>
+                                        </p:attrNameLst>
+                                      </p:cBhvr>
+                                      <p:to>
+                                        <p:strVal val="visible"/>
+                                      </p:to>
+                                    </p:set>
+                                    <p:animEffect transition="in" filter="fade">
+                                      <p:cBhvr>
+                                        <p:cTn id="22" dur="500"/>
+                                        <p:tgtEl>
+                                          <p:spTgt spid="3">
+                                            <p:txEl>
+                                              <p:pRg st="4" end="4"/>
+                                            </p:txEl>
+                                          </p:spTgt>
+                                        </p:tgtEl>
+                                      </p:cBhvr>
+                                    </p:animEffect>
+                                  </p:childTnLst>
+                                </p:cTn>
+                              </p:par>
+                            </p:childTnLst>
+                          </p:cTn>
+                        </p:par>
+                      </p:childTnLst>
+                    </p:cTn>
+                  </p:par>
+                  <p:par>
+                    <p:cTn id="23" fill="hold">
+                      <p:stCondLst>
+                        <p:cond delay="indefinite"/>
+                      </p:stCondLst>
+                      <p:childTnLst>
+                        <p:par>
+                          <p:cTn id="24" fill="hold">
+                            <p:stCondLst>
+                              <p:cond delay="0"/>
+                            </p:stCondLst>
+                            <p:childTnLst>
+                              <p:par>
+                                <p:cTn id="25" presetID="10" presetClass="entr" presetSubtype="0" fill="hold" grpId="0" nodeType="clickEffect">
+                                  <p:stCondLst>
+                                    <p:cond delay="0"/>
+                                  </p:stCondLst>
+                                  <p:childTnLst>
+                                    <p:set>
+                                      <p:cBhvr>
+                                        <p:cTn id="26" dur="1" fill="hold">
+                                          <p:stCondLst>
+                                            <p:cond delay="0"/>
+                                          </p:stCondLst>
+                                        </p:cTn>
+                                        <p:tgtEl>
+                                          <p:spTgt spid="3">
+                                            <p:txEl>
+                                              <p:pRg st="5" end="5"/>
+                                            </p:txEl>
+                                          </p:spTgt>
+                                        </p:tgtEl>
+                                        <p:attrNameLst>
+                                          <p:attrName>style.visibility</p:attrName>
+                                        </p:attrNameLst>
+                                      </p:cBhvr>
+                                      <p:to>
+                                        <p:strVal val="visible"/>
+                                      </p:to>
+                                    </p:set>
+                                    <p:animEffect transition="in" filter="fade">
+                                      <p:cBhvr>
+                                        <p:cTn id="27" dur="500"/>
+                                        <p:tgtEl>
+                                          <p:spTgt spid="3">
+                                            <p:txEl>
+                                              <p:pRg st="5" end="5"/>
+                                            </p:txEl>
+                                          </p:spTgt>
+                                        </p:tgtEl>
+                                      </p:cBhvr>
+                                    </p:animEffect>
+                                  </p:childTnLst>
+                                </p:cTn>
+                              </p:par>
+                            </p:childTnLst>
+                          </p:cTn>
+                        </p:par>
+                      </p:childTnLst>
+                    </p:cTn>
+                  </p:par>
+                  <p:par>
+                    <p:cTn id="28" fill="hold">
+                      <p:stCondLst>
+                        <p:cond delay="indefinite"/>
+                      </p:stCondLst>
+                      <p:childTnLst>
+                        <p:par>
+                          <p:cTn id="29" fill="hold">
+                            <p:stCondLst>
+                              <p:cond delay="0"/>
+                            </p:stCondLst>
+                            <p:childTnLst>
+                              <p:par>
+                                <p:cTn id="30" presetID="10" presetClass="entr" presetSubtype="0" fill="hold" grpId="0" nodeType="clickEffect">
+                                  <p:stCondLst>
+                                    <p:cond delay="0"/>
+                                  </p:stCondLst>
+                                  <p:childTnLst>
+                                    <p:set>
+                                      <p:cBhvr>
+                                        <p:cTn id="31" dur="1" fill="hold">
+                                          <p:stCondLst>
+                                            <p:cond delay="0"/>
+                                          </p:stCondLst>
+                                        </p:cTn>
+                                        <p:tgtEl>
+                                          <p:spTgt spid="3">
+                                            <p:txEl>
+                                              <p:pRg st="6" end="6"/>
+                                            </p:txEl>
+                                          </p:spTgt>
+                                        </p:tgtEl>
+                                        <p:attrNameLst>
+                                          <p:attrName>style.visibility</p:attrName>
+                                        </p:attrNameLst>
+                                      </p:cBhvr>
+                                      <p:to>
+                                        <p:strVal val="visible"/>
+                                      </p:to>
+                                    </p:set>
+                                    <p:animEffect transition="in" filter="fade">
+                                      <p:cBhvr>
+                                        <p:cTn id="32" dur="500"/>
+                                        <p:tgtEl>
+                                          <p:spTgt spid="3">
+                                            <p:txEl>
+                                              <p:pRg st="6" end="6"/>
+                                            </p:txEl>
+                                          </p:spTgt>
+                                        </p:tgtEl>
+                                      </p:cBhvr>
+                                    </p:animEffect>
+                                  </p:childTnLst>
+                                </p:cTn>
+                              </p:par>
+                            </p:childTnLst>
+                          </p:cTn>
+                        </p:par>
+                      </p:childTnLst>
+                    </p:cTn>
+                  </p:par>
+                </p:childTnLst>
+              </p:cTn>
+              <p:prevCondLst>
+                <p:cond evt="onPrev" delay="0">
+                  <p:tgtEl>
+                    <p:sldTgt/>
+                  </p:tgtEl>
+                </p:cond>
+              </p:prevCondLst>
+              <p:nextCondLst>
+                <p:cond evt="onNext" delay="0">
+                  <p:tgtEl>
+                    <p:sldTgt/>
+                  </p:tgtEl>
+                </p:cond>
+              </p:nextCondLst>
+            </p:seq>
+          </p:childTnLst>
+        </p:cTn>
+      </p:par>
+    </p:tnLst>
+    <p:bldLst>
+      <p:bldP spid="3" grpId="0" build="p"/>
+    </p:bldLst>
+  </p:timing>
+</p:sld>
+</file>
+
+<file path=ppt/slides/slide15.xml><?xml version="1.0" encoding="utf-8"?>
+<p:sld xmlns:a="http://schemas.openxmlformats.org/drawingml/2006/main" xmlns:r="http://schemas.openxmlformats.org/officeDocument/2006/relationships" xmlns:p="http://schemas.openxmlformats.org/presentationml/2006/main">
+  <p:cSld>
+    <p:spTree>
+      <p:nvGrpSpPr>
+        <p:cNvPr id="1" name=""/>
+        <p:cNvGrpSpPr/>
+        <p:nvPr/>
+      </p:nvGrpSpPr>
+      <p:grpSpPr>
+        <a:xfrm>
+          <a:off x="0" y="0"/>
+          <a:ext cx="0" cy="0"/>
+          <a:chOff x="0" y="0"/>
+          <a:chExt cx="0" cy="0"/>
+        </a:xfrm>
+      </p:grpSpPr>
+      <p:sp>
+        <p:nvSpPr>
+          <p:cNvPr id="2" name="Nadpis 1"/>
+          <p:cNvSpPr>
+            <a:spLocks noGrp="1"/>
+          </p:cNvSpPr>
+          <p:nvPr>
+            <p:ph type="title"/>
+          </p:nvPr>
+        </p:nvSpPr>
+        <p:spPr/>
+        <p:txBody>
+          <a:bodyPr/>
+          <a:lstStyle/>
+          <a:p>
+            <a:r>
               <a:rPr lang="en-US" dirty="0" err="1" smtClean="0"/>
               <a:t>Dejme</a:t>
             </a:r>
@@ -4601,6 +6405,18 @@
   <p:clrMapOvr>
     <a:masterClrMapping/>
   </p:clrMapOvr>
+  <mc:AlternateContent xmlns:mc="http://schemas.openxmlformats.org/markup-compatibility/2006">
+    <mc:Choice xmlns:p14="http://schemas.microsoft.com/office/powerpoint/2010/main" Requires="p14">
+      <p:transition spd="slow" p14:dur="800">
+        <p14:flythrough/>
+      </p:transition>
+    </mc:Choice>
+    <mc:Fallback>
+      <p:transition spd="slow">
+        <p:fade/>
+      </p:transition>
+    </mc:Fallback>
+  </mc:AlternateContent>
   <p:timing>
     <p:tnLst>
       <p:par>
@@ -4611,7 +6427,7 @@
 </p:sld>
 </file>
 
-<file path=ppt/slides/slide15.xml><?xml version="1.0" encoding="utf-8"?>
+<file path=ppt/slides/slide16.xml><?xml version="1.0" encoding="utf-8"?>
 <p:sld xmlns:a="http://schemas.openxmlformats.org/drawingml/2006/main" xmlns:r="http://schemas.openxmlformats.org/officeDocument/2006/relationships" xmlns:p="http://schemas.openxmlformats.org/presentationml/2006/main">
   <p:cSld>
     <p:spTree>
@@ -4855,99 +6671,398 @@
   <p:clrMapOvr>
     <a:masterClrMapping/>
   </p:clrMapOvr>
+  <mc:AlternateContent xmlns:mc="http://schemas.openxmlformats.org/markup-compatibility/2006">
+    <mc:Choice xmlns:p14="http://schemas.microsoft.com/office/powerpoint/2010/main" Requires="p14">
+      <p:transition spd="slow" p14:dur="800">
+        <p14:flythrough/>
+      </p:transition>
+    </mc:Choice>
+    <mc:Fallback>
+      <p:transition spd="slow">
+        <p:fade/>
+      </p:transition>
+    </mc:Fallback>
+  </mc:AlternateContent>
   <p:timing>
     <p:tnLst>
       <p:par>
-        <p:cTn id="1" dur="indefinite" restart="never" nodeType="tmRoot"/>
+        <p:cTn id="1" dur="indefinite" restart="never" nodeType="tmRoot">
+          <p:childTnLst>
+            <p:seq concurrent="1" nextAc="seek">
+              <p:cTn id="2" dur="indefinite" nodeType="mainSeq">
+                <p:childTnLst>
+                  <p:par>
+                    <p:cTn id="3" fill="hold">
+                      <p:stCondLst>
+                        <p:cond delay="indefinite"/>
+                      </p:stCondLst>
+                      <p:childTnLst>
+                        <p:par>
+                          <p:cTn id="4" fill="hold">
+                            <p:stCondLst>
+                              <p:cond delay="0"/>
+                            </p:stCondLst>
+                            <p:childTnLst>
+                              <p:par>
+                                <p:cTn id="5" presetID="31" presetClass="entr" presetSubtype="0" fill="hold" nodeType="clickEffect">
+                                  <p:stCondLst>
+                                    <p:cond delay="0"/>
+                                  </p:stCondLst>
+                                  <p:childTnLst>
+                                    <p:set>
+                                      <p:cBhvr>
+                                        <p:cTn id="6" dur="1" fill="hold">
+                                          <p:stCondLst>
+                                            <p:cond delay="0"/>
+                                          </p:stCondLst>
+                                        </p:cTn>
+                                        <p:tgtEl>
+                                          <p:spTgt spid="1026"/>
+                                        </p:tgtEl>
+                                        <p:attrNameLst>
+                                          <p:attrName>style.visibility</p:attrName>
+                                        </p:attrNameLst>
+                                      </p:cBhvr>
+                                      <p:to>
+                                        <p:strVal val="visible"/>
+                                      </p:to>
+                                    </p:set>
+                                    <p:anim calcmode="lin" valueType="num">
+                                      <p:cBhvr>
+                                        <p:cTn id="7" dur="1000" fill="hold"/>
+                                        <p:tgtEl>
+                                          <p:spTgt spid="1026"/>
+                                        </p:tgtEl>
+                                        <p:attrNameLst>
+                                          <p:attrName>ppt_w</p:attrName>
+                                        </p:attrNameLst>
+                                      </p:cBhvr>
+                                      <p:tavLst>
+                                        <p:tav tm="0">
+                                          <p:val>
+                                            <p:fltVal val="0"/>
+                                          </p:val>
+                                        </p:tav>
+                                        <p:tav tm="100000">
+                                          <p:val>
+                                            <p:strVal val="#ppt_w"/>
+                                          </p:val>
+                                        </p:tav>
+                                      </p:tavLst>
+                                    </p:anim>
+                                    <p:anim calcmode="lin" valueType="num">
+                                      <p:cBhvr>
+                                        <p:cTn id="8" dur="1000" fill="hold"/>
+                                        <p:tgtEl>
+                                          <p:spTgt spid="1026"/>
+                                        </p:tgtEl>
+                                        <p:attrNameLst>
+                                          <p:attrName>ppt_h</p:attrName>
+                                        </p:attrNameLst>
+                                      </p:cBhvr>
+                                      <p:tavLst>
+                                        <p:tav tm="0">
+                                          <p:val>
+                                            <p:fltVal val="0"/>
+                                          </p:val>
+                                        </p:tav>
+                                        <p:tav tm="100000">
+                                          <p:val>
+                                            <p:strVal val="#ppt_h"/>
+                                          </p:val>
+                                        </p:tav>
+                                      </p:tavLst>
+                                    </p:anim>
+                                    <p:anim calcmode="lin" valueType="num">
+                                      <p:cBhvr>
+                                        <p:cTn id="9" dur="1000" fill="hold"/>
+                                        <p:tgtEl>
+                                          <p:spTgt spid="1026"/>
+                                        </p:tgtEl>
+                                        <p:attrNameLst>
+                                          <p:attrName>style.rotation</p:attrName>
+                                        </p:attrNameLst>
+                                      </p:cBhvr>
+                                      <p:tavLst>
+                                        <p:tav tm="0">
+                                          <p:val>
+                                            <p:fltVal val="90"/>
+                                          </p:val>
+                                        </p:tav>
+                                        <p:tav tm="100000">
+                                          <p:val>
+                                            <p:fltVal val="0"/>
+                                          </p:val>
+                                        </p:tav>
+                                      </p:tavLst>
+                                    </p:anim>
+                                    <p:animEffect transition="in" filter="fade">
+                                      <p:cBhvr>
+                                        <p:cTn id="10" dur="1000"/>
+                                        <p:tgtEl>
+                                          <p:spTgt spid="1026"/>
+                                        </p:tgtEl>
+                                      </p:cBhvr>
+                                    </p:animEffect>
+                                  </p:childTnLst>
+                                </p:cTn>
+                              </p:par>
+                            </p:childTnLst>
+                          </p:cTn>
+                        </p:par>
+                      </p:childTnLst>
+                    </p:cTn>
+                  </p:par>
+                  <p:par>
+                    <p:cTn id="11" fill="hold">
+                      <p:stCondLst>
+                        <p:cond delay="indefinite"/>
+                      </p:stCondLst>
+                      <p:childTnLst>
+                        <p:par>
+                          <p:cTn id="12" fill="hold">
+                            <p:stCondLst>
+                              <p:cond delay="0"/>
+                            </p:stCondLst>
+                            <p:childTnLst>
+                              <p:par>
+                                <p:cTn id="13" presetID="10" presetClass="entr" presetSubtype="0" fill="hold" grpId="0" nodeType="clickEffect">
+                                  <p:stCondLst>
+                                    <p:cond delay="0"/>
+                                  </p:stCondLst>
+                                  <p:childTnLst>
+                                    <p:set>
+                                      <p:cBhvr>
+                                        <p:cTn id="14" dur="1" fill="hold">
+                                          <p:stCondLst>
+                                            <p:cond delay="0"/>
+                                          </p:stCondLst>
+                                        </p:cTn>
+                                        <p:tgtEl>
+                                          <p:spTgt spid="3">
+                                            <p:txEl>
+                                              <p:pRg st="0" end="0"/>
+                                            </p:txEl>
+                                          </p:spTgt>
+                                        </p:tgtEl>
+                                        <p:attrNameLst>
+                                          <p:attrName>style.visibility</p:attrName>
+                                        </p:attrNameLst>
+                                      </p:cBhvr>
+                                      <p:to>
+                                        <p:strVal val="visible"/>
+                                      </p:to>
+                                    </p:set>
+                                    <p:animEffect transition="in" filter="fade">
+                                      <p:cBhvr>
+                                        <p:cTn id="15" dur="500"/>
+                                        <p:tgtEl>
+                                          <p:spTgt spid="3">
+                                            <p:txEl>
+                                              <p:pRg st="0" end="0"/>
+                                            </p:txEl>
+                                          </p:spTgt>
+                                        </p:tgtEl>
+                                      </p:cBhvr>
+                                    </p:animEffect>
+                                  </p:childTnLst>
+                                </p:cTn>
+                              </p:par>
+                            </p:childTnLst>
+                          </p:cTn>
+                        </p:par>
+                      </p:childTnLst>
+                    </p:cTn>
+                  </p:par>
+                  <p:par>
+                    <p:cTn id="16" fill="hold">
+                      <p:stCondLst>
+                        <p:cond delay="indefinite"/>
+                      </p:stCondLst>
+                      <p:childTnLst>
+                        <p:par>
+                          <p:cTn id="17" fill="hold">
+                            <p:stCondLst>
+                              <p:cond delay="0"/>
+                            </p:stCondLst>
+                            <p:childTnLst>
+                              <p:par>
+                                <p:cTn id="18" presetID="10" presetClass="entr" presetSubtype="0" fill="hold" grpId="0" nodeType="clickEffect">
+                                  <p:stCondLst>
+                                    <p:cond delay="0"/>
+                                  </p:stCondLst>
+                                  <p:childTnLst>
+                                    <p:set>
+                                      <p:cBhvr>
+                                        <p:cTn id="19" dur="1" fill="hold">
+                                          <p:stCondLst>
+                                            <p:cond delay="0"/>
+                                          </p:stCondLst>
+                                        </p:cTn>
+                                        <p:tgtEl>
+                                          <p:spTgt spid="3">
+                                            <p:txEl>
+                                              <p:pRg st="2" end="2"/>
+                                            </p:txEl>
+                                          </p:spTgt>
+                                        </p:tgtEl>
+                                        <p:attrNameLst>
+                                          <p:attrName>style.visibility</p:attrName>
+                                        </p:attrNameLst>
+                                      </p:cBhvr>
+                                      <p:to>
+                                        <p:strVal val="visible"/>
+                                      </p:to>
+                                    </p:set>
+                                    <p:animEffect transition="in" filter="fade">
+                                      <p:cBhvr>
+                                        <p:cTn id="20" dur="500"/>
+                                        <p:tgtEl>
+                                          <p:spTgt spid="3">
+                                            <p:txEl>
+                                              <p:pRg st="2" end="2"/>
+                                            </p:txEl>
+                                          </p:spTgt>
+                                        </p:tgtEl>
+                                      </p:cBhvr>
+                                    </p:animEffect>
+                                  </p:childTnLst>
+                                </p:cTn>
+                              </p:par>
+                            </p:childTnLst>
+                          </p:cTn>
+                        </p:par>
+                      </p:childTnLst>
+                    </p:cTn>
+                  </p:par>
+                  <p:par>
+                    <p:cTn id="21" fill="hold">
+                      <p:stCondLst>
+                        <p:cond delay="indefinite"/>
+                      </p:stCondLst>
+                      <p:childTnLst>
+                        <p:par>
+                          <p:cTn id="22" fill="hold">
+                            <p:stCondLst>
+                              <p:cond delay="0"/>
+                            </p:stCondLst>
+                            <p:childTnLst>
+                              <p:par>
+                                <p:cTn id="23" presetID="10" presetClass="entr" presetSubtype="0" fill="hold" grpId="0" nodeType="clickEffect">
+                                  <p:stCondLst>
+                                    <p:cond delay="0"/>
+                                  </p:stCondLst>
+                                  <p:childTnLst>
+                                    <p:set>
+                                      <p:cBhvr>
+                                        <p:cTn id="24" dur="1" fill="hold">
+                                          <p:stCondLst>
+                                            <p:cond delay="0"/>
+                                          </p:stCondLst>
+                                        </p:cTn>
+                                        <p:tgtEl>
+                                          <p:spTgt spid="3">
+                                            <p:txEl>
+                                              <p:pRg st="4" end="4"/>
+                                            </p:txEl>
+                                          </p:spTgt>
+                                        </p:tgtEl>
+                                        <p:attrNameLst>
+                                          <p:attrName>style.visibility</p:attrName>
+                                        </p:attrNameLst>
+                                      </p:cBhvr>
+                                      <p:to>
+                                        <p:strVal val="visible"/>
+                                      </p:to>
+                                    </p:set>
+                                    <p:animEffect transition="in" filter="fade">
+                                      <p:cBhvr>
+                                        <p:cTn id="25" dur="500"/>
+                                        <p:tgtEl>
+                                          <p:spTgt spid="3">
+                                            <p:txEl>
+                                              <p:pRg st="4" end="4"/>
+                                            </p:txEl>
+                                          </p:spTgt>
+                                        </p:tgtEl>
+                                      </p:cBhvr>
+                                    </p:animEffect>
+                                  </p:childTnLst>
+                                </p:cTn>
+                              </p:par>
+                              <p:par>
+                                <p:cTn id="26" presetID="10" presetClass="entr" presetSubtype="0" fill="hold" grpId="0" nodeType="withEffect">
+                                  <p:stCondLst>
+                                    <p:cond delay="0"/>
+                                  </p:stCondLst>
+                                  <p:childTnLst>
+                                    <p:set>
+                                      <p:cBhvr>
+                                        <p:cTn id="27" dur="1" fill="hold">
+                                          <p:stCondLst>
+                                            <p:cond delay="0"/>
+                                          </p:stCondLst>
+                                        </p:cTn>
+                                        <p:tgtEl>
+                                          <p:spTgt spid="3">
+                                            <p:txEl>
+                                              <p:pRg st="5" end="5"/>
+                                            </p:txEl>
+                                          </p:spTgt>
+                                        </p:tgtEl>
+                                        <p:attrNameLst>
+                                          <p:attrName>style.visibility</p:attrName>
+                                        </p:attrNameLst>
+                                      </p:cBhvr>
+                                      <p:to>
+                                        <p:strVal val="visible"/>
+                                      </p:to>
+                                    </p:set>
+                                    <p:animEffect transition="in" filter="fade">
+                                      <p:cBhvr>
+                                        <p:cTn id="28" dur="500"/>
+                                        <p:tgtEl>
+                                          <p:spTgt spid="3">
+                                            <p:txEl>
+                                              <p:pRg st="5" end="5"/>
+                                            </p:txEl>
+                                          </p:spTgt>
+                                        </p:tgtEl>
+                                      </p:cBhvr>
+                                    </p:animEffect>
+                                  </p:childTnLst>
+                                </p:cTn>
+                              </p:par>
+                            </p:childTnLst>
+                          </p:cTn>
+                        </p:par>
+                      </p:childTnLst>
+                    </p:cTn>
+                  </p:par>
+                </p:childTnLst>
+              </p:cTn>
+              <p:prevCondLst>
+                <p:cond evt="onPrev" delay="0">
+                  <p:tgtEl>
+                    <p:sldTgt/>
+                  </p:tgtEl>
+                </p:cond>
+              </p:prevCondLst>
+              <p:nextCondLst>
+                <p:cond evt="onNext" delay="0">
+                  <p:tgtEl>
+                    <p:sldTgt/>
+                  </p:tgtEl>
+                </p:cond>
+              </p:nextCondLst>
+            </p:seq>
+          </p:childTnLst>
+        </p:cTn>
       </p:par>
     </p:tnLst>
-  </p:timing>
-</p:sld>
-</file>
-
-<file path=ppt/slides/slide16.xml><?xml version="1.0" encoding="utf-8"?>
-<p:sld xmlns:a="http://schemas.openxmlformats.org/drawingml/2006/main" xmlns:r="http://schemas.openxmlformats.org/officeDocument/2006/relationships" xmlns:p="http://schemas.openxmlformats.org/presentationml/2006/main">
-  <p:cSld>
-    <p:spTree>
-      <p:nvGrpSpPr>
-        <p:cNvPr id="1" name=""/>
-        <p:cNvGrpSpPr/>
-        <p:nvPr/>
-      </p:nvGrpSpPr>
-      <p:grpSpPr>
-        <a:xfrm>
-          <a:off x="0" y="0"/>
-          <a:ext cx="0" cy="0"/>
-          <a:chOff x="0" y="0"/>
-          <a:chExt cx="0" cy="0"/>
-        </a:xfrm>
-      </p:grpSpPr>
-      <p:sp>
-        <p:nvSpPr>
-          <p:cNvPr id="2" name="Nadpis 1"/>
-          <p:cNvSpPr>
-            <a:spLocks noGrp="1"/>
-          </p:cNvSpPr>
-          <p:nvPr>
-            <p:ph type="title"/>
-          </p:nvPr>
-        </p:nvSpPr>
-        <p:spPr/>
-        <p:txBody>
-          <a:bodyPr/>
-          <a:lstStyle/>
-          <a:p>
-            <a:r>
-              <a:rPr lang="en-US" dirty="0" smtClean="0"/>
-              <a:t>U</a:t>
-            </a:r>
-            <a:r>
-              <a:rPr lang="cs-CZ" dirty="0" err="1" smtClean="0"/>
-              <a:t>žitečné</a:t>
-            </a:r>
-            <a:r>
-              <a:rPr lang="cs-CZ" dirty="0" smtClean="0"/>
-              <a:t> knihovny</a:t>
-            </a:r>
-            <a:endParaRPr lang="en-US" dirty="0"/>
-          </a:p>
-        </p:txBody>
-      </p:sp>
-      <p:sp>
-        <p:nvSpPr>
-          <p:cNvPr id="3" name="Zástupný symbol pro text 2"/>
-          <p:cNvSpPr>
-            <a:spLocks noGrp="1"/>
-          </p:cNvSpPr>
-          <p:nvPr>
-            <p:ph type="body" idx="1"/>
-          </p:nvPr>
-        </p:nvSpPr>
-        <p:spPr/>
-        <p:txBody>
-          <a:bodyPr/>
-          <a:lstStyle/>
-          <a:p>
-            <a:endParaRPr lang="en-US"/>
-          </a:p>
-        </p:txBody>
-      </p:sp>
-    </p:spTree>
-    <p:extLst>
-      <p:ext uri="{BB962C8B-B14F-4D97-AF65-F5344CB8AC3E}">
-        <p14:creationId xmlns:p14="http://schemas.microsoft.com/office/powerpoint/2010/main" val="4208206452"/>
-      </p:ext>
-    </p:extLst>
-  </p:cSld>
-  <p:clrMapOvr>
-    <a:masterClrMapping/>
-  </p:clrMapOvr>
-  <p:timing>
-    <p:tnLst>
-      <p:par>
-        <p:cTn id="1" dur="indefinite" restart="never" nodeType="tmRoot"/>
-      </p:par>
-    </p:tnLst>
+    <p:bldLst>
+      <p:bldP spid="3" grpId="0" build="p"/>
+    </p:bldLst>
   </p:timing>
 </p:sld>
 </file>
@@ -4985,16 +7100,8 @@
           <a:lstStyle/>
           <a:p>
             <a:r>
-              <a:rPr lang="en-US" dirty="0" smtClean="0"/>
-              <a:t>Utilities co se </a:t>
-            </a:r>
-            <a:r>
-              <a:rPr lang="en-US" dirty="0" err="1" smtClean="0"/>
-              <a:t>hod</a:t>
-            </a:r>
-            <a:r>
               <a:rPr lang="cs-CZ" dirty="0" smtClean="0"/>
-              <a:t>í všude</a:t>
+              <a:t>Příprava</a:t>
             </a:r>
             <a:endParaRPr lang="en-US" dirty="0"/>
           </a:p>
@@ -5012,188 +7119,208 @@
         </p:nvSpPr>
         <p:spPr/>
         <p:txBody>
-          <a:bodyPr>
-            <a:normAutofit lnSpcReduction="10000"/>
-          </a:bodyPr>
+          <a:bodyPr/>
           <a:lstStyle/>
-          <a:p>
-            <a:r>
-              <a:rPr lang="en-US" dirty="0" err="1" smtClean="0"/>
-              <a:t>monent</a:t>
-            </a:r>
-            <a:r>
-              <a:rPr lang="cs-CZ" dirty="0" smtClean="0"/>
-              <a:t> – manipulace s </a:t>
-            </a:r>
-            <a:r>
-              <a:rPr lang="cs-CZ" dirty="0" err="1" smtClean="0"/>
-              <a:t>datumem</a:t>
-            </a:r>
-            <a:r>
-              <a:rPr lang="cs-CZ" dirty="0" smtClean="0"/>
-              <a:t> a </a:t>
-            </a:r>
-            <a:r>
-              <a:rPr lang="cs-CZ" dirty="0" smtClean="0"/>
-              <a:t>časem</a:t>
-            </a:r>
-            <a:endParaRPr lang="en-US" dirty="0" smtClean="0"/>
-          </a:p>
-          <a:p>
-            <a:r>
-              <a:rPr lang="en-US" dirty="0" err="1"/>
-              <a:t>a</a:t>
-            </a:r>
-            <a:r>
-              <a:rPr lang="en-US" dirty="0" err="1" smtClean="0"/>
-              <a:t>xios</a:t>
-            </a:r>
-            <a:r>
-              <a:rPr lang="en-US" dirty="0" smtClean="0"/>
-              <a:t> – promise based HTTP client</a:t>
-            </a:r>
-            <a:endParaRPr lang="en-US" dirty="0" smtClean="0"/>
-          </a:p>
-          <a:p>
-            <a:r>
-              <a:rPr lang="cs-CZ" dirty="0"/>
-              <a:t>d</a:t>
-            </a:r>
-            <a:r>
-              <a:rPr lang="en-US" dirty="0" err="1" smtClean="0"/>
-              <a:t>ebug</a:t>
-            </a:r>
-            <a:r>
-              <a:rPr lang="cs-CZ" dirty="0"/>
-              <a:t> </a:t>
-            </a:r>
-            <a:r>
-              <a:rPr lang="cs-CZ" dirty="0" smtClean="0"/>
-              <a:t> - super výpisy pomocí </a:t>
-            </a:r>
-            <a:r>
-              <a:rPr lang="cs-CZ" dirty="0" err="1" smtClean="0"/>
-              <a:t>env</a:t>
-            </a:r>
-            <a:r>
-              <a:rPr lang="cs-CZ" dirty="0" smtClean="0"/>
-              <a:t> DEBUG</a:t>
-            </a:r>
-            <a:endParaRPr lang="en-US" dirty="0" smtClean="0"/>
-          </a:p>
-          <a:p>
-            <a:r>
-              <a:rPr lang="cs-CZ" dirty="0"/>
-              <a:t>p</a:t>
-            </a:r>
-            <a:r>
-              <a:rPr lang="en-US" dirty="0" err="1" smtClean="0"/>
-              <a:t>ath</a:t>
-            </a:r>
-            <a:r>
-              <a:rPr lang="cs-CZ" dirty="0" smtClean="0"/>
-              <a:t> – řešení problému s </a:t>
-            </a:r>
-            <a:r>
-              <a:rPr lang="en-US" dirty="0" smtClean="0"/>
-              <a:t>__</a:t>
-            </a:r>
-            <a:r>
-              <a:rPr lang="en-US" dirty="0" err="1" smtClean="0"/>
-              <a:t>dirname</a:t>
-            </a:r>
-            <a:endParaRPr lang="en-US" dirty="0" smtClean="0"/>
-          </a:p>
-          <a:p>
-            <a:r>
-              <a:rPr lang="en-US" dirty="0"/>
-              <a:t>b</a:t>
-            </a:r>
-            <a:r>
-              <a:rPr lang="en-US" dirty="0" smtClean="0"/>
-              <a:t>luebird – </a:t>
-            </a:r>
-            <a:r>
-              <a:rPr lang="en-US" dirty="0" err="1" smtClean="0"/>
-              <a:t>automatick</a:t>
-            </a:r>
-            <a:r>
-              <a:rPr lang="cs-CZ" dirty="0" smtClean="0"/>
-              <a:t>é zapouzdření </a:t>
-            </a:r>
-            <a:r>
-              <a:rPr lang="cs-CZ" dirty="0" smtClean="0"/>
-              <a:t>čehokoli</a:t>
-            </a:r>
-            <a:r>
-              <a:rPr lang="en-US" dirty="0" smtClean="0"/>
-              <a:t>v</a:t>
-            </a:r>
-            <a:r>
-              <a:rPr lang="cs-CZ" dirty="0" smtClean="0"/>
-              <a:t> </a:t>
-            </a:r>
-            <a:r>
-              <a:rPr lang="cs-CZ" dirty="0" smtClean="0"/>
-              <a:t>do </a:t>
-            </a:r>
-            <a:r>
-              <a:rPr lang="cs-CZ" dirty="0" err="1" smtClean="0"/>
-              <a:t>promises</a:t>
-            </a:r>
-            <a:endParaRPr lang="cs-CZ" dirty="0" smtClean="0"/>
-          </a:p>
-          <a:p>
-            <a:r>
-              <a:rPr lang="cs-CZ" dirty="0"/>
-              <a:t>e</a:t>
-            </a:r>
-            <a:r>
-              <a:rPr lang="cs-CZ" dirty="0" smtClean="0"/>
-              <a:t>xpress – pro http servery a API</a:t>
-            </a:r>
-          </a:p>
-          <a:p>
-            <a:r>
-              <a:rPr lang="en-US" dirty="0" err="1"/>
-              <a:t>s</a:t>
-            </a:r>
-            <a:r>
-              <a:rPr lang="en-US" dirty="0" err="1" smtClean="0"/>
-              <a:t>equelize</a:t>
-            </a:r>
-            <a:r>
-              <a:rPr lang="en-US" dirty="0" smtClean="0"/>
-              <a:t> – pro </a:t>
-            </a:r>
-            <a:r>
-              <a:rPr lang="en-US" dirty="0" err="1" smtClean="0"/>
-              <a:t>datab</a:t>
-            </a:r>
-            <a:r>
-              <a:rPr lang="cs-CZ" dirty="0" err="1" smtClean="0"/>
-              <a:t>áze</a:t>
-            </a:r>
-            <a:endParaRPr lang="cs-CZ" dirty="0"/>
-          </a:p>
           <a:p>
             <a:pPr marL="0" indent="0">
               <a:buNone/>
             </a:pPr>
-            <a:endParaRPr lang="en-US" dirty="0" smtClean="0"/>
-          </a:p>
-          <a:p>
-            <a:endParaRPr lang="en-US" dirty="0" smtClean="0"/>
-          </a:p>
-          <a:p>
-            <a:endParaRPr lang="en-US" dirty="0"/>
+            <a:r>
+              <a:rPr lang="en-US" dirty="0" smtClean="0"/>
+              <a:t>Nov</a:t>
+            </a:r>
+            <a:r>
+              <a:rPr lang="cs-CZ" dirty="0" smtClean="0"/>
+              <a:t>ý adresář</a:t>
+            </a:r>
+          </a:p>
+          <a:p>
+            <a:r>
+              <a:rPr lang="en-US" dirty="0" smtClean="0"/>
+              <a:t>&gt; </a:t>
+            </a:r>
+            <a:r>
+              <a:rPr lang="cs-CZ" dirty="0" err="1" smtClean="0">
+                <a:latin typeface="Courier New" panose="02070309020205020404" pitchFamily="49" charset="0"/>
+                <a:cs typeface="Courier New" panose="02070309020205020404" pitchFamily="49" charset="0"/>
+              </a:rPr>
+              <a:t>npm</a:t>
+            </a:r>
+            <a:r>
+              <a:rPr lang="cs-CZ" dirty="0" smtClean="0">
+                <a:latin typeface="Courier New" panose="02070309020205020404" pitchFamily="49" charset="0"/>
+                <a:cs typeface="Courier New" panose="02070309020205020404" pitchFamily="49" charset="0"/>
+              </a:rPr>
+              <a:t> </a:t>
+            </a:r>
+            <a:r>
+              <a:rPr lang="cs-CZ" dirty="0" err="1" smtClean="0">
+                <a:latin typeface="Courier New" panose="02070309020205020404" pitchFamily="49" charset="0"/>
+                <a:cs typeface="Courier New" panose="02070309020205020404" pitchFamily="49" charset="0"/>
+              </a:rPr>
+              <a:t>init</a:t>
+            </a:r>
+            <a:endParaRPr lang="cs-CZ" dirty="0" smtClean="0">
+              <a:latin typeface="Courier New" panose="02070309020205020404" pitchFamily="49" charset="0"/>
+              <a:cs typeface="Courier New" panose="02070309020205020404" pitchFamily="49" charset="0"/>
+            </a:endParaRPr>
+          </a:p>
+          <a:p>
+            <a:r>
+              <a:rPr lang="en-US" dirty="0" smtClean="0">
+                <a:latin typeface="Courier New" panose="02070309020205020404" pitchFamily="49" charset="0"/>
+                <a:cs typeface="Courier New" panose="02070309020205020404" pitchFamily="49" charset="0"/>
+              </a:rPr>
+              <a:t>&gt;</a:t>
+            </a:r>
+            <a:r>
+              <a:rPr lang="en-US" dirty="0" err="1" smtClean="0">
+                <a:latin typeface="Courier New" panose="02070309020205020404" pitchFamily="49" charset="0"/>
+                <a:cs typeface="Courier New" panose="02070309020205020404" pitchFamily="49" charset="0"/>
+              </a:rPr>
+              <a:t>npm</a:t>
+            </a:r>
+            <a:r>
+              <a:rPr lang="en-US" dirty="0" smtClean="0">
+                <a:latin typeface="Courier New" panose="02070309020205020404" pitchFamily="49" charset="0"/>
+                <a:cs typeface="Courier New" panose="02070309020205020404" pitchFamily="49" charset="0"/>
+              </a:rPr>
+              <a:t> install express debug </a:t>
+            </a:r>
+            <a:r>
+              <a:rPr lang="en-US" dirty="0" err="1" smtClean="0">
+                <a:latin typeface="Courier New" panose="02070309020205020404" pitchFamily="49" charset="0"/>
+                <a:cs typeface="Courier New" panose="02070309020205020404" pitchFamily="49" charset="0"/>
+              </a:rPr>
+              <a:t>axios</a:t>
+            </a:r>
+            <a:r>
+              <a:rPr lang="en-US" dirty="0" smtClean="0">
+                <a:latin typeface="Courier New" panose="02070309020205020404" pitchFamily="49" charset="0"/>
+                <a:cs typeface="Courier New" panose="02070309020205020404" pitchFamily="49" charset="0"/>
+              </a:rPr>
+              <a:t> </a:t>
+            </a:r>
+          </a:p>
+          <a:p>
+            <a:r>
+              <a:rPr lang="en-US" dirty="0" err="1" smtClean="0">
+                <a:cs typeface="Courier New" panose="02070309020205020404" pitchFamily="49" charset="0"/>
+              </a:rPr>
+              <a:t>Soubory</a:t>
+            </a:r>
+            <a:r>
+              <a:rPr lang="en-US" dirty="0">
+                <a:cs typeface="Courier New" panose="02070309020205020404" pitchFamily="49" charset="0"/>
+              </a:rPr>
+              <a:t>:</a:t>
+            </a:r>
+            <a:endParaRPr lang="cs-CZ" dirty="0" smtClean="0">
+              <a:cs typeface="Courier New" panose="02070309020205020404" pitchFamily="49" charset="0"/>
+            </a:endParaRPr>
+          </a:p>
+          <a:p>
+            <a:pPr lvl="1"/>
+            <a:r>
+              <a:rPr lang="en-US" dirty="0" smtClean="0">
+                <a:latin typeface="Courier New" panose="02070309020205020404" pitchFamily="49" charset="0"/>
+                <a:cs typeface="Courier New" panose="02070309020205020404" pitchFamily="49" charset="0"/>
+              </a:rPr>
+              <a:t>config.js </a:t>
+            </a:r>
+            <a:r>
+              <a:rPr lang="en-US" dirty="0" smtClean="0">
+                <a:cs typeface="Courier New" panose="02070309020205020404" pitchFamily="49" charset="0"/>
+              </a:rPr>
+              <a:t>..</a:t>
+            </a:r>
+            <a:r>
+              <a:rPr lang="en-US" dirty="0" err="1" smtClean="0">
+                <a:cs typeface="Courier New" panose="02070309020205020404" pitchFamily="49" charset="0"/>
+              </a:rPr>
+              <a:t>konfigurace</a:t>
+            </a:r>
+            <a:endParaRPr lang="en-US" dirty="0" smtClean="0">
+              <a:cs typeface="Courier New" panose="02070309020205020404" pitchFamily="49" charset="0"/>
+            </a:endParaRPr>
+          </a:p>
+          <a:p>
+            <a:pPr lvl="1"/>
+            <a:r>
+              <a:rPr lang="en-US" dirty="0" smtClean="0">
+                <a:latin typeface="Courier New" panose="02070309020205020404" pitchFamily="49" charset="0"/>
+                <a:cs typeface="Courier New" panose="02070309020205020404" pitchFamily="49" charset="0"/>
+              </a:rPr>
+              <a:t>slackAPI.js </a:t>
+            </a:r>
+            <a:r>
+              <a:rPr lang="en-US" dirty="0" smtClean="0">
+                <a:cs typeface="Courier New" panose="02070309020205020404" pitchFamily="49" charset="0"/>
+              </a:rPr>
+              <a:t>..</a:t>
+            </a:r>
+            <a:r>
+              <a:rPr lang="en-US" dirty="0" err="1" smtClean="0">
+                <a:cs typeface="Courier New" panose="02070309020205020404" pitchFamily="49" charset="0"/>
+              </a:rPr>
+              <a:t>knihovna</a:t>
+            </a:r>
+            <a:r>
+              <a:rPr lang="en-US" dirty="0" smtClean="0">
+                <a:cs typeface="Courier New" panose="02070309020205020404" pitchFamily="49" charset="0"/>
+              </a:rPr>
+              <a:t> pro slack API</a:t>
+            </a:r>
+          </a:p>
+          <a:p>
+            <a:pPr lvl="1"/>
+            <a:r>
+              <a:rPr lang="en-US" dirty="0" smtClean="0">
+                <a:latin typeface="Courier New" panose="02070309020205020404" pitchFamily="49" charset="0"/>
+                <a:cs typeface="Courier New" panose="02070309020205020404" pitchFamily="49" charset="0"/>
+              </a:rPr>
+              <a:t>index.js </a:t>
+            </a:r>
+            <a:r>
+              <a:rPr lang="cs-CZ" dirty="0" smtClean="0">
+                <a:cs typeface="Courier New" panose="02070309020205020404" pitchFamily="49" charset="0"/>
+              </a:rPr>
+              <a:t>..</a:t>
+            </a:r>
+            <a:r>
+              <a:rPr lang="en-US" dirty="0" smtClean="0">
+                <a:cs typeface="Courier New" panose="02070309020205020404" pitchFamily="49" charset="0"/>
+              </a:rPr>
+              <a:t>http server pro </a:t>
+            </a:r>
+            <a:r>
+              <a:rPr lang="en-US" dirty="0" err="1" smtClean="0">
+                <a:cs typeface="Courier New" panose="02070309020205020404" pitchFamily="49" charset="0"/>
+              </a:rPr>
+              <a:t>na</a:t>
+            </a:r>
+            <a:r>
+              <a:rPr lang="cs-CZ" dirty="0" smtClean="0">
+                <a:cs typeface="Courier New" panose="02070309020205020404" pitchFamily="49" charset="0"/>
+              </a:rPr>
+              <a:t>š</a:t>
+            </a:r>
+            <a:r>
+              <a:rPr lang="en-US" dirty="0" smtClean="0">
+                <a:cs typeface="Courier New" panose="02070309020205020404" pitchFamily="49" charset="0"/>
+              </a:rPr>
+              <a:t>e API</a:t>
+            </a:r>
+            <a:endParaRPr lang="en-US" dirty="0">
+              <a:cs typeface="Courier New" panose="02070309020205020404" pitchFamily="49" charset="0"/>
+            </a:endParaRPr>
           </a:p>
         </p:txBody>
       </p:sp>
     </p:spTree>
     <p:extLst>
       <p:ext uri="{BB962C8B-B14F-4D97-AF65-F5344CB8AC3E}">
-        <p14:creationId xmlns:p14="http://schemas.microsoft.com/office/powerpoint/2010/main" val="3192548923"/>
+        <p14:creationId xmlns:p14="http://schemas.microsoft.com/office/powerpoint/2010/main" val="2334574593"/>
       </p:ext>
     </p:extLst>
   </p:cSld>
@@ -5244,7 +7371,15 @@
           <a:p>
             <a:r>
               <a:rPr lang="en-US" dirty="0" smtClean="0"/>
-              <a:t>debug</a:t>
+              <a:t>U</a:t>
+            </a:r>
+            <a:r>
+              <a:rPr lang="cs-CZ" dirty="0" err="1" smtClean="0"/>
+              <a:t>žitečné</a:t>
+            </a:r>
+            <a:r>
+              <a:rPr lang="cs-CZ" dirty="0" smtClean="0"/>
+              <a:t> knihovny</a:t>
             </a:r>
             <a:endParaRPr lang="en-US" dirty="0"/>
           </a:p>
@@ -5252,186 +7387,45 @@
       </p:sp>
       <p:sp>
         <p:nvSpPr>
-          <p:cNvPr id="3" name="Zástupný symbol pro obsah 2"/>
+          <p:cNvPr id="3" name="Zástupný symbol pro text 2"/>
           <p:cNvSpPr>
             <a:spLocks noGrp="1"/>
           </p:cNvSpPr>
           <p:nvPr>
-            <p:ph idx="1"/>
+            <p:ph type="body" idx="1"/>
           </p:nvPr>
         </p:nvSpPr>
         <p:spPr/>
         <p:txBody>
-          <a:bodyPr>
-            <a:normAutofit lnSpcReduction="10000"/>
-          </a:bodyPr>
+          <a:bodyPr/>
           <a:lstStyle/>
           <a:p>
-            <a:r>
-              <a:rPr lang="en-US" dirty="0">
-                <a:hlinkClick r:id="rId2"/>
-              </a:rPr>
-              <a:t>https://</a:t>
-            </a:r>
-            <a:r>
-              <a:rPr lang="en-US" dirty="0" smtClean="0">
-                <a:hlinkClick r:id="rId2"/>
-              </a:rPr>
-              <a:t>www.npmjs.com/package/debug</a:t>
-            </a:r>
-            <a:r>
-              <a:rPr lang="en-US" dirty="0" smtClean="0"/>
-              <a:t> </a:t>
-            </a:r>
-          </a:p>
-          <a:p>
-            <a:r>
-              <a:rPr lang="en-US" dirty="0" err="1" smtClean="0"/>
-              <a:t>Hojn</a:t>
-            </a:r>
-            <a:r>
-              <a:rPr lang="cs-CZ" dirty="0" smtClean="0"/>
-              <a:t>ě používána</a:t>
-            </a:r>
-            <a:r>
-              <a:rPr lang="en-US" dirty="0" smtClean="0"/>
-              <a:t> </a:t>
-            </a:r>
-            <a:r>
-              <a:rPr lang="en-US" dirty="0" err="1" smtClean="0"/>
-              <a:t>jin</a:t>
-            </a:r>
-            <a:r>
-              <a:rPr lang="cs-CZ" dirty="0" err="1" smtClean="0"/>
-              <a:t>ými</a:t>
-            </a:r>
-            <a:r>
-              <a:rPr lang="cs-CZ" dirty="0" smtClean="0"/>
-              <a:t> </a:t>
-            </a:r>
-            <a:r>
-              <a:rPr lang="cs-CZ" dirty="0" err="1" smtClean="0"/>
-              <a:t>klientami</a:t>
-            </a:r>
-            <a:endParaRPr lang="en-US" dirty="0" smtClean="0"/>
-          </a:p>
-          <a:p>
-            <a:r>
-              <a:rPr lang="en-US" dirty="0" err="1" smtClean="0"/>
-              <a:t>Definujete</a:t>
-            </a:r>
-            <a:r>
-              <a:rPr lang="en-US" dirty="0" smtClean="0"/>
-              <a:t> </a:t>
-            </a:r>
-            <a:r>
-              <a:rPr lang="en-US" dirty="0" err="1" smtClean="0"/>
-              <a:t>si</a:t>
-            </a:r>
-            <a:r>
-              <a:rPr lang="en-US" dirty="0" smtClean="0"/>
-              <a:t> n</a:t>
-            </a:r>
-            <a:r>
-              <a:rPr lang="cs-CZ" dirty="0" err="1" smtClean="0"/>
-              <a:t>ázev</a:t>
-            </a:r>
-            <a:r>
-              <a:rPr lang="cs-CZ" dirty="0" smtClean="0"/>
-              <a:t> </a:t>
-            </a:r>
-            <a:r>
-              <a:rPr lang="cs-CZ" dirty="0" err="1" smtClean="0"/>
-              <a:t>loggeru</a:t>
-            </a:r>
-            <a:r>
-              <a:rPr lang="cs-CZ" dirty="0" smtClean="0"/>
-              <a:t> a ten použijete pro řízení výpisů pomocí </a:t>
-            </a:r>
-            <a:r>
-              <a:rPr lang="cs-CZ" dirty="0" err="1" smtClean="0"/>
-              <a:t>env</a:t>
-            </a:r>
-            <a:r>
-              <a:rPr lang="cs-CZ" dirty="0" smtClean="0"/>
-              <a:t> </a:t>
-            </a:r>
-            <a:r>
-              <a:rPr lang="cs-CZ" dirty="0" err="1" smtClean="0"/>
-              <a:t>proměné</a:t>
-            </a:r>
-            <a:r>
-              <a:rPr lang="cs-CZ" dirty="0" smtClean="0"/>
-              <a:t> DEBUG </a:t>
-            </a:r>
-          </a:p>
-          <a:p>
-            <a:r>
-              <a:rPr lang="cs-CZ" dirty="0" smtClean="0"/>
-              <a:t>Defaultně loguje STDERR</a:t>
-            </a:r>
-          </a:p>
-          <a:p>
-            <a:pPr marL="0" indent="0">
-              <a:buNone/>
-            </a:pPr>
-            <a:endParaRPr lang="cs-CZ" dirty="0"/>
-          </a:p>
-          <a:p>
-            <a:pPr marL="0" indent="0">
-              <a:buNone/>
-            </a:pPr>
-            <a:r>
-              <a:rPr lang="en-US" dirty="0" smtClean="0"/>
-              <a:t>&gt; </a:t>
-            </a:r>
-            <a:r>
-              <a:rPr lang="cs-CZ" dirty="0" smtClean="0"/>
-              <a:t>set DEBUG</a:t>
-            </a:r>
-            <a:r>
-              <a:rPr lang="en-US" dirty="0" smtClean="0"/>
-              <a:t>=*,-</a:t>
-            </a:r>
-            <a:r>
-              <a:rPr lang="en-US" dirty="0" err="1" smtClean="0"/>
-              <a:t>sql</a:t>
-            </a:r>
-            <a:endParaRPr lang="en-US" dirty="0" smtClean="0"/>
-          </a:p>
-          <a:p>
-            <a:pPr marL="0" indent="0">
-              <a:buNone/>
-            </a:pPr>
-            <a:r>
-              <a:rPr lang="en-US" dirty="0" smtClean="0"/>
-              <a:t>&gt; node app.js</a:t>
-            </a:r>
-          </a:p>
-          <a:p>
-            <a:pPr marL="0" indent="0">
-              <a:buNone/>
-            </a:pPr>
-            <a:endParaRPr lang="en-US" dirty="0"/>
-          </a:p>
-          <a:p>
-            <a:pPr marL="0" indent="0">
-              <a:buNone/>
-            </a:pPr>
-            <a:endParaRPr lang="en-US" dirty="0"/>
+            <a:endParaRPr lang="en-US"/>
           </a:p>
         </p:txBody>
       </p:sp>
     </p:spTree>
     <p:extLst>
       <p:ext uri="{BB962C8B-B14F-4D97-AF65-F5344CB8AC3E}">
-        <p14:creationId xmlns:p14="http://schemas.microsoft.com/office/powerpoint/2010/main" val="3924788170"/>
+        <p14:creationId xmlns:p14="http://schemas.microsoft.com/office/powerpoint/2010/main" val="4208206452"/>
       </p:ext>
     </p:extLst>
   </p:cSld>
   <p:clrMapOvr>
     <a:masterClrMapping/>
   </p:clrMapOvr>
+  <mc:AlternateContent xmlns:mc="http://schemas.openxmlformats.org/markup-compatibility/2006">
+    <mc:Choice xmlns:p14="http://schemas.microsoft.com/office/powerpoint/2010/main" Requires="p14">
+      <p:transition spd="slow" p14:dur="800">
+        <p14:flythrough/>
+      </p:transition>
+    </mc:Choice>
+    <mc:Fallback>
+      <p:transition spd="slow">
+        <p:fade/>
+      </p:transition>
+    </mc:Fallback>
+  </mc:AlternateContent>
   <p:timing>
     <p:tnLst>
       <p:par>
@@ -5475,8 +7469,16 @@
           <a:lstStyle/>
           <a:p>
             <a:r>
+              <a:rPr lang="en-US" dirty="0" smtClean="0"/>
+              <a:t>Utilities co se </a:t>
+            </a:r>
+            <a:r>
+              <a:rPr lang="en-US" dirty="0" err="1" smtClean="0"/>
+              <a:t>hod</a:t>
+            </a:r>
+            <a:r>
               <a:rPr lang="cs-CZ" dirty="0" smtClean="0"/>
-              <a:t>Knihovna express</a:t>
+              <a:t>í všude</a:t>
             </a:r>
             <a:endParaRPr lang="en-US" dirty="0"/>
           </a:p>
@@ -5494,132 +7496,183 @@
         </p:nvSpPr>
         <p:spPr/>
         <p:txBody>
-          <a:bodyPr/>
+          <a:bodyPr>
+            <a:normAutofit lnSpcReduction="10000"/>
+          </a:bodyPr>
           <a:lstStyle/>
           <a:p>
             <a:r>
-              <a:rPr lang="en-US" dirty="0">
-                <a:hlinkClick r:id="rId2"/>
-              </a:rPr>
-              <a:t>http://expressjs.com</a:t>
-            </a:r>
-            <a:r>
-              <a:rPr lang="en-US" dirty="0" smtClean="0">
-                <a:hlinkClick r:id="rId2"/>
-              </a:rPr>
-              <a:t>/</a:t>
+              <a:rPr lang="en-US" b="1" dirty="0" err="1" smtClean="0"/>
+              <a:t>monent</a:t>
             </a:r>
             <a:r>
               <a:rPr lang="cs-CZ" dirty="0" smtClean="0"/>
+              <a:t> – manipulace s </a:t>
+            </a:r>
+            <a:r>
+              <a:rPr lang="cs-CZ" dirty="0" err="1" smtClean="0"/>
+              <a:t>datumem</a:t>
+            </a:r>
+            <a:r>
+              <a:rPr lang="cs-CZ" dirty="0" smtClean="0"/>
+              <a:t> a časem</a:t>
+            </a:r>
+            <a:endParaRPr lang="en-US" dirty="0" smtClean="0"/>
+          </a:p>
+          <a:p>
+            <a:r>
+              <a:rPr lang="en-US" b="1" dirty="0" err="1"/>
+              <a:t>a</a:t>
+            </a:r>
+            <a:r>
+              <a:rPr lang="en-US" b="1" dirty="0" err="1" smtClean="0"/>
+              <a:t>xios</a:t>
+            </a:r>
+            <a:r>
+              <a:rPr lang="en-US" dirty="0" smtClean="0"/>
+              <a:t> – promise based HTTP client</a:t>
+            </a:r>
+          </a:p>
+          <a:p>
+            <a:r>
+              <a:rPr lang="cs-CZ" b="1" dirty="0"/>
+              <a:t>d</a:t>
+            </a:r>
+            <a:r>
+              <a:rPr lang="en-US" b="1" dirty="0" err="1" smtClean="0"/>
+              <a:t>ebug</a:t>
+            </a:r>
+            <a:r>
+              <a:rPr lang="cs-CZ" b="1" dirty="0"/>
               <a:t> </a:t>
             </a:r>
-          </a:p>
-          <a:p>
+            <a:r>
+              <a:rPr lang="cs-CZ" b="1" dirty="0" smtClean="0"/>
+              <a:t> </a:t>
+            </a:r>
             <a:r>
               <a:rPr lang="cs-CZ" dirty="0" smtClean="0"/>
-              <a:t>Slouží pro snadnou tvorbu REST API </a:t>
+              <a:t>- super výpisy pomocí </a:t>
+            </a:r>
+            <a:r>
+              <a:rPr lang="cs-CZ" dirty="0" err="1" smtClean="0"/>
+              <a:t>env</a:t>
+            </a:r>
+            <a:r>
+              <a:rPr lang="cs-CZ" dirty="0" smtClean="0"/>
+              <a:t> DEBUG</a:t>
+            </a:r>
+            <a:endParaRPr lang="en-US" dirty="0" smtClean="0"/>
+          </a:p>
+          <a:p>
+            <a:r>
+              <a:rPr lang="cs-CZ" b="1" dirty="0"/>
+              <a:t>p</a:t>
+            </a:r>
+            <a:r>
+              <a:rPr lang="en-US" b="1" dirty="0" err="1" smtClean="0"/>
+              <a:t>ath</a:t>
+            </a:r>
+            <a:r>
+              <a:rPr lang="cs-CZ" b="1" dirty="0" smtClean="0"/>
+              <a:t> </a:t>
+            </a:r>
+            <a:r>
+              <a:rPr lang="cs-CZ" dirty="0" smtClean="0"/>
+              <a:t>– řešení problému s </a:t>
             </a:r>
             <a:r>
               <a:rPr lang="en-US" dirty="0" smtClean="0"/>
-              <a:t>(</a:t>
+              <a:t>__</a:t>
+            </a:r>
+            <a:r>
+              <a:rPr lang="en-US" dirty="0" err="1" smtClean="0"/>
+              <a:t>dirname</a:t>
+            </a:r>
+            <a:endParaRPr lang="en-US" dirty="0" smtClean="0"/>
+          </a:p>
+          <a:p>
+            <a:r>
+              <a:rPr lang="en-US" b="1" dirty="0"/>
+              <a:t>b</a:t>
+            </a:r>
+            <a:r>
+              <a:rPr lang="en-US" b="1" dirty="0" smtClean="0"/>
+              <a:t>luebird </a:t>
+            </a:r>
+            <a:r>
+              <a:rPr lang="en-US" dirty="0" smtClean="0"/>
+              <a:t>– </a:t>
+            </a:r>
+            <a:r>
+              <a:rPr lang="en-US" dirty="0" err="1" smtClean="0"/>
+              <a:t>automatick</a:t>
             </a:r>
             <a:r>
               <a:rPr lang="cs-CZ" dirty="0" smtClean="0"/>
-              <a:t>nebo i web aplikací</a:t>
+              <a:t>é zapouzdření čehokoli</a:t>
             </a:r>
             <a:r>
               <a:rPr lang="en-US" dirty="0" smtClean="0"/>
-              <a:t>)</a:t>
+              <a:t>v</a:t>
+            </a:r>
+            <a:r>
+              <a:rPr lang="cs-CZ" dirty="0" smtClean="0"/>
+              <a:t> do </a:t>
+            </a:r>
+            <a:r>
+              <a:rPr lang="cs-CZ" dirty="0" err="1" smtClean="0"/>
+              <a:t>promises</a:t>
             </a:r>
             <a:endParaRPr lang="cs-CZ" dirty="0" smtClean="0"/>
           </a:p>
           <a:p>
-            <a:endParaRPr lang="cs-CZ" dirty="0" smtClean="0"/>
-          </a:p>
-          <a:p>
+            <a:r>
+              <a:rPr lang="cs-CZ" b="1" dirty="0"/>
+              <a:t>e</a:t>
+            </a:r>
+            <a:r>
+              <a:rPr lang="cs-CZ" b="1" dirty="0" smtClean="0"/>
+              <a:t>xpress</a:t>
+            </a:r>
+            <a:r>
+              <a:rPr lang="cs-CZ" dirty="0" smtClean="0"/>
+              <a:t> – pro http servery a API</a:t>
+            </a:r>
+          </a:p>
+          <a:p>
+            <a:r>
+              <a:rPr lang="en-US" b="1" dirty="0" err="1"/>
+              <a:t>s</a:t>
+            </a:r>
+            <a:r>
+              <a:rPr lang="en-US" b="1" dirty="0" err="1" smtClean="0"/>
+              <a:t>equelize</a:t>
+            </a:r>
+            <a:r>
+              <a:rPr lang="en-US" dirty="0" smtClean="0"/>
+              <a:t> – pro </a:t>
+            </a:r>
+            <a:r>
+              <a:rPr lang="en-US" dirty="0" err="1" smtClean="0"/>
+              <a:t>datab</a:t>
+            </a:r>
             <a:r>
               <a:rPr lang="cs-CZ" dirty="0" err="1" smtClean="0"/>
-              <a:t>Routes</a:t>
-            </a:r>
-            <a:r>
-              <a:rPr lang="cs-CZ" dirty="0" smtClean="0"/>
-              <a:t> </a:t>
-            </a:r>
-            <a:r>
-              <a:rPr lang="en-US" dirty="0" smtClean="0"/>
-              <a:t>(</a:t>
-            </a:r>
-            <a:r>
-              <a:rPr lang="en-US" dirty="0" smtClean="0">
-                <a:latin typeface="Courier New" panose="02070309020205020404" pitchFamily="49" charset="0"/>
-                <a:cs typeface="Courier New" panose="02070309020205020404" pitchFamily="49" charset="0"/>
-              </a:rPr>
-              <a:t>/</a:t>
-            </a:r>
-            <a:r>
-              <a:rPr lang="en-US" dirty="0" err="1" smtClean="0">
-                <a:latin typeface="Courier New" panose="02070309020205020404" pitchFamily="49" charset="0"/>
-                <a:cs typeface="Courier New" panose="02070309020205020404" pitchFamily="49" charset="0"/>
-              </a:rPr>
-              <a:t>api</a:t>
-            </a:r>
-            <a:r>
-              <a:rPr lang="en-US" dirty="0" smtClean="0">
-                <a:latin typeface="Courier New" panose="02070309020205020404" pitchFamily="49" charset="0"/>
-                <a:cs typeface="Courier New" panose="02070309020205020404" pitchFamily="49" charset="0"/>
-              </a:rPr>
-              <a:t>/slack/:file/delete</a:t>
-            </a:r>
-            <a:r>
-              <a:rPr lang="en-US" dirty="0" smtClean="0"/>
-              <a:t>)</a:t>
-            </a:r>
-            <a:endParaRPr lang="cs-CZ" dirty="0" smtClean="0"/>
-          </a:p>
-          <a:p>
-            <a:endParaRPr lang="cs-CZ" dirty="0" smtClean="0"/>
-          </a:p>
-          <a:p>
-            <a:r>
-              <a:rPr lang="cs-CZ" dirty="0" err="1" smtClean="0"/>
-              <a:t>Middleware</a:t>
-            </a:r>
-            <a:r>
-              <a:rPr lang="en-US" dirty="0" smtClean="0"/>
-              <a:t> </a:t>
-            </a:r>
-            <a:endParaRPr lang="en-US" dirty="0"/>
-          </a:p>
-          <a:p>
-            <a:pPr lvl="1"/>
-            <a:r>
-              <a:rPr lang="en-US" dirty="0" err="1" smtClean="0"/>
-              <a:t>Funkce</a:t>
-            </a:r>
-            <a:r>
-              <a:rPr lang="en-US" dirty="0" smtClean="0"/>
-              <a:t> </a:t>
-            </a:r>
-            <a:r>
-              <a:rPr lang="cs-CZ" dirty="0" smtClean="0"/>
-              <a:t>řešící </a:t>
-            </a:r>
-            <a:r>
-              <a:rPr lang="cs-CZ" dirty="0" err="1" smtClean="0"/>
-              <a:t>parsování</a:t>
-            </a:r>
-            <a:r>
-              <a:rPr lang="cs-CZ" dirty="0" smtClean="0"/>
-              <a:t>, </a:t>
-            </a:r>
-            <a:r>
-              <a:rPr lang="cs-CZ" dirty="0" err="1" smtClean="0"/>
-              <a:t>logging</a:t>
-            </a:r>
-            <a:r>
-              <a:rPr lang="cs-CZ" dirty="0" smtClean="0"/>
-              <a:t>, přístupy, …</a:t>
-            </a:r>
+              <a:t>áze</a:t>
+            </a:r>
+            <a:endParaRPr lang="cs-CZ" dirty="0"/>
+          </a:p>
+          <a:p>
+            <a:pPr marL="0" indent="0">
+              <a:buNone/>
+            </a:pPr>
+            <a:endParaRPr lang="en-US" dirty="0" smtClean="0"/>
+          </a:p>
+          <a:p>
+            <a:endParaRPr lang="en-US" dirty="0" smtClean="0"/>
+          </a:p>
+          <a:p>
             <a:endParaRPr lang="en-US" dirty="0"/>
           </a:p>
         </p:txBody>
@@ -5627,13 +7680,25 @@
     </p:spTree>
     <p:extLst>
       <p:ext uri="{BB962C8B-B14F-4D97-AF65-F5344CB8AC3E}">
-        <p14:creationId xmlns:p14="http://schemas.microsoft.com/office/powerpoint/2010/main" val="3886105035"/>
+        <p14:creationId xmlns:p14="http://schemas.microsoft.com/office/powerpoint/2010/main" val="3192548923"/>
       </p:ext>
     </p:extLst>
   </p:cSld>
   <p:clrMapOvr>
     <a:masterClrMapping/>
   </p:clrMapOvr>
+  <mc:AlternateContent xmlns:mc="http://schemas.openxmlformats.org/markup-compatibility/2006">
+    <mc:Choice xmlns:p14="http://schemas.microsoft.com/office/powerpoint/2010/main" Requires="p14">
+      <p:transition spd="slow" p14:dur="800">
+        <p14:flythrough/>
+      </p:transition>
+    </mc:Choice>
+    <mc:Fallback>
+      <p:transition spd="slow">
+        <p:fade/>
+      </p:transition>
+    </mc:Fallback>
+  </mc:AlternateContent>
   <p:timing>
     <p:tnLst>
       <p:par>
@@ -5708,7 +7773,9 @@
         </p:nvSpPr>
         <p:spPr/>
         <p:txBody>
-          <a:bodyPr/>
+          <a:bodyPr>
+            <a:normAutofit fontScale="92500" lnSpcReduction="10000"/>
+          </a:bodyPr>
           <a:lstStyle/>
           <a:p>
             <a:r>
@@ -5756,6 +7823,38 @@
               <a:rPr lang="cs-CZ" dirty="0" smtClean="0"/>
               <a:t>…</a:t>
             </a:r>
+          </a:p>
+          <a:p>
+            <a:r>
+              <a:rPr lang="cs-CZ" dirty="0" smtClean="0"/>
+              <a:t>Podpora </a:t>
+            </a:r>
+            <a:r>
+              <a:rPr lang="cs-CZ" dirty="0" err="1" smtClean="0"/>
+              <a:t>javascript</a:t>
+            </a:r>
+            <a:r>
+              <a:rPr lang="cs-CZ" dirty="0" smtClean="0"/>
+              <a:t> ES6 se vším co k němu patří</a:t>
+            </a:r>
+            <a:endParaRPr lang="en-US" dirty="0" smtClean="0"/>
+          </a:p>
+          <a:p>
+            <a:r>
+              <a:rPr lang="en-US" dirty="0">
+                <a:hlinkClick r:id="rId2"/>
+              </a:rPr>
+              <a:t>https://</a:t>
+            </a:r>
+            <a:r>
+              <a:rPr lang="en-US" dirty="0" smtClean="0">
+                <a:hlinkClick r:id="rId2"/>
+              </a:rPr>
+              <a:t>insights.stackoverflow.com/survey/2018</a:t>
+            </a:r>
+            <a:endParaRPr lang="en-US" dirty="0" smtClean="0"/>
+          </a:p>
+          <a:p>
             <a:endParaRPr lang="en-US" dirty="0"/>
           </a:p>
         </p:txBody>
@@ -5770,12 +7869,527 @@
   <p:clrMapOvr>
     <a:masterClrMapping/>
   </p:clrMapOvr>
+  <mc:AlternateContent xmlns:mc="http://schemas.openxmlformats.org/markup-compatibility/2006">
+    <mc:Choice xmlns:p14="http://schemas.microsoft.com/office/powerpoint/2010/main" Requires="p14">
+      <p:transition spd="slow" p14:dur="800">
+        <p14:flythrough/>
+      </p:transition>
+    </mc:Choice>
+    <mc:Fallback>
+      <p:transition spd="slow">
+        <p:fade/>
+      </p:transition>
+    </mc:Fallback>
+  </mc:AlternateContent>
   <p:timing>
     <p:tnLst>
       <p:par>
-        <p:cTn id="1" dur="indefinite" restart="never" nodeType="tmRoot"/>
+        <p:cTn id="1" dur="indefinite" restart="never" nodeType="tmRoot">
+          <p:childTnLst>
+            <p:seq concurrent="1" nextAc="seek">
+              <p:cTn id="2" dur="indefinite" nodeType="mainSeq">
+                <p:childTnLst>
+                  <p:par>
+                    <p:cTn id="3" fill="hold">
+                      <p:stCondLst>
+                        <p:cond delay="indefinite"/>
+                      </p:stCondLst>
+                      <p:childTnLst>
+                        <p:par>
+                          <p:cTn id="4" fill="hold">
+                            <p:stCondLst>
+                              <p:cond delay="0"/>
+                            </p:stCondLst>
+                            <p:childTnLst>
+                              <p:par>
+                                <p:cTn id="5" presetID="10" presetClass="entr" presetSubtype="0" fill="hold" grpId="0" nodeType="clickEffect">
+                                  <p:stCondLst>
+                                    <p:cond delay="0"/>
+                                  </p:stCondLst>
+                                  <p:childTnLst>
+                                    <p:set>
+                                      <p:cBhvr>
+                                        <p:cTn id="6" dur="1" fill="hold">
+                                          <p:stCondLst>
+                                            <p:cond delay="0"/>
+                                          </p:stCondLst>
+                                        </p:cTn>
+                                        <p:tgtEl>
+                                          <p:spTgt spid="3">
+                                            <p:txEl>
+                                              <p:pRg st="0" end="0"/>
+                                            </p:txEl>
+                                          </p:spTgt>
+                                        </p:tgtEl>
+                                        <p:attrNameLst>
+                                          <p:attrName>style.visibility</p:attrName>
+                                        </p:attrNameLst>
+                                      </p:cBhvr>
+                                      <p:to>
+                                        <p:strVal val="visible"/>
+                                      </p:to>
+                                    </p:set>
+                                    <p:animEffect transition="in" filter="fade">
+                                      <p:cBhvr>
+                                        <p:cTn id="7" dur="500"/>
+                                        <p:tgtEl>
+                                          <p:spTgt spid="3">
+                                            <p:txEl>
+                                              <p:pRg st="0" end="0"/>
+                                            </p:txEl>
+                                          </p:spTgt>
+                                        </p:tgtEl>
+                                      </p:cBhvr>
+                                    </p:animEffect>
+                                  </p:childTnLst>
+                                </p:cTn>
+                              </p:par>
+                            </p:childTnLst>
+                          </p:cTn>
+                        </p:par>
+                      </p:childTnLst>
+                    </p:cTn>
+                  </p:par>
+                  <p:par>
+                    <p:cTn id="8" fill="hold">
+                      <p:stCondLst>
+                        <p:cond delay="indefinite"/>
+                      </p:stCondLst>
+                      <p:childTnLst>
+                        <p:par>
+                          <p:cTn id="9" fill="hold">
+                            <p:stCondLst>
+                              <p:cond delay="0"/>
+                            </p:stCondLst>
+                            <p:childTnLst>
+                              <p:par>
+                                <p:cTn id="10" presetID="10" presetClass="entr" presetSubtype="0" fill="hold" grpId="0" nodeType="clickEffect">
+                                  <p:stCondLst>
+                                    <p:cond delay="0"/>
+                                  </p:stCondLst>
+                                  <p:childTnLst>
+                                    <p:set>
+                                      <p:cBhvr>
+                                        <p:cTn id="11" dur="1" fill="hold">
+                                          <p:stCondLst>
+                                            <p:cond delay="0"/>
+                                          </p:stCondLst>
+                                        </p:cTn>
+                                        <p:tgtEl>
+                                          <p:spTgt spid="3">
+                                            <p:txEl>
+                                              <p:pRg st="1" end="1"/>
+                                            </p:txEl>
+                                          </p:spTgt>
+                                        </p:tgtEl>
+                                        <p:attrNameLst>
+                                          <p:attrName>style.visibility</p:attrName>
+                                        </p:attrNameLst>
+                                      </p:cBhvr>
+                                      <p:to>
+                                        <p:strVal val="visible"/>
+                                      </p:to>
+                                    </p:set>
+                                    <p:animEffect transition="in" filter="fade">
+                                      <p:cBhvr>
+                                        <p:cTn id="12" dur="500"/>
+                                        <p:tgtEl>
+                                          <p:spTgt spid="3">
+                                            <p:txEl>
+                                              <p:pRg st="1" end="1"/>
+                                            </p:txEl>
+                                          </p:spTgt>
+                                        </p:tgtEl>
+                                      </p:cBhvr>
+                                    </p:animEffect>
+                                  </p:childTnLst>
+                                </p:cTn>
+                              </p:par>
+                            </p:childTnLst>
+                          </p:cTn>
+                        </p:par>
+                      </p:childTnLst>
+                    </p:cTn>
+                  </p:par>
+                  <p:par>
+                    <p:cTn id="13" fill="hold">
+                      <p:stCondLst>
+                        <p:cond delay="indefinite"/>
+                      </p:stCondLst>
+                      <p:childTnLst>
+                        <p:par>
+                          <p:cTn id="14" fill="hold">
+                            <p:stCondLst>
+                              <p:cond delay="0"/>
+                            </p:stCondLst>
+                            <p:childTnLst>
+                              <p:par>
+                                <p:cTn id="15" presetID="10" presetClass="entr" presetSubtype="0" fill="hold" grpId="0" nodeType="clickEffect">
+                                  <p:stCondLst>
+                                    <p:cond delay="0"/>
+                                  </p:stCondLst>
+                                  <p:childTnLst>
+                                    <p:set>
+                                      <p:cBhvr>
+                                        <p:cTn id="16" dur="1" fill="hold">
+                                          <p:stCondLst>
+                                            <p:cond delay="0"/>
+                                          </p:stCondLst>
+                                        </p:cTn>
+                                        <p:tgtEl>
+                                          <p:spTgt spid="3">
+                                            <p:txEl>
+                                              <p:pRg st="2" end="2"/>
+                                            </p:txEl>
+                                          </p:spTgt>
+                                        </p:tgtEl>
+                                        <p:attrNameLst>
+                                          <p:attrName>style.visibility</p:attrName>
+                                        </p:attrNameLst>
+                                      </p:cBhvr>
+                                      <p:to>
+                                        <p:strVal val="visible"/>
+                                      </p:to>
+                                    </p:set>
+                                    <p:animEffect transition="in" filter="fade">
+                                      <p:cBhvr>
+                                        <p:cTn id="17" dur="500"/>
+                                        <p:tgtEl>
+                                          <p:spTgt spid="3">
+                                            <p:txEl>
+                                              <p:pRg st="2" end="2"/>
+                                            </p:txEl>
+                                          </p:spTgt>
+                                        </p:tgtEl>
+                                      </p:cBhvr>
+                                    </p:animEffect>
+                                  </p:childTnLst>
+                                </p:cTn>
+                              </p:par>
+                              <p:par>
+                                <p:cTn id="18" presetID="10" presetClass="entr" presetSubtype="0" fill="hold" grpId="0" nodeType="withEffect">
+                                  <p:stCondLst>
+                                    <p:cond delay="0"/>
+                                  </p:stCondLst>
+                                  <p:childTnLst>
+                                    <p:set>
+                                      <p:cBhvr>
+                                        <p:cTn id="19" dur="1" fill="hold">
+                                          <p:stCondLst>
+                                            <p:cond delay="0"/>
+                                          </p:stCondLst>
+                                        </p:cTn>
+                                        <p:tgtEl>
+                                          <p:spTgt spid="3">
+                                            <p:txEl>
+                                              <p:pRg st="3" end="3"/>
+                                            </p:txEl>
+                                          </p:spTgt>
+                                        </p:tgtEl>
+                                        <p:attrNameLst>
+                                          <p:attrName>style.visibility</p:attrName>
+                                        </p:attrNameLst>
+                                      </p:cBhvr>
+                                      <p:to>
+                                        <p:strVal val="visible"/>
+                                      </p:to>
+                                    </p:set>
+                                    <p:animEffect transition="in" filter="fade">
+                                      <p:cBhvr>
+                                        <p:cTn id="20" dur="500"/>
+                                        <p:tgtEl>
+                                          <p:spTgt spid="3">
+                                            <p:txEl>
+                                              <p:pRg st="3" end="3"/>
+                                            </p:txEl>
+                                          </p:spTgt>
+                                        </p:tgtEl>
+                                      </p:cBhvr>
+                                    </p:animEffect>
+                                  </p:childTnLst>
+                                </p:cTn>
+                              </p:par>
+                              <p:par>
+                                <p:cTn id="21" presetID="10" presetClass="entr" presetSubtype="0" fill="hold" grpId="0" nodeType="withEffect">
+                                  <p:stCondLst>
+                                    <p:cond delay="0"/>
+                                  </p:stCondLst>
+                                  <p:childTnLst>
+                                    <p:set>
+                                      <p:cBhvr>
+                                        <p:cTn id="22" dur="1" fill="hold">
+                                          <p:stCondLst>
+                                            <p:cond delay="0"/>
+                                          </p:stCondLst>
+                                        </p:cTn>
+                                        <p:tgtEl>
+                                          <p:spTgt spid="3">
+                                            <p:txEl>
+                                              <p:pRg st="4" end="4"/>
+                                            </p:txEl>
+                                          </p:spTgt>
+                                        </p:tgtEl>
+                                        <p:attrNameLst>
+                                          <p:attrName>style.visibility</p:attrName>
+                                        </p:attrNameLst>
+                                      </p:cBhvr>
+                                      <p:to>
+                                        <p:strVal val="visible"/>
+                                      </p:to>
+                                    </p:set>
+                                    <p:animEffect transition="in" filter="fade">
+                                      <p:cBhvr>
+                                        <p:cTn id="23" dur="500"/>
+                                        <p:tgtEl>
+                                          <p:spTgt spid="3">
+                                            <p:txEl>
+                                              <p:pRg st="4" end="4"/>
+                                            </p:txEl>
+                                          </p:spTgt>
+                                        </p:tgtEl>
+                                      </p:cBhvr>
+                                    </p:animEffect>
+                                  </p:childTnLst>
+                                </p:cTn>
+                              </p:par>
+                              <p:par>
+                                <p:cTn id="24" presetID="10" presetClass="entr" presetSubtype="0" fill="hold" grpId="0" nodeType="withEffect">
+                                  <p:stCondLst>
+                                    <p:cond delay="0"/>
+                                  </p:stCondLst>
+                                  <p:childTnLst>
+                                    <p:set>
+                                      <p:cBhvr>
+                                        <p:cTn id="25" dur="1" fill="hold">
+                                          <p:stCondLst>
+                                            <p:cond delay="0"/>
+                                          </p:stCondLst>
+                                        </p:cTn>
+                                        <p:tgtEl>
+                                          <p:spTgt spid="3">
+                                            <p:txEl>
+                                              <p:pRg st="5" end="5"/>
+                                            </p:txEl>
+                                          </p:spTgt>
+                                        </p:tgtEl>
+                                        <p:attrNameLst>
+                                          <p:attrName>style.visibility</p:attrName>
+                                        </p:attrNameLst>
+                                      </p:cBhvr>
+                                      <p:to>
+                                        <p:strVal val="visible"/>
+                                      </p:to>
+                                    </p:set>
+                                    <p:animEffect transition="in" filter="fade">
+                                      <p:cBhvr>
+                                        <p:cTn id="26" dur="500"/>
+                                        <p:tgtEl>
+                                          <p:spTgt spid="3">
+                                            <p:txEl>
+                                              <p:pRg st="5" end="5"/>
+                                            </p:txEl>
+                                          </p:spTgt>
+                                        </p:tgtEl>
+                                      </p:cBhvr>
+                                    </p:animEffect>
+                                  </p:childTnLst>
+                                </p:cTn>
+                              </p:par>
+                              <p:par>
+                                <p:cTn id="27" presetID="10" presetClass="entr" presetSubtype="0" fill="hold" grpId="0" nodeType="withEffect">
+                                  <p:stCondLst>
+                                    <p:cond delay="0"/>
+                                  </p:stCondLst>
+                                  <p:childTnLst>
+                                    <p:set>
+                                      <p:cBhvr>
+                                        <p:cTn id="28" dur="1" fill="hold">
+                                          <p:stCondLst>
+                                            <p:cond delay="0"/>
+                                          </p:stCondLst>
+                                        </p:cTn>
+                                        <p:tgtEl>
+                                          <p:spTgt spid="3">
+                                            <p:txEl>
+                                              <p:pRg st="6" end="6"/>
+                                            </p:txEl>
+                                          </p:spTgt>
+                                        </p:tgtEl>
+                                        <p:attrNameLst>
+                                          <p:attrName>style.visibility</p:attrName>
+                                        </p:attrNameLst>
+                                      </p:cBhvr>
+                                      <p:to>
+                                        <p:strVal val="visible"/>
+                                      </p:to>
+                                    </p:set>
+                                    <p:animEffect transition="in" filter="fade">
+                                      <p:cBhvr>
+                                        <p:cTn id="29" dur="500"/>
+                                        <p:tgtEl>
+                                          <p:spTgt spid="3">
+                                            <p:txEl>
+                                              <p:pRg st="6" end="6"/>
+                                            </p:txEl>
+                                          </p:spTgt>
+                                        </p:tgtEl>
+                                      </p:cBhvr>
+                                    </p:animEffect>
+                                  </p:childTnLst>
+                                </p:cTn>
+                              </p:par>
+                            </p:childTnLst>
+                          </p:cTn>
+                        </p:par>
+                      </p:childTnLst>
+                    </p:cTn>
+                  </p:par>
+                  <p:par>
+                    <p:cTn id="30" fill="hold">
+                      <p:stCondLst>
+                        <p:cond delay="indefinite"/>
+                      </p:stCondLst>
+                      <p:childTnLst>
+                        <p:par>
+                          <p:cTn id="31" fill="hold">
+                            <p:stCondLst>
+                              <p:cond delay="0"/>
+                            </p:stCondLst>
+                            <p:childTnLst>
+                              <p:par>
+                                <p:cTn id="32" presetID="10" presetClass="entr" presetSubtype="0" fill="hold" grpId="0" nodeType="clickEffect">
+                                  <p:stCondLst>
+                                    <p:cond delay="0"/>
+                                  </p:stCondLst>
+                                  <p:childTnLst>
+                                    <p:set>
+                                      <p:cBhvr>
+                                        <p:cTn id="33" dur="1" fill="hold">
+                                          <p:stCondLst>
+                                            <p:cond delay="0"/>
+                                          </p:stCondLst>
+                                        </p:cTn>
+                                        <p:tgtEl>
+                                          <p:spTgt spid="3">
+                                            <p:txEl>
+                                              <p:pRg st="7" end="7"/>
+                                            </p:txEl>
+                                          </p:spTgt>
+                                        </p:tgtEl>
+                                        <p:attrNameLst>
+                                          <p:attrName>style.visibility</p:attrName>
+                                        </p:attrNameLst>
+                                      </p:cBhvr>
+                                      <p:to>
+                                        <p:strVal val="visible"/>
+                                      </p:to>
+                                    </p:set>
+                                    <p:animEffect transition="in" filter="fade">
+                                      <p:cBhvr>
+                                        <p:cTn id="34" dur="500"/>
+                                        <p:tgtEl>
+                                          <p:spTgt spid="3">
+                                            <p:txEl>
+                                              <p:pRg st="7" end="7"/>
+                                            </p:txEl>
+                                          </p:spTgt>
+                                        </p:tgtEl>
+                                      </p:cBhvr>
+                                    </p:animEffect>
+                                  </p:childTnLst>
+                                </p:cTn>
+                              </p:par>
+                            </p:childTnLst>
+                          </p:cTn>
+                        </p:par>
+                      </p:childTnLst>
+                    </p:cTn>
+                  </p:par>
+                  <p:par>
+                    <p:cTn id="35" fill="hold">
+                      <p:stCondLst>
+                        <p:cond delay="indefinite"/>
+                      </p:stCondLst>
+                      <p:childTnLst>
+                        <p:par>
+                          <p:cTn id="36" fill="hold">
+                            <p:stCondLst>
+                              <p:cond delay="0"/>
+                            </p:stCondLst>
+                            <p:childTnLst>
+                              <p:par>
+                                <p:cTn id="37" presetID="10" presetClass="entr" presetSubtype="0" fill="hold" grpId="0" nodeType="clickEffect">
+                                  <p:stCondLst>
+                                    <p:cond delay="0"/>
+                                  </p:stCondLst>
+                                  <p:childTnLst>
+                                    <p:set>
+                                      <p:cBhvr>
+                                        <p:cTn id="38" dur="1" fill="hold">
+                                          <p:stCondLst>
+                                            <p:cond delay="0"/>
+                                          </p:stCondLst>
+                                        </p:cTn>
+                                        <p:tgtEl>
+                                          <p:spTgt spid="3">
+                                            <p:txEl>
+                                              <p:pRg st="8" end="8"/>
+                                            </p:txEl>
+                                          </p:spTgt>
+                                        </p:tgtEl>
+                                        <p:attrNameLst>
+                                          <p:attrName>style.visibility</p:attrName>
+                                        </p:attrNameLst>
+                                      </p:cBhvr>
+                                      <p:to>
+                                        <p:strVal val="visible"/>
+                                      </p:to>
+                                    </p:set>
+                                    <p:animEffect transition="in" filter="fade">
+                                      <p:cBhvr>
+                                        <p:cTn id="39" dur="500"/>
+                                        <p:tgtEl>
+                                          <p:spTgt spid="3">
+                                            <p:txEl>
+                                              <p:pRg st="8" end="8"/>
+                                            </p:txEl>
+                                          </p:spTgt>
+                                        </p:tgtEl>
+                                      </p:cBhvr>
+                                    </p:animEffect>
+                                  </p:childTnLst>
+                                </p:cTn>
+                              </p:par>
+                            </p:childTnLst>
+                          </p:cTn>
+                        </p:par>
+                      </p:childTnLst>
+                    </p:cTn>
+                  </p:par>
+                </p:childTnLst>
+              </p:cTn>
+              <p:prevCondLst>
+                <p:cond evt="onPrev" delay="0">
+                  <p:tgtEl>
+                    <p:sldTgt/>
+                  </p:tgtEl>
+                </p:cond>
+              </p:prevCondLst>
+              <p:nextCondLst>
+                <p:cond evt="onNext" delay="0">
+                  <p:tgtEl>
+                    <p:sldTgt/>
+                  </p:tgtEl>
+                </p:cond>
+              </p:nextCondLst>
+            </p:seq>
+          </p:childTnLst>
+        </p:cTn>
       </p:par>
     </p:tnLst>
+    <p:bldLst>
+      <p:bldP spid="3" grpId="0" build="p"/>
+    </p:bldLst>
   </p:timing>
 </p:sld>
 </file>
@@ -5813,24 +8427,8 @@
           <a:lstStyle/>
           <a:p>
             <a:r>
-              <a:rPr lang="cs-CZ" dirty="0" smtClean="0"/>
-              <a:t>Databáze </a:t>
-            </a:r>
-            <a:r>
               <a:rPr lang="en-US" dirty="0" smtClean="0"/>
-              <a:t>– </a:t>
-            </a:r>
-            <a:r>
-              <a:rPr lang="en-US" dirty="0" err="1" smtClean="0"/>
-              <a:t>mysql</a:t>
-            </a:r>
-            <a:r>
-              <a:rPr lang="en-US" dirty="0" smtClean="0"/>
-              <a:t>, </a:t>
-            </a:r>
-            <a:r>
-              <a:rPr lang="en-US" dirty="0" err="1" smtClean="0"/>
-              <a:t>sequelize</a:t>
+              <a:t>debug</a:t>
             </a:r>
             <a:endParaRPr lang="en-US" dirty="0"/>
           </a:p>
@@ -5848,23 +8446,188 @@
         </p:nvSpPr>
         <p:spPr/>
         <p:txBody>
-          <a:bodyPr/>
+          <a:bodyPr>
+            <a:normAutofit lnSpcReduction="10000"/>
+          </a:bodyPr>
           <a:lstStyle/>
           <a:p>
-            <a:endParaRPr lang="en-US"/>
+            <a:r>
+              <a:rPr lang="en-US" dirty="0">
+                <a:hlinkClick r:id="rId2"/>
+              </a:rPr>
+              <a:t>https://</a:t>
+            </a:r>
+            <a:r>
+              <a:rPr lang="en-US" dirty="0" smtClean="0">
+                <a:hlinkClick r:id="rId2"/>
+              </a:rPr>
+              <a:t>www.npmjs.com/package/debug</a:t>
+            </a:r>
+            <a:r>
+              <a:rPr lang="en-US" dirty="0" smtClean="0"/>
+              <a:t> </a:t>
+            </a:r>
+          </a:p>
+          <a:p>
+            <a:r>
+              <a:rPr lang="en-US" dirty="0" err="1" smtClean="0"/>
+              <a:t>Hojn</a:t>
+            </a:r>
+            <a:r>
+              <a:rPr lang="cs-CZ" dirty="0" smtClean="0"/>
+              <a:t>ě používána</a:t>
+            </a:r>
+            <a:r>
+              <a:rPr lang="en-US" dirty="0" smtClean="0"/>
+              <a:t> </a:t>
+            </a:r>
+            <a:r>
+              <a:rPr lang="en-US" dirty="0" err="1" smtClean="0"/>
+              <a:t>jin</a:t>
+            </a:r>
+            <a:r>
+              <a:rPr lang="cs-CZ" dirty="0" err="1" smtClean="0"/>
+              <a:t>ými</a:t>
+            </a:r>
+            <a:r>
+              <a:rPr lang="cs-CZ" dirty="0" smtClean="0"/>
+              <a:t> </a:t>
+            </a:r>
+            <a:r>
+              <a:rPr lang="cs-CZ" dirty="0" err="1" smtClean="0"/>
+              <a:t>klientami</a:t>
+            </a:r>
+            <a:endParaRPr lang="en-US" dirty="0" smtClean="0"/>
+          </a:p>
+          <a:p>
+            <a:r>
+              <a:rPr lang="en-US" dirty="0" err="1" smtClean="0"/>
+              <a:t>Definujete</a:t>
+            </a:r>
+            <a:r>
+              <a:rPr lang="en-US" dirty="0" smtClean="0"/>
+              <a:t> </a:t>
+            </a:r>
+            <a:r>
+              <a:rPr lang="en-US" dirty="0" err="1" smtClean="0"/>
+              <a:t>si</a:t>
+            </a:r>
+            <a:r>
+              <a:rPr lang="en-US" dirty="0" smtClean="0"/>
+              <a:t> n</a:t>
+            </a:r>
+            <a:r>
+              <a:rPr lang="cs-CZ" dirty="0" err="1" smtClean="0"/>
+              <a:t>ázev</a:t>
+            </a:r>
+            <a:r>
+              <a:rPr lang="cs-CZ" dirty="0" smtClean="0"/>
+              <a:t> </a:t>
+            </a:r>
+            <a:r>
+              <a:rPr lang="cs-CZ" dirty="0" err="1" smtClean="0"/>
+              <a:t>loggeru</a:t>
+            </a:r>
+            <a:r>
+              <a:rPr lang="cs-CZ" dirty="0" smtClean="0"/>
+              <a:t> a ten použijete pro řízení výpisů pomocí </a:t>
+            </a:r>
+            <a:r>
+              <a:rPr lang="cs-CZ" dirty="0" err="1" smtClean="0"/>
+              <a:t>env</a:t>
+            </a:r>
+            <a:r>
+              <a:rPr lang="cs-CZ" dirty="0" smtClean="0"/>
+              <a:t> </a:t>
+            </a:r>
+            <a:r>
+              <a:rPr lang="cs-CZ" dirty="0" err="1" smtClean="0"/>
+              <a:t>proměné</a:t>
+            </a:r>
+            <a:r>
+              <a:rPr lang="cs-CZ" dirty="0" smtClean="0"/>
+              <a:t> DEBUG </a:t>
+            </a:r>
+          </a:p>
+          <a:p>
+            <a:r>
+              <a:rPr lang="cs-CZ" dirty="0" smtClean="0"/>
+              <a:t>Defaultně loguje STDERR</a:t>
+            </a:r>
+          </a:p>
+          <a:p>
+            <a:pPr marL="0" indent="0">
+              <a:buNone/>
+            </a:pPr>
+            <a:endParaRPr lang="cs-CZ" dirty="0"/>
+          </a:p>
+          <a:p>
+            <a:pPr marL="0" indent="0">
+              <a:buNone/>
+            </a:pPr>
+            <a:r>
+              <a:rPr lang="en-US" dirty="0" smtClean="0"/>
+              <a:t>&gt; </a:t>
+            </a:r>
+            <a:r>
+              <a:rPr lang="cs-CZ" dirty="0" smtClean="0"/>
+              <a:t>set DEBUG</a:t>
+            </a:r>
+            <a:r>
+              <a:rPr lang="en-US" dirty="0" smtClean="0"/>
+              <a:t>=*,-</a:t>
+            </a:r>
+            <a:r>
+              <a:rPr lang="en-US" dirty="0" err="1" smtClean="0"/>
+              <a:t>sql</a:t>
+            </a:r>
+            <a:endParaRPr lang="en-US" dirty="0" smtClean="0"/>
+          </a:p>
+          <a:p>
+            <a:pPr marL="0" indent="0">
+              <a:buNone/>
+            </a:pPr>
+            <a:r>
+              <a:rPr lang="en-US" dirty="0" smtClean="0"/>
+              <a:t>&gt; node app.js</a:t>
+            </a:r>
+          </a:p>
+          <a:p>
+            <a:pPr marL="0" indent="0">
+              <a:buNone/>
+            </a:pPr>
+            <a:endParaRPr lang="en-US" dirty="0"/>
+          </a:p>
+          <a:p>
+            <a:pPr marL="0" indent="0">
+              <a:buNone/>
+            </a:pPr>
+            <a:endParaRPr lang="en-US" dirty="0"/>
           </a:p>
         </p:txBody>
       </p:sp>
     </p:spTree>
     <p:extLst>
       <p:ext uri="{BB962C8B-B14F-4D97-AF65-F5344CB8AC3E}">
-        <p14:creationId xmlns:p14="http://schemas.microsoft.com/office/powerpoint/2010/main" val="1361477652"/>
+        <p14:creationId xmlns:p14="http://schemas.microsoft.com/office/powerpoint/2010/main" val="3924788170"/>
       </p:ext>
     </p:extLst>
   </p:cSld>
   <p:clrMapOvr>
     <a:masterClrMapping/>
   </p:clrMapOvr>
+  <mc:AlternateContent xmlns:mc="http://schemas.openxmlformats.org/markup-compatibility/2006">
+    <mc:Choice xmlns:p14="http://schemas.microsoft.com/office/powerpoint/2010/main" Requires="p14">
+      <p:transition spd="slow" p14:dur="800">
+        <p14:flythrough/>
+      </p:transition>
+    </mc:Choice>
+    <mc:Fallback>
+      <p:transition spd="slow">
+        <p:fade/>
+      </p:transition>
+    </mc:Fallback>
+  </mc:AlternateContent>
   <p:timing>
     <p:tnLst>
       <p:par>
@@ -5908,8 +8671,8 @@
           <a:lstStyle/>
           <a:p>
             <a:r>
-              <a:rPr lang="en-US" dirty="0" smtClean="0"/>
-              <a:t>Code cycle</a:t>
+              <a:rPr lang="cs-CZ" dirty="0" smtClean="0"/>
+              <a:t>Knihovna express</a:t>
             </a:r>
             <a:endParaRPr lang="en-US" dirty="0"/>
           </a:p>
@@ -5917,12 +8680,12 @@
       </p:sp>
       <p:sp>
         <p:nvSpPr>
-          <p:cNvPr id="3" name="Zástupný symbol pro text 2"/>
+          <p:cNvPr id="3" name="Zástupný symbol pro obsah 2"/>
           <p:cNvSpPr>
             <a:spLocks noGrp="1"/>
           </p:cNvSpPr>
           <p:nvPr>
-            <p:ph type="body" idx="1"/>
+            <p:ph idx="1"/>
           </p:nvPr>
         </p:nvSpPr>
         <p:spPr/>
@@ -5931,26 +8694,179 @@
           <a:lstStyle/>
           <a:p>
             <a:r>
+              <a:rPr lang="en-US" dirty="0">
+                <a:hlinkClick r:id="rId2"/>
+              </a:rPr>
+              <a:t>http://expressjs.com</a:t>
+            </a:r>
+            <a:r>
+              <a:rPr lang="en-US" dirty="0" smtClean="0">
+                <a:hlinkClick r:id="rId2"/>
+              </a:rPr>
+              <a:t>/</a:t>
+            </a:r>
+            <a:r>
+              <a:rPr lang="cs-CZ" dirty="0" smtClean="0"/>
+              <a:t> </a:t>
+            </a:r>
+          </a:p>
+          <a:p>
+            <a:r>
+              <a:rPr lang="cs-CZ" dirty="0" smtClean="0"/>
+              <a:t>Slouží pro snadnou tvorbu REST API </a:t>
+            </a:r>
+            <a:r>
               <a:rPr lang="en-US" dirty="0" smtClean="0"/>
-              <a:t>From scratch to production</a:t>
-            </a:r>
-            <a:r>
-              <a:rPr lang="en-US" dirty="0"/>
-              <a:t>!</a:t>
-            </a:r>
+              <a:t>(</a:t>
+            </a:r>
+            <a:r>
+              <a:rPr lang="cs-CZ" dirty="0" smtClean="0"/>
+              <a:t>nebo i web aplikací</a:t>
+            </a:r>
+            <a:r>
+              <a:rPr lang="en-US" dirty="0" smtClean="0"/>
+              <a:t>)</a:t>
+            </a:r>
+            <a:endParaRPr lang="cs-CZ" dirty="0" smtClean="0"/>
+          </a:p>
+          <a:p>
+            <a:r>
+              <a:rPr lang="cs-CZ" dirty="0" err="1" smtClean="0"/>
+              <a:t>Routes</a:t>
+            </a:r>
+            <a:r>
+              <a:rPr lang="cs-CZ" dirty="0" smtClean="0"/>
+              <a:t> </a:t>
+            </a:r>
+            <a:r>
+              <a:rPr lang="en-US" dirty="0" smtClean="0"/>
+              <a:t>(</a:t>
+            </a:r>
+            <a:r>
+              <a:rPr lang="en-US" dirty="0" smtClean="0">
+                <a:latin typeface="Courier New" panose="02070309020205020404" pitchFamily="49" charset="0"/>
+                <a:cs typeface="Courier New" panose="02070309020205020404" pitchFamily="49" charset="0"/>
+              </a:rPr>
+              <a:t>/</a:t>
+            </a:r>
+            <a:r>
+              <a:rPr lang="en-US" dirty="0" err="1" smtClean="0">
+                <a:latin typeface="Courier New" panose="02070309020205020404" pitchFamily="49" charset="0"/>
+                <a:cs typeface="Courier New" panose="02070309020205020404" pitchFamily="49" charset="0"/>
+              </a:rPr>
+              <a:t>api</a:t>
+            </a:r>
+            <a:r>
+              <a:rPr lang="en-US" dirty="0" smtClean="0">
+                <a:latin typeface="Courier New" panose="02070309020205020404" pitchFamily="49" charset="0"/>
+                <a:cs typeface="Courier New" panose="02070309020205020404" pitchFamily="49" charset="0"/>
+              </a:rPr>
+              <a:t>/slack/:file/delete</a:t>
+            </a:r>
+            <a:r>
+              <a:rPr lang="en-US" dirty="0" smtClean="0"/>
+              <a:t>)</a:t>
+            </a:r>
+            <a:endParaRPr lang="cs-CZ" dirty="0" smtClean="0"/>
+          </a:p>
+          <a:p>
+            <a:r>
+              <a:rPr lang="cs-CZ" dirty="0" err="1" smtClean="0"/>
+              <a:t>Middleware</a:t>
+            </a:r>
+            <a:r>
+              <a:rPr lang="en-US" dirty="0" smtClean="0"/>
+              <a:t> </a:t>
+            </a:r>
+            <a:endParaRPr lang="en-US" dirty="0"/>
+          </a:p>
+          <a:p>
+            <a:pPr lvl="1"/>
+            <a:r>
+              <a:rPr lang="en-US" dirty="0" err="1" smtClean="0"/>
+              <a:t>Funkce</a:t>
+            </a:r>
+            <a:r>
+              <a:rPr lang="en-US" dirty="0" smtClean="0"/>
+              <a:t> </a:t>
+            </a:r>
+            <a:r>
+              <a:rPr lang="cs-CZ" dirty="0" smtClean="0"/>
+              <a:t>řešící </a:t>
+            </a:r>
+            <a:r>
+              <a:rPr lang="cs-CZ" dirty="0" err="1" smtClean="0"/>
+              <a:t>parsování</a:t>
+            </a:r>
+            <a:r>
+              <a:rPr lang="cs-CZ" dirty="0" smtClean="0"/>
+              <a:t>, </a:t>
+            </a:r>
+            <a:r>
+              <a:rPr lang="cs-CZ" dirty="0" err="1" smtClean="0"/>
+              <a:t>logging</a:t>
+            </a:r>
+            <a:r>
+              <a:rPr lang="cs-CZ" dirty="0" smtClean="0"/>
+              <a:t>, přístupy, </a:t>
+            </a:r>
+            <a:r>
+              <a:rPr lang="cs-CZ" dirty="0" smtClean="0"/>
+              <a:t>…</a:t>
+            </a:r>
+            <a:endParaRPr lang="en-US" dirty="0" smtClean="0"/>
+          </a:p>
+          <a:p>
+            <a:r>
+              <a:rPr lang="en-US" dirty="0" smtClean="0"/>
+              <a:t>Templates (pug, d</a:t>
+            </a:r>
+            <a:r>
+              <a:rPr lang="cs-CZ" dirty="0" smtClean="0"/>
+              <a:t>ří</a:t>
+            </a:r>
+            <a:r>
+              <a:rPr lang="en-US" dirty="0" err="1" smtClean="0"/>
+              <a:t>ve</a:t>
+            </a:r>
+            <a:r>
+              <a:rPr lang="en-US" dirty="0" smtClean="0"/>
+              <a:t> jade</a:t>
+            </a:r>
+            <a:r>
+              <a:rPr lang="cs-CZ" dirty="0" smtClean="0"/>
+              <a:t>, …</a:t>
+            </a:r>
+            <a:r>
+              <a:rPr lang="en-US" dirty="0" smtClean="0"/>
+              <a:t>)</a:t>
+            </a:r>
+            <a:endParaRPr lang="cs-CZ" dirty="0" smtClean="0"/>
           </a:p>
         </p:txBody>
       </p:sp>
     </p:spTree>
     <p:extLst>
       <p:ext uri="{BB962C8B-B14F-4D97-AF65-F5344CB8AC3E}">
-        <p14:creationId xmlns:p14="http://schemas.microsoft.com/office/powerpoint/2010/main" val="4104059675"/>
+        <p14:creationId xmlns:p14="http://schemas.microsoft.com/office/powerpoint/2010/main" val="3886105035"/>
       </p:ext>
     </p:extLst>
   </p:cSld>
   <p:clrMapOvr>
     <a:masterClrMapping/>
   </p:clrMapOvr>
+  <mc:AlternateContent xmlns:mc="http://schemas.openxmlformats.org/markup-compatibility/2006">
+    <mc:Choice xmlns:p14="http://schemas.microsoft.com/office/powerpoint/2010/main" Requires="p14">
+      <p:transition spd="slow" p14:dur="800">
+        <p14:flythrough/>
+      </p:transition>
+    </mc:Choice>
+    <mc:Fallback>
+      <p:transition spd="slow">
+        <p:fade/>
+      </p:transition>
+    </mc:Fallback>
+  </mc:AlternateContent>
   <p:timing>
     <p:tnLst>
       <p:par>
@@ -5994,16 +8910,24 @@
           <a:lstStyle/>
           <a:p>
             <a:r>
+              <a:rPr lang="cs-CZ" dirty="0" smtClean="0"/>
+              <a:t>Databáze </a:t>
+            </a:r>
+            <a:r>
               <a:rPr lang="en-US" dirty="0" smtClean="0"/>
-              <a:t>Folder &amp; </a:t>
+              <a:t>– </a:t>
             </a:r>
             <a:r>
               <a:rPr lang="en-US" dirty="0" err="1" smtClean="0"/>
-              <a:t>git</a:t>
+              <a:t>mysql</a:t>
             </a:r>
             <a:r>
               <a:rPr lang="en-US" dirty="0" smtClean="0"/>
-              <a:t> configuration</a:t>
+              <a:t>, </a:t>
+            </a:r>
+            <a:r>
+              <a:rPr lang="en-US" dirty="0" err="1" smtClean="0"/>
+              <a:t>sequelize</a:t>
             </a:r>
             <a:endParaRPr lang="en-US" dirty="0"/>
           </a:p>
@@ -6024,85 +8948,32 @@
           <a:bodyPr/>
           <a:lstStyle/>
           <a:p>
-            <a:r>
-              <a:rPr lang="en-US" dirty="0" smtClean="0"/>
-              <a:t>index.js or other main piece of </a:t>
-            </a:r>
-            <a:r>
-              <a:rPr lang="en-US" dirty="0" err="1" smtClean="0"/>
-              <a:t>javascript</a:t>
-            </a:r>
-            <a:r>
-              <a:rPr lang="en-US" dirty="0" smtClean="0"/>
-              <a:t> code</a:t>
-            </a:r>
-          </a:p>
-          <a:p>
-            <a:r>
-              <a:rPr lang="en-US" dirty="0" smtClean="0"/>
-              <a:t>*.</a:t>
-            </a:r>
-            <a:r>
-              <a:rPr lang="en-US" dirty="0" err="1" smtClean="0"/>
-              <a:t>js</a:t>
-            </a:r>
-            <a:r>
-              <a:rPr lang="en-US" dirty="0" smtClean="0"/>
-              <a:t> divided into folders connected using require</a:t>
-            </a:r>
-          </a:p>
-          <a:p>
-            <a:r>
-              <a:rPr lang="en-US" dirty="0" smtClean="0"/>
-              <a:t>config.sample.js – dummy </a:t>
-            </a:r>
-            <a:r>
-              <a:rPr lang="en-US" dirty="0" err="1" smtClean="0"/>
-              <a:t>config</a:t>
-            </a:r>
-            <a:r>
-              <a:rPr lang="en-US" dirty="0" smtClean="0"/>
-              <a:t> in </a:t>
-            </a:r>
-            <a:r>
-              <a:rPr lang="en-US" dirty="0" err="1" smtClean="0"/>
-              <a:t>git</a:t>
-            </a:r>
-            <a:endParaRPr lang="en-US" dirty="0" smtClean="0"/>
-          </a:p>
-          <a:p>
-            <a:r>
-              <a:rPr lang="en-US" dirty="0" smtClean="0"/>
-              <a:t>config.js – tokens, …. </a:t>
-            </a:r>
-          </a:p>
-          <a:p>
-            <a:pPr lvl="1"/>
-            <a:r>
-              <a:rPr lang="en-US" dirty="0" smtClean="0"/>
-              <a:t>Contains </a:t>
-            </a:r>
-            <a:r>
-              <a:rPr lang="en-US" dirty="0" err="1" smtClean="0"/>
-              <a:t>enviroment</a:t>
-            </a:r>
-            <a:r>
-              <a:rPr lang="en-US" dirty="0" smtClean="0"/>
-              <a:t> identification</a:t>
-            </a:r>
+            <a:endParaRPr lang="en-US"/>
           </a:p>
         </p:txBody>
       </p:sp>
     </p:spTree>
     <p:extLst>
       <p:ext uri="{BB962C8B-B14F-4D97-AF65-F5344CB8AC3E}">
-        <p14:creationId xmlns:p14="http://schemas.microsoft.com/office/powerpoint/2010/main" val="3701087990"/>
+        <p14:creationId xmlns:p14="http://schemas.microsoft.com/office/powerpoint/2010/main" val="1361477652"/>
       </p:ext>
     </p:extLst>
   </p:cSld>
   <p:clrMapOvr>
     <a:masterClrMapping/>
   </p:clrMapOvr>
+  <mc:AlternateContent xmlns:mc="http://schemas.openxmlformats.org/markup-compatibility/2006">
+    <mc:Choice xmlns:p14="http://schemas.microsoft.com/office/powerpoint/2010/main" Requires="p14">
+      <p:transition spd="slow" p14:dur="800">
+        <p14:flythrough/>
+      </p:transition>
+    </mc:Choice>
+    <mc:Fallback>
+      <p:transition spd="slow">
+        <p:fade/>
+      </p:transition>
+    </mc:Fallback>
+  </mc:AlternateContent>
   <p:timing>
     <p:tnLst>
       <p:par>
@@ -6147,7 +9018,7 @@
           <a:p>
             <a:r>
               <a:rPr lang="en-US" dirty="0" smtClean="0"/>
-              <a:t>Deployment cycle</a:t>
+              <a:t>Code cycle</a:t>
             </a:r>
             <a:endParaRPr lang="en-US" dirty="0"/>
           </a:p>
@@ -6155,529 +9026,52 @@
       </p:sp>
       <p:sp>
         <p:nvSpPr>
-          <p:cNvPr id="4" name="Vývojový diagram: magnetický disk 3"/>
-          <p:cNvSpPr/>
-          <p:nvPr/>
+          <p:cNvPr id="3" name="Zástupný symbol pro text 2"/>
+          <p:cNvSpPr>
+            <a:spLocks noGrp="1"/>
+          </p:cNvSpPr>
+          <p:nvPr>
+            <p:ph type="body" idx="1"/>
+          </p:nvPr>
         </p:nvSpPr>
-        <p:spPr>
-          <a:xfrm>
-            <a:off x="3572520" y="2780928"/>
-            <a:ext cx="1656184" cy="1512168"/>
-          </a:xfrm>
-          <a:prstGeom prst="flowChartMagneticDisk">
-            <a:avLst/>
-          </a:prstGeom>
-        </p:spPr>
-        <p:style>
-          <a:lnRef idx="1">
-            <a:schemeClr val="dk1"/>
-          </a:lnRef>
-          <a:fillRef idx="2">
-            <a:schemeClr val="dk1"/>
-          </a:fillRef>
-          <a:effectRef idx="1">
-            <a:schemeClr val="dk1"/>
-          </a:effectRef>
-          <a:fontRef idx="minor">
-            <a:schemeClr val="dk1"/>
-          </a:fontRef>
-        </p:style>
+        <p:spPr/>
         <p:txBody>
-          <a:bodyPr rtlCol="0" anchor="ctr"/>
+          <a:bodyPr/>
           <a:lstStyle/>
           <a:p>
-            <a:pPr algn="ctr"/>
             <a:r>
               <a:rPr lang="en-US" dirty="0" smtClean="0"/>
-              <a:t>GIT</a:t>
-            </a:r>
-            <a:r>
-              <a:rPr lang="cs-CZ" dirty="0" smtClean="0"/>
-              <a:t>hub</a:t>
-            </a:r>
-            <a:endParaRPr lang="en-US" dirty="0"/>
-          </a:p>
-        </p:txBody>
-      </p:sp>
-      <p:sp>
-        <p:nvSpPr>
-          <p:cNvPr id="5" name="TextovéPole 4"/>
-          <p:cNvSpPr txBox="1"/>
-          <p:nvPr/>
-        </p:nvSpPr>
-        <p:spPr>
-          <a:xfrm>
-            <a:off x="195288" y="2420888"/>
-            <a:ext cx="3152576" cy="2862322"/>
-          </a:xfrm>
-          <a:prstGeom prst="rect">
-            <a:avLst/>
-          </a:prstGeom>
-        </p:spPr>
-        <p:style>
-          <a:lnRef idx="1">
-            <a:schemeClr val="accent5"/>
-          </a:lnRef>
-          <a:fillRef idx="2">
-            <a:schemeClr val="accent5"/>
-          </a:fillRef>
-          <a:effectRef idx="1">
-            <a:schemeClr val="accent5"/>
-          </a:effectRef>
-          <a:fontRef idx="minor">
-            <a:schemeClr val="dk1"/>
-          </a:fontRef>
-        </p:style>
-        <p:txBody>
-          <a:bodyPr wrap="square" rtlCol="0">
-            <a:spAutoFit/>
-          </a:bodyPr>
-          <a:lstStyle/>
-          <a:p>
-            <a:r>
-              <a:rPr lang="en-US" dirty="0" err="1">
-                <a:latin typeface="Courier New" panose="02070309020205020404" pitchFamily="49" charset="0"/>
-                <a:cs typeface="Courier New" panose="02070309020205020404" pitchFamily="49" charset="0"/>
-              </a:rPr>
-              <a:t>n</a:t>
-            </a:r>
-            <a:r>
-              <a:rPr lang="en-US" dirty="0" err="1" smtClean="0">
-                <a:latin typeface="Courier New" panose="02070309020205020404" pitchFamily="49" charset="0"/>
-                <a:cs typeface="Courier New" panose="02070309020205020404" pitchFamily="49" charset="0"/>
-              </a:rPr>
-              <a:t>pm</a:t>
-            </a:r>
-            <a:r>
-              <a:rPr lang="en-US" dirty="0" smtClean="0">
-                <a:latin typeface="Courier New" panose="02070309020205020404" pitchFamily="49" charset="0"/>
-                <a:cs typeface="Courier New" panose="02070309020205020404" pitchFamily="49" charset="0"/>
-              </a:rPr>
-              <a:t> </a:t>
-            </a:r>
-            <a:r>
-              <a:rPr lang="en-US" dirty="0" err="1" smtClean="0">
-                <a:latin typeface="Courier New" panose="02070309020205020404" pitchFamily="49" charset="0"/>
-                <a:cs typeface="Courier New" panose="02070309020205020404" pitchFamily="49" charset="0"/>
-              </a:rPr>
-              <a:t>init</a:t>
-            </a:r>
-            <a:endParaRPr lang="en-US" dirty="0" smtClean="0">
-              <a:latin typeface="Courier New" panose="02070309020205020404" pitchFamily="49" charset="0"/>
-              <a:cs typeface="Courier New" panose="02070309020205020404" pitchFamily="49" charset="0"/>
-            </a:endParaRPr>
-          </a:p>
-          <a:p>
-            <a:r>
-              <a:rPr lang="en-US" dirty="0" smtClean="0">
-                <a:latin typeface="Courier New" panose="02070309020205020404" pitchFamily="49" charset="0"/>
-                <a:cs typeface="Courier New" panose="02070309020205020404" pitchFamily="49" charset="0"/>
-              </a:rPr>
-              <a:t>config.js for DEV</a:t>
-            </a:r>
-          </a:p>
-          <a:p>
-            <a:r>
-              <a:rPr lang="en-US" dirty="0" err="1" smtClean="0">
-                <a:latin typeface="Courier New" panose="02070309020205020404" pitchFamily="49" charset="0"/>
-                <a:cs typeface="Courier New" panose="02070309020205020404" pitchFamily="49" charset="0"/>
-              </a:rPr>
-              <a:t>npm</a:t>
-            </a:r>
-            <a:r>
-              <a:rPr lang="en-US" dirty="0" smtClean="0">
-                <a:latin typeface="Courier New" panose="02070309020205020404" pitchFamily="49" charset="0"/>
-                <a:cs typeface="Courier New" panose="02070309020205020404" pitchFamily="49" charset="0"/>
-              </a:rPr>
-              <a:t> </a:t>
-            </a:r>
-            <a:r>
-              <a:rPr lang="cs-CZ" dirty="0" err="1" smtClean="0">
-                <a:latin typeface="Courier New" panose="02070309020205020404" pitchFamily="49" charset="0"/>
-                <a:cs typeface="Courier New" panose="02070309020205020404" pitchFamily="49" charset="0"/>
-              </a:rPr>
-              <a:t>install</a:t>
-            </a:r>
-            <a:r>
-              <a:rPr lang="cs-CZ" dirty="0" smtClean="0">
-                <a:latin typeface="Courier New" panose="02070309020205020404" pitchFamily="49" charset="0"/>
-                <a:cs typeface="Courier New" panose="02070309020205020404" pitchFamily="49" charset="0"/>
-              </a:rPr>
-              <a:t> </a:t>
-            </a:r>
-            <a:r>
-              <a:rPr lang="en-US" dirty="0" smtClean="0">
-                <a:latin typeface="Courier New" panose="02070309020205020404" pitchFamily="49" charset="0"/>
-                <a:cs typeface="Courier New" panose="02070309020205020404" pitchFamily="49" charset="0"/>
-              </a:rPr>
-              <a:t>--save </a:t>
-            </a:r>
-            <a:r>
-              <a:rPr lang="en-US" dirty="0">
-                <a:latin typeface="Courier New" panose="02070309020205020404" pitchFamily="49" charset="0"/>
-                <a:cs typeface="Courier New" panose="02070309020205020404" pitchFamily="49" charset="0"/>
-              </a:rPr>
-              <a:t>$</a:t>
-            </a:r>
-            <a:r>
-              <a:rPr lang="en-US" dirty="0" smtClean="0">
-                <a:latin typeface="Courier New" panose="02070309020205020404" pitchFamily="49" charset="0"/>
-                <a:cs typeface="Courier New" panose="02070309020205020404" pitchFamily="49" charset="0"/>
-              </a:rPr>
-              <a:t>library</a:t>
-            </a:r>
-          </a:p>
-          <a:p>
-            <a:endParaRPr lang="en-US" dirty="0">
-              <a:latin typeface="Courier New" panose="02070309020205020404" pitchFamily="49" charset="0"/>
-              <a:cs typeface="Courier New" panose="02070309020205020404" pitchFamily="49" charset="0"/>
-            </a:endParaRPr>
-          </a:p>
-          <a:p>
-            <a:r>
-              <a:rPr lang="en-US" b="1" dirty="0" smtClean="0">
-                <a:latin typeface="Courier New" panose="02070309020205020404" pitchFamily="49" charset="0"/>
-                <a:cs typeface="Courier New" panose="02070309020205020404" pitchFamily="49" charset="0"/>
-              </a:rPr>
-              <a:t>… development, testing, ..</a:t>
-            </a:r>
-          </a:p>
-          <a:p>
-            <a:endParaRPr lang="en-US" dirty="0" smtClean="0">
-              <a:latin typeface="Courier New" panose="02070309020205020404" pitchFamily="49" charset="0"/>
-              <a:cs typeface="Courier New" panose="02070309020205020404" pitchFamily="49" charset="0"/>
-            </a:endParaRPr>
-          </a:p>
-          <a:p>
-            <a:r>
-              <a:rPr lang="cs-CZ" dirty="0" err="1">
-                <a:latin typeface="Courier New" panose="02070309020205020404" pitchFamily="49" charset="0"/>
-                <a:cs typeface="Courier New" panose="02070309020205020404" pitchFamily="49" charset="0"/>
-              </a:rPr>
-              <a:t>i</a:t>
-            </a:r>
-            <a:r>
-              <a:rPr lang="cs-CZ" dirty="0" err="1" smtClean="0">
-                <a:latin typeface="Courier New" panose="02070309020205020404" pitchFamily="49" charset="0"/>
-                <a:cs typeface="Courier New" panose="02070309020205020404" pitchFamily="49" charset="0"/>
-              </a:rPr>
-              <a:t>gnore</a:t>
-            </a:r>
-            <a:r>
-              <a:rPr lang="cs-CZ" dirty="0" smtClean="0">
-                <a:latin typeface="Courier New" panose="02070309020205020404" pitchFamily="49" charset="0"/>
-                <a:cs typeface="Courier New" panose="02070309020205020404" pitchFamily="49" charset="0"/>
-              </a:rPr>
-              <a:t> config.js</a:t>
-            </a:r>
-            <a:endParaRPr lang="en-US" dirty="0">
-              <a:latin typeface="Courier New" panose="02070309020205020404" pitchFamily="49" charset="0"/>
-              <a:cs typeface="Courier New" panose="02070309020205020404" pitchFamily="49" charset="0"/>
-            </a:endParaRPr>
-          </a:p>
-          <a:p>
-            <a:r>
-              <a:rPr lang="en-US" dirty="0" err="1">
-                <a:latin typeface="Courier New" panose="02070309020205020404" pitchFamily="49" charset="0"/>
-                <a:cs typeface="Courier New" panose="02070309020205020404" pitchFamily="49" charset="0"/>
-              </a:rPr>
-              <a:t>g</a:t>
-            </a:r>
-            <a:r>
-              <a:rPr lang="en-US" dirty="0" err="1" smtClean="0">
-                <a:latin typeface="Courier New" panose="02070309020205020404" pitchFamily="49" charset="0"/>
-                <a:cs typeface="Courier New" panose="02070309020205020404" pitchFamily="49" charset="0"/>
-              </a:rPr>
-              <a:t>it</a:t>
-            </a:r>
-            <a:r>
-              <a:rPr lang="en-US" dirty="0" smtClean="0">
-                <a:latin typeface="Courier New" panose="02070309020205020404" pitchFamily="49" charset="0"/>
-                <a:cs typeface="Courier New" panose="02070309020205020404" pitchFamily="49" charset="0"/>
-              </a:rPr>
-              <a:t> push</a:t>
-            </a:r>
-            <a:endParaRPr lang="en-US" dirty="0">
-              <a:latin typeface="Courier New" panose="02070309020205020404" pitchFamily="49" charset="0"/>
-              <a:cs typeface="Courier New" panose="02070309020205020404" pitchFamily="49" charset="0"/>
-            </a:endParaRPr>
-          </a:p>
-        </p:txBody>
-      </p:sp>
-      <p:sp>
-        <p:nvSpPr>
-          <p:cNvPr id="6" name="TextovéPole 5"/>
-          <p:cNvSpPr txBox="1"/>
-          <p:nvPr/>
-        </p:nvSpPr>
-        <p:spPr>
-          <a:xfrm>
-            <a:off x="5564336" y="2407072"/>
-            <a:ext cx="3040112" cy="3139321"/>
-          </a:xfrm>
-          <a:prstGeom prst="rect">
-            <a:avLst/>
-          </a:prstGeom>
-        </p:spPr>
-        <p:style>
-          <a:lnRef idx="1">
-            <a:schemeClr val="accent2"/>
-          </a:lnRef>
-          <a:fillRef idx="2">
-            <a:schemeClr val="accent2"/>
-          </a:fillRef>
-          <a:effectRef idx="1">
-            <a:schemeClr val="accent2"/>
-          </a:effectRef>
-          <a:fontRef idx="minor">
-            <a:schemeClr val="dk1"/>
-          </a:fontRef>
-        </p:style>
-        <p:txBody>
-          <a:bodyPr wrap="square" rtlCol="0">
-            <a:spAutoFit/>
-          </a:bodyPr>
-          <a:lstStyle/>
-          <a:p>
-            <a:r>
-              <a:rPr lang="en-US" dirty="0" smtClean="0">
-                <a:latin typeface="Courier New" panose="02070309020205020404" pitchFamily="49" charset="0"/>
-                <a:cs typeface="Courier New" panose="02070309020205020404" pitchFamily="49" charset="0"/>
-              </a:rPr>
-              <a:t>(Install node, pm2)</a:t>
-            </a:r>
-          </a:p>
-          <a:p>
-            <a:endParaRPr lang="en-US" dirty="0">
-              <a:latin typeface="Courier New" panose="02070309020205020404" pitchFamily="49" charset="0"/>
-              <a:cs typeface="Courier New" panose="02070309020205020404" pitchFamily="49" charset="0"/>
-            </a:endParaRPr>
-          </a:p>
-          <a:p>
-            <a:endParaRPr lang="en-US" dirty="0" smtClean="0">
-              <a:latin typeface="Courier New" panose="02070309020205020404" pitchFamily="49" charset="0"/>
-              <a:cs typeface="Courier New" panose="02070309020205020404" pitchFamily="49" charset="0"/>
-            </a:endParaRPr>
-          </a:p>
-          <a:p>
-            <a:r>
-              <a:rPr lang="en-US" dirty="0" err="1" smtClean="0">
-                <a:latin typeface="Courier New" panose="02070309020205020404" pitchFamily="49" charset="0"/>
-                <a:cs typeface="Courier New" panose="02070309020205020404" pitchFamily="49" charset="0"/>
-              </a:rPr>
-              <a:t>git</a:t>
-            </a:r>
-            <a:r>
-              <a:rPr lang="en-US" dirty="0" smtClean="0">
-                <a:latin typeface="Courier New" panose="02070309020205020404" pitchFamily="49" charset="0"/>
-                <a:cs typeface="Courier New" panose="02070309020205020404" pitchFamily="49" charset="0"/>
-              </a:rPr>
-              <a:t> clone</a:t>
-            </a:r>
-          </a:p>
-          <a:p>
-            <a:r>
-              <a:rPr lang="en-US" dirty="0" err="1">
-                <a:latin typeface="Courier New" panose="02070309020205020404" pitchFamily="49" charset="0"/>
-                <a:cs typeface="Courier New" panose="02070309020205020404" pitchFamily="49" charset="0"/>
-              </a:rPr>
-              <a:t>n</a:t>
-            </a:r>
-            <a:r>
-              <a:rPr lang="en-US" dirty="0" err="1" smtClean="0">
-                <a:latin typeface="Courier New" panose="02070309020205020404" pitchFamily="49" charset="0"/>
-                <a:cs typeface="Courier New" panose="02070309020205020404" pitchFamily="49" charset="0"/>
-              </a:rPr>
-              <a:t>pm</a:t>
-            </a:r>
-            <a:r>
-              <a:rPr lang="en-US" dirty="0" smtClean="0">
-                <a:latin typeface="Courier New" panose="02070309020205020404" pitchFamily="49" charset="0"/>
-                <a:cs typeface="Courier New" panose="02070309020205020404" pitchFamily="49" charset="0"/>
-              </a:rPr>
-              <a:t> install</a:t>
-            </a:r>
-          </a:p>
-          <a:p>
-            <a:r>
-              <a:rPr lang="cs-CZ" dirty="0" err="1" smtClean="0">
-                <a:latin typeface="Courier New" panose="02070309020205020404" pitchFamily="49" charset="0"/>
-                <a:cs typeface="Courier New" panose="02070309020205020404" pitchFamily="49" charset="0"/>
-              </a:rPr>
-              <a:t>vim</a:t>
-            </a:r>
-            <a:r>
-              <a:rPr lang="cs-CZ" dirty="0" smtClean="0">
-                <a:latin typeface="Courier New" panose="02070309020205020404" pitchFamily="49" charset="0"/>
-                <a:cs typeface="Courier New" panose="02070309020205020404" pitchFamily="49" charset="0"/>
-              </a:rPr>
-              <a:t> config.js</a:t>
-            </a:r>
-            <a:endParaRPr lang="en-US" dirty="0" smtClean="0">
-              <a:latin typeface="Courier New" panose="02070309020205020404" pitchFamily="49" charset="0"/>
-              <a:cs typeface="Courier New" panose="02070309020205020404" pitchFamily="49" charset="0"/>
-            </a:endParaRPr>
-          </a:p>
-          <a:p>
-            <a:endParaRPr lang="en-US" dirty="0" smtClean="0">
-              <a:latin typeface="Courier New" panose="02070309020205020404" pitchFamily="49" charset="0"/>
-              <a:cs typeface="Courier New" panose="02070309020205020404" pitchFamily="49" charset="0"/>
-            </a:endParaRPr>
-          </a:p>
-          <a:p>
-            <a:r>
-              <a:rPr lang="en-US" dirty="0" smtClean="0">
-                <a:latin typeface="Courier New" panose="02070309020205020404" pitchFamily="49" charset="0"/>
-                <a:cs typeface="Courier New" panose="02070309020205020404" pitchFamily="49" charset="0"/>
-              </a:rPr>
-              <a:t>pm2 start index.js --name </a:t>
-            </a:r>
-            <a:r>
-              <a:rPr lang="en-US" dirty="0" err="1" smtClean="0">
-                <a:latin typeface="Courier New" panose="02070309020205020404" pitchFamily="49" charset="0"/>
-                <a:cs typeface="Courier New" panose="02070309020205020404" pitchFamily="49" charset="0"/>
-              </a:rPr>
-              <a:t>Projekt</a:t>
-            </a:r>
-            <a:endParaRPr lang="en-US" dirty="0" smtClean="0">
-              <a:latin typeface="Courier New" panose="02070309020205020404" pitchFamily="49" charset="0"/>
-              <a:cs typeface="Courier New" panose="02070309020205020404" pitchFamily="49" charset="0"/>
-            </a:endParaRPr>
-          </a:p>
-          <a:p>
-            <a:r>
-              <a:rPr lang="en-US" dirty="0">
-                <a:latin typeface="Courier New" panose="02070309020205020404" pitchFamily="49" charset="0"/>
-                <a:cs typeface="Courier New" panose="02070309020205020404" pitchFamily="49" charset="0"/>
-              </a:rPr>
-              <a:t>p</a:t>
-            </a:r>
-            <a:r>
-              <a:rPr lang="en-US" dirty="0" smtClean="0">
-                <a:latin typeface="Courier New" panose="02070309020205020404" pitchFamily="49" charset="0"/>
-                <a:cs typeface="Courier New" panose="02070309020205020404" pitchFamily="49" charset="0"/>
-              </a:rPr>
-              <a:t>m2 startup</a:t>
-            </a:r>
-            <a:endParaRPr lang="en-US" dirty="0">
-              <a:latin typeface="Courier New" panose="02070309020205020404" pitchFamily="49" charset="0"/>
-              <a:cs typeface="Courier New" panose="02070309020205020404" pitchFamily="49" charset="0"/>
-            </a:endParaRPr>
-          </a:p>
-          <a:p>
-            <a:endParaRPr lang="en-US" dirty="0">
-              <a:latin typeface="Courier New" panose="02070309020205020404" pitchFamily="49" charset="0"/>
-              <a:cs typeface="Courier New" panose="02070309020205020404" pitchFamily="49" charset="0"/>
-            </a:endParaRPr>
-          </a:p>
-        </p:txBody>
-      </p:sp>
-      <p:sp>
-        <p:nvSpPr>
-          <p:cNvPr id="7" name="Zaoblený obdélník 6"/>
-          <p:cNvSpPr/>
-          <p:nvPr/>
-        </p:nvSpPr>
-        <p:spPr>
-          <a:xfrm>
-            <a:off x="195288" y="1831008"/>
-            <a:ext cx="3152576" cy="576064"/>
-          </a:xfrm>
-          <a:prstGeom prst="roundRect">
-            <a:avLst/>
-          </a:prstGeom>
-        </p:spPr>
-        <p:style>
-          <a:lnRef idx="1">
-            <a:schemeClr val="accent5"/>
-          </a:lnRef>
-          <a:fillRef idx="2">
-            <a:schemeClr val="accent5"/>
-          </a:fillRef>
-          <a:effectRef idx="1">
-            <a:schemeClr val="accent5"/>
-          </a:effectRef>
-          <a:fontRef idx="minor">
-            <a:schemeClr val="dk1"/>
-          </a:fontRef>
-        </p:style>
-        <p:txBody>
-          <a:bodyPr rtlCol="0" anchor="ctr"/>
-          <a:lstStyle/>
-          <a:p>
-            <a:pPr algn="ctr"/>
-            <a:r>
-              <a:rPr lang="cs-CZ" sz="3200" b="1" dirty="0" err="1" smtClean="0"/>
-              <a:t>Local</a:t>
-            </a:r>
-            <a:r>
-              <a:rPr lang="cs-CZ" sz="3200" b="1" dirty="0" smtClean="0"/>
-              <a:t> </a:t>
-            </a:r>
-            <a:r>
-              <a:rPr lang="cs-CZ" sz="3200" b="1" dirty="0" err="1" smtClean="0"/>
-              <a:t>devel</a:t>
-            </a:r>
-            <a:endParaRPr lang="en-US" sz="3200" b="1" dirty="0"/>
-          </a:p>
-        </p:txBody>
-      </p:sp>
-      <p:sp>
-        <p:nvSpPr>
-          <p:cNvPr id="8" name="Zaoblený obdélník 7"/>
-          <p:cNvSpPr/>
-          <p:nvPr/>
-        </p:nvSpPr>
-        <p:spPr>
-          <a:xfrm>
-            <a:off x="5564336" y="1831380"/>
-            <a:ext cx="3040112" cy="576064"/>
-          </a:xfrm>
-          <a:prstGeom prst="roundRect">
-            <a:avLst/>
-          </a:prstGeom>
-        </p:spPr>
-        <p:style>
-          <a:lnRef idx="1">
-            <a:schemeClr val="accent2"/>
-          </a:lnRef>
-          <a:fillRef idx="2">
-            <a:schemeClr val="accent2"/>
-          </a:fillRef>
-          <a:effectRef idx="1">
-            <a:schemeClr val="accent2"/>
-          </a:effectRef>
-          <a:fontRef idx="minor">
-            <a:schemeClr val="dk1"/>
-          </a:fontRef>
-        </p:style>
-        <p:txBody>
-          <a:bodyPr rtlCol="0" anchor="ctr"/>
-          <a:lstStyle/>
-          <a:p>
-            <a:pPr algn="ctr"/>
-            <a:r>
-              <a:rPr lang="cs-CZ" sz="2800" b="1" dirty="0" err="1"/>
-              <a:t>P</a:t>
-            </a:r>
-            <a:r>
-              <a:rPr lang="cs-CZ" sz="2800" b="1" dirty="0" err="1" smtClean="0"/>
-              <a:t>roduction</a:t>
-            </a:r>
-            <a:endParaRPr lang="en-US" b="1" dirty="0"/>
+              <a:t>From scratch to production</a:t>
+            </a:r>
+            <a:r>
+              <a:rPr lang="en-US" dirty="0"/>
+              <a:t>!</a:t>
+            </a:r>
           </a:p>
         </p:txBody>
       </p:sp>
     </p:spTree>
     <p:extLst>
       <p:ext uri="{BB962C8B-B14F-4D97-AF65-F5344CB8AC3E}">
-        <p14:creationId xmlns:p14="http://schemas.microsoft.com/office/powerpoint/2010/main" val="611199298"/>
+        <p14:creationId xmlns:p14="http://schemas.microsoft.com/office/powerpoint/2010/main" val="4104059675"/>
       </p:ext>
     </p:extLst>
   </p:cSld>
   <p:clrMapOvr>
     <a:masterClrMapping/>
   </p:clrMapOvr>
+  <mc:AlternateContent xmlns:mc="http://schemas.openxmlformats.org/markup-compatibility/2006">
+    <mc:Choice xmlns:p14="http://schemas.microsoft.com/office/powerpoint/2010/main" Requires="p14">
+      <p:transition spd="slow" p14:dur="800">
+        <p14:flythrough/>
+      </p:transition>
+    </mc:Choice>
+    <mc:Fallback>
+      <p:transition spd="slow">
+        <p:fade/>
+      </p:transition>
+    </mc:Fallback>
+  </mc:AlternateContent>
   <p:timing>
     <p:tnLst>
       <p:par>
@@ -6722,7 +9116,15 @@
           <a:p>
             <a:r>
               <a:rPr lang="en-US" dirty="0" smtClean="0"/>
-              <a:t>pm2</a:t>
+              <a:t>Folder &amp; </a:t>
+            </a:r>
+            <a:r>
+              <a:rPr lang="en-US" dirty="0" err="1" smtClean="0"/>
+              <a:t>git</a:t>
+            </a:r>
+            <a:r>
+              <a:rPr lang="en-US" dirty="0" smtClean="0"/>
+              <a:t> configuration</a:t>
             </a:r>
             <a:endParaRPr lang="en-US" dirty="0"/>
           </a:p>
@@ -6738,137 +9140,102 @@
             <p:ph idx="1"/>
           </p:nvPr>
         </p:nvSpPr>
-        <p:spPr>
-          <a:xfrm>
-            <a:off x="457200" y="1412776"/>
-            <a:ext cx="8229600" cy="4713387"/>
-          </a:xfrm>
-        </p:spPr>
+        <p:spPr/>
         <p:txBody>
-          <a:bodyPr>
-            <a:normAutofit lnSpcReduction="10000"/>
-          </a:bodyPr>
+          <a:bodyPr/>
           <a:lstStyle/>
           <a:p>
             <a:r>
-              <a:rPr lang="en-US" dirty="0">
-                <a:hlinkClick r:id="rId2"/>
-              </a:rPr>
-              <a:t>http://pm2.keymetrics.io</a:t>
-            </a:r>
-            <a:r>
-              <a:rPr lang="en-US" dirty="0" smtClean="0">
-                <a:hlinkClick r:id="rId2"/>
-              </a:rPr>
-              <a:t>/</a:t>
+              <a:rPr lang="en-US" dirty="0" smtClean="0"/>
+              <a:t>index.js or other main piece of </a:t>
+            </a:r>
+            <a:r>
+              <a:rPr lang="en-US" dirty="0" err="1" smtClean="0"/>
+              <a:t>javascript</a:t>
+            </a:r>
+            <a:r>
+              <a:rPr lang="en-US" dirty="0" smtClean="0"/>
+              <a:t> code</a:t>
+            </a:r>
+          </a:p>
+          <a:p>
+            <a:r>
+              <a:rPr lang="en-US" dirty="0" smtClean="0"/>
+              <a:t>*.</a:t>
+            </a:r>
+            <a:r>
+              <a:rPr lang="en-US" dirty="0" err="1" smtClean="0"/>
+              <a:t>js</a:t>
+            </a:r>
+            <a:r>
+              <a:rPr lang="en-US" dirty="0" smtClean="0"/>
+              <a:t> divided into folders connected using require</a:t>
+            </a:r>
+          </a:p>
+          <a:p>
+            <a:r>
+              <a:rPr lang="en-US" dirty="0" smtClean="0"/>
+              <a:t>config.sample.js – dummy </a:t>
+            </a:r>
+            <a:r>
+              <a:rPr lang="en-US" dirty="0" err="1" smtClean="0"/>
+              <a:t>config</a:t>
+            </a:r>
+            <a:r>
+              <a:rPr lang="en-US" dirty="0" smtClean="0"/>
+              <a:t> in </a:t>
+            </a:r>
+            <a:r>
+              <a:rPr lang="en-US" dirty="0" err="1" smtClean="0"/>
+              <a:t>git</a:t>
             </a:r>
             <a:endParaRPr lang="en-US" dirty="0" smtClean="0"/>
           </a:p>
           <a:p>
             <a:r>
               <a:rPr lang="en-US" dirty="0" smtClean="0"/>
-              <a:t>Co to um</a:t>
-            </a:r>
-            <a:r>
-              <a:rPr lang="cs-CZ" dirty="0" smtClean="0"/>
-              <a:t>í:</a:t>
+              <a:t>config.js – tokens, …. </a:t>
             </a:r>
           </a:p>
           <a:p>
             <a:pPr lvl="1"/>
             <a:r>
-              <a:rPr lang="cs-CZ" dirty="0" smtClean="0"/>
-              <a:t>Spravovat a monitorovat běžící procesy</a:t>
-            </a:r>
-          </a:p>
-          <a:p>
-            <a:pPr lvl="1"/>
-            <a:r>
-              <a:rPr lang="cs-CZ" dirty="0" smtClean="0"/>
-              <a:t>Dát je do </a:t>
-            </a:r>
-            <a:r>
-              <a:rPr lang="cs-CZ" dirty="0" err="1" smtClean="0"/>
-              <a:t>autorestartu</a:t>
-            </a:r>
-            <a:r>
-              <a:rPr lang="cs-CZ" dirty="0" smtClean="0"/>
-              <a:t> serveru</a:t>
-            </a:r>
-          </a:p>
-          <a:p>
-            <a:pPr lvl="1"/>
-            <a:r>
-              <a:rPr lang="cs-CZ" dirty="0" smtClean="0"/>
-              <a:t>Logovat atd.</a:t>
-            </a:r>
-          </a:p>
-          <a:p>
-            <a:pPr lvl="1"/>
-            <a:endParaRPr lang="cs-CZ" dirty="0" smtClean="0"/>
-          </a:p>
-          <a:p>
-            <a:r>
-              <a:rPr lang="cs-CZ" dirty="0" smtClean="0"/>
-              <a:t>Co to asi umí a my nepožíváme</a:t>
-            </a:r>
-          </a:p>
-          <a:p>
-            <a:pPr lvl="1"/>
-            <a:r>
-              <a:rPr lang="cs-CZ" dirty="0" err="1" smtClean="0"/>
-              <a:t>Škálování</a:t>
-            </a:r>
-            <a:r>
-              <a:rPr lang="cs-CZ" dirty="0" smtClean="0"/>
-              <a:t>, </a:t>
-            </a:r>
-            <a:r>
-              <a:rPr lang="cs-CZ" dirty="0" err="1" smtClean="0"/>
-              <a:t>fail</a:t>
-            </a:r>
-            <a:r>
-              <a:rPr lang="cs-CZ" dirty="0" smtClean="0"/>
-              <a:t> </a:t>
-            </a:r>
-            <a:r>
-              <a:rPr lang="cs-CZ" dirty="0" err="1" smtClean="0"/>
-              <a:t>over</a:t>
-            </a:r>
-            <a:endParaRPr lang="cs-CZ" dirty="0" smtClean="0"/>
-          </a:p>
-          <a:p>
-            <a:pPr lvl="1"/>
-            <a:r>
-              <a:rPr lang="cs-CZ" dirty="0" err="1" smtClean="0"/>
-              <a:t>Docker</a:t>
-            </a:r>
-            <a:r>
-              <a:rPr lang="cs-CZ" dirty="0" smtClean="0"/>
-              <a:t> </a:t>
-            </a:r>
-            <a:r>
-              <a:rPr lang="cs-CZ" dirty="0" err="1" smtClean="0"/>
-              <a:t>compatibility</a:t>
-            </a:r>
-            <a:endParaRPr lang="cs-CZ" dirty="0" smtClean="0"/>
-          </a:p>
-          <a:p>
-            <a:pPr lvl="1"/>
-            <a:endParaRPr lang="en-US" dirty="0"/>
+              <a:rPr lang="en-US" dirty="0" smtClean="0"/>
+              <a:t>Contains </a:t>
+            </a:r>
+            <a:r>
+              <a:rPr lang="en-US" dirty="0" err="1" smtClean="0"/>
+              <a:t>enviroment</a:t>
+            </a:r>
+            <a:r>
+              <a:rPr lang="en-US" dirty="0" smtClean="0"/>
+              <a:t> identification</a:t>
+            </a:r>
           </a:p>
         </p:txBody>
       </p:sp>
     </p:spTree>
     <p:extLst>
       <p:ext uri="{BB962C8B-B14F-4D97-AF65-F5344CB8AC3E}">
-        <p14:creationId xmlns:p14="http://schemas.microsoft.com/office/powerpoint/2010/main" val="3701924006"/>
+        <p14:creationId xmlns:p14="http://schemas.microsoft.com/office/powerpoint/2010/main" val="3701087990"/>
       </p:ext>
     </p:extLst>
   </p:cSld>
   <p:clrMapOvr>
     <a:masterClrMapping/>
   </p:clrMapOvr>
+  <mc:AlternateContent xmlns:mc="http://schemas.openxmlformats.org/markup-compatibility/2006">
+    <mc:Choice xmlns:p14="http://schemas.microsoft.com/office/powerpoint/2010/main" Requires="p14">
+      <p:transition spd="slow" p14:dur="800">
+        <p14:flythrough/>
+      </p:transition>
+    </mc:Choice>
+    <mc:Fallback>
+      <p:transition spd="slow">
+        <p:fade/>
+      </p:transition>
+    </mc:Fallback>
+  </mc:AlternateContent>
   <p:timing>
     <p:tnLst>
       <p:par>
@@ -6913,7 +9280,7 @@
           <a:p>
             <a:r>
               <a:rPr lang="en-US" dirty="0" smtClean="0"/>
-              <a:t>Best practices</a:t>
+              <a:t>Deployment cycle</a:t>
             </a:r>
             <a:endParaRPr lang="en-US" dirty="0"/>
           </a:p>
@@ -6921,174 +9288,541 @@
       </p:sp>
       <p:sp>
         <p:nvSpPr>
-          <p:cNvPr id="3" name="Zástupný symbol pro obsah 2"/>
-          <p:cNvSpPr>
-            <a:spLocks noGrp="1"/>
-          </p:cNvSpPr>
-          <p:nvPr>
-            <p:ph idx="1"/>
-          </p:nvPr>
+          <p:cNvPr id="4" name="Vývojový diagram: magnetický disk 3"/>
+          <p:cNvSpPr/>
+          <p:nvPr/>
         </p:nvSpPr>
-        <p:spPr/>
+        <p:spPr>
+          <a:xfrm>
+            <a:off x="3572520" y="2780928"/>
+            <a:ext cx="1656184" cy="1512168"/>
+          </a:xfrm>
+          <a:prstGeom prst="flowChartMagneticDisk">
+            <a:avLst/>
+          </a:prstGeom>
+        </p:spPr>
+        <p:style>
+          <a:lnRef idx="1">
+            <a:schemeClr val="dk1"/>
+          </a:lnRef>
+          <a:fillRef idx="2">
+            <a:schemeClr val="dk1"/>
+          </a:fillRef>
+          <a:effectRef idx="1">
+            <a:schemeClr val="dk1"/>
+          </a:effectRef>
+          <a:fontRef idx="minor">
+            <a:schemeClr val="dk1"/>
+          </a:fontRef>
+        </p:style>
         <p:txBody>
-          <a:bodyPr/>
+          <a:bodyPr rtlCol="0" anchor="ctr"/>
           <a:lstStyle/>
           <a:p>
+            <a:pPr algn="ctr"/>
             <a:r>
               <a:rPr lang="en-US" dirty="0" smtClean="0"/>
-              <a:t>Use </a:t>
-            </a:r>
+              <a:t>GIT</a:t>
+            </a:r>
+            <a:r>
+              <a:rPr lang="cs-CZ" dirty="0" smtClean="0"/>
+              <a:t>hub</a:t>
+            </a:r>
+            <a:endParaRPr lang="en-US" dirty="0"/>
+          </a:p>
+        </p:txBody>
+      </p:sp>
+      <p:sp>
+        <p:nvSpPr>
+          <p:cNvPr id="5" name="TextovéPole 4"/>
+          <p:cNvSpPr txBox="1"/>
+          <p:nvPr/>
+        </p:nvSpPr>
+        <p:spPr>
+          <a:xfrm>
+            <a:off x="195288" y="2420888"/>
+            <a:ext cx="3152576" cy="2862322"/>
+          </a:xfrm>
+          <a:prstGeom prst="rect">
+            <a:avLst/>
+          </a:prstGeom>
+        </p:spPr>
+        <p:style>
+          <a:lnRef idx="1">
+            <a:schemeClr val="accent5"/>
+          </a:lnRef>
+          <a:fillRef idx="2">
+            <a:schemeClr val="accent5"/>
+          </a:fillRef>
+          <a:effectRef idx="1">
+            <a:schemeClr val="accent5"/>
+          </a:effectRef>
+          <a:fontRef idx="minor">
+            <a:schemeClr val="dk1"/>
+          </a:fontRef>
+        </p:style>
+        <p:txBody>
+          <a:bodyPr wrap="square" rtlCol="0">
+            <a:spAutoFit/>
+          </a:bodyPr>
+          <a:lstStyle/>
+          <a:p>
+            <a:r>
+              <a:rPr lang="en-US" dirty="0" err="1">
+                <a:latin typeface="Courier New" panose="02070309020205020404" pitchFamily="49" charset="0"/>
+                <a:cs typeface="Courier New" panose="02070309020205020404" pitchFamily="49" charset="0"/>
+              </a:rPr>
+              <a:t>n</a:t>
+            </a:r>
+            <a:r>
+              <a:rPr lang="en-US" dirty="0" err="1" smtClean="0">
+                <a:latin typeface="Courier New" panose="02070309020205020404" pitchFamily="49" charset="0"/>
+                <a:cs typeface="Courier New" panose="02070309020205020404" pitchFamily="49" charset="0"/>
+              </a:rPr>
+              <a:t>pm</a:t>
+            </a:r>
+            <a:r>
+              <a:rPr lang="en-US" dirty="0" smtClean="0">
+                <a:latin typeface="Courier New" panose="02070309020205020404" pitchFamily="49" charset="0"/>
+                <a:cs typeface="Courier New" panose="02070309020205020404" pitchFamily="49" charset="0"/>
+              </a:rPr>
+              <a:t> </a:t>
+            </a:r>
+            <a:r>
+              <a:rPr lang="en-US" dirty="0" err="1" smtClean="0">
+                <a:latin typeface="Courier New" panose="02070309020205020404" pitchFamily="49" charset="0"/>
+                <a:cs typeface="Courier New" panose="02070309020205020404" pitchFamily="49" charset="0"/>
+              </a:rPr>
+              <a:t>init</a:t>
+            </a:r>
+            <a:endParaRPr lang="en-US" dirty="0" smtClean="0">
+              <a:latin typeface="Courier New" panose="02070309020205020404" pitchFamily="49" charset="0"/>
+              <a:cs typeface="Courier New" panose="02070309020205020404" pitchFamily="49" charset="0"/>
+            </a:endParaRPr>
+          </a:p>
+          <a:p>
+            <a:r>
+              <a:rPr lang="en-US" dirty="0" smtClean="0">
+                <a:latin typeface="Courier New" panose="02070309020205020404" pitchFamily="49" charset="0"/>
+                <a:cs typeface="Courier New" panose="02070309020205020404" pitchFamily="49" charset="0"/>
+              </a:rPr>
+              <a:t>config.js for DEV</a:t>
+            </a:r>
+          </a:p>
+          <a:p>
+            <a:r>
+              <a:rPr lang="en-US" dirty="0" err="1" smtClean="0">
+                <a:latin typeface="Courier New" panose="02070309020205020404" pitchFamily="49" charset="0"/>
+                <a:cs typeface="Courier New" panose="02070309020205020404" pitchFamily="49" charset="0"/>
+              </a:rPr>
+              <a:t>npm</a:t>
+            </a:r>
+            <a:r>
+              <a:rPr lang="en-US" dirty="0" smtClean="0">
+                <a:latin typeface="Courier New" panose="02070309020205020404" pitchFamily="49" charset="0"/>
+                <a:cs typeface="Courier New" panose="02070309020205020404" pitchFamily="49" charset="0"/>
+              </a:rPr>
+              <a:t> </a:t>
+            </a:r>
+            <a:r>
+              <a:rPr lang="cs-CZ" dirty="0" err="1" smtClean="0">
+                <a:latin typeface="Courier New" panose="02070309020205020404" pitchFamily="49" charset="0"/>
+                <a:cs typeface="Courier New" panose="02070309020205020404" pitchFamily="49" charset="0"/>
+              </a:rPr>
+              <a:t>install</a:t>
+            </a:r>
+            <a:r>
+              <a:rPr lang="cs-CZ" dirty="0" smtClean="0">
+                <a:latin typeface="Courier New" panose="02070309020205020404" pitchFamily="49" charset="0"/>
+                <a:cs typeface="Courier New" panose="02070309020205020404" pitchFamily="49" charset="0"/>
+              </a:rPr>
+              <a:t> </a:t>
+            </a:r>
+            <a:r>
+              <a:rPr lang="en-US" dirty="0" smtClean="0">
+                <a:latin typeface="Courier New" panose="02070309020205020404" pitchFamily="49" charset="0"/>
+                <a:cs typeface="Courier New" panose="02070309020205020404" pitchFamily="49" charset="0"/>
+              </a:rPr>
+              <a:t>--save </a:t>
+            </a:r>
+            <a:r>
+              <a:rPr lang="en-US" dirty="0">
+                <a:latin typeface="Courier New" panose="02070309020205020404" pitchFamily="49" charset="0"/>
+                <a:cs typeface="Courier New" panose="02070309020205020404" pitchFamily="49" charset="0"/>
+              </a:rPr>
+              <a:t>$</a:t>
+            </a:r>
+            <a:r>
+              <a:rPr lang="en-US" dirty="0" smtClean="0">
+                <a:latin typeface="Courier New" panose="02070309020205020404" pitchFamily="49" charset="0"/>
+                <a:cs typeface="Courier New" panose="02070309020205020404" pitchFamily="49" charset="0"/>
+              </a:rPr>
+              <a:t>library</a:t>
+            </a:r>
+          </a:p>
+          <a:p>
+            <a:endParaRPr lang="en-US" dirty="0">
+              <a:latin typeface="Courier New" panose="02070309020205020404" pitchFamily="49" charset="0"/>
+              <a:cs typeface="Courier New" panose="02070309020205020404" pitchFamily="49" charset="0"/>
+            </a:endParaRPr>
+          </a:p>
+          <a:p>
             <a:r>
               <a:rPr lang="en-US" b="1" dirty="0" smtClean="0">
                 <a:latin typeface="Courier New" panose="02070309020205020404" pitchFamily="49" charset="0"/>
                 <a:cs typeface="Courier New" panose="02070309020205020404" pitchFamily="49" charset="0"/>
               </a:rPr>
-              <a:t>debug</a:t>
-            </a:r>
-            <a:r>
-              <a:rPr lang="en-US" b="1" dirty="0" smtClean="0"/>
-              <a:t> </a:t>
-            </a:r>
-            <a:r>
-              <a:rPr lang="en-US" dirty="0" smtClean="0"/>
-              <a:t>package</a:t>
-            </a:r>
-            <a:r>
-              <a:rPr lang="cs-CZ" dirty="0" smtClean="0"/>
-              <a:t> </a:t>
-            </a:r>
-            <a:r>
-              <a:rPr lang="cs-CZ" dirty="0" err="1" smtClean="0"/>
-              <a:t>for</a:t>
-            </a:r>
-            <a:r>
-              <a:rPr lang="cs-CZ" dirty="0" smtClean="0"/>
-              <a:t> </a:t>
-            </a:r>
-            <a:r>
-              <a:rPr lang="en-US" dirty="0" smtClean="0"/>
-              <a:t>debug </a:t>
-            </a:r>
-            <a:r>
-              <a:rPr lang="en-US" dirty="0" err="1" smtClean="0"/>
-              <a:t>loggs</a:t>
-            </a:r>
-            <a:endParaRPr lang="en-US" dirty="0" smtClean="0"/>
-          </a:p>
-          <a:p>
-            <a:r>
-              <a:rPr lang="en-US" dirty="0" smtClean="0"/>
-              <a:t>Use </a:t>
-            </a:r>
-            <a:r>
-              <a:rPr lang="en-US" b="1" dirty="0" err="1" smtClean="0">
+              <a:t>… development, testing, ..</a:t>
+            </a:r>
+          </a:p>
+          <a:p>
+            <a:endParaRPr lang="en-US" dirty="0" smtClean="0">
+              <a:latin typeface="Courier New" panose="02070309020205020404" pitchFamily="49" charset="0"/>
+              <a:cs typeface="Courier New" panose="02070309020205020404" pitchFamily="49" charset="0"/>
+            </a:endParaRPr>
+          </a:p>
+          <a:p>
+            <a:r>
+              <a:rPr lang="cs-CZ" dirty="0" err="1">
                 <a:latin typeface="Courier New" panose="02070309020205020404" pitchFamily="49" charset="0"/>
                 <a:cs typeface="Courier New" panose="02070309020205020404" pitchFamily="49" charset="0"/>
               </a:rPr>
-              <a:t>winston</a:t>
-            </a:r>
-            <a:r>
-              <a:rPr lang="en-US" dirty="0" smtClean="0"/>
-              <a:t> for logs</a:t>
-            </a:r>
-            <a:endParaRPr lang="en-US" dirty="0" smtClean="0"/>
-          </a:p>
-          <a:p>
-            <a:r>
-              <a:rPr lang="en-US" dirty="0" smtClean="0"/>
-              <a:t>Use promise-based package or </a:t>
-            </a:r>
-            <a:r>
-              <a:rPr lang="en-US" b="1" dirty="0" smtClean="0">
+              <a:t>i</a:t>
+            </a:r>
+            <a:r>
+              <a:rPr lang="cs-CZ" dirty="0" err="1" smtClean="0">
                 <a:latin typeface="Courier New" panose="02070309020205020404" pitchFamily="49" charset="0"/>
                 <a:cs typeface="Courier New" panose="02070309020205020404" pitchFamily="49" charset="0"/>
               </a:rPr>
-              <a:t>bluebird</a:t>
-            </a:r>
-          </a:p>
-          <a:p>
-            <a:r>
-              <a:rPr lang="en-US" dirty="0"/>
-              <a:t>A</a:t>
-            </a:r>
-            <a:r>
-              <a:rPr lang="en-US" dirty="0" smtClean="0"/>
-              <a:t>ll tokens</a:t>
-            </a:r>
-            <a:r>
-              <a:rPr lang="cs-CZ" dirty="0" smtClean="0"/>
-              <a:t>/</a:t>
-            </a:r>
-            <a:r>
-              <a:rPr lang="cs-CZ" dirty="0" err="1" smtClean="0"/>
-              <a:t>password</a:t>
-            </a:r>
-            <a:r>
-              <a:rPr lang="cs-CZ" dirty="0" smtClean="0"/>
-              <a:t> in </a:t>
+              <a:t>gnore</a:t>
             </a:r>
             <a:r>
               <a:rPr lang="cs-CZ" dirty="0" smtClean="0">
                 <a:latin typeface="Courier New" panose="02070309020205020404" pitchFamily="49" charset="0"/>
                 <a:cs typeface="Courier New" panose="02070309020205020404" pitchFamily="49" charset="0"/>
               </a:rPr>
-              <a:t>config.js</a:t>
-            </a:r>
-            <a:r>
-              <a:rPr lang="cs-CZ" dirty="0" smtClean="0"/>
-              <a:t> </a:t>
-            </a:r>
-            <a:r>
-              <a:rPr lang="cs-CZ" b="1" dirty="0" smtClean="0"/>
-              <a:t>NOT IN GIT</a:t>
-            </a:r>
-          </a:p>
-          <a:p>
-            <a:r>
-              <a:rPr lang="cs-CZ" dirty="0" smtClean="0"/>
-              <a:t>Use </a:t>
-            </a:r>
-            <a:r>
-              <a:rPr lang="cs-CZ" b="1" dirty="0" smtClean="0">
+              <a:t> config.js</a:t>
+            </a:r>
+            <a:endParaRPr lang="en-US" dirty="0">
+              <a:latin typeface="Courier New" panose="02070309020205020404" pitchFamily="49" charset="0"/>
+              <a:cs typeface="Courier New" panose="02070309020205020404" pitchFamily="49" charset="0"/>
+            </a:endParaRPr>
+          </a:p>
+          <a:p>
+            <a:r>
+              <a:rPr lang="en-US" dirty="0" err="1">
                 <a:latin typeface="Courier New" panose="02070309020205020404" pitchFamily="49" charset="0"/>
                 <a:cs typeface="Courier New" panose="02070309020205020404" pitchFamily="49" charset="0"/>
               </a:rPr>
-              <a:t>pm2</a:t>
-            </a:r>
-            <a:r>
-              <a:rPr lang="cs-CZ" dirty="0" smtClean="0"/>
+              <a:t>g</a:t>
+            </a:r>
+            <a:r>
+              <a:rPr lang="en-US" dirty="0" err="1" smtClean="0">
+                <a:latin typeface="Courier New" panose="02070309020205020404" pitchFamily="49" charset="0"/>
+                <a:cs typeface="Courier New" panose="02070309020205020404" pitchFamily="49" charset="0"/>
+              </a:rPr>
+              <a:t>it</a:t>
+            </a:r>
+            <a:r>
+              <a:rPr lang="en-US" dirty="0" smtClean="0">
+                <a:latin typeface="Courier New" panose="02070309020205020404" pitchFamily="49" charset="0"/>
+                <a:cs typeface="Courier New" panose="02070309020205020404" pitchFamily="49" charset="0"/>
+              </a:rPr>
+              <a:t> push</a:t>
+            </a:r>
+            <a:endParaRPr lang="en-US" dirty="0">
+              <a:latin typeface="Courier New" panose="02070309020205020404" pitchFamily="49" charset="0"/>
+              <a:cs typeface="Courier New" panose="02070309020205020404" pitchFamily="49" charset="0"/>
+            </a:endParaRPr>
+          </a:p>
+        </p:txBody>
+      </p:sp>
+      <p:sp>
+        <p:nvSpPr>
+          <p:cNvPr id="6" name="TextovéPole 5"/>
+          <p:cNvSpPr txBox="1"/>
+          <p:nvPr/>
+        </p:nvSpPr>
+        <p:spPr>
+          <a:xfrm>
+            <a:off x="5564336" y="2407072"/>
+            <a:ext cx="3040112" cy="3139321"/>
+          </a:xfrm>
+          <a:prstGeom prst="rect">
+            <a:avLst/>
+          </a:prstGeom>
+        </p:spPr>
+        <p:style>
+          <a:lnRef idx="1">
+            <a:schemeClr val="accent2"/>
+          </a:lnRef>
+          <a:fillRef idx="2">
+            <a:schemeClr val="accent2"/>
+          </a:fillRef>
+          <a:effectRef idx="1">
+            <a:schemeClr val="accent2"/>
+          </a:effectRef>
+          <a:fontRef idx="minor">
+            <a:schemeClr val="dk1"/>
+          </a:fontRef>
+        </p:style>
+        <p:txBody>
+          <a:bodyPr wrap="square" rtlCol="0">
+            <a:spAutoFit/>
+          </a:bodyPr>
+          <a:lstStyle/>
+          <a:p>
+            <a:r>
+              <a:rPr lang="en-US" dirty="0" smtClean="0">
+                <a:latin typeface="Courier New" panose="02070309020205020404" pitchFamily="49" charset="0"/>
+                <a:cs typeface="Courier New" panose="02070309020205020404" pitchFamily="49" charset="0"/>
+              </a:rPr>
+              <a:t>(Install node, pm2)</a:t>
+            </a:r>
+          </a:p>
+          <a:p>
+            <a:endParaRPr lang="en-US" dirty="0">
+              <a:latin typeface="Courier New" panose="02070309020205020404" pitchFamily="49" charset="0"/>
+              <a:cs typeface="Courier New" panose="02070309020205020404" pitchFamily="49" charset="0"/>
+            </a:endParaRPr>
+          </a:p>
+          <a:p>
+            <a:endParaRPr lang="en-US" dirty="0" smtClean="0">
+              <a:latin typeface="Courier New" panose="02070309020205020404" pitchFamily="49" charset="0"/>
+              <a:cs typeface="Courier New" panose="02070309020205020404" pitchFamily="49" charset="0"/>
+            </a:endParaRPr>
+          </a:p>
+          <a:p>
+            <a:r>
+              <a:rPr lang="en-US" dirty="0" err="1" smtClean="0">
+                <a:latin typeface="Courier New" panose="02070309020205020404" pitchFamily="49" charset="0"/>
+                <a:cs typeface="Courier New" panose="02070309020205020404" pitchFamily="49" charset="0"/>
+              </a:rPr>
+              <a:t>git</a:t>
+            </a:r>
+            <a:r>
+              <a:rPr lang="en-US" dirty="0" smtClean="0">
+                <a:latin typeface="Courier New" panose="02070309020205020404" pitchFamily="49" charset="0"/>
+                <a:cs typeface="Courier New" panose="02070309020205020404" pitchFamily="49" charset="0"/>
+              </a:rPr>
+              <a:t> clone</a:t>
+            </a:r>
+          </a:p>
+          <a:p>
+            <a:r>
+              <a:rPr lang="en-US" dirty="0" err="1">
+                <a:latin typeface="Courier New" panose="02070309020205020404" pitchFamily="49" charset="0"/>
+                <a:cs typeface="Courier New" panose="02070309020205020404" pitchFamily="49" charset="0"/>
+              </a:rPr>
+              <a:t>n</a:t>
+            </a:r>
+            <a:r>
+              <a:rPr lang="en-US" dirty="0" err="1" smtClean="0">
+                <a:latin typeface="Courier New" panose="02070309020205020404" pitchFamily="49" charset="0"/>
+                <a:cs typeface="Courier New" panose="02070309020205020404" pitchFamily="49" charset="0"/>
+              </a:rPr>
+              <a:t>pm</a:t>
+            </a:r>
+            <a:r>
+              <a:rPr lang="en-US" dirty="0" smtClean="0">
+                <a:latin typeface="Courier New" panose="02070309020205020404" pitchFamily="49" charset="0"/>
+                <a:cs typeface="Courier New" panose="02070309020205020404" pitchFamily="49" charset="0"/>
+              </a:rPr>
+              <a:t> install</a:t>
+            </a:r>
+          </a:p>
+          <a:p>
+            <a:r>
+              <a:rPr lang="cs-CZ" dirty="0" err="1" smtClean="0">
+                <a:latin typeface="Courier New" panose="02070309020205020404" pitchFamily="49" charset="0"/>
+                <a:cs typeface="Courier New" panose="02070309020205020404" pitchFamily="49" charset="0"/>
+              </a:rPr>
+              <a:t>vim</a:t>
+            </a:r>
+            <a:r>
+              <a:rPr lang="cs-CZ" dirty="0" smtClean="0">
+                <a:latin typeface="Courier New" panose="02070309020205020404" pitchFamily="49" charset="0"/>
+                <a:cs typeface="Courier New" panose="02070309020205020404" pitchFamily="49" charset="0"/>
+              </a:rPr>
+              <a:t> config.js</a:t>
+            </a:r>
+            <a:endParaRPr lang="en-US" dirty="0" smtClean="0">
+              <a:latin typeface="Courier New" panose="02070309020205020404" pitchFamily="49" charset="0"/>
+              <a:cs typeface="Courier New" panose="02070309020205020404" pitchFamily="49" charset="0"/>
+            </a:endParaRPr>
+          </a:p>
+          <a:p>
+            <a:endParaRPr lang="en-US" dirty="0" smtClean="0">
+              <a:latin typeface="Courier New" panose="02070309020205020404" pitchFamily="49" charset="0"/>
+              <a:cs typeface="Courier New" panose="02070309020205020404" pitchFamily="49" charset="0"/>
+            </a:endParaRPr>
+          </a:p>
+          <a:p>
+            <a:r>
+              <a:rPr lang="en-US" dirty="0" smtClean="0">
+                <a:latin typeface="Courier New" panose="02070309020205020404" pitchFamily="49" charset="0"/>
+                <a:cs typeface="Courier New" panose="02070309020205020404" pitchFamily="49" charset="0"/>
+              </a:rPr>
+              <a:t>pm2 start index.js --name </a:t>
+            </a:r>
+            <a:r>
+              <a:rPr lang="en-US" dirty="0" err="1" smtClean="0">
+                <a:latin typeface="Courier New" panose="02070309020205020404" pitchFamily="49" charset="0"/>
+                <a:cs typeface="Courier New" panose="02070309020205020404" pitchFamily="49" charset="0"/>
+              </a:rPr>
+              <a:t>Projekt</a:t>
+            </a:r>
+            <a:endParaRPr lang="en-US" dirty="0" smtClean="0">
+              <a:latin typeface="Courier New" panose="02070309020205020404" pitchFamily="49" charset="0"/>
+              <a:cs typeface="Courier New" panose="02070309020205020404" pitchFamily="49" charset="0"/>
+            </a:endParaRPr>
+          </a:p>
+          <a:p>
+            <a:r>
+              <a:rPr lang="en-US" dirty="0">
+                <a:latin typeface="Courier New" panose="02070309020205020404" pitchFamily="49" charset="0"/>
+                <a:cs typeface="Courier New" panose="02070309020205020404" pitchFamily="49" charset="0"/>
+              </a:rPr>
+              <a:t>p</a:t>
+            </a:r>
+            <a:r>
+              <a:rPr lang="en-US" dirty="0" smtClean="0">
+                <a:latin typeface="Courier New" panose="02070309020205020404" pitchFamily="49" charset="0"/>
+                <a:cs typeface="Courier New" panose="02070309020205020404" pitchFamily="49" charset="0"/>
+              </a:rPr>
+              <a:t>m2 startup</a:t>
+            </a:r>
+            <a:endParaRPr lang="en-US" dirty="0">
+              <a:latin typeface="Courier New" panose="02070309020205020404" pitchFamily="49" charset="0"/>
+              <a:cs typeface="Courier New" panose="02070309020205020404" pitchFamily="49" charset="0"/>
+            </a:endParaRPr>
+          </a:p>
+          <a:p>
+            <a:endParaRPr lang="en-US" dirty="0">
+              <a:latin typeface="Courier New" panose="02070309020205020404" pitchFamily="49" charset="0"/>
+              <a:cs typeface="Courier New" panose="02070309020205020404" pitchFamily="49" charset="0"/>
+            </a:endParaRPr>
+          </a:p>
+        </p:txBody>
+      </p:sp>
+      <p:sp>
+        <p:nvSpPr>
+          <p:cNvPr id="7" name="Zaoblený obdélník 6"/>
+          <p:cNvSpPr/>
+          <p:nvPr/>
+        </p:nvSpPr>
+        <p:spPr>
+          <a:xfrm>
+            <a:off x="195288" y="1831008"/>
+            <a:ext cx="3152576" cy="576064"/>
+          </a:xfrm>
+          <a:prstGeom prst="roundRect">
+            <a:avLst/>
+          </a:prstGeom>
+        </p:spPr>
+        <p:style>
+          <a:lnRef idx="1">
+            <a:schemeClr val="accent5"/>
+          </a:lnRef>
+          <a:fillRef idx="2">
+            <a:schemeClr val="accent5"/>
+          </a:fillRef>
+          <a:effectRef idx="1">
+            <a:schemeClr val="accent5"/>
+          </a:effectRef>
+          <a:fontRef idx="minor">
+            <a:schemeClr val="dk1"/>
+          </a:fontRef>
+        </p:style>
+        <p:txBody>
+          <a:bodyPr rtlCol="0" anchor="ctr"/>
+          <a:lstStyle/>
+          <a:p>
+            <a:pPr algn="ctr"/>
+            <a:r>
+              <a:rPr lang="cs-CZ" sz="3200" b="1" dirty="0" err="1" smtClean="0"/>
+              <a:t>Local</a:t>
+            </a:r>
+            <a:r>
+              <a:rPr lang="cs-CZ" sz="3200" b="1" dirty="0" smtClean="0"/>
               <a:t> </a:t>
             </a:r>
             <a:r>
-              <a:rPr lang="cs-CZ" dirty="0" err="1" smtClean="0"/>
-              <a:t>for</a:t>
-            </a:r>
-            <a:r>
-              <a:rPr lang="cs-CZ" dirty="0" smtClean="0"/>
-              <a:t> </a:t>
-            </a:r>
-            <a:r>
-              <a:rPr lang="cs-CZ" dirty="0" err="1" smtClean="0"/>
-              <a:t>production</a:t>
-            </a:r>
-            <a:r>
-              <a:rPr lang="cs-CZ" dirty="0" smtClean="0"/>
-              <a:t> management</a:t>
-            </a:r>
-            <a:endParaRPr lang="en-US" dirty="0"/>
+              <a:rPr lang="cs-CZ" sz="3200" b="1" dirty="0" err="1" smtClean="0"/>
+              <a:t>devel</a:t>
+            </a:r>
+            <a:endParaRPr lang="en-US" sz="3200" b="1" dirty="0"/>
+          </a:p>
+        </p:txBody>
+      </p:sp>
+      <p:sp>
+        <p:nvSpPr>
+          <p:cNvPr id="8" name="Zaoblený obdélník 7"/>
+          <p:cNvSpPr/>
+          <p:nvPr/>
+        </p:nvSpPr>
+        <p:spPr>
+          <a:xfrm>
+            <a:off x="5564336" y="1831380"/>
+            <a:ext cx="3040112" cy="576064"/>
+          </a:xfrm>
+          <a:prstGeom prst="roundRect">
+            <a:avLst/>
+          </a:prstGeom>
+        </p:spPr>
+        <p:style>
+          <a:lnRef idx="1">
+            <a:schemeClr val="accent2"/>
+          </a:lnRef>
+          <a:fillRef idx="2">
+            <a:schemeClr val="accent2"/>
+          </a:fillRef>
+          <a:effectRef idx="1">
+            <a:schemeClr val="accent2"/>
+          </a:effectRef>
+          <a:fontRef idx="minor">
+            <a:schemeClr val="dk1"/>
+          </a:fontRef>
+        </p:style>
+        <p:txBody>
+          <a:bodyPr rtlCol="0" anchor="ctr"/>
+          <a:lstStyle/>
+          <a:p>
+            <a:pPr algn="ctr"/>
+            <a:r>
+              <a:rPr lang="cs-CZ" sz="2800" b="1" dirty="0" err="1"/>
+              <a:t>P</a:t>
+            </a:r>
+            <a:r>
+              <a:rPr lang="cs-CZ" sz="2800" b="1" dirty="0" err="1" smtClean="0"/>
+              <a:t>roduction</a:t>
+            </a:r>
+            <a:endParaRPr lang="en-US" b="1" dirty="0"/>
           </a:p>
         </p:txBody>
       </p:sp>
     </p:spTree>
     <p:extLst>
       <p:ext uri="{BB962C8B-B14F-4D97-AF65-F5344CB8AC3E}">
-        <p14:creationId xmlns:p14="http://schemas.microsoft.com/office/powerpoint/2010/main" val="1014899769"/>
+        <p14:creationId xmlns:p14="http://schemas.microsoft.com/office/powerpoint/2010/main" val="611199298"/>
       </p:ext>
     </p:extLst>
   </p:cSld>
   <p:clrMapOvr>
     <a:masterClrMapping/>
   </p:clrMapOvr>
+  <mc:AlternateContent xmlns:mc="http://schemas.openxmlformats.org/markup-compatibility/2006">
+    <mc:Choice xmlns:p14="http://schemas.microsoft.com/office/powerpoint/2010/main" Requires="p14">
+      <p:transition spd="slow" p14:dur="800">
+        <p14:flythrough/>
+      </p:transition>
+    </mc:Choice>
+    <mc:Fallback>
+      <p:transition spd="slow">
+        <p:fade/>
+      </p:transition>
+    </mc:Fallback>
+  </mc:AlternateContent>
   <p:timing>
     <p:tnLst>
       <p:par>
@@ -7132,6 +9866,515 @@
           <a:lstStyle/>
           <a:p>
             <a:r>
+              <a:rPr lang="en-US" dirty="0" smtClean="0"/>
+              <a:t>pm2</a:t>
+            </a:r>
+            <a:endParaRPr lang="en-US" dirty="0"/>
+          </a:p>
+        </p:txBody>
+      </p:sp>
+      <p:sp>
+        <p:nvSpPr>
+          <p:cNvPr id="3" name="Zástupný symbol pro obsah 2"/>
+          <p:cNvSpPr>
+            <a:spLocks noGrp="1"/>
+          </p:cNvSpPr>
+          <p:nvPr>
+            <p:ph idx="1"/>
+          </p:nvPr>
+        </p:nvSpPr>
+        <p:spPr>
+          <a:xfrm>
+            <a:off x="457200" y="1412776"/>
+            <a:ext cx="8229600" cy="4713387"/>
+          </a:xfrm>
+        </p:spPr>
+        <p:txBody>
+          <a:bodyPr>
+            <a:normAutofit lnSpcReduction="10000"/>
+          </a:bodyPr>
+          <a:lstStyle/>
+          <a:p>
+            <a:r>
+              <a:rPr lang="en-US" dirty="0">
+                <a:hlinkClick r:id="rId2"/>
+              </a:rPr>
+              <a:t>http://pm2.keymetrics.io</a:t>
+            </a:r>
+            <a:r>
+              <a:rPr lang="en-US" dirty="0" smtClean="0">
+                <a:hlinkClick r:id="rId2"/>
+              </a:rPr>
+              <a:t>/</a:t>
+            </a:r>
+            <a:endParaRPr lang="en-US" dirty="0" smtClean="0"/>
+          </a:p>
+          <a:p>
+            <a:r>
+              <a:rPr lang="en-US" dirty="0" smtClean="0"/>
+              <a:t>Co to um</a:t>
+            </a:r>
+            <a:r>
+              <a:rPr lang="cs-CZ" dirty="0" smtClean="0"/>
+              <a:t>í:</a:t>
+            </a:r>
+          </a:p>
+          <a:p>
+            <a:pPr lvl="1"/>
+            <a:r>
+              <a:rPr lang="cs-CZ" dirty="0" smtClean="0"/>
+              <a:t>Spravovat a monitorovat běžící procesy</a:t>
+            </a:r>
+          </a:p>
+          <a:p>
+            <a:pPr lvl="1"/>
+            <a:r>
+              <a:rPr lang="cs-CZ" dirty="0" smtClean="0"/>
+              <a:t>Dát je do </a:t>
+            </a:r>
+            <a:r>
+              <a:rPr lang="cs-CZ" dirty="0" err="1" smtClean="0"/>
+              <a:t>autorestartu</a:t>
+            </a:r>
+            <a:r>
+              <a:rPr lang="cs-CZ" dirty="0" smtClean="0"/>
+              <a:t> serveru</a:t>
+            </a:r>
+          </a:p>
+          <a:p>
+            <a:pPr lvl="1"/>
+            <a:r>
+              <a:rPr lang="cs-CZ" dirty="0" smtClean="0"/>
+              <a:t>Logovat atd</a:t>
+            </a:r>
+            <a:r>
+              <a:rPr lang="cs-CZ" dirty="0" smtClean="0"/>
+              <a:t>.</a:t>
+            </a:r>
+            <a:endParaRPr lang="cs-CZ" dirty="0" smtClean="0"/>
+          </a:p>
+          <a:p>
+            <a:r>
+              <a:rPr lang="cs-CZ" dirty="0" smtClean="0"/>
+              <a:t>Co to asi umí a my nepožíváme</a:t>
+            </a:r>
+          </a:p>
+          <a:p>
+            <a:pPr lvl="1"/>
+            <a:r>
+              <a:rPr lang="cs-CZ" dirty="0" err="1" smtClean="0"/>
+              <a:t>Škálování</a:t>
+            </a:r>
+            <a:r>
+              <a:rPr lang="cs-CZ" dirty="0" smtClean="0"/>
+              <a:t>, </a:t>
+            </a:r>
+            <a:r>
+              <a:rPr lang="cs-CZ" dirty="0" err="1" smtClean="0"/>
+              <a:t>fail</a:t>
+            </a:r>
+            <a:r>
+              <a:rPr lang="cs-CZ" dirty="0" smtClean="0"/>
+              <a:t> </a:t>
+            </a:r>
+            <a:r>
+              <a:rPr lang="cs-CZ" dirty="0" err="1" smtClean="0"/>
+              <a:t>over</a:t>
+            </a:r>
+            <a:endParaRPr lang="cs-CZ" dirty="0" smtClean="0"/>
+          </a:p>
+          <a:p>
+            <a:pPr lvl="1"/>
+            <a:r>
+              <a:rPr lang="cs-CZ" dirty="0" err="1" smtClean="0"/>
+              <a:t>Docker</a:t>
+            </a:r>
+            <a:r>
+              <a:rPr lang="cs-CZ" dirty="0" smtClean="0"/>
+              <a:t> </a:t>
+            </a:r>
+            <a:r>
+              <a:rPr lang="cs-CZ" dirty="0" err="1" smtClean="0"/>
+              <a:t>compatibility</a:t>
+            </a:r>
+            <a:endParaRPr lang="en-US" dirty="0" smtClean="0"/>
+          </a:p>
+          <a:p>
+            <a:r>
+              <a:rPr lang="en-US" dirty="0" err="1" smtClean="0"/>
+              <a:t>Pozor</a:t>
+            </a:r>
+            <a:r>
+              <a:rPr lang="en-US" dirty="0" smtClean="0"/>
+              <a:t>: v</a:t>
+            </a:r>
+            <a:r>
+              <a:rPr lang="cs-CZ" dirty="0" err="1" smtClean="0"/>
+              <a:t>ždy</a:t>
+            </a:r>
+            <a:r>
+              <a:rPr lang="cs-CZ" dirty="0" smtClean="0"/>
+              <a:t> používat </a:t>
+            </a:r>
+            <a:r>
+              <a:rPr lang="en-US" dirty="0" smtClean="0">
+                <a:latin typeface="Courier New" panose="02070309020205020404" pitchFamily="49" charset="0"/>
+                <a:cs typeface="Courier New" panose="02070309020205020404" pitchFamily="49" charset="0"/>
+              </a:rPr>
+              <a:t>__</a:t>
+            </a:r>
+            <a:r>
+              <a:rPr lang="en-US" dirty="0" err="1" smtClean="0">
+                <a:latin typeface="Courier New" panose="02070309020205020404" pitchFamily="49" charset="0"/>
+                <a:cs typeface="Courier New" panose="02070309020205020404" pitchFamily="49" charset="0"/>
+              </a:rPr>
+              <a:t>dirname</a:t>
+            </a:r>
+            <a:r>
+              <a:rPr lang="en-US" dirty="0" smtClean="0">
+                <a:latin typeface="Courier New" panose="02070309020205020404" pitchFamily="49" charset="0"/>
+                <a:cs typeface="Courier New" panose="02070309020205020404" pitchFamily="49" charset="0"/>
+              </a:rPr>
+              <a:t> </a:t>
+            </a:r>
+            <a:endParaRPr lang="cs-CZ" dirty="0" smtClean="0">
+              <a:latin typeface="Courier New" panose="02070309020205020404" pitchFamily="49" charset="0"/>
+              <a:cs typeface="Courier New" panose="02070309020205020404" pitchFamily="49" charset="0"/>
+            </a:endParaRPr>
+          </a:p>
+          <a:p>
+            <a:pPr lvl="1"/>
+            <a:endParaRPr lang="en-US" dirty="0"/>
+          </a:p>
+        </p:txBody>
+      </p:sp>
+    </p:spTree>
+    <p:extLst>
+      <p:ext uri="{BB962C8B-B14F-4D97-AF65-F5344CB8AC3E}">
+        <p14:creationId xmlns:p14="http://schemas.microsoft.com/office/powerpoint/2010/main" val="3701924006"/>
+      </p:ext>
+    </p:extLst>
+  </p:cSld>
+  <p:clrMapOvr>
+    <a:masterClrMapping/>
+  </p:clrMapOvr>
+  <mc:AlternateContent xmlns:mc="http://schemas.openxmlformats.org/markup-compatibility/2006">
+    <mc:Choice xmlns:p14="http://schemas.microsoft.com/office/powerpoint/2010/main" Requires="p14">
+      <p:transition spd="slow" p14:dur="800">
+        <p14:flythrough/>
+      </p:transition>
+    </mc:Choice>
+    <mc:Fallback>
+      <p:transition spd="slow">
+        <p:fade/>
+      </p:transition>
+    </mc:Fallback>
+  </mc:AlternateContent>
+  <p:timing>
+    <p:tnLst>
+      <p:par>
+        <p:cTn id="1" dur="indefinite" restart="never" nodeType="tmRoot"/>
+      </p:par>
+    </p:tnLst>
+  </p:timing>
+</p:sld>
+</file>
+
+<file path=ppt/slides/slide27.xml><?xml version="1.0" encoding="utf-8"?>
+<p:sld xmlns:a="http://schemas.openxmlformats.org/drawingml/2006/main" xmlns:r="http://schemas.openxmlformats.org/officeDocument/2006/relationships" xmlns:p="http://schemas.openxmlformats.org/presentationml/2006/main">
+  <p:cSld>
+    <p:spTree>
+      <p:nvGrpSpPr>
+        <p:cNvPr id="1" name=""/>
+        <p:cNvGrpSpPr/>
+        <p:nvPr/>
+      </p:nvGrpSpPr>
+      <p:grpSpPr>
+        <a:xfrm>
+          <a:off x="0" y="0"/>
+          <a:ext cx="0" cy="0"/>
+          <a:chOff x="0" y="0"/>
+          <a:chExt cx="0" cy="0"/>
+        </a:xfrm>
+      </p:grpSpPr>
+      <p:sp>
+        <p:nvSpPr>
+          <p:cNvPr id="2" name="Nadpis 1"/>
+          <p:cNvSpPr>
+            <a:spLocks noGrp="1"/>
+          </p:cNvSpPr>
+          <p:nvPr>
+            <p:ph type="title"/>
+          </p:nvPr>
+        </p:nvSpPr>
+        <p:spPr/>
+        <p:txBody>
+          <a:bodyPr/>
+          <a:lstStyle/>
+          <a:p>
+            <a:r>
+              <a:rPr lang="en-US" dirty="0" smtClean="0"/>
+              <a:t>Best practices</a:t>
+            </a:r>
+            <a:endParaRPr lang="en-US" dirty="0"/>
+          </a:p>
+        </p:txBody>
+      </p:sp>
+      <p:sp>
+        <p:nvSpPr>
+          <p:cNvPr id="3" name="Zástupný symbol pro obsah 2"/>
+          <p:cNvSpPr>
+            <a:spLocks noGrp="1"/>
+          </p:cNvSpPr>
+          <p:nvPr>
+            <p:ph idx="1"/>
+          </p:nvPr>
+        </p:nvSpPr>
+        <p:spPr/>
+        <p:txBody>
+          <a:bodyPr/>
+          <a:lstStyle/>
+          <a:p>
+            <a:r>
+              <a:rPr lang="cs-CZ" dirty="0">
+                <a:latin typeface="Courier New" panose="02070309020205020404" pitchFamily="49" charset="0"/>
+                <a:cs typeface="Courier New" panose="02070309020205020404" pitchFamily="49" charset="0"/>
+              </a:rPr>
+              <a:t>u</a:t>
+            </a:r>
+            <a:r>
+              <a:rPr lang="cs-CZ" dirty="0" smtClean="0">
+                <a:latin typeface="Courier New" panose="02070309020205020404" pitchFamily="49" charset="0"/>
+                <a:cs typeface="Courier New" panose="02070309020205020404" pitchFamily="49" charset="0"/>
+              </a:rPr>
+              <a:t>se </a:t>
+            </a:r>
+            <a:r>
+              <a:rPr lang="cs-CZ" dirty="0" err="1" smtClean="0">
+                <a:latin typeface="Courier New" panose="02070309020205020404" pitchFamily="49" charset="0"/>
+                <a:cs typeface="Courier New" panose="02070309020205020404" pitchFamily="49" charset="0"/>
+              </a:rPr>
+              <a:t>strict</a:t>
+            </a:r>
+            <a:endParaRPr lang="cs-CZ" dirty="0" smtClean="0">
+              <a:latin typeface="Courier New" panose="02070309020205020404" pitchFamily="49" charset="0"/>
+              <a:cs typeface="Courier New" panose="02070309020205020404" pitchFamily="49" charset="0"/>
+            </a:endParaRPr>
+          </a:p>
+          <a:p>
+            <a:r>
+              <a:rPr lang="en-US" dirty="0" smtClean="0"/>
+              <a:t>Use </a:t>
+            </a:r>
+            <a:r>
+              <a:rPr lang="en-US" b="1" dirty="0" smtClean="0">
+                <a:latin typeface="Courier New" panose="02070309020205020404" pitchFamily="49" charset="0"/>
+                <a:cs typeface="Courier New" panose="02070309020205020404" pitchFamily="49" charset="0"/>
+              </a:rPr>
+              <a:t>debug</a:t>
+            </a:r>
+            <a:r>
+              <a:rPr lang="en-US" b="1" dirty="0" smtClean="0"/>
+              <a:t> </a:t>
+            </a:r>
+            <a:r>
+              <a:rPr lang="en-US" dirty="0" smtClean="0"/>
+              <a:t>package</a:t>
+            </a:r>
+            <a:r>
+              <a:rPr lang="cs-CZ" dirty="0" smtClean="0"/>
+              <a:t> </a:t>
+            </a:r>
+            <a:r>
+              <a:rPr lang="cs-CZ" dirty="0" err="1" smtClean="0"/>
+              <a:t>for</a:t>
+            </a:r>
+            <a:r>
+              <a:rPr lang="cs-CZ" dirty="0" smtClean="0"/>
+              <a:t> </a:t>
+            </a:r>
+            <a:r>
+              <a:rPr lang="en-US" dirty="0" smtClean="0"/>
+              <a:t>debug </a:t>
+            </a:r>
+            <a:r>
+              <a:rPr lang="en-US" dirty="0" err="1" smtClean="0"/>
+              <a:t>loggs</a:t>
+            </a:r>
+            <a:endParaRPr lang="en-US" dirty="0" smtClean="0"/>
+          </a:p>
+          <a:p>
+            <a:r>
+              <a:rPr lang="cs-CZ" dirty="0" smtClean="0"/>
+              <a:t>Use u</a:t>
+            </a:r>
+            <a:r>
+              <a:rPr lang="en-US" dirty="0" smtClean="0"/>
+              <a:t>se </a:t>
+            </a:r>
+            <a:r>
+              <a:rPr lang="en-US" b="1" dirty="0" err="1" smtClean="0">
+                <a:latin typeface="Courier New" panose="02070309020205020404" pitchFamily="49" charset="0"/>
+                <a:cs typeface="Courier New" panose="02070309020205020404" pitchFamily="49" charset="0"/>
+              </a:rPr>
+              <a:t>winston</a:t>
+            </a:r>
+            <a:r>
+              <a:rPr lang="en-US" dirty="0" smtClean="0"/>
+              <a:t> for logs</a:t>
+            </a:r>
+          </a:p>
+          <a:p>
+            <a:r>
+              <a:rPr lang="en-US" dirty="0" smtClean="0"/>
+              <a:t>Use promise-based package or </a:t>
+            </a:r>
+            <a:r>
+              <a:rPr lang="en-US" b="1" dirty="0" smtClean="0">
+                <a:latin typeface="Courier New" panose="02070309020205020404" pitchFamily="49" charset="0"/>
+                <a:cs typeface="Courier New" panose="02070309020205020404" pitchFamily="49" charset="0"/>
+              </a:rPr>
+              <a:t>bluebird</a:t>
+            </a:r>
+          </a:p>
+          <a:p>
+            <a:r>
+              <a:rPr lang="en-US" dirty="0"/>
+              <a:t>A</a:t>
+            </a:r>
+            <a:r>
+              <a:rPr lang="en-US" dirty="0" smtClean="0"/>
+              <a:t>ll tokens</a:t>
+            </a:r>
+            <a:r>
+              <a:rPr lang="cs-CZ" dirty="0" smtClean="0"/>
+              <a:t>/</a:t>
+            </a:r>
+            <a:r>
+              <a:rPr lang="cs-CZ" dirty="0" err="1" smtClean="0"/>
+              <a:t>password</a:t>
+            </a:r>
+            <a:r>
+              <a:rPr lang="cs-CZ" dirty="0" smtClean="0"/>
+              <a:t> in </a:t>
+            </a:r>
+            <a:r>
+              <a:rPr lang="cs-CZ" dirty="0" smtClean="0">
+                <a:latin typeface="Courier New" panose="02070309020205020404" pitchFamily="49" charset="0"/>
+                <a:cs typeface="Courier New" panose="02070309020205020404" pitchFamily="49" charset="0"/>
+              </a:rPr>
+              <a:t>config.js</a:t>
+            </a:r>
+            <a:r>
+              <a:rPr lang="cs-CZ" dirty="0" smtClean="0"/>
+              <a:t> </a:t>
+            </a:r>
+            <a:r>
+              <a:rPr lang="cs-CZ" b="1" dirty="0" smtClean="0"/>
+              <a:t>NOT IN GIT</a:t>
+            </a:r>
+          </a:p>
+          <a:p>
+            <a:r>
+              <a:rPr lang="cs-CZ" dirty="0" smtClean="0"/>
+              <a:t>Use </a:t>
+            </a:r>
+            <a:r>
+              <a:rPr lang="cs-CZ" b="1" dirty="0" smtClean="0">
+                <a:latin typeface="Courier New" panose="02070309020205020404" pitchFamily="49" charset="0"/>
+                <a:cs typeface="Courier New" panose="02070309020205020404" pitchFamily="49" charset="0"/>
+              </a:rPr>
+              <a:t>pm2</a:t>
+            </a:r>
+            <a:r>
+              <a:rPr lang="cs-CZ" dirty="0" smtClean="0"/>
+              <a:t> </a:t>
+            </a:r>
+            <a:r>
+              <a:rPr lang="cs-CZ" dirty="0" err="1" smtClean="0"/>
+              <a:t>for</a:t>
+            </a:r>
+            <a:r>
+              <a:rPr lang="cs-CZ" dirty="0" smtClean="0"/>
+              <a:t> </a:t>
+            </a:r>
+            <a:r>
+              <a:rPr lang="cs-CZ" dirty="0" err="1" smtClean="0"/>
+              <a:t>production</a:t>
+            </a:r>
+            <a:r>
+              <a:rPr lang="cs-CZ" dirty="0" smtClean="0"/>
+              <a:t> management</a:t>
+            </a:r>
+            <a:endParaRPr lang="en-US" dirty="0"/>
+          </a:p>
+        </p:txBody>
+      </p:sp>
+    </p:spTree>
+    <p:extLst>
+      <p:ext uri="{BB962C8B-B14F-4D97-AF65-F5344CB8AC3E}">
+        <p14:creationId xmlns:p14="http://schemas.microsoft.com/office/powerpoint/2010/main" val="1014899769"/>
+      </p:ext>
+    </p:extLst>
+  </p:cSld>
+  <p:clrMapOvr>
+    <a:masterClrMapping/>
+  </p:clrMapOvr>
+  <mc:AlternateContent xmlns:mc="http://schemas.openxmlformats.org/markup-compatibility/2006">
+    <mc:Choice xmlns:p14="http://schemas.microsoft.com/office/powerpoint/2010/main" Requires="p14">
+      <p:transition spd="slow" p14:dur="800">
+        <p14:flythrough/>
+      </p:transition>
+    </mc:Choice>
+    <mc:Fallback>
+      <p:transition spd="slow">
+        <p:fade/>
+      </p:transition>
+    </mc:Fallback>
+  </mc:AlternateContent>
+  <p:timing>
+    <p:tnLst>
+      <p:par>
+        <p:cTn id="1" dur="indefinite" restart="never" nodeType="tmRoot"/>
+      </p:par>
+    </p:tnLst>
+  </p:timing>
+</p:sld>
+</file>
+
+<file path=ppt/slides/slide28.xml><?xml version="1.0" encoding="utf-8"?>
+<p:sld xmlns:a="http://schemas.openxmlformats.org/drawingml/2006/main" xmlns:r="http://schemas.openxmlformats.org/officeDocument/2006/relationships" xmlns:p="http://schemas.openxmlformats.org/presentationml/2006/main">
+  <p:cSld>
+    <p:spTree>
+      <p:nvGrpSpPr>
+        <p:cNvPr id="1" name=""/>
+        <p:cNvGrpSpPr/>
+        <p:nvPr/>
+      </p:nvGrpSpPr>
+      <p:grpSpPr>
+        <a:xfrm>
+          <a:off x="0" y="0"/>
+          <a:ext cx="0" cy="0"/>
+          <a:chOff x="0" y="0"/>
+          <a:chExt cx="0" cy="0"/>
+        </a:xfrm>
+      </p:grpSpPr>
+      <p:sp>
+        <p:nvSpPr>
+          <p:cNvPr id="2" name="Nadpis 1"/>
+          <p:cNvSpPr>
+            <a:spLocks noGrp="1"/>
+          </p:cNvSpPr>
+          <p:nvPr>
+            <p:ph type="title"/>
+          </p:nvPr>
+        </p:nvSpPr>
+        <p:spPr/>
+        <p:txBody>
+          <a:bodyPr/>
+          <a:lstStyle/>
+          <a:p>
+            <a:r>
               <a:rPr lang="en-US" dirty="0" err="1" smtClean="0"/>
               <a:t>Tak</a:t>
             </a:r>
@@ -7188,6 +10431,18 @@
   <p:clrMapOvr>
     <a:masterClrMapping/>
   </p:clrMapOvr>
+  <mc:AlternateContent xmlns:mc="http://schemas.openxmlformats.org/markup-compatibility/2006">
+    <mc:Choice xmlns:p14="http://schemas.microsoft.com/office/powerpoint/2010/main" Requires="p14">
+      <p:transition spd="slow" p14:dur="800">
+        <p14:flythrough/>
+      </p:transition>
+    </mc:Choice>
+    <mc:Fallback>
+      <p:transition spd="slow">
+        <p:fade/>
+      </p:transition>
+    </mc:Fallback>
+  </mc:AlternateContent>
   <p:timing>
     <p:tnLst>
       <p:par>
@@ -7277,11 +10532,7 @@
           <a:p>
             <a:r>
               <a:rPr lang="cs-CZ" dirty="0" smtClean="0"/>
-              <a:t>Datové </a:t>
-            </a:r>
-            <a:r>
-              <a:rPr lang="cs-CZ" dirty="0" smtClean="0"/>
-              <a:t>pumpy s JSON API</a:t>
+              <a:t>Datové pumpy s JSON API</a:t>
             </a:r>
           </a:p>
           <a:p>
@@ -7365,11 +10616,7 @@
             </a:r>
             <a:r>
               <a:rPr lang="en-US" dirty="0" smtClean="0"/>
-              <a:t>, </a:t>
-            </a:r>
-            <a:r>
-              <a:rPr lang="en-US" dirty="0" smtClean="0"/>
-              <a:t>CCS API</a:t>
+              <a:t>, CCS API</a:t>
             </a:r>
             <a:endParaRPr lang="cs-CZ" dirty="0" smtClean="0"/>
           </a:p>
@@ -7388,6 +10635,18 @@
   <p:clrMapOvr>
     <a:masterClrMapping/>
   </p:clrMapOvr>
+  <mc:AlternateContent xmlns:mc="http://schemas.openxmlformats.org/markup-compatibility/2006">
+    <mc:Choice xmlns:p14="http://schemas.microsoft.com/office/powerpoint/2010/main" Requires="p14">
+      <p:transition spd="slow" p14:dur="800">
+        <p14:flythrough/>
+      </p:transition>
+    </mc:Choice>
+    <mc:Fallback>
+      <p:transition spd="slow">
+        <p:fade/>
+      </p:transition>
+    </mc:Fallback>
+  </mc:AlternateContent>
   <p:timing>
     <p:tnLst>
       <p:par>
@@ -7765,11 +11024,22 @@
             <a:endParaRPr lang="cs-CZ" dirty="0" smtClean="0"/>
           </a:p>
           <a:p>
+            <a:endParaRPr lang="en-US" dirty="0" smtClean="0">
+              <a:hlinkClick r:id="rId3"/>
+            </a:endParaRPr>
+          </a:p>
+          <a:p>
+            <a:r>
+              <a:rPr lang="cs-CZ" dirty="0" smtClean="0">
+                <a:hlinkClick r:id="rId3"/>
+              </a:rPr>
+              <a:t>https</a:t>
+            </a:r>
             <a:r>
               <a:rPr lang="cs-CZ" dirty="0">
                 <a:hlinkClick r:id="rId3"/>
               </a:rPr>
-              <a:t>https://www.zdrojak.cz/serialy/node-js-s-javascriptem-na-serveru</a:t>
+              <a:t>://www.zdrojak.cz/serialy/node-js-s-javascriptem-na-serveru</a:t>
             </a:r>
             <a:r>
               <a:rPr lang="cs-CZ" dirty="0" smtClean="0">
@@ -7777,16 +11047,36 @@
               </a:rPr>
               <a:t>/</a:t>
             </a:r>
+            <a:endParaRPr lang="en-US" dirty="0" smtClean="0"/>
+          </a:p>
+          <a:p>
+            <a:pPr marL="0" indent="0">
+              <a:buNone/>
+            </a:pPr>
             <a:r>
               <a:rPr lang="cs-CZ" dirty="0" smtClean="0"/>
               <a:t> </a:t>
             </a:r>
-          </a:p>
-          <a:p>
-            <a:r>
-              <a:rPr lang="cs-CZ" dirty="0" smtClean="0"/>
-              <a:t>…</a:t>
-            </a:r>
+            <a:endParaRPr lang="cs-CZ" dirty="0" smtClean="0"/>
+          </a:p>
+          <a:p>
+            <a:r>
+              <a:rPr lang="cs-CZ" dirty="0">
+                <a:hlinkClick r:id="rId4"/>
+              </a:rPr>
+              <a:t>https://nodeschool.io</a:t>
+            </a:r>
+            <a:r>
+              <a:rPr lang="cs-CZ" dirty="0" smtClean="0">
+                <a:hlinkClick r:id="rId4"/>
+              </a:rPr>
+              <a:t>/</a:t>
+            </a:r>
+            <a:r>
+              <a:rPr lang="en-US" dirty="0" smtClean="0"/>
+              <a:t> </a:t>
+            </a:r>
+            <a:endParaRPr lang="cs-CZ" dirty="0" smtClean="0"/>
           </a:p>
           <a:p>
             <a:endParaRPr lang="cs-CZ" dirty="0"/>
@@ -7806,12 +11096,294 @@
   <p:clrMapOvr>
     <a:masterClrMapping/>
   </p:clrMapOvr>
+  <mc:AlternateContent xmlns:mc="http://schemas.openxmlformats.org/markup-compatibility/2006">
+    <mc:Choice xmlns:p14="http://schemas.microsoft.com/office/powerpoint/2010/main" Requires="p14">
+      <p:transition spd="slow" p14:dur="800">
+        <p14:flythrough/>
+      </p:transition>
+    </mc:Choice>
+    <mc:Fallback>
+      <p:transition spd="slow">
+        <p:fade/>
+      </p:transition>
+    </mc:Fallback>
+  </mc:AlternateContent>
   <p:timing>
     <p:tnLst>
       <p:par>
-        <p:cTn id="1" dur="indefinite" restart="never" nodeType="tmRoot"/>
+        <p:cTn id="1" dur="indefinite" restart="never" nodeType="tmRoot">
+          <p:childTnLst>
+            <p:seq concurrent="1" nextAc="seek">
+              <p:cTn id="2" dur="indefinite" nodeType="mainSeq">
+                <p:childTnLst>
+                  <p:par>
+                    <p:cTn id="3" fill="hold">
+                      <p:stCondLst>
+                        <p:cond delay="indefinite"/>
+                      </p:stCondLst>
+                      <p:childTnLst>
+                        <p:par>
+                          <p:cTn id="4" fill="hold">
+                            <p:stCondLst>
+                              <p:cond delay="0"/>
+                            </p:stCondLst>
+                            <p:childTnLst>
+                              <p:par>
+                                <p:cTn id="5" presetID="10" presetClass="entr" presetSubtype="0" fill="hold" grpId="0" nodeType="clickEffect">
+                                  <p:stCondLst>
+                                    <p:cond delay="0"/>
+                                  </p:stCondLst>
+                                  <p:childTnLst>
+                                    <p:set>
+                                      <p:cBhvr>
+                                        <p:cTn id="6" dur="1" fill="hold">
+                                          <p:stCondLst>
+                                            <p:cond delay="0"/>
+                                          </p:stCondLst>
+                                        </p:cTn>
+                                        <p:tgtEl>
+                                          <p:spTgt spid="3">
+                                            <p:txEl>
+                                              <p:pRg st="0" end="0"/>
+                                            </p:txEl>
+                                          </p:spTgt>
+                                        </p:tgtEl>
+                                        <p:attrNameLst>
+                                          <p:attrName>style.visibility</p:attrName>
+                                        </p:attrNameLst>
+                                      </p:cBhvr>
+                                      <p:to>
+                                        <p:strVal val="visible"/>
+                                      </p:to>
+                                    </p:set>
+                                    <p:animEffect transition="in" filter="fade">
+                                      <p:cBhvr>
+                                        <p:cTn id="7" dur="500"/>
+                                        <p:tgtEl>
+                                          <p:spTgt spid="3">
+                                            <p:txEl>
+                                              <p:pRg st="0" end="0"/>
+                                            </p:txEl>
+                                          </p:spTgt>
+                                        </p:tgtEl>
+                                      </p:cBhvr>
+                                    </p:animEffect>
+                                  </p:childTnLst>
+                                </p:cTn>
+                              </p:par>
+                            </p:childTnLst>
+                          </p:cTn>
+                        </p:par>
+                      </p:childTnLst>
+                    </p:cTn>
+                  </p:par>
+                  <p:par>
+                    <p:cTn id="8" fill="hold">
+                      <p:stCondLst>
+                        <p:cond delay="indefinite"/>
+                      </p:stCondLst>
+                      <p:childTnLst>
+                        <p:par>
+                          <p:cTn id="9" fill="hold">
+                            <p:stCondLst>
+                              <p:cond delay="0"/>
+                            </p:stCondLst>
+                            <p:childTnLst>
+                              <p:par>
+                                <p:cTn id="10" presetID="10" presetClass="entr" presetSubtype="0" fill="hold" grpId="0" nodeType="clickEffect">
+                                  <p:stCondLst>
+                                    <p:cond delay="0"/>
+                                  </p:stCondLst>
+                                  <p:childTnLst>
+                                    <p:set>
+                                      <p:cBhvr>
+                                        <p:cTn id="11" dur="1" fill="hold">
+                                          <p:stCondLst>
+                                            <p:cond delay="0"/>
+                                          </p:stCondLst>
+                                        </p:cTn>
+                                        <p:tgtEl>
+                                          <p:spTgt spid="3">
+                                            <p:txEl>
+                                              <p:pRg st="2" end="2"/>
+                                            </p:txEl>
+                                          </p:spTgt>
+                                        </p:tgtEl>
+                                        <p:attrNameLst>
+                                          <p:attrName>style.visibility</p:attrName>
+                                        </p:attrNameLst>
+                                      </p:cBhvr>
+                                      <p:to>
+                                        <p:strVal val="visible"/>
+                                      </p:to>
+                                    </p:set>
+                                    <p:animEffect transition="in" filter="fade">
+                                      <p:cBhvr>
+                                        <p:cTn id="12" dur="500"/>
+                                        <p:tgtEl>
+                                          <p:spTgt spid="3">
+                                            <p:txEl>
+                                              <p:pRg st="2" end="2"/>
+                                            </p:txEl>
+                                          </p:spTgt>
+                                        </p:tgtEl>
+                                      </p:cBhvr>
+                                    </p:animEffect>
+                                  </p:childTnLst>
+                                </p:cTn>
+                              </p:par>
+                            </p:childTnLst>
+                          </p:cTn>
+                        </p:par>
+                      </p:childTnLst>
+                    </p:cTn>
+                  </p:par>
+                  <p:par>
+                    <p:cTn id="13" fill="hold">
+                      <p:stCondLst>
+                        <p:cond delay="indefinite"/>
+                      </p:stCondLst>
+                      <p:childTnLst>
+                        <p:par>
+                          <p:cTn id="14" fill="hold">
+                            <p:stCondLst>
+                              <p:cond delay="0"/>
+                            </p:stCondLst>
+                            <p:childTnLst>
+                              <p:par>
+                                <p:cTn id="15" presetID="10" presetClass="entr" presetSubtype="0" fill="hold" grpId="0" nodeType="clickEffect">
+                                  <p:stCondLst>
+                                    <p:cond delay="0"/>
+                                  </p:stCondLst>
+                                  <p:childTnLst>
+                                    <p:set>
+                                      <p:cBhvr>
+                                        <p:cTn id="16" dur="1" fill="hold">
+                                          <p:stCondLst>
+                                            <p:cond delay="0"/>
+                                          </p:stCondLst>
+                                        </p:cTn>
+                                        <p:tgtEl>
+                                          <p:spTgt spid="3">
+                                            <p:txEl>
+                                              <p:pRg st="3" end="3"/>
+                                            </p:txEl>
+                                          </p:spTgt>
+                                        </p:tgtEl>
+                                        <p:attrNameLst>
+                                          <p:attrName>style.visibility</p:attrName>
+                                        </p:attrNameLst>
+                                      </p:cBhvr>
+                                      <p:to>
+                                        <p:strVal val="visible"/>
+                                      </p:to>
+                                    </p:set>
+                                    <p:animEffect transition="in" filter="fade">
+                                      <p:cBhvr>
+                                        <p:cTn id="17" dur="500"/>
+                                        <p:tgtEl>
+                                          <p:spTgt spid="3">
+                                            <p:txEl>
+                                              <p:pRg st="3" end="3"/>
+                                            </p:txEl>
+                                          </p:spTgt>
+                                        </p:tgtEl>
+                                      </p:cBhvr>
+                                    </p:animEffect>
+                                  </p:childTnLst>
+                                </p:cTn>
+                              </p:par>
+                            </p:childTnLst>
+                          </p:cTn>
+                        </p:par>
+                      </p:childTnLst>
+                    </p:cTn>
+                  </p:par>
+                  <p:par>
+                    <p:cTn id="18" fill="hold">
+                      <p:stCondLst>
+                        <p:cond delay="indefinite"/>
+                      </p:stCondLst>
+                      <p:childTnLst>
+                        <p:par>
+                          <p:cTn id="19" fill="hold">
+                            <p:stCondLst>
+                              <p:cond delay="0"/>
+                            </p:stCondLst>
+                            <p:childTnLst>
+                              <p:par>
+                                <p:cTn id="20" presetID="10" presetClass="entr" presetSubtype="0" fill="hold" grpId="0" nodeType="clickEffect">
+                                  <p:stCondLst>
+                                    <p:cond delay="0"/>
+                                  </p:stCondLst>
+                                  <p:childTnLst>
+                                    <p:set>
+                                      <p:cBhvr>
+                                        <p:cTn id="21" dur="1" fill="hold">
+                                          <p:stCondLst>
+                                            <p:cond delay="0"/>
+                                          </p:stCondLst>
+                                        </p:cTn>
+                                        <p:tgtEl>
+                                          <p:spTgt spid="3">
+                                            <p:txEl>
+                                              <p:pRg st="4" end="4"/>
+                                            </p:txEl>
+                                          </p:spTgt>
+                                        </p:tgtEl>
+                                        <p:attrNameLst>
+                                          <p:attrName>style.visibility</p:attrName>
+                                        </p:attrNameLst>
+                                      </p:cBhvr>
+                                      <p:to>
+                                        <p:strVal val="visible"/>
+                                      </p:to>
+                                    </p:set>
+                                    <p:animEffect transition="in" filter="fade">
+                                      <p:cBhvr>
+                                        <p:cTn id="22" dur="500"/>
+                                        <p:tgtEl>
+                                          <p:spTgt spid="3">
+                                            <p:txEl>
+                                              <p:pRg st="4" end="4"/>
+                                            </p:txEl>
+                                          </p:spTgt>
+                                        </p:tgtEl>
+                                      </p:cBhvr>
+                                    </p:animEffect>
+                                  </p:childTnLst>
+                                </p:cTn>
+                              </p:par>
+                            </p:childTnLst>
+                          </p:cTn>
+                        </p:par>
+                      </p:childTnLst>
+                    </p:cTn>
+                  </p:par>
+                </p:childTnLst>
+              </p:cTn>
+              <p:prevCondLst>
+                <p:cond evt="onPrev" delay="0">
+                  <p:tgtEl>
+                    <p:sldTgt/>
+                  </p:tgtEl>
+                </p:cond>
+              </p:prevCondLst>
+              <p:nextCondLst>
+                <p:cond evt="onNext" delay="0">
+                  <p:tgtEl>
+                    <p:sldTgt/>
+                  </p:tgtEl>
+                </p:cond>
+              </p:nextCondLst>
+            </p:seq>
+          </p:childTnLst>
+        </p:cTn>
       </p:par>
     </p:tnLst>
+    <p:bldLst>
+      <p:bldP spid="3" grpId="0" build="p"/>
+    </p:bldLst>
   </p:timing>
 </p:sld>
 </file>
@@ -7945,6 +11517,15 @@
             </a:endParaRPr>
           </a:p>
           <a:p>
+            <a:pPr marL="0" indent="0">
+              <a:buNone/>
+            </a:pPr>
+            <a:endParaRPr lang="en-US" dirty="0" smtClean="0"/>
+          </a:p>
+          <a:p>
+            <a:pPr marL="0" indent="0">
+              <a:buNone/>
+            </a:pPr>
             <a:endParaRPr lang="en-US" dirty="0"/>
           </a:p>
         </p:txBody>
@@ -7959,6 +11540,18 @@
   <p:clrMapOvr>
     <a:masterClrMapping/>
   </p:clrMapOvr>
+  <mc:AlternateContent xmlns:mc="http://schemas.openxmlformats.org/markup-compatibility/2006">
+    <mc:Choice xmlns:p14="http://schemas.microsoft.com/office/powerpoint/2010/main" Requires="p14">
+      <p:transition spd="slow" p14:dur="800">
+        <p14:flythrough/>
+      </p:transition>
+    </mc:Choice>
+    <mc:Fallback>
+      <p:transition spd="slow">
+        <p:fade/>
+      </p:transition>
+    </mc:Fallback>
+  </mc:AlternateContent>
   <p:timing>
     <p:tnLst>
       <p:par>
@@ -8302,7 +11895,7 @@
         </p:blipFill>
         <p:spPr bwMode="auto">
           <a:xfrm>
-            <a:off x="539552" y="1988840"/>
+            <a:off x="539552" y="1844824"/>
             <a:ext cx="6264696" cy="3228037"/>
           </a:xfrm>
           <a:prstGeom prst="rect">
@@ -8328,7 +11921,7 @@
         </p:nvSpPr>
         <p:spPr>
           <a:xfrm>
-            <a:off x="7092280" y="2235210"/>
+            <a:off x="7092280" y="1999010"/>
             <a:ext cx="1656184" cy="523220"/>
           </a:xfrm>
           <a:prstGeom prst="rect">
@@ -8358,7 +11951,7 @@
         </p:nvCxnSpPr>
         <p:spPr>
           <a:xfrm>
-            <a:off x="6948264" y="3284984"/>
+            <a:off x="6912260" y="2996952"/>
             <a:ext cx="2016224" cy="0"/>
           </a:xfrm>
           <a:prstGeom prst="line">
@@ -8391,7 +11984,7 @@
         </p:nvSpPr>
         <p:spPr>
           <a:xfrm>
-            <a:off x="7229896" y="3602858"/>
+            <a:off x="7223248" y="3337306"/>
             <a:ext cx="1656184" cy="523220"/>
           </a:xfrm>
           <a:prstGeom prst="rect">
@@ -8413,6 +12006,55 @@
           </a:p>
         </p:txBody>
       </p:sp>
+      <p:sp>
+        <p:nvSpPr>
+          <p:cNvPr id="5" name="TextovéPole 4"/>
+          <p:cNvSpPr txBox="1"/>
+          <p:nvPr/>
+        </p:nvSpPr>
+        <p:spPr>
+          <a:xfrm>
+            <a:off x="6975524" y="4077072"/>
+            <a:ext cx="1772940" cy="923330"/>
+          </a:xfrm>
+          <a:prstGeom prst="rect">
+            <a:avLst/>
+          </a:prstGeom>
+        </p:spPr>
+        <p:style>
+          <a:lnRef idx="1">
+            <a:schemeClr val="accent1"/>
+          </a:lnRef>
+          <a:fillRef idx="2">
+            <a:schemeClr val="accent1"/>
+          </a:fillRef>
+          <a:effectRef idx="1">
+            <a:schemeClr val="accent1"/>
+          </a:effectRef>
+          <a:fontRef idx="minor">
+            <a:schemeClr val="dk1"/>
+          </a:fontRef>
+        </p:style>
+        <p:txBody>
+          <a:bodyPr wrap="square" rtlCol="0">
+            <a:spAutoFit/>
+          </a:bodyPr>
+          <a:lstStyle/>
+          <a:p>
+            <a:r>
+              <a:rPr lang="en-US" b="1" dirty="0" smtClean="0"/>
+              <a:t>NPM </a:t>
+            </a:r>
+          </a:p>
+          <a:p>
+            <a:r>
+              <a:rPr lang="en-US" dirty="0" smtClean="0"/>
+              <a:t>Package manager</a:t>
+            </a:r>
+            <a:endParaRPr lang="en-US" dirty="0"/>
+          </a:p>
+        </p:txBody>
+      </p:sp>
     </p:spTree>
     <p:extLst>
       <p:ext uri="{BB962C8B-B14F-4D97-AF65-F5344CB8AC3E}">
@@ -8423,6 +12065,18 @@
   <p:clrMapOvr>
     <a:masterClrMapping/>
   </p:clrMapOvr>
+  <mc:AlternateContent xmlns:mc="http://schemas.openxmlformats.org/markup-compatibility/2006">
+    <mc:Choice xmlns:p14="http://schemas.microsoft.com/office/powerpoint/2010/main" Requires="p14">
+      <p:transition spd="slow" p14:dur="800">
+        <p14:flythrough/>
+      </p:transition>
+    </mc:Choice>
+    <mc:Fallback>
+      <p:transition spd="slow">
+        <p:fade/>
+      </p:transition>
+    </mc:Fallback>
+  </mc:AlternateContent>
   <p:timing>
     <p:tnLst>
       <p:par>
@@ -8572,6 +12226,59 @@
                       </p:childTnLst>
                     </p:cTn>
                   </p:par>
+                  <p:par>
+                    <p:cTn id="16" fill="hold">
+                      <p:stCondLst>
+                        <p:cond delay="indefinite"/>
+                      </p:stCondLst>
+                      <p:childTnLst>
+                        <p:par>
+                          <p:cTn id="17" fill="hold">
+                            <p:stCondLst>
+                              <p:cond delay="0"/>
+                            </p:stCondLst>
+                            <p:childTnLst>
+                              <p:par>
+                                <p:cTn id="18" presetID="10" presetClass="entr" presetSubtype="0" fill="hold" grpId="0" nodeType="clickEffect">
+                                  <p:stCondLst>
+                                    <p:cond delay="0"/>
+                                  </p:stCondLst>
+                                  <p:childTnLst>
+                                    <p:set>
+                                      <p:cBhvr>
+                                        <p:cTn id="19" dur="1" fill="hold">
+                                          <p:stCondLst>
+                                            <p:cond delay="0"/>
+                                          </p:stCondLst>
+                                        </p:cTn>
+                                        <p:tgtEl>
+                                          <p:spTgt spid="5"/>
+                                        </p:tgtEl>
+                                        <p:attrNameLst>
+                                          <p:attrName>style.visibility</p:attrName>
+                                        </p:attrNameLst>
+                                      </p:cBhvr>
+                                      <p:to>
+                                        <p:strVal val="visible"/>
+                                      </p:to>
+                                    </p:set>
+                                    <p:animEffect transition="in" filter="fade">
+                                      <p:cBhvr>
+                                        <p:cTn id="20" dur="500"/>
+                                        <p:tgtEl>
+                                          <p:spTgt spid="5"/>
+                                        </p:tgtEl>
+                                      </p:cBhvr>
+                                    </p:animEffect>
+                                  </p:childTnLst>
+                                </p:cTn>
+                              </p:par>
+                            </p:childTnLst>
+                          </p:cTn>
+                        </p:par>
+                      </p:childTnLst>
+                    </p:cTn>
+                  </p:par>
                 </p:childTnLst>
               </p:cTn>
               <p:prevCondLst>
@@ -8596,6 +12303,7 @@
     <p:bldLst>
       <p:bldP spid="4" grpId="0"/>
       <p:bldP spid="8" grpId="0"/>
+      <p:bldP spid="5" grpId="0" animBg="1"/>
     </p:bldLst>
   </p:timing>
 </p:sld>
@@ -8768,6 +12476,18 @@
   <p:clrMapOvr>
     <a:masterClrMapping/>
   </p:clrMapOvr>
+  <mc:AlternateContent xmlns:mc="http://schemas.openxmlformats.org/markup-compatibility/2006">
+    <mc:Choice xmlns:p14="http://schemas.microsoft.com/office/powerpoint/2010/main" Requires="p14">
+      <p:transition spd="slow" p14:dur="800">
+        <p14:flythrough/>
+      </p:transition>
+    </mc:Choice>
+    <mc:Fallback>
+      <p:transition spd="slow">
+        <p:fade/>
+      </p:transition>
+    </mc:Fallback>
+  </mc:AlternateContent>
   <p:timing>
     <p:tnLst>
       <p:par>
@@ -9263,15 +12983,7 @@
             </a:r>
             <a:r>
               <a:rPr lang="en-US" sz="2400" dirty="0" smtClean="0"/>
-              <a:t>  - </a:t>
-            </a:r>
-            <a:r>
-              <a:rPr lang="en-US" sz="2400" dirty="0" smtClean="0"/>
-              <a:t>Awesome </a:t>
-            </a:r>
-            <a:r>
-              <a:rPr lang="en-US" sz="2400" dirty="0" smtClean="0"/>
-              <a:t>event loop explanation!!!</a:t>
+              <a:t>  - Awesome event loop explanation!!!</a:t>
             </a:r>
           </a:p>
         </p:txBody>
@@ -9286,12 +12998,141 @@
   <p:clrMapOvr>
     <a:masterClrMapping/>
   </p:clrMapOvr>
+  <mc:AlternateContent xmlns:mc="http://schemas.openxmlformats.org/markup-compatibility/2006">
+    <mc:Choice xmlns:p14="http://schemas.microsoft.com/office/powerpoint/2010/main" Requires="p14">
+      <p:transition spd="slow" p14:dur="800">
+        <p14:flythrough/>
+      </p:transition>
+    </mc:Choice>
+    <mc:Fallback>
+      <p:transition spd="slow">
+        <p:fade/>
+      </p:transition>
+    </mc:Fallback>
+  </mc:AlternateContent>
   <p:timing>
     <p:tnLst>
       <p:par>
-        <p:cTn id="1" dur="indefinite" restart="never" nodeType="tmRoot"/>
+        <p:cTn id="1" dur="indefinite" restart="never" nodeType="tmRoot">
+          <p:childTnLst>
+            <p:seq concurrent="1" nextAc="seek">
+              <p:cTn id="2" dur="indefinite" nodeType="mainSeq">
+                <p:childTnLst>
+                  <p:par>
+                    <p:cTn id="3" fill="hold">
+                      <p:stCondLst>
+                        <p:cond delay="indefinite"/>
+                      </p:stCondLst>
+                      <p:childTnLst>
+                        <p:par>
+                          <p:cTn id="4" fill="hold">
+                            <p:stCondLst>
+                              <p:cond delay="0"/>
+                            </p:stCondLst>
+                            <p:childTnLst>
+                              <p:par>
+                                <p:cTn id="5" presetID="2" presetClass="entr" presetSubtype="4" fill="hold" grpId="0" nodeType="clickEffect">
+                                  <p:stCondLst>
+                                    <p:cond delay="0"/>
+                                  </p:stCondLst>
+                                  <p:childTnLst>
+                                    <p:set>
+                                      <p:cBhvr>
+                                        <p:cTn id="6" dur="1" fill="hold">
+                                          <p:stCondLst>
+                                            <p:cond delay="0"/>
+                                          </p:stCondLst>
+                                        </p:cTn>
+                                        <p:tgtEl>
+                                          <p:spTgt spid="4"/>
+                                        </p:tgtEl>
+                                        <p:attrNameLst>
+                                          <p:attrName>style.visibility</p:attrName>
+                                        </p:attrNameLst>
+                                      </p:cBhvr>
+                                      <p:to>
+                                        <p:strVal val="visible"/>
+                                      </p:to>
+                                    </p:set>
+                                    <p:anim calcmode="lin" valueType="num">
+                                      <p:cBhvr additive="base">
+                                        <p:cTn id="7" dur="500" fill="hold"/>
+                                        <p:tgtEl>
+                                          <p:spTgt spid="4"/>
+                                        </p:tgtEl>
+                                        <p:attrNameLst>
+                                          <p:attrName>ppt_x</p:attrName>
+                                        </p:attrNameLst>
+                                      </p:cBhvr>
+                                      <p:tavLst>
+                                        <p:tav tm="0">
+                                          <p:val>
+                                            <p:strVal val="#ppt_x"/>
+                                          </p:val>
+                                        </p:tav>
+                                        <p:tav tm="100000">
+                                          <p:val>
+                                            <p:strVal val="#ppt_x"/>
+                                          </p:val>
+                                        </p:tav>
+                                      </p:tavLst>
+                                    </p:anim>
+                                    <p:anim calcmode="lin" valueType="num">
+                                      <p:cBhvr additive="base">
+                                        <p:cTn id="8" dur="500" fill="hold"/>
+                                        <p:tgtEl>
+                                          <p:spTgt spid="4"/>
+                                        </p:tgtEl>
+                                        <p:attrNameLst>
+                                          <p:attrName>ppt_y</p:attrName>
+                                        </p:attrNameLst>
+                                      </p:cBhvr>
+                                      <p:tavLst>
+                                        <p:tav tm="0">
+                                          <p:val>
+                                            <p:strVal val="1+#ppt_h/2"/>
+                                          </p:val>
+                                        </p:tav>
+                                        <p:tav tm="100000">
+                                          <p:val>
+                                            <p:strVal val="#ppt_y"/>
+                                          </p:val>
+                                        </p:tav>
+                                      </p:tavLst>
+                                    </p:anim>
+                                  </p:childTnLst>
+                                </p:cTn>
+                              </p:par>
+                            </p:childTnLst>
+                          </p:cTn>
+                        </p:par>
+                      </p:childTnLst>
+                    </p:cTn>
+                  </p:par>
+                </p:childTnLst>
+              </p:cTn>
+              <p:prevCondLst>
+                <p:cond evt="onPrev" delay="0">
+                  <p:tgtEl>
+                    <p:sldTgt/>
+                  </p:tgtEl>
+                </p:cond>
+              </p:prevCondLst>
+              <p:nextCondLst>
+                <p:cond evt="onNext" delay="0">
+                  <p:tgtEl>
+                    <p:sldTgt/>
+                  </p:tgtEl>
+                </p:cond>
+              </p:nextCondLst>
+            </p:seq>
+          </p:childTnLst>
+        </p:cTn>
       </p:par>
     </p:tnLst>
+    <p:bldLst>
+      <p:bldP spid="4" grpId="0"/>
+    </p:bldLst>
   </p:timing>
 </p:sld>
 </file>
@@ -9329,8 +13170,16 @@
           <a:lstStyle/>
           <a:p>
             <a:r>
-              <a:rPr lang="en-US" dirty="0" smtClean="0"/>
-              <a:t>packages</a:t>
+              <a:rPr lang="cs-CZ" dirty="0" smtClean="0"/>
+              <a:t>Rozdíl oproti </a:t>
+            </a:r>
+            <a:r>
+              <a:rPr lang="cs-CZ" dirty="0" err="1" smtClean="0"/>
+              <a:t>js</a:t>
+            </a:r>
+            <a:r>
+              <a:rPr lang="cs-CZ" dirty="0" smtClean="0"/>
+              <a:t> v browseru</a:t>
             </a:r>
             <a:endParaRPr lang="en-US" dirty="0"/>
           </a:p>
@@ -9338,39 +13187,543 @@
       </p:sp>
       <p:sp>
         <p:nvSpPr>
-          <p:cNvPr id="3" name="Zástupný symbol pro text 2"/>
+          <p:cNvPr id="3" name="Zástupný symbol pro obsah 2"/>
           <p:cNvSpPr>
             <a:spLocks noGrp="1"/>
           </p:cNvSpPr>
           <p:nvPr>
-            <p:ph type="body" idx="1"/>
+            <p:ph idx="1"/>
           </p:nvPr>
         </p:nvSpPr>
         <p:spPr/>
         <p:txBody>
-          <a:bodyPr/>
+          <a:bodyPr>
+            <a:normAutofit fontScale="92500" lnSpcReduction="20000"/>
+          </a:bodyPr>
           <a:lstStyle/>
           <a:p>
-            <a:endParaRPr lang="en-US"/>
+            <a:r>
+              <a:rPr lang="en-US" dirty="0" err="1" smtClean="0"/>
+              <a:t>Tady</a:t>
+            </a:r>
+            <a:r>
+              <a:rPr lang="en-US" dirty="0" smtClean="0"/>
+              <a:t> prost</a:t>
+            </a:r>
+            <a:r>
+              <a:rPr lang="cs-CZ" dirty="0" smtClean="0"/>
+              <a:t>ě máte </a:t>
+            </a:r>
+            <a:r>
+              <a:rPr lang="en-US" dirty="0" err="1" smtClean="0"/>
+              <a:t>javascript</a:t>
+            </a:r>
+            <a:r>
+              <a:rPr lang="en-US" dirty="0" smtClean="0"/>
+              <a:t> </a:t>
+            </a:r>
+            <a:r>
+              <a:rPr lang="en-US" dirty="0" err="1" smtClean="0"/>
+              <a:t>ve</a:t>
+            </a:r>
+            <a:r>
+              <a:rPr lang="en-US" dirty="0" smtClean="0"/>
+              <a:t> </a:t>
+            </a:r>
+            <a:r>
+              <a:rPr lang="en-US" dirty="0" err="1" smtClean="0"/>
+              <a:t>verzi</a:t>
+            </a:r>
+            <a:r>
+              <a:rPr lang="en-US" dirty="0" smtClean="0"/>
+              <a:t> </a:t>
+            </a:r>
+            <a:r>
+              <a:rPr lang="cs-CZ" dirty="0" smtClean="0"/>
+              <a:t>ES6</a:t>
+            </a:r>
+          </a:p>
+          <a:p>
+            <a:endParaRPr lang="en-US" dirty="0" smtClean="0"/>
+          </a:p>
+          <a:p>
+            <a:r>
+              <a:rPr lang="cs-CZ" dirty="0" err="1" smtClean="0"/>
+              <a:t>Template</a:t>
+            </a:r>
+            <a:r>
+              <a:rPr lang="cs-CZ" dirty="0" smtClean="0"/>
+              <a:t> </a:t>
+            </a:r>
+            <a:r>
+              <a:rPr lang="cs-CZ" dirty="0" err="1" smtClean="0"/>
+              <a:t>string</a:t>
+            </a:r>
+            <a:endParaRPr lang="cs-CZ" dirty="0" smtClean="0"/>
+          </a:p>
+          <a:p>
+            <a:pPr marL="0" indent="0">
+              <a:buNone/>
+            </a:pPr>
+            <a:r>
+              <a:rPr lang="cs-CZ" dirty="0"/>
+              <a:t>	</a:t>
+            </a:r>
+            <a:r>
+              <a:rPr lang="en-US" dirty="0" smtClean="0"/>
+              <a:t>`</a:t>
+            </a:r>
+            <a:r>
+              <a:rPr lang="en-US" dirty="0" err="1" smtClean="0"/>
+              <a:t>Tohle</a:t>
+            </a:r>
+            <a:r>
+              <a:rPr lang="en-US" dirty="0" smtClean="0"/>
+              <a:t> je </a:t>
+            </a:r>
+            <a:r>
+              <a:rPr lang="en-US" dirty="0" err="1" smtClean="0"/>
+              <a:t>neco</a:t>
+            </a:r>
+            <a:r>
+              <a:rPr lang="en-US" dirty="0" smtClean="0"/>
+              <a:t> co ${</a:t>
+            </a:r>
+            <a:r>
+              <a:rPr lang="en-US" dirty="0" err="1" smtClean="0"/>
+              <a:t>internetExplorer</a:t>
+            </a:r>
+            <a:r>
+              <a:rPr lang="en-US" dirty="0" smtClean="0"/>
+              <a:t>} </a:t>
+            </a:r>
+            <a:r>
+              <a:rPr lang="en-US" dirty="0" err="1" smtClean="0"/>
+              <a:t>neu</a:t>
+            </a:r>
+            <a:r>
+              <a:rPr lang="cs-CZ" dirty="0" smtClean="0"/>
+              <a:t>mí</a:t>
+            </a:r>
+            <a:r>
+              <a:rPr lang="en-US" dirty="0" smtClean="0"/>
+              <a:t>!`</a:t>
+            </a:r>
+          </a:p>
+          <a:p>
+            <a:pPr marL="0" indent="0">
+              <a:buNone/>
+            </a:pPr>
+            <a:endParaRPr lang="en-US" dirty="0" smtClean="0"/>
+          </a:p>
+          <a:p>
+            <a:r>
+              <a:rPr lang="en-US" dirty="0" smtClean="0"/>
+              <a:t>Promises</a:t>
+            </a:r>
+          </a:p>
+          <a:p>
+            <a:pPr lvl="1"/>
+            <a:r>
+              <a:rPr lang="en-US" dirty="0" smtClean="0"/>
+              <a:t>N</a:t>
+            </a:r>
+            <a:r>
+              <a:rPr lang="cs-CZ" dirty="0" err="1" smtClean="0"/>
+              <a:t>áhrada</a:t>
+            </a:r>
+            <a:r>
+              <a:rPr lang="cs-CZ" dirty="0" smtClean="0"/>
+              <a:t> za </a:t>
+            </a:r>
+            <a:r>
+              <a:rPr lang="cs-CZ" dirty="0" err="1" smtClean="0"/>
+              <a:t>callbacky</a:t>
+            </a:r>
+            <a:endParaRPr lang="cs-CZ" dirty="0" smtClean="0"/>
+          </a:p>
+          <a:p>
+            <a:pPr lvl="1"/>
+            <a:r>
+              <a:rPr lang="cs-CZ" dirty="0" smtClean="0"/>
+              <a:t>Mnohem lepší náhrada</a:t>
+            </a:r>
+            <a:r>
+              <a:rPr lang="en-US" dirty="0" smtClean="0"/>
+              <a:t>!</a:t>
+            </a:r>
+          </a:p>
+          <a:p>
+            <a:pPr lvl="1"/>
+            <a:r>
+              <a:rPr lang="en-US" dirty="0">
+                <a:hlinkClick r:id="rId2"/>
+              </a:rPr>
+              <a:t>https://www.sohamkamani.com/blog/2016/08/28/incremenal-tutorial-to-promises/#</a:t>
+            </a:r>
+            <a:r>
+              <a:rPr lang="en-US" dirty="0" smtClean="0">
+                <a:hlinkClick r:id="rId2"/>
+              </a:rPr>
+              <a:t>c3</a:t>
+            </a:r>
+            <a:r>
+              <a:rPr lang="en-US" dirty="0" smtClean="0"/>
+              <a:t> </a:t>
+            </a:r>
+            <a:endParaRPr lang="en-US" dirty="0"/>
+          </a:p>
+          <a:p>
+            <a:pPr marL="0" indent="0">
+              <a:buNone/>
+            </a:pPr>
+            <a:endParaRPr lang="en-US" dirty="0"/>
           </a:p>
         </p:txBody>
       </p:sp>
     </p:spTree>
     <p:extLst>
       <p:ext uri="{BB962C8B-B14F-4D97-AF65-F5344CB8AC3E}">
-        <p14:creationId xmlns:p14="http://schemas.microsoft.com/office/powerpoint/2010/main" val="3055095211"/>
+        <p14:creationId xmlns:p14="http://schemas.microsoft.com/office/powerpoint/2010/main" val="1677849017"/>
       </p:ext>
     </p:extLst>
   </p:cSld>
   <p:clrMapOvr>
     <a:masterClrMapping/>
   </p:clrMapOvr>
+  <mc:AlternateContent xmlns:mc="http://schemas.openxmlformats.org/markup-compatibility/2006">
+    <mc:Choice xmlns:p14="http://schemas.microsoft.com/office/powerpoint/2010/main" Requires="p14">
+      <p:transition spd="slow" p14:dur="800">
+        <p14:flythrough/>
+      </p:transition>
+    </mc:Choice>
+    <mc:Fallback>
+      <p:transition spd="slow">
+        <p:fade/>
+      </p:transition>
+    </mc:Fallback>
+  </mc:AlternateContent>
   <p:timing>
     <p:tnLst>
       <p:par>
-        <p:cTn id="1" dur="indefinite" restart="never" nodeType="tmRoot"/>
+        <p:cTn id="1" dur="indefinite" restart="never" nodeType="tmRoot">
+          <p:childTnLst>
+            <p:seq concurrent="1" nextAc="seek">
+              <p:cTn id="2" dur="indefinite" nodeType="mainSeq">
+                <p:childTnLst>
+                  <p:par>
+                    <p:cTn id="3" fill="hold">
+                      <p:stCondLst>
+                        <p:cond delay="indefinite"/>
+                      </p:stCondLst>
+                      <p:childTnLst>
+                        <p:par>
+                          <p:cTn id="4" fill="hold">
+                            <p:stCondLst>
+                              <p:cond delay="0"/>
+                            </p:stCondLst>
+                            <p:childTnLst>
+                              <p:par>
+                                <p:cTn id="5" presetID="1" presetClass="entr" presetSubtype="0" fill="hold" grpId="0" nodeType="clickEffect">
+                                  <p:stCondLst>
+                                    <p:cond delay="0"/>
+                                  </p:stCondLst>
+                                  <p:childTnLst>
+                                    <p:set>
+                                      <p:cBhvr>
+                                        <p:cTn id="6" dur="1" fill="hold">
+                                          <p:stCondLst>
+                                            <p:cond delay="0"/>
+                                          </p:stCondLst>
+                                        </p:cTn>
+                                        <p:tgtEl>
+                                          <p:spTgt spid="3">
+                                            <p:txEl>
+                                              <p:pRg st="0" end="0"/>
+                                            </p:txEl>
+                                          </p:spTgt>
+                                        </p:tgtEl>
+                                        <p:attrNameLst>
+                                          <p:attrName>style.visibility</p:attrName>
+                                        </p:attrNameLst>
+                                      </p:cBhvr>
+                                      <p:to>
+                                        <p:strVal val="visible"/>
+                                      </p:to>
+                                    </p:set>
+                                  </p:childTnLst>
+                                </p:cTn>
+                              </p:par>
+                            </p:childTnLst>
+                          </p:cTn>
+                        </p:par>
+                      </p:childTnLst>
+                    </p:cTn>
+                  </p:par>
+                  <p:par>
+                    <p:cTn id="7" fill="hold">
+                      <p:stCondLst>
+                        <p:cond delay="indefinite"/>
+                      </p:stCondLst>
+                      <p:childTnLst>
+                        <p:par>
+                          <p:cTn id="8" fill="hold">
+                            <p:stCondLst>
+                              <p:cond delay="0"/>
+                            </p:stCondLst>
+                            <p:childTnLst>
+                              <p:par>
+                                <p:cTn id="9" presetID="1" presetClass="entr" presetSubtype="0" fill="hold" grpId="0" nodeType="clickEffect">
+                                  <p:stCondLst>
+                                    <p:cond delay="0"/>
+                                  </p:stCondLst>
+                                  <p:childTnLst>
+                                    <p:set>
+                                      <p:cBhvr>
+                                        <p:cTn id="10" dur="1" fill="hold">
+                                          <p:stCondLst>
+                                            <p:cond delay="0"/>
+                                          </p:stCondLst>
+                                        </p:cTn>
+                                        <p:tgtEl>
+                                          <p:spTgt spid="3">
+                                            <p:txEl>
+                                              <p:pRg st="2" end="2"/>
+                                            </p:txEl>
+                                          </p:spTgt>
+                                        </p:tgtEl>
+                                        <p:attrNameLst>
+                                          <p:attrName>style.visibility</p:attrName>
+                                        </p:attrNameLst>
+                                      </p:cBhvr>
+                                      <p:to>
+                                        <p:strVal val="visible"/>
+                                      </p:to>
+                                    </p:set>
+                                  </p:childTnLst>
+                                </p:cTn>
+                              </p:par>
+                            </p:childTnLst>
+                          </p:cTn>
+                        </p:par>
+                      </p:childTnLst>
+                    </p:cTn>
+                  </p:par>
+                  <p:par>
+                    <p:cTn id="11" fill="hold">
+                      <p:stCondLst>
+                        <p:cond delay="indefinite"/>
+                      </p:stCondLst>
+                      <p:childTnLst>
+                        <p:par>
+                          <p:cTn id="12" fill="hold">
+                            <p:stCondLst>
+                              <p:cond delay="0"/>
+                            </p:stCondLst>
+                            <p:childTnLst>
+                              <p:par>
+                                <p:cTn id="13" presetID="1" presetClass="entr" presetSubtype="0" fill="hold" grpId="0" nodeType="clickEffect">
+                                  <p:stCondLst>
+                                    <p:cond delay="0"/>
+                                  </p:stCondLst>
+                                  <p:childTnLst>
+                                    <p:set>
+                                      <p:cBhvr>
+                                        <p:cTn id="14" dur="1" fill="hold">
+                                          <p:stCondLst>
+                                            <p:cond delay="0"/>
+                                          </p:stCondLst>
+                                        </p:cTn>
+                                        <p:tgtEl>
+                                          <p:spTgt spid="3">
+                                            <p:txEl>
+                                              <p:pRg st="3" end="3"/>
+                                            </p:txEl>
+                                          </p:spTgt>
+                                        </p:tgtEl>
+                                        <p:attrNameLst>
+                                          <p:attrName>style.visibility</p:attrName>
+                                        </p:attrNameLst>
+                                      </p:cBhvr>
+                                      <p:to>
+                                        <p:strVal val="visible"/>
+                                      </p:to>
+                                    </p:set>
+                                  </p:childTnLst>
+                                </p:cTn>
+                              </p:par>
+                            </p:childTnLst>
+                          </p:cTn>
+                        </p:par>
+                      </p:childTnLst>
+                    </p:cTn>
+                  </p:par>
+                  <p:par>
+                    <p:cTn id="15" fill="hold">
+                      <p:stCondLst>
+                        <p:cond delay="indefinite"/>
+                      </p:stCondLst>
+                      <p:childTnLst>
+                        <p:par>
+                          <p:cTn id="16" fill="hold">
+                            <p:stCondLst>
+                              <p:cond delay="0"/>
+                            </p:stCondLst>
+                            <p:childTnLst>
+                              <p:par>
+                                <p:cTn id="17" presetID="1" presetClass="entr" presetSubtype="0" fill="hold" grpId="0" nodeType="clickEffect">
+                                  <p:stCondLst>
+                                    <p:cond delay="0"/>
+                                  </p:stCondLst>
+                                  <p:childTnLst>
+                                    <p:set>
+                                      <p:cBhvr>
+                                        <p:cTn id="18" dur="1" fill="hold">
+                                          <p:stCondLst>
+                                            <p:cond delay="0"/>
+                                          </p:stCondLst>
+                                        </p:cTn>
+                                        <p:tgtEl>
+                                          <p:spTgt spid="3">
+                                            <p:txEl>
+                                              <p:pRg st="5" end="5"/>
+                                            </p:txEl>
+                                          </p:spTgt>
+                                        </p:tgtEl>
+                                        <p:attrNameLst>
+                                          <p:attrName>style.visibility</p:attrName>
+                                        </p:attrNameLst>
+                                      </p:cBhvr>
+                                      <p:to>
+                                        <p:strVal val="visible"/>
+                                      </p:to>
+                                    </p:set>
+                                  </p:childTnLst>
+                                </p:cTn>
+                              </p:par>
+                              <p:par>
+                                <p:cTn id="19" presetID="1" presetClass="entr" presetSubtype="0" fill="hold" grpId="0" nodeType="withEffect">
+                                  <p:stCondLst>
+                                    <p:cond delay="0"/>
+                                  </p:stCondLst>
+                                  <p:childTnLst>
+                                    <p:set>
+                                      <p:cBhvr>
+                                        <p:cTn id="20" dur="1" fill="hold">
+                                          <p:stCondLst>
+                                            <p:cond delay="0"/>
+                                          </p:stCondLst>
+                                        </p:cTn>
+                                        <p:tgtEl>
+                                          <p:spTgt spid="3">
+                                            <p:txEl>
+                                              <p:pRg st="6" end="6"/>
+                                            </p:txEl>
+                                          </p:spTgt>
+                                        </p:tgtEl>
+                                        <p:attrNameLst>
+                                          <p:attrName>style.visibility</p:attrName>
+                                        </p:attrNameLst>
+                                      </p:cBhvr>
+                                      <p:to>
+                                        <p:strVal val="visible"/>
+                                      </p:to>
+                                    </p:set>
+                                  </p:childTnLst>
+                                </p:cTn>
+                              </p:par>
+                              <p:par>
+                                <p:cTn id="21" presetID="1" presetClass="entr" presetSubtype="0" fill="hold" grpId="0" nodeType="withEffect">
+                                  <p:stCondLst>
+                                    <p:cond delay="0"/>
+                                  </p:stCondLst>
+                                  <p:childTnLst>
+                                    <p:set>
+                                      <p:cBhvr>
+                                        <p:cTn id="22" dur="1" fill="hold">
+                                          <p:stCondLst>
+                                            <p:cond delay="0"/>
+                                          </p:stCondLst>
+                                        </p:cTn>
+                                        <p:tgtEl>
+                                          <p:spTgt spid="3">
+                                            <p:txEl>
+                                              <p:pRg st="7" end="7"/>
+                                            </p:txEl>
+                                          </p:spTgt>
+                                        </p:tgtEl>
+                                        <p:attrNameLst>
+                                          <p:attrName>style.visibility</p:attrName>
+                                        </p:attrNameLst>
+                                      </p:cBhvr>
+                                      <p:to>
+                                        <p:strVal val="visible"/>
+                                      </p:to>
+                                    </p:set>
+                                  </p:childTnLst>
+                                </p:cTn>
+                              </p:par>
+                              <p:par>
+                                <p:cTn id="23" presetID="1" presetClass="entr" presetSubtype="0" fill="hold" grpId="0" nodeType="withEffect">
+                                  <p:stCondLst>
+                                    <p:cond delay="0"/>
+                                  </p:stCondLst>
+                                  <p:childTnLst>
+                                    <p:set>
+                                      <p:cBhvr>
+                                        <p:cTn id="24" dur="1" fill="hold">
+                                          <p:stCondLst>
+                                            <p:cond delay="0"/>
+                                          </p:stCondLst>
+                                        </p:cTn>
+                                        <p:tgtEl>
+                                          <p:spTgt spid="3">
+                                            <p:txEl>
+                                              <p:pRg st="8" end="8"/>
+                                            </p:txEl>
+                                          </p:spTgt>
+                                        </p:tgtEl>
+                                        <p:attrNameLst>
+                                          <p:attrName>style.visibility</p:attrName>
+                                        </p:attrNameLst>
+                                      </p:cBhvr>
+                                      <p:to>
+                                        <p:strVal val="visible"/>
+                                      </p:to>
+                                    </p:set>
+                                  </p:childTnLst>
+                                </p:cTn>
+                              </p:par>
+                            </p:childTnLst>
+                          </p:cTn>
+                        </p:par>
+                      </p:childTnLst>
+                    </p:cTn>
+                  </p:par>
+                </p:childTnLst>
+              </p:cTn>
+              <p:prevCondLst>
+                <p:cond evt="onPrev" delay="0">
+                  <p:tgtEl>
+                    <p:sldTgt/>
+                  </p:tgtEl>
+                </p:cond>
+              </p:prevCondLst>
+              <p:nextCondLst>
+                <p:cond evt="onNext" delay="0">
+                  <p:tgtEl>
+                    <p:sldTgt/>
+                  </p:tgtEl>
+                </p:cond>
+              </p:nextCondLst>
+            </p:seq>
+          </p:childTnLst>
+        </p:cTn>
       </p:par>
     </p:tnLst>
+    <p:bldLst>
+      <p:bldP spid="3" grpId="0" build="p"/>
+    </p:bldLst>
   </p:timing>
 </p:sld>
 </file>

--- a/node-uvod.pptx
+++ b/node-uvod.pptx
@@ -8948,7 +8948,64 @@
           <a:bodyPr/>
           <a:lstStyle/>
           <a:p>
-            <a:endParaRPr lang="en-US"/>
+            <a:r>
+              <a:rPr lang="en-US" dirty="0">
+                <a:hlinkClick r:id="rId2"/>
+              </a:rPr>
+              <a:t>http://docs.sequelizejs.com</a:t>
+            </a:r>
+            <a:r>
+              <a:rPr lang="en-US" dirty="0" smtClean="0">
+                <a:hlinkClick r:id="rId2"/>
+              </a:rPr>
+              <a:t>/</a:t>
+            </a:r>
+            <a:r>
+              <a:rPr lang="en-US" dirty="0" smtClean="0"/>
+              <a:t> </a:t>
+            </a:r>
+          </a:p>
+          <a:p>
+            <a:r>
+              <a:rPr lang="en-US" dirty="0" err="1" smtClean="0"/>
+              <a:t>Mapov</a:t>
+            </a:r>
+            <a:r>
+              <a:rPr lang="cs-CZ" dirty="0" err="1" smtClean="0"/>
+              <a:t>ání</a:t>
+            </a:r>
+            <a:r>
+              <a:rPr lang="cs-CZ" dirty="0" smtClean="0"/>
+              <a:t> JSON objektů na relační databázi</a:t>
+            </a:r>
+          </a:p>
+          <a:p>
+            <a:r>
+              <a:rPr lang="cs-CZ" dirty="0" smtClean="0"/>
+              <a:t>Ideální pro úkol ukládání dat v rámci data </a:t>
+            </a:r>
+            <a:r>
+              <a:rPr lang="cs-CZ" dirty="0" err="1" smtClean="0"/>
+              <a:t>umpy</a:t>
+            </a:r>
+            <a:r>
+              <a:rPr lang="cs-CZ" dirty="0" smtClean="0"/>
+              <a:t> nebo prosté vytahování tabulek</a:t>
+            </a:r>
+          </a:p>
+          <a:p>
+            <a:r>
+              <a:rPr lang="cs-CZ" dirty="0" smtClean="0"/>
+              <a:t>Pro složitější dotazy </a:t>
+            </a:r>
+            <a:r>
+              <a:rPr lang="cs-CZ" dirty="0" smtClean="0"/>
+              <a:t>či analýzy dat nevhodné</a:t>
+            </a:r>
+            <a:endParaRPr lang="cs-CZ" dirty="0" smtClean="0"/>
+          </a:p>
+          <a:p>
+            <a:endParaRPr lang="en-US" dirty="0"/>
           </a:p>
         </p:txBody>
       </p:sp>
@@ -9826,9 +9883,286 @@
   <p:timing>
     <p:tnLst>
       <p:par>
-        <p:cTn id="1" dur="indefinite" restart="never" nodeType="tmRoot"/>
+        <p:cTn id="1" dur="indefinite" restart="never" nodeType="tmRoot">
+          <p:childTnLst>
+            <p:seq concurrent="1" nextAc="seek">
+              <p:cTn id="2" dur="indefinite" nodeType="mainSeq">
+                <p:childTnLst>
+                  <p:par>
+                    <p:cTn id="3" fill="hold">
+                      <p:stCondLst>
+                        <p:cond delay="indefinite"/>
+                      </p:stCondLst>
+                      <p:childTnLst>
+                        <p:par>
+                          <p:cTn id="4" fill="hold">
+                            <p:stCondLst>
+                              <p:cond delay="0"/>
+                            </p:stCondLst>
+                            <p:childTnLst>
+                              <p:par>
+                                <p:cTn id="5" presetID="10" presetClass="entr" presetSubtype="0" fill="hold" grpId="0" nodeType="clickEffect">
+                                  <p:stCondLst>
+                                    <p:cond delay="0"/>
+                                  </p:stCondLst>
+                                  <p:childTnLst>
+                                    <p:set>
+                                      <p:cBhvr>
+                                        <p:cTn id="6" dur="1" fill="hold">
+                                          <p:stCondLst>
+                                            <p:cond delay="0"/>
+                                          </p:stCondLst>
+                                        </p:cTn>
+                                        <p:tgtEl>
+                                          <p:spTgt spid="4"/>
+                                        </p:tgtEl>
+                                        <p:attrNameLst>
+                                          <p:attrName>style.visibility</p:attrName>
+                                        </p:attrNameLst>
+                                      </p:cBhvr>
+                                      <p:to>
+                                        <p:strVal val="visible"/>
+                                      </p:to>
+                                    </p:set>
+                                    <p:animEffect transition="in" filter="fade">
+                                      <p:cBhvr>
+                                        <p:cTn id="7" dur="500"/>
+                                        <p:tgtEl>
+                                          <p:spTgt spid="4"/>
+                                        </p:tgtEl>
+                                      </p:cBhvr>
+                                    </p:animEffect>
+                                  </p:childTnLst>
+                                </p:cTn>
+                              </p:par>
+                            </p:childTnLst>
+                          </p:cTn>
+                        </p:par>
+                      </p:childTnLst>
+                    </p:cTn>
+                  </p:par>
+                  <p:par>
+                    <p:cTn id="8" fill="hold">
+                      <p:stCondLst>
+                        <p:cond delay="indefinite"/>
+                      </p:stCondLst>
+                      <p:childTnLst>
+                        <p:par>
+                          <p:cTn id="9" fill="hold">
+                            <p:stCondLst>
+                              <p:cond delay="0"/>
+                            </p:stCondLst>
+                            <p:childTnLst>
+                              <p:par>
+                                <p:cTn id="10" presetID="10" presetClass="entr" presetSubtype="0" fill="hold" grpId="0" nodeType="clickEffect">
+                                  <p:stCondLst>
+                                    <p:cond delay="0"/>
+                                  </p:stCondLst>
+                                  <p:childTnLst>
+                                    <p:set>
+                                      <p:cBhvr>
+                                        <p:cTn id="11" dur="1" fill="hold">
+                                          <p:stCondLst>
+                                            <p:cond delay="0"/>
+                                          </p:stCondLst>
+                                        </p:cTn>
+                                        <p:tgtEl>
+                                          <p:spTgt spid="7"/>
+                                        </p:tgtEl>
+                                        <p:attrNameLst>
+                                          <p:attrName>style.visibility</p:attrName>
+                                        </p:attrNameLst>
+                                      </p:cBhvr>
+                                      <p:to>
+                                        <p:strVal val="visible"/>
+                                      </p:to>
+                                    </p:set>
+                                    <p:animEffect transition="in" filter="fade">
+                                      <p:cBhvr>
+                                        <p:cTn id="12" dur="500"/>
+                                        <p:tgtEl>
+                                          <p:spTgt spid="7"/>
+                                        </p:tgtEl>
+                                      </p:cBhvr>
+                                    </p:animEffect>
+                                  </p:childTnLst>
+                                </p:cTn>
+                              </p:par>
+                              <p:par>
+                                <p:cTn id="13" presetID="10" presetClass="entr" presetSubtype="0" fill="hold" grpId="0" nodeType="withEffect">
+                                  <p:stCondLst>
+                                    <p:cond delay="0"/>
+                                  </p:stCondLst>
+                                  <p:childTnLst>
+                                    <p:set>
+                                      <p:cBhvr>
+                                        <p:cTn id="14" dur="1" fill="hold">
+                                          <p:stCondLst>
+                                            <p:cond delay="0"/>
+                                          </p:stCondLst>
+                                        </p:cTn>
+                                        <p:tgtEl>
+                                          <p:spTgt spid="8"/>
+                                        </p:tgtEl>
+                                        <p:attrNameLst>
+                                          <p:attrName>style.visibility</p:attrName>
+                                        </p:attrNameLst>
+                                      </p:cBhvr>
+                                      <p:to>
+                                        <p:strVal val="visible"/>
+                                      </p:to>
+                                    </p:set>
+                                    <p:animEffect transition="in" filter="fade">
+                                      <p:cBhvr>
+                                        <p:cTn id="15" dur="500"/>
+                                        <p:tgtEl>
+                                          <p:spTgt spid="8"/>
+                                        </p:tgtEl>
+                                      </p:cBhvr>
+                                    </p:animEffect>
+                                  </p:childTnLst>
+                                </p:cTn>
+                              </p:par>
+                            </p:childTnLst>
+                          </p:cTn>
+                        </p:par>
+                      </p:childTnLst>
+                    </p:cTn>
+                  </p:par>
+                  <p:par>
+                    <p:cTn id="16" fill="hold">
+                      <p:stCondLst>
+                        <p:cond delay="indefinite"/>
+                      </p:stCondLst>
+                      <p:childTnLst>
+                        <p:par>
+                          <p:cTn id="17" fill="hold">
+                            <p:stCondLst>
+                              <p:cond delay="0"/>
+                            </p:stCondLst>
+                            <p:childTnLst>
+                              <p:par>
+                                <p:cTn id="18" presetID="10" presetClass="entr" presetSubtype="0" fill="hold" grpId="0" nodeType="clickEffect">
+                                  <p:stCondLst>
+                                    <p:cond delay="0"/>
+                                  </p:stCondLst>
+                                  <p:childTnLst>
+                                    <p:set>
+                                      <p:cBhvr>
+                                        <p:cTn id="19" dur="1" fill="hold">
+                                          <p:stCondLst>
+                                            <p:cond delay="0"/>
+                                          </p:stCondLst>
+                                        </p:cTn>
+                                        <p:tgtEl>
+                                          <p:spTgt spid="5"/>
+                                        </p:tgtEl>
+                                        <p:attrNameLst>
+                                          <p:attrName>style.visibility</p:attrName>
+                                        </p:attrNameLst>
+                                      </p:cBhvr>
+                                      <p:to>
+                                        <p:strVal val="visible"/>
+                                      </p:to>
+                                    </p:set>
+                                    <p:animEffect transition="in" filter="fade">
+                                      <p:cBhvr>
+                                        <p:cTn id="20" dur="500"/>
+                                        <p:tgtEl>
+                                          <p:spTgt spid="5"/>
+                                        </p:tgtEl>
+                                      </p:cBhvr>
+                                    </p:animEffect>
+                                  </p:childTnLst>
+                                </p:cTn>
+                              </p:par>
+                            </p:childTnLst>
+                          </p:cTn>
+                        </p:par>
+                      </p:childTnLst>
+                    </p:cTn>
+                  </p:par>
+                  <p:par>
+                    <p:cTn id="21" fill="hold">
+                      <p:stCondLst>
+                        <p:cond delay="indefinite"/>
+                      </p:stCondLst>
+                      <p:childTnLst>
+                        <p:par>
+                          <p:cTn id="22" fill="hold">
+                            <p:stCondLst>
+                              <p:cond delay="0"/>
+                            </p:stCondLst>
+                            <p:childTnLst>
+                              <p:par>
+                                <p:cTn id="23" presetID="10" presetClass="entr" presetSubtype="0" fill="hold" grpId="0" nodeType="clickEffect">
+                                  <p:stCondLst>
+                                    <p:cond delay="0"/>
+                                  </p:stCondLst>
+                                  <p:childTnLst>
+                                    <p:set>
+                                      <p:cBhvr>
+                                        <p:cTn id="24" dur="1" fill="hold">
+                                          <p:stCondLst>
+                                            <p:cond delay="0"/>
+                                          </p:stCondLst>
+                                        </p:cTn>
+                                        <p:tgtEl>
+                                          <p:spTgt spid="6"/>
+                                        </p:tgtEl>
+                                        <p:attrNameLst>
+                                          <p:attrName>style.visibility</p:attrName>
+                                        </p:attrNameLst>
+                                      </p:cBhvr>
+                                      <p:to>
+                                        <p:strVal val="visible"/>
+                                      </p:to>
+                                    </p:set>
+                                    <p:animEffect transition="in" filter="fade">
+                                      <p:cBhvr>
+                                        <p:cTn id="25" dur="500"/>
+                                        <p:tgtEl>
+                                          <p:spTgt spid="6"/>
+                                        </p:tgtEl>
+                                      </p:cBhvr>
+                                    </p:animEffect>
+                                  </p:childTnLst>
+                                </p:cTn>
+                              </p:par>
+                            </p:childTnLst>
+                          </p:cTn>
+                        </p:par>
+                      </p:childTnLst>
+                    </p:cTn>
+                  </p:par>
+                </p:childTnLst>
+              </p:cTn>
+              <p:prevCondLst>
+                <p:cond evt="onPrev" delay="0">
+                  <p:tgtEl>
+                    <p:sldTgt/>
+                  </p:tgtEl>
+                </p:cond>
+              </p:prevCondLst>
+              <p:nextCondLst>
+                <p:cond evt="onNext" delay="0">
+                  <p:tgtEl>
+                    <p:sldTgt/>
+                  </p:tgtEl>
+                </p:cond>
+              </p:nextCondLst>
+            </p:seq>
+          </p:childTnLst>
+        </p:cTn>
       </p:par>
     </p:tnLst>
+    <p:bldLst>
+      <p:bldP spid="4" grpId="0" animBg="1"/>
+      <p:bldP spid="5" grpId="0" animBg="1"/>
+      <p:bldP spid="6" grpId="0" animBg="1"/>
+      <p:bldP spid="7" grpId="0" animBg="1"/>
+      <p:bldP spid="8" grpId="0" animBg="1"/>
+    </p:bldLst>
   </p:timing>
 </p:sld>
 </file>
@@ -10132,7 +10466,9 @@
         </p:nvSpPr>
         <p:spPr/>
         <p:txBody>
-          <a:bodyPr/>
+          <a:bodyPr>
+            <a:normAutofit lnSpcReduction="10000"/>
+          </a:bodyPr>
           <a:lstStyle/>
           <a:p>
             <a:r>
@@ -10158,6 +10494,43 @@
             </a:r>
             <a:endParaRPr lang="cs-CZ" dirty="0" smtClean="0">
               <a:latin typeface="Courier New" panose="02070309020205020404" pitchFamily="49" charset="0"/>
+              <a:cs typeface="Courier New" panose="02070309020205020404" pitchFamily="49" charset="0"/>
+            </a:endParaRPr>
+          </a:p>
+          <a:p>
+            <a:r>
+              <a:rPr lang="cs-CZ" dirty="0" smtClean="0">
+                <a:cs typeface="Courier New" panose="02070309020205020404" pitchFamily="49" charset="0"/>
+              </a:rPr>
+              <a:t>Don</a:t>
+            </a:r>
+            <a:r>
+              <a:rPr lang="en-US" dirty="0" smtClean="0">
+                <a:cs typeface="Courier New" panose="02070309020205020404" pitchFamily="49" charset="0"/>
+              </a:rPr>
+              <a:t>’t </a:t>
+            </a:r>
+            <a:r>
+              <a:rPr lang="en-US" b="1" dirty="0" err="1" smtClean="0">
+                <a:latin typeface="Courier New" panose="02070309020205020404" pitchFamily="49" charset="0"/>
+                <a:cs typeface="Courier New" panose="02070309020205020404" pitchFamily="49" charset="0"/>
+              </a:rPr>
+              <a:t>npm</a:t>
+            </a:r>
+            <a:r>
+              <a:rPr lang="en-US" b="1" dirty="0" smtClean="0">
+                <a:latin typeface="Courier New" panose="02070309020205020404" pitchFamily="49" charset="0"/>
+                <a:cs typeface="Courier New" panose="02070309020205020404" pitchFamily="49" charset="0"/>
+              </a:rPr>
+              <a:t> install </a:t>
+            </a:r>
+            <a:r>
+              <a:rPr lang="en-US" dirty="0" smtClean="0">
+                <a:cs typeface="Courier New" panose="02070309020205020404" pitchFamily="49" charset="0"/>
+              </a:rPr>
+              <a:t>random packages</a:t>
+            </a:r>
+            <a:endParaRPr lang="cs-CZ" dirty="0" smtClean="0">
               <a:cs typeface="Courier New" panose="02070309020205020404" pitchFamily="49" charset="0"/>
             </a:endParaRPr>
           </a:p>
@@ -11440,7 +11813,9 @@
         </p:nvSpPr>
         <p:spPr/>
         <p:txBody>
-          <a:bodyPr/>
+          <a:bodyPr>
+            <a:normAutofit lnSpcReduction="10000"/>
+          </a:bodyPr>
           <a:lstStyle/>
           <a:p>
             <a:pPr marL="0" indent="0">
@@ -11526,6 +11901,22 @@
             <a:pPr marL="0" indent="0">
               <a:buNone/>
             </a:pPr>
+            <a:r>
+              <a:rPr lang="en-US" dirty="0">
+                <a:hlinkClick r:id="rId3"/>
+              </a:rPr>
+              <a:t>https://</a:t>
+            </a:r>
+            <a:r>
+              <a:rPr lang="en-US" dirty="0" smtClean="0">
+                <a:hlinkClick r:id="rId3"/>
+              </a:rPr>
+              <a:t>github.com/etnetera-activate/node-minicourse</a:t>
+            </a:r>
+            <a:r>
+              <a:rPr lang="en-US" dirty="0" smtClean="0"/>
+              <a:t> </a:t>
+            </a:r>
             <a:endParaRPr lang="en-US" dirty="0"/>
           </a:p>
         </p:txBody>
@@ -11790,6 +12181,67 @@
                                           <p:spTgt spid="3">
                                             <p:txEl>
                                               <p:pRg st="4" end="4"/>
+                                            </p:txEl>
+                                          </p:spTgt>
+                                        </p:tgtEl>
+                                      </p:cBhvr>
+                                    </p:animEffect>
+                                  </p:childTnLst>
+                                </p:cTn>
+                              </p:par>
+                            </p:childTnLst>
+                          </p:cTn>
+                        </p:par>
+                      </p:childTnLst>
+                    </p:cTn>
+                  </p:par>
+                  <p:par>
+                    <p:cTn id="23" fill="hold">
+                      <p:stCondLst>
+                        <p:cond delay="indefinite"/>
+                      </p:stCondLst>
+                      <p:childTnLst>
+                        <p:par>
+                          <p:cTn id="24" fill="hold">
+                            <p:stCondLst>
+                              <p:cond delay="0"/>
+                            </p:stCondLst>
+                            <p:childTnLst>
+                              <p:par>
+                                <p:cTn id="25" presetID="10" presetClass="entr" presetSubtype="0" fill="hold" grpId="0" nodeType="clickEffect">
+                                  <p:stCondLst>
+                                    <p:cond delay="0"/>
+                                  </p:stCondLst>
+                                  <p:childTnLst>
+                                    <p:set>
+                                      <p:cBhvr>
+                                        <p:cTn id="26" dur="1" fill="hold">
+                                          <p:stCondLst>
+                                            <p:cond delay="0"/>
+                                          </p:stCondLst>
+                                        </p:cTn>
+                                        <p:tgtEl>
+                                          <p:spTgt spid="3">
+                                            <p:txEl>
+                                              <p:pRg st="6" end="6"/>
+                                            </p:txEl>
+                                          </p:spTgt>
+                                        </p:tgtEl>
+                                        <p:attrNameLst>
+                                          <p:attrName>style.visibility</p:attrName>
+                                        </p:attrNameLst>
+                                      </p:cBhvr>
+                                      <p:to>
+                                        <p:strVal val="visible"/>
+                                      </p:to>
+                                    </p:set>
+                                    <p:animEffect transition="in" filter="fade">
+                                      <p:cBhvr>
+                                        <p:cTn id="27" dur="500"/>
+                                        <p:tgtEl>
+                                          <p:spTgt spid="3">
+                                            <p:txEl>
+                                              <p:pRg st="6" end="6"/>
                                             </p:txEl>
                                           </p:spTgt>
                                         </p:tgtEl>

--- a/node-uvod.pptx
+++ b/node-uvod.pptx
@@ -5,7 +5,7 @@
     <p:sldMasterId id="2147483648" r:id="rId1"/>
   </p:sldMasterIdLst>
   <p:notesMasterIdLst>
-    <p:notesMasterId r:id="rId30"/>
+    <p:notesMasterId r:id="rId33"/>
   </p:notesMasterIdLst>
   <p:sldIdLst>
     <p:sldId id="256" r:id="rId2"/>
@@ -30,12 +30,15 @@
     <p:sldId id="297" r:id="rId21"/>
     <p:sldId id="290" r:id="rId22"/>
     <p:sldId id="294" r:id="rId23"/>
-    <p:sldId id="285" r:id="rId24"/>
-    <p:sldId id="287" r:id="rId25"/>
-    <p:sldId id="291" r:id="rId26"/>
-    <p:sldId id="286" r:id="rId27"/>
-    <p:sldId id="288" r:id="rId28"/>
-    <p:sldId id="273" r:id="rId29"/>
+    <p:sldId id="300" r:id="rId24"/>
+    <p:sldId id="301" r:id="rId25"/>
+    <p:sldId id="302" r:id="rId26"/>
+    <p:sldId id="285" r:id="rId27"/>
+    <p:sldId id="287" r:id="rId28"/>
+    <p:sldId id="291" r:id="rId29"/>
+    <p:sldId id="286" r:id="rId30"/>
+    <p:sldId id="288" r:id="rId31"/>
+    <p:sldId id="273" r:id="rId32"/>
   </p:sldIdLst>
   <p:sldSz cx="9144000" cy="6858000" type="screen4x3"/>
   <p:notesSz cx="6858000" cy="9144000"/>
@@ -136,7 +139,7 @@
   </p:defaultTextStyle>
   <p:extLst>
     <p:ext uri="{EFAFB233-063F-42B5-8137-9DF3F51BA10A}">
-      <p15:sldGuideLst xmlns="" xmlns:p15="http://schemas.microsoft.com/office/powerpoint/2012/main">
+      <p15:sldGuideLst xmlns:p15="http://schemas.microsoft.com/office/powerpoint/2012/main" xmlns="">
         <p15:guide id="1" orient="horz" pos="2160">
           <p15:clr>
             <a:srgbClr val="A4A3A4"/>
@@ -235,7 +238,7 @@
           <a:p>
             <a:fld id="{BB98AB2E-CF13-4FF5-88F8-81D6F4127D67}" type="datetimeFigureOut">
               <a:rPr lang="cs-CZ" smtClean="0"/>
-              <a:t>23.03.2018</a:t>
+              <a:t>26.03.2018</a:t>
             </a:fld>
             <a:endParaRPr lang="cs-CZ"/>
           </a:p>
@@ -684,7 +687,7 @@
           <a:p>
             <a:fld id="{E7BB63EB-1FEB-4BB0-AF8D-BD442935F862}" type="datetimeFigureOut">
               <a:rPr lang="cs-CZ" smtClean="0"/>
-              <a:t>23.03.2018</a:t>
+              <a:t>26.03.2018</a:t>
             </a:fld>
             <a:endParaRPr lang="cs-CZ"/>
           </a:p>
@@ -854,7 +857,7 @@
           <a:p>
             <a:fld id="{E7BB63EB-1FEB-4BB0-AF8D-BD442935F862}" type="datetimeFigureOut">
               <a:rPr lang="cs-CZ" smtClean="0"/>
-              <a:t>23.03.2018</a:t>
+              <a:t>26.03.2018</a:t>
             </a:fld>
             <a:endParaRPr lang="cs-CZ"/>
           </a:p>
@@ -1034,7 +1037,7 @@
           <a:p>
             <a:fld id="{E7BB63EB-1FEB-4BB0-AF8D-BD442935F862}" type="datetimeFigureOut">
               <a:rPr lang="cs-CZ" smtClean="0"/>
-              <a:t>23.03.2018</a:t>
+              <a:t>26.03.2018</a:t>
             </a:fld>
             <a:endParaRPr lang="cs-CZ"/>
           </a:p>
@@ -1204,7 +1207,7 @@
           <a:p>
             <a:fld id="{E7BB63EB-1FEB-4BB0-AF8D-BD442935F862}" type="datetimeFigureOut">
               <a:rPr lang="cs-CZ" smtClean="0"/>
-              <a:t>23.03.2018</a:t>
+              <a:t>26.03.2018</a:t>
             </a:fld>
             <a:endParaRPr lang="cs-CZ"/>
           </a:p>
@@ -1450,7 +1453,7 @@
           <a:p>
             <a:fld id="{E7BB63EB-1FEB-4BB0-AF8D-BD442935F862}" type="datetimeFigureOut">
               <a:rPr lang="cs-CZ" smtClean="0"/>
-              <a:t>23.03.2018</a:t>
+              <a:t>26.03.2018</a:t>
             </a:fld>
             <a:endParaRPr lang="cs-CZ"/>
           </a:p>
@@ -1738,7 +1741,7 @@
           <a:p>
             <a:fld id="{E7BB63EB-1FEB-4BB0-AF8D-BD442935F862}" type="datetimeFigureOut">
               <a:rPr lang="cs-CZ" smtClean="0"/>
-              <a:t>23.03.2018</a:t>
+              <a:t>26.03.2018</a:t>
             </a:fld>
             <a:endParaRPr lang="cs-CZ"/>
           </a:p>
@@ -2160,7 +2163,7 @@
           <a:p>
             <a:fld id="{E7BB63EB-1FEB-4BB0-AF8D-BD442935F862}" type="datetimeFigureOut">
               <a:rPr lang="cs-CZ" smtClean="0"/>
-              <a:t>23.03.2018</a:t>
+              <a:t>26.03.2018</a:t>
             </a:fld>
             <a:endParaRPr lang="cs-CZ"/>
           </a:p>
@@ -2278,7 +2281,7 @@
           <a:p>
             <a:fld id="{E7BB63EB-1FEB-4BB0-AF8D-BD442935F862}" type="datetimeFigureOut">
               <a:rPr lang="cs-CZ" smtClean="0"/>
-              <a:t>23.03.2018</a:t>
+              <a:t>26.03.2018</a:t>
             </a:fld>
             <a:endParaRPr lang="cs-CZ"/>
           </a:p>
@@ -2373,7 +2376,7 @@
           <a:p>
             <a:fld id="{E7BB63EB-1FEB-4BB0-AF8D-BD442935F862}" type="datetimeFigureOut">
               <a:rPr lang="cs-CZ" smtClean="0"/>
-              <a:t>23.03.2018</a:t>
+              <a:t>26.03.2018</a:t>
             </a:fld>
             <a:endParaRPr lang="cs-CZ"/>
           </a:p>
@@ -2650,7 +2653,7 @@
           <a:p>
             <a:fld id="{E7BB63EB-1FEB-4BB0-AF8D-BD442935F862}" type="datetimeFigureOut">
               <a:rPr lang="cs-CZ" smtClean="0"/>
-              <a:t>23.03.2018</a:t>
+              <a:t>26.03.2018</a:t>
             </a:fld>
             <a:endParaRPr lang="cs-CZ"/>
           </a:p>
@@ -2903,7 +2906,7 @@
           <a:p>
             <a:fld id="{E7BB63EB-1FEB-4BB0-AF8D-BD442935F862}" type="datetimeFigureOut">
               <a:rPr lang="cs-CZ" smtClean="0"/>
-              <a:t>23.03.2018</a:t>
+              <a:t>26.03.2018</a:t>
             </a:fld>
             <a:endParaRPr lang="cs-CZ"/>
           </a:p>
@@ -3116,7 +3119,7 @@
           <a:p>
             <a:fld id="{E7BB63EB-1FEB-4BB0-AF8D-BD442935F862}" type="datetimeFigureOut">
               <a:rPr lang="cs-CZ" smtClean="0"/>
-              <a:t>23.03.2018</a:t>
+              <a:t>26.03.2018</a:t>
             </a:fld>
             <a:endParaRPr lang="cs-CZ"/>
           </a:p>
@@ -3782,13 +3785,13 @@
   <p:clrMapOvr>
     <a:masterClrMapping/>
   </p:clrMapOvr>
-  <mc:AlternateContent xmlns:mc="http://schemas.openxmlformats.org/markup-compatibility/2006">
-    <mc:Choice xmlns:p14="http://schemas.microsoft.com/office/powerpoint/2010/main" Requires="p14">
+  <mc:AlternateContent xmlns:mc="http://schemas.openxmlformats.org/markup-compatibility/2006" xmlns:p14="http://schemas.microsoft.com/office/powerpoint/2010/main">
+    <mc:Choice Requires="p14">
       <p:transition spd="slow" p14:dur="800">
         <p14:flythrough/>
       </p:transition>
     </mc:Choice>
-    <mc:Fallback>
+    <mc:Fallback xmlns="">
       <p:transition spd="slow">
         <p:fade/>
       </p:transition>
@@ -3873,13 +3876,13 @@
   <p:clrMapOvr>
     <a:masterClrMapping/>
   </p:clrMapOvr>
-  <mc:AlternateContent xmlns:mc="http://schemas.openxmlformats.org/markup-compatibility/2006">
-    <mc:Choice xmlns:p14="http://schemas.microsoft.com/office/powerpoint/2010/main" Requires="p14">
+  <mc:AlternateContent xmlns:mc="http://schemas.openxmlformats.org/markup-compatibility/2006" xmlns:p14="http://schemas.microsoft.com/office/powerpoint/2010/main">
+    <mc:Choice Requires="p14">
       <p:transition spd="slow" p14:dur="800">
         <p14:flythrough/>
       </p:transition>
     </mc:Choice>
-    <mc:Fallback>
+    <mc:Fallback xmlns="">
       <p:transition spd="slow">
         <p:fade/>
       </p:transition>
@@ -4083,13 +4086,13 @@
   <p:clrMapOvr>
     <a:masterClrMapping/>
   </p:clrMapOvr>
-  <mc:AlternateContent xmlns:mc="http://schemas.openxmlformats.org/markup-compatibility/2006">
-    <mc:Choice xmlns:p14="http://schemas.microsoft.com/office/powerpoint/2010/main" Requires="p14">
+  <mc:AlternateContent xmlns:mc="http://schemas.openxmlformats.org/markup-compatibility/2006" xmlns:p14="http://schemas.microsoft.com/office/powerpoint/2010/main">
+    <mc:Choice Requires="p14">
       <p:transition spd="slow" p14:dur="800">
         <p14:flythrough/>
       </p:transition>
     </mc:Choice>
-    <mc:Fallback>
+    <mc:Fallback xmlns="">
       <p:transition spd="slow">
         <p:fade/>
       </p:transition>
@@ -4682,13 +4685,13 @@
   <p:clrMapOvr>
     <a:masterClrMapping/>
   </p:clrMapOvr>
-  <mc:AlternateContent xmlns:mc="http://schemas.openxmlformats.org/markup-compatibility/2006">
-    <mc:Choice xmlns:p14="http://schemas.microsoft.com/office/powerpoint/2010/main" Requires="p14">
+  <mc:AlternateContent xmlns:mc="http://schemas.openxmlformats.org/markup-compatibility/2006" xmlns:p14="http://schemas.microsoft.com/office/powerpoint/2010/main">
+    <mc:Choice Requires="p14">
       <p:transition spd="slow" p14:dur="800">
         <p14:flythrough/>
       </p:transition>
     </mc:Choice>
-    <mc:Fallback>
+    <mc:Fallback xmlns="">
       <p:transition spd="slow">
         <p:fade/>
       </p:transition>
@@ -5181,13 +5184,13 @@
   <p:clrMapOvr>
     <a:masterClrMapping/>
   </p:clrMapOvr>
-  <mc:AlternateContent xmlns:mc="http://schemas.openxmlformats.org/markup-compatibility/2006">
-    <mc:Choice xmlns:p14="http://schemas.microsoft.com/office/powerpoint/2010/main" Requires="p14">
+  <mc:AlternateContent xmlns:mc="http://schemas.openxmlformats.org/markup-compatibility/2006" xmlns:p14="http://schemas.microsoft.com/office/powerpoint/2010/main">
+    <mc:Choice Requires="p14">
       <p:transition spd="slow" p14:dur="800">
         <p14:flythrough/>
       </p:transition>
     </mc:Choice>
-    <mc:Fallback>
+    <mc:Fallback xmlns="">
       <p:transition spd="slow">
         <p:fade/>
       </p:transition>
@@ -5789,11 +5792,7 @@
             </a:r>
             <a:r>
               <a:rPr lang="en-US" dirty="0" smtClean="0"/>
-              <a:t> install --save express </a:t>
-            </a:r>
-            <a:r>
-              <a:rPr lang="en-US" dirty="0" smtClean="0"/>
-              <a:t>debug</a:t>
+              <a:t> install --save express debug</a:t>
             </a:r>
           </a:p>
           <a:p>
@@ -5894,10 +5893,6 @@
               </a:rPr>
               <a:t>= require(“./neco.js”)</a:t>
             </a:r>
-            <a:endParaRPr lang="en-US" sz="2400" dirty="0" smtClean="0">
-              <a:latin typeface="Courier New" panose="02070309020205020404" pitchFamily="49" charset="0"/>
-              <a:cs typeface="Courier New" panose="02070309020205020404" pitchFamily="49" charset="0"/>
-            </a:endParaRPr>
           </a:p>
           <a:p>
             <a:endParaRPr lang="en-US" dirty="0"/>
@@ -5914,13 +5909,13 @@
   <p:clrMapOvr>
     <a:masterClrMapping/>
   </p:clrMapOvr>
-  <mc:AlternateContent xmlns:mc="http://schemas.openxmlformats.org/markup-compatibility/2006">
-    <mc:Choice xmlns:p14="http://schemas.microsoft.com/office/powerpoint/2010/main" Requires="p14">
+  <mc:AlternateContent xmlns:mc="http://schemas.openxmlformats.org/markup-compatibility/2006" xmlns:p14="http://schemas.microsoft.com/office/powerpoint/2010/main">
+    <mc:Choice Requires="p14">
       <p:transition spd="slow" p14:dur="800">
         <p14:flythrough/>
       </p:transition>
     </mc:Choice>
-    <mc:Fallback>
+    <mc:Fallback xmlns="">
       <p:transition spd="slow">
         <p:fade/>
       </p:transition>
@@ -6405,13 +6400,13 @@
   <p:clrMapOvr>
     <a:masterClrMapping/>
   </p:clrMapOvr>
-  <mc:AlternateContent xmlns:mc="http://schemas.openxmlformats.org/markup-compatibility/2006">
-    <mc:Choice xmlns:p14="http://schemas.microsoft.com/office/powerpoint/2010/main" Requires="p14">
+  <mc:AlternateContent xmlns:mc="http://schemas.openxmlformats.org/markup-compatibility/2006" xmlns:p14="http://schemas.microsoft.com/office/powerpoint/2010/main">
+    <mc:Choice Requires="p14">
       <p:transition spd="slow" p14:dur="800">
         <p14:flythrough/>
       </p:transition>
     </mc:Choice>
-    <mc:Fallback>
+    <mc:Fallback xmlns="">
       <p:transition spd="slow">
         <p:fade/>
       </p:transition>
@@ -6671,13 +6666,13 @@
   <p:clrMapOvr>
     <a:masterClrMapping/>
   </p:clrMapOvr>
-  <mc:AlternateContent xmlns:mc="http://schemas.openxmlformats.org/markup-compatibility/2006">
-    <mc:Choice xmlns:p14="http://schemas.microsoft.com/office/powerpoint/2010/main" Requires="p14">
+  <mc:AlternateContent xmlns:mc="http://schemas.openxmlformats.org/markup-compatibility/2006" xmlns:p14="http://schemas.microsoft.com/office/powerpoint/2010/main">
+    <mc:Choice Requires="p14">
       <p:transition spd="slow" p14:dur="800">
         <p14:flythrough/>
       </p:transition>
     </mc:Choice>
-    <mc:Fallback>
+    <mc:Fallback xmlns="">
       <p:transition spd="slow">
         <p:fade/>
       </p:transition>
@@ -7414,13 +7409,13 @@
   <p:clrMapOvr>
     <a:masterClrMapping/>
   </p:clrMapOvr>
-  <mc:AlternateContent xmlns:mc="http://schemas.openxmlformats.org/markup-compatibility/2006">
-    <mc:Choice xmlns:p14="http://schemas.microsoft.com/office/powerpoint/2010/main" Requires="p14">
+  <mc:AlternateContent xmlns:mc="http://schemas.openxmlformats.org/markup-compatibility/2006" xmlns:p14="http://schemas.microsoft.com/office/powerpoint/2010/main">
+    <mc:Choice Requires="p14">
       <p:transition spd="slow" p14:dur="800">
         <p14:flythrough/>
       </p:transition>
     </mc:Choice>
-    <mc:Fallback>
+    <mc:Fallback xmlns="">
       <p:transition spd="slow">
         <p:fade/>
       </p:transition>
@@ -7687,13 +7682,13 @@
   <p:clrMapOvr>
     <a:masterClrMapping/>
   </p:clrMapOvr>
-  <mc:AlternateContent xmlns:mc="http://schemas.openxmlformats.org/markup-compatibility/2006">
-    <mc:Choice xmlns:p14="http://schemas.microsoft.com/office/powerpoint/2010/main" Requires="p14">
+  <mc:AlternateContent xmlns:mc="http://schemas.openxmlformats.org/markup-compatibility/2006" xmlns:p14="http://schemas.microsoft.com/office/powerpoint/2010/main">
+    <mc:Choice Requires="p14">
       <p:transition spd="slow" p14:dur="800">
         <p14:flythrough/>
       </p:transition>
     </mc:Choice>
-    <mc:Fallback>
+    <mc:Fallback xmlns="">
       <p:transition spd="slow">
         <p:fade/>
       </p:transition>
@@ -7869,13 +7864,13 @@
   <p:clrMapOvr>
     <a:masterClrMapping/>
   </p:clrMapOvr>
-  <mc:AlternateContent xmlns:mc="http://schemas.openxmlformats.org/markup-compatibility/2006">
-    <mc:Choice xmlns:p14="http://schemas.microsoft.com/office/powerpoint/2010/main" Requires="p14">
+  <mc:AlternateContent xmlns:mc="http://schemas.openxmlformats.org/markup-compatibility/2006" xmlns:p14="http://schemas.microsoft.com/office/powerpoint/2010/main">
+    <mc:Choice Requires="p14">
       <p:transition spd="slow" p14:dur="800">
         <p14:flythrough/>
       </p:transition>
     </mc:Choice>
-    <mc:Fallback>
+    <mc:Fallback xmlns="">
       <p:transition spd="slow">
         <p:fade/>
       </p:transition>
@@ -8616,13 +8611,13 @@
   <p:clrMapOvr>
     <a:masterClrMapping/>
   </p:clrMapOvr>
-  <mc:AlternateContent xmlns:mc="http://schemas.openxmlformats.org/markup-compatibility/2006">
-    <mc:Choice xmlns:p14="http://schemas.microsoft.com/office/powerpoint/2010/main" Requires="p14">
+  <mc:AlternateContent xmlns:mc="http://schemas.openxmlformats.org/markup-compatibility/2006" xmlns:p14="http://schemas.microsoft.com/office/powerpoint/2010/main">
+    <mc:Choice Requires="p14">
       <p:transition spd="slow" p14:dur="800">
         <p14:flythrough/>
       </p:transition>
     </mc:Choice>
-    <mc:Fallback>
+    <mc:Fallback xmlns="">
       <p:transition spd="slow">
         <p:fade/>
       </p:transition>
@@ -8808,11 +8803,7 @@
             </a:r>
             <a:r>
               <a:rPr lang="cs-CZ" dirty="0" smtClean="0"/>
-              <a:t>, přístupy, </a:t>
-            </a:r>
-            <a:r>
-              <a:rPr lang="cs-CZ" dirty="0" smtClean="0"/>
-              <a:t>…</a:t>
+              <a:t>, přístupy, …</a:t>
             </a:r>
             <a:endParaRPr lang="en-US" dirty="0" smtClean="0"/>
           </a:p>
@@ -8855,13 +8846,13 @@
   <p:clrMapOvr>
     <a:masterClrMapping/>
   </p:clrMapOvr>
-  <mc:AlternateContent xmlns:mc="http://schemas.openxmlformats.org/markup-compatibility/2006">
-    <mc:Choice xmlns:p14="http://schemas.microsoft.com/office/powerpoint/2010/main" Requires="p14">
+  <mc:AlternateContent xmlns:mc="http://schemas.openxmlformats.org/markup-compatibility/2006" xmlns:p14="http://schemas.microsoft.com/office/powerpoint/2010/main">
+    <mc:Choice Requires="p14">
       <p:transition spd="slow" p14:dur="800">
         <p14:flythrough/>
       </p:transition>
     </mc:Choice>
-    <mc:Fallback>
+    <mc:Fallback xmlns="">
       <p:transition spd="slow">
         <p:fade/>
       </p:transition>
@@ -8996,13 +8987,8 @@
           <a:p>
             <a:r>
               <a:rPr lang="cs-CZ" dirty="0" smtClean="0"/>
-              <a:t>Pro složitější dotazy </a:t>
-            </a:r>
-            <a:r>
-              <a:rPr lang="cs-CZ" dirty="0" smtClean="0"/>
-              <a:t>či analýzy dat nevhodné</a:t>
-            </a:r>
-            <a:endParaRPr lang="cs-CZ" dirty="0" smtClean="0"/>
+              <a:t>Pro složitější dotazy či analýzy dat nevhodné</a:t>
+            </a:r>
           </a:p>
           <a:p>
             <a:endParaRPr lang="en-US" dirty="0"/>
@@ -9019,13 +9005,13 @@
   <p:clrMapOvr>
     <a:masterClrMapping/>
   </p:clrMapOvr>
-  <mc:AlternateContent xmlns:mc="http://schemas.openxmlformats.org/markup-compatibility/2006">
-    <mc:Choice xmlns:p14="http://schemas.microsoft.com/office/powerpoint/2010/main" Requires="p14">
+  <mc:AlternateContent xmlns:mc="http://schemas.openxmlformats.org/markup-compatibility/2006" xmlns:p14="http://schemas.microsoft.com/office/powerpoint/2010/main">
+    <mc:Choice Requires="p14">
       <p:transition spd="slow" p14:dur="800">
         <p14:flythrough/>
       </p:transition>
     </mc:Choice>
-    <mc:Fallback>
+    <mc:Fallback xmlns="">
       <p:transition spd="slow">
         <p:fade/>
       </p:transition>
@@ -9073,22 +9059,18 @@
           <a:bodyPr/>
           <a:lstStyle/>
           <a:p>
-            <a:r>
-              <a:rPr lang="en-US" dirty="0" smtClean="0"/>
-              <a:t>Code cycle</a:t>
-            </a:r>
-            <a:endParaRPr lang="en-US" dirty="0"/>
+            <a:endParaRPr lang="en-US"/>
           </a:p>
         </p:txBody>
       </p:sp>
       <p:sp>
         <p:nvSpPr>
-          <p:cNvPr id="3" name="Zástupný symbol pro text 2"/>
+          <p:cNvPr id="3" name="Zástupný symbol pro obsah 2"/>
           <p:cNvSpPr>
             <a:spLocks noGrp="1"/>
           </p:cNvSpPr>
           <p:nvPr>
-            <p:ph type="body" idx="1"/>
+            <p:ph idx="1"/>
           </p:nvPr>
         </p:nvSpPr>
         <p:spPr/>
@@ -9096,46 +9078,20 @@
           <a:bodyPr/>
           <a:lstStyle/>
           <a:p>
-            <a:r>
-              <a:rPr lang="en-US" dirty="0" smtClean="0"/>
-              <a:t>From scratch to production</a:t>
-            </a:r>
-            <a:r>
-              <a:rPr lang="en-US" dirty="0"/>
-              <a:t>!</a:t>
-            </a:r>
+            <a:endParaRPr lang="en-US"/>
           </a:p>
         </p:txBody>
       </p:sp>
     </p:spTree>
     <p:extLst>
       <p:ext uri="{BB962C8B-B14F-4D97-AF65-F5344CB8AC3E}">
-        <p14:creationId xmlns:p14="http://schemas.microsoft.com/office/powerpoint/2010/main" val="4104059675"/>
+        <p14:creationId xmlns:p14="http://schemas.microsoft.com/office/powerpoint/2010/main" val="368860415"/>
       </p:ext>
     </p:extLst>
   </p:cSld>
   <p:clrMapOvr>
     <a:masterClrMapping/>
   </p:clrMapOvr>
-  <mc:AlternateContent xmlns:mc="http://schemas.openxmlformats.org/markup-compatibility/2006">
-    <mc:Choice xmlns:p14="http://schemas.microsoft.com/office/powerpoint/2010/main" Requires="p14">
-      <p:transition spd="slow" p14:dur="800">
-        <p14:flythrough/>
-      </p:transition>
-    </mc:Choice>
-    <mc:Fallback>
-      <p:transition spd="slow">
-        <p:fade/>
-      </p:transition>
-    </mc:Fallback>
-  </mc:AlternateContent>
-  <p:timing>
-    <p:tnLst>
-      <p:par>
-        <p:cTn id="1" dur="indefinite" restart="never" nodeType="tmRoot"/>
-      </p:par>
-    </p:tnLst>
-  </p:timing>
 </p:sld>
 </file>
 
@@ -9173,15 +9129,83 @@
           <a:p>
             <a:r>
               <a:rPr lang="en-US" dirty="0" smtClean="0"/>
-              <a:t>Folder &amp; </a:t>
-            </a:r>
+              <a:t>Code style</a:t>
+            </a:r>
+            <a:endParaRPr lang="en-US" dirty="0"/>
+          </a:p>
+        </p:txBody>
+      </p:sp>
+      <p:sp>
+        <p:nvSpPr>
+          <p:cNvPr id="3" name="Zástupný symbol pro text 2"/>
+          <p:cNvSpPr>
+            <a:spLocks noGrp="1"/>
+          </p:cNvSpPr>
+          <p:nvPr>
+            <p:ph type="body" idx="1"/>
+          </p:nvPr>
+        </p:nvSpPr>
+        <p:spPr/>
+        <p:txBody>
+          <a:bodyPr/>
+          <a:lstStyle/>
+          <a:p>
+            <a:endParaRPr lang="en-US"/>
+          </a:p>
+        </p:txBody>
+      </p:sp>
+    </p:spTree>
+    <p:extLst>
+      <p:ext uri="{BB962C8B-B14F-4D97-AF65-F5344CB8AC3E}">
+        <p14:creationId xmlns:p14="http://schemas.microsoft.com/office/powerpoint/2010/main" val="315802078"/>
+      </p:ext>
+    </p:extLst>
+  </p:cSld>
+  <p:clrMapOvr>
+    <a:masterClrMapping/>
+  </p:clrMapOvr>
+</p:sld>
+</file>
+
+<file path=ppt/slides/slide25.xml><?xml version="1.0" encoding="utf-8"?>
+<p:sld xmlns:a="http://schemas.openxmlformats.org/drawingml/2006/main" xmlns:r="http://schemas.openxmlformats.org/officeDocument/2006/relationships" xmlns:p="http://schemas.openxmlformats.org/presentationml/2006/main">
+  <p:cSld>
+    <p:spTree>
+      <p:nvGrpSpPr>
+        <p:cNvPr id="1" name=""/>
+        <p:cNvGrpSpPr/>
+        <p:nvPr/>
+      </p:nvGrpSpPr>
+      <p:grpSpPr>
+        <a:xfrm>
+          <a:off x="0" y="0"/>
+          <a:ext cx="0" cy="0"/>
+          <a:chOff x="0" y="0"/>
+          <a:chExt cx="0" cy="0"/>
+        </a:xfrm>
+      </p:grpSpPr>
+      <p:sp>
+        <p:nvSpPr>
+          <p:cNvPr id="2" name="Nadpis 1"/>
+          <p:cNvSpPr>
+            <a:spLocks noGrp="1"/>
+          </p:cNvSpPr>
+          <p:nvPr>
+            <p:ph type="title"/>
+          </p:nvPr>
+        </p:nvSpPr>
+        <p:spPr/>
+        <p:txBody>
+          <a:bodyPr/>
+          <a:lstStyle/>
+          <a:p>
             <a:r>
               <a:rPr lang="en-US" dirty="0" err="1" smtClean="0"/>
-              <a:t>git</a:t>
-            </a:r>
-            <a:r>
-              <a:rPr lang="en-US" dirty="0" smtClean="0"/>
-              <a:t> configuration</a:t>
+              <a:t>Doporu</a:t>
+            </a:r>
+            <a:r>
+              <a:rPr lang="cs-CZ" dirty="0" err="1" smtClean="0"/>
+              <a:t>čení</a:t>
             </a:r>
             <a:endParaRPr lang="en-US" dirty="0"/>
           </a:p>
@@ -9203,91 +9227,172 @@
           <a:lstStyle/>
           <a:p>
             <a:r>
+              <a:rPr lang="cs-CZ" dirty="0" smtClean="0"/>
+              <a:t>MS </a:t>
+            </a:r>
+            <a:r>
+              <a:rPr lang="cs-CZ" dirty="0" err="1" smtClean="0"/>
+              <a:t>Code</a:t>
+            </a:r>
+            <a:r>
+              <a:rPr lang="cs-CZ" dirty="0" smtClean="0"/>
+              <a:t> Studio</a:t>
+            </a:r>
+            <a:r>
+              <a:rPr lang="en-US" dirty="0"/>
+              <a:t> (</a:t>
+            </a:r>
+            <a:r>
+              <a:rPr lang="en-US" dirty="0">
+                <a:hlinkClick r:id="rId2"/>
+              </a:rPr>
+              <a:t>https://code.visualstudio.com</a:t>
+            </a:r>
+            <a:r>
+              <a:rPr lang="en-US" dirty="0" smtClean="0">
+                <a:hlinkClick r:id="rId2"/>
+              </a:rPr>
+              <a:t>/</a:t>
+            </a:r>
+            <a:r>
               <a:rPr lang="en-US" dirty="0" smtClean="0"/>
-              <a:t>index.js or other main piece of </a:t>
+              <a:t>) </a:t>
+            </a:r>
+            <a:endParaRPr lang="cs-CZ" dirty="0" smtClean="0"/>
+          </a:p>
+          <a:p>
+            <a:pPr lvl="1"/>
+            <a:r>
+              <a:rPr lang="cs-CZ" dirty="0" err="1" smtClean="0"/>
+              <a:t>Eslint</a:t>
+            </a:r>
+            <a:endParaRPr lang="cs-CZ" dirty="0" smtClean="0"/>
+          </a:p>
+          <a:p>
+            <a:pPr lvl="1"/>
+            <a:r>
+              <a:rPr lang="cs-CZ" dirty="0" smtClean="0"/>
+              <a:t>JS</a:t>
+            </a:r>
+            <a:r>
+              <a:rPr lang="en-US" dirty="0" smtClean="0"/>
+              <a:t>-CCS-HTML </a:t>
             </a:r>
             <a:r>
               <a:rPr lang="en-US" dirty="0" err="1" smtClean="0"/>
-              <a:t>javascript</a:t>
-            </a:r>
+              <a:t>formater</a:t>
+            </a:r>
+            <a:endParaRPr lang="en-US" dirty="0" smtClean="0"/>
+          </a:p>
+          <a:p>
+            <a:pPr lvl="1"/>
             <a:r>
               <a:rPr lang="en-US" dirty="0" smtClean="0"/>
-              <a:t> code</a:t>
-            </a:r>
-          </a:p>
-          <a:p>
-            <a:r>
-              <a:rPr lang="en-US" dirty="0" smtClean="0"/>
-              <a:t>*.</a:t>
-            </a:r>
-            <a:r>
-              <a:rPr lang="en-US" dirty="0" err="1" smtClean="0"/>
-              <a:t>js</a:t>
-            </a:r>
-            <a:r>
-              <a:rPr lang="en-US" dirty="0" smtClean="0"/>
-              <a:t> divided into folders connected using require</a:t>
-            </a:r>
-          </a:p>
-          <a:p>
-            <a:r>
-              <a:rPr lang="en-US" dirty="0" smtClean="0"/>
-              <a:t>config.sample.js – dummy </a:t>
-            </a:r>
-            <a:r>
-              <a:rPr lang="en-US" dirty="0" err="1" smtClean="0"/>
-              <a:t>config</a:t>
-            </a:r>
-            <a:r>
-              <a:rPr lang="en-US" dirty="0" smtClean="0"/>
-              <a:t> in </a:t>
-            </a:r>
-            <a:r>
-              <a:rPr lang="en-US" dirty="0" err="1" smtClean="0"/>
-              <a:t>git</a:t>
-            </a:r>
-            <a:endParaRPr lang="en-US" dirty="0" smtClean="0"/>
-          </a:p>
-          <a:p>
-            <a:r>
-              <a:rPr lang="en-US" dirty="0" smtClean="0"/>
-              <a:t>config.js – tokens, …. </a:t>
+              <a:t>Node security project</a:t>
             </a:r>
           </a:p>
           <a:p>
             <a:pPr lvl="1"/>
-            <a:r>
-              <a:rPr lang="en-US" dirty="0" smtClean="0"/>
-              <a:t>Contains </a:t>
-            </a:r>
-            <a:r>
-              <a:rPr lang="en-US" dirty="0" err="1" smtClean="0"/>
-              <a:t>enviroment</a:t>
-            </a:r>
-            <a:r>
-              <a:rPr lang="en-US" dirty="0" smtClean="0"/>
-              <a:t> identification</a:t>
-            </a:r>
+            <a:endParaRPr lang="en-US" dirty="0"/>
           </a:p>
         </p:txBody>
       </p:sp>
     </p:spTree>
     <p:extLst>
       <p:ext uri="{BB962C8B-B14F-4D97-AF65-F5344CB8AC3E}">
-        <p14:creationId xmlns:p14="http://schemas.microsoft.com/office/powerpoint/2010/main" val="3701087990"/>
+        <p14:creationId xmlns:p14="http://schemas.microsoft.com/office/powerpoint/2010/main" val="632164633"/>
       </p:ext>
     </p:extLst>
   </p:cSld>
   <p:clrMapOvr>
     <a:masterClrMapping/>
   </p:clrMapOvr>
-  <mc:AlternateContent xmlns:mc="http://schemas.openxmlformats.org/markup-compatibility/2006">
-    <mc:Choice xmlns:p14="http://schemas.microsoft.com/office/powerpoint/2010/main" Requires="p14">
+</p:sld>
+</file>
+
+<file path=ppt/slides/slide26.xml><?xml version="1.0" encoding="utf-8"?>
+<p:sld xmlns:a="http://schemas.openxmlformats.org/drawingml/2006/main" xmlns:r="http://schemas.openxmlformats.org/officeDocument/2006/relationships" xmlns:p="http://schemas.openxmlformats.org/presentationml/2006/main">
+  <p:cSld>
+    <p:spTree>
+      <p:nvGrpSpPr>
+        <p:cNvPr id="1" name=""/>
+        <p:cNvGrpSpPr/>
+        <p:nvPr/>
+      </p:nvGrpSpPr>
+      <p:grpSpPr>
+        <a:xfrm>
+          <a:off x="0" y="0"/>
+          <a:ext cx="0" cy="0"/>
+          <a:chOff x="0" y="0"/>
+          <a:chExt cx="0" cy="0"/>
+        </a:xfrm>
+      </p:grpSpPr>
+      <p:sp>
+        <p:nvSpPr>
+          <p:cNvPr id="2" name="Nadpis 1"/>
+          <p:cNvSpPr>
+            <a:spLocks noGrp="1"/>
+          </p:cNvSpPr>
+          <p:nvPr>
+            <p:ph type="title"/>
+          </p:nvPr>
+        </p:nvSpPr>
+        <p:spPr/>
+        <p:txBody>
+          <a:bodyPr/>
+          <a:lstStyle/>
+          <a:p>
+            <a:r>
+              <a:rPr lang="en-US" dirty="0" smtClean="0"/>
+              <a:t>Code cycle</a:t>
+            </a:r>
+            <a:endParaRPr lang="en-US" dirty="0"/>
+          </a:p>
+        </p:txBody>
+      </p:sp>
+      <p:sp>
+        <p:nvSpPr>
+          <p:cNvPr id="3" name="Zástupný symbol pro text 2"/>
+          <p:cNvSpPr>
+            <a:spLocks noGrp="1"/>
+          </p:cNvSpPr>
+          <p:nvPr>
+            <p:ph type="body" idx="1"/>
+          </p:nvPr>
+        </p:nvSpPr>
+        <p:spPr/>
+        <p:txBody>
+          <a:bodyPr/>
+          <a:lstStyle/>
+          <a:p>
+            <a:r>
+              <a:rPr lang="en-US" dirty="0" smtClean="0"/>
+              <a:t>From scratch to production</a:t>
+            </a:r>
+            <a:r>
+              <a:rPr lang="en-US" dirty="0"/>
+              <a:t>!</a:t>
+            </a:r>
+          </a:p>
+        </p:txBody>
+      </p:sp>
+    </p:spTree>
+    <p:extLst>
+      <p:ext uri="{BB962C8B-B14F-4D97-AF65-F5344CB8AC3E}">
+        <p14:creationId xmlns:p14="http://schemas.microsoft.com/office/powerpoint/2010/main" val="4104059675"/>
+      </p:ext>
+    </p:extLst>
+  </p:cSld>
+  <p:clrMapOvr>
+    <a:masterClrMapping/>
+  </p:clrMapOvr>
+  <mc:AlternateContent xmlns:mc="http://schemas.openxmlformats.org/markup-compatibility/2006" xmlns:p14="http://schemas.microsoft.com/office/powerpoint/2010/main">
+    <mc:Choice Requires="p14">
       <p:transition spd="slow" p14:dur="800">
         <p14:flythrough/>
       </p:transition>
     </mc:Choice>
-    <mc:Fallback>
+    <mc:Fallback xmlns="">
       <p:transition spd="slow">
         <p:fade/>
       </p:transition>
@@ -9303,7 +9408,171 @@
 </p:sld>
 </file>
 
-<file path=ppt/slides/slide25.xml><?xml version="1.0" encoding="utf-8"?>
+<file path=ppt/slides/slide27.xml><?xml version="1.0" encoding="utf-8"?>
+<p:sld xmlns:a="http://schemas.openxmlformats.org/drawingml/2006/main" xmlns:r="http://schemas.openxmlformats.org/officeDocument/2006/relationships" xmlns:p="http://schemas.openxmlformats.org/presentationml/2006/main">
+  <p:cSld>
+    <p:spTree>
+      <p:nvGrpSpPr>
+        <p:cNvPr id="1" name=""/>
+        <p:cNvGrpSpPr/>
+        <p:nvPr/>
+      </p:nvGrpSpPr>
+      <p:grpSpPr>
+        <a:xfrm>
+          <a:off x="0" y="0"/>
+          <a:ext cx="0" cy="0"/>
+          <a:chOff x="0" y="0"/>
+          <a:chExt cx="0" cy="0"/>
+        </a:xfrm>
+      </p:grpSpPr>
+      <p:sp>
+        <p:nvSpPr>
+          <p:cNvPr id="2" name="Nadpis 1"/>
+          <p:cNvSpPr>
+            <a:spLocks noGrp="1"/>
+          </p:cNvSpPr>
+          <p:nvPr>
+            <p:ph type="title"/>
+          </p:nvPr>
+        </p:nvSpPr>
+        <p:spPr/>
+        <p:txBody>
+          <a:bodyPr/>
+          <a:lstStyle/>
+          <a:p>
+            <a:r>
+              <a:rPr lang="en-US" dirty="0" smtClean="0"/>
+              <a:t>Folder &amp; </a:t>
+            </a:r>
+            <a:r>
+              <a:rPr lang="en-US" dirty="0" err="1" smtClean="0"/>
+              <a:t>git</a:t>
+            </a:r>
+            <a:r>
+              <a:rPr lang="en-US" dirty="0" smtClean="0"/>
+              <a:t> configuration</a:t>
+            </a:r>
+            <a:endParaRPr lang="en-US" dirty="0"/>
+          </a:p>
+        </p:txBody>
+      </p:sp>
+      <p:sp>
+        <p:nvSpPr>
+          <p:cNvPr id="3" name="Zástupný symbol pro obsah 2"/>
+          <p:cNvSpPr>
+            <a:spLocks noGrp="1"/>
+          </p:cNvSpPr>
+          <p:nvPr>
+            <p:ph idx="1"/>
+          </p:nvPr>
+        </p:nvSpPr>
+        <p:spPr/>
+        <p:txBody>
+          <a:bodyPr/>
+          <a:lstStyle/>
+          <a:p>
+            <a:r>
+              <a:rPr lang="en-US" dirty="0" smtClean="0"/>
+              <a:t>index.js or other main piece of </a:t>
+            </a:r>
+            <a:r>
+              <a:rPr lang="en-US" dirty="0" err="1" smtClean="0"/>
+              <a:t>javascript</a:t>
+            </a:r>
+            <a:r>
+              <a:rPr lang="en-US" dirty="0" smtClean="0"/>
+              <a:t> code</a:t>
+            </a:r>
+          </a:p>
+          <a:p>
+            <a:r>
+              <a:rPr lang="en-US" dirty="0" smtClean="0"/>
+              <a:t>*.</a:t>
+            </a:r>
+            <a:r>
+              <a:rPr lang="en-US" dirty="0" err="1" smtClean="0"/>
+              <a:t>js</a:t>
+            </a:r>
+            <a:r>
+              <a:rPr lang="en-US" dirty="0" smtClean="0"/>
+              <a:t> divided into folders connected using require</a:t>
+            </a:r>
+          </a:p>
+          <a:p>
+            <a:r>
+              <a:rPr lang="en-US" dirty="0" smtClean="0"/>
+              <a:t>config.sample.js – dummy </a:t>
+            </a:r>
+            <a:r>
+              <a:rPr lang="en-US" dirty="0" err="1" smtClean="0"/>
+              <a:t>config</a:t>
+            </a:r>
+            <a:r>
+              <a:rPr lang="en-US" dirty="0" smtClean="0"/>
+              <a:t> in </a:t>
+            </a:r>
+            <a:r>
+              <a:rPr lang="en-US" dirty="0" err="1" smtClean="0"/>
+              <a:t>git</a:t>
+            </a:r>
+            <a:endParaRPr lang="en-US" dirty="0" smtClean="0"/>
+          </a:p>
+          <a:p>
+            <a:r>
+              <a:rPr lang="en-US" dirty="0" smtClean="0"/>
+              <a:t>config.js – tokens, …. </a:t>
+            </a:r>
+          </a:p>
+          <a:p>
+            <a:pPr lvl="1"/>
+            <a:r>
+              <a:rPr lang="en-US" dirty="0" smtClean="0"/>
+              <a:t>Contains </a:t>
+            </a:r>
+            <a:r>
+              <a:rPr lang="en-US" dirty="0" err="1" smtClean="0"/>
+              <a:t>enviroment</a:t>
+            </a:r>
+            <a:r>
+              <a:rPr lang="en-US" dirty="0" smtClean="0"/>
+              <a:t> identification</a:t>
+            </a:r>
+          </a:p>
+        </p:txBody>
+      </p:sp>
+    </p:spTree>
+    <p:extLst>
+      <p:ext uri="{BB962C8B-B14F-4D97-AF65-F5344CB8AC3E}">
+        <p14:creationId xmlns:p14="http://schemas.microsoft.com/office/powerpoint/2010/main" val="3701087990"/>
+      </p:ext>
+    </p:extLst>
+  </p:cSld>
+  <p:clrMapOvr>
+    <a:masterClrMapping/>
+  </p:clrMapOvr>
+  <mc:AlternateContent xmlns:mc="http://schemas.openxmlformats.org/markup-compatibility/2006" xmlns:p14="http://schemas.microsoft.com/office/powerpoint/2010/main">
+    <mc:Choice Requires="p14">
+      <p:transition spd="slow" p14:dur="800">
+        <p14:flythrough/>
+      </p:transition>
+    </mc:Choice>
+    <mc:Fallback xmlns="">
+      <p:transition spd="slow">
+        <p:fade/>
+      </p:transition>
+    </mc:Fallback>
+  </mc:AlternateContent>
+  <p:timing>
+    <p:tnLst>
+      <p:par>
+        <p:cTn id="1" dur="indefinite" restart="never" nodeType="tmRoot"/>
+      </p:par>
+    </p:tnLst>
+  </p:timing>
+</p:sld>
+</file>
+
+<file path=ppt/slides/slide28.xml><?xml version="1.0" encoding="utf-8"?>
 <p:sld xmlns:a="http://schemas.openxmlformats.org/drawingml/2006/main" xmlns:r="http://schemas.openxmlformats.org/officeDocument/2006/relationships" xmlns:p="http://schemas.openxmlformats.org/presentationml/2006/main">
   <p:cSld>
     <p:spTree>
@@ -9868,13 +10137,13 @@
   <p:clrMapOvr>
     <a:masterClrMapping/>
   </p:clrMapOvr>
-  <mc:AlternateContent xmlns:mc="http://schemas.openxmlformats.org/markup-compatibility/2006">
-    <mc:Choice xmlns:p14="http://schemas.microsoft.com/office/powerpoint/2010/main" Requires="p14">
+  <mc:AlternateContent xmlns:mc="http://schemas.openxmlformats.org/markup-compatibility/2006" xmlns:p14="http://schemas.microsoft.com/office/powerpoint/2010/main">
+    <mc:Choice Requires="p14">
       <p:transition spd="slow" p14:dur="800">
         <p14:flythrough/>
       </p:transition>
     </mc:Choice>
-    <mc:Fallback>
+    <mc:Fallback xmlns="">
       <p:transition spd="slow">
         <p:fade/>
       </p:transition>
@@ -10167,7 +10436,7 @@
 </p:sld>
 </file>
 
-<file path=ppt/slides/slide26.xml><?xml version="1.0" encoding="utf-8"?>
+<file path=ppt/slides/slide29.xml><?xml version="1.0" encoding="utf-8"?>
 <p:sld xmlns:a="http://schemas.openxmlformats.org/drawingml/2006/main" xmlns:r="http://schemas.openxmlformats.org/officeDocument/2006/relationships" xmlns:p="http://schemas.openxmlformats.org/presentationml/2006/main">
   <p:cSld>
     <p:spTree>
@@ -10279,13 +10548,8 @@
             <a:pPr lvl="1"/>
             <a:r>
               <a:rPr lang="cs-CZ" dirty="0" smtClean="0"/>
-              <a:t>Logovat atd</a:t>
-            </a:r>
-            <a:r>
-              <a:rPr lang="cs-CZ" dirty="0" smtClean="0"/>
-              <a:t>.</a:t>
-            </a:r>
-            <a:endParaRPr lang="cs-CZ" dirty="0" smtClean="0"/>
+              <a:t>Logovat atd.</a:t>
+            </a:r>
           </a:p>
           <a:p>
             <a:r>
@@ -10392,425 +10656,13 @@
   <p:clrMapOvr>
     <a:masterClrMapping/>
   </p:clrMapOvr>
-  <mc:AlternateContent xmlns:mc="http://schemas.openxmlformats.org/markup-compatibility/2006">
-    <mc:Choice xmlns:p14="http://schemas.microsoft.com/office/powerpoint/2010/main" Requires="p14">
+  <mc:AlternateContent xmlns:mc="http://schemas.openxmlformats.org/markup-compatibility/2006" xmlns:p14="http://schemas.microsoft.com/office/powerpoint/2010/main">
+    <mc:Choice Requires="p14">
       <p:transition spd="slow" p14:dur="800">
         <p14:flythrough/>
       </p:transition>
     </mc:Choice>
-    <mc:Fallback>
-      <p:transition spd="slow">
-        <p:fade/>
-      </p:transition>
-    </mc:Fallback>
-  </mc:AlternateContent>
-  <p:timing>
-    <p:tnLst>
-      <p:par>
-        <p:cTn id="1" dur="indefinite" restart="never" nodeType="tmRoot"/>
-      </p:par>
-    </p:tnLst>
-  </p:timing>
-</p:sld>
-</file>
-
-<file path=ppt/slides/slide27.xml><?xml version="1.0" encoding="utf-8"?>
-<p:sld xmlns:a="http://schemas.openxmlformats.org/drawingml/2006/main" xmlns:r="http://schemas.openxmlformats.org/officeDocument/2006/relationships" xmlns:p="http://schemas.openxmlformats.org/presentationml/2006/main">
-  <p:cSld>
-    <p:spTree>
-      <p:nvGrpSpPr>
-        <p:cNvPr id="1" name=""/>
-        <p:cNvGrpSpPr/>
-        <p:nvPr/>
-      </p:nvGrpSpPr>
-      <p:grpSpPr>
-        <a:xfrm>
-          <a:off x="0" y="0"/>
-          <a:ext cx="0" cy="0"/>
-          <a:chOff x="0" y="0"/>
-          <a:chExt cx="0" cy="0"/>
-        </a:xfrm>
-      </p:grpSpPr>
-      <p:sp>
-        <p:nvSpPr>
-          <p:cNvPr id="2" name="Nadpis 1"/>
-          <p:cNvSpPr>
-            <a:spLocks noGrp="1"/>
-          </p:cNvSpPr>
-          <p:nvPr>
-            <p:ph type="title"/>
-          </p:nvPr>
-        </p:nvSpPr>
-        <p:spPr/>
-        <p:txBody>
-          <a:bodyPr/>
-          <a:lstStyle/>
-          <a:p>
-            <a:r>
-              <a:rPr lang="en-US" dirty="0" smtClean="0"/>
-              <a:t>Best practices</a:t>
-            </a:r>
-            <a:endParaRPr lang="en-US" dirty="0"/>
-          </a:p>
-        </p:txBody>
-      </p:sp>
-      <p:sp>
-        <p:nvSpPr>
-          <p:cNvPr id="3" name="Zástupný symbol pro obsah 2"/>
-          <p:cNvSpPr>
-            <a:spLocks noGrp="1"/>
-          </p:cNvSpPr>
-          <p:nvPr>
-            <p:ph idx="1"/>
-          </p:nvPr>
-        </p:nvSpPr>
-        <p:spPr/>
-        <p:txBody>
-          <a:bodyPr>
-            <a:normAutofit lnSpcReduction="10000"/>
-          </a:bodyPr>
-          <a:lstStyle/>
-          <a:p>
-            <a:r>
-              <a:rPr lang="cs-CZ" dirty="0">
-                <a:latin typeface="Courier New" panose="02070309020205020404" pitchFamily="49" charset="0"/>
-                <a:cs typeface="Courier New" panose="02070309020205020404" pitchFamily="49" charset="0"/>
-              </a:rPr>
-              <a:t>u</a:t>
-            </a:r>
-            <a:r>
-              <a:rPr lang="cs-CZ" dirty="0" smtClean="0">
-                <a:latin typeface="Courier New" panose="02070309020205020404" pitchFamily="49" charset="0"/>
-                <a:cs typeface="Courier New" panose="02070309020205020404" pitchFamily="49" charset="0"/>
-              </a:rPr>
-              <a:t>se </a:t>
-            </a:r>
-            <a:r>
-              <a:rPr lang="cs-CZ" dirty="0" err="1" smtClean="0">
-                <a:latin typeface="Courier New" panose="02070309020205020404" pitchFamily="49" charset="0"/>
-                <a:cs typeface="Courier New" panose="02070309020205020404" pitchFamily="49" charset="0"/>
-              </a:rPr>
-              <a:t>strict</a:t>
-            </a:r>
-            <a:endParaRPr lang="cs-CZ" dirty="0" smtClean="0">
-              <a:latin typeface="Courier New" panose="02070309020205020404" pitchFamily="49" charset="0"/>
-              <a:cs typeface="Courier New" panose="02070309020205020404" pitchFamily="49" charset="0"/>
-            </a:endParaRPr>
-          </a:p>
-          <a:p>
-            <a:r>
-              <a:rPr lang="cs-CZ" dirty="0" smtClean="0">
-                <a:cs typeface="Courier New" panose="02070309020205020404" pitchFamily="49" charset="0"/>
-              </a:rPr>
-              <a:t>Don</a:t>
-            </a:r>
-            <a:r>
-              <a:rPr lang="en-US" dirty="0" smtClean="0">
-                <a:cs typeface="Courier New" panose="02070309020205020404" pitchFamily="49" charset="0"/>
-              </a:rPr>
-              <a:t>’t </a:t>
-            </a:r>
-            <a:r>
-              <a:rPr lang="en-US" b="1" dirty="0" err="1" smtClean="0">
-                <a:latin typeface="Courier New" panose="02070309020205020404" pitchFamily="49" charset="0"/>
-                <a:cs typeface="Courier New" panose="02070309020205020404" pitchFamily="49" charset="0"/>
-              </a:rPr>
-              <a:t>npm</a:t>
-            </a:r>
-            <a:r>
-              <a:rPr lang="en-US" b="1" dirty="0" smtClean="0">
-                <a:latin typeface="Courier New" panose="02070309020205020404" pitchFamily="49" charset="0"/>
-                <a:cs typeface="Courier New" panose="02070309020205020404" pitchFamily="49" charset="0"/>
-              </a:rPr>
-              <a:t> install </a:t>
-            </a:r>
-            <a:r>
-              <a:rPr lang="en-US" dirty="0" smtClean="0">
-                <a:cs typeface="Courier New" panose="02070309020205020404" pitchFamily="49" charset="0"/>
-              </a:rPr>
-              <a:t>random packages</a:t>
-            </a:r>
-            <a:endParaRPr lang="cs-CZ" dirty="0" smtClean="0">
-              <a:cs typeface="Courier New" panose="02070309020205020404" pitchFamily="49" charset="0"/>
-            </a:endParaRPr>
-          </a:p>
-          <a:p>
-            <a:r>
-              <a:rPr lang="en-US" dirty="0" smtClean="0"/>
-              <a:t>Use </a:t>
-            </a:r>
-            <a:r>
-              <a:rPr lang="en-US" b="1" dirty="0" smtClean="0">
-                <a:latin typeface="Courier New" panose="02070309020205020404" pitchFamily="49" charset="0"/>
-                <a:cs typeface="Courier New" panose="02070309020205020404" pitchFamily="49" charset="0"/>
-              </a:rPr>
-              <a:t>debug</a:t>
-            </a:r>
-            <a:r>
-              <a:rPr lang="en-US" b="1" dirty="0" smtClean="0"/>
-              <a:t> </a:t>
-            </a:r>
-            <a:r>
-              <a:rPr lang="en-US" dirty="0" smtClean="0"/>
-              <a:t>package</a:t>
-            </a:r>
-            <a:r>
-              <a:rPr lang="cs-CZ" dirty="0" smtClean="0"/>
-              <a:t> </a:t>
-            </a:r>
-            <a:r>
-              <a:rPr lang="cs-CZ" dirty="0" err="1" smtClean="0"/>
-              <a:t>for</a:t>
-            </a:r>
-            <a:r>
-              <a:rPr lang="cs-CZ" dirty="0" smtClean="0"/>
-              <a:t> </a:t>
-            </a:r>
-            <a:r>
-              <a:rPr lang="en-US" dirty="0" smtClean="0"/>
-              <a:t>debug </a:t>
-            </a:r>
-            <a:r>
-              <a:rPr lang="en-US" dirty="0" err="1" smtClean="0"/>
-              <a:t>loggs</a:t>
-            </a:r>
-            <a:endParaRPr lang="en-US" dirty="0" smtClean="0"/>
-          </a:p>
-          <a:p>
-            <a:r>
-              <a:rPr lang="cs-CZ" dirty="0" smtClean="0"/>
-              <a:t>Use u</a:t>
-            </a:r>
-            <a:r>
-              <a:rPr lang="en-US" dirty="0" smtClean="0"/>
-              <a:t>se </a:t>
-            </a:r>
-            <a:r>
-              <a:rPr lang="en-US" b="1" dirty="0" err="1" smtClean="0">
-                <a:latin typeface="Courier New" panose="02070309020205020404" pitchFamily="49" charset="0"/>
-                <a:cs typeface="Courier New" panose="02070309020205020404" pitchFamily="49" charset="0"/>
-              </a:rPr>
-              <a:t>winston</a:t>
-            </a:r>
-            <a:r>
-              <a:rPr lang="en-US" dirty="0" smtClean="0"/>
-              <a:t> for logs</a:t>
-            </a:r>
-          </a:p>
-          <a:p>
-            <a:r>
-              <a:rPr lang="en-US" dirty="0" smtClean="0"/>
-              <a:t>Use promise-based package or </a:t>
-            </a:r>
-            <a:r>
-              <a:rPr lang="en-US" b="1" dirty="0" smtClean="0">
-                <a:latin typeface="Courier New" panose="02070309020205020404" pitchFamily="49" charset="0"/>
-                <a:cs typeface="Courier New" panose="02070309020205020404" pitchFamily="49" charset="0"/>
-              </a:rPr>
-              <a:t>bluebird</a:t>
-            </a:r>
-          </a:p>
-          <a:p>
-            <a:r>
-              <a:rPr lang="en-US" dirty="0"/>
-              <a:t>A</a:t>
-            </a:r>
-            <a:r>
-              <a:rPr lang="en-US" dirty="0" smtClean="0"/>
-              <a:t>ll tokens</a:t>
-            </a:r>
-            <a:r>
-              <a:rPr lang="cs-CZ" dirty="0" smtClean="0"/>
-              <a:t>/</a:t>
-            </a:r>
-            <a:r>
-              <a:rPr lang="cs-CZ" dirty="0" err="1" smtClean="0"/>
-              <a:t>password</a:t>
-            </a:r>
-            <a:r>
-              <a:rPr lang="cs-CZ" dirty="0" smtClean="0"/>
-              <a:t> in </a:t>
-            </a:r>
-            <a:r>
-              <a:rPr lang="cs-CZ" dirty="0" smtClean="0">
-                <a:latin typeface="Courier New" panose="02070309020205020404" pitchFamily="49" charset="0"/>
-                <a:cs typeface="Courier New" panose="02070309020205020404" pitchFamily="49" charset="0"/>
-              </a:rPr>
-              <a:t>config.js</a:t>
-            </a:r>
-            <a:r>
-              <a:rPr lang="cs-CZ" dirty="0" smtClean="0"/>
-              <a:t> </a:t>
-            </a:r>
-            <a:r>
-              <a:rPr lang="cs-CZ" b="1" dirty="0" smtClean="0"/>
-              <a:t>NOT IN GIT</a:t>
-            </a:r>
-          </a:p>
-          <a:p>
-            <a:r>
-              <a:rPr lang="cs-CZ" dirty="0" smtClean="0"/>
-              <a:t>Use </a:t>
-            </a:r>
-            <a:r>
-              <a:rPr lang="cs-CZ" b="1" dirty="0" smtClean="0">
-                <a:latin typeface="Courier New" panose="02070309020205020404" pitchFamily="49" charset="0"/>
-                <a:cs typeface="Courier New" panose="02070309020205020404" pitchFamily="49" charset="0"/>
-              </a:rPr>
-              <a:t>pm2</a:t>
-            </a:r>
-            <a:r>
-              <a:rPr lang="cs-CZ" dirty="0" smtClean="0"/>
-              <a:t> </a:t>
-            </a:r>
-            <a:r>
-              <a:rPr lang="cs-CZ" dirty="0" err="1" smtClean="0"/>
-              <a:t>for</a:t>
-            </a:r>
-            <a:r>
-              <a:rPr lang="cs-CZ" dirty="0" smtClean="0"/>
-              <a:t> </a:t>
-            </a:r>
-            <a:r>
-              <a:rPr lang="cs-CZ" dirty="0" err="1" smtClean="0"/>
-              <a:t>production</a:t>
-            </a:r>
-            <a:r>
-              <a:rPr lang="cs-CZ" dirty="0" smtClean="0"/>
-              <a:t> management</a:t>
-            </a:r>
-            <a:endParaRPr lang="en-US" dirty="0"/>
-          </a:p>
-        </p:txBody>
-      </p:sp>
-    </p:spTree>
-    <p:extLst>
-      <p:ext uri="{BB962C8B-B14F-4D97-AF65-F5344CB8AC3E}">
-        <p14:creationId xmlns:p14="http://schemas.microsoft.com/office/powerpoint/2010/main" val="1014899769"/>
-      </p:ext>
-    </p:extLst>
-  </p:cSld>
-  <p:clrMapOvr>
-    <a:masterClrMapping/>
-  </p:clrMapOvr>
-  <mc:AlternateContent xmlns:mc="http://schemas.openxmlformats.org/markup-compatibility/2006">
-    <mc:Choice xmlns:p14="http://schemas.microsoft.com/office/powerpoint/2010/main" Requires="p14">
-      <p:transition spd="slow" p14:dur="800">
-        <p14:flythrough/>
-      </p:transition>
-    </mc:Choice>
-    <mc:Fallback>
-      <p:transition spd="slow">
-        <p:fade/>
-      </p:transition>
-    </mc:Fallback>
-  </mc:AlternateContent>
-  <p:timing>
-    <p:tnLst>
-      <p:par>
-        <p:cTn id="1" dur="indefinite" restart="never" nodeType="tmRoot"/>
-      </p:par>
-    </p:tnLst>
-  </p:timing>
-</p:sld>
-</file>
-
-<file path=ppt/slides/slide28.xml><?xml version="1.0" encoding="utf-8"?>
-<p:sld xmlns:a="http://schemas.openxmlformats.org/drawingml/2006/main" xmlns:r="http://schemas.openxmlformats.org/officeDocument/2006/relationships" xmlns:p="http://schemas.openxmlformats.org/presentationml/2006/main">
-  <p:cSld>
-    <p:spTree>
-      <p:nvGrpSpPr>
-        <p:cNvPr id="1" name=""/>
-        <p:cNvGrpSpPr/>
-        <p:nvPr/>
-      </p:nvGrpSpPr>
-      <p:grpSpPr>
-        <a:xfrm>
-          <a:off x="0" y="0"/>
-          <a:ext cx="0" cy="0"/>
-          <a:chOff x="0" y="0"/>
-          <a:chExt cx="0" cy="0"/>
-        </a:xfrm>
-      </p:grpSpPr>
-      <p:sp>
-        <p:nvSpPr>
-          <p:cNvPr id="2" name="Nadpis 1"/>
-          <p:cNvSpPr>
-            <a:spLocks noGrp="1"/>
-          </p:cNvSpPr>
-          <p:nvPr>
-            <p:ph type="title"/>
-          </p:nvPr>
-        </p:nvSpPr>
-        <p:spPr/>
-        <p:txBody>
-          <a:bodyPr/>
-          <a:lstStyle/>
-          <a:p>
-            <a:r>
-              <a:rPr lang="en-US" dirty="0" err="1" smtClean="0"/>
-              <a:t>Tak</a:t>
-            </a:r>
-            <a:r>
-              <a:rPr lang="en-US" dirty="0" smtClean="0"/>
-              <a:t> </a:t>
-            </a:r>
-            <a:r>
-              <a:rPr lang="en-US" dirty="0" err="1" smtClean="0"/>
-              <a:t>te</a:t>
-            </a:r>
-            <a:r>
-              <a:rPr lang="cs-CZ" dirty="0" smtClean="0"/>
-              <a:t>ď už opravdu </a:t>
-            </a:r>
-            <a:r>
-              <a:rPr lang="cs-CZ" dirty="0" err="1" smtClean="0"/>
-              <a:t>poJďme</a:t>
-            </a:r>
-            <a:r>
-              <a:rPr lang="cs-CZ" dirty="0" smtClean="0"/>
-              <a:t> na to</a:t>
-            </a:r>
-            <a:endParaRPr lang="cs-CZ" dirty="0"/>
-          </a:p>
-        </p:txBody>
-      </p:sp>
-      <p:sp>
-        <p:nvSpPr>
-          <p:cNvPr id="3" name="Zástupný symbol pro text 2"/>
-          <p:cNvSpPr>
-            <a:spLocks noGrp="1"/>
-          </p:cNvSpPr>
-          <p:nvPr>
-            <p:ph type="body" idx="1"/>
-          </p:nvPr>
-        </p:nvSpPr>
-        <p:spPr/>
-        <p:txBody>
-          <a:bodyPr/>
-          <a:lstStyle/>
-          <a:p>
-            <a:endParaRPr lang="cs-CZ"/>
-          </a:p>
-        </p:txBody>
-      </p:sp>
-    </p:spTree>
-    <p:extLst>
-      <p:ext uri="{BB962C8B-B14F-4D97-AF65-F5344CB8AC3E}">
-        <p14:creationId xmlns:p14="http://schemas.microsoft.com/office/powerpoint/2010/main" val="784487936"/>
-      </p:ext>
-    </p:extLst>
-  </p:cSld>
-  <p:clrMapOvr>
-    <a:masterClrMapping/>
-  </p:clrMapOvr>
-  <mc:AlternateContent xmlns:mc="http://schemas.openxmlformats.org/markup-compatibility/2006">
-    <mc:Choice xmlns:p14="http://schemas.microsoft.com/office/powerpoint/2010/main" Requires="p14">
-      <p:transition spd="slow" p14:dur="800">
-        <p14:flythrough/>
-      </p:transition>
-    </mc:Choice>
-    <mc:Fallback>
+    <mc:Fallback xmlns="">
       <p:transition spd="slow">
         <p:fade/>
       </p:transition>
@@ -11008,13 +10860,13 @@
   <p:clrMapOvr>
     <a:masterClrMapping/>
   </p:clrMapOvr>
-  <mc:AlternateContent xmlns:mc="http://schemas.openxmlformats.org/markup-compatibility/2006">
-    <mc:Choice xmlns:p14="http://schemas.microsoft.com/office/powerpoint/2010/main" Requires="p14">
+  <mc:AlternateContent xmlns:mc="http://schemas.openxmlformats.org/markup-compatibility/2006" xmlns:p14="http://schemas.microsoft.com/office/powerpoint/2010/main">
+    <mc:Choice Requires="p14">
       <p:transition spd="slow" p14:dur="800">
         <p14:flythrough/>
       </p:transition>
     </mc:Choice>
-    <mc:Fallback>
+    <mc:Fallback xmlns="">
       <p:transition spd="slow">
         <p:fade/>
       </p:transition>
@@ -11327,6 +11179,418 @@
 </p:sld>
 </file>
 
+<file path=ppt/slides/slide30.xml><?xml version="1.0" encoding="utf-8"?>
+<p:sld xmlns:a="http://schemas.openxmlformats.org/drawingml/2006/main" xmlns:r="http://schemas.openxmlformats.org/officeDocument/2006/relationships" xmlns:p="http://schemas.openxmlformats.org/presentationml/2006/main">
+  <p:cSld>
+    <p:spTree>
+      <p:nvGrpSpPr>
+        <p:cNvPr id="1" name=""/>
+        <p:cNvGrpSpPr/>
+        <p:nvPr/>
+      </p:nvGrpSpPr>
+      <p:grpSpPr>
+        <a:xfrm>
+          <a:off x="0" y="0"/>
+          <a:ext cx="0" cy="0"/>
+          <a:chOff x="0" y="0"/>
+          <a:chExt cx="0" cy="0"/>
+        </a:xfrm>
+      </p:grpSpPr>
+      <p:sp>
+        <p:nvSpPr>
+          <p:cNvPr id="2" name="Nadpis 1"/>
+          <p:cNvSpPr>
+            <a:spLocks noGrp="1"/>
+          </p:cNvSpPr>
+          <p:nvPr>
+            <p:ph type="title"/>
+          </p:nvPr>
+        </p:nvSpPr>
+        <p:spPr/>
+        <p:txBody>
+          <a:bodyPr/>
+          <a:lstStyle/>
+          <a:p>
+            <a:r>
+              <a:rPr lang="en-US" dirty="0" smtClean="0"/>
+              <a:t>Best practices</a:t>
+            </a:r>
+            <a:endParaRPr lang="en-US" dirty="0"/>
+          </a:p>
+        </p:txBody>
+      </p:sp>
+      <p:sp>
+        <p:nvSpPr>
+          <p:cNvPr id="3" name="Zástupný symbol pro obsah 2"/>
+          <p:cNvSpPr>
+            <a:spLocks noGrp="1"/>
+          </p:cNvSpPr>
+          <p:nvPr>
+            <p:ph idx="1"/>
+          </p:nvPr>
+        </p:nvSpPr>
+        <p:spPr/>
+        <p:txBody>
+          <a:bodyPr>
+            <a:normAutofit lnSpcReduction="10000"/>
+          </a:bodyPr>
+          <a:lstStyle/>
+          <a:p>
+            <a:r>
+              <a:rPr lang="cs-CZ" dirty="0">
+                <a:latin typeface="Courier New" panose="02070309020205020404" pitchFamily="49" charset="0"/>
+                <a:cs typeface="Courier New" panose="02070309020205020404" pitchFamily="49" charset="0"/>
+              </a:rPr>
+              <a:t>u</a:t>
+            </a:r>
+            <a:r>
+              <a:rPr lang="cs-CZ" dirty="0" smtClean="0">
+                <a:latin typeface="Courier New" panose="02070309020205020404" pitchFamily="49" charset="0"/>
+                <a:cs typeface="Courier New" panose="02070309020205020404" pitchFamily="49" charset="0"/>
+              </a:rPr>
+              <a:t>se </a:t>
+            </a:r>
+            <a:r>
+              <a:rPr lang="cs-CZ" dirty="0" err="1" smtClean="0">
+                <a:latin typeface="Courier New" panose="02070309020205020404" pitchFamily="49" charset="0"/>
+                <a:cs typeface="Courier New" panose="02070309020205020404" pitchFamily="49" charset="0"/>
+              </a:rPr>
+              <a:t>strict</a:t>
+            </a:r>
+            <a:endParaRPr lang="cs-CZ" dirty="0" smtClean="0">
+              <a:latin typeface="Courier New" panose="02070309020205020404" pitchFamily="49" charset="0"/>
+              <a:cs typeface="Courier New" panose="02070309020205020404" pitchFamily="49" charset="0"/>
+            </a:endParaRPr>
+          </a:p>
+          <a:p>
+            <a:r>
+              <a:rPr lang="cs-CZ" dirty="0" smtClean="0">
+                <a:cs typeface="Courier New" panose="02070309020205020404" pitchFamily="49" charset="0"/>
+              </a:rPr>
+              <a:t>Don</a:t>
+            </a:r>
+            <a:r>
+              <a:rPr lang="en-US" dirty="0" smtClean="0">
+                <a:cs typeface="Courier New" panose="02070309020205020404" pitchFamily="49" charset="0"/>
+              </a:rPr>
+              <a:t>’t </a:t>
+            </a:r>
+            <a:r>
+              <a:rPr lang="en-US" b="1" dirty="0" err="1" smtClean="0">
+                <a:latin typeface="Courier New" panose="02070309020205020404" pitchFamily="49" charset="0"/>
+                <a:cs typeface="Courier New" panose="02070309020205020404" pitchFamily="49" charset="0"/>
+              </a:rPr>
+              <a:t>npm</a:t>
+            </a:r>
+            <a:r>
+              <a:rPr lang="en-US" b="1" dirty="0" smtClean="0">
+                <a:latin typeface="Courier New" panose="02070309020205020404" pitchFamily="49" charset="0"/>
+                <a:cs typeface="Courier New" panose="02070309020205020404" pitchFamily="49" charset="0"/>
+              </a:rPr>
+              <a:t> install </a:t>
+            </a:r>
+            <a:r>
+              <a:rPr lang="en-US" dirty="0" smtClean="0">
+                <a:cs typeface="Courier New" panose="02070309020205020404" pitchFamily="49" charset="0"/>
+              </a:rPr>
+              <a:t>random packages</a:t>
+            </a:r>
+            <a:endParaRPr lang="cs-CZ" dirty="0" smtClean="0">
+              <a:cs typeface="Courier New" panose="02070309020205020404" pitchFamily="49" charset="0"/>
+            </a:endParaRPr>
+          </a:p>
+          <a:p>
+            <a:r>
+              <a:rPr lang="en-US" dirty="0" smtClean="0"/>
+              <a:t>Use </a:t>
+            </a:r>
+            <a:r>
+              <a:rPr lang="en-US" b="1" dirty="0" smtClean="0">
+                <a:latin typeface="Courier New" panose="02070309020205020404" pitchFamily="49" charset="0"/>
+                <a:cs typeface="Courier New" panose="02070309020205020404" pitchFamily="49" charset="0"/>
+              </a:rPr>
+              <a:t>debug</a:t>
+            </a:r>
+            <a:r>
+              <a:rPr lang="en-US" b="1" dirty="0" smtClean="0"/>
+              <a:t> </a:t>
+            </a:r>
+            <a:r>
+              <a:rPr lang="en-US" dirty="0" smtClean="0"/>
+              <a:t>package</a:t>
+            </a:r>
+            <a:r>
+              <a:rPr lang="cs-CZ" dirty="0" smtClean="0"/>
+              <a:t> </a:t>
+            </a:r>
+            <a:r>
+              <a:rPr lang="cs-CZ" dirty="0" err="1" smtClean="0"/>
+              <a:t>for</a:t>
+            </a:r>
+            <a:r>
+              <a:rPr lang="cs-CZ" dirty="0" smtClean="0"/>
+              <a:t> </a:t>
+            </a:r>
+            <a:r>
+              <a:rPr lang="en-US" dirty="0" smtClean="0"/>
+              <a:t>debug </a:t>
+            </a:r>
+            <a:r>
+              <a:rPr lang="en-US" dirty="0" err="1" smtClean="0"/>
+              <a:t>loggs</a:t>
+            </a:r>
+            <a:endParaRPr lang="en-US" dirty="0" smtClean="0"/>
+          </a:p>
+          <a:p>
+            <a:r>
+              <a:rPr lang="cs-CZ" dirty="0" smtClean="0"/>
+              <a:t>Use u</a:t>
+            </a:r>
+            <a:r>
+              <a:rPr lang="en-US" dirty="0" smtClean="0"/>
+              <a:t>se </a:t>
+            </a:r>
+            <a:r>
+              <a:rPr lang="en-US" b="1" dirty="0" err="1" smtClean="0">
+                <a:latin typeface="Courier New" panose="02070309020205020404" pitchFamily="49" charset="0"/>
+                <a:cs typeface="Courier New" panose="02070309020205020404" pitchFamily="49" charset="0"/>
+              </a:rPr>
+              <a:t>winston</a:t>
+            </a:r>
+            <a:r>
+              <a:rPr lang="en-US" dirty="0" smtClean="0"/>
+              <a:t> for logs</a:t>
+            </a:r>
+          </a:p>
+          <a:p>
+            <a:r>
+              <a:rPr lang="en-US" dirty="0" smtClean="0"/>
+              <a:t>Use promise-based package or </a:t>
+            </a:r>
+            <a:r>
+              <a:rPr lang="en-US" b="1" dirty="0" smtClean="0">
+                <a:latin typeface="Courier New" panose="02070309020205020404" pitchFamily="49" charset="0"/>
+                <a:cs typeface="Courier New" panose="02070309020205020404" pitchFamily="49" charset="0"/>
+              </a:rPr>
+              <a:t>bluebird</a:t>
+            </a:r>
+          </a:p>
+          <a:p>
+            <a:r>
+              <a:rPr lang="en-US" dirty="0"/>
+              <a:t>A</a:t>
+            </a:r>
+            <a:r>
+              <a:rPr lang="en-US" dirty="0" smtClean="0"/>
+              <a:t>ll tokens</a:t>
+            </a:r>
+            <a:r>
+              <a:rPr lang="cs-CZ" dirty="0" smtClean="0"/>
+              <a:t>/</a:t>
+            </a:r>
+            <a:r>
+              <a:rPr lang="cs-CZ" dirty="0" err="1" smtClean="0"/>
+              <a:t>password</a:t>
+            </a:r>
+            <a:r>
+              <a:rPr lang="cs-CZ" dirty="0" smtClean="0"/>
+              <a:t> in </a:t>
+            </a:r>
+            <a:r>
+              <a:rPr lang="cs-CZ" dirty="0" smtClean="0">
+                <a:latin typeface="Courier New" panose="02070309020205020404" pitchFamily="49" charset="0"/>
+                <a:cs typeface="Courier New" panose="02070309020205020404" pitchFamily="49" charset="0"/>
+              </a:rPr>
+              <a:t>config.js</a:t>
+            </a:r>
+            <a:r>
+              <a:rPr lang="cs-CZ" dirty="0" smtClean="0"/>
+              <a:t> </a:t>
+            </a:r>
+            <a:r>
+              <a:rPr lang="cs-CZ" b="1" dirty="0" smtClean="0"/>
+              <a:t>NOT IN GIT</a:t>
+            </a:r>
+          </a:p>
+          <a:p>
+            <a:r>
+              <a:rPr lang="cs-CZ" dirty="0" smtClean="0"/>
+              <a:t>Use </a:t>
+            </a:r>
+            <a:r>
+              <a:rPr lang="cs-CZ" b="1" dirty="0" smtClean="0">
+                <a:latin typeface="Courier New" panose="02070309020205020404" pitchFamily="49" charset="0"/>
+                <a:cs typeface="Courier New" panose="02070309020205020404" pitchFamily="49" charset="0"/>
+              </a:rPr>
+              <a:t>pm2</a:t>
+            </a:r>
+            <a:r>
+              <a:rPr lang="cs-CZ" dirty="0" smtClean="0"/>
+              <a:t> </a:t>
+            </a:r>
+            <a:r>
+              <a:rPr lang="cs-CZ" dirty="0" err="1" smtClean="0"/>
+              <a:t>for</a:t>
+            </a:r>
+            <a:r>
+              <a:rPr lang="cs-CZ" dirty="0" smtClean="0"/>
+              <a:t> </a:t>
+            </a:r>
+            <a:r>
+              <a:rPr lang="cs-CZ" dirty="0" err="1" smtClean="0"/>
+              <a:t>production</a:t>
+            </a:r>
+            <a:r>
+              <a:rPr lang="cs-CZ" dirty="0" smtClean="0"/>
+              <a:t> management</a:t>
+            </a:r>
+            <a:endParaRPr lang="en-US" dirty="0"/>
+          </a:p>
+        </p:txBody>
+      </p:sp>
+    </p:spTree>
+    <p:extLst>
+      <p:ext uri="{BB962C8B-B14F-4D97-AF65-F5344CB8AC3E}">
+        <p14:creationId xmlns:p14="http://schemas.microsoft.com/office/powerpoint/2010/main" val="1014899769"/>
+      </p:ext>
+    </p:extLst>
+  </p:cSld>
+  <p:clrMapOvr>
+    <a:masterClrMapping/>
+  </p:clrMapOvr>
+  <mc:AlternateContent xmlns:mc="http://schemas.openxmlformats.org/markup-compatibility/2006" xmlns:p14="http://schemas.microsoft.com/office/powerpoint/2010/main">
+    <mc:Choice Requires="p14">
+      <p:transition spd="slow" p14:dur="800">
+        <p14:flythrough/>
+      </p:transition>
+    </mc:Choice>
+    <mc:Fallback xmlns="">
+      <p:transition spd="slow">
+        <p:fade/>
+      </p:transition>
+    </mc:Fallback>
+  </mc:AlternateContent>
+  <p:timing>
+    <p:tnLst>
+      <p:par>
+        <p:cTn id="1" dur="indefinite" restart="never" nodeType="tmRoot"/>
+      </p:par>
+    </p:tnLst>
+  </p:timing>
+</p:sld>
+</file>
+
+<file path=ppt/slides/slide31.xml><?xml version="1.0" encoding="utf-8"?>
+<p:sld xmlns:a="http://schemas.openxmlformats.org/drawingml/2006/main" xmlns:r="http://schemas.openxmlformats.org/officeDocument/2006/relationships" xmlns:p="http://schemas.openxmlformats.org/presentationml/2006/main">
+  <p:cSld>
+    <p:spTree>
+      <p:nvGrpSpPr>
+        <p:cNvPr id="1" name=""/>
+        <p:cNvGrpSpPr/>
+        <p:nvPr/>
+      </p:nvGrpSpPr>
+      <p:grpSpPr>
+        <a:xfrm>
+          <a:off x="0" y="0"/>
+          <a:ext cx="0" cy="0"/>
+          <a:chOff x="0" y="0"/>
+          <a:chExt cx="0" cy="0"/>
+        </a:xfrm>
+      </p:grpSpPr>
+      <p:sp>
+        <p:nvSpPr>
+          <p:cNvPr id="2" name="Nadpis 1"/>
+          <p:cNvSpPr>
+            <a:spLocks noGrp="1"/>
+          </p:cNvSpPr>
+          <p:nvPr>
+            <p:ph type="title"/>
+          </p:nvPr>
+        </p:nvSpPr>
+        <p:spPr/>
+        <p:txBody>
+          <a:bodyPr/>
+          <a:lstStyle/>
+          <a:p>
+            <a:r>
+              <a:rPr lang="en-US" dirty="0" err="1" smtClean="0"/>
+              <a:t>Tak</a:t>
+            </a:r>
+            <a:r>
+              <a:rPr lang="en-US" dirty="0" smtClean="0"/>
+              <a:t> </a:t>
+            </a:r>
+            <a:r>
+              <a:rPr lang="en-US" dirty="0" err="1" smtClean="0"/>
+              <a:t>te</a:t>
+            </a:r>
+            <a:r>
+              <a:rPr lang="cs-CZ" dirty="0" smtClean="0"/>
+              <a:t>ď už opravdu </a:t>
+            </a:r>
+            <a:r>
+              <a:rPr lang="cs-CZ" dirty="0" err="1" smtClean="0"/>
+              <a:t>poJďme</a:t>
+            </a:r>
+            <a:r>
+              <a:rPr lang="cs-CZ" dirty="0" smtClean="0"/>
+              <a:t> na to</a:t>
+            </a:r>
+            <a:endParaRPr lang="cs-CZ" dirty="0"/>
+          </a:p>
+        </p:txBody>
+      </p:sp>
+      <p:sp>
+        <p:nvSpPr>
+          <p:cNvPr id="3" name="Zástupný symbol pro text 2"/>
+          <p:cNvSpPr>
+            <a:spLocks noGrp="1"/>
+          </p:cNvSpPr>
+          <p:nvPr>
+            <p:ph type="body" idx="1"/>
+          </p:nvPr>
+        </p:nvSpPr>
+        <p:spPr/>
+        <p:txBody>
+          <a:bodyPr/>
+          <a:lstStyle/>
+          <a:p>
+            <a:endParaRPr lang="cs-CZ"/>
+          </a:p>
+        </p:txBody>
+      </p:sp>
+    </p:spTree>
+    <p:extLst>
+      <p:ext uri="{BB962C8B-B14F-4D97-AF65-F5344CB8AC3E}">
+        <p14:creationId xmlns:p14="http://schemas.microsoft.com/office/powerpoint/2010/main" val="784487936"/>
+      </p:ext>
+    </p:extLst>
+  </p:cSld>
+  <p:clrMapOvr>
+    <a:masterClrMapping/>
+  </p:clrMapOvr>
+  <mc:AlternateContent xmlns:mc="http://schemas.openxmlformats.org/markup-compatibility/2006" xmlns:p14="http://schemas.microsoft.com/office/powerpoint/2010/main">
+    <mc:Choice Requires="p14">
+      <p:transition spd="slow" p14:dur="800">
+        <p14:flythrough/>
+      </p:transition>
+    </mc:Choice>
+    <mc:Fallback xmlns="">
+      <p:transition spd="slow">
+        <p:fade/>
+      </p:transition>
+    </mc:Fallback>
+  </mc:AlternateContent>
+  <p:timing>
+    <p:tnLst>
+      <p:par>
+        <p:cTn id="1" dur="indefinite" restart="never" nodeType="tmRoot"/>
+      </p:par>
+    </p:tnLst>
+  </p:timing>
+</p:sld>
+</file>
+
 <file path=ppt/slides/slide4.xml><?xml version="1.0" encoding="utf-8"?>
 <p:sld xmlns:a="http://schemas.openxmlformats.org/drawingml/2006/main" xmlns:r="http://schemas.openxmlformats.org/officeDocument/2006/relationships" xmlns:p="http://schemas.openxmlformats.org/presentationml/2006/main">
   <p:cSld>
@@ -11430,7 +11694,6 @@
               <a:rPr lang="cs-CZ" dirty="0" smtClean="0"/>
               <a:t> </a:t>
             </a:r>
-            <a:endParaRPr lang="cs-CZ" dirty="0" smtClean="0"/>
           </a:p>
           <a:p>
             <a:r>
@@ -11469,13 +11732,13 @@
   <p:clrMapOvr>
     <a:masterClrMapping/>
   </p:clrMapOvr>
-  <mc:AlternateContent xmlns:mc="http://schemas.openxmlformats.org/markup-compatibility/2006">
-    <mc:Choice xmlns:p14="http://schemas.microsoft.com/office/powerpoint/2010/main" Requires="p14">
+  <mc:AlternateContent xmlns:mc="http://schemas.openxmlformats.org/markup-compatibility/2006" xmlns:p14="http://schemas.microsoft.com/office/powerpoint/2010/main">
+    <mc:Choice Requires="p14">
       <p:transition spd="slow" p14:dur="800">
         <p14:flythrough/>
       </p:transition>
     </mc:Choice>
-    <mc:Fallback>
+    <mc:Fallback xmlns="">
       <p:transition spd="slow">
         <p:fade/>
       </p:transition>
@@ -11931,13 +12194,13 @@
   <p:clrMapOvr>
     <a:masterClrMapping/>
   </p:clrMapOvr>
-  <mc:AlternateContent xmlns:mc="http://schemas.openxmlformats.org/markup-compatibility/2006">
-    <mc:Choice xmlns:p14="http://schemas.microsoft.com/office/powerpoint/2010/main" Requires="p14">
+  <mc:AlternateContent xmlns:mc="http://schemas.openxmlformats.org/markup-compatibility/2006" xmlns:p14="http://schemas.microsoft.com/office/powerpoint/2010/main">
+    <mc:Choice Requires="p14">
       <p:transition spd="slow" p14:dur="800">
         <p14:flythrough/>
       </p:transition>
     </mc:Choice>
-    <mc:Fallback>
+    <mc:Fallback xmlns="">
       <p:transition spd="slow">
         <p:fade/>
       </p:transition>
@@ -12517,13 +12780,13 @@
   <p:clrMapOvr>
     <a:masterClrMapping/>
   </p:clrMapOvr>
-  <mc:AlternateContent xmlns:mc="http://schemas.openxmlformats.org/markup-compatibility/2006">
-    <mc:Choice xmlns:p14="http://schemas.microsoft.com/office/powerpoint/2010/main" Requires="p14">
+  <mc:AlternateContent xmlns:mc="http://schemas.openxmlformats.org/markup-compatibility/2006" xmlns:p14="http://schemas.microsoft.com/office/powerpoint/2010/main">
+    <mc:Choice Requires="p14">
       <p:transition spd="slow" p14:dur="800">
         <p14:flythrough/>
       </p:transition>
     </mc:Choice>
-    <mc:Fallback>
+    <mc:Fallback xmlns="">
       <p:transition spd="slow">
         <p:fade/>
       </p:transition>
@@ -12928,13 +13191,13 @@
   <p:clrMapOvr>
     <a:masterClrMapping/>
   </p:clrMapOvr>
-  <mc:AlternateContent xmlns:mc="http://schemas.openxmlformats.org/markup-compatibility/2006">
-    <mc:Choice xmlns:p14="http://schemas.microsoft.com/office/powerpoint/2010/main" Requires="p14">
+  <mc:AlternateContent xmlns:mc="http://schemas.openxmlformats.org/markup-compatibility/2006" xmlns:p14="http://schemas.microsoft.com/office/powerpoint/2010/main">
+    <mc:Choice Requires="p14">
       <p:transition spd="slow" p14:dur="800">
         <p14:flythrough/>
       </p:transition>
     </mc:Choice>
-    <mc:Fallback>
+    <mc:Fallback xmlns="">
       <p:transition spd="slow">
         <p:fade/>
       </p:transition>
@@ -13450,13 +13713,13 @@
   <p:clrMapOvr>
     <a:masterClrMapping/>
   </p:clrMapOvr>
-  <mc:AlternateContent xmlns:mc="http://schemas.openxmlformats.org/markup-compatibility/2006">
-    <mc:Choice xmlns:p14="http://schemas.microsoft.com/office/powerpoint/2010/main" Requires="p14">
+  <mc:AlternateContent xmlns:mc="http://schemas.openxmlformats.org/markup-compatibility/2006" xmlns:p14="http://schemas.microsoft.com/office/powerpoint/2010/main">
+    <mc:Choice Requires="p14">
       <p:transition spd="slow" p14:dur="800">
         <p14:flythrough/>
       </p:transition>
     </mc:Choice>
-    <mc:Fallback>
+    <mc:Fallback xmlns="">
       <p:transition spd="slow">
         <p:fade/>
       </p:transition>
@@ -13843,13 +14106,13 @@
   <p:clrMapOvr>
     <a:masterClrMapping/>
   </p:clrMapOvr>
-  <mc:AlternateContent xmlns:mc="http://schemas.openxmlformats.org/markup-compatibility/2006">
-    <mc:Choice xmlns:p14="http://schemas.microsoft.com/office/powerpoint/2010/main" Requires="p14">
+  <mc:AlternateContent xmlns:mc="http://schemas.openxmlformats.org/markup-compatibility/2006" xmlns:p14="http://schemas.microsoft.com/office/powerpoint/2010/main">
+    <mc:Choice Requires="p14">
       <p:transition spd="slow" p14:dur="800">
         <p14:flythrough/>
       </p:transition>
     </mc:Choice>
-    <mc:Fallback>
+    <mc:Fallback xmlns="">
       <p:transition spd="slow">
         <p:fade/>
       </p:transition>

--- a/node-uvod.pptx
+++ b/node-uvod.pptx
@@ -5,7 +5,7 @@
     <p:sldMasterId id="2147483648" r:id="rId1"/>
   </p:sldMasterIdLst>
   <p:notesMasterIdLst>
-    <p:notesMasterId r:id="rId33"/>
+    <p:notesMasterId r:id="rId37"/>
   </p:notesMasterIdLst>
   <p:sldIdLst>
     <p:sldId id="256" r:id="rId2"/>
@@ -25,20 +25,24 @@
     <p:sldId id="295" r:id="rId16"/>
     <p:sldId id="296" r:id="rId17"/>
     <p:sldId id="299" r:id="rId18"/>
-    <p:sldId id="278" r:id="rId19"/>
-    <p:sldId id="289" r:id="rId20"/>
-    <p:sldId id="297" r:id="rId21"/>
-    <p:sldId id="290" r:id="rId22"/>
-    <p:sldId id="294" r:id="rId23"/>
-    <p:sldId id="300" r:id="rId24"/>
-    <p:sldId id="301" r:id="rId25"/>
-    <p:sldId id="302" r:id="rId26"/>
-    <p:sldId id="285" r:id="rId27"/>
-    <p:sldId id="287" r:id="rId28"/>
-    <p:sldId id="291" r:id="rId29"/>
-    <p:sldId id="286" r:id="rId30"/>
-    <p:sldId id="288" r:id="rId31"/>
-    <p:sldId id="273" r:id="rId32"/>
+    <p:sldId id="304" r:id="rId19"/>
+    <p:sldId id="303" r:id="rId20"/>
+    <p:sldId id="278" r:id="rId21"/>
+    <p:sldId id="289" r:id="rId22"/>
+    <p:sldId id="297" r:id="rId23"/>
+    <p:sldId id="290" r:id="rId24"/>
+    <p:sldId id="294" r:id="rId25"/>
+    <p:sldId id="301" r:id="rId26"/>
+    <p:sldId id="302" r:id="rId27"/>
+    <p:sldId id="285" r:id="rId28"/>
+    <p:sldId id="287" r:id="rId29"/>
+    <p:sldId id="291" r:id="rId30"/>
+    <p:sldId id="286" r:id="rId31"/>
+    <p:sldId id="306" r:id="rId32"/>
+    <p:sldId id="308" r:id="rId33"/>
+    <p:sldId id="288" r:id="rId34"/>
+    <p:sldId id="307" r:id="rId35"/>
+    <p:sldId id="273" r:id="rId36"/>
   </p:sldIdLst>
   <p:sldSz cx="9144000" cy="6858000" type="screen4x3"/>
   <p:notesSz cx="6858000" cy="9144000"/>
@@ -238,7 +242,7 @@
           <a:p>
             <a:fld id="{BB98AB2E-CF13-4FF5-88F8-81D6F4127D67}" type="datetimeFigureOut">
               <a:rPr lang="cs-CZ" smtClean="0"/>
-              <a:t>26.03.2018</a:t>
+              <a:t>06.04.2018</a:t>
             </a:fld>
             <a:endParaRPr lang="cs-CZ"/>
           </a:p>
@@ -687,7 +691,7 @@
           <a:p>
             <a:fld id="{E7BB63EB-1FEB-4BB0-AF8D-BD442935F862}" type="datetimeFigureOut">
               <a:rPr lang="cs-CZ" smtClean="0"/>
-              <a:t>26.03.2018</a:t>
+              <a:t>06.04.2018</a:t>
             </a:fld>
             <a:endParaRPr lang="cs-CZ"/>
           </a:p>
@@ -857,7 +861,7 @@
           <a:p>
             <a:fld id="{E7BB63EB-1FEB-4BB0-AF8D-BD442935F862}" type="datetimeFigureOut">
               <a:rPr lang="cs-CZ" smtClean="0"/>
-              <a:t>26.03.2018</a:t>
+              <a:t>06.04.2018</a:t>
             </a:fld>
             <a:endParaRPr lang="cs-CZ"/>
           </a:p>
@@ -1037,7 +1041,7 @@
           <a:p>
             <a:fld id="{E7BB63EB-1FEB-4BB0-AF8D-BD442935F862}" type="datetimeFigureOut">
               <a:rPr lang="cs-CZ" smtClean="0"/>
-              <a:t>26.03.2018</a:t>
+              <a:t>06.04.2018</a:t>
             </a:fld>
             <a:endParaRPr lang="cs-CZ"/>
           </a:p>
@@ -1207,7 +1211,7 @@
           <a:p>
             <a:fld id="{E7BB63EB-1FEB-4BB0-AF8D-BD442935F862}" type="datetimeFigureOut">
               <a:rPr lang="cs-CZ" smtClean="0"/>
-              <a:t>26.03.2018</a:t>
+              <a:t>06.04.2018</a:t>
             </a:fld>
             <a:endParaRPr lang="cs-CZ"/>
           </a:p>
@@ -1453,7 +1457,7 @@
           <a:p>
             <a:fld id="{E7BB63EB-1FEB-4BB0-AF8D-BD442935F862}" type="datetimeFigureOut">
               <a:rPr lang="cs-CZ" smtClean="0"/>
-              <a:t>26.03.2018</a:t>
+              <a:t>06.04.2018</a:t>
             </a:fld>
             <a:endParaRPr lang="cs-CZ"/>
           </a:p>
@@ -1741,7 +1745,7 @@
           <a:p>
             <a:fld id="{E7BB63EB-1FEB-4BB0-AF8D-BD442935F862}" type="datetimeFigureOut">
               <a:rPr lang="cs-CZ" smtClean="0"/>
-              <a:t>26.03.2018</a:t>
+              <a:t>06.04.2018</a:t>
             </a:fld>
             <a:endParaRPr lang="cs-CZ"/>
           </a:p>
@@ -2163,7 +2167,7 @@
           <a:p>
             <a:fld id="{E7BB63EB-1FEB-4BB0-AF8D-BD442935F862}" type="datetimeFigureOut">
               <a:rPr lang="cs-CZ" smtClean="0"/>
-              <a:t>26.03.2018</a:t>
+              <a:t>06.04.2018</a:t>
             </a:fld>
             <a:endParaRPr lang="cs-CZ"/>
           </a:p>
@@ -2281,7 +2285,7 @@
           <a:p>
             <a:fld id="{E7BB63EB-1FEB-4BB0-AF8D-BD442935F862}" type="datetimeFigureOut">
               <a:rPr lang="cs-CZ" smtClean="0"/>
-              <a:t>26.03.2018</a:t>
+              <a:t>06.04.2018</a:t>
             </a:fld>
             <a:endParaRPr lang="cs-CZ"/>
           </a:p>
@@ -2376,7 +2380,7 @@
           <a:p>
             <a:fld id="{E7BB63EB-1FEB-4BB0-AF8D-BD442935F862}" type="datetimeFigureOut">
               <a:rPr lang="cs-CZ" smtClean="0"/>
-              <a:t>26.03.2018</a:t>
+              <a:t>06.04.2018</a:t>
             </a:fld>
             <a:endParaRPr lang="cs-CZ"/>
           </a:p>
@@ -2653,7 +2657,7 @@
           <a:p>
             <a:fld id="{E7BB63EB-1FEB-4BB0-AF8D-BD442935F862}" type="datetimeFigureOut">
               <a:rPr lang="cs-CZ" smtClean="0"/>
-              <a:t>26.03.2018</a:t>
+              <a:t>06.04.2018</a:t>
             </a:fld>
             <a:endParaRPr lang="cs-CZ"/>
           </a:p>
@@ -2906,7 +2910,7 @@
           <a:p>
             <a:fld id="{E7BB63EB-1FEB-4BB0-AF8D-BD442935F862}" type="datetimeFigureOut">
               <a:rPr lang="cs-CZ" smtClean="0"/>
-              <a:t>26.03.2018</a:t>
+              <a:t>06.04.2018</a:t>
             </a:fld>
             <a:endParaRPr lang="cs-CZ"/>
           </a:p>
@@ -3119,7 +3123,7 @@
           <a:p>
             <a:fld id="{E7BB63EB-1FEB-4BB0-AF8D-BD442935F862}" type="datetimeFigureOut">
               <a:rPr lang="cs-CZ" smtClean="0"/>
-              <a:t>26.03.2018</a:t>
+              <a:t>06.04.2018</a:t>
             </a:fld>
             <a:endParaRPr lang="cs-CZ"/>
           </a:p>
@@ -7325,9 +7329,324 @@
   <p:timing>
     <p:tnLst>
       <p:par>
-        <p:cTn id="1" dur="indefinite" restart="never" nodeType="tmRoot"/>
+        <p:cTn id="1" dur="indefinite" restart="never" nodeType="tmRoot">
+          <p:childTnLst>
+            <p:seq concurrent="1" nextAc="seek">
+              <p:cTn id="2" dur="indefinite" nodeType="mainSeq">
+                <p:childTnLst>
+                  <p:par>
+                    <p:cTn id="3" fill="hold">
+                      <p:stCondLst>
+                        <p:cond delay="indefinite"/>
+                      </p:stCondLst>
+                      <p:childTnLst>
+                        <p:par>
+                          <p:cTn id="4" fill="hold">
+                            <p:stCondLst>
+                              <p:cond delay="0"/>
+                            </p:stCondLst>
+                            <p:childTnLst>
+                              <p:par>
+                                <p:cTn id="5" presetID="1" presetClass="entr" presetSubtype="0" fill="hold" grpId="0" nodeType="clickEffect">
+                                  <p:stCondLst>
+                                    <p:cond delay="0"/>
+                                  </p:stCondLst>
+                                  <p:childTnLst>
+                                    <p:set>
+                                      <p:cBhvr>
+                                        <p:cTn id="6" dur="1" fill="hold">
+                                          <p:stCondLst>
+                                            <p:cond delay="0"/>
+                                          </p:stCondLst>
+                                        </p:cTn>
+                                        <p:tgtEl>
+                                          <p:spTgt spid="3">
+                                            <p:txEl>
+                                              <p:pRg st="0" end="0"/>
+                                            </p:txEl>
+                                          </p:spTgt>
+                                        </p:tgtEl>
+                                        <p:attrNameLst>
+                                          <p:attrName>style.visibility</p:attrName>
+                                        </p:attrNameLst>
+                                      </p:cBhvr>
+                                      <p:to>
+                                        <p:strVal val="visible"/>
+                                      </p:to>
+                                    </p:set>
+                                  </p:childTnLst>
+                                </p:cTn>
+                              </p:par>
+                            </p:childTnLst>
+                          </p:cTn>
+                        </p:par>
+                      </p:childTnLst>
+                    </p:cTn>
+                  </p:par>
+                  <p:par>
+                    <p:cTn id="7" fill="hold">
+                      <p:stCondLst>
+                        <p:cond delay="indefinite"/>
+                      </p:stCondLst>
+                      <p:childTnLst>
+                        <p:par>
+                          <p:cTn id="8" fill="hold">
+                            <p:stCondLst>
+                              <p:cond delay="0"/>
+                            </p:stCondLst>
+                            <p:childTnLst>
+                              <p:par>
+                                <p:cTn id="9" presetID="1" presetClass="entr" presetSubtype="0" fill="hold" grpId="0" nodeType="clickEffect">
+                                  <p:stCondLst>
+                                    <p:cond delay="0"/>
+                                  </p:stCondLst>
+                                  <p:childTnLst>
+                                    <p:set>
+                                      <p:cBhvr>
+                                        <p:cTn id="10" dur="1" fill="hold">
+                                          <p:stCondLst>
+                                            <p:cond delay="0"/>
+                                          </p:stCondLst>
+                                        </p:cTn>
+                                        <p:tgtEl>
+                                          <p:spTgt spid="3">
+                                            <p:txEl>
+                                              <p:pRg st="1" end="1"/>
+                                            </p:txEl>
+                                          </p:spTgt>
+                                        </p:tgtEl>
+                                        <p:attrNameLst>
+                                          <p:attrName>style.visibility</p:attrName>
+                                        </p:attrNameLst>
+                                      </p:cBhvr>
+                                      <p:to>
+                                        <p:strVal val="visible"/>
+                                      </p:to>
+                                    </p:set>
+                                  </p:childTnLst>
+                                </p:cTn>
+                              </p:par>
+                            </p:childTnLst>
+                          </p:cTn>
+                        </p:par>
+                      </p:childTnLst>
+                    </p:cTn>
+                  </p:par>
+                  <p:par>
+                    <p:cTn id="11" fill="hold">
+                      <p:stCondLst>
+                        <p:cond delay="indefinite"/>
+                      </p:stCondLst>
+                      <p:childTnLst>
+                        <p:par>
+                          <p:cTn id="12" fill="hold">
+                            <p:stCondLst>
+                              <p:cond delay="0"/>
+                            </p:stCondLst>
+                            <p:childTnLst>
+                              <p:par>
+                                <p:cTn id="13" presetID="1" presetClass="entr" presetSubtype="0" fill="hold" grpId="0" nodeType="clickEffect">
+                                  <p:stCondLst>
+                                    <p:cond delay="0"/>
+                                  </p:stCondLst>
+                                  <p:childTnLst>
+                                    <p:set>
+                                      <p:cBhvr>
+                                        <p:cTn id="14" dur="1" fill="hold">
+                                          <p:stCondLst>
+                                            <p:cond delay="0"/>
+                                          </p:stCondLst>
+                                        </p:cTn>
+                                        <p:tgtEl>
+                                          <p:spTgt spid="3">
+                                            <p:txEl>
+                                              <p:pRg st="2" end="2"/>
+                                            </p:txEl>
+                                          </p:spTgt>
+                                        </p:tgtEl>
+                                        <p:attrNameLst>
+                                          <p:attrName>style.visibility</p:attrName>
+                                        </p:attrNameLst>
+                                      </p:cBhvr>
+                                      <p:to>
+                                        <p:strVal val="visible"/>
+                                      </p:to>
+                                    </p:set>
+                                  </p:childTnLst>
+                                </p:cTn>
+                              </p:par>
+                            </p:childTnLst>
+                          </p:cTn>
+                        </p:par>
+                      </p:childTnLst>
+                    </p:cTn>
+                  </p:par>
+                  <p:par>
+                    <p:cTn id="15" fill="hold">
+                      <p:stCondLst>
+                        <p:cond delay="indefinite"/>
+                      </p:stCondLst>
+                      <p:childTnLst>
+                        <p:par>
+                          <p:cTn id="16" fill="hold">
+                            <p:stCondLst>
+                              <p:cond delay="0"/>
+                            </p:stCondLst>
+                            <p:childTnLst>
+                              <p:par>
+                                <p:cTn id="17" presetID="1" presetClass="entr" presetSubtype="0" fill="hold" grpId="0" nodeType="clickEffect">
+                                  <p:stCondLst>
+                                    <p:cond delay="0"/>
+                                  </p:stCondLst>
+                                  <p:childTnLst>
+                                    <p:set>
+                                      <p:cBhvr>
+                                        <p:cTn id="18" dur="1" fill="hold">
+                                          <p:stCondLst>
+                                            <p:cond delay="0"/>
+                                          </p:stCondLst>
+                                        </p:cTn>
+                                        <p:tgtEl>
+                                          <p:spTgt spid="3">
+                                            <p:txEl>
+                                              <p:pRg st="3" end="3"/>
+                                            </p:txEl>
+                                          </p:spTgt>
+                                        </p:tgtEl>
+                                        <p:attrNameLst>
+                                          <p:attrName>style.visibility</p:attrName>
+                                        </p:attrNameLst>
+                                      </p:cBhvr>
+                                      <p:to>
+                                        <p:strVal val="visible"/>
+                                      </p:to>
+                                    </p:set>
+                                  </p:childTnLst>
+                                </p:cTn>
+                              </p:par>
+                              <p:par>
+                                <p:cTn id="19" presetID="1" presetClass="entr" presetSubtype="0" fill="hold" grpId="0" nodeType="withEffect">
+                                  <p:stCondLst>
+                                    <p:cond delay="0"/>
+                                  </p:stCondLst>
+                                  <p:childTnLst>
+                                    <p:set>
+                                      <p:cBhvr>
+                                        <p:cTn id="20" dur="1" fill="hold">
+                                          <p:stCondLst>
+                                            <p:cond delay="0"/>
+                                          </p:stCondLst>
+                                        </p:cTn>
+                                        <p:tgtEl>
+                                          <p:spTgt spid="3">
+                                            <p:txEl>
+                                              <p:pRg st="4" end="4"/>
+                                            </p:txEl>
+                                          </p:spTgt>
+                                        </p:tgtEl>
+                                        <p:attrNameLst>
+                                          <p:attrName>style.visibility</p:attrName>
+                                        </p:attrNameLst>
+                                      </p:cBhvr>
+                                      <p:to>
+                                        <p:strVal val="visible"/>
+                                      </p:to>
+                                    </p:set>
+                                  </p:childTnLst>
+                                </p:cTn>
+                              </p:par>
+                              <p:par>
+                                <p:cTn id="21" presetID="1" presetClass="entr" presetSubtype="0" fill="hold" grpId="0" nodeType="withEffect">
+                                  <p:stCondLst>
+                                    <p:cond delay="0"/>
+                                  </p:stCondLst>
+                                  <p:childTnLst>
+                                    <p:set>
+                                      <p:cBhvr>
+                                        <p:cTn id="22" dur="1" fill="hold">
+                                          <p:stCondLst>
+                                            <p:cond delay="0"/>
+                                          </p:stCondLst>
+                                        </p:cTn>
+                                        <p:tgtEl>
+                                          <p:spTgt spid="3">
+                                            <p:txEl>
+                                              <p:pRg st="5" end="5"/>
+                                            </p:txEl>
+                                          </p:spTgt>
+                                        </p:tgtEl>
+                                        <p:attrNameLst>
+                                          <p:attrName>style.visibility</p:attrName>
+                                        </p:attrNameLst>
+                                      </p:cBhvr>
+                                      <p:to>
+                                        <p:strVal val="visible"/>
+                                      </p:to>
+                                    </p:set>
+                                  </p:childTnLst>
+                                </p:cTn>
+                              </p:par>
+                              <p:par>
+                                <p:cTn id="23" presetID="1" presetClass="entr" presetSubtype="0" fill="hold" grpId="0" nodeType="withEffect">
+                                  <p:stCondLst>
+                                    <p:cond delay="0"/>
+                                  </p:stCondLst>
+                                  <p:childTnLst>
+                                    <p:set>
+                                      <p:cBhvr>
+                                        <p:cTn id="24" dur="1" fill="hold">
+                                          <p:stCondLst>
+                                            <p:cond delay="0"/>
+                                          </p:stCondLst>
+                                        </p:cTn>
+                                        <p:tgtEl>
+                                          <p:spTgt spid="3">
+                                            <p:txEl>
+                                              <p:pRg st="6" end="6"/>
+                                            </p:txEl>
+                                          </p:spTgt>
+                                        </p:tgtEl>
+                                        <p:attrNameLst>
+                                          <p:attrName>style.visibility</p:attrName>
+                                        </p:attrNameLst>
+                                      </p:cBhvr>
+                                      <p:to>
+                                        <p:strVal val="visible"/>
+                                      </p:to>
+                                    </p:set>
+                                  </p:childTnLst>
+                                </p:cTn>
+                              </p:par>
+                            </p:childTnLst>
+                          </p:cTn>
+                        </p:par>
+                      </p:childTnLst>
+                    </p:cTn>
+                  </p:par>
+                </p:childTnLst>
+              </p:cTn>
+              <p:prevCondLst>
+                <p:cond evt="onPrev" delay="0">
+                  <p:tgtEl>
+                    <p:sldTgt/>
+                  </p:tgtEl>
+                </p:cond>
+              </p:prevCondLst>
+              <p:nextCondLst>
+                <p:cond evt="onNext" delay="0">
+                  <p:tgtEl>
+                    <p:sldTgt/>
+                  </p:tgtEl>
+                </p:cond>
+              </p:nextCondLst>
+            </p:seq>
+          </p:childTnLst>
+        </p:cTn>
       </p:par>
     </p:tnLst>
+    <p:bldLst>
+      <p:bldP spid="3" grpId="0" build="p"/>
+    </p:bldLst>
   </p:timing>
 </p:sld>
 </file>
@@ -7361,66 +7680,164 @@
         </p:nvSpPr>
         <p:spPr/>
         <p:txBody>
-          <a:bodyPr/>
+          <a:bodyPr>
+            <a:normAutofit fontScale="90000"/>
+          </a:bodyPr>
           <a:lstStyle/>
           <a:p>
             <a:r>
               <a:rPr lang="en-US" dirty="0" smtClean="0"/>
-              <a:t>U</a:t>
+              <a:t>Promise chaining – return </a:t>
+            </a:r>
+            <a:r>
+              <a:rPr lang="en-US" dirty="0" err="1" smtClean="0"/>
+              <a:t>vr</a:t>
             </a:r>
             <a:r>
               <a:rPr lang="cs-CZ" dirty="0" err="1" smtClean="0"/>
-              <a:t>žitečné</a:t>
+              <a:t>átí</a:t>
             </a:r>
             <a:r>
               <a:rPr lang="cs-CZ" dirty="0" smtClean="0"/>
-              <a:t> knihovny</a:t>
+              <a:t> zase </a:t>
+            </a:r>
+            <a:r>
+              <a:rPr lang="cs-CZ" dirty="0" err="1" smtClean="0"/>
+              <a:t>promise</a:t>
+            </a:r>
+            <a:r>
+              <a:rPr lang="en-US" dirty="0" smtClean="0"/>
+              <a:t>! </a:t>
+            </a:r>
+            <a:r>
+              <a:rPr lang="en-US" dirty="0" err="1" smtClean="0"/>
+              <a:t>Tedy</a:t>
+            </a:r>
+            <a:r>
+              <a:rPr lang="en-US" dirty="0" smtClean="0"/>
+              <a:t> m</a:t>
+            </a:r>
+            <a:r>
+              <a:rPr lang="cs-CZ" dirty="0" smtClean="0"/>
+              <a:t>á </a:t>
+            </a:r>
+            <a:r>
+              <a:rPr lang="en-US" dirty="0" err="1" smtClean="0"/>
+              <a:t>funkci</a:t>
+            </a:r>
+            <a:r>
+              <a:rPr lang="en-US" dirty="0" smtClean="0"/>
+              <a:t> then(data)</a:t>
             </a:r>
             <a:endParaRPr lang="en-US" dirty="0"/>
           </a:p>
         </p:txBody>
       </p:sp>
-      <p:sp>
-        <p:nvSpPr>
-          <p:cNvPr id="3" name="Zástupný symbol pro text 2"/>
-          <p:cNvSpPr>
-            <a:spLocks noGrp="1"/>
-          </p:cNvSpPr>
-          <p:nvPr>
-            <p:ph type="body" idx="1"/>
-          </p:nvPr>
-        </p:nvSpPr>
-        <p:spPr/>
-        <p:txBody>
-          <a:bodyPr/>
-          <a:lstStyle/>
-          <a:p>
-            <a:endParaRPr lang="en-US"/>
-          </a:p>
-        </p:txBody>
-      </p:sp>
+      <p:pic>
+        <p:nvPicPr>
+          <p:cNvPr id="1026" name="Picture 2"/>
+          <p:cNvPicPr>
+            <a:picLocks noChangeAspect="1" noChangeArrowheads="1"/>
+          </p:cNvPicPr>
+          <p:nvPr/>
+        </p:nvPicPr>
+        <p:blipFill>
+          <a:blip r:embed="rId2">
+            <a:extLst>
+              <a:ext uri="{28A0092B-C50C-407E-A947-70E740481C1C}">
+                <a14:useLocalDpi xmlns:a14="http://schemas.microsoft.com/office/drawing/2010/main" val="0"/>
+              </a:ext>
+            </a:extLst>
+          </a:blip>
+          <a:srcRect/>
+          <a:stretch>
+            <a:fillRect/>
+          </a:stretch>
+        </p:blipFill>
+        <p:spPr bwMode="auto">
+          <a:xfrm>
+            <a:off x="1043608" y="1691553"/>
+            <a:ext cx="4641977" cy="4710578"/>
+          </a:xfrm>
+          <a:prstGeom prst="rect">
+            <a:avLst/>
+          </a:prstGeom>
+          <a:noFill/>
+          <a:ln>
+            <a:noFill/>
+          </a:ln>
+          <a:extLst>
+            <a:ext uri="{909E8E84-426E-40DD-AFC4-6F175D3DCCD1}">
+              <a14:hiddenFill xmlns:a14="http://schemas.microsoft.com/office/drawing/2010/main">
+                <a:solidFill>
+                  <a:schemeClr val="accent1"/>
+                </a:solidFill>
+              </a14:hiddenFill>
+            </a:ext>
+            <a:ext uri="{91240B29-F687-4F45-9708-019B960494DF}">
+              <a14:hiddenLine xmlns:a14="http://schemas.microsoft.com/office/drawing/2010/main" w="9525">
+                <a:solidFill>
+                  <a:schemeClr val="tx1"/>
+                </a:solidFill>
+                <a:miter lim="800000"/>
+                <a:headEnd/>
+                <a:tailEnd/>
+              </a14:hiddenLine>
+            </a:ext>
+          </a:extLst>
+        </p:spPr>
+      </p:pic>
+      <p:pic>
+        <p:nvPicPr>
+          <p:cNvPr id="1028" name="Picture 4" descr="https://javascript.info/article/promise-chaining/promise-then-chain.png"/>
+          <p:cNvPicPr>
+            <a:picLocks noChangeAspect="1" noChangeArrowheads="1"/>
+          </p:cNvPicPr>
+          <p:nvPr/>
+        </p:nvPicPr>
+        <p:blipFill>
+          <a:blip r:embed="rId3">
+            <a:extLst>
+              <a:ext uri="{28A0092B-C50C-407E-A947-70E740481C1C}">
+                <a14:useLocalDpi xmlns:a14="http://schemas.microsoft.com/office/drawing/2010/main" val="0"/>
+              </a:ext>
+            </a:extLst>
+          </a:blip>
+          <a:srcRect/>
+          <a:stretch>
+            <a:fillRect/>
+          </a:stretch>
+        </p:blipFill>
+        <p:spPr bwMode="auto">
+          <a:xfrm>
+            <a:off x="6012160" y="1700061"/>
+            <a:ext cx="1992538" cy="4493810"/>
+          </a:xfrm>
+          <a:prstGeom prst="rect">
+            <a:avLst/>
+          </a:prstGeom>
+          <a:noFill/>
+          <a:extLst>
+            <a:ext uri="{909E8E84-426E-40DD-AFC4-6F175D3DCCD1}">
+              <a14:hiddenFill xmlns:a14="http://schemas.microsoft.com/office/drawing/2010/main">
+                <a:solidFill>
+                  <a:srgbClr val="FFFFFF"/>
+                </a:solidFill>
+              </a14:hiddenFill>
+            </a:ext>
+          </a:extLst>
+        </p:spPr>
+      </p:pic>
     </p:spTree>
     <p:extLst>
       <p:ext uri="{BB962C8B-B14F-4D97-AF65-F5344CB8AC3E}">
-        <p14:creationId xmlns:p14="http://schemas.microsoft.com/office/powerpoint/2010/main" val="4208206452"/>
+        <p14:creationId xmlns:p14="http://schemas.microsoft.com/office/powerpoint/2010/main" val="190055612"/>
       </p:ext>
     </p:extLst>
   </p:cSld>
   <p:clrMapOvr>
     <a:masterClrMapping/>
   </p:clrMapOvr>
-  <mc:AlternateContent xmlns:mc="http://schemas.openxmlformats.org/markup-compatibility/2006" xmlns:p14="http://schemas.microsoft.com/office/powerpoint/2010/main">
-    <mc:Choice Requires="p14">
-      <p:transition spd="slow" p14:dur="800">
-        <p14:flythrough/>
-      </p:transition>
-    </mc:Choice>
-    <mc:Fallback xmlns="">
-      <p:transition spd="slow">
-        <p:fade/>
-      </p:transition>
-    </mc:Fallback>
-  </mc:AlternateContent>
   <p:timing>
     <p:tnLst>
       <p:par>
@@ -7464,16 +7881,28 @@
           <a:lstStyle/>
           <a:p>
             <a:r>
+              <a:rPr lang="cs-CZ" dirty="0" smtClean="0"/>
+              <a:t>Pole v </a:t>
+            </a:r>
+            <a:r>
+              <a:rPr lang="cs-CZ" dirty="0" err="1" smtClean="0"/>
+              <a:t>javascriptu</a:t>
+            </a:r>
+            <a:r>
               <a:rPr lang="en-US" dirty="0" smtClean="0"/>
-              <a:t>Utilities co se </a:t>
+              <a:t> </a:t>
             </a:r>
             <a:r>
               <a:rPr lang="en-US" dirty="0" err="1" smtClean="0"/>
-              <a:t>hod</a:t>
+              <a:t>toho</a:t>
+            </a:r>
+            <a:r>
+              <a:rPr lang="en-US" dirty="0" smtClean="0"/>
+              <a:t> um</a:t>
             </a:r>
             <a:r>
               <a:rPr lang="cs-CZ" dirty="0" smtClean="0"/>
-              <a:t>í všude</a:t>
+              <a:t>í hodně</a:t>
             </a:r>
             <a:endParaRPr lang="en-US" dirty="0"/>
           </a:p>
@@ -7489,211 +7918,220 @@
             <p:ph idx="1"/>
           </p:nvPr>
         </p:nvSpPr>
-        <p:spPr/>
+        <p:spPr>
+          <a:xfrm>
+            <a:off x="446856" y="1628800"/>
+            <a:ext cx="8229600" cy="4525963"/>
+          </a:xfrm>
+        </p:spPr>
         <p:txBody>
           <a:bodyPr>
-            <a:normAutofit lnSpcReduction="10000"/>
+            <a:normAutofit/>
           </a:bodyPr>
           <a:lstStyle/>
           <a:p>
             <a:r>
-              <a:rPr lang="en-US" b="1" dirty="0" err="1" smtClean="0"/>
-              <a:t>monent</a:t>
-            </a:r>
-            <a:r>
-              <a:rPr lang="cs-CZ" dirty="0" smtClean="0"/>
-              <a:t> – manipulace s </a:t>
-            </a:r>
-            <a:r>
-              <a:rPr lang="cs-CZ" dirty="0" err="1" smtClean="0"/>
-              <a:t>datumem</a:t>
-            </a:r>
-            <a:r>
-              <a:rPr lang="cs-CZ" dirty="0" smtClean="0"/>
-              <a:t> a časem</a:t>
-            </a:r>
-            <a:endParaRPr lang="en-US" dirty="0" smtClean="0"/>
-          </a:p>
-          <a:p>
-            <a:r>
-              <a:rPr lang="en-US" b="1" dirty="0" err="1"/>
-              <a:t>a</a:t>
-            </a:r>
-            <a:r>
-              <a:rPr lang="en-US" b="1" dirty="0" err="1" smtClean="0"/>
-              <a:t>xios</a:t>
-            </a:r>
-            <a:r>
-              <a:rPr lang="en-US" dirty="0" smtClean="0"/>
-              <a:t> – promise based HTTP client</a:t>
-            </a:r>
-          </a:p>
-          <a:p>
-            <a:r>
-              <a:rPr lang="cs-CZ" b="1" dirty="0"/>
-              <a:t>d</a:t>
-            </a:r>
-            <a:r>
-              <a:rPr lang="en-US" b="1" dirty="0" err="1" smtClean="0"/>
-              <a:t>ebug</a:t>
-            </a:r>
-            <a:r>
-              <a:rPr lang="cs-CZ" b="1" dirty="0"/>
-              <a:t> </a:t>
-            </a:r>
-            <a:r>
-              <a:rPr lang="cs-CZ" b="1" dirty="0" smtClean="0"/>
-              <a:t> </a:t>
-            </a:r>
-            <a:r>
-              <a:rPr lang="cs-CZ" dirty="0" smtClean="0"/>
-              <a:t>- super výpisy pomocí </a:t>
-            </a:r>
-            <a:r>
-              <a:rPr lang="cs-CZ" dirty="0" err="1" smtClean="0"/>
-              <a:t>env</a:t>
-            </a:r>
-            <a:r>
-              <a:rPr lang="cs-CZ" dirty="0" smtClean="0"/>
-              <a:t> DEBUG</a:t>
-            </a:r>
-            <a:endParaRPr lang="en-US" dirty="0" smtClean="0"/>
-          </a:p>
-          <a:p>
-            <a:r>
-              <a:rPr lang="cs-CZ" b="1" dirty="0"/>
-              <a:t>p</a:t>
-            </a:r>
-            <a:r>
-              <a:rPr lang="en-US" b="1" dirty="0" err="1" smtClean="0"/>
-              <a:t>ath</a:t>
-            </a:r>
-            <a:r>
-              <a:rPr lang="cs-CZ" b="1" dirty="0" smtClean="0"/>
-              <a:t> </a:t>
-            </a:r>
-            <a:r>
-              <a:rPr lang="cs-CZ" dirty="0" smtClean="0"/>
-              <a:t>– řešení problému s </a:t>
-            </a:r>
-            <a:r>
-              <a:rPr lang="en-US" dirty="0" smtClean="0"/>
-              <a:t>__</a:t>
-            </a:r>
-            <a:r>
-              <a:rPr lang="en-US" dirty="0" err="1" smtClean="0"/>
-              <a:t>dirname</a:t>
-            </a:r>
-            <a:endParaRPr lang="en-US" dirty="0" smtClean="0"/>
-          </a:p>
-          <a:p>
-            <a:r>
-              <a:rPr lang="en-US" b="1" dirty="0"/>
-              <a:t>b</a:t>
-            </a:r>
-            <a:r>
-              <a:rPr lang="en-US" b="1" dirty="0" smtClean="0"/>
-              <a:t>luebird </a:t>
-            </a:r>
-            <a:r>
-              <a:rPr lang="en-US" dirty="0" smtClean="0"/>
-              <a:t>– </a:t>
-            </a:r>
-            <a:r>
-              <a:rPr lang="en-US" dirty="0" err="1" smtClean="0"/>
-              <a:t>automatick</a:t>
-            </a:r>
-            <a:r>
-              <a:rPr lang="cs-CZ" dirty="0" smtClean="0"/>
-              <a:t>é zapouzdření čehokoli</a:t>
-            </a:r>
-            <a:r>
-              <a:rPr lang="en-US" dirty="0" smtClean="0"/>
-              <a:t>v</a:t>
-            </a:r>
-            <a:r>
-              <a:rPr lang="cs-CZ" dirty="0" smtClean="0"/>
-              <a:t> do </a:t>
-            </a:r>
-            <a:r>
-              <a:rPr lang="cs-CZ" dirty="0" err="1" smtClean="0"/>
-              <a:t>promises</a:t>
-            </a:r>
-            <a:endParaRPr lang="cs-CZ" dirty="0" smtClean="0"/>
-          </a:p>
-          <a:p>
-            <a:r>
-              <a:rPr lang="cs-CZ" b="1" dirty="0"/>
-              <a:t>e</a:t>
-            </a:r>
-            <a:r>
-              <a:rPr lang="cs-CZ" b="1" dirty="0" smtClean="0"/>
-              <a:t>xpress</a:t>
-            </a:r>
-            <a:r>
-              <a:rPr lang="cs-CZ" dirty="0" smtClean="0"/>
-              <a:t> – pro http servery a API</a:t>
-            </a:r>
-          </a:p>
-          <a:p>
-            <a:r>
-              <a:rPr lang="en-US" b="1" dirty="0" err="1"/>
-              <a:t>s</a:t>
-            </a:r>
-            <a:r>
-              <a:rPr lang="en-US" b="1" dirty="0" err="1" smtClean="0"/>
-              <a:t>equelize</a:t>
-            </a:r>
-            <a:r>
-              <a:rPr lang="en-US" dirty="0" smtClean="0"/>
-              <a:t> – pro </a:t>
-            </a:r>
-            <a:r>
-              <a:rPr lang="en-US" dirty="0" err="1" smtClean="0"/>
-              <a:t>datab</a:t>
-            </a:r>
-            <a:r>
-              <a:rPr lang="cs-CZ" dirty="0" err="1" smtClean="0"/>
-              <a:t>áze</a:t>
-            </a:r>
-            <a:endParaRPr lang="cs-CZ" dirty="0"/>
+              <a:rPr lang="en-US" sz="2800" b="1" dirty="0" err="1" smtClean="0">
+                <a:latin typeface="Courier New" panose="02070309020205020404" pitchFamily="49" charset="0"/>
+                <a:cs typeface="Courier New" panose="02070309020205020404" pitchFamily="49" charset="0"/>
+              </a:rPr>
+              <a:t>arr</a:t>
+            </a:r>
+            <a:r>
+              <a:rPr lang="cs-CZ" sz="2800" b="1" dirty="0" smtClean="0">
+                <a:latin typeface="Courier New" panose="02070309020205020404" pitchFamily="49" charset="0"/>
+                <a:cs typeface="Courier New" panose="02070309020205020404" pitchFamily="49" charset="0"/>
+              </a:rPr>
+              <a:t>.</a:t>
+            </a:r>
+            <a:r>
+              <a:rPr lang="cs-CZ" sz="2800" b="1" dirty="0" err="1" smtClean="0">
+                <a:latin typeface="Courier New" panose="02070309020205020404" pitchFamily="49" charset="0"/>
+                <a:cs typeface="Courier New" panose="02070309020205020404" pitchFamily="49" charset="0"/>
+              </a:rPr>
+              <a:t>concat</a:t>
+            </a:r>
+            <a:r>
+              <a:rPr lang="en-US" sz="2800" dirty="0" smtClean="0">
+                <a:latin typeface="Courier New" panose="02070309020205020404" pitchFamily="49" charset="0"/>
+                <a:cs typeface="Courier New" panose="02070309020205020404" pitchFamily="49" charset="0"/>
+              </a:rPr>
+              <a:t>(arr2)</a:t>
+            </a:r>
+          </a:p>
+          <a:p>
+            <a:r>
+              <a:rPr lang="en-US" sz="2800" b="1" dirty="0" err="1">
+                <a:latin typeface="Courier New" panose="02070309020205020404" pitchFamily="49" charset="0"/>
+                <a:cs typeface="Courier New" panose="02070309020205020404" pitchFamily="49" charset="0"/>
+              </a:rPr>
+              <a:t>arr.filter</a:t>
+            </a:r>
+            <a:r>
+              <a:rPr lang="en-US" sz="2800" dirty="0">
+                <a:latin typeface="Courier New" panose="02070309020205020404" pitchFamily="49" charset="0"/>
+                <a:cs typeface="Courier New" panose="02070309020205020404" pitchFamily="49" charset="0"/>
+              </a:rPr>
+              <a:t>(function(</a:t>
+            </a:r>
+            <a:r>
+              <a:rPr lang="en-US" sz="2800" dirty="0" err="1">
+                <a:latin typeface="Courier New" panose="02070309020205020404" pitchFamily="49" charset="0"/>
+                <a:cs typeface="Courier New" panose="02070309020205020404" pitchFamily="49" charset="0"/>
+              </a:rPr>
+              <a:t>obj</a:t>
+            </a:r>
+            <a:r>
+              <a:rPr lang="en-US" sz="2800" dirty="0">
+                <a:latin typeface="Courier New" panose="02070309020205020404" pitchFamily="49" charset="0"/>
+                <a:cs typeface="Courier New" panose="02070309020205020404" pitchFamily="49" charset="0"/>
+              </a:rPr>
+              <a:t>){…})</a:t>
+            </a:r>
+          </a:p>
+          <a:p>
+            <a:r>
+              <a:rPr lang="en-US" sz="2800" b="1" dirty="0" err="1" smtClean="0">
+                <a:latin typeface="Courier New" panose="02070309020205020404" pitchFamily="49" charset="0"/>
+                <a:cs typeface="Courier New" panose="02070309020205020404" pitchFamily="49" charset="0"/>
+              </a:rPr>
+              <a:t>arr.sort</a:t>
+            </a:r>
+            <a:r>
+              <a:rPr lang="en-US" sz="2800" dirty="0" smtClean="0">
+                <a:latin typeface="Courier New" panose="02070309020205020404" pitchFamily="49" charset="0"/>
+                <a:cs typeface="Courier New" panose="02070309020205020404" pitchFamily="49" charset="0"/>
+              </a:rPr>
+              <a:t>(function(obj1, obj2){…})</a:t>
+            </a:r>
           </a:p>
           <a:p>
             <a:pPr marL="0" indent="0">
               <a:buNone/>
             </a:pPr>
-            <a:endParaRPr lang="en-US" dirty="0" smtClean="0"/>
-          </a:p>
-          <a:p>
-            <a:endParaRPr lang="en-US" dirty="0" smtClean="0"/>
-          </a:p>
-          <a:p>
-            <a:endParaRPr lang="en-US" dirty="0"/>
+            <a:endParaRPr lang="en-US" sz="2800" dirty="0" smtClean="0">
+              <a:latin typeface="Courier New" panose="02070309020205020404" pitchFamily="49" charset="0"/>
+              <a:cs typeface="Courier New" panose="02070309020205020404" pitchFamily="49" charset="0"/>
+            </a:endParaRPr>
+          </a:p>
+          <a:p>
+            <a:r>
+              <a:rPr lang="en-US" sz="2800" b="1" dirty="0" err="1" smtClean="0">
+                <a:latin typeface="Courier New" panose="02070309020205020404" pitchFamily="49" charset="0"/>
+                <a:cs typeface="Courier New" panose="02070309020205020404" pitchFamily="49" charset="0"/>
+              </a:rPr>
+              <a:t>arr.map</a:t>
+            </a:r>
+            <a:r>
+              <a:rPr lang="en-US" sz="2800" dirty="0" smtClean="0">
+                <a:latin typeface="Courier New" panose="02070309020205020404" pitchFamily="49" charset="0"/>
+                <a:cs typeface="Courier New" panose="02070309020205020404" pitchFamily="49" charset="0"/>
+              </a:rPr>
+              <a:t>(function(</a:t>
+            </a:r>
+            <a:r>
+              <a:rPr lang="en-US" sz="2800" dirty="0" err="1" smtClean="0">
+                <a:latin typeface="Courier New" panose="02070309020205020404" pitchFamily="49" charset="0"/>
+                <a:cs typeface="Courier New" panose="02070309020205020404" pitchFamily="49" charset="0"/>
+              </a:rPr>
+              <a:t>obj</a:t>
+            </a:r>
+            <a:r>
+              <a:rPr lang="en-US" sz="2800" smtClean="0">
+                <a:latin typeface="Courier New" panose="02070309020205020404" pitchFamily="49" charset="0"/>
+                <a:cs typeface="Courier New" panose="02070309020205020404" pitchFamily="49" charset="0"/>
+              </a:rPr>
+              <a:t>){…})</a:t>
+            </a:r>
+            <a:endParaRPr lang="en-US" sz="2800" dirty="0" smtClean="0">
+              <a:latin typeface="Courier New" panose="02070309020205020404" pitchFamily="49" charset="0"/>
+              <a:cs typeface="Courier New" panose="02070309020205020404" pitchFamily="49" charset="0"/>
+            </a:endParaRPr>
+          </a:p>
+          <a:p>
+            <a:r>
+              <a:rPr lang="en-US" sz="2800" b="1" dirty="0" err="1" smtClean="0">
+                <a:latin typeface="Courier New" panose="02070309020205020404" pitchFamily="49" charset="0"/>
+                <a:cs typeface="Courier New" panose="02070309020205020404" pitchFamily="49" charset="0"/>
+              </a:rPr>
+              <a:t>arr.reduce</a:t>
+            </a:r>
+            <a:r>
+              <a:rPr lang="en-US" sz="2800" dirty="0" smtClean="0">
+                <a:latin typeface="Courier New" panose="02070309020205020404" pitchFamily="49" charset="0"/>
+                <a:cs typeface="Courier New" panose="02070309020205020404" pitchFamily="49" charset="0"/>
+              </a:rPr>
+              <a:t>(function(</a:t>
+            </a:r>
+            <a:r>
+              <a:rPr lang="en-US" sz="2800" dirty="0" err="1" smtClean="0">
+                <a:latin typeface="Courier New" panose="02070309020205020404" pitchFamily="49" charset="0"/>
+                <a:cs typeface="Courier New" panose="02070309020205020404" pitchFamily="49" charset="0"/>
+              </a:rPr>
+              <a:t>acc</a:t>
+            </a:r>
+            <a:r>
+              <a:rPr lang="en-US" sz="2800" dirty="0" smtClean="0">
+                <a:latin typeface="Courier New" panose="02070309020205020404" pitchFamily="49" charset="0"/>
+                <a:cs typeface="Courier New" panose="02070309020205020404" pitchFamily="49" charset="0"/>
+              </a:rPr>
+              <a:t>, </a:t>
+            </a:r>
+            <a:r>
+              <a:rPr lang="en-US" sz="2800" dirty="0" err="1" smtClean="0">
+                <a:latin typeface="Courier New" panose="02070309020205020404" pitchFamily="49" charset="0"/>
+                <a:cs typeface="Courier New" panose="02070309020205020404" pitchFamily="49" charset="0"/>
+              </a:rPr>
+              <a:t>val</a:t>
+            </a:r>
+            <a:r>
+              <a:rPr lang="en-US" sz="2800" dirty="0" smtClean="0">
+                <a:latin typeface="Courier New" panose="02070309020205020404" pitchFamily="49" charset="0"/>
+                <a:cs typeface="Courier New" panose="02070309020205020404" pitchFamily="49" charset="0"/>
+              </a:rPr>
+              <a:t>){})</a:t>
+            </a:r>
+          </a:p>
+          <a:p>
+            <a:pPr lvl="1"/>
+            <a:r>
+              <a:rPr lang="en-US" sz="2400" dirty="0" err="1" smtClean="0">
+                <a:latin typeface="Courier New" panose="02070309020205020404" pitchFamily="49" charset="0"/>
+                <a:cs typeface="Courier New" panose="02070309020205020404" pitchFamily="49" charset="0"/>
+              </a:rPr>
+              <a:t>Nepracuje</a:t>
+            </a:r>
+            <a:r>
+              <a:rPr lang="en-US" sz="2400" dirty="0" smtClean="0">
+                <a:latin typeface="Courier New" panose="02070309020205020404" pitchFamily="49" charset="0"/>
+                <a:cs typeface="Courier New" panose="02070309020205020404" pitchFamily="49" charset="0"/>
+              </a:rPr>
+              <a:t> s </a:t>
+            </a:r>
+            <a:r>
+              <a:rPr lang="en-US" sz="2400" dirty="0" err="1" smtClean="0">
+                <a:latin typeface="Courier New" panose="02070309020205020404" pitchFamily="49" charset="0"/>
+                <a:cs typeface="Courier New" panose="02070309020205020404" pitchFamily="49" charset="0"/>
+              </a:rPr>
+              <a:t>objekty</a:t>
+            </a:r>
+            <a:endParaRPr lang="en-US" sz="2400" dirty="0">
+              <a:latin typeface="Courier New" panose="02070309020205020404" pitchFamily="49" charset="0"/>
+              <a:cs typeface="Courier New" panose="02070309020205020404" pitchFamily="49" charset="0"/>
+            </a:endParaRPr>
           </a:p>
         </p:txBody>
       </p:sp>
     </p:spTree>
     <p:extLst>
       <p:ext uri="{BB962C8B-B14F-4D97-AF65-F5344CB8AC3E}">
-        <p14:creationId xmlns:p14="http://schemas.microsoft.com/office/powerpoint/2010/main" val="3192548923"/>
+        <p14:creationId xmlns:p14="http://schemas.microsoft.com/office/powerpoint/2010/main" val="3577577568"/>
       </p:ext>
     </p:extLst>
   </p:cSld>
   <p:clrMapOvr>
     <a:masterClrMapping/>
   </p:clrMapOvr>
-  <mc:AlternateContent xmlns:mc="http://schemas.openxmlformats.org/markup-compatibility/2006" xmlns:p14="http://schemas.microsoft.com/office/powerpoint/2010/main">
-    <mc:Choice Requires="p14">
-      <p:transition spd="slow" p14:dur="800">
-        <p14:flythrough/>
-      </p:transition>
-    </mc:Choice>
-    <mc:Fallback xmlns="">
-      <p:transition spd="slow">
-        <p:fade/>
-      </p:transition>
-    </mc:Fallback>
-  </mc:AlternateContent>
   <p:timing>
     <p:tnLst>
       <p:par>
@@ -8423,7 +8861,15 @@
           <a:p>
             <a:r>
               <a:rPr lang="en-US" dirty="0" smtClean="0"/>
-              <a:t>debug</a:t>
+              <a:t>U</a:t>
+            </a:r>
+            <a:r>
+              <a:rPr lang="cs-CZ" dirty="0" err="1" smtClean="0"/>
+              <a:t>žitečné</a:t>
+            </a:r>
+            <a:r>
+              <a:rPr lang="cs-CZ" dirty="0" smtClean="0"/>
+              <a:t> knihovny</a:t>
             </a:r>
             <a:endParaRPr lang="en-US" dirty="0"/>
           </a:p>
@@ -8431,180 +8877,27 @@
       </p:sp>
       <p:sp>
         <p:nvSpPr>
-          <p:cNvPr id="3" name="Zástupný symbol pro obsah 2"/>
+          <p:cNvPr id="3" name="Zástupný symbol pro text 2"/>
           <p:cNvSpPr>
             <a:spLocks noGrp="1"/>
           </p:cNvSpPr>
           <p:nvPr>
-            <p:ph idx="1"/>
+            <p:ph type="body" idx="1"/>
           </p:nvPr>
         </p:nvSpPr>
         <p:spPr/>
         <p:txBody>
-          <a:bodyPr>
-            <a:normAutofit lnSpcReduction="10000"/>
-          </a:bodyPr>
+          <a:bodyPr/>
           <a:lstStyle/>
           <a:p>
-            <a:r>
-              <a:rPr lang="en-US" dirty="0">
-                <a:hlinkClick r:id="rId2"/>
-              </a:rPr>
-              <a:t>https://</a:t>
-            </a:r>
-            <a:r>
-              <a:rPr lang="en-US" dirty="0" smtClean="0">
-                <a:hlinkClick r:id="rId2"/>
-              </a:rPr>
-              <a:t>www.npmjs.com/package/debug</a:t>
-            </a:r>
-            <a:r>
-              <a:rPr lang="en-US" dirty="0" smtClean="0"/>
-              <a:t> </a:t>
-            </a:r>
-          </a:p>
-          <a:p>
-            <a:r>
-              <a:rPr lang="en-US" dirty="0" err="1" smtClean="0"/>
-              <a:t>Hojn</a:t>
-            </a:r>
-            <a:r>
-              <a:rPr lang="cs-CZ" dirty="0" smtClean="0"/>
-              <a:t>ě používána</a:t>
-            </a:r>
-            <a:r>
-              <a:rPr lang="en-US" dirty="0" smtClean="0"/>
-              <a:t> </a:t>
-            </a:r>
-            <a:r>
-              <a:rPr lang="en-US" dirty="0" err="1" smtClean="0"/>
-              <a:t>jin</a:t>
-            </a:r>
-            <a:r>
-              <a:rPr lang="cs-CZ" dirty="0" err="1" smtClean="0"/>
-              <a:t>ými</a:t>
-            </a:r>
-            <a:r>
-              <a:rPr lang="cs-CZ" dirty="0" smtClean="0"/>
-              <a:t> </a:t>
-            </a:r>
-            <a:r>
-              <a:rPr lang="cs-CZ" dirty="0" err="1" smtClean="0"/>
-              <a:t>klientami</a:t>
-            </a:r>
-            <a:endParaRPr lang="en-US" dirty="0" smtClean="0"/>
-          </a:p>
-          <a:p>
-            <a:r>
-              <a:rPr lang="en-US" dirty="0" err="1" smtClean="0"/>
-              <a:t>Definujete</a:t>
-            </a:r>
-            <a:r>
-              <a:rPr lang="en-US" dirty="0" smtClean="0"/>
-              <a:t> </a:t>
-            </a:r>
-            <a:r>
-              <a:rPr lang="en-US" dirty="0" err="1" smtClean="0"/>
-              <a:t>si</a:t>
-            </a:r>
-            <a:r>
-              <a:rPr lang="en-US" dirty="0" smtClean="0"/>
-              <a:t> n</a:t>
-            </a:r>
-            <a:r>
-              <a:rPr lang="cs-CZ" dirty="0" err="1" smtClean="0"/>
-              <a:t>ázev</a:t>
-            </a:r>
-            <a:r>
-              <a:rPr lang="cs-CZ" dirty="0" smtClean="0"/>
-              <a:t> </a:t>
-            </a:r>
-            <a:r>
-              <a:rPr lang="cs-CZ" dirty="0" err="1" smtClean="0"/>
-              <a:t>loggeru</a:t>
-            </a:r>
-            <a:r>
-              <a:rPr lang="cs-CZ" dirty="0" smtClean="0"/>
-              <a:t> a ten použijete pro řízení výpisů pomocí </a:t>
-            </a:r>
-            <a:r>
-              <a:rPr lang="cs-CZ" dirty="0" err="1" smtClean="0"/>
-              <a:t>env</a:t>
-            </a:r>
-            <a:r>
-              <a:rPr lang="cs-CZ" dirty="0" smtClean="0"/>
-              <a:t> </a:t>
-            </a:r>
-            <a:r>
-              <a:rPr lang="cs-CZ" dirty="0" err="1" smtClean="0"/>
-              <a:t>proměné</a:t>
-            </a:r>
-            <a:r>
-              <a:rPr lang="cs-CZ" dirty="0" smtClean="0"/>
-              <a:t> DEBUG </a:t>
-            </a:r>
-          </a:p>
-          <a:p>
-            <a:r>
-              <a:rPr lang="cs-CZ" dirty="0" smtClean="0"/>
-              <a:t>Defaultně loguje STDERR</a:t>
-            </a:r>
-          </a:p>
-          <a:p>
-            <a:pPr marL="0" indent="0">
-              <a:buNone/>
-            </a:pPr>
-            <a:endParaRPr lang="cs-CZ" dirty="0"/>
-          </a:p>
-          <a:p>
-            <a:pPr marL="0" indent="0">
-              <a:buNone/>
-            </a:pPr>
-            <a:r>
-              <a:rPr lang="en-US" dirty="0" smtClean="0"/>
-              <a:t>&gt; </a:t>
-            </a:r>
-            <a:r>
-              <a:rPr lang="cs-CZ" dirty="0" smtClean="0"/>
-              <a:t>set DEBUG</a:t>
-            </a:r>
-            <a:r>
-              <a:rPr lang="en-US" dirty="0" smtClean="0"/>
-              <a:t>=*,-</a:t>
-            </a:r>
-            <a:r>
-              <a:rPr lang="en-US" dirty="0" err="1" smtClean="0"/>
-              <a:t>sql</a:t>
-            </a:r>
-            <a:endParaRPr lang="en-US" dirty="0" smtClean="0"/>
-          </a:p>
-          <a:p>
-            <a:pPr marL="0" indent="0">
-              <a:buNone/>
-            </a:pPr>
-            <a:r>
-              <a:rPr lang="en-US" dirty="0" smtClean="0"/>
-              <a:t>&gt; node app.js</a:t>
-            </a:r>
-          </a:p>
-          <a:p>
-            <a:pPr marL="0" indent="0">
-              <a:buNone/>
-            </a:pPr>
-            <a:endParaRPr lang="en-US" dirty="0"/>
-          </a:p>
-          <a:p>
-            <a:pPr marL="0" indent="0">
-              <a:buNone/>
-            </a:pPr>
-            <a:endParaRPr lang="en-US" dirty="0"/>
+            <a:endParaRPr lang="en-US"/>
           </a:p>
         </p:txBody>
       </p:sp>
     </p:spTree>
     <p:extLst>
       <p:ext uri="{BB962C8B-B14F-4D97-AF65-F5344CB8AC3E}">
-        <p14:creationId xmlns:p14="http://schemas.microsoft.com/office/powerpoint/2010/main" val="3924788170"/>
+        <p14:creationId xmlns:p14="http://schemas.microsoft.com/office/powerpoint/2010/main" val="4208206452"/>
       </p:ext>
     </p:extLst>
   </p:cSld>
@@ -8666,8 +8959,16 @@
           <a:lstStyle/>
           <a:p>
             <a:r>
+              <a:rPr lang="en-US" dirty="0" smtClean="0"/>
+              <a:t>Utilities co se </a:t>
+            </a:r>
+            <a:r>
+              <a:rPr lang="en-US" dirty="0" err="1" smtClean="0"/>
+              <a:t>hod</a:t>
+            </a:r>
+            <a:r>
               <a:rPr lang="cs-CZ" dirty="0" smtClean="0"/>
-              <a:t>Knihovna express</a:t>
+              <a:t>í všude</a:t>
             </a:r>
             <a:endParaRPr lang="en-US" dirty="0"/>
           </a:p>
@@ -8685,161 +8986,191 @@
         </p:nvSpPr>
         <p:spPr/>
         <p:txBody>
-          <a:bodyPr/>
+          <a:bodyPr>
+            <a:normAutofit lnSpcReduction="10000"/>
+          </a:bodyPr>
           <a:lstStyle/>
           <a:p>
             <a:r>
-              <a:rPr lang="en-US" dirty="0">
-                <a:hlinkClick r:id="rId2"/>
-              </a:rPr>
-              <a:t>http://expressjs.com</a:t>
-            </a:r>
-            <a:r>
-              <a:rPr lang="en-US" dirty="0" smtClean="0">
-                <a:hlinkClick r:id="rId2"/>
-              </a:rPr>
-              <a:t>/</a:t>
+              <a:rPr lang="en-US" b="1" dirty="0" err="1" smtClean="0"/>
+              <a:t>monent</a:t>
             </a:r>
             <a:r>
               <a:rPr lang="cs-CZ" dirty="0" smtClean="0"/>
+              <a:t> – manipulace s </a:t>
+            </a:r>
+            <a:r>
+              <a:rPr lang="cs-CZ" dirty="0" err="1" smtClean="0"/>
+              <a:t>datumem</a:t>
+            </a:r>
+            <a:r>
+              <a:rPr lang="cs-CZ" dirty="0" smtClean="0"/>
+              <a:t> a časem</a:t>
+            </a:r>
+            <a:endParaRPr lang="en-US" dirty="0" smtClean="0"/>
+          </a:p>
+          <a:p>
+            <a:r>
+              <a:rPr lang="en-US" b="1" dirty="0" err="1"/>
+              <a:t>a</a:t>
+            </a:r>
+            <a:r>
+              <a:rPr lang="en-US" b="1" dirty="0" err="1" smtClean="0"/>
+              <a:t>xios</a:t>
+            </a:r>
+            <a:r>
+              <a:rPr lang="en-US" dirty="0" smtClean="0"/>
+              <a:t> – promise based HTTP client</a:t>
+            </a:r>
+          </a:p>
+          <a:p>
+            <a:r>
+              <a:rPr lang="cs-CZ" b="1" dirty="0"/>
+              <a:t>d</a:t>
+            </a:r>
+            <a:r>
+              <a:rPr lang="en-US" b="1" dirty="0" err="1" smtClean="0"/>
+              <a:t>ebug</a:t>
+            </a:r>
+            <a:r>
+              <a:rPr lang="cs-CZ" b="1" dirty="0"/>
               <a:t> </a:t>
             </a:r>
-          </a:p>
-          <a:p>
+            <a:r>
+              <a:rPr lang="cs-CZ" b="1" dirty="0" smtClean="0"/>
+              <a:t> </a:t>
+            </a:r>
             <a:r>
               <a:rPr lang="cs-CZ" dirty="0" smtClean="0"/>
-              <a:t>Slouží pro snadnou tvorbu REST API </a:t>
+              <a:t>- super výpisy pomocí </a:t>
+            </a:r>
+            <a:r>
+              <a:rPr lang="cs-CZ" dirty="0" err="1" smtClean="0"/>
+              <a:t>env</a:t>
+            </a:r>
+            <a:r>
+              <a:rPr lang="cs-CZ" dirty="0" smtClean="0"/>
+              <a:t> DEBUG</a:t>
+            </a:r>
+            <a:endParaRPr lang="en-US" dirty="0" smtClean="0"/>
+          </a:p>
+          <a:p>
+            <a:r>
+              <a:rPr lang="cs-CZ" b="1" dirty="0"/>
+              <a:t>p</a:t>
+            </a:r>
+            <a:r>
+              <a:rPr lang="en-US" b="1" dirty="0" err="1" smtClean="0"/>
+              <a:t>ath</a:t>
+            </a:r>
+            <a:r>
+              <a:rPr lang="cs-CZ" b="1" dirty="0" smtClean="0"/>
+              <a:t> </a:t>
+            </a:r>
+            <a:r>
+              <a:rPr lang="cs-CZ" dirty="0" smtClean="0"/>
+              <a:t>– řešení problému s </a:t>
             </a:r>
             <a:r>
               <a:rPr lang="en-US" dirty="0" smtClean="0"/>
-              <a:t>(</a:t>
+              <a:t>__</a:t>
+            </a:r>
+            <a:r>
+              <a:rPr lang="en-US" dirty="0" err="1" smtClean="0"/>
+              <a:t>dirname</a:t>
+            </a:r>
+            <a:endParaRPr lang="en-US" dirty="0" smtClean="0"/>
+          </a:p>
+          <a:p>
+            <a:r>
+              <a:rPr lang="en-US" b="1" dirty="0"/>
+              <a:t>b</a:t>
+            </a:r>
+            <a:r>
+              <a:rPr lang="en-US" b="1" dirty="0" smtClean="0"/>
+              <a:t>luebird </a:t>
+            </a:r>
+            <a:r>
+              <a:rPr lang="en-US" dirty="0" smtClean="0"/>
+              <a:t>– </a:t>
+            </a:r>
+            <a:r>
+              <a:rPr lang="en-US" dirty="0" err="1" smtClean="0"/>
+              <a:t>automatick</a:t>
             </a:r>
             <a:r>
               <a:rPr lang="cs-CZ" dirty="0" smtClean="0"/>
-              <a:t>nebo i web aplikací</a:t>
+              <a:t>é zapouzdření čehokoli</a:t>
             </a:r>
             <a:r>
               <a:rPr lang="en-US" dirty="0" smtClean="0"/>
-              <a:t>)</a:t>
+              <a:t>v</a:t>
+            </a:r>
+            <a:r>
+              <a:rPr lang="cs-CZ" dirty="0" smtClean="0"/>
+              <a:t> do </a:t>
+            </a:r>
+            <a:r>
+              <a:rPr lang="cs-CZ" dirty="0" err="1" smtClean="0"/>
+              <a:t>promises</a:t>
             </a:r>
             <a:endParaRPr lang="cs-CZ" dirty="0" smtClean="0"/>
           </a:p>
           <a:p>
             <a:r>
+              <a:rPr lang="cs-CZ" b="1" dirty="0"/>
+              <a:t>e</a:t>
+            </a:r>
+            <a:r>
+              <a:rPr lang="cs-CZ" b="1" dirty="0" smtClean="0"/>
+              <a:t>xpress</a:t>
+            </a:r>
+            <a:r>
+              <a:rPr lang="cs-CZ" dirty="0" smtClean="0"/>
+              <a:t> – pro http servery a API</a:t>
+            </a:r>
+          </a:p>
+          <a:p>
+            <a:r>
+              <a:rPr lang="en-US" b="1" dirty="0" err="1"/>
+              <a:t>s</a:t>
+            </a:r>
+            <a:r>
+              <a:rPr lang="en-US" b="1" dirty="0" err="1" smtClean="0"/>
+              <a:t>equelize</a:t>
+            </a:r>
+            <a:r>
+              <a:rPr lang="en-US" dirty="0" smtClean="0"/>
+              <a:t> – pro </a:t>
+            </a:r>
+            <a:r>
+              <a:rPr lang="en-US" dirty="0" err="1" smtClean="0"/>
+              <a:t>datab</a:t>
+            </a:r>
+            <a:r>
               <a:rPr lang="cs-CZ" dirty="0" err="1" smtClean="0"/>
-              <a:t>Routes</a:t>
-            </a:r>
-            <a:r>
-              <a:rPr lang="cs-CZ" dirty="0" smtClean="0"/>
-              <a:t> </a:t>
-            </a:r>
-            <a:r>
-              <a:rPr lang="en-US" dirty="0" smtClean="0"/>
-              <a:t>(</a:t>
-            </a:r>
-            <a:r>
-              <a:rPr lang="en-US" dirty="0" smtClean="0">
-                <a:latin typeface="Courier New" panose="02070309020205020404" pitchFamily="49" charset="0"/>
-                <a:cs typeface="Courier New" panose="02070309020205020404" pitchFamily="49" charset="0"/>
-              </a:rPr>
-              <a:t>/</a:t>
-            </a:r>
-            <a:r>
-              <a:rPr lang="en-US" dirty="0" err="1" smtClean="0">
-                <a:latin typeface="Courier New" panose="02070309020205020404" pitchFamily="49" charset="0"/>
-                <a:cs typeface="Courier New" panose="02070309020205020404" pitchFamily="49" charset="0"/>
-              </a:rPr>
-              <a:t>api</a:t>
-            </a:r>
-            <a:r>
-              <a:rPr lang="en-US" dirty="0" smtClean="0">
-                <a:latin typeface="Courier New" panose="02070309020205020404" pitchFamily="49" charset="0"/>
-                <a:cs typeface="Courier New" panose="02070309020205020404" pitchFamily="49" charset="0"/>
-              </a:rPr>
-              <a:t>/slack/:file/delete</a:t>
-            </a:r>
-            <a:r>
-              <a:rPr lang="en-US" dirty="0" smtClean="0"/>
-              <a:t>)</a:t>
-            </a:r>
-            <a:endParaRPr lang="cs-CZ" dirty="0" smtClean="0"/>
-          </a:p>
-          <a:p>
-            <a:r>
-              <a:rPr lang="cs-CZ" dirty="0" err="1" smtClean="0"/>
-              <a:t>Middleware</a:t>
-            </a:r>
-            <a:r>
-              <a:rPr lang="en-US" dirty="0" smtClean="0"/>
-              <a:t> </a:t>
-            </a:r>
+              <a:t>áze</a:t>
+            </a:r>
+            <a:endParaRPr lang="cs-CZ" dirty="0"/>
+          </a:p>
+          <a:p>
+            <a:pPr marL="0" indent="0">
+              <a:buNone/>
+            </a:pPr>
+            <a:endParaRPr lang="en-US" dirty="0" smtClean="0"/>
+          </a:p>
+          <a:p>
+            <a:endParaRPr lang="en-US" dirty="0" smtClean="0"/>
+          </a:p>
+          <a:p>
             <a:endParaRPr lang="en-US" dirty="0"/>
-          </a:p>
-          <a:p>
-            <a:pPr lvl="1"/>
-            <a:r>
-              <a:rPr lang="en-US" dirty="0" err="1" smtClean="0"/>
-              <a:t>Funkce</a:t>
-            </a:r>
-            <a:r>
-              <a:rPr lang="en-US" dirty="0" smtClean="0"/>
-              <a:t> </a:t>
-            </a:r>
-            <a:r>
-              <a:rPr lang="cs-CZ" dirty="0" smtClean="0"/>
-              <a:t>řešící </a:t>
-            </a:r>
-            <a:r>
-              <a:rPr lang="cs-CZ" dirty="0" err="1" smtClean="0"/>
-              <a:t>parsování</a:t>
-            </a:r>
-            <a:r>
-              <a:rPr lang="cs-CZ" dirty="0" smtClean="0"/>
-              <a:t>, </a:t>
-            </a:r>
-            <a:r>
-              <a:rPr lang="cs-CZ" dirty="0" err="1" smtClean="0"/>
-              <a:t>logging</a:t>
-            </a:r>
-            <a:r>
-              <a:rPr lang="cs-CZ" dirty="0" smtClean="0"/>
-              <a:t>, přístupy, …</a:t>
-            </a:r>
-            <a:endParaRPr lang="en-US" dirty="0" smtClean="0"/>
-          </a:p>
-          <a:p>
-            <a:r>
-              <a:rPr lang="en-US" dirty="0" smtClean="0"/>
-              <a:t>Templates (pug, d</a:t>
-            </a:r>
-            <a:r>
-              <a:rPr lang="cs-CZ" dirty="0" smtClean="0"/>
-              <a:t>ří</a:t>
-            </a:r>
-            <a:r>
-              <a:rPr lang="en-US" dirty="0" err="1" smtClean="0"/>
-              <a:t>ve</a:t>
-            </a:r>
-            <a:r>
-              <a:rPr lang="en-US" dirty="0" smtClean="0"/>
-              <a:t> jade</a:t>
-            </a:r>
-            <a:r>
-              <a:rPr lang="cs-CZ" dirty="0" smtClean="0"/>
-              <a:t>, …</a:t>
-            </a:r>
-            <a:r>
-              <a:rPr lang="en-US" dirty="0" smtClean="0"/>
-              <a:t>)</a:t>
-            </a:r>
-            <a:endParaRPr lang="cs-CZ" dirty="0" smtClean="0"/>
           </a:p>
         </p:txBody>
       </p:sp>
     </p:spTree>
     <p:extLst>
       <p:ext uri="{BB962C8B-B14F-4D97-AF65-F5344CB8AC3E}">
-        <p14:creationId xmlns:p14="http://schemas.microsoft.com/office/powerpoint/2010/main" val="3886105035"/>
+        <p14:creationId xmlns:p14="http://schemas.microsoft.com/office/powerpoint/2010/main" val="3192548923"/>
       </p:ext>
     </p:extLst>
   </p:cSld>
@@ -8901,24 +9232,8 @@
           <a:lstStyle/>
           <a:p>
             <a:r>
-              <a:rPr lang="cs-CZ" dirty="0" smtClean="0"/>
-              <a:t>Databáze </a:t>
-            </a:r>
-            <a:r>
               <a:rPr lang="en-US" dirty="0" smtClean="0"/>
-              <a:t>– </a:t>
-            </a:r>
-            <a:r>
-              <a:rPr lang="en-US" dirty="0" err="1" smtClean="0"/>
-              <a:t>mysql</a:t>
-            </a:r>
-            <a:r>
-              <a:rPr lang="en-US" dirty="0" smtClean="0"/>
-              <a:t>, </a:t>
-            </a:r>
-            <a:r>
-              <a:rPr lang="en-US" dirty="0" err="1" smtClean="0"/>
-              <a:t>sequelize</a:t>
+              <a:t>debug</a:t>
             </a:r>
             <a:endParaRPr lang="en-US" dirty="0"/>
           </a:p>
@@ -8936,20 +9251,22 @@
         </p:nvSpPr>
         <p:spPr/>
         <p:txBody>
-          <a:bodyPr/>
+          <a:bodyPr>
+            <a:normAutofit fontScale="92500" lnSpcReduction="10000"/>
+          </a:bodyPr>
           <a:lstStyle/>
           <a:p>
             <a:r>
               <a:rPr lang="en-US" dirty="0">
                 <a:hlinkClick r:id="rId2"/>
               </a:rPr>
-              <a:t>http://docs.sequelizejs.com</a:t>
+              <a:t>https://</a:t>
             </a:r>
             <a:r>
               <a:rPr lang="en-US" dirty="0" smtClean="0">
                 <a:hlinkClick r:id="rId2"/>
               </a:rPr>
-              <a:t>/</a:t>
+              <a:t>www.npmjs.com/package/debug</a:t>
             </a:r>
             <a:r>
               <a:rPr lang="en-US" dirty="0" smtClean="0"/>
@@ -8959,38 +9276,142 @@
           <a:p>
             <a:r>
               <a:rPr lang="en-US" dirty="0" err="1" smtClean="0"/>
-              <a:t>Mapov</a:t>
+              <a:t>Hojn</a:t>
+            </a:r>
+            <a:r>
+              <a:rPr lang="cs-CZ" dirty="0" smtClean="0"/>
+              <a:t>ě používána</a:t>
+            </a:r>
+            <a:r>
+              <a:rPr lang="en-US" dirty="0" smtClean="0"/>
+              <a:t> </a:t>
+            </a:r>
+            <a:r>
+              <a:rPr lang="en-US" dirty="0" err="1" smtClean="0"/>
+              <a:t>jin</a:t>
             </a:r>
             <a:r>
               <a:rPr lang="cs-CZ" dirty="0" err="1" smtClean="0"/>
-              <a:t>ání</a:t>
+              <a:t>ými</a:t>
             </a:r>
             <a:r>
               <a:rPr lang="cs-CZ" dirty="0" smtClean="0"/>
-              <a:t> JSON objektů na relační databázi</a:t>
-            </a:r>
-          </a:p>
-          <a:p>
+              <a:t> </a:t>
+            </a:r>
+            <a:r>
+              <a:rPr lang="cs-CZ" dirty="0" err="1" smtClean="0"/>
+              <a:t>klientami</a:t>
+            </a:r>
+            <a:endParaRPr lang="en-US" dirty="0" smtClean="0"/>
+          </a:p>
+          <a:p>
+            <a:r>
+              <a:rPr lang="en-US" dirty="0" err="1" smtClean="0"/>
+              <a:t>Definujete</a:t>
+            </a:r>
+            <a:r>
+              <a:rPr lang="en-US" dirty="0" smtClean="0"/>
+              <a:t> </a:t>
+            </a:r>
+            <a:r>
+              <a:rPr lang="en-US" dirty="0" err="1" smtClean="0"/>
+              <a:t>si</a:t>
+            </a:r>
+            <a:r>
+              <a:rPr lang="en-US" dirty="0" smtClean="0"/>
+              <a:t> n</a:t>
+            </a:r>
+            <a:r>
+              <a:rPr lang="cs-CZ" dirty="0" err="1" smtClean="0"/>
+              <a:t>ázev</a:t>
+            </a:r>
             <a:r>
               <a:rPr lang="cs-CZ" dirty="0" smtClean="0"/>
-              <a:t>Ideální pro úkol ukládání dat v rámci data </a:t>
+              <a:t> </a:t>
             </a:r>
             <a:r>
               <a:rPr lang="cs-CZ" dirty="0" err="1" smtClean="0"/>
-              <a:t>umpy</a:t>
+              <a:t>loggeru</a:t>
             </a:r>
             <a:r>
               <a:rPr lang="cs-CZ" dirty="0" smtClean="0"/>
-              <a:t> nebo prosté vytahování tabulek</a:t>
-            </a:r>
-          </a:p>
-          <a:p>
+              <a:t> a ten použijete pro řízení výpisů pomocí </a:t>
+            </a:r>
+            <a:r>
+              <a:rPr lang="cs-CZ" dirty="0" err="1" smtClean="0"/>
+              <a:t>env</a:t>
+            </a:r>
             <a:r>
               <a:rPr lang="cs-CZ" dirty="0" smtClean="0"/>
-              <a:t>Pro složitější dotazy či analýzy dat nevhodné</a:t>
-            </a:r>
-          </a:p>
-          <a:p>
+              <a:t> </a:t>
+            </a:r>
+            <a:r>
+              <a:rPr lang="cs-CZ" dirty="0" err="1" smtClean="0"/>
+              <a:t>proměné</a:t>
+            </a:r>
+            <a:r>
+              <a:rPr lang="cs-CZ" dirty="0" smtClean="0"/>
+              <a:t> DEBUG </a:t>
+            </a:r>
+          </a:p>
+          <a:p>
+            <a:r>
+              <a:rPr lang="cs-CZ" dirty="0" smtClean="0"/>
+              <a:t>Defaultně loguje </a:t>
+            </a:r>
+            <a:r>
+              <a:rPr lang="cs-CZ" dirty="0" smtClean="0"/>
+              <a:t>STDERR. Pokud chcete na STDOUT lze</a:t>
+            </a:r>
+            <a:endParaRPr lang="cs-CZ" dirty="0" smtClean="0"/>
+          </a:p>
+          <a:p>
+            <a:pPr marL="0" indent="0">
+              <a:buNone/>
+            </a:pPr>
+            <a:endParaRPr lang="cs-CZ" dirty="0"/>
+          </a:p>
+          <a:p>
+            <a:pPr marL="0" indent="0">
+              <a:buNone/>
+            </a:pPr>
+            <a:r>
+              <a:rPr lang="en-US" dirty="0" smtClean="0"/>
+              <a:t>&gt; </a:t>
+            </a:r>
+            <a:r>
+              <a:rPr lang="cs-CZ" dirty="0" smtClean="0"/>
+              <a:t>set DEBUG</a:t>
+            </a:r>
+            <a:r>
+              <a:rPr lang="en-US" dirty="0" smtClean="0"/>
+              <a:t>=*,-</a:t>
+            </a:r>
+            <a:r>
+              <a:rPr lang="en-US" dirty="0" err="1" smtClean="0"/>
+              <a:t>sql</a:t>
+            </a:r>
+            <a:endParaRPr lang="en-US" dirty="0" smtClean="0"/>
+          </a:p>
+          <a:p>
+            <a:pPr marL="0" indent="0">
+              <a:buNone/>
+            </a:pPr>
+            <a:r>
+              <a:rPr lang="en-US" dirty="0" smtClean="0"/>
+              <a:t>&gt; node app.js</a:t>
+            </a:r>
+          </a:p>
+          <a:p>
+            <a:pPr marL="0" indent="0">
+              <a:buNone/>
+            </a:pPr>
+            <a:endParaRPr lang="en-US" dirty="0"/>
+          </a:p>
+          <a:p>
+            <a:pPr marL="0" indent="0">
+              <a:buNone/>
+            </a:pPr>
             <a:endParaRPr lang="en-US" dirty="0"/>
           </a:p>
         </p:txBody>
@@ -8998,7 +9419,7 @@
     </p:spTree>
     <p:extLst>
       <p:ext uri="{BB962C8B-B14F-4D97-AF65-F5344CB8AC3E}">
-        <p14:creationId xmlns:p14="http://schemas.microsoft.com/office/powerpoint/2010/main" val="1361477652"/>
+        <p14:creationId xmlns:p14="http://schemas.microsoft.com/office/powerpoint/2010/main" val="3924788170"/>
       </p:ext>
     </p:extLst>
   </p:cSld>
@@ -9059,7 +9480,11 @@
           <a:bodyPr/>
           <a:lstStyle/>
           <a:p>
-            <a:endParaRPr lang="en-US"/>
+            <a:r>
+              <a:rPr lang="cs-CZ" dirty="0" smtClean="0"/>
+              <a:t>Knihovna express</a:t>
+            </a:r>
+            <a:endParaRPr lang="en-US" dirty="0"/>
           </a:p>
         </p:txBody>
       </p:sp>
@@ -9078,20 +9503,183 @@
           <a:bodyPr/>
           <a:lstStyle/>
           <a:p>
-            <a:endParaRPr lang="en-US"/>
+            <a:r>
+              <a:rPr lang="en-US" dirty="0">
+                <a:hlinkClick r:id="rId2"/>
+              </a:rPr>
+              <a:t>http://expressjs.com</a:t>
+            </a:r>
+            <a:r>
+              <a:rPr lang="en-US" dirty="0" smtClean="0">
+                <a:hlinkClick r:id="rId2"/>
+              </a:rPr>
+              <a:t>/</a:t>
+            </a:r>
+            <a:r>
+              <a:rPr lang="cs-CZ" dirty="0" smtClean="0"/>
+              <a:t> </a:t>
+            </a:r>
+          </a:p>
+          <a:p>
+            <a:r>
+              <a:rPr lang="cs-CZ" dirty="0" smtClean="0"/>
+              <a:t>Slouží pro snadnou tvorbu REST API </a:t>
+            </a:r>
+            <a:r>
+              <a:rPr lang="en-US" dirty="0" smtClean="0"/>
+              <a:t>(</a:t>
+            </a:r>
+            <a:r>
+              <a:rPr lang="cs-CZ" dirty="0" smtClean="0"/>
+              <a:t>nebo i web aplikací</a:t>
+            </a:r>
+            <a:r>
+              <a:rPr lang="en-US" dirty="0" smtClean="0"/>
+              <a:t>)</a:t>
+            </a:r>
+            <a:endParaRPr lang="cs-CZ" dirty="0" smtClean="0"/>
+          </a:p>
+          <a:p>
+            <a:r>
+              <a:rPr lang="cs-CZ" dirty="0" err="1" smtClean="0"/>
+              <a:t>Routes</a:t>
+            </a:r>
+            <a:r>
+              <a:rPr lang="cs-CZ" dirty="0" smtClean="0"/>
+              <a:t> </a:t>
+            </a:r>
+            <a:r>
+              <a:rPr lang="en-US" dirty="0" smtClean="0"/>
+              <a:t>(</a:t>
+            </a:r>
+            <a:r>
+              <a:rPr lang="en-US" dirty="0" smtClean="0">
+                <a:latin typeface="Courier New" panose="02070309020205020404" pitchFamily="49" charset="0"/>
+                <a:cs typeface="Courier New" panose="02070309020205020404" pitchFamily="49" charset="0"/>
+              </a:rPr>
+              <a:t>/</a:t>
+            </a:r>
+            <a:r>
+              <a:rPr lang="en-US" dirty="0" err="1" smtClean="0">
+                <a:latin typeface="Courier New" panose="02070309020205020404" pitchFamily="49" charset="0"/>
+                <a:cs typeface="Courier New" panose="02070309020205020404" pitchFamily="49" charset="0"/>
+              </a:rPr>
+              <a:t>api</a:t>
+            </a:r>
+            <a:r>
+              <a:rPr lang="en-US" dirty="0" smtClean="0">
+                <a:latin typeface="Courier New" panose="02070309020205020404" pitchFamily="49" charset="0"/>
+                <a:cs typeface="Courier New" panose="02070309020205020404" pitchFamily="49" charset="0"/>
+              </a:rPr>
+              <a:t>/slack/:file/delete</a:t>
+            </a:r>
+            <a:r>
+              <a:rPr lang="en-US" dirty="0" smtClean="0"/>
+              <a:t>)</a:t>
+            </a:r>
+            <a:endParaRPr lang="cs-CZ" dirty="0" smtClean="0"/>
+          </a:p>
+          <a:p>
+            <a:r>
+              <a:rPr lang="cs-CZ" dirty="0" err="1" smtClean="0"/>
+              <a:t>Middleware</a:t>
+            </a:r>
+            <a:r>
+              <a:rPr lang="en-US" dirty="0" smtClean="0"/>
+              <a:t> </a:t>
+            </a:r>
+            <a:endParaRPr lang="en-US" dirty="0"/>
+          </a:p>
+          <a:p>
+            <a:pPr lvl="1"/>
+            <a:r>
+              <a:rPr lang="en-US" dirty="0" err="1" smtClean="0"/>
+              <a:t>Funkce</a:t>
+            </a:r>
+            <a:r>
+              <a:rPr lang="en-US" dirty="0" smtClean="0"/>
+              <a:t> </a:t>
+            </a:r>
+            <a:r>
+              <a:rPr lang="cs-CZ" dirty="0" smtClean="0"/>
+              <a:t>řešící </a:t>
+            </a:r>
+            <a:r>
+              <a:rPr lang="cs-CZ" dirty="0" err="1" smtClean="0"/>
+              <a:t>parsování</a:t>
+            </a:r>
+            <a:r>
+              <a:rPr lang="cs-CZ" dirty="0" smtClean="0"/>
+              <a:t>, </a:t>
+            </a:r>
+            <a:r>
+              <a:rPr lang="cs-CZ" dirty="0" err="1" smtClean="0"/>
+              <a:t>logging</a:t>
+            </a:r>
+            <a:r>
+              <a:rPr lang="cs-CZ" dirty="0" smtClean="0"/>
+              <a:t>, přístupy, …</a:t>
+            </a:r>
+            <a:endParaRPr lang="en-US" dirty="0" smtClean="0"/>
+          </a:p>
+          <a:p>
+            <a:r>
+              <a:rPr lang="en-US" dirty="0" smtClean="0"/>
+              <a:t>Templates (pug, d</a:t>
+            </a:r>
+            <a:r>
+              <a:rPr lang="cs-CZ" dirty="0" smtClean="0"/>
+              <a:t>ří</a:t>
+            </a:r>
+            <a:r>
+              <a:rPr lang="en-US" dirty="0" err="1" smtClean="0"/>
+              <a:t>ve</a:t>
+            </a:r>
+            <a:r>
+              <a:rPr lang="en-US" dirty="0" smtClean="0"/>
+              <a:t> jade</a:t>
+            </a:r>
+            <a:r>
+              <a:rPr lang="cs-CZ" dirty="0" smtClean="0"/>
+              <a:t>, …</a:t>
+            </a:r>
+            <a:r>
+              <a:rPr lang="en-US" dirty="0" smtClean="0"/>
+              <a:t>)</a:t>
+            </a:r>
+            <a:endParaRPr lang="cs-CZ" dirty="0" smtClean="0"/>
           </a:p>
         </p:txBody>
       </p:sp>
     </p:spTree>
     <p:extLst>
       <p:ext uri="{BB962C8B-B14F-4D97-AF65-F5344CB8AC3E}">
-        <p14:creationId xmlns:p14="http://schemas.microsoft.com/office/powerpoint/2010/main" val="368860415"/>
+        <p14:creationId xmlns:p14="http://schemas.microsoft.com/office/powerpoint/2010/main" val="3886105035"/>
       </p:ext>
     </p:extLst>
   </p:cSld>
   <p:clrMapOvr>
     <a:masterClrMapping/>
   </p:clrMapOvr>
+  <mc:AlternateContent xmlns:mc="http://schemas.openxmlformats.org/markup-compatibility/2006" xmlns:p14="http://schemas.microsoft.com/office/powerpoint/2010/main">
+    <mc:Choice Requires="p14">
+      <p:transition spd="slow" p14:dur="800">
+        <p14:flythrough/>
+      </p:transition>
+    </mc:Choice>
+    <mc:Fallback xmlns="">
+      <p:transition spd="slow">
+        <p:fade/>
+      </p:transition>
+    </mc:Fallback>
+  </mc:AlternateContent>
+  <p:timing>
+    <p:tnLst>
+      <p:par>
+        <p:cTn id="1" dur="indefinite" restart="never" nodeType="tmRoot"/>
+      </p:par>
+    </p:tnLst>
+  </p:timing>
 </p:sld>
 </file>
 
@@ -9128,8 +9716,24 @@
           <a:lstStyle/>
           <a:p>
             <a:r>
+              <a:rPr lang="cs-CZ" dirty="0" smtClean="0"/>
+              <a:t>Databáze </a:t>
+            </a:r>
+            <a:r>
               <a:rPr lang="en-US" dirty="0" smtClean="0"/>
-              <a:t>Code style</a:t>
+              <a:t>– </a:t>
+            </a:r>
+            <a:r>
+              <a:rPr lang="en-US" dirty="0" err="1" smtClean="0"/>
+              <a:t>mysql</a:t>
+            </a:r>
+            <a:r>
+              <a:rPr lang="en-US" dirty="0" smtClean="0"/>
+              <a:t>, </a:t>
+            </a:r>
+            <a:r>
+              <a:rPr lang="en-US" dirty="0" err="1" smtClean="0"/>
+              <a:t>sequelize</a:t>
             </a:r>
             <a:endParaRPr lang="en-US" dirty="0"/>
           </a:p>
@@ -9137,12 +9741,12 @@
       </p:sp>
       <p:sp>
         <p:nvSpPr>
-          <p:cNvPr id="3" name="Zástupný symbol pro text 2"/>
+          <p:cNvPr id="3" name="Zástupný symbol pro obsah 2"/>
           <p:cNvSpPr>
             <a:spLocks noGrp="1"/>
           </p:cNvSpPr>
           <p:nvPr>
-            <p:ph type="body" idx="1"/>
+            <p:ph idx="1"/>
           </p:nvPr>
         </p:nvSpPr>
         <p:spPr/>
@@ -9150,20 +9754,95 @@
           <a:bodyPr/>
           <a:lstStyle/>
           <a:p>
-            <a:endParaRPr lang="en-US"/>
+            <a:r>
+              <a:rPr lang="en-US" dirty="0">
+                <a:hlinkClick r:id="rId2"/>
+              </a:rPr>
+              <a:t>http://docs.sequelizejs.com</a:t>
+            </a:r>
+            <a:r>
+              <a:rPr lang="en-US" dirty="0" smtClean="0">
+                <a:hlinkClick r:id="rId2"/>
+              </a:rPr>
+              <a:t>/</a:t>
+            </a:r>
+            <a:r>
+              <a:rPr lang="en-US" dirty="0" smtClean="0"/>
+              <a:t> </a:t>
+            </a:r>
+          </a:p>
+          <a:p>
+            <a:r>
+              <a:rPr lang="en-US" dirty="0" err="1" smtClean="0"/>
+              <a:t>Mapov</a:t>
+            </a:r>
+            <a:r>
+              <a:rPr lang="cs-CZ" dirty="0" err="1" smtClean="0"/>
+              <a:t>ání</a:t>
+            </a:r>
+            <a:r>
+              <a:rPr lang="cs-CZ" dirty="0" smtClean="0"/>
+              <a:t> JSON objektů na relační databázi</a:t>
+            </a:r>
+          </a:p>
+          <a:p>
+            <a:r>
+              <a:rPr lang="cs-CZ" dirty="0" smtClean="0"/>
+              <a:t>Ideální pro úkol ukládání dat v rámci </a:t>
+            </a:r>
+            <a:r>
+              <a:rPr lang="cs-CZ" smtClean="0"/>
+              <a:t>data </a:t>
+            </a:r>
+            <a:r>
+              <a:rPr lang="cs-CZ" smtClean="0"/>
+              <a:t>pumpy </a:t>
+            </a:r>
+            <a:r>
+              <a:rPr lang="cs-CZ" dirty="0" smtClean="0"/>
+              <a:t>nebo prosté vytahování tabulek</a:t>
+            </a:r>
+          </a:p>
+          <a:p>
+            <a:r>
+              <a:rPr lang="cs-CZ" dirty="0" smtClean="0"/>
+              <a:t>Pro složitější dotazy či analýzy dat nevhodné</a:t>
+            </a:r>
+          </a:p>
+          <a:p>
+            <a:endParaRPr lang="en-US" dirty="0"/>
           </a:p>
         </p:txBody>
       </p:sp>
     </p:spTree>
     <p:extLst>
       <p:ext uri="{BB962C8B-B14F-4D97-AF65-F5344CB8AC3E}">
-        <p14:creationId xmlns:p14="http://schemas.microsoft.com/office/powerpoint/2010/main" val="315802078"/>
+        <p14:creationId xmlns:p14="http://schemas.microsoft.com/office/powerpoint/2010/main" val="1361477652"/>
       </p:ext>
     </p:extLst>
   </p:cSld>
   <p:clrMapOvr>
     <a:masterClrMapping/>
   </p:clrMapOvr>
+  <mc:AlternateContent xmlns:mc="http://schemas.openxmlformats.org/markup-compatibility/2006" xmlns:p14="http://schemas.microsoft.com/office/powerpoint/2010/main">
+    <mc:Choice Requires="p14">
+      <p:transition spd="slow" p14:dur="800">
+        <p14:flythrough/>
+      </p:transition>
+    </mc:Choice>
+    <mc:Fallback xmlns="">
+      <p:transition spd="slow">
+        <p:fade/>
+      </p:transition>
+    </mc:Fallback>
+  </mc:AlternateContent>
+  <p:timing>
+    <p:tnLst>
+      <p:par>
+        <p:cTn id="1" dur="indefinite" restart="never" nodeType="tmRoot"/>
+      </p:par>
+    </p:tnLst>
+  </p:timing>
 </p:sld>
 </file>
 
@@ -9200,12 +9879,8 @@
           <a:lstStyle/>
           <a:p>
             <a:r>
-              <a:rPr lang="en-US" dirty="0" err="1" smtClean="0"/>
-              <a:t>Doporu</a:t>
-            </a:r>
-            <a:r>
-              <a:rPr lang="cs-CZ" dirty="0" err="1" smtClean="0"/>
-              <a:t>čení</a:t>
+              <a:rPr lang="en-US" dirty="0" smtClean="0"/>
+              <a:t>Code style</a:t>
             </a:r>
             <a:endParaRPr lang="en-US" dirty="0"/>
           </a:p>
@@ -9213,12 +9888,12 @@
       </p:sp>
       <p:sp>
         <p:nvSpPr>
-          <p:cNvPr id="3" name="Zástupný symbol pro obsah 2"/>
+          <p:cNvPr id="3" name="Zástupný symbol pro text 2"/>
           <p:cNvSpPr>
             <a:spLocks noGrp="1"/>
           </p:cNvSpPr>
           <p:nvPr>
-            <p:ph idx="1"/>
+            <p:ph type="body" idx="1"/>
           </p:nvPr>
         </p:nvSpPr>
         <p:spPr/>
@@ -9226,81 +9901,14 @@
           <a:bodyPr/>
           <a:lstStyle/>
           <a:p>
-            <a:r>
-              <a:rPr lang="cs-CZ" dirty="0" smtClean="0"/>
-              <a:t>MS </a:t>
-            </a:r>
-            <a:r>
-              <a:rPr lang="cs-CZ" dirty="0" err="1" smtClean="0"/>
-              <a:t>Code</a:t>
-            </a:r>
-            <a:r>
-              <a:rPr lang="cs-CZ" dirty="0" smtClean="0"/>
-              <a:t> Studio</a:t>
-            </a:r>
-            <a:r>
-              <a:rPr lang="en-US" dirty="0"/>
-              <a:t> (</a:t>
-            </a:r>
-            <a:r>
-              <a:rPr lang="en-US" dirty="0">
-                <a:hlinkClick r:id="rId2"/>
-              </a:rPr>
-              <a:t>https://code.visualstudio.com</a:t>
-            </a:r>
-            <a:r>
-              <a:rPr lang="en-US" dirty="0" smtClean="0">
-                <a:hlinkClick r:id="rId2"/>
-              </a:rPr>
-              <a:t>/</a:t>
-            </a:r>
-            <a:r>
-              <a:rPr lang="en-US" dirty="0" smtClean="0"/>
-              <a:t>) </a:t>
-            </a:r>
-            <a:endParaRPr lang="cs-CZ" dirty="0" smtClean="0"/>
-          </a:p>
-          <a:p>
-            <a:pPr lvl="1"/>
-            <a:r>
-              <a:rPr lang="cs-CZ" dirty="0" err="1" smtClean="0"/>
-              <a:t>Eslint</a:t>
-            </a:r>
-            <a:endParaRPr lang="cs-CZ" dirty="0" smtClean="0"/>
-          </a:p>
-          <a:p>
-            <a:pPr lvl="1"/>
-            <a:r>
-              <a:rPr lang="cs-CZ" dirty="0" smtClean="0"/>
-              <a:t>JS</a:t>
-            </a:r>
-            <a:r>
-              <a:rPr lang="en-US" dirty="0" smtClean="0"/>
-              <a:t>-CCS-HTML </a:t>
-            </a:r>
-            <a:r>
-              <a:rPr lang="en-US" dirty="0" err="1" smtClean="0"/>
-              <a:t>formater</a:t>
-            </a:r>
-            <a:endParaRPr lang="en-US" dirty="0" smtClean="0"/>
-          </a:p>
-          <a:p>
-            <a:pPr lvl="1"/>
-            <a:r>
-              <a:rPr lang="en-US" dirty="0" smtClean="0"/>
-              <a:t>Node security project</a:t>
-            </a:r>
-          </a:p>
-          <a:p>
-            <a:pPr lvl="1"/>
-            <a:endParaRPr lang="en-US" dirty="0"/>
+            <a:endParaRPr lang="en-US"/>
           </a:p>
         </p:txBody>
       </p:sp>
     </p:spTree>
     <p:extLst>
       <p:ext uri="{BB962C8B-B14F-4D97-AF65-F5344CB8AC3E}">
-        <p14:creationId xmlns:p14="http://schemas.microsoft.com/office/powerpoint/2010/main" val="632164633"/>
+        <p14:creationId xmlns:p14="http://schemas.microsoft.com/office/powerpoint/2010/main" val="315802078"/>
       </p:ext>
     </p:extLst>
   </p:cSld>
@@ -9343,8 +9951,12 @@
           <a:lstStyle/>
           <a:p>
             <a:r>
-              <a:rPr lang="en-US" dirty="0" smtClean="0"/>
-              <a:t>Code cycle</a:t>
+              <a:rPr lang="en-US" dirty="0" err="1" smtClean="0"/>
+              <a:t>Doporu</a:t>
+            </a:r>
+            <a:r>
+              <a:rPr lang="cs-CZ" dirty="0" err="1" smtClean="0"/>
+              <a:t>čení</a:t>
             </a:r>
             <a:endParaRPr lang="en-US" dirty="0"/>
           </a:p>
@@ -9352,12 +9964,12 @@
       </p:sp>
       <p:sp>
         <p:nvSpPr>
-          <p:cNvPr id="3" name="Zástupný symbol pro text 2"/>
+          <p:cNvPr id="3" name="Zástupný symbol pro obsah 2"/>
           <p:cNvSpPr>
             <a:spLocks noGrp="1"/>
           </p:cNvSpPr>
           <p:nvPr>
-            <p:ph type="body" idx="1"/>
+            <p:ph idx="1"/>
           </p:nvPr>
         </p:nvSpPr>
         <p:spPr/>
@@ -9366,38 +9978,167 @@
           <a:lstStyle/>
           <a:p>
             <a:r>
+              <a:rPr lang="cs-CZ" dirty="0" smtClean="0"/>
+              <a:t>MS </a:t>
+            </a:r>
+            <a:r>
+              <a:rPr lang="cs-CZ" dirty="0" err="1" smtClean="0"/>
+              <a:t>Code</a:t>
+            </a:r>
+            <a:r>
+              <a:rPr lang="cs-CZ" dirty="0" smtClean="0"/>
+              <a:t> Studio</a:t>
+            </a:r>
+            <a:r>
+              <a:rPr lang="en-US" dirty="0"/>
+              <a:t> (</a:t>
+            </a:r>
+            <a:r>
+              <a:rPr lang="en-US" dirty="0">
+                <a:hlinkClick r:id="rId2"/>
+              </a:rPr>
+              <a:t>https://code.visualstudio.com</a:t>
+            </a:r>
+            <a:r>
+              <a:rPr lang="en-US" dirty="0" smtClean="0">
+                <a:hlinkClick r:id="rId2"/>
+              </a:rPr>
+              <a:t>/</a:t>
+            </a:r>
+            <a:r>
               <a:rPr lang="en-US" dirty="0" smtClean="0"/>
-              <a:t>From scratch to production</a:t>
-            </a:r>
+              <a:t>) </a:t>
+            </a:r>
+          </a:p>
+          <a:p>
             <a:r>
               <a:rPr lang="en-US" dirty="0"/>
-              <a:t>!</a:t>
-            </a:r>
+              <a:t>// @</a:t>
+            </a:r>
+            <a:r>
+              <a:rPr lang="en-US" dirty="0" err="1" smtClean="0"/>
+              <a:t>ts</a:t>
+            </a:r>
+            <a:r>
+              <a:rPr lang="en-US" dirty="0" smtClean="0"/>
+              <a:t>-check</a:t>
+            </a:r>
+          </a:p>
+          <a:p>
+            <a:r>
+              <a:rPr lang="en-US" dirty="0" err="1" smtClean="0"/>
+              <a:t>Pluginy</a:t>
+            </a:r>
+            <a:r>
+              <a:rPr lang="en-US" dirty="0"/>
+              <a:t>:</a:t>
+            </a:r>
+            <a:endParaRPr lang="cs-CZ" dirty="0" smtClean="0"/>
+          </a:p>
+          <a:p>
+            <a:pPr lvl="1"/>
+            <a:r>
+              <a:rPr lang="cs-CZ" dirty="0" smtClean="0"/>
+              <a:t>E</a:t>
+            </a:r>
+            <a:r>
+              <a:rPr lang="en-US" dirty="0" smtClean="0"/>
+              <a:t>S</a:t>
+            </a:r>
+            <a:r>
+              <a:rPr lang="cs-CZ" dirty="0" err="1" smtClean="0"/>
+              <a:t>lint</a:t>
+            </a:r>
+            <a:r>
+              <a:rPr lang="en-US" dirty="0" smtClean="0"/>
+              <a:t> – </a:t>
+            </a:r>
+            <a:r>
+              <a:rPr lang="en-US" dirty="0" err="1" smtClean="0"/>
+              <a:t>kontrola</a:t>
+            </a:r>
+            <a:r>
+              <a:rPr lang="en-US" dirty="0" smtClean="0"/>
+              <a:t> </a:t>
+            </a:r>
+            <a:r>
+              <a:rPr lang="en-US" dirty="0" err="1" smtClean="0"/>
+              <a:t>chyb</a:t>
+            </a:r>
+            <a:r>
+              <a:rPr lang="en-US" dirty="0" smtClean="0"/>
+              <a:t> v k</a:t>
+            </a:r>
+            <a:r>
+              <a:rPr lang="cs-CZ" dirty="0" smtClean="0"/>
+              <a:t>ódu</a:t>
+            </a:r>
+            <a:r>
+              <a:rPr lang="en-US" dirty="0" smtClean="0"/>
+              <a:t>. </a:t>
+            </a:r>
+            <a:r>
+              <a:rPr lang="en-US" dirty="0" err="1" smtClean="0"/>
+              <a:t>Jakoby</a:t>
+            </a:r>
+            <a:r>
+              <a:rPr lang="en-US" dirty="0" smtClean="0"/>
+              <a:t> “compiler”</a:t>
+            </a:r>
+            <a:endParaRPr lang="cs-CZ" dirty="0" smtClean="0"/>
+          </a:p>
+          <a:p>
+            <a:pPr lvl="1"/>
+            <a:r>
+              <a:rPr lang="cs-CZ" dirty="0" smtClean="0"/>
+              <a:t>JS</a:t>
+            </a:r>
+            <a:r>
+              <a:rPr lang="en-US" dirty="0" smtClean="0"/>
+              <a:t>-CCS-HTML </a:t>
+            </a:r>
+            <a:r>
+              <a:rPr lang="en-US" dirty="0" err="1" smtClean="0"/>
+              <a:t>formater</a:t>
+            </a:r>
+            <a:r>
+              <a:rPr lang="cs-CZ" dirty="0" smtClean="0"/>
+              <a:t> – odsazení, mezery, …</a:t>
+            </a:r>
+            <a:endParaRPr lang="en-US" dirty="0" smtClean="0"/>
+          </a:p>
+          <a:p>
+            <a:pPr lvl="1"/>
+            <a:r>
+              <a:rPr lang="en-US" dirty="0" smtClean="0"/>
+              <a:t>Node security project </a:t>
+            </a:r>
+            <a:r>
+              <a:rPr lang="cs-CZ" dirty="0" smtClean="0"/>
+              <a:t>– kontrola </a:t>
+            </a:r>
+            <a:r>
+              <a:rPr lang="cs-CZ" dirty="0" err="1" smtClean="0"/>
+              <a:t>package.json</a:t>
+            </a:r>
+            <a:r>
+              <a:rPr lang="cs-CZ" dirty="0" smtClean="0"/>
+              <a:t> </a:t>
+            </a:r>
+            <a:endParaRPr lang="en-US" dirty="0" smtClean="0"/>
           </a:p>
         </p:txBody>
       </p:sp>
     </p:spTree>
     <p:extLst>
       <p:ext uri="{BB962C8B-B14F-4D97-AF65-F5344CB8AC3E}">
-        <p14:creationId xmlns:p14="http://schemas.microsoft.com/office/powerpoint/2010/main" val="4104059675"/>
+        <p14:creationId xmlns:p14="http://schemas.microsoft.com/office/powerpoint/2010/main" val="632164633"/>
       </p:ext>
     </p:extLst>
   </p:cSld>
   <p:clrMapOvr>
     <a:masterClrMapping/>
   </p:clrMapOvr>
-  <mc:AlternateContent xmlns:mc="http://schemas.openxmlformats.org/markup-compatibility/2006" xmlns:p14="http://schemas.microsoft.com/office/powerpoint/2010/main">
-    <mc:Choice Requires="p14">
-      <p:transition spd="slow" p14:dur="800">
-        <p14:flythrough/>
-      </p:transition>
-    </mc:Choice>
-    <mc:Fallback xmlns="">
-      <p:transition spd="slow">
-        <p:fade/>
-      </p:transition>
-    </mc:Fallback>
-  </mc:AlternateContent>
   <p:timing>
     <p:tnLst>
       <p:par>
@@ -9442,6 +10183,104 @@
           <a:p>
             <a:r>
               <a:rPr lang="en-US" dirty="0" smtClean="0"/>
+              <a:t>Code cycle</a:t>
+            </a:r>
+            <a:endParaRPr lang="en-US" dirty="0"/>
+          </a:p>
+        </p:txBody>
+      </p:sp>
+      <p:sp>
+        <p:nvSpPr>
+          <p:cNvPr id="3" name="Zástupný symbol pro text 2"/>
+          <p:cNvSpPr>
+            <a:spLocks noGrp="1"/>
+          </p:cNvSpPr>
+          <p:nvPr>
+            <p:ph type="body" idx="1"/>
+          </p:nvPr>
+        </p:nvSpPr>
+        <p:spPr/>
+        <p:txBody>
+          <a:bodyPr/>
+          <a:lstStyle/>
+          <a:p>
+            <a:r>
+              <a:rPr lang="en-US" dirty="0" smtClean="0"/>
+              <a:t>From scratch to production</a:t>
+            </a:r>
+            <a:r>
+              <a:rPr lang="en-US" dirty="0"/>
+              <a:t>!</a:t>
+            </a:r>
+          </a:p>
+        </p:txBody>
+      </p:sp>
+    </p:spTree>
+    <p:extLst>
+      <p:ext uri="{BB962C8B-B14F-4D97-AF65-F5344CB8AC3E}">
+        <p14:creationId xmlns:p14="http://schemas.microsoft.com/office/powerpoint/2010/main" val="4104059675"/>
+      </p:ext>
+    </p:extLst>
+  </p:cSld>
+  <p:clrMapOvr>
+    <a:masterClrMapping/>
+  </p:clrMapOvr>
+  <mc:AlternateContent xmlns:mc="http://schemas.openxmlformats.org/markup-compatibility/2006" xmlns:p14="http://schemas.microsoft.com/office/powerpoint/2010/main">
+    <mc:Choice Requires="p14">
+      <p:transition spd="slow" p14:dur="800">
+        <p14:flythrough/>
+      </p:transition>
+    </mc:Choice>
+    <mc:Fallback xmlns="">
+      <p:transition spd="slow">
+        <p:fade/>
+      </p:transition>
+    </mc:Fallback>
+  </mc:AlternateContent>
+  <p:timing>
+    <p:tnLst>
+      <p:par>
+        <p:cTn id="1" dur="indefinite" restart="never" nodeType="tmRoot"/>
+      </p:par>
+    </p:tnLst>
+  </p:timing>
+</p:sld>
+</file>
+
+<file path=ppt/slides/slide28.xml><?xml version="1.0" encoding="utf-8"?>
+<p:sld xmlns:a="http://schemas.openxmlformats.org/drawingml/2006/main" xmlns:r="http://schemas.openxmlformats.org/officeDocument/2006/relationships" xmlns:p="http://schemas.openxmlformats.org/presentationml/2006/main">
+  <p:cSld>
+    <p:spTree>
+      <p:nvGrpSpPr>
+        <p:cNvPr id="1" name=""/>
+        <p:cNvGrpSpPr/>
+        <p:nvPr/>
+      </p:nvGrpSpPr>
+      <p:grpSpPr>
+        <a:xfrm>
+          <a:off x="0" y="0"/>
+          <a:ext cx="0" cy="0"/>
+          <a:chOff x="0" y="0"/>
+          <a:chExt cx="0" cy="0"/>
+        </a:xfrm>
+      </p:grpSpPr>
+      <p:sp>
+        <p:nvSpPr>
+          <p:cNvPr id="2" name="Nadpis 1"/>
+          <p:cNvSpPr>
+            <a:spLocks noGrp="1"/>
+          </p:cNvSpPr>
+          <p:nvPr>
+            <p:ph type="title"/>
+          </p:nvPr>
+        </p:nvSpPr>
+        <p:spPr/>
+        <p:txBody>
+          <a:bodyPr/>
+          <a:lstStyle/>
+          <a:p>
+            <a:r>
+              <a:rPr lang="en-US" dirty="0" smtClean="0"/>
               <a:t>Folder &amp; </a:t>
             </a:r>
             <a:r>
@@ -9572,7 +10411,7 @@
 </p:sld>
 </file>
 
-<file path=ppt/slides/slide28.xml><?xml version="1.0" encoding="utf-8"?>
+<file path=ppt/slides/slide29.xml><?xml version="1.0" encoding="utf-8"?>
 <p:sld xmlns:a="http://schemas.openxmlformats.org/drawingml/2006/main" xmlns:r="http://schemas.openxmlformats.org/officeDocument/2006/relationships" xmlns:p="http://schemas.openxmlformats.org/presentationml/2006/main">
   <p:cSld>
     <p:spTree>
@@ -10432,248 +11271,6 @@
       <p:bldP spid="7" grpId="0" animBg="1"/>
       <p:bldP spid="8" grpId="0" animBg="1"/>
     </p:bldLst>
-  </p:timing>
-</p:sld>
-</file>
-
-<file path=ppt/slides/slide29.xml><?xml version="1.0" encoding="utf-8"?>
-<p:sld xmlns:a="http://schemas.openxmlformats.org/drawingml/2006/main" xmlns:r="http://schemas.openxmlformats.org/officeDocument/2006/relationships" xmlns:p="http://schemas.openxmlformats.org/presentationml/2006/main">
-  <p:cSld>
-    <p:spTree>
-      <p:nvGrpSpPr>
-        <p:cNvPr id="1" name=""/>
-        <p:cNvGrpSpPr/>
-        <p:nvPr/>
-      </p:nvGrpSpPr>
-      <p:grpSpPr>
-        <a:xfrm>
-          <a:off x="0" y="0"/>
-          <a:ext cx="0" cy="0"/>
-          <a:chOff x="0" y="0"/>
-          <a:chExt cx="0" cy="0"/>
-        </a:xfrm>
-      </p:grpSpPr>
-      <p:sp>
-        <p:nvSpPr>
-          <p:cNvPr id="2" name="Nadpis 1"/>
-          <p:cNvSpPr>
-            <a:spLocks noGrp="1"/>
-          </p:cNvSpPr>
-          <p:nvPr>
-            <p:ph type="title"/>
-          </p:nvPr>
-        </p:nvSpPr>
-        <p:spPr/>
-        <p:txBody>
-          <a:bodyPr/>
-          <a:lstStyle/>
-          <a:p>
-            <a:r>
-              <a:rPr lang="en-US" dirty="0" smtClean="0"/>
-              <a:t>pm2</a:t>
-            </a:r>
-            <a:endParaRPr lang="en-US" dirty="0"/>
-          </a:p>
-        </p:txBody>
-      </p:sp>
-      <p:sp>
-        <p:nvSpPr>
-          <p:cNvPr id="3" name="Zástupný symbol pro obsah 2"/>
-          <p:cNvSpPr>
-            <a:spLocks noGrp="1"/>
-          </p:cNvSpPr>
-          <p:nvPr>
-            <p:ph idx="1"/>
-          </p:nvPr>
-        </p:nvSpPr>
-        <p:spPr>
-          <a:xfrm>
-            <a:off x="457200" y="1412776"/>
-            <a:ext cx="8229600" cy="4713387"/>
-          </a:xfrm>
-        </p:spPr>
-        <p:txBody>
-          <a:bodyPr>
-            <a:normAutofit lnSpcReduction="10000"/>
-          </a:bodyPr>
-          <a:lstStyle/>
-          <a:p>
-            <a:r>
-              <a:rPr lang="en-US" dirty="0">
-                <a:hlinkClick r:id="rId2"/>
-              </a:rPr>
-              <a:t>http://pm2.keymetrics.io</a:t>
-            </a:r>
-            <a:r>
-              <a:rPr lang="en-US" dirty="0" smtClean="0">
-                <a:hlinkClick r:id="rId2"/>
-              </a:rPr>
-              <a:t>/</a:t>
-            </a:r>
-            <a:endParaRPr lang="en-US" dirty="0" smtClean="0"/>
-          </a:p>
-          <a:p>
-            <a:r>
-              <a:rPr lang="en-US" dirty="0" smtClean="0"/>
-              <a:t>Co to um</a:t>
-            </a:r>
-            <a:r>
-              <a:rPr lang="cs-CZ" dirty="0" smtClean="0"/>
-              <a:t>í:</a:t>
-            </a:r>
-          </a:p>
-          <a:p>
-            <a:pPr lvl="1"/>
-            <a:r>
-              <a:rPr lang="cs-CZ" dirty="0" smtClean="0"/>
-              <a:t>Spravovat a monitorovat běžící procesy</a:t>
-            </a:r>
-          </a:p>
-          <a:p>
-            <a:pPr lvl="1"/>
-            <a:r>
-              <a:rPr lang="cs-CZ" dirty="0" smtClean="0"/>
-              <a:t>Dát je do </a:t>
-            </a:r>
-            <a:r>
-              <a:rPr lang="cs-CZ" dirty="0" err="1" smtClean="0"/>
-              <a:t>autorestartu</a:t>
-            </a:r>
-            <a:r>
-              <a:rPr lang="cs-CZ" dirty="0" smtClean="0"/>
-              <a:t> serveru</a:t>
-            </a:r>
-          </a:p>
-          <a:p>
-            <a:pPr lvl="1"/>
-            <a:r>
-              <a:rPr lang="cs-CZ" dirty="0" smtClean="0"/>
-              <a:t>Logovat atd.</a:t>
-            </a:r>
-          </a:p>
-          <a:p>
-            <a:r>
-              <a:rPr lang="cs-CZ" dirty="0" smtClean="0"/>
-              <a:t>Co to asi umí a my nepožíváme</a:t>
-            </a:r>
-          </a:p>
-          <a:p>
-            <a:pPr lvl="1"/>
-            <a:r>
-              <a:rPr lang="cs-CZ" dirty="0" err="1" smtClean="0"/>
-              <a:t>Škálování</a:t>
-            </a:r>
-            <a:r>
-              <a:rPr lang="cs-CZ" dirty="0" smtClean="0"/>
-              <a:t>, </a:t>
-            </a:r>
-            <a:r>
-              <a:rPr lang="cs-CZ" dirty="0" err="1" smtClean="0"/>
-              <a:t>fail</a:t>
-            </a:r>
-            <a:r>
-              <a:rPr lang="cs-CZ" dirty="0" smtClean="0"/>
-              <a:t> </a:t>
-            </a:r>
-            <a:r>
-              <a:rPr lang="cs-CZ" dirty="0" err="1" smtClean="0"/>
-              <a:t>over</a:t>
-            </a:r>
-            <a:endParaRPr lang="cs-CZ" dirty="0" smtClean="0"/>
-          </a:p>
-          <a:p>
-            <a:pPr lvl="1"/>
-            <a:r>
-              <a:rPr lang="cs-CZ" dirty="0" err="1" smtClean="0"/>
-              <a:t>Docker</a:t>
-            </a:r>
-            <a:r>
-              <a:rPr lang="cs-CZ" dirty="0" smtClean="0"/>
-              <a:t> </a:t>
-            </a:r>
-            <a:r>
-              <a:rPr lang="cs-CZ" dirty="0" err="1" smtClean="0"/>
-              <a:t>compatibility</a:t>
-            </a:r>
-            <a:endParaRPr lang="en-US" dirty="0" smtClean="0"/>
-          </a:p>
-          <a:p>
-            <a:r>
-              <a:rPr lang="en-US" dirty="0" err="1" smtClean="0"/>
-              <a:t>Pozor</a:t>
-            </a:r>
-            <a:r>
-              <a:rPr lang="en-US" dirty="0" smtClean="0"/>
-              <a:t>: v</a:t>
-            </a:r>
-            <a:r>
-              <a:rPr lang="cs-CZ" dirty="0" err="1" smtClean="0"/>
-              <a:t>ždy</a:t>
-            </a:r>
-            <a:r>
-              <a:rPr lang="cs-CZ" dirty="0" smtClean="0"/>
-              <a:t> používat </a:t>
-            </a:r>
-            <a:r>
-              <a:rPr lang="en-US" dirty="0" smtClean="0">
-                <a:latin typeface="Courier New" panose="02070309020205020404" pitchFamily="49" charset="0"/>
-                <a:cs typeface="Courier New" panose="02070309020205020404" pitchFamily="49" charset="0"/>
-              </a:rPr>
-              <a:t>__</a:t>
-            </a:r>
-            <a:r>
-              <a:rPr lang="en-US" dirty="0" err="1" smtClean="0">
-                <a:latin typeface="Courier New" panose="02070309020205020404" pitchFamily="49" charset="0"/>
-                <a:cs typeface="Courier New" panose="02070309020205020404" pitchFamily="49" charset="0"/>
-              </a:rPr>
-              <a:t>dirname</a:t>
-            </a:r>
-            <a:r>
-              <a:rPr lang="en-US" dirty="0" smtClean="0">
-                <a:latin typeface="Courier New" panose="02070309020205020404" pitchFamily="49" charset="0"/>
-                <a:cs typeface="Courier New" panose="02070309020205020404" pitchFamily="49" charset="0"/>
-              </a:rPr>
-              <a:t> </a:t>
-            </a:r>
-            <a:endParaRPr lang="cs-CZ" dirty="0" smtClean="0">
-              <a:latin typeface="Courier New" panose="02070309020205020404" pitchFamily="49" charset="0"/>
-              <a:cs typeface="Courier New" panose="02070309020205020404" pitchFamily="49" charset="0"/>
-            </a:endParaRPr>
-          </a:p>
-          <a:p>
-            <a:pPr lvl="1"/>
-            <a:endParaRPr lang="en-US" dirty="0"/>
-          </a:p>
-        </p:txBody>
-      </p:sp>
-    </p:spTree>
-    <p:extLst>
-      <p:ext uri="{BB962C8B-B14F-4D97-AF65-F5344CB8AC3E}">
-        <p14:creationId xmlns:p14="http://schemas.microsoft.com/office/powerpoint/2010/main" val="3701924006"/>
-      </p:ext>
-    </p:extLst>
-  </p:cSld>
-  <p:clrMapOvr>
-    <a:masterClrMapping/>
-  </p:clrMapOvr>
-  <mc:AlternateContent xmlns:mc="http://schemas.openxmlformats.org/markup-compatibility/2006" xmlns:p14="http://schemas.microsoft.com/office/powerpoint/2010/main">
-    <mc:Choice Requires="p14">
-      <p:transition spd="slow" p14:dur="800">
-        <p14:flythrough/>
-      </p:transition>
-    </mc:Choice>
-    <mc:Fallback xmlns="">
-      <p:transition spd="slow">
-        <p:fade/>
-      </p:transition>
-    </mc:Fallback>
-  </mc:AlternateContent>
-  <p:timing>
-    <p:tnLst>
-      <p:par>
-        <p:cTn id="1" dur="indefinite" restart="never" nodeType="tmRoot"/>
-      </p:par>
-    </p:tnLst>
   </p:timing>
 </p:sld>
 </file>
@@ -11206,14 +11803,19 @@
             <p:ph type="title"/>
           </p:nvPr>
         </p:nvSpPr>
-        <p:spPr/>
+        <p:spPr>
+          <a:xfrm>
+            <a:off x="467544" y="0"/>
+            <a:ext cx="8229600" cy="1143000"/>
+          </a:xfrm>
+        </p:spPr>
         <p:txBody>
           <a:bodyPr/>
           <a:lstStyle/>
           <a:p>
             <a:r>
               <a:rPr lang="en-US" dirty="0" smtClean="0"/>
-              <a:t>Best practices</a:t>
+              <a:t>pm2</a:t>
             </a:r>
             <a:endParaRPr lang="en-US" dirty="0"/>
           </a:p>
@@ -11229,33 +11831,190 @@
             <p:ph idx="1"/>
           </p:nvPr>
         </p:nvSpPr>
-        <p:spPr/>
+        <p:spPr>
+          <a:xfrm>
+            <a:off x="457200" y="1124744"/>
+            <a:ext cx="8229600" cy="5001419"/>
+          </a:xfrm>
+        </p:spPr>
         <p:txBody>
           <a:bodyPr>
-            <a:normAutofit lnSpcReduction="10000"/>
+            <a:normAutofit fontScale="92500" lnSpcReduction="20000"/>
           </a:bodyPr>
           <a:lstStyle/>
           <a:p>
             <a:r>
-              <a:rPr lang="cs-CZ" dirty="0">
+              <a:rPr lang="en-US" dirty="0">
+                <a:hlinkClick r:id="rId2"/>
+              </a:rPr>
+              <a:t>http://pm2.keymetrics.io</a:t>
+            </a:r>
+            <a:r>
+              <a:rPr lang="en-US" dirty="0" smtClean="0">
+                <a:hlinkClick r:id="rId2"/>
+              </a:rPr>
+              <a:t>/</a:t>
+            </a:r>
+            <a:endParaRPr lang="en-US" dirty="0" smtClean="0"/>
+          </a:p>
+          <a:p>
+            <a:r>
+              <a:rPr lang="en-US" dirty="0" smtClean="0"/>
+              <a:t>Co to um</a:t>
+            </a:r>
+            <a:r>
+              <a:rPr lang="cs-CZ" dirty="0" smtClean="0"/>
+              <a:t>í:</a:t>
+            </a:r>
+          </a:p>
+          <a:p>
+            <a:pPr lvl="1"/>
+            <a:r>
+              <a:rPr lang="cs-CZ" dirty="0" smtClean="0"/>
+              <a:t>Spravovat a monitorovat běžící procesy</a:t>
+            </a:r>
+          </a:p>
+          <a:p>
+            <a:pPr lvl="1"/>
+            <a:r>
+              <a:rPr lang="cs-CZ" dirty="0" smtClean="0"/>
+              <a:t>Dát je do </a:t>
+            </a:r>
+            <a:r>
+              <a:rPr lang="cs-CZ" dirty="0" err="1" smtClean="0"/>
+              <a:t>autorestartu</a:t>
+            </a:r>
+            <a:r>
+              <a:rPr lang="cs-CZ" dirty="0" smtClean="0"/>
+              <a:t> serveru</a:t>
+            </a:r>
+          </a:p>
+          <a:p>
+            <a:pPr lvl="1"/>
+            <a:r>
+              <a:rPr lang="cs-CZ" dirty="0" smtClean="0"/>
+              <a:t>Logovat </a:t>
+            </a:r>
+            <a:r>
+              <a:rPr lang="en-US" dirty="0" smtClean="0"/>
+              <a:t>a </a:t>
+            </a:r>
+            <a:r>
+              <a:rPr lang="en-US" dirty="0" err="1" smtClean="0"/>
+              <a:t>monitorovat</a:t>
+            </a:r>
+            <a:endParaRPr lang="en-US" dirty="0" smtClean="0"/>
+          </a:p>
+          <a:p>
+            <a:pPr lvl="1"/>
+            <a:r>
+              <a:rPr lang="en-US" dirty="0" smtClean="0"/>
+              <a:t>Deployment</a:t>
+            </a:r>
+            <a:endParaRPr lang="cs-CZ" dirty="0" smtClean="0"/>
+          </a:p>
+          <a:p>
+            <a:r>
+              <a:rPr lang="cs-CZ" dirty="0" smtClean="0"/>
+              <a:t>Co to asi umí a my </a:t>
+            </a:r>
+            <a:r>
+              <a:rPr lang="en-US" dirty="0" err="1" smtClean="0"/>
+              <a:t>zat</a:t>
+            </a:r>
+            <a:r>
+              <a:rPr lang="cs-CZ" dirty="0" err="1" smtClean="0"/>
+              <a:t>ím</a:t>
+            </a:r>
+            <a:r>
+              <a:rPr lang="cs-CZ" dirty="0" smtClean="0"/>
+              <a:t> nepožíváme</a:t>
+            </a:r>
+            <a:endParaRPr lang="cs-CZ" dirty="0" smtClean="0"/>
+          </a:p>
+          <a:p>
+            <a:pPr lvl="1"/>
+            <a:r>
+              <a:rPr lang="en-US" dirty="0" smtClean="0"/>
+              <a:t>Metrics</a:t>
+            </a:r>
+            <a:endParaRPr lang="en-US" dirty="0" smtClean="0"/>
+          </a:p>
+          <a:p>
+            <a:pPr lvl="1"/>
+            <a:r>
+              <a:rPr lang="cs-CZ" dirty="0" err="1" smtClean="0"/>
+              <a:t>Škálování</a:t>
+            </a:r>
+            <a:r>
+              <a:rPr lang="cs-CZ" dirty="0" smtClean="0"/>
+              <a:t>, </a:t>
+            </a:r>
+            <a:r>
+              <a:rPr lang="cs-CZ" dirty="0" err="1" smtClean="0"/>
+              <a:t>fail</a:t>
+            </a:r>
+            <a:r>
+              <a:rPr lang="cs-CZ" dirty="0" smtClean="0"/>
+              <a:t> </a:t>
+            </a:r>
+            <a:r>
+              <a:rPr lang="cs-CZ" dirty="0" err="1" smtClean="0"/>
+              <a:t>over</a:t>
+            </a:r>
+            <a:endParaRPr lang="cs-CZ" dirty="0" smtClean="0"/>
+          </a:p>
+          <a:p>
+            <a:pPr lvl="1"/>
+            <a:r>
+              <a:rPr lang="cs-CZ" dirty="0" err="1" smtClean="0"/>
+              <a:t>Docker</a:t>
+            </a:r>
+            <a:endParaRPr lang="cs-CZ" dirty="0" smtClean="0"/>
+          </a:p>
+          <a:p>
+            <a:pPr marL="457200" lvl="1" indent="0">
+              <a:buNone/>
+            </a:pPr>
+            <a:endParaRPr lang="en-US" dirty="0" smtClean="0"/>
+          </a:p>
+          <a:p>
+            <a:r>
+              <a:rPr lang="en-US" dirty="0" err="1" smtClean="0"/>
+              <a:t>Pozor</a:t>
+            </a:r>
+            <a:r>
+              <a:rPr lang="en-US" dirty="0" smtClean="0"/>
+              <a:t>: v</a:t>
+            </a:r>
+            <a:r>
+              <a:rPr lang="cs-CZ" dirty="0" err="1" smtClean="0"/>
+              <a:t>ždy</a:t>
+            </a:r>
+            <a:r>
+              <a:rPr lang="cs-CZ" dirty="0" smtClean="0"/>
+              <a:t> používat </a:t>
+            </a:r>
+            <a:r>
+              <a:rPr lang="en-US" dirty="0" smtClean="0">
                 <a:latin typeface="Courier New" panose="02070309020205020404" pitchFamily="49" charset="0"/>
                 <a:cs typeface="Courier New" panose="02070309020205020404" pitchFamily="49" charset="0"/>
               </a:rPr>
-              <a:t>u</a:t>
-            </a:r>
-            <a:r>
-              <a:rPr lang="cs-CZ" dirty="0" smtClean="0">
+              <a:t>__</a:t>
+            </a:r>
+            <a:r>
+              <a:rPr lang="en-US" dirty="0" err="1" smtClean="0">
                 <a:latin typeface="Courier New" panose="02070309020205020404" pitchFamily="49" charset="0"/>
                 <a:cs typeface="Courier New" panose="02070309020205020404" pitchFamily="49" charset="0"/>
               </a:rPr>
-              <a:t>se </a:t>
-            </a:r>
-            <a:r>
-              <a:rPr lang="cs-CZ" dirty="0" err="1" smtClean="0">
+              <a:t>dirname</a:t>
+            </a:r>
+            <a:r>
+              <a:rPr lang="en-US" dirty="0" smtClean="0">
                 <a:latin typeface="Courier New" panose="02070309020205020404" pitchFamily="49" charset="0"/>
                 <a:cs typeface="Courier New" panose="02070309020205020404" pitchFamily="49" charset="0"/>
               </a:rPr>
-              <a:t>strict</a:t>
+              <a:t> </a:t>
             </a:r>
             <a:endParaRPr lang="cs-CZ" dirty="0" smtClean="0">
               <a:latin typeface="Courier New" panose="02070309020205020404" pitchFamily="49" charset="0"/>
@@ -11263,187 +12022,7 @@
             </a:endParaRPr>
           </a:p>
           <a:p>
-            <a:r>
-              <a:rPr lang="cs-CZ" dirty="0" smtClean="0">
-                <a:cs typeface="Courier New" panose="02070309020205020404" pitchFamily="49" charset="0"/>
-              </a:rPr>
-              <a:t>Don</a:t>
-            </a:r>
-            <a:r>
-              <a:rPr lang="en-US" dirty="0" smtClean="0">
-                <a:cs typeface="Courier New" panose="02070309020205020404" pitchFamily="49" charset="0"/>
-              </a:rPr>
-              <a:t>’t </a:t>
-            </a:r>
-            <a:r>
-              <a:rPr lang="en-US" b="1" dirty="0" err="1" smtClean="0">
-                <a:latin typeface="Courier New" panose="02070309020205020404" pitchFamily="49" charset="0"/>
-                <a:cs typeface="Courier New" panose="02070309020205020404" pitchFamily="49" charset="0"/>
-              </a:rPr>
-              <a:t>npm</a:t>
-            </a:r>
-            <a:r>
-              <a:rPr lang="en-US" b="1" dirty="0" smtClean="0">
-                <a:latin typeface="Courier New" panose="02070309020205020404" pitchFamily="49" charset="0"/>
-                <a:cs typeface="Courier New" panose="02070309020205020404" pitchFamily="49" charset="0"/>
-              </a:rPr>
-              <a:t> install </a:t>
-            </a:r>
-            <a:r>
-              <a:rPr lang="en-US" dirty="0" smtClean="0">
-                <a:cs typeface="Courier New" panose="02070309020205020404" pitchFamily="49" charset="0"/>
-              </a:rPr>
-              <a:t>random packages</a:t>
-            </a:r>
-            <a:endParaRPr lang="cs-CZ" dirty="0" smtClean="0">
-              <a:cs typeface="Courier New" panose="02070309020205020404" pitchFamily="49" charset="0"/>
-            </a:endParaRPr>
-          </a:p>
-          <a:p>
-            <a:r>
-              <a:rPr lang="en-US" dirty="0" smtClean="0"/>
-              <a:t>Use </a:t>
-            </a:r>
-            <a:r>
-              <a:rPr lang="en-US" b="1" dirty="0" smtClean="0">
-                <a:latin typeface="Courier New" panose="02070309020205020404" pitchFamily="49" charset="0"/>
-                <a:cs typeface="Courier New" panose="02070309020205020404" pitchFamily="49" charset="0"/>
-              </a:rPr>
-              <a:t>debug</a:t>
-            </a:r>
-            <a:r>
-              <a:rPr lang="en-US" b="1" dirty="0" smtClean="0"/>
-              <a:t> </a:t>
-            </a:r>
-            <a:r>
-              <a:rPr lang="en-US" dirty="0" smtClean="0"/>
-              <a:t>package</a:t>
-            </a:r>
-            <a:r>
-              <a:rPr lang="cs-CZ" dirty="0" smtClean="0"/>
-              <a:t> </a:t>
-            </a:r>
-            <a:r>
-              <a:rPr lang="cs-CZ" dirty="0" err="1" smtClean="0"/>
-              <a:t>for</a:t>
-            </a:r>
-            <a:r>
-              <a:rPr lang="cs-CZ" dirty="0" smtClean="0"/>
-              <a:t> </a:t>
-            </a:r>
-            <a:r>
-              <a:rPr lang="en-US" dirty="0" smtClean="0"/>
-              <a:t>debug </a:t>
-            </a:r>
-            <a:r>
-              <a:rPr lang="en-US" dirty="0" err="1" smtClean="0"/>
-              <a:t>loggs</a:t>
-            </a:r>
-            <a:endParaRPr lang="en-US" dirty="0" smtClean="0"/>
-          </a:p>
-          <a:p>
-            <a:r>
-              <a:rPr lang="cs-CZ" dirty="0" smtClean="0"/>
-              <a:t>Use u</a:t>
-            </a:r>
-            <a:r>
-              <a:rPr lang="en-US" dirty="0" smtClean="0"/>
-              <a:t>se </a:t>
-            </a:r>
-            <a:r>
-              <a:rPr lang="en-US" b="1" dirty="0" err="1" smtClean="0">
-                <a:latin typeface="Courier New" panose="02070309020205020404" pitchFamily="49" charset="0"/>
-                <a:cs typeface="Courier New" panose="02070309020205020404" pitchFamily="49" charset="0"/>
-              </a:rPr>
-              <a:t>winston</a:t>
-            </a:r>
-            <a:r>
-              <a:rPr lang="en-US" dirty="0" smtClean="0"/>
-              <a:t> for logs</a:t>
-            </a:r>
-          </a:p>
-          <a:p>
-            <a:r>
-              <a:rPr lang="en-US" dirty="0" smtClean="0"/>
-              <a:t>Use promise-based package or </a:t>
-            </a:r>
-            <a:r>
-              <a:rPr lang="en-US" b="1" dirty="0" smtClean="0">
-                <a:latin typeface="Courier New" panose="02070309020205020404" pitchFamily="49" charset="0"/>
-                <a:cs typeface="Courier New" panose="02070309020205020404" pitchFamily="49" charset="0"/>
-              </a:rPr>
-              <a:t>bluebird</a:t>
-            </a:r>
-          </a:p>
-          <a:p>
-            <a:r>
-              <a:rPr lang="en-US" dirty="0"/>
-              <a:t>A</a:t>
-            </a:r>
-            <a:r>
-              <a:rPr lang="en-US" dirty="0" smtClean="0"/>
-              <a:t>ll tokens</a:t>
-            </a:r>
-            <a:r>
-              <a:rPr lang="cs-CZ" dirty="0" smtClean="0"/>
-              <a:t>/</a:t>
-            </a:r>
-            <a:r>
-              <a:rPr lang="cs-CZ" dirty="0" err="1" smtClean="0"/>
-              <a:t>password</a:t>
-            </a:r>
-            <a:r>
-              <a:rPr lang="cs-CZ" dirty="0" smtClean="0"/>
-              <a:t> in </a:t>
-            </a:r>
-            <a:r>
-              <a:rPr lang="cs-CZ" dirty="0" smtClean="0">
-                <a:latin typeface="Courier New" panose="02070309020205020404" pitchFamily="49" charset="0"/>
-                <a:cs typeface="Courier New" panose="02070309020205020404" pitchFamily="49" charset="0"/>
-              </a:rPr>
-              <a:t>config.js</a:t>
-            </a:r>
-            <a:r>
-              <a:rPr lang="cs-CZ" dirty="0" smtClean="0"/>
-              <a:t> </a:t>
-            </a:r>
-            <a:r>
-              <a:rPr lang="cs-CZ" b="1" dirty="0" smtClean="0"/>
-              <a:t>NOT IN GIT</a:t>
-            </a:r>
-          </a:p>
-          <a:p>
-            <a:r>
-              <a:rPr lang="cs-CZ" dirty="0" smtClean="0"/>
-              <a:t>Use </a:t>
-            </a:r>
-            <a:r>
-              <a:rPr lang="cs-CZ" b="1" dirty="0" smtClean="0">
-                <a:latin typeface="Courier New" panose="02070309020205020404" pitchFamily="49" charset="0"/>
-                <a:cs typeface="Courier New" panose="02070309020205020404" pitchFamily="49" charset="0"/>
-              </a:rPr>
-              <a:t>pm2</a:t>
-            </a:r>
-            <a:r>
-              <a:rPr lang="cs-CZ" dirty="0" smtClean="0"/>
-              <a:t> </a:t>
-            </a:r>
-            <a:r>
-              <a:rPr lang="cs-CZ" dirty="0" err="1" smtClean="0"/>
-              <a:t>for</a:t>
-            </a:r>
-            <a:r>
-              <a:rPr lang="cs-CZ" dirty="0" smtClean="0"/>
-              <a:t> </a:t>
-            </a:r>
-            <a:r>
-              <a:rPr lang="cs-CZ" dirty="0" err="1" smtClean="0"/>
-              <a:t>production</a:t>
-            </a:r>
-            <a:r>
-              <a:rPr lang="cs-CZ" dirty="0" smtClean="0"/>
-              <a:t> management</a:t>
-            </a:r>
+            <a:pPr lvl="1"/>
             <a:endParaRPr lang="en-US" dirty="0"/>
           </a:p>
         </p:txBody>
@@ -11451,7 +12030,7 @@
     </p:spTree>
     <p:extLst>
       <p:ext uri="{BB962C8B-B14F-4D97-AF65-F5344CB8AC3E}">
-        <p14:creationId xmlns:p14="http://schemas.microsoft.com/office/powerpoint/2010/main" val="1014899769"/>
+        <p14:creationId xmlns:p14="http://schemas.microsoft.com/office/powerpoint/2010/main" val="3701924006"/>
       </p:ext>
     </p:extLst>
   </p:cSld>
@@ -11513,41 +12092,21 @@
           <a:lstStyle/>
           <a:p>
             <a:r>
-              <a:rPr lang="en-US" dirty="0" err="1" smtClean="0"/>
-              <a:t>Tak</a:t>
-            </a:r>
-            <a:r>
               <a:rPr lang="en-US" dirty="0" smtClean="0"/>
-              <a:t> </a:t>
-            </a:r>
-            <a:r>
-              <a:rPr lang="en-US" dirty="0" err="1" smtClean="0"/>
-              <a:t>te</a:t>
-            </a:r>
-            <a:r>
-              <a:rPr lang="cs-CZ" dirty="0" smtClean="0"/>
-              <a:t>ď už opravdu </a:t>
-            </a:r>
-            <a:r>
-              <a:rPr lang="cs-CZ" dirty="0" err="1" smtClean="0"/>
-              <a:t>poJďme</a:t>
-            </a:r>
-            <a:r>
-              <a:rPr lang="cs-CZ" dirty="0" smtClean="0"/>
-              <a:t> na to</a:t>
-            </a:r>
-            <a:endParaRPr lang="cs-CZ" dirty="0"/>
+              <a:t>pm2</a:t>
+            </a:r>
+            <a:endParaRPr lang="en-US" dirty="0"/>
           </a:p>
         </p:txBody>
       </p:sp>
       <p:sp>
         <p:nvSpPr>
-          <p:cNvPr id="3" name="Zástupný symbol pro text 2"/>
+          <p:cNvPr id="3" name="Zástupný symbol pro obsah 2"/>
           <p:cNvSpPr>
             <a:spLocks noGrp="1"/>
           </p:cNvSpPr>
           <p:nvPr>
-            <p:ph type="body" idx="1"/>
+            <p:ph idx="1"/>
           </p:nvPr>
         </p:nvSpPr>
         <p:spPr/>
@@ -11555,7 +12114,1632 @@
           <a:bodyPr/>
           <a:lstStyle/>
           <a:p>
-            <a:endParaRPr lang="cs-CZ"/>
+            <a:r>
+              <a:rPr lang="en-US" dirty="0" err="1" smtClean="0"/>
+              <a:t>npm</a:t>
+            </a:r>
+            <a:r>
+              <a:rPr lang="en-US" dirty="0" smtClean="0"/>
+              <a:t> install pm2 –g</a:t>
+            </a:r>
+          </a:p>
+          <a:p>
+            <a:r>
+              <a:rPr lang="en-US" dirty="0"/>
+              <a:t>p</a:t>
+            </a:r>
+            <a:r>
+              <a:rPr lang="en-US" dirty="0" smtClean="0"/>
+              <a:t>m2 start app.js –name “</a:t>
+            </a:r>
+            <a:r>
+              <a:rPr lang="en-US" dirty="0" err="1" smtClean="0"/>
+              <a:t>Aplikace</a:t>
+            </a:r>
+            <a:r>
+              <a:rPr lang="en-US" dirty="0" smtClean="0"/>
+              <a:t>”</a:t>
+            </a:r>
+          </a:p>
+          <a:p>
+            <a:r>
+              <a:rPr lang="en-US" dirty="0"/>
+              <a:t>p</a:t>
+            </a:r>
+            <a:r>
+              <a:rPr lang="en-US" dirty="0" smtClean="0"/>
+              <a:t>m2 start ecosystem.cong.js</a:t>
+            </a:r>
+          </a:p>
+          <a:p>
+            <a:r>
+              <a:rPr lang="en-US" dirty="0"/>
+              <a:t>p</a:t>
+            </a:r>
+            <a:r>
+              <a:rPr lang="en-US" dirty="0" smtClean="0"/>
+              <a:t>m2 list</a:t>
+            </a:r>
+          </a:p>
+          <a:p>
+            <a:r>
+              <a:rPr lang="en-US" dirty="0"/>
+              <a:t>p</a:t>
+            </a:r>
+            <a:r>
+              <a:rPr lang="en-US" dirty="0" smtClean="0"/>
+              <a:t>m2 </a:t>
+            </a:r>
+            <a:r>
+              <a:rPr lang="en-US" dirty="0" err="1" smtClean="0"/>
+              <a:t>monit</a:t>
+            </a:r>
+            <a:endParaRPr lang="en-US" dirty="0" smtClean="0"/>
+          </a:p>
+          <a:p>
+            <a:r>
+              <a:rPr lang="en-US" dirty="0"/>
+              <a:t>p</a:t>
+            </a:r>
+            <a:r>
+              <a:rPr lang="en-US" dirty="0" smtClean="0"/>
+              <a:t>m2 startup</a:t>
+            </a:r>
+          </a:p>
+          <a:p>
+            <a:r>
+              <a:rPr lang="en-US" dirty="0" smtClean="0"/>
+              <a:t>Pm2 delete</a:t>
+            </a:r>
+            <a:r>
+              <a:rPr lang="cs-CZ" dirty="0" smtClean="0"/>
+              <a:t> </a:t>
+            </a:r>
+            <a:endParaRPr lang="en-US" dirty="0"/>
+          </a:p>
+        </p:txBody>
+      </p:sp>
+    </p:spTree>
+    <p:extLst>
+      <p:ext uri="{BB962C8B-B14F-4D97-AF65-F5344CB8AC3E}">
+        <p14:creationId xmlns:p14="http://schemas.microsoft.com/office/powerpoint/2010/main" val="2504729315"/>
+      </p:ext>
+    </p:extLst>
+  </p:cSld>
+  <p:clrMapOvr>
+    <a:masterClrMapping/>
+  </p:clrMapOvr>
+  <p:timing>
+    <p:tnLst>
+      <p:par>
+        <p:cTn id="1" dur="indefinite" restart="never" nodeType="tmRoot"/>
+      </p:par>
+    </p:tnLst>
+  </p:timing>
+</p:sld>
+</file>
+
+<file path=ppt/slides/slide32.xml><?xml version="1.0" encoding="utf-8"?>
+<p:sld xmlns:a="http://schemas.openxmlformats.org/drawingml/2006/main" xmlns:r="http://schemas.openxmlformats.org/officeDocument/2006/relationships" xmlns:p="http://schemas.openxmlformats.org/presentationml/2006/main">
+  <p:cSld>
+    <p:spTree>
+      <p:nvGrpSpPr>
+        <p:cNvPr id="1" name=""/>
+        <p:cNvGrpSpPr/>
+        <p:nvPr/>
+      </p:nvGrpSpPr>
+      <p:grpSpPr>
+        <a:xfrm>
+          <a:off x="0" y="0"/>
+          <a:ext cx="0" cy="0"/>
+          <a:chOff x="0" y="0"/>
+          <a:chExt cx="0" cy="0"/>
+        </a:xfrm>
+      </p:grpSpPr>
+      <p:sp>
+        <p:nvSpPr>
+          <p:cNvPr id="2" name="Nadpis 1"/>
+          <p:cNvSpPr>
+            <a:spLocks noGrp="1"/>
+          </p:cNvSpPr>
+          <p:nvPr>
+            <p:ph type="title"/>
+          </p:nvPr>
+        </p:nvSpPr>
+        <p:spPr/>
+        <p:txBody>
+          <a:bodyPr/>
+          <a:lstStyle/>
+          <a:p>
+            <a:r>
+              <a:rPr lang="en-US" dirty="0" smtClean="0"/>
+              <a:t>Deployment </a:t>
+            </a:r>
+            <a:r>
+              <a:rPr lang="en-US" dirty="0" smtClean="0"/>
+              <a:t>cycle s PM</a:t>
+            </a:r>
+            <a:endParaRPr lang="en-US" dirty="0"/>
+          </a:p>
+        </p:txBody>
+      </p:sp>
+      <p:sp>
+        <p:nvSpPr>
+          <p:cNvPr id="4" name="Vývojový diagram: magnetický disk 3"/>
+          <p:cNvSpPr/>
+          <p:nvPr/>
+        </p:nvSpPr>
+        <p:spPr>
+          <a:xfrm>
+            <a:off x="5220072" y="2957465"/>
+            <a:ext cx="1656184" cy="1512168"/>
+          </a:xfrm>
+          <a:prstGeom prst="flowChartMagneticDisk">
+            <a:avLst/>
+          </a:prstGeom>
+        </p:spPr>
+        <p:style>
+          <a:lnRef idx="1">
+            <a:schemeClr val="dk1"/>
+          </a:lnRef>
+          <a:fillRef idx="2">
+            <a:schemeClr val="dk1"/>
+          </a:fillRef>
+          <a:effectRef idx="1">
+            <a:schemeClr val="dk1"/>
+          </a:effectRef>
+          <a:fontRef idx="minor">
+            <a:schemeClr val="dk1"/>
+          </a:fontRef>
+        </p:style>
+        <p:txBody>
+          <a:bodyPr rtlCol="0" anchor="ctr"/>
+          <a:lstStyle/>
+          <a:p>
+            <a:pPr algn="ctr"/>
+            <a:r>
+              <a:rPr lang="en-US" dirty="0" smtClean="0"/>
+              <a:t>GIT</a:t>
+            </a:r>
+            <a:r>
+              <a:rPr lang="cs-CZ" dirty="0" smtClean="0"/>
+              <a:t>hub</a:t>
+            </a:r>
+            <a:endParaRPr lang="en-US" dirty="0"/>
+          </a:p>
+        </p:txBody>
+      </p:sp>
+      <p:sp>
+        <p:nvSpPr>
+          <p:cNvPr id="5" name="TextovéPole 4"/>
+          <p:cNvSpPr txBox="1"/>
+          <p:nvPr/>
+        </p:nvSpPr>
+        <p:spPr>
+          <a:xfrm>
+            <a:off x="195288" y="2420888"/>
+            <a:ext cx="4664744" cy="2862322"/>
+          </a:xfrm>
+          <a:prstGeom prst="rect">
+            <a:avLst/>
+          </a:prstGeom>
+        </p:spPr>
+        <p:style>
+          <a:lnRef idx="1">
+            <a:schemeClr val="accent5"/>
+          </a:lnRef>
+          <a:fillRef idx="2">
+            <a:schemeClr val="accent5"/>
+          </a:fillRef>
+          <a:effectRef idx="1">
+            <a:schemeClr val="accent5"/>
+          </a:effectRef>
+          <a:fontRef idx="minor">
+            <a:schemeClr val="dk1"/>
+          </a:fontRef>
+        </p:style>
+        <p:txBody>
+          <a:bodyPr wrap="square" rtlCol="0">
+            <a:spAutoFit/>
+          </a:bodyPr>
+          <a:lstStyle/>
+          <a:p>
+            <a:r>
+              <a:rPr lang="en-US" dirty="0" err="1">
+                <a:latin typeface="Courier New" panose="02070309020205020404" pitchFamily="49" charset="0"/>
+                <a:cs typeface="Courier New" panose="02070309020205020404" pitchFamily="49" charset="0"/>
+              </a:rPr>
+              <a:t>n</a:t>
+            </a:r>
+            <a:r>
+              <a:rPr lang="en-US" dirty="0" err="1" smtClean="0">
+                <a:latin typeface="Courier New" panose="02070309020205020404" pitchFamily="49" charset="0"/>
+                <a:cs typeface="Courier New" panose="02070309020205020404" pitchFamily="49" charset="0"/>
+              </a:rPr>
+              <a:t>pm</a:t>
+            </a:r>
+            <a:r>
+              <a:rPr lang="en-US" dirty="0" smtClean="0">
+                <a:latin typeface="Courier New" panose="02070309020205020404" pitchFamily="49" charset="0"/>
+                <a:cs typeface="Courier New" panose="02070309020205020404" pitchFamily="49" charset="0"/>
+              </a:rPr>
+              <a:t> </a:t>
+            </a:r>
+            <a:r>
+              <a:rPr lang="en-US" dirty="0" err="1" smtClean="0">
+                <a:latin typeface="Courier New" panose="02070309020205020404" pitchFamily="49" charset="0"/>
+                <a:cs typeface="Courier New" panose="02070309020205020404" pitchFamily="49" charset="0"/>
+              </a:rPr>
+              <a:t>init</a:t>
+            </a:r>
+            <a:endParaRPr lang="en-US" dirty="0" smtClean="0">
+              <a:latin typeface="Courier New" panose="02070309020205020404" pitchFamily="49" charset="0"/>
+              <a:cs typeface="Courier New" panose="02070309020205020404" pitchFamily="49" charset="0"/>
+            </a:endParaRPr>
+          </a:p>
+          <a:p>
+            <a:r>
+              <a:rPr lang="en-US" dirty="0" smtClean="0">
+                <a:latin typeface="Courier New" panose="02070309020205020404" pitchFamily="49" charset="0"/>
+                <a:cs typeface="Courier New" panose="02070309020205020404" pitchFamily="49" charset="0"/>
+              </a:rPr>
+              <a:t>config.js for DEV</a:t>
+            </a:r>
+          </a:p>
+          <a:p>
+            <a:r>
+              <a:rPr lang="en-US" dirty="0" err="1" smtClean="0">
+                <a:latin typeface="Courier New" panose="02070309020205020404" pitchFamily="49" charset="0"/>
+                <a:cs typeface="Courier New" panose="02070309020205020404" pitchFamily="49" charset="0"/>
+              </a:rPr>
+              <a:t>npm</a:t>
+            </a:r>
+            <a:r>
+              <a:rPr lang="en-US" dirty="0" smtClean="0">
+                <a:latin typeface="Courier New" panose="02070309020205020404" pitchFamily="49" charset="0"/>
+                <a:cs typeface="Courier New" panose="02070309020205020404" pitchFamily="49" charset="0"/>
+              </a:rPr>
+              <a:t> </a:t>
+            </a:r>
+            <a:r>
+              <a:rPr lang="cs-CZ" dirty="0" err="1" smtClean="0">
+                <a:latin typeface="Courier New" panose="02070309020205020404" pitchFamily="49" charset="0"/>
+                <a:cs typeface="Courier New" panose="02070309020205020404" pitchFamily="49" charset="0"/>
+              </a:rPr>
+              <a:t>install</a:t>
+            </a:r>
+            <a:r>
+              <a:rPr lang="cs-CZ" dirty="0" smtClean="0">
+                <a:latin typeface="Courier New" panose="02070309020205020404" pitchFamily="49" charset="0"/>
+                <a:cs typeface="Courier New" panose="02070309020205020404" pitchFamily="49" charset="0"/>
+              </a:rPr>
+              <a:t> </a:t>
+            </a:r>
+            <a:r>
+              <a:rPr lang="en-US" dirty="0" smtClean="0">
+                <a:latin typeface="Courier New" panose="02070309020205020404" pitchFamily="49" charset="0"/>
+                <a:cs typeface="Courier New" panose="02070309020205020404" pitchFamily="49" charset="0"/>
+              </a:rPr>
+              <a:t>--save </a:t>
+            </a:r>
+            <a:r>
+              <a:rPr lang="en-US" dirty="0">
+                <a:latin typeface="Courier New" panose="02070309020205020404" pitchFamily="49" charset="0"/>
+                <a:cs typeface="Courier New" panose="02070309020205020404" pitchFamily="49" charset="0"/>
+              </a:rPr>
+              <a:t>$</a:t>
+            </a:r>
+            <a:r>
+              <a:rPr lang="en-US" dirty="0" smtClean="0">
+                <a:latin typeface="Courier New" panose="02070309020205020404" pitchFamily="49" charset="0"/>
+                <a:cs typeface="Courier New" panose="02070309020205020404" pitchFamily="49" charset="0"/>
+              </a:rPr>
+              <a:t>library</a:t>
+            </a:r>
+          </a:p>
+          <a:p>
+            <a:r>
+              <a:rPr lang="cs-CZ" dirty="0" smtClean="0">
+                <a:latin typeface="Courier New" panose="02070309020205020404" pitchFamily="49" charset="0"/>
+                <a:cs typeface="Courier New" panose="02070309020205020404" pitchFamily="49" charset="0"/>
+              </a:rPr>
+              <a:t>Pm2 </a:t>
+            </a:r>
+            <a:r>
+              <a:rPr lang="cs-CZ" dirty="0" err="1" smtClean="0">
+                <a:latin typeface="Courier New" panose="02070309020205020404" pitchFamily="49" charset="0"/>
+                <a:cs typeface="Courier New" panose="02070309020205020404" pitchFamily="49" charset="0"/>
+              </a:rPr>
+              <a:t>deployment</a:t>
+            </a:r>
+            <a:r>
+              <a:rPr lang="cs-CZ" dirty="0" smtClean="0">
+                <a:latin typeface="Courier New" panose="02070309020205020404" pitchFamily="49" charset="0"/>
+                <a:cs typeface="Courier New" panose="02070309020205020404" pitchFamily="49" charset="0"/>
+              </a:rPr>
+              <a:t> </a:t>
+            </a:r>
+            <a:r>
+              <a:rPr lang="cs-CZ" dirty="0" err="1" smtClean="0">
+                <a:latin typeface="Courier New" panose="02070309020205020404" pitchFamily="49" charset="0"/>
+                <a:cs typeface="Courier New" panose="02070309020205020404" pitchFamily="49" charset="0"/>
+              </a:rPr>
+              <a:t>production</a:t>
+            </a:r>
+            <a:r>
+              <a:rPr lang="cs-CZ" dirty="0" smtClean="0">
+                <a:latin typeface="Courier New" panose="02070309020205020404" pitchFamily="49" charset="0"/>
+                <a:cs typeface="Courier New" panose="02070309020205020404" pitchFamily="49" charset="0"/>
+              </a:rPr>
+              <a:t> </a:t>
+            </a:r>
+            <a:r>
+              <a:rPr lang="cs-CZ" dirty="0" err="1" smtClean="0">
+                <a:latin typeface="Courier New" panose="02070309020205020404" pitchFamily="49" charset="0"/>
+                <a:cs typeface="Courier New" panose="02070309020205020404" pitchFamily="49" charset="0"/>
+              </a:rPr>
+              <a:t>setup</a:t>
+            </a:r>
+            <a:endParaRPr lang="cs-CZ" dirty="0" smtClean="0">
+              <a:latin typeface="Courier New" panose="02070309020205020404" pitchFamily="49" charset="0"/>
+              <a:cs typeface="Courier New" panose="02070309020205020404" pitchFamily="49" charset="0"/>
+            </a:endParaRPr>
+          </a:p>
+          <a:p>
+            <a:endParaRPr lang="en-US" dirty="0">
+              <a:latin typeface="Courier New" panose="02070309020205020404" pitchFamily="49" charset="0"/>
+              <a:cs typeface="Courier New" panose="02070309020205020404" pitchFamily="49" charset="0"/>
+            </a:endParaRPr>
+          </a:p>
+          <a:p>
+            <a:r>
+              <a:rPr lang="en-US" b="1" dirty="0" smtClean="0">
+                <a:latin typeface="Courier New" panose="02070309020205020404" pitchFamily="49" charset="0"/>
+                <a:cs typeface="Courier New" panose="02070309020205020404" pitchFamily="49" charset="0"/>
+              </a:rPr>
+              <a:t>… development, testing, ..</a:t>
+            </a:r>
+          </a:p>
+          <a:p>
+            <a:endParaRPr lang="en-US" dirty="0" smtClean="0">
+              <a:latin typeface="Courier New" panose="02070309020205020404" pitchFamily="49" charset="0"/>
+              <a:cs typeface="Courier New" panose="02070309020205020404" pitchFamily="49" charset="0"/>
+            </a:endParaRPr>
+          </a:p>
+          <a:p>
+            <a:r>
+              <a:rPr lang="cs-CZ" dirty="0" err="1">
+                <a:latin typeface="Courier New" panose="02070309020205020404" pitchFamily="49" charset="0"/>
+                <a:cs typeface="Courier New" panose="02070309020205020404" pitchFamily="49" charset="0"/>
+              </a:rPr>
+              <a:t>i</a:t>
+            </a:r>
+            <a:r>
+              <a:rPr lang="cs-CZ" dirty="0" err="1" smtClean="0">
+                <a:latin typeface="Courier New" panose="02070309020205020404" pitchFamily="49" charset="0"/>
+                <a:cs typeface="Courier New" panose="02070309020205020404" pitchFamily="49" charset="0"/>
+              </a:rPr>
+              <a:t>gnore</a:t>
+            </a:r>
+            <a:r>
+              <a:rPr lang="cs-CZ" dirty="0" smtClean="0">
+                <a:latin typeface="Courier New" panose="02070309020205020404" pitchFamily="49" charset="0"/>
+                <a:cs typeface="Courier New" panose="02070309020205020404" pitchFamily="49" charset="0"/>
+              </a:rPr>
+              <a:t> config.js</a:t>
+            </a:r>
+            <a:endParaRPr lang="en-US" dirty="0">
+              <a:latin typeface="Courier New" panose="02070309020205020404" pitchFamily="49" charset="0"/>
+              <a:cs typeface="Courier New" panose="02070309020205020404" pitchFamily="49" charset="0"/>
+            </a:endParaRPr>
+          </a:p>
+          <a:p>
+            <a:r>
+              <a:rPr lang="en-US" dirty="0" err="1">
+                <a:latin typeface="Courier New" panose="02070309020205020404" pitchFamily="49" charset="0"/>
+                <a:cs typeface="Courier New" panose="02070309020205020404" pitchFamily="49" charset="0"/>
+              </a:rPr>
+              <a:t>g</a:t>
+            </a:r>
+            <a:r>
+              <a:rPr lang="en-US" dirty="0" err="1" smtClean="0">
+                <a:latin typeface="Courier New" panose="02070309020205020404" pitchFamily="49" charset="0"/>
+                <a:cs typeface="Courier New" panose="02070309020205020404" pitchFamily="49" charset="0"/>
+              </a:rPr>
+              <a:t>it</a:t>
+            </a:r>
+            <a:r>
+              <a:rPr lang="en-US" dirty="0" smtClean="0">
+                <a:latin typeface="Courier New" panose="02070309020205020404" pitchFamily="49" charset="0"/>
+                <a:cs typeface="Courier New" panose="02070309020205020404" pitchFamily="49" charset="0"/>
+              </a:rPr>
+              <a:t> </a:t>
+            </a:r>
+            <a:r>
+              <a:rPr lang="en-US" dirty="0" smtClean="0">
+                <a:latin typeface="Courier New" panose="02070309020205020404" pitchFamily="49" charset="0"/>
+                <a:cs typeface="Courier New" panose="02070309020205020404" pitchFamily="49" charset="0"/>
+              </a:rPr>
+              <a:t>push</a:t>
+            </a:r>
+            <a:r>
+              <a:rPr lang="cs-CZ" dirty="0" smtClean="0">
+                <a:latin typeface="Courier New" panose="02070309020205020404" pitchFamily="49" charset="0"/>
+                <a:cs typeface="Courier New" panose="02070309020205020404" pitchFamily="49" charset="0"/>
+              </a:rPr>
+              <a:t/>
+            </a:r>
+            <a:br>
+              <a:rPr lang="cs-CZ" dirty="0" smtClean="0">
+                <a:latin typeface="Courier New" panose="02070309020205020404" pitchFamily="49" charset="0"/>
+                <a:cs typeface="Courier New" panose="02070309020205020404" pitchFamily="49" charset="0"/>
+              </a:rPr>
+            </a:br>
+            <a:r>
+              <a:rPr lang="cs-CZ" dirty="0" smtClean="0">
+                <a:latin typeface="Courier New" panose="02070309020205020404" pitchFamily="49" charset="0"/>
+                <a:cs typeface="Courier New" panose="02070309020205020404" pitchFamily="49" charset="0"/>
+              </a:rPr>
+              <a:t>pm2 </a:t>
+            </a:r>
+            <a:r>
+              <a:rPr lang="cs-CZ" dirty="0" err="1" smtClean="0">
+                <a:latin typeface="Courier New" panose="02070309020205020404" pitchFamily="49" charset="0"/>
+                <a:cs typeface="Courier New" panose="02070309020205020404" pitchFamily="49" charset="0"/>
+              </a:rPr>
+              <a:t>deployment</a:t>
+            </a:r>
+            <a:r>
+              <a:rPr lang="cs-CZ" dirty="0" smtClean="0">
+                <a:latin typeface="Courier New" panose="02070309020205020404" pitchFamily="49" charset="0"/>
+                <a:cs typeface="Courier New" panose="02070309020205020404" pitchFamily="49" charset="0"/>
+              </a:rPr>
+              <a:t> </a:t>
+            </a:r>
+            <a:r>
+              <a:rPr lang="cs-CZ" dirty="0" err="1" smtClean="0">
+                <a:latin typeface="Courier New" panose="02070309020205020404" pitchFamily="49" charset="0"/>
+                <a:cs typeface="Courier New" panose="02070309020205020404" pitchFamily="49" charset="0"/>
+              </a:rPr>
+              <a:t>production</a:t>
+            </a:r>
+            <a:endParaRPr lang="en-US" dirty="0">
+              <a:latin typeface="Courier New" panose="02070309020205020404" pitchFamily="49" charset="0"/>
+              <a:cs typeface="Courier New" panose="02070309020205020404" pitchFamily="49" charset="0"/>
+            </a:endParaRPr>
+          </a:p>
+        </p:txBody>
+      </p:sp>
+      <p:sp>
+        <p:nvSpPr>
+          <p:cNvPr id="6" name="TextovéPole 5"/>
+          <p:cNvSpPr txBox="1"/>
+          <p:nvPr/>
+        </p:nvSpPr>
+        <p:spPr>
+          <a:xfrm>
+            <a:off x="5564336" y="2407072"/>
+            <a:ext cx="3040112" cy="646331"/>
+          </a:xfrm>
+          <a:prstGeom prst="rect">
+            <a:avLst/>
+          </a:prstGeom>
+        </p:spPr>
+        <p:style>
+          <a:lnRef idx="1">
+            <a:schemeClr val="accent2"/>
+          </a:lnRef>
+          <a:fillRef idx="2">
+            <a:schemeClr val="accent2"/>
+          </a:fillRef>
+          <a:effectRef idx="1">
+            <a:schemeClr val="accent2"/>
+          </a:effectRef>
+          <a:fontRef idx="minor">
+            <a:schemeClr val="dk1"/>
+          </a:fontRef>
+        </p:style>
+        <p:txBody>
+          <a:bodyPr wrap="square" rtlCol="0">
+            <a:spAutoFit/>
+          </a:bodyPr>
+          <a:lstStyle/>
+          <a:p>
+            <a:r>
+              <a:rPr lang="en-US" dirty="0" err="1" smtClean="0">
+                <a:latin typeface="Courier New" panose="02070309020205020404" pitchFamily="49" charset="0"/>
+                <a:cs typeface="Courier New" panose="02070309020205020404" pitchFamily="49" charset="0"/>
+              </a:rPr>
+              <a:t>Sem</a:t>
+            </a:r>
+            <a:r>
+              <a:rPr lang="en-US" dirty="0" smtClean="0">
+                <a:latin typeface="Courier New" panose="02070309020205020404" pitchFamily="49" charset="0"/>
+                <a:cs typeface="Courier New" panose="02070309020205020404" pitchFamily="49" charset="0"/>
+              </a:rPr>
+              <a:t> </a:t>
+            </a:r>
+            <a:r>
+              <a:rPr lang="en-US" dirty="0" err="1" smtClean="0">
+                <a:latin typeface="Courier New" panose="02070309020205020404" pitchFamily="49" charset="0"/>
+                <a:cs typeface="Courier New" panose="02070309020205020404" pitchFamily="49" charset="0"/>
+              </a:rPr>
+              <a:t>jenom</a:t>
+            </a:r>
+            <a:r>
+              <a:rPr lang="en-US" dirty="0" smtClean="0">
+                <a:latin typeface="Courier New" panose="02070309020205020404" pitchFamily="49" charset="0"/>
+                <a:cs typeface="Courier New" panose="02070309020205020404" pitchFamily="49" charset="0"/>
+              </a:rPr>
+              <a:t> d</a:t>
+            </a:r>
+            <a:r>
+              <a:rPr lang="cs-CZ" dirty="0" err="1" smtClean="0">
+                <a:latin typeface="Courier New" panose="02070309020205020404" pitchFamily="49" charset="0"/>
+                <a:cs typeface="Courier New" panose="02070309020205020404" pitchFamily="49" charset="0"/>
+              </a:rPr>
+              <a:t>áme</a:t>
+            </a:r>
+            <a:r>
+              <a:rPr lang="cs-CZ" dirty="0" smtClean="0">
+                <a:latin typeface="Courier New" panose="02070309020205020404" pitchFamily="49" charset="0"/>
+                <a:cs typeface="Courier New" panose="02070309020205020404" pitchFamily="49" charset="0"/>
+              </a:rPr>
+              <a:t> klíč ke </a:t>
+            </a:r>
+            <a:r>
+              <a:rPr lang="cs-CZ" dirty="0" err="1" smtClean="0">
+                <a:latin typeface="Courier New" panose="02070309020205020404" pitchFamily="49" charset="0"/>
+                <a:cs typeface="Courier New" panose="02070309020205020404" pitchFamily="49" charset="0"/>
+              </a:rPr>
+              <a:t>gitu</a:t>
+            </a:r>
+            <a:endParaRPr lang="en-US" dirty="0">
+              <a:latin typeface="Courier New" panose="02070309020205020404" pitchFamily="49" charset="0"/>
+              <a:cs typeface="Courier New" panose="02070309020205020404" pitchFamily="49" charset="0"/>
+            </a:endParaRPr>
+          </a:p>
+        </p:txBody>
+      </p:sp>
+      <p:sp>
+        <p:nvSpPr>
+          <p:cNvPr id="7" name="Zaoblený obdélník 6"/>
+          <p:cNvSpPr/>
+          <p:nvPr/>
+        </p:nvSpPr>
+        <p:spPr>
+          <a:xfrm>
+            <a:off x="195288" y="1831008"/>
+            <a:ext cx="4664744" cy="576064"/>
+          </a:xfrm>
+          <a:prstGeom prst="roundRect">
+            <a:avLst/>
+          </a:prstGeom>
+        </p:spPr>
+        <p:style>
+          <a:lnRef idx="1">
+            <a:schemeClr val="accent5"/>
+          </a:lnRef>
+          <a:fillRef idx="2">
+            <a:schemeClr val="accent5"/>
+          </a:fillRef>
+          <a:effectRef idx="1">
+            <a:schemeClr val="accent5"/>
+          </a:effectRef>
+          <a:fontRef idx="minor">
+            <a:schemeClr val="dk1"/>
+          </a:fontRef>
+        </p:style>
+        <p:txBody>
+          <a:bodyPr rtlCol="0" anchor="ctr"/>
+          <a:lstStyle/>
+          <a:p>
+            <a:pPr algn="ctr"/>
+            <a:r>
+              <a:rPr lang="cs-CZ" sz="3200" b="1" dirty="0" err="1" smtClean="0"/>
+              <a:t>Local</a:t>
+            </a:r>
+            <a:endParaRPr lang="en-US" sz="3200" b="1" dirty="0"/>
+          </a:p>
+        </p:txBody>
+      </p:sp>
+      <p:sp>
+        <p:nvSpPr>
+          <p:cNvPr id="8" name="Zaoblený obdélník 7"/>
+          <p:cNvSpPr/>
+          <p:nvPr/>
+        </p:nvSpPr>
+        <p:spPr>
+          <a:xfrm>
+            <a:off x="5564336" y="1831380"/>
+            <a:ext cx="3040112" cy="576064"/>
+          </a:xfrm>
+          <a:prstGeom prst="roundRect">
+            <a:avLst/>
+          </a:prstGeom>
+        </p:spPr>
+        <p:style>
+          <a:lnRef idx="1">
+            <a:schemeClr val="accent2"/>
+          </a:lnRef>
+          <a:fillRef idx="2">
+            <a:schemeClr val="accent2"/>
+          </a:fillRef>
+          <a:effectRef idx="1">
+            <a:schemeClr val="accent2"/>
+          </a:effectRef>
+          <a:fontRef idx="minor">
+            <a:schemeClr val="dk1"/>
+          </a:fontRef>
+        </p:style>
+        <p:txBody>
+          <a:bodyPr rtlCol="0" anchor="ctr"/>
+          <a:lstStyle/>
+          <a:p>
+            <a:pPr algn="ctr"/>
+            <a:r>
+              <a:rPr lang="cs-CZ" sz="2800" b="1" dirty="0" err="1"/>
+              <a:t>P</a:t>
+            </a:r>
+            <a:r>
+              <a:rPr lang="cs-CZ" sz="2800" b="1" dirty="0" err="1" smtClean="0"/>
+              <a:t>roduction</a:t>
+            </a:r>
+            <a:endParaRPr lang="en-US" b="1" dirty="0"/>
+          </a:p>
+        </p:txBody>
+      </p:sp>
+    </p:spTree>
+    <p:extLst>
+      <p:ext uri="{BB962C8B-B14F-4D97-AF65-F5344CB8AC3E}">
+        <p14:creationId xmlns:p14="http://schemas.microsoft.com/office/powerpoint/2010/main" val="2361785677"/>
+      </p:ext>
+    </p:extLst>
+  </p:cSld>
+  <p:clrMapOvr>
+    <a:masterClrMapping/>
+  </p:clrMapOvr>
+  <mc:AlternateContent xmlns:mc="http://schemas.openxmlformats.org/markup-compatibility/2006" xmlns:p14="http://schemas.microsoft.com/office/powerpoint/2010/main">
+    <mc:Choice Requires="p14">
+      <p:transition spd="slow" p14:dur="800">
+        <p14:flythrough/>
+      </p:transition>
+    </mc:Choice>
+    <mc:Fallback xmlns="">
+      <p:transition spd="slow">
+        <p:fade/>
+      </p:transition>
+    </mc:Fallback>
+  </mc:AlternateContent>
+  <p:timing>
+    <p:tnLst>
+      <p:par>
+        <p:cTn id="1" dur="indefinite" restart="never" nodeType="tmRoot">
+          <p:childTnLst>
+            <p:seq concurrent="1" nextAc="seek">
+              <p:cTn id="2" dur="indefinite" nodeType="mainSeq">
+                <p:childTnLst>
+                  <p:par>
+                    <p:cTn id="3" fill="hold">
+                      <p:stCondLst>
+                        <p:cond delay="indefinite"/>
+                      </p:stCondLst>
+                      <p:childTnLst>
+                        <p:par>
+                          <p:cTn id="4" fill="hold">
+                            <p:stCondLst>
+                              <p:cond delay="0"/>
+                            </p:stCondLst>
+                            <p:childTnLst>
+                              <p:par>
+                                <p:cTn id="5" presetID="10" presetClass="entr" presetSubtype="0" fill="hold" grpId="0" nodeType="clickEffect">
+                                  <p:stCondLst>
+                                    <p:cond delay="0"/>
+                                  </p:stCondLst>
+                                  <p:childTnLst>
+                                    <p:set>
+                                      <p:cBhvr>
+                                        <p:cTn id="6" dur="1" fill="hold">
+                                          <p:stCondLst>
+                                            <p:cond delay="0"/>
+                                          </p:stCondLst>
+                                        </p:cTn>
+                                        <p:tgtEl>
+                                          <p:spTgt spid="4"/>
+                                        </p:tgtEl>
+                                        <p:attrNameLst>
+                                          <p:attrName>style.visibility</p:attrName>
+                                        </p:attrNameLst>
+                                      </p:cBhvr>
+                                      <p:to>
+                                        <p:strVal val="visible"/>
+                                      </p:to>
+                                    </p:set>
+                                    <p:animEffect transition="in" filter="fade">
+                                      <p:cBhvr>
+                                        <p:cTn id="7" dur="500"/>
+                                        <p:tgtEl>
+                                          <p:spTgt spid="4"/>
+                                        </p:tgtEl>
+                                      </p:cBhvr>
+                                    </p:animEffect>
+                                  </p:childTnLst>
+                                </p:cTn>
+                              </p:par>
+                            </p:childTnLst>
+                          </p:cTn>
+                        </p:par>
+                      </p:childTnLst>
+                    </p:cTn>
+                  </p:par>
+                  <p:par>
+                    <p:cTn id="8" fill="hold">
+                      <p:stCondLst>
+                        <p:cond delay="indefinite"/>
+                      </p:stCondLst>
+                      <p:childTnLst>
+                        <p:par>
+                          <p:cTn id="9" fill="hold">
+                            <p:stCondLst>
+                              <p:cond delay="0"/>
+                            </p:stCondLst>
+                            <p:childTnLst>
+                              <p:par>
+                                <p:cTn id="10" presetID="10" presetClass="entr" presetSubtype="0" fill="hold" grpId="0" nodeType="clickEffect">
+                                  <p:stCondLst>
+                                    <p:cond delay="0"/>
+                                  </p:stCondLst>
+                                  <p:childTnLst>
+                                    <p:set>
+                                      <p:cBhvr>
+                                        <p:cTn id="11" dur="1" fill="hold">
+                                          <p:stCondLst>
+                                            <p:cond delay="0"/>
+                                          </p:stCondLst>
+                                        </p:cTn>
+                                        <p:tgtEl>
+                                          <p:spTgt spid="7"/>
+                                        </p:tgtEl>
+                                        <p:attrNameLst>
+                                          <p:attrName>style.visibility</p:attrName>
+                                        </p:attrNameLst>
+                                      </p:cBhvr>
+                                      <p:to>
+                                        <p:strVal val="visible"/>
+                                      </p:to>
+                                    </p:set>
+                                    <p:animEffect transition="in" filter="fade">
+                                      <p:cBhvr>
+                                        <p:cTn id="12" dur="500"/>
+                                        <p:tgtEl>
+                                          <p:spTgt spid="7"/>
+                                        </p:tgtEl>
+                                      </p:cBhvr>
+                                    </p:animEffect>
+                                  </p:childTnLst>
+                                </p:cTn>
+                              </p:par>
+                              <p:par>
+                                <p:cTn id="13" presetID="10" presetClass="entr" presetSubtype="0" fill="hold" grpId="0" nodeType="withEffect">
+                                  <p:stCondLst>
+                                    <p:cond delay="0"/>
+                                  </p:stCondLst>
+                                  <p:childTnLst>
+                                    <p:set>
+                                      <p:cBhvr>
+                                        <p:cTn id="14" dur="1" fill="hold">
+                                          <p:stCondLst>
+                                            <p:cond delay="0"/>
+                                          </p:stCondLst>
+                                        </p:cTn>
+                                        <p:tgtEl>
+                                          <p:spTgt spid="8"/>
+                                        </p:tgtEl>
+                                        <p:attrNameLst>
+                                          <p:attrName>style.visibility</p:attrName>
+                                        </p:attrNameLst>
+                                      </p:cBhvr>
+                                      <p:to>
+                                        <p:strVal val="visible"/>
+                                      </p:to>
+                                    </p:set>
+                                    <p:animEffect transition="in" filter="fade">
+                                      <p:cBhvr>
+                                        <p:cTn id="15" dur="500"/>
+                                        <p:tgtEl>
+                                          <p:spTgt spid="8"/>
+                                        </p:tgtEl>
+                                      </p:cBhvr>
+                                    </p:animEffect>
+                                  </p:childTnLst>
+                                </p:cTn>
+                              </p:par>
+                            </p:childTnLst>
+                          </p:cTn>
+                        </p:par>
+                      </p:childTnLst>
+                    </p:cTn>
+                  </p:par>
+                  <p:par>
+                    <p:cTn id="16" fill="hold">
+                      <p:stCondLst>
+                        <p:cond delay="indefinite"/>
+                      </p:stCondLst>
+                      <p:childTnLst>
+                        <p:par>
+                          <p:cTn id="17" fill="hold">
+                            <p:stCondLst>
+                              <p:cond delay="0"/>
+                            </p:stCondLst>
+                            <p:childTnLst>
+                              <p:par>
+                                <p:cTn id="18" presetID="10" presetClass="entr" presetSubtype="0" fill="hold" grpId="0" nodeType="clickEffect">
+                                  <p:stCondLst>
+                                    <p:cond delay="0"/>
+                                  </p:stCondLst>
+                                  <p:childTnLst>
+                                    <p:set>
+                                      <p:cBhvr>
+                                        <p:cTn id="19" dur="1" fill="hold">
+                                          <p:stCondLst>
+                                            <p:cond delay="0"/>
+                                          </p:stCondLst>
+                                        </p:cTn>
+                                        <p:tgtEl>
+                                          <p:spTgt spid="5"/>
+                                        </p:tgtEl>
+                                        <p:attrNameLst>
+                                          <p:attrName>style.visibility</p:attrName>
+                                        </p:attrNameLst>
+                                      </p:cBhvr>
+                                      <p:to>
+                                        <p:strVal val="visible"/>
+                                      </p:to>
+                                    </p:set>
+                                    <p:animEffect transition="in" filter="fade">
+                                      <p:cBhvr>
+                                        <p:cTn id="20" dur="500"/>
+                                        <p:tgtEl>
+                                          <p:spTgt spid="5"/>
+                                        </p:tgtEl>
+                                      </p:cBhvr>
+                                    </p:animEffect>
+                                  </p:childTnLst>
+                                </p:cTn>
+                              </p:par>
+                            </p:childTnLst>
+                          </p:cTn>
+                        </p:par>
+                      </p:childTnLst>
+                    </p:cTn>
+                  </p:par>
+                  <p:par>
+                    <p:cTn id="21" fill="hold">
+                      <p:stCondLst>
+                        <p:cond delay="indefinite"/>
+                      </p:stCondLst>
+                      <p:childTnLst>
+                        <p:par>
+                          <p:cTn id="22" fill="hold">
+                            <p:stCondLst>
+                              <p:cond delay="0"/>
+                            </p:stCondLst>
+                            <p:childTnLst>
+                              <p:par>
+                                <p:cTn id="23" presetID="10" presetClass="entr" presetSubtype="0" fill="hold" grpId="0" nodeType="clickEffect">
+                                  <p:stCondLst>
+                                    <p:cond delay="0"/>
+                                  </p:stCondLst>
+                                  <p:childTnLst>
+                                    <p:set>
+                                      <p:cBhvr>
+                                        <p:cTn id="24" dur="1" fill="hold">
+                                          <p:stCondLst>
+                                            <p:cond delay="0"/>
+                                          </p:stCondLst>
+                                        </p:cTn>
+                                        <p:tgtEl>
+                                          <p:spTgt spid="6"/>
+                                        </p:tgtEl>
+                                        <p:attrNameLst>
+                                          <p:attrName>style.visibility</p:attrName>
+                                        </p:attrNameLst>
+                                      </p:cBhvr>
+                                      <p:to>
+                                        <p:strVal val="visible"/>
+                                      </p:to>
+                                    </p:set>
+                                    <p:animEffect transition="in" filter="fade">
+                                      <p:cBhvr>
+                                        <p:cTn id="25" dur="500"/>
+                                        <p:tgtEl>
+                                          <p:spTgt spid="6"/>
+                                        </p:tgtEl>
+                                      </p:cBhvr>
+                                    </p:animEffect>
+                                  </p:childTnLst>
+                                </p:cTn>
+                              </p:par>
+                            </p:childTnLst>
+                          </p:cTn>
+                        </p:par>
+                      </p:childTnLst>
+                    </p:cTn>
+                  </p:par>
+                </p:childTnLst>
+              </p:cTn>
+              <p:prevCondLst>
+                <p:cond evt="onPrev" delay="0">
+                  <p:tgtEl>
+                    <p:sldTgt/>
+                  </p:tgtEl>
+                </p:cond>
+              </p:prevCondLst>
+              <p:nextCondLst>
+                <p:cond evt="onNext" delay="0">
+                  <p:tgtEl>
+                    <p:sldTgt/>
+                  </p:tgtEl>
+                </p:cond>
+              </p:nextCondLst>
+            </p:seq>
+          </p:childTnLst>
+        </p:cTn>
+      </p:par>
+    </p:tnLst>
+    <p:bldLst>
+      <p:bldP spid="4" grpId="0" animBg="1"/>
+      <p:bldP spid="5" grpId="0" animBg="1"/>
+      <p:bldP spid="6" grpId="0" animBg="1"/>
+      <p:bldP spid="7" grpId="0" animBg="1"/>
+      <p:bldP spid="8" grpId="0" animBg="1"/>
+    </p:bldLst>
+  </p:timing>
+</p:sld>
+</file>
+
+<file path=ppt/slides/slide33.xml><?xml version="1.0" encoding="utf-8"?>
+<p:sld xmlns:a="http://schemas.openxmlformats.org/drawingml/2006/main" xmlns:r="http://schemas.openxmlformats.org/officeDocument/2006/relationships" xmlns:p="http://schemas.openxmlformats.org/presentationml/2006/main">
+  <p:cSld>
+    <p:spTree>
+      <p:nvGrpSpPr>
+        <p:cNvPr id="1" name=""/>
+        <p:cNvGrpSpPr/>
+        <p:nvPr/>
+      </p:nvGrpSpPr>
+      <p:grpSpPr>
+        <a:xfrm>
+          <a:off x="0" y="0"/>
+          <a:ext cx="0" cy="0"/>
+          <a:chOff x="0" y="0"/>
+          <a:chExt cx="0" cy="0"/>
+        </a:xfrm>
+      </p:grpSpPr>
+      <p:sp>
+        <p:nvSpPr>
+          <p:cNvPr id="2" name="Nadpis 1"/>
+          <p:cNvSpPr>
+            <a:spLocks noGrp="1"/>
+          </p:cNvSpPr>
+          <p:nvPr>
+            <p:ph type="title"/>
+          </p:nvPr>
+        </p:nvSpPr>
+        <p:spPr/>
+        <p:txBody>
+          <a:bodyPr/>
+          <a:lstStyle/>
+          <a:p>
+            <a:r>
+              <a:rPr lang="en-US" dirty="0" smtClean="0"/>
+              <a:t>Best </a:t>
+            </a:r>
+            <a:r>
+              <a:rPr lang="en-US" dirty="0" smtClean="0"/>
+              <a:t>practices</a:t>
+            </a:r>
+            <a:endParaRPr lang="en-US" dirty="0"/>
+          </a:p>
+        </p:txBody>
+      </p:sp>
+      <p:sp>
+        <p:nvSpPr>
+          <p:cNvPr id="3" name="Zástupný symbol pro obsah 2"/>
+          <p:cNvSpPr>
+            <a:spLocks noGrp="1"/>
+          </p:cNvSpPr>
+          <p:nvPr>
+            <p:ph idx="1"/>
+          </p:nvPr>
+        </p:nvSpPr>
+        <p:spPr/>
+        <p:txBody>
+          <a:bodyPr>
+            <a:normAutofit lnSpcReduction="10000"/>
+          </a:bodyPr>
+          <a:lstStyle/>
+          <a:p>
+            <a:r>
+              <a:rPr lang="cs-CZ" dirty="0">
+                <a:latin typeface="Courier New" panose="02070309020205020404" pitchFamily="49" charset="0"/>
+                <a:cs typeface="Courier New" panose="02070309020205020404" pitchFamily="49" charset="0"/>
+              </a:rPr>
+              <a:t>u</a:t>
+            </a:r>
+            <a:r>
+              <a:rPr lang="cs-CZ" dirty="0" smtClean="0">
+                <a:latin typeface="Courier New" panose="02070309020205020404" pitchFamily="49" charset="0"/>
+                <a:cs typeface="Courier New" panose="02070309020205020404" pitchFamily="49" charset="0"/>
+              </a:rPr>
+              <a:t>se </a:t>
+            </a:r>
+            <a:r>
+              <a:rPr lang="cs-CZ" dirty="0" err="1" smtClean="0">
+                <a:latin typeface="Courier New" panose="02070309020205020404" pitchFamily="49" charset="0"/>
+                <a:cs typeface="Courier New" panose="02070309020205020404" pitchFamily="49" charset="0"/>
+              </a:rPr>
+              <a:t>strict</a:t>
+            </a:r>
+            <a:endParaRPr lang="cs-CZ" dirty="0" smtClean="0">
+              <a:latin typeface="Courier New" panose="02070309020205020404" pitchFamily="49" charset="0"/>
+              <a:cs typeface="Courier New" panose="02070309020205020404" pitchFamily="49" charset="0"/>
+            </a:endParaRPr>
+          </a:p>
+          <a:p>
+            <a:r>
+              <a:rPr lang="cs-CZ" dirty="0" smtClean="0">
+                <a:cs typeface="Courier New" panose="02070309020205020404" pitchFamily="49" charset="0"/>
+              </a:rPr>
+              <a:t>Don</a:t>
+            </a:r>
+            <a:r>
+              <a:rPr lang="en-US" dirty="0" smtClean="0">
+                <a:cs typeface="Courier New" panose="02070309020205020404" pitchFamily="49" charset="0"/>
+              </a:rPr>
+              <a:t>’t </a:t>
+            </a:r>
+            <a:r>
+              <a:rPr lang="en-US" b="1" dirty="0" err="1" smtClean="0">
+                <a:latin typeface="Courier New" panose="02070309020205020404" pitchFamily="49" charset="0"/>
+                <a:cs typeface="Courier New" panose="02070309020205020404" pitchFamily="49" charset="0"/>
+              </a:rPr>
+              <a:t>npm</a:t>
+            </a:r>
+            <a:r>
+              <a:rPr lang="en-US" b="1" dirty="0" smtClean="0">
+                <a:latin typeface="Courier New" panose="02070309020205020404" pitchFamily="49" charset="0"/>
+                <a:cs typeface="Courier New" panose="02070309020205020404" pitchFamily="49" charset="0"/>
+              </a:rPr>
+              <a:t> install </a:t>
+            </a:r>
+            <a:r>
+              <a:rPr lang="en-US" dirty="0" smtClean="0">
+                <a:cs typeface="Courier New" panose="02070309020205020404" pitchFamily="49" charset="0"/>
+              </a:rPr>
+              <a:t>random packages</a:t>
+            </a:r>
+            <a:endParaRPr lang="cs-CZ" dirty="0" smtClean="0">
+              <a:cs typeface="Courier New" panose="02070309020205020404" pitchFamily="49" charset="0"/>
+            </a:endParaRPr>
+          </a:p>
+          <a:p>
+            <a:r>
+              <a:rPr lang="en-US" dirty="0" smtClean="0"/>
+              <a:t>Use </a:t>
+            </a:r>
+            <a:r>
+              <a:rPr lang="en-US" b="1" dirty="0" smtClean="0">
+                <a:latin typeface="Courier New" panose="02070309020205020404" pitchFamily="49" charset="0"/>
+                <a:cs typeface="Courier New" panose="02070309020205020404" pitchFamily="49" charset="0"/>
+              </a:rPr>
+              <a:t>debug</a:t>
+            </a:r>
+            <a:r>
+              <a:rPr lang="en-US" b="1" dirty="0" smtClean="0"/>
+              <a:t> </a:t>
+            </a:r>
+            <a:r>
+              <a:rPr lang="en-US" dirty="0" smtClean="0"/>
+              <a:t>package</a:t>
+            </a:r>
+            <a:r>
+              <a:rPr lang="cs-CZ" dirty="0" smtClean="0"/>
+              <a:t> </a:t>
+            </a:r>
+            <a:r>
+              <a:rPr lang="cs-CZ" dirty="0" err="1" smtClean="0"/>
+              <a:t>for</a:t>
+            </a:r>
+            <a:r>
+              <a:rPr lang="cs-CZ" dirty="0" smtClean="0"/>
+              <a:t> </a:t>
+            </a:r>
+            <a:r>
+              <a:rPr lang="en-US" dirty="0" smtClean="0"/>
+              <a:t>debug </a:t>
+            </a:r>
+            <a:r>
+              <a:rPr lang="en-US" dirty="0" err="1" smtClean="0"/>
+              <a:t>loggs</a:t>
+            </a:r>
+            <a:endParaRPr lang="en-US" dirty="0" smtClean="0"/>
+          </a:p>
+          <a:p>
+            <a:r>
+              <a:rPr lang="cs-CZ" dirty="0" smtClean="0"/>
+              <a:t>Use u</a:t>
+            </a:r>
+            <a:r>
+              <a:rPr lang="en-US" dirty="0" smtClean="0"/>
+              <a:t>se </a:t>
+            </a:r>
+            <a:r>
+              <a:rPr lang="en-US" b="1" dirty="0" err="1" smtClean="0">
+                <a:latin typeface="Courier New" panose="02070309020205020404" pitchFamily="49" charset="0"/>
+                <a:cs typeface="Courier New" panose="02070309020205020404" pitchFamily="49" charset="0"/>
+              </a:rPr>
+              <a:t>winston</a:t>
+            </a:r>
+            <a:r>
+              <a:rPr lang="en-US" dirty="0" smtClean="0"/>
+              <a:t> for logs</a:t>
+            </a:r>
+          </a:p>
+          <a:p>
+            <a:r>
+              <a:rPr lang="en-US" dirty="0" smtClean="0"/>
+              <a:t>Use promise-based package or </a:t>
+            </a:r>
+            <a:r>
+              <a:rPr lang="en-US" b="1" dirty="0" smtClean="0">
+                <a:latin typeface="Courier New" panose="02070309020205020404" pitchFamily="49" charset="0"/>
+                <a:cs typeface="Courier New" panose="02070309020205020404" pitchFamily="49" charset="0"/>
+              </a:rPr>
+              <a:t>bluebird</a:t>
+            </a:r>
+          </a:p>
+          <a:p>
+            <a:r>
+              <a:rPr lang="en-US" dirty="0"/>
+              <a:t>A</a:t>
+            </a:r>
+            <a:r>
+              <a:rPr lang="en-US" dirty="0" smtClean="0"/>
+              <a:t>ll tokens</a:t>
+            </a:r>
+            <a:r>
+              <a:rPr lang="cs-CZ" dirty="0" smtClean="0"/>
+              <a:t>/</a:t>
+            </a:r>
+            <a:r>
+              <a:rPr lang="cs-CZ" dirty="0" err="1" smtClean="0"/>
+              <a:t>password</a:t>
+            </a:r>
+            <a:r>
+              <a:rPr lang="cs-CZ" dirty="0" smtClean="0"/>
+              <a:t> in </a:t>
+            </a:r>
+            <a:r>
+              <a:rPr lang="cs-CZ" dirty="0" smtClean="0">
+                <a:latin typeface="Courier New" panose="02070309020205020404" pitchFamily="49" charset="0"/>
+                <a:cs typeface="Courier New" panose="02070309020205020404" pitchFamily="49" charset="0"/>
+              </a:rPr>
+              <a:t>config.js</a:t>
+            </a:r>
+            <a:r>
+              <a:rPr lang="cs-CZ" dirty="0" smtClean="0"/>
+              <a:t> </a:t>
+            </a:r>
+            <a:r>
+              <a:rPr lang="cs-CZ" b="1" dirty="0" smtClean="0"/>
+              <a:t>NOT IN GIT</a:t>
+            </a:r>
+          </a:p>
+          <a:p>
+            <a:r>
+              <a:rPr lang="cs-CZ" dirty="0" smtClean="0"/>
+              <a:t>Use </a:t>
+            </a:r>
+            <a:r>
+              <a:rPr lang="cs-CZ" b="1" dirty="0" smtClean="0">
+                <a:latin typeface="Courier New" panose="02070309020205020404" pitchFamily="49" charset="0"/>
+                <a:cs typeface="Courier New" panose="02070309020205020404" pitchFamily="49" charset="0"/>
+              </a:rPr>
+              <a:t>pm2</a:t>
+            </a:r>
+            <a:r>
+              <a:rPr lang="cs-CZ" dirty="0" smtClean="0"/>
+              <a:t> </a:t>
+            </a:r>
+            <a:r>
+              <a:rPr lang="cs-CZ" dirty="0" err="1" smtClean="0"/>
+              <a:t>for</a:t>
+            </a:r>
+            <a:r>
+              <a:rPr lang="cs-CZ" dirty="0" smtClean="0"/>
+              <a:t> </a:t>
+            </a:r>
+            <a:r>
+              <a:rPr lang="cs-CZ" dirty="0" err="1" smtClean="0"/>
+              <a:t>production</a:t>
+            </a:r>
+            <a:r>
+              <a:rPr lang="cs-CZ" dirty="0" smtClean="0"/>
+              <a:t> management</a:t>
+            </a:r>
+            <a:endParaRPr lang="en-US" dirty="0"/>
+          </a:p>
+        </p:txBody>
+      </p:sp>
+    </p:spTree>
+    <p:extLst>
+      <p:ext uri="{BB962C8B-B14F-4D97-AF65-F5344CB8AC3E}">
+        <p14:creationId xmlns:p14="http://schemas.microsoft.com/office/powerpoint/2010/main" val="1014899769"/>
+      </p:ext>
+    </p:extLst>
+  </p:cSld>
+  <p:clrMapOvr>
+    <a:masterClrMapping/>
+  </p:clrMapOvr>
+  <mc:AlternateContent xmlns:mc="http://schemas.openxmlformats.org/markup-compatibility/2006" xmlns:p14="http://schemas.microsoft.com/office/powerpoint/2010/main">
+    <mc:Choice Requires="p14">
+      <p:transition spd="slow" p14:dur="800">
+        <p14:flythrough/>
+      </p:transition>
+    </mc:Choice>
+    <mc:Fallback xmlns="">
+      <p:transition spd="slow">
+        <p:fade/>
+      </p:transition>
+    </mc:Fallback>
+  </mc:AlternateContent>
+  <p:timing>
+    <p:tnLst>
+      <p:par>
+        <p:cTn id="1" dur="indefinite" restart="never" nodeType="tmRoot"/>
+      </p:par>
+    </p:tnLst>
+  </p:timing>
+</p:sld>
+</file>
+
+<file path=ppt/slides/slide34.xml><?xml version="1.0" encoding="utf-8"?>
+<p:sld xmlns:a="http://schemas.openxmlformats.org/drawingml/2006/main" xmlns:r="http://schemas.openxmlformats.org/officeDocument/2006/relationships" xmlns:p="http://schemas.openxmlformats.org/presentationml/2006/main">
+  <p:cSld>
+    <p:spTree>
+      <p:nvGrpSpPr>
+        <p:cNvPr id="1" name=""/>
+        <p:cNvGrpSpPr/>
+        <p:nvPr/>
+      </p:nvGrpSpPr>
+      <p:grpSpPr>
+        <a:xfrm>
+          <a:off x="0" y="0"/>
+          <a:ext cx="0" cy="0"/>
+          <a:chOff x="0" y="0"/>
+          <a:chExt cx="0" cy="0"/>
+        </a:xfrm>
+      </p:grpSpPr>
+      <p:sp>
+        <p:nvSpPr>
+          <p:cNvPr id="2" name="Nadpis 1"/>
+          <p:cNvSpPr>
+            <a:spLocks noGrp="1"/>
+          </p:cNvSpPr>
+          <p:nvPr>
+            <p:ph type="title"/>
+          </p:nvPr>
+        </p:nvSpPr>
+        <p:spPr/>
+        <p:txBody>
+          <a:bodyPr/>
+          <a:lstStyle/>
+          <a:p>
+            <a:r>
+              <a:rPr lang="en-US" dirty="0" smtClean="0"/>
+              <a:t>N</a:t>
+            </a:r>
+            <a:r>
+              <a:rPr lang="cs-CZ" dirty="0" err="1" smtClean="0"/>
+              <a:t>áš</a:t>
+            </a:r>
+            <a:r>
+              <a:rPr lang="cs-CZ" dirty="0" smtClean="0"/>
+              <a:t> node server</a:t>
+            </a:r>
+            <a:endParaRPr lang="en-US" dirty="0"/>
+          </a:p>
+        </p:txBody>
+      </p:sp>
+      <p:sp>
+        <p:nvSpPr>
+          <p:cNvPr id="3" name="Zástupný symbol pro obsah 2"/>
+          <p:cNvSpPr>
+            <a:spLocks noGrp="1"/>
+          </p:cNvSpPr>
+          <p:nvPr>
+            <p:ph idx="1"/>
+          </p:nvPr>
+        </p:nvSpPr>
+        <p:spPr/>
+        <p:txBody>
+          <a:bodyPr>
+            <a:normAutofit fontScale="77500" lnSpcReduction="20000"/>
+          </a:bodyPr>
+          <a:lstStyle/>
+          <a:p>
+            <a:r>
+              <a:rPr lang="cs-CZ" dirty="0" smtClean="0">
+                <a:hlinkClick r:id="rId2"/>
+              </a:rPr>
+              <a:t>https</a:t>
+            </a:r>
+            <a:r>
+              <a:rPr lang="en-US" dirty="0" smtClean="0">
+                <a:hlinkClick r:id="rId2"/>
+              </a:rPr>
+              <a:t>://</a:t>
+            </a:r>
+            <a:r>
+              <a:rPr lang="cs-CZ" dirty="0" smtClean="0">
+                <a:hlinkClick r:id="rId2"/>
+              </a:rPr>
+              <a:t>secure.activate.cz</a:t>
+            </a:r>
+            <a:r>
+              <a:rPr lang="en-US" dirty="0" smtClean="0"/>
+              <a:t> (</a:t>
+            </a:r>
+            <a:r>
+              <a:rPr lang="en-US" dirty="0" err="1" smtClean="0"/>
+              <a:t>gcloud</a:t>
+            </a:r>
+            <a:r>
+              <a:rPr lang="en-US" dirty="0" smtClean="0"/>
+              <a:t>)</a:t>
+            </a:r>
+          </a:p>
+          <a:p>
+            <a:r>
+              <a:rPr lang="en-US" dirty="0" err="1" smtClean="0"/>
+              <a:t>Pracuje</a:t>
+            </a:r>
+            <a:r>
+              <a:rPr lang="en-US" dirty="0" smtClean="0"/>
+              <a:t> </a:t>
+            </a:r>
+            <a:r>
+              <a:rPr lang="en-US" dirty="0"/>
+              <a:t>s repository </a:t>
+            </a:r>
+            <a:r>
+              <a:rPr lang="en-US" dirty="0">
+                <a:hlinkClick r:id="rId3"/>
+              </a:rPr>
+              <a:t>https://</a:t>
+            </a:r>
+            <a:r>
+              <a:rPr lang="en-US" dirty="0" smtClean="0">
+                <a:hlinkClick r:id="rId3"/>
+              </a:rPr>
+              <a:t>github.com/etnetera-activate/nodejs</a:t>
+            </a:r>
+            <a:r>
+              <a:rPr lang="en-US" dirty="0" smtClean="0"/>
+              <a:t> </a:t>
+            </a:r>
+            <a:endParaRPr lang="cs-CZ" dirty="0" smtClean="0"/>
+          </a:p>
+          <a:p>
+            <a:pPr lvl="1"/>
+            <a:r>
+              <a:rPr lang="cs-CZ" dirty="0" err="1" smtClean="0"/>
+              <a:t>Deployment</a:t>
+            </a:r>
+            <a:r>
+              <a:rPr lang="cs-CZ" dirty="0" smtClean="0"/>
+              <a:t> klíč</a:t>
+            </a:r>
+          </a:p>
+          <a:p>
+            <a:r>
+              <a:rPr lang="cs-CZ" dirty="0" smtClean="0"/>
+              <a:t>Spouštěno pod uživatelem node</a:t>
+            </a:r>
+            <a:endParaRPr lang="en-US" dirty="0" smtClean="0"/>
+          </a:p>
+          <a:p>
+            <a:r>
+              <a:rPr lang="cs-CZ" dirty="0" err="1" smtClean="0"/>
+              <a:t>Deployment</a:t>
+            </a:r>
+            <a:r>
+              <a:rPr lang="cs-CZ" dirty="0" smtClean="0"/>
+              <a:t> pomoci PM</a:t>
+            </a:r>
+            <a:r>
+              <a:rPr lang="en-US" dirty="0" smtClean="0"/>
+              <a:t>2 </a:t>
+            </a:r>
+          </a:p>
+          <a:p>
+            <a:pPr lvl="1"/>
+            <a:r>
+              <a:rPr lang="en-US" dirty="0" smtClean="0"/>
+              <a:t>Mus</a:t>
+            </a:r>
+            <a:r>
+              <a:rPr lang="cs-CZ" dirty="0" err="1" smtClean="0"/>
+              <a:t>íte</a:t>
+            </a:r>
+            <a:r>
+              <a:rPr lang="cs-CZ" dirty="0" smtClean="0"/>
+              <a:t> mi dát svůj RSA </a:t>
+            </a:r>
+            <a:r>
+              <a:rPr lang="cs-CZ" dirty="0" err="1" smtClean="0"/>
+              <a:t>pub</a:t>
+            </a:r>
+            <a:r>
+              <a:rPr lang="cs-CZ" dirty="0" smtClean="0"/>
+              <a:t> </a:t>
+            </a:r>
+          </a:p>
+          <a:p>
+            <a:r>
+              <a:rPr lang="cs-CZ" dirty="0" smtClean="0"/>
+              <a:t>Každá </a:t>
+            </a:r>
+            <a:r>
+              <a:rPr lang="cs-CZ" dirty="0" err="1" smtClean="0"/>
+              <a:t>miniapp</a:t>
+            </a:r>
+            <a:r>
+              <a:rPr lang="cs-CZ" dirty="0" smtClean="0"/>
+              <a:t> s Express</a:t>
+            </a:r>
+          </a:p>
+          <a:p>
+            <a:pPr lvl="1"/>
+            <a:r>
+              <a:rPr lang="cs-CZ" dirty="0" smtClean="0"/>
+              <a:t> běží na svém portu </a:t>
+            </a:r>
+            <a:r>
+              <a:rPr lang="en-US" dirty="0" smtClean="0"/>
+              <a:t>(30000 …)</a:t>
+            </a:r>
+          </a:p>
+          <a:p>
+            <a:pPr lvl="1"/>
+            <a:r>
+              <a:rPr lang="en-US" dirty="0" smtClean="0"/>
+              <a:t>M</a:t>
+            </a:r>
+            <a:r>
+              <a:rPr lang="cs-CZ" dirty="0" smtClean="0"/>
+              <a:t>á svůj URL prefix.  Př. </a:t>
+            </a:r>
+            <a:r>
+              <a:rPr lang="en-US" dirty="0" err="1"/>
+              <a:t>server.use</a:t>
+            </a:r>
+            <a:r>
+              <a:rPr lang="en-US" dirty="0"/>
+              <a:t>("/</a:t>
+            </a:r>
+            <a:r>
+              <a:rPr lang="en-US" dirty="0" err="1"/>
+              <a:t>api</a:t>
+            </a:r>
+            <a:r>
+              <a:rPr lang="en-US" dirty="0"/>
+              <a:t>/</a:t>
+            </a:r>
+            <a:r>
+              <a:rPr lang="en-US" dirty="0" err="1"/>
+              <a:t>etna</a:t>
+            </a:r>
+            <a:r>
+              <a:rPr lang="en-US" dirty="0"/>
+              <a:t>", app</a:t>
+            </a:r>
+            <a:r>
+              <a:rPr lang="en-US" dirty="0" smtClean="0"/>
+              <a:t>);</a:t>
+            </a:r>
+            <a:endParaRPr lang="cs-CZ" dirty="0" smtClean="0"/>
+          </a:p>
+          <a:p>
+            <a:pPr lvl="1"/>
+            <a:r>
+              <a:rPr lang="cs-CZ" dirty="0" smtClean="0"/>
+              <a:t>TODO: dodělat z konfigurace ecosystem.js</a:t>
+            </a:r>
+            <a:endParaRPr lang="en-US" dirty="0" smtClean="0"/>
+          </a:p>
+          <a:p>
+            <a:r>
+              <a:rPr lang="en-US" dirty="0" err="1" smtClean="0"/>
+              <a:t>Zve</a:t>
+            </a:r>
+            <a:r>
+              <a:rPr lang="cs-CZ" dirty="0" err="1" smtClean="0"/>
+              <a:t>řejněněno</a:t>
+            </a:r>
+            <a:r>
+              <a:rPr lang="cs-CZ" dirty="0" smtClean="0"/>
+              <a:t> pomocí </a:t>
+            </a:r>
+            <a:r>
+              <a:rPr lang="cs-CZ" dirty="0" err="1" smtClean="0"/>
+              <a:t>Ngix</a:t>
+            </a:r>
+            <a:endParaRPr lang="en-US" dirty="0"/>
+          </a:p>
+        </p:txBody>
+      </p:sp>
+    </p:spTree>
+    <p:extLst>
+      <p:ext uri="{BB962C8B-B14F-4D97-AF65-F5344CB8AC3E}">
+        <p14:creationId xmlns:p14="http://schemas.microsoft.com/office/powerpoint/2010/main" val="2411809392"/>
+      </p:ext>
+    </p:extLst>
+  </p:cSld>
+  <p:clrMapOvr>
+    <a:masterClrMapping/>
+  </p:clrMapOvr>
+  <p:timing>
+    <p:tnLst>
+      <p:par>
+        <p:cTn id="1" dur="indefinite" restart="never" nodeType="tmRoot"/>
+      </p:par>
+    </p:tnLst>
+  </p:timing>
+</p:sld>
+</file>
+
+<file path=ppt/slides/slide35.xml><?xml version="1.0" encoding="utf-8"?>
+<p:sld xmlns:a="http://schemas.openxmlformats.org/drawingml/2006/main" xmlns:r="http://schemas.openxmlformats.org/officeDocument/2006/relationships" xmlns:p="http://schemas.openxmlformats.org/presentationml/2006/main">
+  <p:cSld>
+    <p:spTree>
+      <p:nvGrpSpPr>
+        <p:cNvPr id="1" name=""/>
+        <p:cNvGrpSpPr/>
+        <p:nvPr/>
+      </p:nvGrpSpPr>
+      <p:grpSpPr>
+        <a:xfrm>
+          <a:off x="0" y="0"/>
+          <a:ext cx="0" cy="0"/>
+          <a:chOff x="0" y="0"/>
+          <a:chExt cx="0" cy="0"/>
+        </a:xfrm>
+      </p:grpSpPr>
+      <p:sp>
+        <p:nvSpPr>
+          <p:cNvPr id="2" name="Nadpis 1"/>
+          <p:cNvSpPr>
+            <a:spLocks noGrp="1"/>
+          </p:cNvSpPr>
+          <p:nvPr>
+            <p:ph type="title"/>
+          </p:nvPr>
+        </p:nvSpPr>
+        <p:spPr/>
+        <p:txBody>
+          <a:bodyPr/>
+          <a:lstStyle/>
+          <a:p>
+            <a:r>
+              <a:rPr lang="cs-CZ" dirty="0" smtClean="0"/>
+              <a:t>Let</a:t>
+            </a:r>
+            <a:r>
+              <a:rPr lang="en-US" dirty="0" smtClean="0"/>
+              <a:t>’s code</a:t>
+            </a:r>
+            <a:endParaRPr lang="cs-CZ" dirty="0"/>
           </a:p>
         </p:txBody>
       </p:sp>

--- a/node-uvod.pptx
+++ b/node-uvod.pptx
@@ -143,7 +143,7 @@
   </p:defaultTextStyle>
   <p:extLst>
     <p:ext uri="{EFAFB233-063F-42B5-8137-9DF3F51BA10A}">
-      <p15:sldGuideLst xmlns:p15="http://schemas.microsoft.com/office/powerpoint/2012/main" xmlns="">
+      <p15:sldGuideLst xmlns="" xmlns:p15="http://schemas.microsoft.com/office/powerpoint/2012/main">
         <p15:guide id="1" orient="horz" pos="2160">
           <p15:clr>
             <a:srgbClr val="A4A3A4"/>
@@ -242,7 +242,7 @@
           <a:p>
             <a:fld id="{BB98AB2E-CF13-4FF5-88F8-81D6F4127D67}" type="datetimeFigureOut">
               <a:rPr lang="cs-CZ" smtClean="0"/>
-              <a:t>06.04.2018</a:t>
+              <a:t>08.04.2018</a:t>
             </a:fld>
             <a:endParaRPr lang="cs-CZ"/>
           </a:p>
@@ -691,7 +691,7 @@
           <a:p>
             <a:fld id="{E7BB63EB-1FEB-4BB0-AF8D-BD442935F862}" type="datetimeFigureOut">
               <a:rPr lang="cs-CZ" smtClean="0"/>
-              <a:t>06.04.2018</a:t>
+              <a:t>08.04.2018</a:t>
             </a:fld>
             <a:endParaRPr lang="cs-CZ"/>
           </a:p>
@@ -861,7 +861,7 @@
           <a:p>
             <a:fld id="{E7BB63EB-1FEB-4BB0-AF8D-BD442935F862}" type="datetimeFigureOut">
               <a:rPr lang="cs-CZ" smtClean="0"/>
-              <a:t>06.04.2018</a:t>
+              <a:t>08.04.2018</a:t>
             </a:fld>
             <a:endParaRPr lang="cs-CZ"/>
           </a:p>
@@ -1041,7 +1041,7 @@
           <a:p>
             <a:fld id="{E7BB63EB-1FEB-4BB0-AF8D-BD442935F862}" type="datetimeFigureOut">
               <a:rPr lang="cs-CZ" smtClean="0"/>
-              <a:t>06.04.2018</a:t>
+              <a:t>08.04.2018</a:t>
             </a:fld>
             <a:endParaRPr lang="cs-CZ"/>
           </a:p>
@@ -1211,7 +1211,7 @@
           <a:p>
             <a:fld id="{E7BB63EB-1FEB-4BB0-AF8D-BD442935F862}" type="datetimeFigureOut">
               <a:rPr lang="cs-CZ" smtClean="0"/>
-              <a:t>06.04.2018</a:t>
+              <a:t>08.04.2018</a:t>
             </a:fld>
             <a:endParaRPr lang="cs-CZ"/>
           </a:p>
@@ -1457,7 +1457,7 @@
           <a:p>
             <a:fld id="{E7BB63EB-1FEB-4BB0-AF8D-BD442935F862}" type="datetimeFigureOut">
               <a:rPr lang="cs-CZ" smtClean="0"/>
-              <a:t>06.04.2018</a:t>
+              <a:t>08.04.2018</a:t>
             </a:fld>
             <a:endParaRPr lang="cs-CZ"/>
           </a:p>
@@ -1745,7 +1745,7 @@
           <a:p>
             <a:fld id="{E7BB63EB-1FEB-4BB0-AF8D-BD442935F862}" type="datetimeFigureOut">
               <a:rPr lang="cs-CZ" smtClean="0"/>
-              <a:t>06.04.2018</a:t>
+              <a:t>08.04.2018</a:t>
             </a:fld>
             <a:endParaRPr lang="cs-CZ"/>
           </a:p>
@@ -2167,7 +2167,7 @@
           <a:p>
             <a:fld id="{E7BB63EB-1FEB-4BB0-AF8D-BD442935F862}" type="datetimeFigureOut">
               <a:rPr lang="cs-CZ" smtClean="0"/>
-              <a:t>06.04.2018</a:t>
+              <a:t>08.04.2018</a:t>
             </a:fld>
             <a:endParaRPr lang="cs-CZ"/>
           </a:p>
@@ -2285,7 +2285,7 @@
           <a:p>
             <a:fld id="{E7BB63EB-1FEB-4BB0-AF8D-BD442935F862}" type="datetimeFigureOut">
               <a:rPr lang="cs-CZ" smtClean="0"/>
-              <a:t>06.04.2018</a:t>
+              <a:t>08.04.2018</a:t>
             </a:fld>
             <a:endParaRPr lang="cs-CZ"/>
           </a:p>
@@ -2380,7 +2380,7 @@
           <a:p>
             <a:fld id="{E7BB63EB-1FEB-4BB0-AF8D-BD442935F862}" type="datetimeFigureOut">
               <a:rPr lang="cs-CZ" smtClean="0"/>
-              <a:t>06.04.2018</a:t>
+              <a:t>08.04.2018</a:t>
             </a:fld>
             <a:endParaRPr lang="cs-CZ"/>
           </a:p>
@@ -2657,7 +2657,7 @@
           <a:p>
             <a:fld id="{E7BB63EB-1FEB-4BB0-AF8D-BD442935F862}" type="datetimeFigureOut">
               <a:rPr lang="cs-CZ" smtClean="0"/>
-              <a:t>06.04.2018</a:t>
+              <a:t>08.04.2018</a:t>
             </a:fld>
             <a:endParaRPr lang="cs-CZ"/>
           </a:p>
@@ -2910,7 +2910,7 @@
           <a:p>
             <a:fld id="{E7BB63EB-1FEB-4BB0-AF8D-BD442935F862}" type="datetimeFigureOut">
               <a:rPr lang="cs-CZ" smtClean="0"/>
-              <a:t>06.04.2018</a:t>
+              <a:t>08.04.2018</a:t>
             </a:fld>
             <a:endParaRPr lang="cs-CZ"/>
           </a:p>
@@ -3123,7 +3123,7 @@
           <a:p>
             <a:fld id="{E7BB63EB-1FEB-4BB0-AF8D-BD442935F862}" type="datetimeFigureOut">
               <a:rPr lang="cs-CZ" smtClean="0"/>
-              <a:t>06.04.2018</a:t>
+              <a:t>08.04.2018</a:t>
             </a:fld>
             <a:endParaRPr lang="cs-CZ"/>
           </a:p>
@@ -9299,8 +9299,8 @@
               <a:t> </a:t>
             </a:r>
             <a:r>
-              <a:rPr lang="cs-CZ" dirty="0" err="1" smtClean="0"/>
-              <a:t>klientami</a:t>
+              <a:rPr lang="en-US" dirty="0" smtClean="0"/>
+              <a:t>packages</a:t>
             </a:r>
             <a:endParaRPr lang="en-US" dirty="0" smtClean="0"/>
           </a:p>
@@ -9357,13 +9357,8 @@
           <a:p>
             <a:r>
               <a:rPr lang="cs-CZ" dirty="0" smtClean="0"/>
-              <a:t>Defaultně loguje </a:t>
-            </a:r>
-            <a:r>
-              <a:rPr lang="cs-CZ" dirty="0" smtClean="0"/>
-              <a:t>STDERR. Pokud chcete na STDOUT lze</a:t>
-            </a:r>
-            <a:endParaRPr lang="cs-CZ" dirty="0" smtClean="0"/>
+              <a:t>Defaultně loguje STDERR. Pokud chcete na STDOUT lze</a:t>
+            </a:r>
           </a:p>
           <a:p>
             <a:pPr marL="0" indent="0">
@@ -9792,11 +9787,7 @@
             </a:r>
             <a:r>
               <a:rPr lang="cs-CZ" smtClean="0"/>
-              <a:t>data </a:t>
-            </a:r>
-            <a:r>
-              <a:rPr lang="cs-CZ" smtClean="0"/>
-              <a:t>pumpy </a:t>
+              <a:t>data pumpy </a:t>
             </a:r>
             <a:r>
               <a:rPr lang="cs-CZ" dirty="0" smtClean="0"/>
@@ -11930,7 +11921,6 @@
               <a:rPr lang="cs-CZ" dirty="0" smtClean="0"/>
               <a:t> nepožíváme</a:t>
             </a:r>
-            <a:endParaRPr lang="cs-CZ" dirty="0" smtClean="0"/>
           </a:p>
           <a:p>
             <a:pPr lvl="1"/>
@@ -11938,7 +11928,6 @@
               <a:rPr lang="en-US" dirty="0" smtClean="0"/>
               <a:t>Metrics</a:t>
             </a:r>
-            <a:endParaRPr lang="en-US" dirty="0" smtClean="0"/>
           </a:p>
           <a:p>
             <a:pPr lvl="1"/>
@@ -12253,11 +12242,7 @@
           <a:p>
             <a:r>
               <a:rPr lang="en-US" dirty="0" smtClean="0"/>
-              <a:t>Deployment </a:t>
-            </a:r>
-            <a:r>
-              <a:rPr lang="en-US" dirty="0" smtClean="0"/>
-              <a:t>cycle s PM</a:t>
+              <a:t>Deployment cycle s PM</a:t>
             </a:r>
             <a:endParaRPr lang="en-US" dirty="0"/>
           </a:p>
@@ -12553,14 +12538,7 @@
                 <a:latin typeface="Courier New" panose="02070309020205020404" pitchFamily="49" charset="0"/>
                 <a:cs typeface="Courier New" panose="02070309020205020404" pitchFamily="49" charset="0"/>
               </a:rPr>
-              <a:t> </a:t>
-            </a:r>
-            <a:r>
-              <a:rPr lang="en-US" dirty="0" smtClean="0">
-                <a:latin typeface="Courier New" panose="02070309020205020404" pitchFamily="49" charset="0"/>
-                <a:cs typeface="Courier New" panose="02070309020205020404" pitchFamily="49" charset="0"/>
-              </a:rPr>
-              <a:t>push</a:t>
+              <a:t> push</a:t>
             </a:r>
             <a:r>
               <a:rPr lang="cs-CZ" dirty="0" smtClean="0">
@@ -13136,7 +13114,11 @@
             </a:r>
             <a:r>
               <a:rPr lang="en-US" dirty="0" smtClean="0"/>
-              <a:t>practices</a:t>
+              <a:t>practices </a:t>
+            </a:r>
+            <a:r>
+              <a:rPr lang="en-US" smtClean="0"/>
+              <a:t>on one page</a:t>
             </a:r>
             <a:endParaRPr lang="en-US" dirty="0"/>
           </a:p>
@@ -13152,7 +13134,12 @@
             <p:ph idx="1"/>
           </p:nvPr>
         </p:nvSpPr>
-        <p:spPr/>
+        <p:spPr>
+          <a:xfrm>
+            <a:off x="457200" y="1484784"/>
+            <a:ext cx="8229600" cy="4641379"/>
+          </a:xfrm>
+        </p:spPr>
         <p:txBody>
           <a:bodyPr>
             <a:normAutofit lnSpcReduction="10000"/>
@@ -13365,7 +13352,39 @@
             </a:r>
             <a:r>
               <a:rPr lang="cs-CZ" dirty="0" smtClean="0"/>
-              <a:t> management</a:t>
+              <a:t> </a:t>
+            </a:r>
+            <a:r>
+              <a:rPr lang="cs-CZ" dirty="0" smtClean="0"/>
+              <a:t>management</a:t>
+            </a:r>
+            <a:r>
+              <a:rPr lang="en-US" dirty="0" smtClean="0"/>
+              <a:t> and deployment </a:t>
+            </a:r>
+            <a:r>
+              <a:rPr lang="en-US" dirty="0" smtClean="0"/>
+              <a:t>(</a:t>
+            </a:r>
+            <a:r>
+              <a:rPr lang="en-US" dirty="0" err="1" smtClean="0"/>
+              <a:t>ssh</a:t>
+            </a:r>
+            <a:r>
+              <a:rPr lang="en-US" dirty="0" smtClean="0"/>
+              <a:t> keys</a:t>
+            </a:r>
+            <a:r>
+              <a:rPr lang="cs-CZ" dirty="0" smtClean="0"/>
+              <a:t> </a:t>
+            </a:r>
+            <a:r>
+              <a:rPr lang="cs-CZ" dirty="0" err="1" smtClean="0"/>
+              <a:t>based</a:t>
+            </a:r>
+            <a:r>
+              <a:rPr lang="en-US" dirty="0" smtClean="0"/>
+              <a:t>)</a:t>
             </a:r>
             <a:endParaRPr lang="en-US" dirty="0"/>
           </a:p>
